--- a/docs/src/main/asciidoc/dist/art/rsrcs.pptx
+++ b/docs/src/main/asciidoc/dist/art/rsrcs.pptx
@@ -10,6 +10,9 @@
     <p:sldId id="259" r:id="rId4"/>
     <p:sldId id="258" r:id="rId5"/>
     <p:sldId id="260" r:id="rId6"/>
+    <p:sldId id="261" r:id="rId7"/>
+    <p:sldId id="262" r:id="rId8"/>
+    <p:sldId id="263" r:id="rId9"/>
   </p:sldIdLst>
   <p:sldSz cx="9144000" cy="6858000" type="screen4x3"/>
   <p:notesSz cx="6858000" cy="9144000"/>
@@ -4578,6 +4581,972 @@
 </p:sld>
 </file>
 
+<file path=ppt/slides/slide6.xml><?xml version="1.0" encoding="utf-8"?>
+<p:sld xmlns:a="http://schemas.openxmlformats.org/drawingml/2006/main" xmlns:r="http://schemas.openxmlformats.org/officeDocument/2006/relationships" xmlns:p="http://schemas.openxmlformats.org/presentationml/2006/main">
+  <p:cSld>
+    <p:spTree>
+      <p:nvGrpSpPr>
+        <p:cNvPr id="1" name=""/>
+        <p:cNvGrpSpPr/>
+        <p:nvPr/>
+      </p:nvGrpSpPr>
+      <p:grpSpPr>
+        <a:xfrm>
+          <a:off x="0" y="0"/>
+          <a:ext cx="0" cy="0"/>
+          <a:chOff x="0" y="0"/>
+          <a:chExt cx="0" cy="0"/>
+        </a:xfrm>
+      </p:grpSpPr>
+      <p:pic>
+        <p:nvPicPr>
+          <p:cNvPr id="4" name="Picture 2" descr="C:\ESPD-EDM-02.00.00-asciidoc\espd-data-model\docs\src\main\asciidoc\images\PaymentOfTaxes_CA_mock-up.png"/>
+          <p:cNvPicPr>
+            <a:picLocks noChangeAspect="1" noChangeArrowheads="1"/>
+          </p:cNvPicPr>
+          <p:nvPr/>
+        </p:nvPicPr>
+        <p:blipFill>
+          <a:blip r:embed="rId2">
+            <a:extLst>
+              <a:ext uri="{28A0092B-C50C-407E-A947-70E740481C1C}">
+                <a14:useLocalDpi xmlns:a14="http://schemas.microsoft.com/office/drawing/2010/main" val="0"/>
+              </a:ext>
+            </a:extLst>
+          </a:blip>
+          <a:srcRect/>
+          <a:stretch>
+            <a:fillRect/>
+          </a:stretch>
+        </p:blipFill>
+        <p:spPr bwMode="auto">
+          <a:xfrm>
+            <a:off x="-1836712" y="610922"/>
+            <a:ext cx="11687175" cy="6238875"/>
+          </a:xfrm>
+          <a:prstGeom prst="rect">
+            <a:avLst/>
+          </a:prstGeom>
+          <a:noFill/>
+          <a:extLst>
+            <a:ext uri="{909E8E84-426E-40DD-AFC4-6F175D3DCCD1}">
+              <a14:hiddenFill xmlns:a14="http://schemas.microsoft.com/office/drawing/2010/main">
+                <a:solidFill>
+                  <a:srgbClr val="FFFFFF"/>
+                </a:solidFill>
+              </a14:hiddenFill>
+            </a:ext>
+          </a:extLst>
+        </p:spPr>
+      </p:pic>
+      <p:sp>
+        <p:nvSpPr>
+          <p:cNvPr id="5" name="4 Rectángulo redondeado"/>
+          <p:cNvSpPr/>
+          <p:nvPr/>
+        </p:nvSpPr>
+        <p:spPr>
+          <a:xfrm>
+            <a:off x="-1791274" y="1804944"/>
+            <a:ext cx="11600604" cy="496742"/>
+          </a:xfrm>
+          <a:prstGeom prst="roundRect">
+            <a:avLst/>
+          </a:prstGeom>
+          <a:noFill/>
+          <a:ln>
+            <a:solidFill>
+              <a:srgbClr val="92D050"/>
+            </a:solidFill>
+            <a:prstDash val="sysDash"/>
+          </a:ln>
+        </p:spPr>
+        <p:style>
+          <a:lnRef idx="2">
+            <a:schemeClr val="accent1">
+              <a:shade val="50000"/>
+            </a:schemeClr>
+          </a:lnRef>
+          <a:fillRef idx="1">
+            <a:schemeClr val="accent1"/>
+          </a:fillRef>
+          <a:effectRef idx="0">
+            <a:schemeClr val="accent1"/>
+          </a:effectRef>
+          <a:fontRef idx="minor">
+            <a:schemeClr val="lt1"/>
+          </a:fontRef>
+        </p:style>
+        <p:txBody>
+          <a:bodyPr rtlCol="0" anchor="ctr"/>
+          <a:lstStyle/>
+          <a:p>
+            <a:pPr algn="ctr"/>
+            <a:endParaRPr lang="en-GB"/>
+          </a:p>
+        </p:txBody>
+      </p:sp>
+      <p:sp>
+        <p:nvSpPr>
+          <p:cNvPr id="6" name="5 CuadroTexto"/>
+          <p:cNvSpPr txBox="1"/>
+          <p:nvPr/>
+        </p:nvSpPr>
+        <p:spPr>
+          <a:xfrm>
+            <a:off x="9900592" y="1844824"/>
+            <a:ext cx="1747466" cy="369332"/>
+          </a:xfrm>
+          <a:prstGeom prst="rect">
+            <a:avLst/>
+          </a:prstGeom>
+          <a:noFill/>
+        </p:spPr>
+        <p:txBody>
+          <a:bodyPr wrap="none" rtlCol="0">
+            <a:spAutoFit/>
+          </a:bodyPr>
+          <a:lstStyle/>
+          <a:p>
+            <a:r>
+              <a:rPr lang="en-GB" b="1" dirty="0" smtClean="0">
+                <a:solidFill>
+                  <a:srgbClr val="00B050"/>
+                </a:solidFill>
+              </a:rPr>
+              <a:t>EU </a:t>
+            </a:r>
+            <a:r>
+              <a:rPr lang="en-GB" b="1" dirty="0" err="1" smtClean="0">
+                <a:solidFill>
+                  <a:srgbClr val="00B050"/>
+                </a:solidFill>
+              </a:rPr>
+              <a:t>PoT</a:t>
+            </a:r>
+            <a:r>
+              <a:rPr lang="en-GB" b="1" dirty="0" smtClean="0">
+                <a:solidFill>
+                  <a:srgbClr val="00B050"/>
+                </a:solidFill>
+              </a:rPr>
+              <a:t> Criterion</a:t>
+            </a:r>
+            <a:endParaRPr lang="en-GB" b="1" dirty="0">
+              <a:solidFill>
+                <a:srgbClr val="00B050"/>
+              </a:solidFill>
+            </a:endParaRPr>
+          </a:p>
+        </p:txBody>
+      </p:sp>
+      <p:sp>
+        <p:nvSpPr>
+          <p:cNvPr id="7" name="6 Rectángulo redondeado"/>
+          <p:cNvSpPr/>
+          <p:nvPr/>
+        </p:nvSpPr>
+        <p:spPr>
+          <a:xfrm>
+            <a:off x="-1750752" y="2492896"/>
+            <a:ext cx="11600604" cy="864096"/>
+          </a:xfrm>
+          <a:prstGeom prst="roundRect">
+            <a:avLst/>
+          </a:prstGeom>
+          <a:noFill/>
+          <a:ln>
+            <a:solidFill>
+              <a:srgbClr val="92D050"/>
+            </a:solidFill>
+            <a:prstDash val="sysDash"/>
+          </a:ln>
+        </p:spPr>
+        <p:style>
+          <a:lnRef idx="2">
+            <a:schemeClr val="accent1">
+              <a:shade val="50000"/>
+            </a:schemeClr>
+          </a:lnRef>
+          <a:fillRef idx="1">
+            <a:schemeClr val="accent1"/>
+          </a:fillRef>
+          <a:effectRef idx="0">
+            <a:schemeClr val="accent1"/>
+          </a:effectRef>
+          <a:fontRef idx="minor">
+            <a:schemeClr val="lt1"/>
+          </a:fontRef>
+        </p:style>
+        <p:txBody>
+          <a:bodyPr rtlCol="0" anchor="ctr"/>
+          <a:lstStyle/>
+          <a:p>
+            <a:pPr algn="ctr"/>
+            <a:endParaRPr lang="en-GB"/>
+          </a:p>
+        </p:txBody>
+      </p:sp>
+      <p:sp>
+        <p:nvSpPr>
+          <p:cNvPr id="8" name="7 CuadroTexto"/>
+          <p:cNvSpPr txBox="1"/>
+          <p:nvPr/>
+        </p:nvSpPr>
+        <p:spPr>
+          <a:xfrm>
+            <a:off x="9864907" y="2728656"/>
+            <a:ext cx="1765099" cy="369332"/>
+          </a:xfrm>
+          <a:prstGeom prst="rect">
+            <a:avLst/>
+          </a:prstGeom>
+          <a:noFill/>
+        </p:spPr>
+        <p:txBody>
+          <a:bodyPr wrap="none" rtlCol="0">
+            <a:spAutoFit/>
+          </a:bodyPr>
+          <a:lstStyle/>
+          <a:p>
+            <a:r>
+              <a:rPr lang="en-GB" b="1" dirty="0" smtClean="0">
+                <a:solidFill>
+                  <a:srgbClr val="00B050"/>
+                </a:solidFill>
+              </a:rPr>
+              <a:t>FI </a:t>
+            </a:r>
+            <a:r>
+              <a:rPr lang="en-GB" b="1" dirty="0" err="1" smtClean="0">
+                <a:solidFill>
+                  <a:srgbClr val="00B050"/>
+                </a:solidFill>
+              </a:rPr>
+              <a:t>PoT</a:t>
+            </a:r>
+            <a:r>
+              <a:rPr lang="en-GB" b="1" dirty="0" smtClean="0">
+                <a:solidFill>
+                  <a:srgbClr val="00B050"/>
+                </a:solidFill>
+              </a:rPr>
+              <a:t> Criterion I</a:t>
+            </a:r>
+            <a:endParaRPr lang="en-GB" b="1" dirty="0">
+              <a:solidFill>
+                <a:srgbClr val="00B050"/>
+              </a:solidFill>
+            </a:endParaRPr>
+          </a:p>
+        </p:txBody>
+      </p:sp>
+      <p:sp>
+        <p:nvSpPr>
+          <p:cNvPr id="9" name="8 Rectángulo redondeado"/>
+          <p:cNvSpPr/>
+          <p:nvPr/>
+        </p:nvSpPr>
+        <p:spPr>
+          <a:xfrm>
+            <a:off x="-1764704" y="3356992"/>
+            <a:ext cx="11600604" cy="1152128"/>
+          </a:xfrm>
+          <a:prstGeom prst="roundRect">
+            <a:avLst/>
+          </a:prstGeom>
+          <a:noFill/>
+          <a:ln>
+            <a:solidFill>
+              <a:srgbClr val="92D050"/>
+            </a:solidFill>
+            <a:prstDash val="sysDash"/>
+          </a:ln>
+        </p:spPr>
+        <p:style>
+          <a:lnRef idx="2">
+            <a:schemeClr val="accent1">
+              <a:shade val="50000"/>
+            </a:schemeClr>
+          </a:lnRef>
+          <a:fillRef idx="1">
+            <a:schemeClr val="accent1"/>
+          </a:fillRef>
+          <a:effectRef idx="0">
+            <a:schemeClr val="accent1"/>
+          </a:effectRef>
+          <a:fontRef idx="minor">
+            <a:schemeClr val="lt1"/>
+          </a:fontRef>
+        </p:style>
+        <p:txBody>
+          <a:bodyPr rtlCol="0" anchor="ctr"/>
+          <a:lstStyle/>
+          <a:p>
+            <a:pPr algn="ctr"/>
+            <a:endParaRPr lang="en-GB"/>
+          </a:p>
+        </p:txBody>
+      </p:sp>
+      <p:sp>
+        <p:nvSpPr>
+          <p:cNvPr id="10" name="9 CuadroTexto"/>
+          <p:cNvSpPr txBox="1"/>
+          <p:nvPr/>
+        </p:nvSpPr>
+        <p:spPr>
+          <a:xfrm>
+            <a:off x="9850955" y="3707740"/>
+            <a:ext cx="1826013" cy="369332"/>
+          </a:xfrm>
+          <a:prstGeom prst="rect">
+            <a:avLst/>
+          </a:prstGeom>
+          <a:noFill/>
+        </p:spPr>
+        <p:txBody>
+          <a:bodyPr wrap="none" rtlCol="0">
+            <a:spAutoFit/>
+          </a:bodyPr>
+          <a:lstStyle/>
+          <a:p>
+            <a:r>
+              <a:rPr lang="en-GB" b="1" dirty="0" smtClean="0">
+                <a:solidFill>
+                  <a:srgbClr val="00B050"/>
+                </a:solidFill>
+              </a:rPr>
+              <a:t>FI </a:t>
+            </a:r>
+            <a:r>
+              <a:rPr lang="en-GB" b="1" dirty="0" err="1" smtClean="0">
+                <a:solidFill>
+                  <a:srgbClr val="00B050"/>
+                </a:solidFill>
+              </a:rPr>
+              <a:t>PoT</a:t>
+            </a:r>
+            <a:r>
+              <a:rPr lang="en-GB" b="1" dirty="0" smtClean="0">
+                <a:solidFill>
+                  <a:srgbClr val="00B050"/>
+                </a:solidFill>
+              </a:rPr>
+              <a:t> Criterion II</a:t>
+            </a:r>
+            <a:endParaRPr lang="en-GB" b="1" dirty="0">
+              <a:solidFill>
+                <a:srgbClr val="00B050"/>
+              </a:solidFill>
+            </a:endParaRPr>
+          </a:p>
+        </p:txBody>
+      </p:sp>
+      <p:sp>
+        <p:nvSpPr>
+          <p:cNvPr id="11" name="10 Rectángulo redondeado"/>
+          <p:cNvSpPr/>
+          <p:nvPr/>
+        </p:nvSpPr>
+        <p:spPr>
+          <a:xfrm>
+            <a:off x="-1764704" y="4509120"/>
+            <a:ext cx="11600604" cy="936104"/>
+          </a:xfrm>
+          <a:prstGeom prst="roundRect">
+            <a:avLst/>
+          </a:prstGeom>
+          <a:noFill/>
+          <a:ln>
+            <a:solidFill>
+              <a:srgbClr val="92D050"/>
+            </a:solidFill>
+            <a:prstDash val="sysDash"/>
+          </a:ln>
+        </p:spPr>
+        <p:style>
+          <a:lnRef idx="2">
+            <a:schemeClr val="accent1">
+              <a:shade val="50000"/>
+            </a:schemeClr>
+          </a:lnRef>
+          <a:fillRef idx="1">
+            <a:schemeClr val="accent1"/>
+          </a:fillRef>
+          <a:effectRef idx="0">
+            <a:schemeClr val="accent1"/>
+          </a:effectRef>
+          <a:fontRef idx="minor">
+            <a:schemeClr val="lt1"/>
+          </a:fontRef>
+        </p:style>
+        <p:txBody>
+          <a:bodyPr rtlCol="0" anchor="ctr"/>
+          <a:lstStyle/>
+          <a:p>
+            <a:pPr algn="ctr"/>
+            <a:endParaRPr lang="en-GB"/>
+          </a:p>
+        </p:txBody>
+      </p:sp>
+      <p:sp>
+        <p:nvSpPr>
+          <p:cNvPr id="12" name="11 CuadroTexto"/>
+          <p:cNvSpPr txBox="1"/>
+          <p:nvPr/>
+        </p:nvSpPr>
+        <p:spPr>
+          <a:xfrm>
+            <a:off x="9850955" y="4753610"/>
+            <a:ext cx="1886927" cy="369332"/>
+          </a:xfrm>
+          <a:prstGeom prst="rect">
+            <a:avLst/>
+          </a:prstGeom>
+          <a:noFill/>
+        </p:spPr>
+        <p:txBody>
+          <a:bodyPr wrap="none" rtlCol="0">
+            <a:spAutoFit/>
+          </a:bodyPr>
+          <a:lstStyle/>
+          <a:p>
+            <a:r>
+              <a:rPr lang="en-GB" b="1" dirty="0" smtClean="0">
+                <a:solidFill>
+                  <a:srgbClr val="00B050"/>
+                </a:solidFill>
+              </a:rPr>
+              <a:t>FI </a:t>
+            </a:r>
+            <a:r>
+              <a:rPr lang="en-GB" b="1" dirty="0" err="1" smtClean="0">
+                <a:solidFill>
+                  <a:srgbClr val="00B050"/>
+                </a:solidFill>
+              </a:rPr>
+              <a:t>PoT</a:t>
+            </a:r>
+            <a:r>
+              <a:rPr lang="en-GB" b="1" dirty="0" smtClean="0">
+                <a:solidFill>
+                  <a:srgbClr val="00B050"/>
+                </a:solidFill>
+              </a:rPr>
+              <a:t> Criterion III</a:t>
+            </a:r>
+            <a:endParaRPr lang="en-GB" b="1" dirty="0">
+              <a:solidFill>
+                <a:srgbClr val="00B050"/>
+              </a:solidFill>
+            </a:endParaRPr>
+          </a:p>
+        </p:txBody>
+      </p:sp>
+      <p:sp>
+        <p:nvSpPr>
+          <p:cNvPr id="13" name="12 Rectángulo redondeado"/>
+          <p:cNvSpPr/>
+          <p:nvPr/>
+        </p:nvSpPr>
+        <p:spPr>
+          <a:xfrm>
+            <a:off x="-1764704" y="5445224"/>
+            <a:ext cx="11600604" cy="1080120"/>
+          </a:xfrm>
+          <a:prstGeom prst="roundRect">
+            <a:avLst/>
+          </a:prstGeom>
+          <a:noFill/>
+          <a:ln>
+            <a:solidFill>
+              <a:srgbClr val="92D050"/>
+            </a:solidFill>
+            <a:prstDash val="sysDash"/>
+          </a:ln>
+        </p:spPr>
+        <p:style>
+          <a:lnRef idx="2">
+            <a:schemeClr val="accent1">
+              <a:shade val="50000"/>
+            </a:schemeClr>
+          </a:lnRef>
+          <a:fillRef idx="1">
+            <a:schemeClr val="accent1"/>
+          </a:fillRef>
+          <a:effectRef idx="0">
+            <a:schemeClr val="accent1"/>
+          </a:effectRef>
+          <a:fontRef idx="minor">
+            <a:schemeClr val="lt1"/>
+          </a:fontRef>
+        </p:style>
+        <p:txBody>
+          <a:bodyPr rtlCol="0" anchor="ctr"/>
+          <a:lstStyle/>
+          <a:p>
+            <a:pPr algn="ctr"/>
+            <a:endParaRPr lang="en-GB"/>
+          </a:p>
+        </p:txBody>
+      </p:sp>
+      <p:sp>
+        <p:nvSpPr>
+          <p:cNvPr id="14" name="13 CuadroTexto"/>
+          <p:cNvSpPr txBox="1"/>
+          <p:nvPr/>
+        </p:nvSpPr>
+        <p:spPr>
+          <a:xfrm>
+            <a:off x="9850955" y="5795972"/>
+            <a:ext cx="1901354" cy="369332"/>
+          </a:xfrm>
+          <a:prstGeom prst="rect">
+            <a:avLst/>
+          </a:prstGeom>
+          <a:noFill/>
+        </p:spPr>
+        <p:txBody>
+          <a:bodyPr wrap="none" rtlCol="0">
+            <a:spAutoFit/>
+          </a:bodyPr>
+          <a:lstStyle/>
+          <a:p>
+            <a:r>
+              <a:rPr lang="en-GB" b="1" dirty="0" smtClean="0">
+                <a:solidFill>
+                  <a:srgbClr val="00B050"/>
+                </a:solidFill>
+              </a:rPr>
+              <a:t>FI </a:t>
+            </a:r>
+            <a:r>
+              <a:rPr lang="en-GB" b="1" dirty="0" err="1" smtClean="0">
+                <a:solidFill>
+                  <a:srgbClr val="00B050"/>
+                </a:solidFill>
+              </a:rPr>
+              <a:t>PoT</a:t>
+            </a:r>
+            <a:r>
+              <a:rPr lang="en-GB" b="1" dirty="0" smtClean="0">
+                <a:solidFill>
+                  <a:srgbClr val="00B050"/>
+                </a:solidFill>
+              </a:rPr>
+              <a:t> Criterion IV</a:t>
+            </a:r>
+            <a:endParaRPr lang="en-GB" b="1" dirty="0">
+              <a:solidFill>
+                <a:srgbClr val="00B050"/>
+              </a:solidFill>
+            </a:endParaRPr>
+          </a:p>
+        </p:txBody>
+      </p:sp>
+    </p:spTree>
+    <p:extLst>
+      <p:ext uri="{BB962C8B-B14F-4D97-AF65-F5344CB8AC3E}">
+        <p14:creationId xmlns:p14="http://schemas.microsoft.com/office/powerpoint/2010/main" val="1792153492"/>
+      </p:ext>
+    </p:extLst>
+  </p:cSld>
+  <p:clrMapOvr>
+    <a:masterClrMapping/>
+  </p:clrMapOvr>
+</p:sld>
+</file>
+
+<file path=ppt/slides/slide7.xml><?xml version="1.0" encoding="utf-8"?>
+<p:sld xmlns:a="http://schemas.openxmlformats.org/drawingml/2006/main" xmlns:r="http://schemas.openxmlformats.org/officeDocument/2006/relationships" xmlns:p="http://schemas.openxmlformats.org/presentationml/2006/main">
+  <p:cSld>
+    <p:spTree>
+      <p:nvGrpSpPr>
+        <p:cNvPr id="1" name=""/>
+        <p:cNvGrpSpPr/>
+        <p:nvPr/>
+      </p:nvGrpSpPr>
+      <p:grpSpPr>
+        <a:xfrm>
+          <a:off x="0" y="0"/>
+          <a:ext cx="0" cy="0"/>
+          <a:chOff x="0" y="0"/>
+          <a:chExt cx="0" cy="0"/>
+        </a:xfrm>
+      </p:grpSpPr>
+      <p:pic>
+        <p:nvPicPr>
+          <p:cNvPr id="1026" name="Picture 2" descr="C:\ESPD-EDM-02.00.00-asciidoc\espd-data-model\docs\src\main\asciidoc\images\PaymentOfTaxes_EO_mock-up.png"/>
+          <p:cNvPicPr>
+            <a:picLocks noChangeAspect="1" noChangeArrowheads="1"/>
+          </p:cNvPicPr>
+          <p:nvPr/>
+        </p:nvPicPr>
+        <p:blipFill>
+          <a:blip r:embed="rId2">
+            <a:extLst>
+              <a:ext uri="{28A0092B-C50C-407E-A947-70E740481C1C}">
+                <a14:useLocalDpi xmlns:a14="http://schemas.microsoft.com/office/drawing/2010/main" val="0"/>
+              </a:ext>
+            </a:extLst>
+          </a:blip>
+          <a:srcRect/>
+          <a:stretch>
+            <a:fillRect/>
+          </a:stretch>
+        </p:blipFill>
+        <p:spPr bwMode="auto">
+          <a:xfrm>
+            <a:off x="-252536" y="116632"/>
+            <a:ext cx="9572625" cy="6029325"/>
+          </a:xfrm>
+          <a:prstGeom prst="rect">
+            <a:avLst/>
+          </a:prstGeom>
+          <a:noFill/>
+          <a:extLst>
+            <a:ext uri="{909E8E84-426E-40DD-AFC4-6F175D3DCCD1}">
+              <a14:hiddenFill xmlns:a14="http://schemas.microsoft.com/office/drawing/2010/main">
+                <a:solidFill>
+                  <a:srgbClr val="FFFFFF"/>
+                </a:solidFill>
+              </a14:hiddenFill>
+            </a:ext>
+          </a:extLst>
+        </p:spPr>
+      </p:pic>
+      <p:sp>
+        <p:nvSpPr>
+          <p:cNvPr id="4" name="3 Rectángulo redondeado"/>
+          <p:cNvSpPr/>
+          <p:nvPr/>
+        </p:nvSpPr>
+        <p:spPr>
+          <a:xfrm>
+            <a:off x="3563888" y="2564904"/>
+            <a:ext cx="5580112" cy="1872208"/>
+          </a:xfrm>
+          <a:prstGeom prst="roundRect">
+            <a:avLst/>
+          </a:prstGeom>
+          <a:noFill/>
+          <a:ln>
+            <a:solidFill>
+              <a:srgbClr val="92D050"/>
+            </a:solidFill>
+            <a:prstDash val="sysDash"/>
+          </a:ln>
+        </p:spPr>
+        <p:style>
+          <a:lnRef idx="2">
+            <a:schemeClr val="accent1">
+              <a:shade val="50000"/>
+            </a:schemeClr>
+          </a:lnRef>
+          <a:fillRef idx="1">
+            <a:schemeClr val="accent1"/>
+          </a:fillRef>
+          <a:effectRef idx="0">
+            <a:schemeClr val="accent1"/>
+          </a:effectRef>
+          <a:fontRef idx="minor">
+            <a:schemeClr val="lt1"/>
+          </a:fontRef>
+        </p:style>
+        <p:txBody>
+          <a:bodyPr rtlCol="0" anchor="ctr"/>
+          <a:lstStyle/>
+          <a:p>
+            <a:pPr algn="ctr"/>
+            <a:endParaRPr lang="en-GB"/>
+          </a:p>
+        </p:txBody>
+      </p:sp>
+      <p:sp>
+        <p:nvSpPr>
+          <p:cNvPr id="5" name="4 CuadroTexto"/>
+          <p:cNvSpPr txBox="1"/>
+          <p:nvPr/>
+        </p:nvSpPr>
+        <p:spPr>
+          <a:xfrm>
+            <a:off x="899592" y="2767073"/>
+            <a:ext cx="2088232" cy="1477328"/>
+          </a:xfrm>
+          <a:prstGeom prst="rect">
+            <a:avLst/>
+          </a:prstGeom>
+          <a:noFill/>
+        </p:spPr>
+        <p:txBody>
+          <a:bodyPr wrap="square" rtlCol="0">
+            <a:spAutoFit/>
+          </a:bodyPr>
+          <a:lstStyle/>
+          <a:p>
+            <a:r>
+              <a:rPr lang="en-GB" dirty="0" smtClean="0">
+                <a:solidFill>
+                  <a:srgbClr val="00B050"/>
+                </a:solidFill>
+              </a:rPr>
+              <a:t>This property is shown only if the answer to the previous QUESTION is ‘Yes’</a:t>
+            </a:r>
+            <a:endParaRPr lang="en-GB" dirty="0">
+              <a:solidFill>
+                <a:srgbClr val="00B050"/>
+              </a:solidFill>
+            </a:endParaRPr>
+          </a:p>
+        </p:txBody>
+      </p:sp>
+      <p:cxnSp>
+        <p:nvCxnSpPr>
+          <p:cNvPr id="7" name="6 Conector recto de flecha"/>
+          <p:cNvCxnSpPr>
+            <a:stCxn id="5" idx="3"/>
+            <a:endCxn id="4" idx="1"/>
+          </p:cNvCxnSpPr>
+          <p:nvPr/>
+        </p:nvCxnSpPr>
+        <p:spPr>
+          <a:xfrm flipV="1">
+            <a:off x="2987824" y="3501008"/>
+            <a:ext cx="576064" cy="4729"/>
+          </a:xfrm>
+          <a:prstGeom prst="straightConnector1">
+            <a:avLst/>
+          </a:prstGeom>
+          <a:ln w="19050">
+            <a:solidFill>
+              <a:srgbClr val="92D050"/>
+            </a:solidFill>
+            <a:tailEnd type="arrow"/>
+          </a:ln>
+        </p:spPr>
+        <p:style>
+          <a:lnRef idx="1">
+            <a:schemeClr val="accent1"/>
+          </a:lnRef>
+          <a:fillRef idx="0">
+            <a:schemeClr val="accent1"/>
+          </a:fillRef>
+          <a:effectRef idx="0">
+            <a:schemeClr val="accent1"/>
+          </a:effectRef>
+          <a:fontRef idx="minor">
+            <a:schemeClr val="tx1"/>
+          </a:fontRef>
+        </p:style>
+      </p:cxnSp>
+    </p:spTree>
+    <p:extLst>
+      <p:ext uri="{BB962C8B-B14F-4D97-AF65-F5344CB8AC3E}">
+        <p14:creationId xmlns:p14="http://schemas.microsoft.com/office/powerpoint/2010/main" val="2606548167"/>
+      </p:ext>
+    </p:extLst>
+  </p:cSld>
+  <p:clrMapOvr>
+    <a:masterClrMapping/>
+  </p:clrMapOvr>
+</p:sld>
+</file>
+
+<file path=ppt/slides/slide8.xml><?xml version="1.0" encoding="utf-8"?>
+<p:sld xmlns:a="http://schemas.openxmlformats.org/drawingml/2006/main" xmlns:r="http://schemas.openxmlformats.org/officeDocument/2006/relationships" xmlns:p="http://schemas.openxmlformats.org/presentationml/2006/main">
+  <p:cSld>
+    <p:spTree>
+      <p:nvGrpSpPr>
+        <p:cNvPr id="1" name=""/>
+        <p:cNvGrpSpPr/>
+        <p:nvPr/>
+      </p:nvGrpSpPr>
+      <p:grpSpPr>
+        <a:xfrm>
+          <a:off x="0" y="0"/>
+          <a:ext cx="0" cy="0"/>
+          <a:chOff x="0" y="0"/>
+          <a:chExt cx="0" cy="0"/>
+        </a:xfrm>
+      </p:grpSpPr>
+      <p:pic>
+        <p:nvPicPr>
+          <p:cNvPr id="2050" name="Picture 2" descr="C:\ESPD-EDM-02.00.00-asciidoc\espd-data-model\docs\src\main\asciidoc\images\PaymentOfTaxes_EO_mock-up-2.png"/>
+          <p:cNvPicPr>
+            <a:picLocks noChangeAspect="1" noChangeArrowheads="1"/>
+          </p:cNvPicPr>
+          <p:nvPr/>
+        </p:nvPicPr>
+        <p:blipFill>
+          <a:blip r:embed="rId2">
+            <a:extLst>
+              <a:ext uri="{28A0092B-C50C-407E-A947-70E740481C1C}">
+                <a14:useLocalDpi xmlns:a14="http://schemas.microsoft.com/office/drawing/2010/main" val="0"/>
+              </a:ext>
+            </a:extLst>
+          </a:blip>
+          <a:srcRect/>
+          <a:stretch>
+            <a:fillRect/>
+          </a:stretch>
+        </p:blipFill>
+        <p:spPr bwMode="auto">
+          <a:xfrm>
+            <a:off x="438025" y="404664"/>
+            <a:ext cx="8526463" cy="5610225"/>
+          </a:xfrm>
+          <a:prstGeom prst="rect">
+            <a:avLst/>
+          </a:prstGeom>
+          <a:noFill/>
+          <a:extLst>
+            <a:ext uri="{909E8E84-426E-40DD-AFC4-6F175D3DCCD1}">
+              <a14:hiddenFill xmlns:a14="http://schemas.microsoft.com/office/drawing/2010/main">
+                <a:solidFill>
+                  <a:srgbClr val="FFFFFF"/>
+                </a:solidFill>
+              </a14:hiddenFill>
+            </a:ext>
+          </a:extLst>
+        </p:spPr>
+      </p:pic>
+      <p:sp>
+        <p:nvSpPr>
+          <p:cNvPr id="4" name="3 Rectángulo redondeado"/>
+          <p:cNvSpPr/>
+          <p:nvPr/>
+        </p:nvSpPr>
+        <p:spPr>
+          <a:xfrm>
+            <a:off x="3779912" y="2564904"/>
+            <a:ext cx="5184576" cy="1872208"/>
+          </a:xfrm>
+          <a:prstGeom prst="roundRect">
+            <a:avLst/>
+          </a:prstGeom>
+          <a:noFill/>
+          <a:ln>
+            <a:solidFill>
+              <a:srgbClr val="92D050"/>
+            </a:solidFill>
+            <a:prstDash val="sysDash"/>
+          </a:ln>
+        </p:spPr>
+        <p:style>
+          <a:lnRef idx="2">
+            <a:schemeClr val="accent1">
+              <a:shade val="50000"/>
+            </a:schemeClr>
+          </a:lnRef>
+          <a:fillRef idx="1">
+            <a:schemeClr val="accent1"/>
+          </a:fillRef>
+          <a:effectRef idx="0">
+            <a:schemeClr val="accent1"/>
+          </a:effectRef>
+          <a:fontRef idx="minor">
+            <a:schemeClr val="lt1"/>
+          </a:fontRef>
+        </p:style>
+        <p:txBody>
+          <a:bodyPr rtlCol="0" anchor="ctr"/>
+          <a:lstStyle/>
+          <a:p>
+            <a:pPr algn="ctr"/>
+            <a:endParaRPr lang="en-GB"/>
+          </a:p>
+        </p:txBody>
+      </p:sp>
+      <p:sp>
+        <p:nvSpPr>
+          <p:cNvPr id="5" name="4 CuadroTexto"/>
+          <p:cNvSpPr txBox="1"/>
+          <p:nvPr/>
+        </p:nvSpPr>
+        <p:spPr>
+          <a:xfrm>
+            <a:off x="1301387" y="2764340"/>
+            <a:ext cx="2088232" cy="1477328"/>
+          </a:xfrm>
+          <a:prstGeom prst="rect">
+            <a:avLst/>
+          </a:prstGeom>
+          <a:noFill/>
+        </p:spPr>
+        <p:txBody>
+          <a:bodyPr wrap="square" rtlCol="0">
+            <a:spAutoFit/>
+          </a:bodyPr>
+          <a:lstStyle/>
+          <a:p>
+            <a:r>
+              <a:rPr lang="en-GB" dirty="0" smtClean="0">
+                <a:solidFill>
+                  <a:srgbClr val="00B050"/>
+                </a:solidFill>
+              </a:rPr>
+              <a:t>This group of property is shown only if the answer to the previous QUESTION is ‘No’</a:t>
+            </a:r>
+            <a:endParaRPr lang="en-GB" dirty="0">
+              <a:solidFill>
+                <a:srgbClr val="00B050"/>
+              </a:solidFill>
+            </a:endParaRPr>
+          </a:p>
+        </p:txBody>
+      </p:sp>
+      <p:cxnSp>
+        <p:nvCxnSpPr>
+          <p:cNvPr id="7" name="6 Conector recto de flecha"/>
+          <p:cNvCxnSpPr>
+            <a:stCxn id="5" idx="3"/>
+            <a:endCxn id="4" idx="1"/>
+          </p:cNvCxnSpPr>
+          <p:nvPr/>
+        </p:nvCxnSpPr>
+        <p:spPr>
+          <a:xfrm flipV="1">
+            <a:off x="3389619" y="3501008"/>
+            <a:ext cx="390293" cy="1996"/>
+          </a:xfrm>
+          <a:prstGeom prst="straightConnector1">
+            <a:avLst/>
+          </a:prstGeom>
+          <a:ln w="19050">
+            <a:solidFill>
+              <a:srgbClr val="92D050"/>
+            </a:solidFill>
+            <a:tailEnd type="arrow"/>
+          </a:ln>
+        </p:spPr>
+        <p:style>
+          <a:lnRef idx="1">
+            <a:schemeClr val="accent1"/>
+          </a:lnRef>
+          <a:fillRef idx="0">
+            <a:schemeClr val="accent1"/>
+          </a:fillRef>
+          <a:effectRef idx="0">
+            <a:schemeClr val="accent1"/>
+          </a:effectRef>
+          <a:fontRef idx="minor">
+            <a:schemeClr val="tx1"/>
+          </a:fontRef>
+        </p:style>
+      </p:cxnSp>
+    </p:spTree>
+    <p:extLst>
+      <p:ext uri="{BB962C8B-B14F-4D97-AF65-F5344CB8AC3E}">
+        <p14:creationId xmlns:p14="http://schemas.microsoft.com/office/powerpoint/2010/main" val="3249331159"/>
+      </p:ext>
+    </p:extLst>
+  </p:cSld>
+  <p:clrMapOvr>
+    <a:masterClrMapping/>
+  </p:clrMapOvr>
+</p:sld>
+</file>
+
 <file path=ppt/theme/theme1.xml><?xml version="1.0" encoding="utf-8"?>
 <a:theme xmlns:a="http://schemas.openxmlformats.org/drawingml/2006/main" name="Tema de Office">
   <a:themeElements>

--- a/docs/src/main/asciidoc/dist/art/rsrcs.pptx
+++ b/docs/src/main/asciidoc/dist/art/rsrcs.pptx
@@ -10,9 +10,12 @@
     <p:sldId id="259" r:id="rId4"/>
     <p:sldId id="258" r:id="rId5"/>
     <p:sldId id="260" r:id="rId6"/>
-    <p:sldId id="261" r:id="rId7"/>
-    <p:sldId id="262" r:id="rId8"/>
-    <p:sldId id="263" r:id="rId9"/>
+    <p:sldId id="265" r:id="rId7"/>
+    <p:sldId id="261" r:id="rId8"/>
+    <p:sldId id="262" r:id="rId9"/>
+    <p:sldId id="263" r:id="rId10"/>
+    <p:sldId id="266" r:id="rId11"/>
+    <p:sldId id="264" r:id="rId12"/>
   </p:sldIdLst>
   <p:sldSz cx="9144000" cy="6858000" type="screen4x3"/>
   <p:notesSz cx="6858000" cy="9144000"/>
@@ -295,7 +298,7 @@
           <a:p>
             <a:fld id="{DEB85D80-9F65-433D-8644-C8D18C3CFA99}" type="datetimeFigureOut">
               <a:rPr lang="en-GB" smtClean="0"/>
-              <a:t>01/08/2017</a:t>
+              <a:t>05/08/2017</a:t>
             </a:fld>
             <a:endParaRPr lang="en-GB"/>
           </a:p>
@@ -465,7 +468,7 @@
           <a:p>
             <a:fld id="{DEB85D80-9F65-433D-8644-C8D18C3CFA99}" type="datetimeFigureOut">
               <a:rPr lang="en-GB" smtClean="0"/>
-              <a:t>01/08/2017</a:t>
+              <a:t>05/08/2017</a:t>
             </a:fld>
             <a:endParaRPr lang="en-GB"/>
           </a:p>
@@ -645,7 +648,7 @@
           <a:p>
             <a:fld id="{DEB85D80-9F65-433D-8644-C8D18C3CFA99}" type="datetimeFigureOut">
               <a:rPr lang="en-GB" smtClean="0"/>
-              <a:t>01/08/2017</a:t>
+              <a:t>05/08/2017</a:t>
             </a:fld>
             <a:endParaRPr lang="en-GB"/>
           </a:p>
@@ -815,7 +818,7 @@
           <a:p>
             <a:fld id="{DEB85D80-9F65-433D-8644-C8D18C3CFA99}" type="datetimeFigureOut">
               <a:rPr lang="en-GB" smtClean="0"/>
-              <a:t>01/08/2017</a:t>
+              <a:t>05/08/2017</a:t>
             </a:fld>
             <a:endParaRPr lang="en-GB"/>
           </a:p>
@@ -1061,7 +1064,7 @@
           <a:p>
             <a:fld id="{DEB85D80-9F65-433D-8644-C8D18C3CFA99}" type="datetimeFigureOut">
               <a:rPr lang="en-GB" smtClean="0"/>
-              <a:t>01/08/2017</a:t>
+              <a:t>05/08/2017</a:t>
             </a:fld>
             <a:endParaRPr lang="en-GB"/>
           </a:p>
@@ -1349,7 +1352,7 @@
           <a:p>
             <a:fld id="{DEB85D80-9F65-433D-8644-C8D18C3CFA99}" type="datetimeFigureOut">
               <a:rPr lang="en-GB" smtClean="0"/>
-              <a:t>01/08/2017</a:t>
+              <a:t>05/08/2017</a:t>
             </a:fld>
             <a:endParaRPr lang="en-GB"/>
           </a:p>
@@ -1771,7 +1774,7 @@
           <a:p>
             <a:fld id="{DEB85D80-9F65-433D-8644-C8D18C3CFA99}" type="datetimeFigureOut">
               <a:rPr lang="en-GB" smtClean="0"/>
-              <a:t>01/08/2017</a:t>
+              <a:t>05/08/2017</a:t>
             </a:fld>
             <a:endParaRPr lang="en-GB"/>
           </a:p>
@@ -1889,7 +1892,7 @@
           <a:p>
             <a:fld id="{DEB85D80-9F65-433D-8644-C8D18C3CFA99}" type="datetimeFigureOut">
               <a:rPr lang="en-GB" smtClean="0"/>
-              <a:t>01/08/2017</a:t>
+              <a:t>05/08/2017</a:t>
             </a:fld>
             <a:endParaRPr lang="en-GB"/>
           </a:p>
@@ -1984,7 +1987,7 @@
           <a:p>
             <a:fld id="{DEB85D80-9F65-433D-8644-C8D18C3CFA99}" type="datetimeFigureOut">
               <a:rPr lang="en-GB" smtClean="0"/>
-              <a:t>01/08/2017</a:t>
+              <a:t>05/08/2017</a:t>
             </a:fld>
             <a:endParaRPr lang="en-GB"/>
           </a:p>
@@ -2261,7 +2264,7 @@
           <a:p>
             <a:fld id="{DEB85D80-9F65-433D-8644-C8D18C3CFA99}" type="datetimeFigureOut">
               <a:rPr lang="en-GB" smtClean="0"/>
-              <a:t>01/08/2017</a:t>
+              <a:t>05/08/2017</a:t>
             </a:fld>
             <a:endParaRPr lang="en-GB"/>
           </a:p>
@@ -2514,7 +2517,7 @@
           <a:p>
             <a:fld id="{DEB85D80-9F65-433D-8644-C8D18C3CFA99}" type="datetimeFigureOut">
               <a:rPr lang="en-GB" smtClean="0"/>
-              <a:t>01/08/2017</a:t>
+              <a:t>05/08/2017</a:t>
             </a:fld>
             <a:endParaRPr lang="en-GB"/>
           </a:p>
@@ -2727,7 +2730,7 @@
           <a:p>
             <a:fld id="{DEB85D80-9F65-433D-8644-C8D18C3CFA99}" type="datetimeFigureOut">
               <a:rPr lang="en-GB" smtClean="0"/>
-              <a:t>01/08/2017</a:t>
+              <a:t>05/08/2017</a:t>
             </a:fld>
             <a:endParaRPr lang="en-GB"/>
           </a:p>
@@ -3203,6 +3206,672 @@
 </p:sld>
 </file>
 
+<file path=ppt/slides/slide10.xml><?xml version="1.0" encoding="utf-8"?>
+<p:sld xmlns:a="http://schemas.openxmlformats.org/drawingml/2006/main" xmlns:r="http://schemas.openxmlformats.org/officeDocument/2006/relationships" xmlns:p="http://schemas.openxmlformats.org/presentationml/2006/main">
+  <p:cSld>
+    <p:spTree>
+      <p:nvGrpSpPr>
+        <p:cNvPr id="1" name=""/>
+        <p:cNvGrpSpPr/>
+        <p:nvPr/>
+      </p:nvGrpSpPr>
+      <p:grpSpPr>
+        <a:xfrm>
+          <a:off x="0" y="0"/>
+          <a:ext cx="0" cy="0"/>
+          <a:chOff x="0" y="0"/>
+          <a:chExt cx="0" cy="0"/>
+        </a:xfrm>
+      </p:grpSpPr>
+      <p:pic>
+        <p:nvPicPr>
+          <p:cNvPr id="1028" name="Picture 4"/>
+          <p:cNvPicPr>
+            <a:picLocks noChangeAspect="1" noChangeArrowheads="1"/>
+          </p:cNvPicPr>
+          <p:nvPr/>
+        </p:nvPicPr>
+        <p:blipFill>
+          <a:blip r:embed="rId2">
+            <a:extLst>
+              <a:ext uri="{28A0092B-C50C-407E-A947-70E740481C1C}">
+                <a14:useLocalDpi xmlns:a14="http://schemas.microsoft.com/office/drawing/2010/main" val="0"/>
+              </a:ext>
+            </a:extLst>
+          </a:blip>
+          <a:srcRect/>
+          <a:stretch>
+            <a:fillRect/>
+          </a:stretch>
+        </p:blipFill>
+        <p:spPr bwMode="auto">
+          <a:xfrm>
+            <a:off x="20006" y="5752"/>
+            <a:ext cx="9839325" cy="9963150"/>
+          </a:xfrm>
+          <a:prstGeom prst="rect">
+            <a:avLst/>
+          </a:prstGeom>
+          <a:noFill/>
+          <a:ln>
+            <a:noFill/>
+          </a:ln>
+          <a:extLst>
+            <a:ext uri="{909E8E84-426E-40DD-AFC4-6F175D3DCCD1}">
+              <a14:hiddenFill xmlns:a14="http://schemas.microsoft.com/office/drawing/2010/main">
+                <a:solidFill>
+                  <a:schemeClr val="accent1"/>
+                </a:solidFill>
+              </a14:hiddenFill>
+            </a:ext>
+            <a:ext uri="{91240B29-F687-4F45-9708-019B960494DF}">
+              <a14:hiddenLine xmlns:a14="http://schemas.microsoft.com/office/drawing/2010/main" w="9525">
+                <a:solidFill>
+                  <a:schemeClr val="tx1"/>
+                </a:solidFill>
+                <a:miter lim="800000"/>
+                <a:headEnd/>
+                <a:tailEnd/>
+              </a14:hiddenLine>
+            </a:ext>
+          </a:extLst>
+        </p:spPr>
+      </p:pic>
+      <p:sp>
+        <p:nvSpPr>
+          <p:cNvPr id="3" name="2 Elipse"/>
+          <p:cNvSpPr/>
+          <p:nvPr/>
+        </p:nvSpPr>
+        <p:spPr>
+          <a:xfrm>
+            <a:off x="2822151" y="3429000"/>
+            <a:ext cx="237681" cy="223557"/>
+          </a:xfrm>
+          <a:prstGeom prst="ellipse">
+            <a:avLst/>
+          </a:prstGeom>
+          <a:solidFill>
+            <a:srgbClr val="0070C0"/>
+          </a:solidFill>
+          <a:ln>
+            <a:noFill/>
+          </a:ln>
+        </p:spPr>
+        <p:style>
+          <a:lnRef idx="2">
+            <a:schemeClr val="accent1">
+              <a:shade val="50000"/>
+            </a:schemeClr>
+          </a:lnRef>
+          <a:fillRef idx="1">
+            <a:schemeClr val="accent1"/>
+          </a:fillRef>
+          <a:effectRef idx="0">
+            <a:schemeClr val="accent1"/>
+          </a:effectRef>
+          <a:fontRef idx="minor">
+            <a:schemeClr val="lt1"/>
+          </a:fontRef>
+        </p:style>
+        <p:txBody>
+          <a:bodyPr rtlCol="0" anchor="ctr"/>
+          <a:lstStyle/>
+          <a:p>
+            <a:pPr algn="ctr"/>
+            <a:r>
+              <a:rPr lang="en-GB" sz="1200" dirty="0" smtClean="0"/>
+              <a:t>1</a:t>
+            </a:r>
+            <a:endParaRPr lang="en-GB" sz="1200" dirty="0"/>
+          </a:p>
+        </p:txBody>
+      </p:sp>
+      <p:sp>
+        <p:nvSpPr>
+          <p:cNvPr id="4" name="3 Elipse"/>
+          <p:cNvSpPr/>
+          <p:nvPr/>
+        </p:nvSpPr>
+        <p:spPr>
+          <a:xfrm>
+            <a:off x="5580112" y="3442648"/>
+            <a:ext cx="237681" cy="223557"/>
+          </a:xfrm>
+          <a:prstGeom prst="ellipse">
+            <a:avLst/>
+          </a:prstGeom>
+          <a:solidFill>
+            <a:srgbClr val="0070C0"/>
+          </a:solidFill>
+          <a:ln>
+            <a:noFill/>
+          </a:ln>
+        </p:spPr>
+        <p:style>
+          <a:lnRef idx="2">
+            <a:schemeClr val="accent1">
+              <a:shade val="50000"/>
+            </a:schemeClr>
+          </a:lnRef>
+          <a:fillRef idx="1">
+            <a:schemeClr val="accent1"/>
+          </a:fillRef>
+          <a:effectRef idx="0">
+            <a:schemeClr val="accent1"/>
+          </a:effectRef>
+          <a:fontRef idx="minor">
+            <a:schemeClr val="lt1"/>
+          </a:fontRef>
+        </p:style>
+        <p:txBody>
+          <a:bodyPr rtlCol="0" anchor="ctr"/>
+          <a:lstStyle/>
+          <a:p>
+            <a:pPr algn="ctr"/>
+            <a:r>
+              <a:rPr lang="en-GB" sz="1200" dirty="0" smtClean="0"/>
+              <a:t>2</a:t>
+            </a:r>
+            <a:endParaRPr lang="en-GB" sz="1200" dirty="0"/>
+          </a:p>
+        </p:txBody>
+      </p:sp>
+      <p:sp>
+        <p:nvSpPr>
+          <p:cNvPr id="5" name="4 Elipse"/>
+          <p:cNvSpPr/>
+          <p:nvPr/>
+        </p:nvSpPr>
+        <p:spPr>
+          <a:xfrm>
+            <a:off x="8236399" y="4645603"/>
+            <a:ext cx="237681" cy="223557"/>
+          </a:xfrm>
+          <a:prstGeom prst="ellipse">
+            <a:avLst/>
+          </a:prstGeom>
+          <a:solidFill>
+            <a:srgbClr val="0070C0"/>
+          </a:solidFill>
+          <a:ln>
+            <a:noFill/>
+          </a:ln>
+        </p:spPr>
+        <p:style>
+          <a:lnRef idx="2">
+            <a:schemeClr val="accent1">
+              <a:shade val="50000"/>
+            </a:schemeClr>
+          </a:lnRef>
+          <a:fillRef idx="1">
+            <a:schemeClr val="accent1"/>
+          </a:fillRef>
+          <a:effectRef idx="0">
+            <a:schemeClr val="accent1"/>
+          </a:effectRef>
+          <a:fontRef idx="minor">
+            <a:schemeClr val="lt1"/>
+          </a:fontRef>
+        </p:style>
+        <p:txBody>
+          <a:bodyPr rtlCol="0" anchor="ctr"/>
+          <a:lstStyle/>
+          <a:p>
+            <a:pPr algn="ctr"/>
+            <a:r>
+              <a:rPr lang="en-GB" sz="1200" dirty="0" smtClean="0"/>
+              <a:t>3</a:t>
+            </a:r>
+            <a:endParaRPr lang="en-GB" sz="1200" dirty="0"/>
+          </a:p>
+        </p:txBody>
+      </p:sp>
+      <p:sp>
+        <p:nvSpPr>
+          <p:cNvPr id="7" name="6 Elipse"/>
+          <p:cNvSpPr/>
+          <p:nvPr/>
+        </p:nvSpPr>
+        <p:spPr>
+          <a:xfrm>
+            <a:off x="2929464" y="7447800"/>
+            <a:ext cx="237681" cy="223557"/>
+          </a:xfrm>
+          <a:prstGeom prst="ellipse">
+            <a:avLst/>
+          </a:prstGeom>
+          <a:solidFill>
+            <a:srgbClr val="0070C0"/>
+          </a:solidFill>
+          <a:ln>
+            <a:noFill/>
+          </a:ln>
+        </p:spPr>
+        <p:style>
+          <a:lnRef idx="2">
+            <a:schemeClr val="accent1">
+              <a:shade val="50000"/>
+            </a:schemeClr>
+          </a:lnRef>
+          <a:fillRef idx="1">
+            <a:schemeClr val="accent1"/>
+          </a:fillRef>
+          <a:effectRef idx="0">
+            <a:schemeClr val="accent1"/>
+          </a:effectRef>
+          <a:fontRef idx="minor">
+            <a:schemeClr val="lt1"/>
+          </a:fontRef>
+        </p:style>
+        <p:txBody>
+          <a:bodyPr rtlCol="0" anchor="ctr"/>
+          <a:lstStyle/>
+          <a:p>
+            <a:pPr algn="ctr"/>
+            <a:r>
+              <a:rPr lang="en-GB" sz="1200" dirty="0" smtClean="0"/>
+              <a:t>1</a:t>
+            </a:r>
+            <a:endParaRPr lang="en-GB" sz="1200" dirty="0"/>
+          </a:p>
+        </p:txBody>
+      </p:sp>
+      <p:sp>
+        <p:nvSpPr>
+          <p:cNvPr id="8" name="7 Elipse"/>
+          <p:cNvSpPr/>
+          <p:nvPr/>
+        </p:nvSpPr>
+        <p:spPr>
+          <a:xfrm>
+            <a:off x="5673777" y="7403088"/>
+            <a:ext cx="237681" cy="223557"/>
+          </a:xfrm>
+          <a:prstGeom prst="ellipse">
+            <a:avLst/>
+          </a:prstGeom>
+          <a:solidFill>
+            <a:srgbClr val="0070C0"/>
+          </a:solidFill>
+          <a:ln>
+            <a:noFill/>
+          </a:ln>
+        </p:spPr>
+        <p:style>
+          <a:lnRef idx="2">
+            <a:schemeClr val="accent1">
+              <a:shade val="50000"/>
+            </a:schemeClr>
+          </a:lnRef>
+          <a:fillRef idx="1">
+            <a:schemeClr val="accent1"/>
+          </a:fillRef>
+          <a:effectRef idx="0">
+            <a:schemeClr val="accent1"/>
+          </a:effectRef>
+          <a:fontRef idx="minor">
+            <a:schemeClr val="lt1"/>
+          </a:fontRef>
+        </p:style>
+        <p:txBody>
+          <a:bodyPr rtlCol="0" anchor="ctr"/>
+          <a:lstStyle/>
+          <a:p>
+            <a:pPr algn="ctr"/>
+            <a:r>
+              <a:rPr lang="en-GB" sz="1200" dirty="0" smtClean="0"/>
+              <a:t>2</a:t>
+            </a:r>
+            <a:endParaRPr lang="en-GB" sz="1200" dirty="0"/>
+          </a:p>
+        </p:txBody>
+      </p:sp>
+      <p:sp>
+        <p:nvSpPr>
+          <p:cNvPr id="9" name="8 Elipse"/>
+          <p:cNvSpPr/>
+          <p:nvPr/>
+        </p:nvSpPr>
+        <p:spPr>
+          <a:xfrm>
+            <a:off x="8343712" y="8664403"/>
+            <a:ext cx="237681" cy="223557"/>
+          </a:xfrm>
+          <a:prstGeom prst="ellipse">
+            <a:avLst/>
+          </a:prstGeom>
+          <a:solidFill>
+            <a:srgbClr val="0070C0"/>
+          </a:solidFill>
+          <a:ln>
+            <a:noFill/>
+          </a:ln>
+        </p:spPr>
+        <p:style>
+          <a:lnRef idx="2">
+            <a:schemeClr val="accent1">
+              <a:shade val="50000"/>
+            </a:schemeClr>
+          </a:lnRef>
+          <a:fillRef idx="1">
+            <a:schemeClr val="accent1"/>
+          </a:fillRef>
+          <a:effectRef idx="0">
+            <a:schemeClr val="accent1"/>
+          </a:effectRef>
+          <a:fontRef idx="minor">
+            <a:schemeClr val="lt1"/>
+          </a:fontRef>
+        </p:style>
+        <p:txBody>
+          <a:bodyPr rtlCol="0" anchor="ctr"/>
+          <a:lstStyle/>
+          <a:p>
+            <a:pPr algn="ctr"/>
+            <a:r>
+              <a:rPr lang="en-GB" sz="1200" dirty="0" smtClean="0"/>
+              <a:t>3</a:t>
+            </a:r>
+            <a:endParaRPr lang="en-GB" sz="1200" dirty="0"/>
+          </a:p>
+        </p:txBody>
+      </p:sp>
+    </p:spTree>
+    <p:extLst>
+      <p:ext uri="{BB962C8B-B14F-4D97-AF65-F5344CB8AC3E}">
+        <p14:creationId xmlns:p14="http://schemas.microsoft.com/office/powerpoint/2010/main" val="3114209087"/>
+      </p:ext>
+    </p:extLst>
+  </p:cSld>
+  <p:clrMapOvr>
+    <a:masterClrMapping/>
+  </p:clrMapOvr>
+</p:sld>
+</file>
+
+<file path=ppt/slides/slide11.xml><?xml version="1.0" encoding="utf-8"?>
+<p:sld xmlns:a="http://schemas.openxmlformats.org/drawingml/2006/main" xmlns:r="http://schemas.openxmlformats.org/officeDocument/2006/relationships" xmlns:p="http://schemas.openxmlformats.org/presentationml/2006/main">
+  <p:cSld>
+    <p:spTree>
+      <p:nvGrpSpPr>
+        <p:cNvPr id="1" name=""/>
+        <p:cNvGrpSpPr/>
+        <p:nvPr/>
+      </p:nvGrpSpPr>
+      <p:grpSpPr>
+        <a:xfrm>
+          <a:off x="0" y="0"/>
+          <a:ext cx="0" cy="0"/>
+          <a:chOff x="0" y="0"/>
+          <a:chExt cx="0" cy="0"/>
+        </a:xfrm>
+      </p:grpSpPr>
+      <p:pic>
+        <p:nvPicPr>
+          <p:cNvPr id="1026" name="Picture 2" descr="C:\ESPD-EDM-02.00.00-asciidoc\espd-data-model\docs\src\main\asciidoc\images\PaymentOfTaxes_EO_mock-up.png"/>
+          <p:cNvPicPr>
+            <a:picLocks noChangeAspect="1" noChangeArrowheads="1"/>
+          </p:cNvPicPr>
+          <p:nvPr/>
+        </p:nvPicPr>
+        <p:blipFill>
+          <a:blip r:embed="rId2">
+            <a:extLst>
+              <a:ext uri="{28A0092B-C50C-407E-A947-70E740481C1C}">
+                <a14:useLocalDpi xmlns:a14="http://schemas.microsoft.com/office/drawing/2010/main" val="0"/>
+              </a:ext>
+            </a:extLst>
+          </a:blip>
+          <a:srcRect/>
+          <a:stretch>
+            <a:fillRect/>
+          </a:stretch>
+        </p:blipFill>
+        <p:spPr bwMode="auto">
+          <a:xfrm>
+            <a:off x="-251467" y="116632"/>
+            <a:ext cx="9572625" cy="6029325"/>
+          </a:xfrm>
+          <a:prstGeom prst="rect">
+            <a:avLst/>
+          </a:prstGeom>
+          <a:noFill/>
+          <a:extLst>
+            <a:ext uri="{909E8E84-426E-40DD-AFC4-6F175D3DCCD1}">
+              <a14:hiddenFill xmlns:a14="http://schemas.microsoft.com/office/drawing/2010/main">
+                <a:solidFill>
+                  <a:srgbClr val="FFFFFF"/>
+                </a:solidFill>
+              </a14:hiddenFill>
+            </a:ext>
+          </a:extLst>
+        </p:spPr>
+      </p:pic>
+      <p:sp>
+        <p:nvSpPr>
+          <p:cNvPr id="2" name="1 CuadroTexto"/>
+          <p:cNvSpPr txBox="1"/>
+          <p:nvPr/>
+        </p:nvSpPr>
+        <p:spPr>
+          <a:xfrm>
+            <a:off x="-88471" y="2114272"/>
+            <a:ext cx="3724367" cy="738664"/>
+          </a:xfrm>
+          <a:prstGeom prst="rect">
+            <a:avLst/>
+          </a:prstGeom>
+          <a:noFill/>
+        </p:spPr>
+        <p:txBody>
+          <a:bodyPr wrap="square" rtlCol="0">
+            <a:spAutoFit/>
+          </a:bodyPr>
+          <a:lstStyle/>
+          <a:p>
+            <a:r>
+              <a:rPr lang="en-GB" sz="1400" b="1" dirty="0" smtClean="0">
+                <a:solidFill>
+                  <a:schemeClr val="accent1">
+                    <a:lumMod val="75000"/>
+                  </a:schemeClr>
+                </a:solidFill>
+              </a:rPr>
+              <a:t>Minimum threshold</a:t>
+            </a:r>
+            <a:r>
+              <a:rPr lang="en-GB" sz="1400" dirty="0" smtClean="0">
+                <a:solidFill>
+                  <a:schemeClr val="accent1">
+                    <a:lumMod val="75000"/>
+                  </a:schemeClr>
+                </a:solidFill>
+              </a:rPr>
+              <a:t>:  50€</a:t>
+            </a:r>
+          </a:p>
+          <a:p>
+            <a:r>
+              <a:rPr lang="en-GB" sz="1400" b="1" dirty="0" smtClean="0">
+                <a:solidFill>
+                  <a:schemeClr val="accent1">
+                    <a:lumMod val="75000"/>
+                  </a:schemeClr>
+                </a:solidFill>
+              </a:rPr>
+              <a:t>In case of debt please try to fulfil your obligation before tendering</a:t>
+            </a:r>
+            <a:endParaRPr lang="en-GB" sz="1400" b="1" dirty="0">
+              <a:solidFill>
+                <a:schemeClr val="accent1">
+                  <a:lumMod val="75000"/>
+                </a:schemeClr>
+              </a:solidFill>
+            </a:endParaRPr>
+          </a:p>
+        </p:txBody>
+      </p:sp>
+      <p:sp>
+        <p:nvSpPr>
+          <p:cNvPr id="8" name="7 Elipse"/>
+          <p:cNvSpPr/>
+          <p:nvPr/>
+        </p:nvSpPr>
+        <p:spPr>
+          <a:xfrm>
+            <a:off x="-346865" y="2132856"/>
+            <a:ext cx="237681" cy="223557"/>
+          </a:xfrm>
+          <a:prstGeom prst="ellipse">
+            <a:avLst/>
+          </a:prstGeom>
+          <a:solidFill>
+            <a:srgbClr val="0070C0"/>
+          </a:solidFill>
+          <a:ln>
+            <a:noFill/>
+          </a:ln>
+        </p:spPr>
+        <p:style>
+          <a:lnRef idx="2">
+            <a:schemeClr val="accent1">
+              <a:shade val="50000"/>
+            </a:schemeClr>
+          </a:lnRef>
+          <a:fillRef idx="1">
+            <a:schemeClr val="accent1"/>
+          </a:fillRef>
+          <a:effectRef idx="0">
+            <a:schemeClr val="accent1"/>
+          </a:effectRef>
+          <a:fontRef idx="minor">
+            <a:schemeClr val="lt1"/>
+          </a:fontRef>
+        </p:style>
+        <p:txBody>
+          <a:bodyPr rtlCol="0" anchor="ctr"/>
+          <a:lstStyle/>
+          <a:p>
+            <a:pPr algn="ctr"/>
+            <a:r>
+              <a:rPr lang="en-GB" sz="1200" dirty="0" smtClean="0"/>
+              <a:t>1</a:t>
+            </a:r>
+            <a:endParaRPr lang="en-GB" sz="1200" dirty="0"/>
+          </a:p>
+        </p:txBody>
+      </p:sp>
+      <p:sp>
+        <p:nvSpPr>
+          <p:cNvPr id="10" name="9 Elipse"/>
+          <p:cNvSpPr/>
+          <p:nvPr/>
+        </p:nvSpPr>
+        <p:spPr>
+          <a:xfrm>
+            <a:off x="-338192" y="2485363"/>
+            <a:ext cx="237681" cy="223557"/>
+          </a:xfrm>
+          <a:prstGeom prst="ellipse">
+            <a:avLst/>
+          </a:prstGeom>
+          <a:solidFill>
+            <a:srgbClr val="0070C0"/>
+          </a:solidFill>
+          <a:ln>
+            <a:noFill/>
+          </a:ln>
+        </p:spPr>
+        <p:style>
+          <a:lnRef idx="2">
+            <a:schemeClr val="accent1">
+              <a:shade val="50000"/>
+            </a:schemeClr>
+          </a:lnRef>
+          <a:fillRef idx="1">
+            <a:schemeClr val="accent1"/>
+          </a:fillRef>
+          <a:effectRef idx="0">
+            <a:schemeClr val="accent1"/>
+          </a:effectRef>
+          <a:fontRef idx="minor">
+            <a:schemeClr val="lt1"/>
+          </a:fontRef>
+        </p:style>
+        <p:txBody>
+          <a:bodyPr rtlCol="0" anchor="ctr"/>
+          <a:lstStyle/>
+          <a:p>
+            <a:pPr algn="ctr"/>
+            <a:r>
+              <a:rPr lang="en-GB" sz="1200" dirty="0" smtClean="0"/>
+              <a:t>2</a:t>
+            </a:r>
+            <a:endParaRPr lang="en-GB" sz="1200" dirty="0"/>
+          </a:p>
+        </p:txBody>
+      </p:sp>
+      <p:sp>
+        <p:nvSpPr>
+          <p:cNvPr id="23" name="22 Rectángulo redondeado"/>
+          <p:cNvSpPr/>
+          <p:nvPr/>
+        </p:nvSpPr>
+        <p:spPr>
+          <a:xfrm>
+            <a:off x="-526920" y="2002488"/>
+            <a:ext cx="4284774" cy="994464"/>
+          </a:xfrm>
+          <a:prstGeom prst="roundRect">
+            <a:avLst/>
+          </a:prstGeom>
+          <a:noFill/>
+          <a:ln>
+            <a:solidFill>
+              <a:srgbClr val="92D050"/>
+            </a:solidFill>
+            <a:prstDash val="sysDash"/>
+          </a:ln>
+        </p:spPr>
+        <p:style>
+          <a:lnRef idx="2">
+            <a:schemeClr val="accent1">
+              <a:shade val="50000"/>
+            </a:schemeClr>
+          </a:lnRef>
+          <a:fillRef idx="1">
+            <a:schemeClr val="accent1"/>
+          </a:fillRef>
+          <a:effectRef idx="0">
+            <a:schemeClr val="accent1"/>
+          </a:effectRef>
+          <a:fontRef idx="minor">
+            <a:schemeClr val="lt1"/>
+          </a:fontRef>
+        </p:style>
+        <p:txBody>
+          <a:bodyPr rtlCol="0" anchor="ctr"/>
+          <a:lstStyle/>
+          <a:p>
+            <a:pPr algn="ctr"/>
+            <a:endParaRPr lang="en-GB"/>
+          </a:p>
+        </p:txBody>
+      </p:sp>
+    </p:spTree>
+    <p:extLst>
+      <p:ext uri="{BB962C8B-B14F-4D97-AF65-F5344CB8AC3E}">
+        <p14:creationId xmlns:p14="http://schemas.microsoft.com/office/powerpoint/2010/main" val="2515096317"/>
+      </p:ext>
+    </p:extLst>
+  </p:cSld>
+  <p:clrMapOvr>
+    <a:masterClrMapping/>
+  </p:clrMapOvr>
+</p:sld>
+</file>
+
 <file path=ppt/slides/slide2.xml><?xml version="1.0" encoding="utf-8"?>
 <p:sld xmlns:a="http://schemas.openxmlformats.org/drawingml/2006/main" xmlns:r="http://schemas.openxmlformats.org/officeDocument/2006/relationships" xmlns:p="http://schemas.openxmlformats.org/presentationml/2006/main">
   <p:cSld>
@@ -4600,7 +5269,7 @@
       </p:grpSpPr>
       <p:pic>
         <p:nvPicPr>
-          <p:cNvPr id="4" name="Picture 2" descr="C:\ESPD-EDM-02.00.00-asciidoc\espd-data-model\docs\src\main\asciidoc\images\PaymentOfTaxes_CA_mock-up.png"/>
+          <p:cNvPr id="1026" name="Picture 2" descr="C:\ESPD-EDM-02.00.00-asciidoc\espd-data-model\docs\src\main\asciidoc\images\Convictions__EO_mock-up.png"/>
           <p:cNvPicPr>
             <a:picLocks noChangeAspect="1" noChangeArrowheads="1"/>
           </p:cNvPicPr>
@@ -4621,8 +5290,8 @@
         </p:blipFill>
         <p:spPr bwMode="auto">
           <a:xfrm>
-            <a:off x="-1836712" y="610922"/>
-            <a:ext cx="11687175" cy="6238875"/>
+            <a:off x="971600" y="464021"/>
+            <a:ext cx="7192963" cy="5629275"/>
           </a:xfrm>
           <a:prstGeom prst="rect">
             <a:avLst/>
@@ -4641,24 +5310,23 @@
       </p:pic>
       <p:sp>
         <p:nvSpPr>
-          <p:cNvPr id="5" name="4 Rectángulo redondeado"/>
+          <p:cNvPr id="4" name="3 Elipse"/>
           <p:cNvSpPr/>
           <p:nvPr/>
         </p:nvSpPr>
         <p:spPr>
           <a:xfrm>
-            <a:off x="-1791274" y="1804944"/>
-            <a:ext cx="11600604" cy="496742"/>
-          </a:xfrm>
-          <a:prstGeom prst="roundRect">
-            <a:avLst/>
-          </a:prstGeom>
-          <a:noFill/>
+            <a:off x="8014112" y="2263581"/>
+            <a:ext cx="237681" cy="223557"/>
+          </a:xfrm>
+          <a:prstGeom prst="ellipse">
+            <a:avLst/>
+          </a:prstGeom>
+          <a:solidFill>
+            <a:srgbClr val="0070C0"/>
+          </a:solidFill>
           <a:ln>
-            <a:solidFill>
-              <a:srgbClr val="92D050"/>
-            </a:solidFill>
-            <a:prstDash val="sysDash"/>
+            <a:noFill/>
           </a:ln>
         </p:spPr>
         <p:style>
@@ -4682,84 +5350,33 @@
           <a:lstStyle/>
           <a:p>
             <a:pPr algn="ctr"/>
-            <a:endParaRPr lang="en-GB"/>
-          </a:p>
-        </p:txBody>
-      </p:sp>
-      <p:sp>
-        <p:nvSpPr>
-          <p:cNvPr id="6" name="5 CuadroTexto"/>
-          <p:cNvSpPr txBox="1"/>
-          <p:nvPr/>
-        </p:nvSpPr>
-        <p:spPr>
-          <a:xfrm>
-            <a:off x="9900592" y="1844824"/>
-            <a:ext cx="1747466" cy="369332"/>
-          </a:xfrm>
-          <a:prstGeom prst="rect">
-            <a:avLst/>
-          </a:prstGeom>
-          <a:noFill/>
-        </p:spPr>
-        <p:txBody>
-          <a:bodyPr wrap="none" rtlCol="0">
-            <a:spAutoFit/>
-          </a:bodyPr>
-          <a:lstStyle/>
-          <a:p>
-            <a:r>
-              <a:rPr lang="en-GB" b="1" dirty="0" smtClean="0">
-                <a:solidFill>
-                  <a:srgbClr val="00B050"/>
-                </a:solidFill>
-              </a:rPr>
-              <a:t>EU </a:t>
-            </a:r>
-            <a:r>
-              <a:rPr lang="en-GB" b="1" dirty="0" err="1" smtClean="0">
-                <a:solidFill>
-                  <a:srgbClr val="00B050"/>
-                </a:solidFill>
-              </a:rPr>
-              <a:t>PoT</a:t>
-            </a:r>
-            <a:r>
-              <a:rPr lang="en-GB" b="1" dirty="0" smtClean="0">
-                <a:solidFill>
-                  <a:srgbClr val="00B050"/>
-                </a:solidFill>
-              </a:rPr>
-              <a:t> Criterion</a:t>
-            </a:r>
-            <a:endParaRPr lang="en-GB" b="1" dirty="0">
-              <a:solidFill>
-                <a:srgbClr val="00B050"/>
-              </a:solidFill>
-            </a:endParaRPr>
-          </a:p>
-        </p:txBody>
-      </p:sp>
-      <p:sp>
-        <p:nvSpPr>
-          <p:cNvPr id="7" name="6 Rectángulo redondeado"/>
+            <a:r>
+              <a:rPr lang="en-GB" sz="1200" dirty="0" smtClean="0"/>
+              <a:t>1</a:t>
+            </a:r>
+            <a:endParaRPr lang="en-GB" sz="1200" dirty="0"/>
+          </a:p>
+        </p:txBody>
+      </p:sp>
+      <p:sp>
+        <p:nvSpPr>
+          <p:cNvPr id="6" name="5 Elipse"/>
           <p:cNvSpPr/>
           <p:nvPr/>
         </p:nvSpPr>
         <p:spPr>
           <a:xfrm>
-            <a:off x="-1750752" y="2492896"/>
-            <a:ext cx="11600604" cy="864096"/>
-          </a:xfrm>
-          <a:prstGeom prst="roundRect">
-            <a:avLst/>
-          </a:prstGeom>
-          <a:noFill/>
+            <a:off x="8014112" y="2617862"/>
+            <a:ext cx="237681" cy="223557"/>
+          </a:xfrm>
+          <a:prstGeom prst="ellipse">
+            <a:avLst/>
+          </a:prstGeom>
+          <a:solidFill>
+            <a:srgbClr val="0070C0"/>
+          </a:solidFill>
           <a:ln>
-            <a:solidFill>
-              <a:srgbClr val="92D050"/>
-            </a:solidFill>
-            <a:prstDash val="sysDash"/>
+            <a:noFill/>
           </a:ln>
         </p:spPr>
         <p:style>
@@ -4783,84 +5400,33 @@
           <a:lstStyle/>
           <a:p>
             <a:pPr algn="ctr"/>
-            <a:endParaRPr lang="en-GB"/>
-          </a:p>
-        </p:txBody>
-      </p:sp>
-      <p:sp>
-        <p:nvSpPr>
-          <p:cNvPr id="8" name="7 CuadroTexto"/>
-          <p:cNvSpPr txBox="1"/>
-          <p:nvPr/>
-        </p:nvSpPr>
-        <p:spPr>
-          <a:xfrm>
-            <a:off x="9864907" y="2728656"/>
-            <a:ext cx="1765099" cy="369332"/>
-          </a:xfrm>
-          <a:prstGeom prst="rect">
-            <a:avLst/>
-          </a:prstGeom>
-          <a:noFill/>
-        </p:spPr>
-        <p:txBody>
-          <a:bodyPr wrap="none" rtlCol="0">
-            <a:spAutoFit/>
-          </a:bodyPr>
-          <a:lstStyle/>
-          <a:p>
-            <a:r>
-              <a:rPr lang="en-GB" b="1" dirty="0" smtClean="0">
-                <a:solidFill>
-                  <a:srgbClr val="00B050"/>
-                </a:solidFill>
-              </a:rPr>
-              <a:t>FI </a:t>
-            </a:r>
-            <a:r>
-              <a:rPr lang="en-GB" b="1" dirty="0" err="1" smtClean="0">
-                <a:solidFill>
-                  <a:srgbClr val="00B050"/>
-                </a:solidFill>
-              </a:rPr>
-              <a:t>PoT</a:t>
-            </a:r>
-            <a:r>
-              <a:rPr lang="en-GB" b="1" dirty="0" smtClean="0">
-                <a:solidFill>
-                  <a:srgbClr val="00B050"/>
-                </a:solidFill>
-              </a:rPr>
-              <a:t> Criterion I</a:t>
-            </a:r>
-            <a:endParaRPr lang="en-GB" b="1" dirty="0">
-              <a:solidFill>
-                <a:srgbClr val="00B050"/>
-              </a:solidFill>
-            </a:endParaRPr>
-          </a:p>
-        </p:txBody>
-      </p:sp>
-      <p:sp>
-        <p:nvSpPr>
-          <p:cNvPr id="9" name="8 Rectángulo redondeado"/>
+            <a:r>
+              <a:rPr lang="en-GB" sz="1200" dirty="0" smtClean="0"/>
+              <a:t>2</a:t>
+            </a:r>
+            <a:endParaRPr lang="en-GB" sz="1200" dirty="0"/>
+          </a:p>
+        </p:txBody>
+      </p:sp>
+      <p:sp>
+        <p:nvSpPr>
+          <p:cNvPr id="7" name="6 Elipse"/>
           <p:cNvSpPr/>
           <p:nvPr/>
         </p:nvSpPr>
         <p:spPr>
           <a:xfrm>
-            <a:off x="-1764704" y="3356992"/>
-            <a:ext cx="11600604" cy="1152128"/>
-          </a:xfrm>
-          <a:prstGeom prst="roundRect">
-            <a:avLst/>
-          </a:prstGeom>
-          <a:noFill/>
+            <a:off x="8014112" y="2996952"/>
+            <a:ext cx="237681" cy="223557"/>
+          </a:xfrm>
+          <a:prstGeom prst="ellipse">
+            <a:avLst/>
+          </a:prstGeom>
+          <a:solidFill>
+            <a:srgbClr val="0070C0"/>
+          </a:solidFill>
           <a:ln>
-            <a:solidFill>
-              <a:srgbClr val="92D050"/>
-            </a:solidFill>
-            <a:prstDash val="sysDash"/>
+            <a:noFill/>
           </a:ln>
         </p:spPr>
         <p:style>
@@ -4884,84 +5450,33 @@
           <a:lstStyle/>
           <a:p>
             <a:pPr algn="ctr"/>
-            <a:endParaRPr lang="en-GB"/>
-          </a:p>
-        </p:txBody>
-      </p:sp>
-      <p:sp>
-        <p:nvSpPr>
-          <p:cNvPr id="10" name="9 CuadroTexto"/>
-          <p:cNvSpPr txBox="1"/>
-          <p:nvPr/>
-        </p:nvSpPr>
-        <p:spPr>
-          <a:xfrm>
-            <a:off x="9850955" y="3707740"/>
-            <a:ext cx="1826013" cy="369332"/>
-          </a:xfrm>
-          <a:prstGeom prst="rect">
-            <a:avLst/>
-          </a:prstGeom>
-          <a:noFill/>
-        </p:spPr>
-        <p:txBody>
-          <a:bodyPr wrap="none" rtlCol="0">
-            <a:spAutoFit/>
-          </a:bodyPr>
-          <a:lstStyle/>
-          <a:p>
-            <a:r>
-              <a:rPr lang="en-GB" b="1" dirty="0" smtClean="0">
-                <a:solidFill>
-                  <a:srgbClr val="00B050"/>
-                </a:solidFill>
-              </a:rPr>
-              <a:t>FI </a:t>
-            </a:r>
-            <a:r>
-              <a:rPr lang="en-GB" b="1" dirty="0" err="1" smtClean="0">
-                <a:solidFill>
-                  <a:srgbClr val="00B050"/>
-                </a:solidFill>
-              </a:rPr>
-              <a:t>PoT</a:t>
-            </a:r>
-            <a:r>
-              <a:rPr lang="en-GB" b="1" dirty="0" smtClean="0">
-                <a:solidFill>
-                  <a:srgbClr val="00B050"/>
-                </a:solidFill>
-              </a:rPr>
-              <a:t> Criterion II</a:t>
-            </a:r>
-            <a:endParaRPr lang="en-GB" b="1" dirty="0">
-              <a:solidFill>
-                <a:srgbClr val="00B050"/>
-              </a:solidFill>
-            </a:endParaRPr>
-          </a:p>
-        </p:txBody>
-      </p:sp>
-      <p:sp>
-        <p:nvSpPr>
-          <p:cNvPr id="11" name="10 Rectángulo redondeado"/>
+            <a:r>
+              <a:rPr lang="en-GB" sz="1200" dirty="0" smtClean="0"/>
+              <a:t>3</a:t>
+            </a:r>
+            <a:endParaRPr lang="en-GB" sz="1200" dirty="0"/>
+          </a:p>
+        </p:txBody>
+      </p:sp>
+      <p:sp>
+        <p:nvSpPr>
+          <p:cNvPr id="8" name="7 Elipse"/>
           <p:cNvSpPr/>
           <p:nvPr/>
         </p:nvSpPr>
         <p:spPr>
           <a:xfrm>
-            <a:off x="-1764704" y="4509120"/>
-            <a:ext cx="11600604" cy="936104"/>
-          </a:xfrm>
-          <a:prstGeom prst="roundRect">
-            <a:avLst/>
-          </a:prstGeom>
-          <a:noFill/>
+            <a:off x="8014112" y="3356992"/>
+            <a:ext cx="237681" cy="223557"/>
+          </a:xfrm>
+          <a:prstGeom prst="ellipse">
+            <a:avLst/>
+          </a:prstGeom>
+          <a:solidFill>
+            <a:srgbClr val="0070C0"/>
+          </a:solidFill>
           <a:ln>
-            <a:solidFill>
-              <a:srgbClr val="92D050"/>
-            </a:solidFill>
-            <a:prstDash val="sysDash"/>
+            <a:noFill/>
           </a:ln>
         </p:spPr>
         <p:style>
@@ -4985,84 +5500,33 @@
           <a:lstStyle/>
           <a:p>
             <a:pPr algn="ctr"/>
-            <a:endParaRPr lang="en-GB"/>
-          </a:p>
-        </p:txBody>
-      </p:sp>
-      <p:sp>
-        <p:nvSpPr>
-          <p:cNvPr id="12" name="11 CuadroTexto"/>
-          <p:cNvSpPr txBox="1"/>
-          <p:nvPr/>
-        </p:nvSpPr>
-        <p:spPr>
-          <a:xfrm>
-            <a:off x="9850955" y="4753610"/>
-            <a:ext cx="1886927" cy="369332"/>
-          </a:xfrm>
-          <a:prstGeom prst="rect">
-            <a:avLst/>
-          </a:prstGeom>
-          <a:noFill/>
-        </p:spPr>
-        <p:txBody>
-          <a:bodyPr wrap="none" rtlCol="0">
-            <a:spAutoFit/>
-          </a:bodyPr>
-          <a:lstStyle/>
-          <a:p>
-            <a:r>
-              <a:rPr lang="en-GB" b="1" dirty="0" smtClean="0">
-                <a:solidFill>
-                  <a:srgbClr val="00B050"/>
-                </a:solidFill>
-              </a:rPr>
-              <a:t>FI </a:t>
-            </a:r>
-            <a:r>
-              <a:rPr lang="en-GB" b="1" dirty="0" err="1" smtClean="0">
-                <a:solidFill>
-                  <a:srgbClr val="00B050"/>
-                </a:solidFill>
-              </a:rPr>
-              <a:t>PoT</a:t>
-            </a:r>
-            <a:r>
-              <a:rPr lang="en-GB" b="1" dirty="0" smtClean="0">
-                <a:solidFill>
-                  <a:srgbClr val="00B050"/>
-                </a:solidFill>
-              </a:rPr>
-              <a:t> Criterion III</a:t>
-            </a:r>
-            <a:endParaRPr lang="en-GB" b="1" dirty="0">
-              <a:solidFill>
-                <a:srgbClr val="00B050"/>
-              </a:solidFill>
-            </a:endParaRPr>
-          </a:p>
-        </p:txBody>
-      </p:sp>
-      <p:sp>
-        <p:nvSpPr>
-          <p:cNvPr id="13" name="12 Rectángulo redondeado"/>
+            <a:r>
+              <a:rPr lang="en-GB" sz="1200" dirty="0" smtClean="0"/>
+              <a:t>4</a:t>
+            </a:r>
+            <a:endParaRPr lang="en-GB" sz="1200" dirty="0"/>
+          </a:p>
+        </p:txBody>
+      </p:sp>
+      <p:sp>
+        <p:nvSpPr>
+          <p:cNvPr id="9" name="8 Elipse"/>
           <p:cNvSpPr/>
           <p:nvPr/>
         </p:nvSpPr>
         <p:spPr>
           <a:xfrm>
-            <a:off x="-1764704" y="5445224"/>
-            <a:ext cx="11600604" cy="1080120"/>
-          </a:xfrm>
-          <a:prstGeom prst="roundRect">
-            <a:avLst/>
-          </a:prstGeom>
-          <a:noFill/>
+            <a:off x="8014112" y="3697982"/>
+            <a:ext cx="237681" cy="223557"/>
+          </a:xfrm>
+          <a:prstGeom prst="ellipse">
+            <a:avLst/>
+          </a:prstGeom>
+          <a:solidFill>
+            <a:srgbClr val="0070C0"/>
+          </a:solidFill>
           <a:ln>
-            <a:solidFill>
-              <a:srgbClr val="92D050"/>
-            </a:solidFill>
-            <a:prstDash val="sysDash"/>
+            <a:noFill/>
           </a:ln>
         </p:spPr>
         <p:style>
@@ -5086,20 +5550,315 @@
           <a:lstStyle/>
           <a:p>
             <a:pPr algn="ctr"/>
-            <a:endParaRPr lang="en-GB"/>
-          </a:p>
-        </p:txBody>
-      </p:sp>
-      <p:sp>
-        <p:nvSpPr>
-          <p:cNvPr id="14" name="13 CuadroTexto"/>
+            <a:r>
+              <a:rPr lang="en-GB" sz="1200" dirty="0" smtClean="0"/>
+              <a:t>5</a:t>
+            </a:r>
+            <a:endParaRPr lang="en-GB" sz="1200" dirty="0"/>
+          </a:p>
+        </p:txBody>
+      </p:sp>
+      <p:sp>
+        <p:nvSpPr>
+          <p:cNvPr id="10" name="9 Elipse"/>
+          <p:cNvSpPr/>
+          <p:nvPr/>
+        </p:nvSpPr>
+        <p:spPr>
+          <a:xfrm>
+            <a:off x="8014112" y="4005064"/>
+            <a:ext cx="237681" cy="223557"/>
+          </a:xfrm>
+          <a:prstGeom prst="ellipse">
+            <a:avLst/>
+          </a:prstGeom>
+          <a:solidFill>
+            <a:srgbClr val="0070C0"/>
+          </a:solidFill>
+          <a:ln>
+            <a:noFill/>
+          </a:ln>
+        </p:spPr>
+        <p:style>
+          <a:lnRef idx="2">
+            <a:schemeClr val="accent1">
+              <a:shade val="50000"/>
+            </a:schemeClr>
+          </a:lnRef>
+          <a:fillRef idx="1">
+            <a:schemeClr val="accent1"/>
+          </a:fillRef>
+          <a:effectRef idx="0">
+            <a:schemeClr val="accent1"/>
+          </a:effectRef>
+          <a:fontRef idx="minor">
+            <a:schemeClr val="lt1"/>
+          </a:fontRef>
+        </p:style>
+        <p:txBody>
+          <a:bodyPr rtlCol="0" anchor="ctr"/>
+          <a:lstStyle/>
+          <a:p>
+            <a:pPr algn="ctr"/>
+            <a:r>
+              <a:rPr lang="en-GB" sz="1200" dirty="0" smtClean="0"/>
+              <a:t>6</a:t>
+            </a:r>
+            <a:endParaRPr lang="en-GB" sz="1200" dirty="0"/>
+          </a:p>
+        </p:txBody>
+      </p:sp>
+      <p:sp>
+        <p:nvSpPr>
+          <p:cNvPr id="11" name="10 Elipse"/>
+          <p:cNvSpPr/>
+          <p:nvPr/>
+        </p:nvSpPr>
+        <p:spPr>
+          <a:xfrm>
+            <a:off x="8014112" y="4357571"/>
+            <a:ext cx="237681" cy="223557"/>
+          </a:xfrm>
+          <a:prstGeom prst="ellipse">
+            <a:avLst/>
+          </a:prstGeom>
+          <a:solidFill>
+            <a:srgbClr val="0070C0"/>
+          </a:solidFill>
+          <a:ln>
+            <a:noFill/>
+          </a:ln>
+        </p:spPr>
+        <p:style>
+          <a:lnRef idx="2">
+            <a:schemeClr val="accent1">
+              <a:shade val="50000"/>
+            </a:schemeClr>
+          </a:lnRef>
+          <a:fillRef idx="1">
+            <a:schemeClr val="accent1"/>
+          </a:fillRef>
+          <a:effectRef idx="0">
+            <a:schemeClr val="accent1"/>
+          </a:effectRef>
+          <a:fontRef idx="minor">
+            <a:schemeClr val="lt1"/>
+          </a:fontRef>
+        </p:style>
+        <p:txBody>
+          <a:bodyPr rtlCol="0" anchor="ctr"/>
+          <a:lstStyle/>
+          <a:p>
+            <a:pPr algn="ctr"/>
+            <a:r>
+              <a:rPr lang="en-GB" sz="1200" dirty="0"/>
+              <a:t>7</a:t>
+            </a:r>
+          </a:p>
+        </p:txBody>
+      </p:sp>
+      <p:sp>
+        <p:nvSpPr>
+          <p:cNvPr id="12" name="11 Elipse"/>
+          <p:cNvSpPr/>
+          <p:nvPr/>
+        </p:nvSpPr>
+        <p:spPr>
+          <a:xfrm>
+            <a:off x="8014112" y="5149659"/>
+            <a:ext cx="237681" cy="223557"/>
+          </a:xfrm>
+          <a:prstGeom prst="ellipse">
+            <a:avLst/>
+          </a:prstGeom>
+          <a:solidFill>
+            <a:srgbClr val="0070C0"/>
+          </a:solidFill>
+          <a:ln>
+            <a:noFill/>
+          </a:ln>
+        </p:spPr>
+        <p:style>
+          <a:lnRef idx="2">
+            <a:schemeClr val="accent1">
+              <a:shade val="50000"/>
+            </a:schemeClr>
+          </a:lnRef>
+          <a:fillRef idx="1">
+            <a:schemeClr val="accent1"/>
+          </a:fillRef>
+          <a:effectRef idx="0">
+            <a:schemeClr val="accent1"/>
+          </a:effectRef>
+          <a:fontRef idx="minor">
+            <a:schemeClr val="lt1"/>
+          </a:fontRef>
+        </p:style>
+        <p:txBody>
+          <a:bodyPr rtlCol="0" anchor="ctr"/>
+          <a:lstStyle/>
+          <a:p>
+            <a:pPr algn="ctr"/>
+            <a:r>
+              <a:rPr lang="en-GB" sz="1200" dirty="0" smtClean="0"/>
+              <a:t>9</a:t>
+            </a:r>
+            <a:endParaRPr lang="en-GB" sz="1200" dirty="0"/>
+          </a:p>
+        </p:txBody>
+      </p:sp>
+      <p:sp>
+        <p:nvSpPr>
+          <p:cNvPr id="13" name="12 Elipse"/>
+          <p:cNvSpPr/>
+          <p:nvPr/>
+        </p:nvSpPr>
+        <p:spPr>
+          <a:xfrm>
+            <a:off x="8014112" y="5462282"/>
+            <a:ext cx="237681" cy="223557"/>
+          </a:xfrm>
+          <a:prstGeom prst="ellipse">
+            <a:avLst/>
+          </a:prstGeom>
+          <a:solidFill>
+            <a:srgbClr val="0070C0"/>
+          </a:solidFill>
+          <a:ln>
+            <a:noFill/>
+          </a:ln>
+        </p:spPr>
+        <p:style>
+          <a:lnRef idx="2">
+            <a:schemeClr val="accent1">
+              <a:shade val="50000"/>
+            </a:schemeClr>
+          </a:lnRef>
+          <a:fillRef idx="1">
+            <a:schemeClr val="accent1"/>
+          </a:fillRef>
+          <a:effectRef idx="0">
+            <a:schemeClr val="accent1"/>
+          </a:effectRef>
+          <a:fontRef idx="minor">
+            <a:schemeClr val="lt1"/>
+          </a:fontRef>
+        </p:style>
+        <p:txBody>
+          <a:bodyPr rtlCol="0" anchor="ctr"/>
+          <a:lstStyle/>
+          <a:p>
+            <a:pPr algn="ctr"/>
+            <a:endParaRPr lang="en-GB" sz="300" dirty="0"/>
+          </a:p>
+        </p:txBody>
+      </p:sp>
+      <p:sp>
+        <p:nvSpPr>
+          <p:cNvPr id="15" name="14 Elipse"/>
+          <p:cNvSpPr/>
+          <p:nvPr/>
+        </p:nvSpPr>
+        <p:spPr>
+          <a:xfrm>
+            <a:off x="8014112" y="5714253"/>
+            <a:ext cx="237681" cy="223557"/>
+          </a:xfrm>
+          <a:prstGeom prst="ellipse">
+            <a:avLst/>
+          </a:prstGeom>
+          <a:solidFill>
+            <a:srgbClr val="0070C0"/>
+          </a:solidFill>
+          <a:ln>
+            <a:noFill/>
+          </a:ln>
+        </p:spPr>
+        <p:style>
+          <a:lnRef idx="2">
+            <a:schemeClr val="accent1">
+              <a:shade val="50000"/>
+            </a:schemeClr>
+          </a:lnRef>
+          <a:fillRef idx="1">
+            <a:schemeClr val="accent1"/>
+          </a:fillRef>
+          <a:effectRef idx="0">
+            <a:schemeClr val="accent1"/>
+          </a:effectRef>
+          <a:fontRef idx="minor">
+            <a:schemeClr val="lt1"/>
+          </a:fontRef>
+        </p:style>
+        <p:txBody>
+          <a:bodyPr rtlCol="0" anchor="ctr"/>
+          <a:lstStyle/>
+          <a:p>
+            <a:pPr algn="ctr"/>
+            <a:endParaRPr lang="en-GB" sz="300" dirty="0"/>
+          </a:p>
+        </p:txBody>
+      </p:sp>
+      <p:sp>
+        <p:nvSpPr>
+          <p:cNvPr id="17" name="16 Elipse"/>
+          <p:cNvSpPr/>
+          <p:nvPr/>
+        </p:nvSpPr>
+        <p:spPr>
+          <a:xfrm>
+            <a:off x="8006727" y="4789619"/>
+            <a:ext cx="237681" cy="223557"/>
+          </a:xfrm>
+          <a:prstGeom prst="ellipse">
+            <a:avLst/>
+          </a:prstGeom>
+          <a:solidFill>
+            <a:srgbClr val="0070C0"/>
+          </a:solidFill>
+          <a:ln>
+            <a:noFill/>
+          </a:ln>
+        </p:spPr>
+        <p:style>
+          <a:lnRef idx="2">
+            <a:schemeClr val="accent1">
+              <a:shade val="50000"/>
+            </a:schemeClr>
+          </a:lnRef>
+          <a:fillRef idx="1">
+            <a:schemeClr val="accent1"/>
+          </a:fillRef>
+          <a:effectRef idx="0">
+            <a:schemeClr val="accent1"/>
+          </a:effectRef>
+          <a:fontRef idx="minor">
+            <a:schemeClr val="lt1"/>
+          </a:fontRef>
+        </p:style>
+        <p:txBody>
+          <a:bodyPr rtlCol="0" anchor="ctr"/>
+          <a:lstStyle/>
+          <a:p>
+            <a:pPr algn="ctr"/>
+            <a:r>
+              <a:rPr lang="en-GB" sz="1050" dirty="0" smtClean="0"/>
+              <a:t>8</a:t>
+            </a:r>
+            <a:endParaRPr lang="en-GB" sz="1050" dirty="0"/>
+          </a:p>
+        </p:txBody>
+      </p:sp>
+      <p:sp>
+        <p:nvSpPr>
+          <p:cNvPr id="18" name="17 CuadroTexto"/>
           <p:cNvSpPr txBox="1"/>
           <p:nvPr/>
         </p:nvSpPr>
         <p:spPr>
           <a:xfrm>
-            <a:off x="9850955" y="5795972"/>
-            <a:ext cx="1901354" cy="369332"/>
+            <a:off x="7968484" y="5435699"/>
+            <a:ext cx="328936" cy="261610"/>
           </a:xfrm>
           <a:prstGeom prst="rect">
             <a:avLst/>
@@ -5113,32 +5872,16 @@
           <a:lstStyle/>
           <a:p>
             <a:r>
-              <a:rPr lang="en-GB" b="1" dirty="0" smtClean="0">
+              <a:rPr lang="en-GB" sz="1100" dirty="0" smtClean="0">
                 <a:solidFill>
-                  <a:srgbClr val="00B050"/>
+                  <a:schemeClr val="bg1"/>
                 </a:solidFill>
               </a:rPr>
-              <a:t>FI </a:t>
-            </a:r>
-            <a:r>
-              <a:rPr lang="en-GB" b="1" dirty="0" err="1" smtClean="0">
-                <a:solidFill>
-                  <a:srgbClr val="00B050"/>
-                </a:solidFill>
-              </a:rPr>
-              <a:t>PoT</a:t>
-            </a:r>
-            <a:r>
-              <a:rPr lang="en-GB" b="1" dirty="0" smtClean="0">
-                <a:solidFill>
-                  <a:srgbClr val="00B050"/>
-                </a:solidFill>
-              </a:rPr>
-              <a:t> Criterion IV</a:t>
-            </a:r>
-            <a:endParaRPr lang="en-GB" b="1" dirty="0">
+              <a:t>10</a:t>
+            </a:r>
+            <a:endParaRPr lang="en-GB" sz="1100" dirty="0">
               <a:solidFill>
-                <a:srgbClr val="00B050"/>
+                <a:schemeClr val="bg1"/>
               </a:solidFill>
             </a:endParaRPr>
           </a:p>
@@ -5147,7 +5890,7 @@
     </p:spTree>
     <p:extLst>
       <p:ext uri="{BB962C8B-B14F-4D97-AF65-F5344CB8AC3E}">
-        <p14:creationId xmlns:p14="http://schemas.microsoft.com/office/powerpoint/2010/main" val="1792153492"/>
+        <p14:creationId xmlns:p14="http://schemas.microsoft.com/office/powerpoint/2010/main" val="537363499"/>
       </p:ext>
     </p:extLst>
   </p:cSld>
@@ -5176,7 +5919,7 @@
       </p:grpSpPr>
       <p:pic>
         <p:nvPicPr>
-          <p:cNvPr id="1026" name="Picture 2" descr="C:\ESPD-EDM-02.00.00-asciidoc\espd-data-model\docs\src\main\asciidoc\images\PaymentOfTaxes_EO_mock-up.png"/>
+          <p:cNvPr id="4" name="Picture 2" descr="C:\ESPD-EDM-02.00.00-asciidoc\espd-data-model\docs\src\main\asciidoc\images\PaymentOfTaxes_CA_mock-up.png"/>
           <p:cNvPicPr>
             <a:picLocks noChangeAspect="1" noChangeArrowheads="1"/>
           </p:cNvPicPr>
@@ -5197,8 +5940,8 @@
         </p:blipFill>
         <p:spPr bwMode="auto">
           <a:xfrm>
-            <a:off x="-252536" y="116632"/>
-            <a:ext cx="9572625" cy="6029325"/>
+            <a:off x="-1836712" y="610922"/>
+            <a:ext cx="11687175" cy="6238875"/>
           </a:xfrm>
           <a:prstGeom prst="rect">
             <a:avLst/>
@@ -5217,14 +5960,14 @@
       </p:pic>
       <p:sp>
         <p:nvSpPr>
-          <p:cNvPr id="4" name="3 Rectángulo redondeado"/>
+          <p:cNvPr id="5" name="4 Rectángulo redondeado"/>
           <p:cNvSpPr/>
           <p:nvPr/>
         </p:nvSpPr>
         <p:spPr>
           <a:xfrm>
-            <a:off x="3563888" y="2564904"/>
-            <a:ext cx="5580112" cy="1872208"/>
+            <a:off x="-1791274" y="1804944"/>
+            <a:ext cx="11600604" cy="496742"/>
           </a:xfrm>
           <a:prstGeom prst="roundRect">
             <a:avLst/>
@@ -5264,14 +6007,14 @@
       </p:sp>
       <p:sp>
         <p:nvSpPr>
-          <p:cNvPr id="5" name="4 CuadroTexto"/>
+          <p:cNvPr id="6" name="5 CuadroTexto"/>
           <p:cNvSpPr txBox="1"/>
           <p:nvPr/>
         </p:nvSpPr>
         <p:spPr>
           <a:xfrm>
-            <a:off x="899592" y="2767073"/>
-            <a:ext cx="2088232" cy="1477328"/>
+            <a:off x="9900592" y="1844824"/>
+            <a:ext cx="1747466" cy="369332"/>
           </a:xfrm>
           <a:prstGeom prst="rect">
             <a:avLst/>
@@ -5279,20 +6022,36 @@
           <a:noFill/>
         </p:spPr>
         <p:txBody>
-          <a:bodyPr wrap="square" rtlCol="0">
+          <a:bodyPr wrap="none" rtlCol="0">
             <a:spAutoFit/>
           </a:bodyPr>
           <a:lstStyle/>
           <a:p>
             <a:r>
-              <a:rPr lang="en-GB" dirty="0" smtClean="0">
+              <a:rPr lang="en-GB" b="1" dirty="0" smtClean="0">
                 <a:solidFill>
                   <a:srgbClr val="00B050"/>
                 </a:solidFill>
               </a:rPr>
-              <a:t>This property is shown only if the answer to the previous QUESTION is ‘Yes’</a:t>
-            </a:r>
-            <a:endParaRPr lang="en-GB" dirty="0">
+              <a:t>EU </a:t>
+            </a:r>
+            <a:r>
+              <a:rPr lang="en-GB" b="1" dirty="0" err="1" smtClean="0">
+                <a:solidFill>
+                  <a:srgbClr val="00B050"/>
+                </a:solidFill>
+              </a:rPr>
+              <a:t>PoT</a:t>
+            </a:r>
+            <a:r>
+              <a:rPr lang="en-GB" b="1" dirty="0" smtClean="0">
+                <a:solidFill>
+                  <a:srgbClr val="00B050"/>
+                </a:solidFill>
+              </a:rPr>
+              <a:t> Criterion</a:t>
+            </a:r>
+            <a:endParaRPr lang="en-GB" b="1" dirty="0">
               <a:solidFill>
                 <a:srgbClr val="00B050"/>
               </a:solidFill>
@@ -5300,49 +6059,660 @@
           </a:p>
         </p:txBody>
       </p:sp>
-      <p:cxnSp>
-        <p:nvCxnSpPr>
-          <p:cNvPr id="7" name="6 Conector recto de flecha"/>
-          <p:cNvCxnSpPr>
-            <a:stCxn id="5" idx="3"/>
-            <a:endCxn id="4" idx="1"/>
-          </p:cNvCxnSpPr>
-          <p:nvPr/>
-        </p:nvCxnSpPr>
-        <p:spPr>
-          <a:xfrm flipV="1">
-            <a:off x="2987824" y="3501008"/>
-            <a:ext cx="576064" cy="4729"/>
-          </a:xfrm>
-          <a:prstGeom prst="straightConnector1">
-            <a:avLst/>
-          </a:prstGeom>
-          <a:ln w="19050">
+      <p:sp>
+        <p:nvSpPr>
+          <p:cNvPr id="7" name="6 Rectángulo redondeado"/>
+          <p:cNvSpPr/>
+          <p:nvPr/>
+        </p:nvSpPr>
+        <p:spPr>
+          <a:xfrm>
+            <a:off x="-1750752" y="2492896"/>
+            <a:ext cx="11600604" cy="864096"/>
+          </a:xfrm>
+          <a:prstGeom prst="roundRect">
+            <a:avLst/>
+          </a:prstGeom>
+          <a:noFill/>
+          <a:ln>
             <a:solidFill>
               <a:srgbClr val="92D050"/>
             </a:solidFill>
-            <a:tailEnd type="arrow"/>
+            <a:prstDash val="sysDash"/>
           </a:ln>
         </p:spPr>
         <p:style>
-          <a:lnRef idx="1">
-            <a:schemeClr val="accent1"/>
+          <a:lnRef idx="2">
+            <a:schemeClr val="accent1">
+              <a:shade val="50000"/>
+            </a:schemeClr>
           </a:lnRef>
-          <a:fillRef idx="0">
+          <a:fillRef idx="1">
             <a:schemeClr val="accent1"/>
           </a:fillRef>
           <a:effectRef idx="0">
             <a:schemeClr val="accent1"/>
           </a:effectRef>
           <a:fontRef idx="minor">
-            <a:schemeClr val="tx1"/>
+            <a:schemeClr val="lt1"/>
           </a:fontRef>
         </p:style>
-      </p:cxnSp>
+        <p:txBody>
+          <a:bodyPr rtlCol="0" anchor="ctr"/>
+          <a:lstStyle/>
+          <a:p>
+            <a:pPr algn="ctr"/>
+            <a:endParaRPr lang="en-GB"/>
+          </a:p>
+        </p:txBody>
+      </p:sp>
+      <p:sp>
+        <p:nvSpPr>
+          <p:cNvPr id="8" name="7 CuadroTexto"/>
+          <p:cNvSpPr txBox="1"/>
+          <p:nvPr/>
+        </p:nvSpPr>
+        <p:spPr>
+          <a:xfrm>
+            <a:off x="9864907" y="2728656"/>
+            <a:ext cx="1765099" cy="369332"/>
+          </a:xfrm>
+          <a:prstGeom prst="rect">
+            <a:avLst/>
+          </a:prstGeom>
+          <a:noFill/>
+        </p:spPr>
+        <p:txBody>
+          <a:bodyPr wrap="none" rtlCol="0">
+            <a:spAutoFit/>
+          </a:bodyPr>
+          <a:lstStyle/>
+          <a:p>
+            <a:r>
+              <a:rPr lang="en-GB" b="1" dirty="0" smtClean="0">
+                <a:solidFill>
+                  <a:srgbClr val="00B050"/>
+                </a:solidFill>
+              </a:rPr>
+              <a:t>FI </a:t>
+            </a:r>
+            <a:r>
+              <a:rPr lang="en-GB" b="1" dirty="0" err="1" smtClean="0">
+                <a:solidFill>
+                  <a:srgbClr val="00B050"/>
+                </a:solidFill>
+              </a:rPr>
+              <a:t>PoT</a:t>
+            </a:r>
+            <a:r>
+              <a:rPr lang="en-GB" b="1" dirty="0" smtClean="0">
+                <a:solidFill>
+                  <a:srgbClr val="00B050"/>
+                </a:solidFill>
+              </a:rPr>
+              <a:t> Criterion I</a:t>
+            </a:r>
+            <a:endParaRPr lang="en-GB" b="1" dirty="0">
+              <a:solidFill>
+                <a:srgbClr val="00B050"/>
+              </a:solidFill>
+            </a:endParaRPr>
+          </a:p>
+        </p:txBody>
+      </p:sp>
+      <p:sp>
+        <p:nvSpPr>
+          <p:cNvPr id="9" name="8 Rectángulo redondeado"/>
+          <p:cNvSpPr/>
+          <p:nvPr/>
+        </p:nvSpPr>
+        <p:spPr>
+          <a:xfrm>
+            <a:off x="-1764704" y="3356992"/>
+            <a:ext cx="11600604" cy="1152128"/>
+          </a:xfrm>
+          <a:prstGeom prst="roundRect">
+            <a:avLst/>
+          </a:prstGeom>
+          <a:noFill/>
+          <a:ln>
+            <a:solidFill>
+              <a:srgbClr val="92D050"/>
+            </a:solidFill>
+            <a:prstDash val="sysDash"/>
+          </a:ln>
+        </p:spPr>
+        <p:style>
+          <a:lnRef idx="2">
+            <a:schemeClr val="accent1">
+              <a:shade val="50000"/>
+            </a:schemeClr>
+          </a:lnRef>
+          <a:fillRef idx="1">
+            <a:schemeClr val="accent1"/>
+          </a:fillRef>
+          <a:effectRef idx="0">
+            <a:schemeClr val="accent1"/>
+          </a:effectRef>
+          <a:fontRef idx="minor">
+            <a:schemeClr val="lt1"/>
+          </a:fontRef>
+        </p:style>
+        <p:txBody>
+          <a:bodyPr rtlCol="0" anchor="ctr"/>
+          <a:lstStyle/>
+          <a:p>
+            <a:pPr algn="ctr"/>
+            <a:endParaRPr lang="en-GB"/>
+          </a:p>
+        </p:txBody>
+      </p:sp>
+      <p:sp>
+        <p:nvSpPr>
+          <p:cNvPr id="10" name="9 CuadroTexto"/>
+          <p:cNvSpPr txBox="1"/>
+          <p:nvPr/>
+        </p:nvSpPr>
+        <p:spPr>
+          <a:xfrm>
+            <a:off x="9850955" y="3707740"/>
+            <a:ext cx="1826013" cy="369332"/>
+          </a:xfrm>
+          <a:prstGeom prst="rect">
+            <a:avLst/>
+          </a:prstGeom>
+          <a:noFill/>
+        </p:spPr>
+        <p:txBody>
+          <a:bodyPr wrap="none" rtlCol="0">
+            <a:spAutoFit/>
+          </a:bodyPr>
+          <a:lstStyle/>
+          <a:p>
+            <a:r>
+              <a:rPr lang="en-GB" b="1" dirty="0" smtClean="0">
+                <a:solidFill>
+                  <a:srgbClr val="00B050"/>
+                </a:solidFill>
+              </a:rPr>
+              <a:t>FI </a:t>
+            </a:r>
+            <a:r>
+              <a:rPr lang="en-GB" b="1" dirty="0" err="1" smtClean="0">
+                <a:solidFill>
+                  <a:srgbClr val="00B050"/>
+                </a:solidFill>
+              </a:rPr>
+              <a:t>PoT</a:t>
+            </a:r>
+            <a:r>
+              <a:rPr lang="en-GB" b="1" dirty="0" smtClean="0">
+                <a:solidFill>
+                  <a:srgbClr val="00B050"/>
+                </a:solidFill>
+              </a:rPr>
+              <a:t> Criterion II</a:t>
+            </a:r>
+            <a:endParaRPr lang="en-GB" b="1" dirty="0">
+              <a:solidFill>
+                <a:srgbClr val="00B050"/>
+              </a:solidFill>
+            </a:endParaRPr>
+          </a:p>
+        </p:txBody>
+      </p:sp>
+      <p:sp>
+        <p:nvSpPr>
+          <p:cNvPr id="11" name="10 Rectángulo redondeado"/>
+          <p:cNvSpPr/>
+          <p:nvPr/>
+        </p:nvSpPr>
+        <p:spPr>
+          <a:xfrm>
+            <a:off x="-1764704" y="4509120"/>
+            <a:ext cx="11600604" cy="936104"/>
+          </a:xfrm>
+          <a:prstGeom prst="roundRect">
+            <a:avLst/>
+          </a:prstGeom>
+          <a:noFill/>
+          <a:ln>
+            <a:solidFill>
+              <a:srgbClr val="92D050"/>
+            </a:solidFill>
+            <a:prstDash val="sysDash"/>
+          </a:ln>
+        </p:spPr>
+        <p:style>
+          <a:lnRef idx="2">
+            <a:schemeClr val="accent1">
+              <a:shade val="50000"/>
+            </a:schemeClr>
+          </a:lnRef>
+          <a:fillRef idx="1">
+            <a:schemeClr val="accent1"/>
+          </a:fillRef>
+          <a:effectRef idx="0">
+            <a:schemeClr val="accent1"/>
+          </a:effectRef>
+          <a:fontRef idx="minor">
+            <a:schemeClr val="lt1"/>
+          </a:fontRef>
+        </p:style>
+        <p:txBody>
+          <a:bodyPr rtlCol="0" anchor="ctr"/>
+          <a:lstStyle/>
+          <a:p>
+            <a:pPr algn="ctr"/>
+            <a:endParaRPr lang="en-GB"/>
+          </a:p>
+        </p:txBody>
+      </p:sp>
+      <p:sp>
+        <p:nvSpPr>
+          <p:cNvPr id="12" name="11 CuadroTexto"/>
+          <p:cNvSpPr txBox="1"/>
+          <p:nvPr/>
+        </p:nvSpPr>
+        <p:spPr>
+          <a:xfrm>
+            <a:off x="9850955" y="4753610"/>
+            <a:ext cx="1886927" cy="369332"/>
+          </a:xfrm>
+          <a:prstGeom prst="rect">
+            <a:avLst/>
+          </a:prstGeom>
+          <a:noFill/>
+        </p:spPr>
+        <p:txBody>
+          <a:bodyPr wrap="none" rtlCol="0">
+            <a:spAutoFit/>
+          </a:bodyPr>
+          <a:lstStyle/>
+          <a:p>
+            <a:r>
+              <a:rPr lang="en-GB" b="1" dirty="0" smtClean="0">
+                <a:solidFill>
+                  <a:srgbClr val="00B050"/>
+                </a:solidFill>
+              </a:rPr>
+              <a:t>FI </a:t>
+            </a:r>
+            <a:r>
+              <a:rPr lang="en-GB" b="1" dirty="0" err="1" smtClean="0">
+                <a:solidFill>
+                  <a:srgbClr val="00B050"/>
+                </a:solidFill>
+              </a:rPr>
+              <a:t>PoT</a:t>
+            </a:r>
+            <a:r>
+              <a:rPr lang="en-GB" b="1" dirty="0" smtClean="0">
+                <a:solidFill>
+                  <a:srgbClr val="00B050"/>
+                </a:solidFill>
+              </a:rPr>
+              <a:t> Criterion III</a:t>
+            </a:r>
+            <a:endParaRPr lang="en-GB" b="1" dirty="0">
+              <a:solidFill>
+                <a:srgbClr val="00B050"/>
+              </a:solidFill>
+            </a:endParaRPr>
+          </a:p>
+        </p:txBody>
+      </p:sp>
+      <p:sp>
+        <p:nvSpPr>
+          <p:cNvPr id="13" name="12 Rectángulo redondeado"/>
+          <p:cNvSpPr/>
+          <p:nvPr/>
+        </p:nvSpPr>
+        <p:spPr>
+          <a:xfrm>
+            <a:off x="-1764704" y="5445224"/>
+            <a:ext cx="11600604" cy="1080120"/>
+          </a:xfrm>
+          <a:prstGeom prst="roundRect">
+            <a:avLst/>
+          </a:prstGeom>
+          <a:noFill/>
+          <a:ln>
+            <a:solidFill>
+              <a:srgbClr val="92D050"/>
+            </a:solidFill>
+            <a:prstDash val="sysDash"/>
+          </a:ln>
+        </p:spPr>
+        <p:style>
+          <a:lnRef idx="2">
+            <a:schemeClr val="accent1">
+              <a:shade val="50000"/>
+            </a:schemeClr>
+          </a:lnRef>
+          <a:fillRef idx="1">
+            <a:schemeClr val="accent1"/>
+          </a:fillRef>
+          <a:effectRef idx="0">
+            <a:schemeClr val="accent1"/>
+          </a:effectRef>
+          <a:fontRef idx="minor">
+            <a:schemeClr val="lt1"/>
+          </a:fontRef>
+        </p:style>
+        <p:txBody>
+          <a:bodyPr rtlCol="0" anchor="ctr"/>
+          <a:lstStyle/>
+          <a:p>
+            <a:pPr algn="ctr"/>
+            <a:endParaRPr lang="en-GB"/>
+          </a:p>
+        </p:txBody>
+      </p:sp>
+      <p:sp>
+        <p:nvSpPr>
+          <p:cNvPr id="14" name="13 CuadroTexto"/>
+          <p:cNvSpPr txBox="1"/>
+          <p:nvPr/>
+        </p:nvSpPr>
+        <p:spPr>
+          <a:xfrm>
+            <a:off x="9850955" y="5795972"/>
+            <a:ext cx="1901354" cy="369332"/>
+          </a:xfrm>
+          <a:prstGeom prst="rect">
+            <a:avLst/>
+          </a:prstGeom>
+          <a:noFill/>
+        </p:spPr>
+        <p:txBody>
+          <a:bodyPr wrap="none" rtlCol="0">
+            <a:spAutoFit/>
+          </a:bodyPr>
+          <a:lstStyle/>
+          <a:p>
+            <a:r>
+              <a:rPr lang="en-GB" b="1" dirty="0" smtClean="0">
+                <a:solidFill>
+                  <a:srgbClr val="00B050"/>
+                </a:solidFill>
+              </a:rPr>
+              <a:t>FI </a:t>
+            </a:r>
+            <a:r>
+              <a:rPr lang="en-GB" b="1" dirty="0" err="1" smtClean="0">
+                <a:solidFill>
+                  <a:srgbClr val="00B050"/>
+                </a:solidFill>
+              </a:rPr>
+              <a:t>PoT</a:t>
+            </a:r>
+            <a:r>
+              <a:rPr lang="en-GB" b="1" dirty="0" smtClean="0">
+                <a:solidFill>
+                  <a:srgbClr val="00B050"/>
+                </a:solidFill>
+              </a:rPr>
+              <a:t> Criterion IV</a:t>
+            </a:r>
+            <a:endParaRPr lang="en-GB" b="1" dirty="0">
+              <a:solidFill>
+                <a:srgbClr val="00B050"/>
+              </a:solidFill>
+            </a:endParaRPr>
+          </a:p>
+        </p:txBody>
+      </p:sp>
+      <p:sp>
+        <p:nvSpPr>
+          <p:cNvPr id="15" name="14 Elipse"/>
+          <p:cNvSpPr/>
+          <p:nvPr/>
+        </p:nvSpPr>
+        <p:spPr>
+          <a:xfrm>
+            <a:off x="9662911" y="2125323"/>
+            <a:ext cx="237681" cy="223557"/>
+          </a:xfrm>
+          <a:prstGeom prst="ellipse">
+            <a:avLst/>
+          </a:prstGeom>
+          <a:solidFill>
+            <a:srgbClr val="0070C0"/>
+          </a:solidFill>
+          <a:ln>
+            <a:noFill/>
+          </a:ln>
+        </p:spPr>
+        <p:style>
+          <a:lnRef idx="2">
+            <a:schemeClr val="accent1">
+              <a:shade val="50000"/>
+            </a:schemeClr>
+          </a:lnRef>
+          <a:fillRef idx="1">
+            <a:schemeClr val="accent1"/>
+          </a:fillRef>
+          <a:effectRef idx="0">
+            <a:schemeClr val="accent1"/>
+          </a:effectRef>
+          <a:fontRef idx="minor">
+            <a:schemeClr val="lt1"/>
+          </a:fontRef>
+        </p:style>
+        <p:txBody>
+          <a:bodyPr rtlCol="0" anchor="ctr"/>
+          <a:lstStyle/>
+          <a:p>
+            <a:pPr algn="ctr"/>
+            <a:r>
+              <a:rPr lang="en-GB" sz="1200" dirty="0" smtClean="0"/>
+              <a:t>1</a:t>
+            </a:r>
+            <a:endParaRPr lang="en-GB" sz="1200" dirty="0"/>
+          </a:p>
+        </p:txBody>
+      </p:sp>
+      <p:sp>
+        <p:nvSpPr>
+          <p:cNvPr id="16" name="15 Elipse"/>
+          <p:cNvSpPr/>
+          <p:nvPr/>
+        </p:nvSpPr>
+        <p:spPr>
+          <a:xfrm>
+            <a:off x="9684568" y="3068960"/>
+            <a:ext cx="237681" cy="223557"/>
+          </a:xfrm>
+          <a:prstGeom prst="ellipse">
+            <a:avLst/>
+          </a:prstGeom>
+          <a:solidFill>
+            <a:srgbClr val="0070C0"/>
+          </a:solidFill>
+          <a:ln>
+            <a:noFill/>
+          </a:ln>
+        </p:spPr>
+        <p:style>
+          <a:lnRef idx="2">
+            <a:schemeClr val="accent1">
+              <a:shade val="50000"/>
+            </a:schemeClr>
+          </a:lnRef>
+          <a:fillRef idx="1">
+            <a:schemeClr val="accent1"/>
+          </a:fillRef>
+          <a:effectRef idx="0">
+            <a:schemeClr val="accent1"/>
+          </a:effectRef>
+          <a:fontRef idx="minor">
+            <a:schemeClr val="lt1"/>
+          </a:fontRef>
+        </p:style>
+        <p:txBody>
+          <a:bodyPr rtlCol="0" anchor="ctr"/>
+          <a:lstStyle/>
+          <a:p>
+            <a:pPr algn="ctr"/>
+            <a:r>
+              <a:rPr lang="en-GB" sz="1200" dirty="0"/>
+              <a:t>2</a:t>
+            </a:r>
+          </a:p>
+        </p:txBody>
+      </p:sp>
+      <p:sp>
+        <p:nvSpPr>
+          <p:cNvPr id="19" name="18 Elipse"/>
+          <p:cNvSpPr/>
+          <p:nvPr/>
+        </p:nvSpPr>
+        <p:spPr>
+          <a:xfrm>
+            <a:off x="9684568" y="4149080"/>
+            <a:ext cx="237681" cy="223557"/>
+          </a:xfrm>
+          <a:prstGeom prst="ellipse">
+            <a:avLst/>
+          </a:prstGeom>
+          <a:solidFill>
+            <a:srgbClr val="0070C0"/>
+          </a:solidFill>
+          <a:ln>
+            <a:noFill/>
+          </a:ln>
+        </p:spPr>
+        <p:style>
+          <a:lnRef idx="2">
+            <a:schemeClr val="accent1">
+              <a:shade val="50000"/>
+            </a:schemeClr>
+          </a:lnRef>
+          <a:fillRef idx="1">
+            <a:schemeClr val="accent1"/>
+          </a:fillRef>
+          <a:effectRef idx="0">
+            <a:schemeClr val="accent1"/>
+          </a:effectRef>
+          <a:fontRef idx="minor">
+            <a:schemeClr val="lt1"/>
+          </a:fontRef>
+        </p:style>
+        <p:txBody>
+          <a:bodyPr rtlCol="0" anchor="ctr"/>
+          <a:lstStyle/>
+          <a:p>
+            <a:pPr algn="ctr"/>
+            <a:r>
+              <a:rPr lang="en-GB" sz="1200" dirty="0"/>
+              <a:t>3</a:t>
+            </a:r>
+          </a:p>
+        </p:txBody>
+      </p:sp>
+      <p:sp>
+        <p:nvSpPr>
+          <p:cNvPr id="20" name="19 Elipse"/>
+          <p:cNvSpPr/>
+          <p:nvPr/>
+        </p:nvSpPr>
+        <p:spPr>
+          <a:xfrm>
+            <a:off x="9684568" y="5149659"/>
+            <a:ext cx="237681" cy="223557"/>
+          </a:xfrm>
+          <a:prstGeom prst="ellipse">
+            <a:avLst/>
+          </a:prstGeom>
+          <a:solidFill>
+            <a:srgbClr val="0070C0"/>
+          </a:solidFill>
+          <a:ln>
+            <a:noFill/>
+          </a:ln>
+        </p:spPr>
+        <p:style>
+          <a:lnRef idx="2">
+            <a:schemeClr val="accent1">
+              <a:shade val="50000"/>
+            </a:schemeClr>
+          </a:lnRef>
+          <a:fillRef idx="1">
+            <a:schemeClr val="accent1"/>
+          </a:fillRef>
+          <a:effectRef idx="0">
+            <a:schemeClr val="accent1"/>
+          </a:effectRef>
+          <a:fontRef idx="minor">
+            <a:schemeClr val="lt1"/>
+          </a:fontRef>
+        </p:style>
+        <p:txBody>
+          <a:bodyPr rtlCol="0" anchor="ctr"/>
+          <a:lstStyle/>
+          <a:p>
+            <a:pPr algn="ctr"/>
+            <a:r>
+              <a:rPr lang="en-GB" sz="1200" dirty="0"/>
+              <a:t>4</a:t>
+            </a:r>
+          </a:p>
+        </p:txBody>
+      </p:sp>
+      <p:sp>
+        <p:nvSpPr>
+          <p:cNvPr id="21" name="20 Elipse"/>
+          <p:cNvSpPr/>
+          <p:nvPr/>
+        </p:nvSpPr>
+        <p:spPr>
+          <a:xfrm>
+            <a:off x="9684568" y="6237312"/>
+            <a:ext cx="237681" cy="223557"/>
+          </a:xfrm>
+          <a:prstGeom prst="ellipse">
+            <a:avLst/>
+          </a:prstGeom>
+          <a:solidFill>
+            <a:srgbClr val="0070C0"/>
+          </a:solidFill>
+          <a:ln>
+            <a:noFill/>
+          </a:ln>
+        </p:spPr>
+        <p:style>
+          <a:lnRef idx="2">
+            <a:schemeClr val="accent1">
+              <a:shade val="50000"/>
+            </a:schemeClr>
+          </a:lnRef>
+          <a:fillRef idx="1">
+            <a:schemeClr val="accent1"/>
+          </a:fillRef>
+          <a:effectRef idx="0">
+            <a:schemeClr val="accent1"/>
+          </a:effectRef>
+          <a:fontRef idx="minor">
+            <a:schemeClr val="lt1"/>
+          </a:fontRef>
+        </p:style>
+        <p:txBody>
+          <a:bodyPr rtlCol="0" anchor="ctr"/>
+          <a:lstStyle/>
+          <a:p>
+            <a:pPr algn="ctr"/>
+            <a:r>
+              <a:rPr lang="en-GB" sz="1200" dirty="0"/>
+              <a:t>5</a:t>
+            </a:r>
+          </a:p>
+        </p:txBody>
+      </p:sp>
     </p:spTree>
     <p:extLst>
       <p:ext uri="{BB962C8B-B14F-4D97-AF65-F5344CB8AC3E}">
-        <p14:creationId xmlns:p14="http://schemas.microsoft.com/office/powerpoint/2010/main" val="2606548167"/>
+        <p14:creationId xmlns:p14="http://schemas.microsoft.com/office/powerpoint/2010/main" val="1792153492"/>
       </p:ext>
     </p:extLst>
   </p:cSld>
@@ -5371,7 +6741,7 @@
       </p:grpSpPr>
       <p:pic>
         <p:nvPicPr>
-          <p:cNvPr id="2050" name="Picture 2" descr="C:\ESPD-EDM-02.00.00-asciidoc\espd-data-model\docs\src\main\asciidoc\images\PaymentOfTaxes_EO_mock-up-2.png"/>
+          <p:cNvPr id="1026" name="Picture 2" descr="C:\ESPD-EDM-02.00.00-asciidoc\espd-data-model\docs\src\main\asciidoc\images\PaymentOfTaxes_EO_mock-up.png"/>
           <p:cNvPicPr>
             <a:picLocks noChangeAspect="1" noChangeArrowheads="1"/>
           </p:cNvPicPr>
@@ -5392,8 +6762,8 @@
         </p:blipFill>
         <p:spPr bwMode="auto">
           <a:xfrm>
-            <a:off x="438025" y="404664"/>
-            <a:ext cx="8526463" cy="5610225"/>
+            <a:off x="-252536" y="116632"/>
+            <a:ext cx="9572625" cy="6029325"/>
           </a:xfrm>
           <a:prstGeom prst="rect">
             <a:avLst/>
@@ -5418,8 +6788,8 @@
         </p:nvSpPr>
         <p:spPr>
           <a:xfrm>
-            <a:off x="3779912" y="2564904"/>
-            <a:ext cx="5184576" cy="1872208"/>
+            <a:off x="3563888" y="2564904"/>
+            <a:ext cx="5580112" cy="1872208"/>
           </a:xfrm>
           <a:prstGeom prst="roundRect">
             <a:avLst/>
@@ -5465,7 +6835,7 @@
         </p:nvSpPr>
         <p:spPr>
           <a:xfrm>
-            <a:off x="1301387" y="2764340"/>
+            <a:off x="899592" y="2767073"/>
             <a:ext cx="2088232" cy="1477328"/>
           </a:xfrm>
           <a:prstGeom prst="rect">
@@ -5485,7 +6855,7 @@
                   <a:srgbClr val="00B050"/>
                 </a:solidFill>
               </a:rPr>
-              <a:t>This group of property is shown only if the answer to the previous QUESTION is ‘No’</a:t>
+              <a:t>This property is shown only if the answer to the previous QUESTION is ‘Yes’</a:t>
             </a:r>
             <a:endParaRPr lang="en-GB" dirty="0">
               <a:solidFill>
@@ -5506,8 +6876,8 @@
         </p:nvCxnSpPr>
         <p:spPr>
           <a:xfrm flipV="1">
-            <a:off x="3389619" y="3501008"/>
-            <a:ext cx="390293" cy="1996"/>
+            <a:off x="2987824" y="3501008"/>
+            <a:ext cx="576064" cy="4729"/>
           </a:xfrm>
           <a:prstGeom prst="straightConnector1">
             <a:avLst/>
@@ -5534,6 +6904,992 @@
           </a:fontRef>
         </p:style>
       </p:cxnSp>
+      <p:sp>
+        <p:nvSpPr>
+          <p:cNvPr id="6" name="5 Elipse"/>
+          <p:cNvSpPr/>
+          <p:nvPr/>
+        </p:nvSpPr>
+        <p:spPr>
+          <a:xfrm>
+            <a:off x="8973686" y="1333235"/>
+            <a:ext cx="237681" cy="223557"/>
+          </a:xfrm>
+          <a:prstGeom prst="ellipse">
+            <a:avLst/>
+          </a:prstGeom>
+          <a:solidFill>
+            <a:srgbClr val="0070C0"/>
+          </a:solidFill>
+          <a:ln>
+            <a:noFill/>
+          </a:ln>
+        </p:spPr>
+        <p:style>
+          <a:lnRef idx="2">
+            <a:schemeClr val="accent1">
+              <a:shade val="50000"/>
+            </a:schemeClr>
+          </a:lnRef>
+          <a:fillRef idx="1">
+            <a:schemeClr val="accent1"/>
+          </a:fillRef>
+          <a:effectRef idx="0">
+            <a:schemeClr val="accent1"/>
+          </a:effectRef>
+          <a:fontRef idx="minor">
+            <a:schemeClr val="lt1"/>
+          </a:fontRef>
+        </p:style>
+        <p:txBody>
+          <a:bodyPr rtlCol="0" anchor="ctr"/>
+          <a:lstStyle/>
+          <a:p>
+            <a:pPr algn="ctr"/>
+            <a:r>
+              <a:rPr lang="en-GB" sz="1200" dirty="0" smtClean="0"/>
+              <a:t>1</a:t>
+            </a:r>
+            <a:endParaRPr lang="en-GB" sz="1200" dirty="0"/>
+          </a:p>
+        </p:txBody>
+      </p:sp>
+      <p:sp>
+        <p:nvSpPr>
+          <p:cNvPr id="8" name="7 Elipse"/>
+          <p:cNvSpPr/>
+          <p:nvPr/>
+        </p:nvSpPr>
+        <p:spPr>
+          <a:xfrm>
+            <a:off x="7543615" y="1813760"/>
+            <a:ext cx="237681" cy="223557"/>
+          </a:xfrm>
+          <a:prstGeom prst="ellipse">
+            <a:avLst/>
+          </a:prstGeom>
+          <a:solidFill>
+            <a:srgbClr val="0070C0"/>
+          </a:solidFill>
+          <a:ln>
+            <a:noFill/>
+          </a:ln>
+        </p:spPr>
+        <p:style>
+          <a:lnRef idx="2">
+            <a:schemeClr val="accent1">
+              <a:shade val="50000"/>
+            </a:schemeClr>
+          </a:lnRef>
+          <a:fillRef idx="1">
+            <a:schemeClr val="accent1"/>
+          </a:fillRef>
+          <a:effectRef idx="0">
+            <a:schemeClr val="accent1"/>
+          </a:effectRef>
+          <a:fontRef idx="minor">
+            <a:schemeClr val="lt1"/>
+          </a:fontRef>
+        </p:style>
+        <p:txBody>
+          <a:bodyPr rtlCol="0" anchor="ctr"/>
+          <a:lstStyle/>
+          <a:p>
+            <a:pPr algn="ctr"/>
+            <a:r>
+              <a:rPr lang="en-GB" sz="1200" dirty="0"/>
+              <a:t>2</a:t>
+            </a:r>
+          </a:p>
+        </p:txBody>
+      </p:sp>
+      <p:sp>
+        <p:nvSpPr>
+          <p:cNvPr id="9" name="8 Elipse"/>
+          <p:cNvSpPr/>
+          <p:nvPr/>
+        </p:nvSpPr>
+        <p:spPr>
+          <a:xfrm>
+            <a:off x="8973686" y="1811056"/>
+            <a:ext cx="237681" cy="223557"/>
+          </a:xfrm>
+          <a:prstGeom prst="ellipse">
+            <a:avLst/>
+          </a:prstGeom>
+          <a:solidFill>
+            <a:srgbClr val="0070C0"/>
+          </a:solidFill>
+          <a:ln>
+            <a:noFill/>
+          </a:ln>
+        </p:spPr>
+        <p:style>
+          <a:lnRef idx="2">
+            <a:schemeClr val="accent1">
+              <a:shade val="50000"/>
+            </a:schemeClr>
+          </a:lnRef>
+          <a:fillRef idx="1">
+            <a:schemeClr val="accent1"/>
+          </a:fillRef>
+          <a:effectRef idx="0">
+            <a:schemeClr val="accent1"/>
+          </a:effectRef>
+          <a:fontRef idx="minor">
+            <a:schemeClr val="lt1"/>
+          </a:fontRef>
+        </p:style>
+        <p:txBody>
+          <a:bodyPr rtlCol="0" anchor="ctr"/>
+          <a:lstStyle/>
+          <a:p>
+            <a:pPr algn="ctr"/>
+            <a:r>
+              <a:rPr lang="en-GB" sz="1200" dirty="0"/>
+              <a:t>3</a:t>
+            </a:r>
+          </a:p>
+        </p:txBody>
+      </p:sp>
+      <p:sp>
+        <p:nvSpPr>
+          <p:cNvPr id="10" name="9 Elipse"/>
+          <p:cNvSpPr/>
+          <p:nvPr/>
+        </p:nvSpPr>
+        <p:spPr>
+          <a:xfrm>
+            <a:off x="8973686" y="2755015"/>
+            <a:ext cx="237681" cy="223557"/>
+          </a:xfrm>
+          <a:prstGeom prst="ellipse">
+            <a:avLst/>
+          </a:prstGeom>
+          <a:solidFill>
+            <a:srgbClr val="0070C0"/>
+          </a:solidFill>
+          <a:ln>
+            <a:noFill/>
+          </a:ln>
+        </p:spPr>
+        <p:style>
+          <a:lnRef idx="2">
+            <a:schemeClr val="accent1">
+              <a:shade val="50000"/>
+            </a:schemeClr>
+          </a:lnRef>
+          <a:fillRef idx="1">
+            <a:schemeClr val="accent1"/>
+          </a:fillRef>
+          <a:effectRef idx="0">
+            <a:schemeClr val="accent1"/>
+          </a:effectRef>
+          <a:fontRef idx="minor">
+            <a:schemeClr val="lt1"/>
+          </a:fontRef>
+        </p:style>
+        <p:txBody>
+          <a:bodyPr rtlCol="0" anchor="ctr"/>
+          <a:lstStyle/>
+          <a:p>
+            <a:pPr algn="ctr"/>
+            <a:r>
+              <a:rPr lang="en-GB" sz="1200" dirty="0"/>
+              <a:t>4</a:t>
+            </a:r>
+          </a:p>
+        </p:txBody>
+      </p:sp>
+      <p:sp>
+        <p:nvSpPr>
+          <p:cNvPr id="11" name="10 Elipse"/>
+          <p:cNvSpPr/>
+          <p:nvPr/>
+        </p:nvSpPr>
+        <p:spPr>
+          <a:xfrm>
+            <a:off x="8973686" y="4020844"/>
+            <a:ext cx="237681" cy="223557"/>
+          </a:xfrm>
+          <a:prstGeom prst="ellipse">
+            <a:avLst/>
+          </a:prstGeom>
+          <a:solidFill>
+            <a:srgbClr val="0070C0"/>
+          </a:solidFill>
+          <a:ln>
+            <a:noFill/>
+          </a:ln>
+        </p:spPr>
+        <p:style>
+          <a:lnRef idx="2">
+            <a:schemeClr val="accent1">
+              <a:shade val="50000"/>
+            </a:schemeClr>
+          </a:lnRef>
+          <a:fillRef idx="1">
+            <a:schemeClr val="accent1"/>
+          </a:fillRef>
+          <a:effectRef idx="0">
+            <a:schemeClr val="accent1"/>
+          </a:effectRef>
+          <a:fontRef idx="minor">
+            <a:schemeClr val="lt1"/>
+          </a:fontRef>
+        </p:style>
+        <p:txBody>
+          <a:bodyPr rtlCol="0" anchor="ctr"/>
+          <a:lstStyle/>
+          <a:p>
+            <a:pPr algn="ctr"/>
+            <a:r>
+              <a:rPr lang="en-GB" sz="1200" dirty="0"/>
+              <a:t>5</a:t>
+            </a:r>
+          </a:p>
+        </p:txBody>
+      </p:sp>
+      <p:sp>
+        <p:nvSpPr>
+          <p:cNvPr id="12" name="11 Elipse"/>
+          <p:cNvSpPr/>
+          <p:nvPr/>
+        </p:nvSpPr>
+        <p:spPr>
+          <a:xfrm>
+            <a:off x="8973686" y="4951051"/>
+            <a:ext cx="237681" cy="223557"/>
+          </a:xfrm>
+          <a:prstGeom prst="ellipse">
+            <a:avLst/>
+          </a:prstGeom>
+          <a:solidFill>
+            <a:srgbClr val="0070C0"/>
+          </a:solidFill>
+          <a:ln>
+            <a:noFill/>
+          </a:ln>
+        </p:spPr>
+        <p:style>
+          <a:lnRef idx="2">
+            <a:schemeClr val="accent1">
+              <a:shade val="50000"/>
+            </a:schemeClr>
+          </a:lnRef>
+          <a:fillRef idx="1">
+            <a:schemeClr val="accent1"/>
+          </a:fillRef>
+          <a:effectRef idx="0">
+            <a:schemeClr val="accent1"/>
+          </a:effectRef>
+          <a:fontRef idx="minor">
+            <a:schemeClr val="lt1"/>
+          </a:fontRef>
+        </p:style>
+        <p:txBody>
+          <a:bodyPr rtlCol="0" anchor="ctr"/>
+          <a:lstStyle/>
+          <a:p>
+            <a:pPr algn="ctr"/>
+            <a:r>
+              <a:rPr lang="en-GB" sz="1200" dirty="0"/>
+              <a:t>6</a:t>
+            </a:r>
+          </a:p>
+        </p:txBody>
+      </p:sp>
+      <p:sp>
+        <p:nvSpPr>
+          <p:cNvPr id="13" name="12 Elipse"/>
+          <p:cNvSpPr/>
+          <p:nvPr/>
+        </p:nvSpPr>
+        <p:spPr>
+          <a:xfrm>
+            <a:off x="8973686" y="5328504"/>
+            <a:ext cx="237681" cy="223557"/>
+          </a:xfrm>
+          <a:prstGeom prst="ellipse">
+            <a:avLst/>
+          </a:prstGeom>
+          <a:solidFill>
+            <a:srgbClr val="0070C0"/>
+          </a:solidFill>
+          <a:ln>
+            <a:noFill/>
+          </a:ln>
+        </p:spPr>
+        <p:style>
+          <a:lnRef idx="2">
+            <a:schemeClr val="accent1">
+              <a:shade val="50000"/>
+            </a:schemeClr>
+          </a:lnRef>
+          <a:fillRef idx="1">
+            <a:schemeClr val="accent1"/>
+          </a:fillRef>
+          <a:effectRef idx="0">
+            <a:schemeClr val="accent1"/>
+          </a:effectRef>
+          <a:fontRef idx="minor">
+            <a:schemeClr val="lt1"/>
+          </a:fontRef>
+        </p:style>
+        <p:txBody>
+          <a:bodyPr rtlCol="0" anchor="ctr"/>
+          <a:lstStyle/>
+          <a:p>
+            <a:pPr algn="ctr"/>
+            <a:r>
+              <a:rPr lang="en-GB" sz="1200" dirty="0" smtClean="0"/>
+              <a:t>7</a:t>
+            </a:r>
+            <a:endParaRPr lang="en-GB" sz="1200" dirty="0"/>
+          </a:p>
+        </p:txBody>
+      </p:sp>
+      <p:sp>
+        <p:nvSpPr>
+          <p:cNvPr id="14" name="13 Elipse"/>
+          <p:cNvSpPr/>
+          <p:nvPr/>
+        </p:nvSpPr>
+        <p:spPr>
+          <a:xfrm>
+            <a:off x="8973686" y="5702192"/>
+            <a:ext cx="237681" cy="223557"/>
+          </a:xfrm>
+          <a:prstGeom prst="ellipse">
+            <a:avLst/>
+          </a:prstGeom>
+          <a:solidFill>
+            <a:srgbClr val="0070C0"/>
+          </a:solidFill>
+          <a:ln>
+            <a:noFill/>
+          </a:ln>
+        </p:spPr>
+        <p:style>
+          <a:lnRef idx="2">
+            <a:schemeClr val="accent1">
+              <a:shade val="50000"/>
+            </a:schemeClr>
+          </a:lnRef>
+          <a:fillRef idx="1">
+            <a:schemeClr val="accent1"/>
+          </a:fillRef>
+          <a:effectRef idx="0">
+            <a:schemeClr val="accent1"/>
+          </a:effectRef>
+          <a:fontRef idx="minor">
+            <a:schemeClr val="lt1"/>
+          </a:fontRef>
+        </p:style>
+        <p:txBody>
+          <a:bodyPr rtlCol="0" anchor="ctr"/>
+          <a:lstStyle/>
+          <a:p>
+            <a:pPr algn="ctr"/>
+            <a:r>
+              <a:rPr lang="en-GB" sz="1200" dirty="0" smtClean="0"/>
+              <a:t>8</a:t>
+            </a:r>
+            <a:endParaRPr lang="en-GB" sz="1200" dirty="0"/>
+          </a:p>
+        </p:txBody>
+      </p:sp>
+    </p:spTree>
+    <p:extLst>
+      <p:ext uri="{BB962C8B-B14F-4D97-AF65-F5344CB8AC3E}">
+        <p14:creationId xmlns:p14="http://schemas.microsoft.com/office/powerpoint/2010/main" val="2606548167"/>
+      </p:ext>
+    </p:extLst>
+  </p:cSld>
+  <p:clrMapOvr>
+    <a:masterClrMapping/>
+  </p:clrMapOvr>
+</p:sld>
+</file>
+
+<file path=ppt/slides/slide9.xml><?xml version="1.0" encoding="utf-8"?>
+<p:sld xmlns:a="http://schemas.openxmlformats.org/drawingml/2006/main" xmlns:r="http://schemas.openxmlformats.org/officeDocument/2006/relationships" xmlns:p="http://schemas.openxmlformats.org/presentationml/2006/main">
+  <p:cSld>
+    <p:spTree>
+      <p:nvGrpSpPr>
+        <p:cNvPr id="1" name=""/>
+        <p:cNvGrpSpPr/>
+        <p:nvPr/>
+      </p:nvGrpSpPr>
+      <p:grpSpPr>
+        <a:xfrm>
+          <a:off x="0" y="0"/>
+          <a:ext cx="0" cy="0"/>
+          <a:chOff x="0" y="0"/>
+          <a:chExt cx="0" cy="0"/>
+        </a:xfrm>
+      </p:grpSpPr>
+      <p:pic>
+        <p:nvPicPr>
+          <p:cNvPr id="2050" name="Picture 2" descr="C:\ESPD-EDM-02.00.00-asciidoc\espd-data-model\docs\src\main\asciidoc\images\PaymentOfTaxes_EO_mock-up-2.png"/>
+          <p:cNvPicPr>
+            <a:picLocks noChangeAspect="1" noChangeArrowheads="1"/>
+          </p:cNvPicPr>
+          <p:nvPr/>
+        </p:nvPicPr>
+        <p:blipFill>
+          <a:blip r:embed="rId2">
+            <a:extLst>
+              <a:ext uri="{28A0092B-C50C-407E-A947-70E740481C1C}">
+                <a14:useLocalDpi xmlns:a14="http://schemas.microsoft.com/office/drawing/2010/main" val="0"/>
+              </a:ext>
+            </a:extLst>
+          </a:blip>
+          <a:srcRect/>
+          <a:stretch>
+            <a:fillRect/>
+          </a:stretch>
+        </p:blipFill>
+        <p:spPr bwMode="auto">
+          <a:xfrm>
+            <a:off x="438025" y="404664"/>
+            <a:ext cx="8526463" cy="5610225"/>
+          </a:xfrm>
+          <a:prstGeom prst="rect">
+            <a:avLst/>
+          </a:prstGeom>
+          <a:noFill/>
+          <a:extLst>
+            <a:ext uri="{909E8E84-426E-40DD-AFC4-6F175D3DCCD1}">
+              <a14:hiddenFill xmlns:a14="http://schemas.microsoft.com/office/drawing/2010/main">
+                <a:solidFill>
+                  <a:srgbClr val="FFFFFF"/>
+                </a:solidFill>
+              </a14:hiddenFill>
+            </a:ext>
+          </a:extLst>
+        </p:spPr>
+      </p:pic>
+      <p:sp>
+        <p:nvSpPr>
+          <p:cNvPr id="4" name="3 Rectángulo redondeado"/>
+          <p:cNvSpPr/>
+          <p:nvPr/>
+        </p:nvSpPr>
+        <p:spPr>
+          <a:xfrm>
+            <a:off x="3779912" y="2564904"/>
+            <a:ext cx="5184576" cy="1872208"/>
+          </a:xfrm>
+          <a:prstGeom prst="roundRect">
+            <a:avLst/>
+          </a:prstGeom>
+          <a:noFill/>
+          <a:ln>
+            <a:solidFill>
+              <a:srgbClr val="92D050"/>
+            </a:solidFill>
+            <a:prstDash val="sysDash"/>
+          </a:ln>
+        </p:spPr>
+        <p:style>
+          <a:lnRef idx="2">
+            <a:schemeClr val="accent1">
+              <a:shade val="50000"/>
+            </a:schemeClr>
+          </a:lnRef>
+          <a:fillRef idx="1">
+            <a:schemeClr val="accent1"/>
+          </a:fillRef>
+          <a:effectRef idx="0">
+            <a:schemeClr val="accent1"/>
+          </a:effectRef>
+          <a:fontRef idx="minor">
+            <a:schemeClr val="lt1"/>
+          </a:fontRef>
+        </p:style>
+        <p:txBody>
+          <a:bodyPr rtlCol="0" anchor="ctr"/>
+          <a:lstStyle/>
+          <a:p>
+            <a:pPr algn="ctr"/>
+            <a:endParaRPr lang="en-GB"/>
+          </a:p>
+        </p:txBody>
+      </p:sp>
+      <p:sp>
+        <p:nvSpPr>
+          <p:cNvPr id="5" name="4 CuadroTexto"/>
+          <p:cNvSpPr txBox="1"/>
+          <p:nvPr/>
+        </p:nvSpPr>
+        <p:spPr>
+          <a:xfrm>
+            <a:off x="1301387" y="2764340"/>
+            <a:ext cx="2088232" cy="1477328"/>
+          </a:xfrm>
+          <a:prstGeom prst="rect">
+            <a:avLst/>
+          </a:prstGeom>
+          <a:noFill/>
+        </p:spPr>
+        <p:txBody>
+          <a:bodyPr wrap="square" rtlCol="0">
+            <a:spAutoFit/>
+          </a:bodyPr>
+          <a:lstStyle/>
+          <a:p>
+            <a:r>
+              <a:rPr lang="en-GB" dirty="0" smtClean="0">
+                <a:solidFill>
+                  <a:srgbClr val="00B050"/>
+                </a:solidFill>
+              </a:rPr>
+              <a:t>This group of property is shown only if the answer to the previous QUESTION is ‘No’</a:t>
+            </a:r>
+            <a:endParaRPr lang="en-GB" dirty="0">
+              <a:solidFill>
+                <a:srgbClr val="00B050"/>
+              </a:solidFill>
+            </a:endParaRPr>
+          </a:p>
+        </p:txBody>
+      </p:sp>
+      <p:cxnSp>
+        <p:nvCxnSpPr>
+          <p:cNvPr id="7" name="6 Conector recto de flecha"/>
+          <p:cNvCxnSpPr>
+            <a:stCxn id="5" idx="3"/>
+            <a:endCxn id="4" idx="1"/>
+          </p:cNvCxnSpPr>
+          <p:nvPr/>
+        </p:nvCxnSpPr>
+        <p:spPr>
+          <a:xfrm flipV="1">
+            <a:off x="3389619" y="3501008"/>
+            <a:ext cx="390293" cy="1996"/>
+          </a:xfrm>
+          <a:prstGeom prst="straightConnector1">
+            <a:avLst/>
+          </a:prstGeom>
+          <a:ln w="19050">
+            <a:solidFill>
+              <a:srgbClr val="92D050"/>
+            </a:solidFill>
+            <a:tailEnd type="arrow"/>
+          </a:ln>
+        </p:spPr>
+        <p:style>
+          <a:lnRef idx="1">
+            <a:schemeClr val="accent1"/>
+          </a:lnRef>
+          <a:fillRef idx="0">
+            <a:schemeClr val="accent1"/>
+          </a:fillRef>
+          <a:effectRef idx="0">
+            <a:schemeClr val="accent1"/>
+          </a:effectRef>
+          <a:fontRef idx="minor">
+            <a:schemeClr val="tx1"/>
+          </a:fontRef>
+        </p:style>
+      </p:cxnSp>
+      <p:sp>
+        <p:nvSpPr>
+          <p:cNvPr id="6" name="5 Elipse"/>
+          <p:cNvSpPr/>
+          <p:nvPr/>
+        </p:nvSpPr>
+        <p:spPr>
+          <a:xfrm>
+            <a:off x="8820472" y="1374179"/>
+            <a:ext cx="237681" cy="223557"/>
+          </a:xfrm>
+          <a:prstGeom prst="ellipse">
+            <a:avLst/>
+          </a:prstGeom>
+          <a:solidFill>
+            <a:srgbClr val="0070C0"/>
+          </a:solidFill>
+          <a:ln>
+            <a:noFill/>
+          </a:ln>
+        </p:spPr>
+        <p:style>
+          <a:lnRef idx="2">
+            <a:schemeClr val="accent1">
+              <a:shade val="50000"/>
+            </a:schemeClr>
+          </a:lnRef>
+          <a:fillRef idx="1">
+            <a:schemeClr val="accent1"/>
+          </a:fillRef>
+          <a:effectRef idx="0">
+            <a:schemeClr val="accent1"/>
+          </a:effectRef>
+          <a:fontRef idx="minor">
+            <a:schemeClr val="lt1"/>
+          </a:fontRef>
+        </p:style>
+        <p:txBody>
+          <a:bodyPr rtlCol="0" anchor="ctr"/>
+          <a:lstStyle/>
+          <a:p>
+            <a:pPr algn="ctr"/>
+            <a:r>
+              <a:rPr lang="en-GB" sz="1200" dirty="0" smtClean="0"/>
+              <a:t>1</a:t>
+            </a:r>
+            <a:endParaRPr lang="en-GB" sz="1200" dirty="0"/>
+          </a:p>
+        </p:txBody>
+      </p:sp>
+      <p:sp>
+        <p:nvSpPr>
+          <p:cNvPr id="8" name="7 Elipse"/>
+          <p:cNvSpPr/>
+          <p:nvPr/>
+        </p:nvSpPr>
+        <p:spPr>
+          <a:xfrm>
+            <a:off x="8820472" y="1852000"/>
+            <a:ext cx="237681" cy="223557"/>
+          </a:xfrm>
+          <a:prstGeom prst="ellipse">
+            <a:avLst/>
+          </a:prstGeom>
+          <a:solidFill>
+            <a:srgbClr val="0070C0"/>
+          </a:solidFill>
+          <a:ln>
+            <a:noFill/>
+          </a:ln>
+        </p:spPr>
+        <p:style>
+          <a:lnRef idx="2">
+            <a:schemeClr val="accent1">
+              <a:shade val="50000"/>
+            </a:schemeClr>
+          </a:lnRef>
+          <a:fillRef idx="1">
+            <a:schemeClr val="accent1"/>
+          </a:fillRef>
+          <a:effectRef idx="0">
+            <a:schemeClr val="accent1"/>
+          </a:effectRef>
+          <a:fontRef idx="minor">
+            <a:schemeClr val="lt1"/>
+          </a:fontRef>
+        </p:style>
+        <p:txBody>
+          <a:bodyPr rtlCol="0" anchor="ctr"/>
+          <a:lstStyle/>
+          <a:p>
+            <a:pPr algn="ctr"/>
+            <a:r>
+              <a:rPr lang="en-GB" sz="1200" dirty="0"/>
+              <a:t>3</a:t>
+            </a:r>
+          </a:p>
+        </p:txBody>
+      </p:sp>
+      <p:sp>
+        <p:nvSpPr>
+          <p:cNvPr id="9" name="8 Elipse"/>
+          <p:cNvSpPr/>
+          <p:nvPr/>
+        </p:nvSpPr>
+        <p:spPr>
+          <a:xfrm>
+            <a:off x="8820472" y="3205443"/>
+            <a:ext cx="237681" cy="223557"/>
+          </a:xfrm>
+          <a:prstGeom prst="ellipse">
+            <a:avLst/>
+          </a:prstGeom>
+          <a:solidFill>
+            <a:srgbClr val="0070C0"/>
+          </a:solidFill>
+          <a:ln>
+            <a:noFill/>
+          </a:ln>
+        </p:spPr>
+        <p:style>
+          <a:lnRef idx="2">
+            <a:schemeClr val="accent1">
+              <a:shade val="50000"/>
+            </a:schemeClr>
+          </a:lnRef>
+          <a:fillRef idx="1">
+            <a:schemeClr val="accent1"/>
+          </a:fillRef>
+          <a:effectRef idx="0">
+            <a:schemeClr val="accent1"/>
+          </a:effectRef>
+          <a:fontRef idx="minor">
+            <a:schemeClr val="lt1"/>
+          </a:fontRef>
+        </p:style>
+        <p:txBody>
+          <a:bodyPr rtlCol="0" anchor="ctr"/>
+          <a:lstStyle/>
+          <a:p>
+            <a:pPr algn="ctr"/>
+            <a:r>
+              <a:rPr lang="en-GB" sz="1200" dirty="0"/>
+              <a:t>4</a:t>
+            </a:r>
+          </a:p>
+        </p:txBody>
+      </p:sp>
+      <p:sp>
+        <p:nvSpPr>
+          <p:cNvPr id="10" name="9 Elipse"/>
+          <p:cNvSpPr/>
+          <p:nvPr/>
+        </p:nvSpPr>
+        <p:spPr>
+          <a:xfrm>
+            <a:off x="8820472" y="3645024"/>
+            <a:ext cx="237681" cy="223557"/>
+          </a:xfrm>
+          <a:prstGeom prst="ellipse">
+            <a:avLst/>
+          </a:prstGeom>
+          <a:solidFill>
+            <a:srgbClr val="0070C0"/>
+          </a:solidFill>
+          <a:ln>
+            <a:noFill/>
+          </a:ln>
+        </p:spPr>
+        <p:style>
+          <a:lnRef idx="2">
+            <a:schemeClr val="accent1">
+              <a:shade val="50000"/>
+            </a:schemeClr>
+          </a:lnRef>
+          <a:fillRef idx="1">
+            <a:schemeClr val="accent1"/>
+          </a:fillRef>
+          <a:effectRef idx="0">
+            <a:schemeClr val="accent1"/>
+          </a:effectRef>
+          <a:fontRef idx="minor">
+            <a:schemeClr val="lt1"/>
+          </a:fontRef>
+        </p:style>
+        <p:txBody>
+          <a:bodyPr rtlCol="0" anchor="ctr"/>
+          <a:lstStyle/>
+          <a:p>
+            <a:pPr algn="ctr"/>
+            <a:r>
+              <a:rPr lang="en-GB" sz="1200" dirty="0"/>
+              <a:t>5</a:t>
+            </a:r>
+          </a:p>
+        </p:txBody>
+      </p:sp>
+      <p:sp>
+        <p:nvSpPr>
+          <p:cNvPr id="11" name="10 Elipse"/>
+          <p:cNvSpPr/>
+          <p:nvPr/>
+        </p:nvSpPr>
+        <p:spPr>
+          <a:xfrm>
+            <a:off x="8820472" y="4896456"/>
+            <a:ext cx="237681" cy="223557"/>
+          </a:xfrm>
+          <a:prstGeom prst="ellipse">
+            <a:avLst/>
+          </a:prstGeom>
+          <a:solidFill>
+            <a:srgbClr val="0070C0"/>
+          </a:solidFill>
+          <a:ln>
+            <a:noFill/>
+          </a:ln>
+        </p:spPr>
+        <p:style>
+          <a:lnRef idx="2">
+            <a:schemeClr val="accent1">
+              <a:shade val="50000"/>
+            </a:schemeClr>
+          </a:lnRef>
+          <a:fillRef idx="1">
+            <a:schemeClr val="accent1"/>
+          </a:fillRef>
+          <a:effectRef idx="0">
+            <a:schemeClr val="accent1"/>
+          </a:effectRef>
+          <a:fontRef idx="minor">
+            <a:schemeClr val="lt1"/>
+          </a:fontRef>
+        </p:style>
+        <p:txBody>
+          <a:bodyPr rtlCol="0" anchor="ctr"/>
+          <a:lstStyle/>
+          <a:p>
+            <a:pPr algn="ctr"/>
+            <a:r>
+              <a:rPr lang="en-GB" sz="1200" dirty="0"/>
+              <a:t>6</a:t>
+            </a:r>
+          </a:p>
+        </p:txBody>
+      </p:sp>
+      <p:sp>
+        <p:nvSpPr>
+          <p:cNvPr id="12" name="11 Elipse"/>
+          <p:cNvSpPr/>
+          <p:nvPr/>
+        </p:nvSpPr>
+        <p:spPr>
+          <a:xfrm>
+            <a:off x="8820472" y="5273909"/>
+            <a:ext cx="237681" cy="223557"/>
+          </a:xfrm>
+          <a:prstGeom prst="ellipse">
+            <a:avLst/>
+          </a:prstGeom>
+          <a:solidFill>
+            <a:srgbClr val="0070C0"/>
+          </a:solidFill>
+          <a:ln>
+            <a:noFill/>
+          </a:ln>
+        </p:spPr>
+        <p:style>
+          <a:lnRef idx="2">
+            <a:schemeClr val="accent1">
+              <a:shade val="50000"/>
+            </a:schemeClr>
+          </a:lnRef>
+          <a:fillRef idx="1">
+            <a:schemeClr val="accent1"/>
+          </a:fillRef>
+          <a:effectRef idx="0">
+            <a:schemeClr val="accent1"/>
+          </a:effectRef>
+          <a:fontRef idx="minor">
+            <a:schemeClr val="lt1"/>
+          </a:fontRef>
+        </p:style>
+        <p:txBody>
+          <a:bodyPr rtlCol="0" anchor="ctr"/>
+          <a:lstStyle/>
+          <a:p>
+            <a:pPr algn="ctr"/>
+            <a:r>
+              <a:rPr lang="en-GB" sz="1200" dirty="0" smtClean="0"/>
+              <a:t>7</a:t>
+            </a:r>
+            <a:endParaRPr lang="en-GB" sz="1200" dirty="0"/>
+          </a:p>
+        </p:txBody>
+      </p:sp>
+      <p:sp>
+        <p:nvSpPr>
+          <p:cNvPr id="13" name="12 Elipse"/>
+          <p:cNvSpPr/>
+          <p:nvPr/>
+        </p:nvSpPr>
+        <p:spPr>
+          <a:xfrm>
+            <a:off x="8820472" y="5647597"/>
+            <a:ext cx="237681" cy="223557"/>
+          </a:xfrm>
+          <a:prstGeom prst="ellipse">
+            <a:avLst/>
+          </a:prstGeom>
+          <a:solidFill>
+            <a:srgbClr val="0070C0"/>
+          </a:solidFill>
+          <a:ln>
+            <a:noFill/>
+          </a:ln>
+        </p:spPr>
+        <p:style>
+          <a:lnRef idx="2">
+            <a:schemeClr val="accent1">
+              <a:shade val="50000"/>
+            </a:schemeClr>
+          </a:lnRef>
+          <a:fillRef idx="1">
+            <a:schemeClr val="accent1"/>
+          </a:fillRef>
+          <a:effectRef idx="0">
+            <a:schemeClr val="accent1"/>
+          </a:effectRef>
+          <a:fontRef idx="minor">
+            <a:schemeClr val="lt1"/>
+          </a:fontRef>
+        </p:style>
+        <p:txBody>
+          <a:bodyPr rtlCol="0" anchor="ctr"/>
+          <a:lstStyle/>
+          <a:p>
+            <a:pPr algn="ctr"/>
+            <a:r>
+              <a:rPr lang="en-GB" sz="1200" dirty="0" smtClean="0"/>
+              <a:t>8</a:t>
+            </a:r>
+            <a:endParaRPr lang="en-GB" sz="1200" dirty="0"/>
+          </a:p>
+        </p:txBody>
+      </p:sp>
+      <p:sp>
+        <p:nvSpPr>
+          <p:cNvPr id="14" name="13 Elipse"/>
+          <p:cNvSpPr/>
+          <p:nvPr/>
+        </p:nvSpPr>
+        <p:spPr>
+          <a:xfrm>
+            <a:off x="7411376" y="1837291"/>
+            <a:ext cx="237681" cy="223557"/>
+          </a:xfrm>
+          <a:prstGeom prst="ellipse">
+            <a:avLst/>
+          </a:prstGeom>
+          <a:solidFill>
+            <a:srgbClr val="0070C0"/>
+          </a:solidFill>
+          <a:ln>
+            <a:noFill/>
+          </a:ln>
+        </p:spPr>
+        <p:style>
+          <a:lnRef idx="2">
+            <a:schemeClr val="accent1">
+              <a:shade val="50000"/>
+            </a:schemeClr>
+          </a:lnRef>
+          <a:fillRef idx="1">
+            <a:schemeClr val="accent1"/>
+          </a:fillRef>
+          <a:effectRef idx="0">
+            <a:schemeClr val="accent1"/>
+          </a:effectRef>
+          <a:fontRef idx="minor">
+            <a:schemeClr val="lt1"/>
+          </a:fontRef>
+        </p:style>
+        <p:txBody>
+          <a:bodyPr rtlCol="0" anchor="ctr"/>
+          <a:lstStyle/>
+          <a:p>
+            <a:pPr algn="ctr"/>
+            <a:r>
+              <a:rPr lang="en-GB" sz="1200" dirty="0" smtClean="0"/>
+              <a:t>2</a:t>
+            </a:r>
+            <a:endParaRPr lang="en-GB" sz="1200" dirty="0"/>
+          </a:p>
+        </p:txBody>
+      </p:sp>
     </p:spTree>
     <p:extLst>
       <p:ext uri="{BB962C8B-B14F-4D97-AF65-F5344CB8AC3E}">

--- a/docs/src/main/asciidoc/dist/art/rsrcs.pptx
+++ b/docs/src/main/asciidoc/dist/art/rsrcs.pptx
@@ -4,6 +4,9 @@
   <p:sldMasterIdLst>
     <p:sldMasterId id="2147483648" r:id="rId1"/>
   </p:sldMasterIdLst>
+  <p:notesMasterIdLst>
+    <p:notesMasterId r:id="rId45"/>
+  </p:notesMasterIdLst>
   <p:sldIdLst>
     <p:sldId id="256" r:id="rId2"/>
     <p:sldId id="257" r:id="rId3"/>
@@ -11,11 +14,43 @@
     <p:sldId id="258" r:id="rId5"/>
     <p:sldId id="260" r:id="rId6"/>
     <p:sldId id="265" r:id="rId7"/>
-    <p:sldId id="261" r:id="rId8"/>
-    <p:sldId id="262" r:id="rId9"/>
-    <p:sldId id="263" r:id="rId10"/>
-    <p:sldId id="266" r:id="rId11"/>
-    <p:sldId id="264" r:id="rId12"/>
+    <p:sldId id="267" r:id="rId8"/>
+    <p:sldId id="269" r:id="rId9"/>
+    <p:sldId id="262" r:id="rId10"/>
+    <p:sldId id="263" r:id="rId11"/>
+    <p:sldId id="261" r:id="rId12"/>
+    <p:sldId id="266" r:id="rId13"/>
+    <p:sldId id="264" r:id="rId14"/>
+    <p:sldId id="268" r:id="rId15"/>
+    <p:sldId id="270" r:id="rId16"/>
+    <p:sldId id="271" r:id="rId17"/>
+    <p:sldId id="272" r:id="rId18"/>
+    <p:sldId id="273" r:id="rId19"/>
+    <p:sldId id="274" r:id="rId20"/>
+    <p:sldId id="277" r:id="rId21"/>
+    <p:sldId id="275" r:id="rId22"/>
+    <p:sldId id="276" r:id="rId23"/>
+    <p:sldId id="279" r:id="rId24"/>
+    <p:sldId id="294" r:id="rId25"/>
+    <p:sldId id="280" r:id="rId26"/>
+    <p:sldId id="281" r:id="rId27"/>
+    <p:sldId id="282" r:id="rId28"/>
+    <p:sldId id="283" r:id="rId29"/>
+    <p:sldId id="284" r:id="rId30"/>
+    <p:sldId id="285" r:id="rId31"/>
+    <p:sldId id="286" r:id="rId32"/>
+    <p:sldId id="287" r:id="rId33"/>
+    <p:sldId id="288" r:id="rId34"/>
+    <p:sldId id="289" r:id="rId35"/>
+    <p:sldId id="290" r:id="rId36"/>
+    <p:sldId id="291" r:id="rId37"/>
+    <p:sldId id="292" r:id="rId38"/>
+    <p:sldId id="293" r:id="rId39"/>
+    <p:sldId id="295" r:id="rId40"/>
+    <p:sldId id="296" r:id="rId41"/>
+    <p:sldId id="297" r:id="rId42"/>
+    <p:sldId id="299" r:id="rId43"/>
+    <p:sldId id="298" r:id="rId44"/>
   </p:sldIdLst>
   <p:sldSz cx="9144000" cy="6858000" type="screen4x3"/>
   <p:notesSz cx="6858000" cy="9144000"/>
@@ -115,6 +150,440 @@
     </a:lvl9pPr>
   </p:defaultTextStyle>
 </p:presentation>
+</file>
+
+<file path=ppt/notesMasters/notesMaster1.xml><?xml version="1.0" encoding="utf-8"?>
+<p:notesMaster xmlns:a="http://schemas.openxmlformats.org/drawingml/2006/main" xmlns:r="http://schemas.openxmlformats.org/officeDocument/2006/relationships" xmlns:p="http://schemas.openxmlformats.org/presentationml/2006/main">
+  <p:cSld>
+    <p:bg>
+      <p:bgRef idx="1001">
+        <a:schemeClr val="bg1"/>
+      </p:bgRef>
+    </p:bg>
+    <p:spTree>
+      <p:nvGrpSpPr>
+        <p:cNvPr id="1" name=""/>
+        <p:cNvGrpSpPr/>
+        <p:nvPr/>
+      </p:nvGrpSpPr>
+      <p:grpSpPr>
+        <a:xfrm>
+          <a:off x="0" y="0"/>
+          <a:ext cx="0" cy="0"/>
+          <a:chOff x="0" y="0"/>
+          <a:chExt cx="0" cy="0"/>
+        </a:xfrm>
+      </p:grpSpPr>
+      <p:sp>
+        <p:nvSpPr>
+          <p:cNvPr id="2" name="1 Marcador de encabezado"/>
+          <p:cNvSpPr>
+            <a:spLocks noGrp="1"/>
+          </p:cNvSpPr>
+          <p:nvPr>
+            <p:ph type="hdr" sz="quarter"/>
+          </p:nvPr>
+        </p:nvSpPr>
+        <p:spPr>
+          <a:xfrm>
+            <a:off x="0" y="0"/>
+            <a:ext cx="2971800" cy="457200"/>
+          </a:xfrm>
+          <a:prstGeom prst="rect">
+            <a:avLst/>
+          </a:prstGeom>
+        </p:spPr>
+        <p:txBody>
+          <a:bodyPr vert="horz" lIns="91440" tIns="45720" rIns="91440" bIns="45720" rtlCol="0"/>
+          <a:lstStyle>
+            <a:lvl1pPr algn="l">
+              <a:defRPr sz="1200"/>
+            </a:lvl1pPr>
+          </a:lstStyle>
+          <a:p>
+            <a:endParaRPr lang="en-GB"/>
+          </a:p>
+        </p:txBody>
+      </p:sp>
+      <p:sp>
+        <p:nvSpPr>
+          <p:cNvPr id="3" name="2 Marcador de fecha"/>
+          <p:cNvSpPr>
+            <a:spLocks noGrp="1"/>
+          </p:cNvSpPr>
+          <p:nvPr>
+            <p:ph type="dt" idx="1"/>
+          </p:nvPr>
+        </p:nvSpPr>
+        <p:spPr>
+          <a:xfrm>
+            <a:off x="3884613" y="0"/>
+            <a:ext cx="2971800" cy="457200"/>
+          </a:xfrm>
+          <a:prstGeom prst="rect">
+            <a:avLst/>
+          </a:prstGeom>
+        </p:spPr>
+        <p:txBody>
+          <a:bodyPr vert="horz" lIns="91440" tIns="45720" rIns="91440" bIns="45720" rtlCol="0"/>
+          <a:lstStyle>
+            <a:lvl1pPr algn="r">
+              <a:defRPr sz="1200"/>
+            </a:lvl1pPr>
+          </a:lstStyle>
+          <a:p>
+            <a:fld id="{482DA550-E0B8-46A4-A6D8-069E9B612C3C}" type="datetimeFigureOut">
+              <a:rPr lang="en-GB" smtClean="0"/>
+              <a:t>05/08/2017</a:t>
+            </a:fld>
+            <a:endParaRPr lang="en-GB"/>
+          </a:p>
+        </p:txBody>
+      </p:sp>
+      <p:sp>
+        <p:nvSpPr>
+          <p:cNvPr id="4" name="3 Marcador de imagen de diapositiva"/>
+          <p:cNvSpPr>
+            <a:spLocks noGrp="1" noRot="1" noChangeAspect="1"/>
+          </p:cNvSpPr>
+          <p:nvPr>
+            <p:ph type="sldImg" idx="2"/>
+          </p:nvPr>
+        </p:nvSpPr>
+        <p:spPr>
+          <a:xfrm>
+            <a:off x="1143000" y="685800"/>
+            <a:ext cx="4572000" cy="3429000"/>
+          </a:xfrm>
+          <a:prstGeom prst="rect">
+            <a:avLst/>
+          </a:prstGeom>
+          <a:noFill/>
+          <a:ln w="12700">
+            <a:solidFill>
+              <a:prstClr val="black"/>
+            </a:solidFill>
+          </a:ln>
+        </p:spPr>
+        <p:txBody>
+          <a:bodyPr vert="horz" lIns="91440" tIns="45720" rIns="91440" bIns="45720" rtlCol="0" anchor="ctr"/>
+          <a:lstStyle/>
+          <a:p>
+            <a:endParaRPr lang="en-GB"/>
+          </a:p>
+        </p:txBody>
+      </p:sp>
+      <p:sp>
+        <p:nvSpPr>
+          <p:cNvPr id="5" name="4 Marcador de notas"/>
+          <p:cNvSpPr>
+            <a:spLocks noGrp="1"/>
+          </p:cNvSpPr>
+          <p:nvPr>
+            <p:ph type="body" sz="quarter" idx="3"/>
+          </p:nvPr>
+        </p:nvSpPr>
+        <p:spPr>
+          <a:xfrm>
+            <a:off x="685800" y="4343400"/>
+            <a:ext cx="5486400" cy="4114800"/>
+          </a:xfrm>
+          <a:prstGeom prst="rect">
+            <a:avLst/>
+          </a:prstGeom>
+        </p:spPr>
+        <p:txBody>
+          <a:bodyPr vert="horz" lIns="91440" tIns="45720" rIns="91440" bIns="45720" rtlCol="0"/>
+          <a:lstStyle/>
+          <a:p>
+            <a:pPr lvl="0"/>
+            <a:r>
+              <a:rPr lang="es-ES" smtClean="0"/>
+              <a:t>Haga clic para modificar el estilo de texto del patrón</a:t>
+            </a:r>
+          </a:p>
+          <a:p>
+            <a:pPr lvl="1"/>
+            <a:r>
+              <a:rPr lang="es-ES" smtClean="0"/>
+              <a:t>Segundo nivel</a:t>
+            </a:r>
+          </a:p>
+          <a:p>
+            <a:pPr lvl="2"/>
+            <a:r>
+              <a:rPr lang="es-ES" smtClean="0"/>
+              <a:t>Tercer nivel</a:t>
+            </a:r>
+          </a:p>
+          <a:p>
+            <a:pPr lvl="3"/>
+            <a:r>
+              <a:rPr lang="es-ES" smtClean="0"/>
+              <a:t>Cuarto nivel</a:t>
+            </a:r>
+          </a:p>
+          <a:p>
+            <a:pPr lvl="4"/>
+            <a:r>
+              <a:rPr lang="es-ES" smtClean="0"/>
+              <a:t>Quinto nivel</a:t>
+            </a:r>
+            <a:endParaRPr lang="en-GB"/>
+          </a:p>
+        </p:txBody>
+      </p:sp>
+      <p:sp>
+        <p:nvSpPr>
+          <p:cNvPr id="6" name="5 Marcador de pie de página"/>
+          <p:cNvSpPr>
+            <a:spLocks noGrp="1"/>
+          </p:cNvSpPr>
+          <p:nvPr>
+            <p:ph type="ftr" sz="quarter" idx="4"/>
+          </p:nvPr>
+        </p:nvSpPr>
+        <p:spPr>
+          <a:xfrm>
+            <a:off x="0" y="8685213"/>
+            <a:ext cx="2971800" cy="457200"/>
+          </a:xfrm>
+          <a:prstGeom prst="rect">
+            <a:avLst/>
+          </a:prstGeom>
+        </p:spPr>
+        <p:txBody>
+          <a:bodyPr vert="horz" lIns="91440" tIns="45720" rIns="91440" bIns="45720" rtlCol="0" anchor="b"/>
+          <a:lstStyle>
+            <a:lvl1pPr algn="l">
+              <a:defRPr sz="1200"/>
+            </a:lvl1pPr>
+          </a:lstStyle>
+          <a:p>
+            <a:endParaRPr lang="en-GB"/>
+          </a:p>
+        </p:txBody>
+      </p:sp>
+      <p:sp>
+        <p:nvSpPr>
+          <p:cNvPr id="7" name="6 Marcador de número de diapositiva"/>
+          <p:cNvSpPr>
+            <a:spLocks noGrp="1"/>
+          </p:cNvSpPr>
+          <p:nvPr>
+            <p:ph type="sldNum" sz="quarter" idx="5"/>
+          </p:nvPr>
+        </p:nvSpPr>
+        <p:spPr>
+          <a:xfrm>
+            <a:off x="3884613" y="8685213"/>
+            <a:ext cx="2971800" cy="457200"/>
+          </a:xfrm>
+          <a:prstGeom prst="rect">
+            <a:avLst/>
+          </a:prstGeom>
+        </p:spPr>
+        <p:txBody>
+          <a:bodyPr vert="horz" lIns="91440" tIns="45720" rIns="91440" bIns="45720" rtlCol="0" anchor="b"/>
+          <a:lstStyle>
+            <a:lvl1pPr algn="r">
+              <a:defRPr sz="1200"/>
+            </a:lvl1pPr>
+          </a:lstStyle>
+          <a:p>
+            <a:fld id="{2347FDAB-344D-4CF9-8AAF-04D57C93A691}" type="slidenum">
+              <a:rPr lang="en-GB" smtClean="0"/>
+              <a:t>‹Nº›</a:t>
+            </a:fld>
+            <a:endParaRPr lang="en-GB"/>
+          </a:p>
+        </p:txBody>
+      </p:sp>
+    </p:spTree>
+    <p:extLst>
+      <p:ext uri="{BB962C8B-B14F-4D97-AF65-F5344CB8AC3E}">
+        <p14:creationId xmlns:p14="http://schemas.microsoft.com/office/powerpoint/2010/main" val="1315200844"/>
+      </p:ext>
+    </p:extLst>
+  </p:cSld>
+  <p:clrMap bg1="lt1" tx1="dk1" bg2="lt2" tx2="dk2" accent1="accent1" accent2="accent2" accent3="accent3" accent4="accent4" accent5="accent5" accent6="accent6" hlink="hlink" folHlink="folHlink"/>
+  <p:notesStyle>
+    <a:lvl1pPr marL="0" algn="l" defTabSz="914400" rtl="0" eaLnBrk="1" latinLnBrk="0" hangingPunct="1">
+      <a:defRPr sz="1200" kern="1200">
+        <a:solidFill>
+          <a:schemeClr val="tx1"/>
+        </a:solidFill>
+        <a:latin typeface="+mn-lt"/>
+        <a:ea typeface="+mn-ea"/>
+        <a:cs typeface="+mn-cs"/>
+      </a:defRPr>
+    </a:lvl1pPr>
+    <a:lvl2pPr marL="457200" algn="l" defTabSz="914400" rtl="0" eaLnBrk="1" latinLnBrk="0" hangingPunct="1">
+      <a:defRPr sz="1200" kern="1200">
+        <a:solidFill>
+          <a:schemeClr val="tx1"/>
+        </a:solidFill>
+        <a:latin typeface="+mn-lt"/>
+        <a:ea typeface="+mn-ea"/>
+        <a:cs typeface="+mn-cs"/>
+      </a:defRPr>
+    </a:lvl2pPr>
+    <a:lvl3pPr marL="914400" algn="l" defTabSz="914400" rtl="0" eaLnBrk="1" latinLnBrk="0" hangingPunct="1">
+      <a:defRPr sz="1200" kern="1200">
+        <a:solidFill>
+          <a:schemeClr val="tx1"/>
+        </a:solidFill>
+        <a:latin typeface="+mn-lt"/>
+        <a:ea typeface="+mn-ea"/>
+        <a:cs typeface="+mn-cs"/>
+      </a:defRPr>
+    </a:lvl3pPr>
+    <a:lvl4pPr marL="1371600" algn="l" defTabSz="914400" rtl="0" eaLnBrk="1" latinLnBrk="0" hangingPunct="1">
+      <a:defRPr sz="1200" kern="1200">
+        <a:solidFill>
+          <a:schemeClr val="tx1"/>
+        </a:solidFill>
+        <a:latin typeface="+mn-lt"/>
+        <a:ea typeface="+mn-ea"/>
+        <a:cs typeface="+mn-cs"/>
+      </a:defRPr>
+    </a:lvl4pPr>
+    <a:lvl5pPr marL="1828800" algn="l" defTabSz="914400" rtl="0" eaLnBrk="1" latinLnBrk="0" hangingPunct="1">
+      <a:defRPr sz="1200" kern="1200">
+        <a:solidFill>
+          <a:schemeClr val="tx1"/>
+        </a:solidFill>
+        <a:latin typeface="+mn-lt"/>
+        <a:ea typeface="+mn-ea"/>
+        <a:cs typeface="+mn-cs"/>
+      </a:defRPr>
+    </a:lvl5pPr>
+    <a:lvl6pPr marL="2286000" algn="l" defTabSz="914400" rtl="0" eaLnBrk="1" latinLnBrk="0" hangingPunct="1">
+      <a:defRPr sz="1200" kern="1200">
+        <a:solidFill>
+          <a:schemeClr val="tx1"/>
+        </a:solidFill>
+        <a:latin typeface="+mn-lt"/>
+        <a:ea typeface="+mn-ea"/>
+        <a:cs typeface="+mn-cs"/>
+      </a:defRPr>
+    </a:lvl6pPr>
+    <a:lvl7pPr marL="2743200" algn="l" defTabSz="914400" rtl="0" eaLnBrk="1" latinLnBrk="0" hangingPunct="1">
+      <a:defRPr sz="1200" kern="1200">
+        <a:solidFill>
+          <a:schemeClr val="tx1"/>
+        </a:solidFill>
+        <a:latin typeface="+mn-lt"/>
+        <a:ea typeface="+mn-ea"/>
+        <a:cs typeface="+mn-cs"/>
+      </a:defRPr>
+    </a:lvl7pPr>
+    <a:lvl8pPr marL="3200400" algn="l" defTabSz="914400" rtl="0" eaLnBrk="1" latinLnBrk="0" hangingPunct="1">
+      <a:defRPr sz="1200" kern="1200">
+        <a:solidFill>
+          <a:schemeClr val="tx1"/>
+        </a:solidFill>
+        <a:latin typeface="+mn-lt"/>
+        <a:ea typeface="+mn-ea"/>
+        <a:cs typeface="+mn-cs"/>
+      </a:defRPr>
+    </a:lvl8pPr>
+    <a:lvl9pPr marL="3657600" algn="l" defTabSz="914400" rtl="0" eaLnBrk="1" latinLnBrk="0" hangingPunct="1">
+      <a:defRPr sz="1200" kern="1200">
+        <a:solidFill>
+          <a:schemeClr val="tx1"/>
+        </a:solidFill>
+        <a:latin typeface="+mn-lt"/>
+        <a:ea typeface="+mn-ea"/>
+        <a:cs typeface="+mn-cs"/>
+      </a:defRPr>
+    </a:lvl9pPr>
+  </p:notesStyle>
+</p:notesMaster>
+</file>
+
+<file path=ppt/notesSlides/notesSlide1.xml><?xml version="1.0" encoding="utf-8"?>
+<p:notes xmlns:a="http://schemas.openxmlformats.org/drawingml/2006/main" xmlns:r="http://schemas.openxmlformats.org/officeDocument/2006/relationships" xmlns:p="http://schemas.openxmlformats.org/presentationml/2006/main">
+  <p:cSld>
+    <p:spTree>
+      <p:nvGrpSpPr>
+        <p:cNvPr id="1" name=""/>
+        <p:cNvGrpSpPr/>
+        <p:nvPr/>
+      </p:nvGrpSpPr>
+      <p:grpSpPr>
+        <a:xfrm>
+          <a:off x="0" y="0"/>
+          <a:ext cx="0" cy="0"/>
+          <a:chOff x="0" y="0"/>
+          <a:chExt cx="0" cy="0"/>
+        </a:xfrm>
+      </p:grpSpPr>
+      <p:sp>
+        <p:nvSpPr>
+          <p:cNvPr id="2" name="1 Marcador de imagen de diapositiva"/>
+          <p:cNvSpPr>
+            <a:spLocks noGrp="1" noRot="1" noChangeAspect="1"/>
+          </p:cNvSpPr>
+          <p:nvPr>
+            <p:ph type="sldImg"/>
+          </p:nvPr>
+        </p:nvSpPr>
+        <p:spPr/>
+      </p:sp>
+      <p:sp>
+        <p:nvSpPr>
+          <p:cNvPr id="3" name="2 Marcador de notas"/>
+          <p:cNvSpPr>
+            <a:spLocks noGrp="1"/>
+          </p:cNvSpPr>
+          <p:nvPr>
+            <p:ph type="body" idx="1"/>
+          </p:nvPr>
+        </p:nvSpPr>
+        <p:spPr/>
+        <p:txBody>
+          <a:bodyPr/>
+          <a:lstStyle/>
+          <a:p>
+            <a:endParaRPr lang="en-GB" dirty="0"/>
+          </a:p>
+        </p:txBody>
+      </p:sp>
+      <p:sp>
+        <p:nvSpPr>
+          <p:cNvPr id="4" name="3 Marcador de número de diapositiva"/>
+          <p:cNvSpPr>
+            <a:spLocks noGrp="1"/>
+          </p:cNvSpPr>
+          <p:nvPr>
+            <p:ph type="sldNum" sz="quarter" idx="10"/>
+          </p:nvPr>
+        </p:nvSpPr>
+        <p:spPr/>
+        <p:txBody>
+          <a:bodyPr/>
+          <a:lstStyle/>
+          <a:p>
+            <a:fld id="{2347FDAB-344D-4CF9-8AAF-04D57C93A691}" type="slidenum">
+              <a:rPr lang="en-GB" smtClean="0"/>
+              <a:t>14</a:t>
+            </a:fld>
+            <a:endParaRPr lang="en-GB"/>
+          </a:p>
+        </p:txBody>
+      </p:sp>
+    </p:spTree>
+    <p:extLst>
+      <p:ext uri="{BB962C8B-B14F-4D97-AF65-F5344CB8AC3E}">
+        <p14:creationId xmlns:p14="http://schemas.microsoft.com/office/powerpoint/2010/main" val="1853868449"/>
+      </p:ext>
+    </p:extLst>
+  </p:cSld>
+  <p:clrMapOvr>
+    <a:masterClrMapping/>
+  </p:clrMapOvr>
+</p:notes>
 </file>
 
 <file path=ppt/slideLayouts/slideLayout1.xml><?xml version="1.0" encoding="utf-8"?>
@@ -3225,7 +3694,7 @@
       </p:grpSpPr>
       <p:pic>
         <p:nvPicPr>
-          <p:cNvPr id="1028" name="Picture 4"/>
+          <p:cNvPr id="2050" name="Picture 2" descr="C:\ESPD-EDM-02.00.00-asciidoc\espd-data-model\docs\src\main\asciidoc\images\PaymentOfTaxes_EO_mock-up-2.png"/>
           <p:cNvPicPr>
             <a:picLocks noChangeAspect="1" noChangeArrowheads="1"/>
           </p:cNvPicPr>
@@ -3246,56 +3715,44 @@
         </p:blipFill>
         <p:spPr bwMode="auto">
           <a:xfrm>
-            <a:off x="20006" y="5752"/>
-            <a:ext cx="9839325" cy="9963150"/>
+            <a:off x="438025" y="404664"/>
+            <a:ext cx="8526463" cy="5610225"/>
           </a:xfrm>
           <a:prstGeom prst="rect">
             <a:avLst/>
           </a:prstGeom>
           <a:noFill/>
-          <a:ln>
-            <a:noFill/>
-          </a:ln>
           <a:extLst>
             <a:ext uri="{909E8E84-426E-40DD-AFC4-6F175D3DCCD1}">
               <a14:hiddenFill xmlns:a14="http://schemas.microsoft.com/office/drawing/2010/main">
                 <a:solidFill>
-                  <a:schemeClr val="accent1"/>
+                  <a:srgbClr val="FFFFFF"/>
                 </a:solidFill>
               </a14:hiddenFill>
             </a:ext>
-            <a:ext uri="{91240B29-F687-4F45-9708-019B960494DF}">
-              <a14:hiddenLine xmlns:a14="http://schemas.microsoft.com/office/drawing/2010/main" w="9525">
-                <a:solidFill>
-                  <a:schemeClr val="tx1"/>
-                </a:solidFill>
-                <a:miter lim="800000"/>
-                <a:headEnd/>
-                <a:tailEnd/>
-              </a14:hiddenLine>
-            </a:ext>
           </a:extLst>
         </p:spPr>
       </p:pic>
       <p:sp>
         <p:nvSpPr>
-          <p:cNvPr id="3" name="2 Elipse"/>
+          <p:cNvPr id="4" name="3 Rectángulo redondeado"/>
           <p:cNvSpPr/>
           <p:nvPr/>
         </p:nvSpPr>
         <p:spPr>
           <a:xfrm>
-            <a:off x="2822151" y="3429000"/>
-            <a:ext cx="237681" cy="223557"/>
-          </a:xfrm>
-          <a:prstGeom prst="ellipse">
-            <a:avLst/>
-          </a:prstGeom>
-          <a:solidFill>
-            <a:srgbClr val="0070C0"/>
-          </a:solidFill>
+            <a:off x="3779912" y="2564904"/>
+            <a:ext cx="5184576" cy="1872208"/>
+          </a:xfrm>
+          <a:prstGeom prst="roundRect">
+            <a:avLst/>
+          </a:prstGeom>
+          <a:noFill/>
           <a:ln>
-            <a:noFill/>
+            <a:solidFill>
+              <a:srgbClr val="92D050"/>
+            </a:solidFill>
+            <a:prstDash val="sysDash"/>
           </a:ln>
         </p:spPr>
         <p:style>
@@ -3319,23 +3776,96 @@
           <a:lstStyle/>
           <a:p>
             <a:pPr algn="ctr"/>
-            <a:r>
-              <a:rPr lang="en-GB" sz="1200" dirty="0" smtClean="0"/>
-              <a:t>1</a:t>
-            </a:r>
-            <a:endParaRPr lang="en-GB" sz="1200" dirty="0"/>
-          </a:p>
-        </p:txBody>
-      </p:sp>
-      <p:sp>
-        <p:nvSpPr>
-          <p:cNvPr id="4" name="3 Elipse"/>
+            <a:endParaRPr lang="en-GB"/>
+          </a:p>
+        </p:txBody>
+      </p:sp>
+      <p:sp>
+        <p:nvSpPr>
+          <p:cNvPr id="5" name="4 CuadroTexto"/>
+          <p:cNvSpPr txBox="1"/>
+          <p:nvPr/>
+        </p:nvSpPr>
+        <p:spPr>
+          <a:xfrm>
+            <a:off x="1301387" y="2764340"/>
+            <a:ext cx="2088232" cy="1477328"/>
+          </a:xfrm>
+          <a:prstGeom prst="rect">
+            <a:avLst/>
+          </a:prstGeom>
+          <a:noFill/>
+        </p:spPr>
+        <p:txBody>
+          <a:bodyPr wrap="square" rtlCol="0">
+            <a:spAutoFit/>
+          </a:bodyPr>
+          <a:lstStyle/>
+          <a:p>
+            <a:r>
+              <a:rPr lang="en-GB" dirty="0" smtClean="0">
+                <a:solidFill>
+                  <a:srgbClr val="00B050"/>
+                </a:solidFill>
+              </a:rPr>
+              <a:t>This group of property is shown only if the answer to the previous QUESTION is ‘No’</a:t>
+            </a:r>
+            <a:endParaRPr lang="en-GB" dirty="0">
+              <a:solidFill>
+                <a:srgbClr val="00B050"/>
+              </a:solidFill>
+            </a:endParaRPr>
+          </a:p>
+        </p:txBody>
+      </p:sp>
+      <p:cxnSp>
+        <p:nvCxnSpPr>
+          <p:cNvPr id="7" name="6 Conector recto de flecha"/>
+          <p:cNvCxnSpPr>
+            <a:stCxn id="5" idx="3"/>
+            <a:endCxn id="4" idx="1"/>
+          </p:cNvCxnSpPr>
+          <p:nvPr/>
+        </p:nvCxnSpPr>
+        <p:spPr>
+          <a:xfrm flipV="1">
+            <a:off x="3389619" y="3501008"/>
+            <a:ext cx="390293" cy="1996"/>
+          </a:xfrm>
+          <a:prstGeom prst="straightConnector1">
+            <a:avLst/>
+          </a:prstGeom>
+          <a:ln w="19050">
+            <a:solidFill>
+              <a:srgbClr val="92D050"/>
+            </a:solidFill>
+            <a:tailEnd type="arrow"/>
+          </a:ln>
+        </p:spPr>
+        <p:style>
+          <a:lnRef idx="1">
+            <a:schemeClr val="accent1"/>
+          </a:lnRef>
+          <a:fillRef idx="0">
+            <a:schemeClr val="accent1"/>
+          </a:fillRef>
+          <a:effectRef idx="0">
+            <a:schemeClr val="accent1"/>
+          </a:effectRef>
+          <a:fontRef idx="minor">
+            <a:schemeClr val="tx1"/>
+          </a:fontRef>
+        </p:style>
+      </p:cxnSp>
+      <p:sp>
+        <p:nvSpPr>
+          <p:cNvPr id="9" name="8 Elipse"/>
           <p:cNvSpPr/>
           <p:nvPr/>
         </p:nvSpPr>
         <p:spPr>
           <a:xfrm>
-            <a:off x="5580112" y="3442648"/>
+            <a:off x="8820472" y="3205443"/>
             <a:ext cx="237681" cy="223557"/>
           </a:xfrm>
           <a:prstGeom prst="ellipse">
@@ -3371,7 +3901,7 @@
             <a:pPr algn="ctr"/>
             <a:r>
               <a:rPr lang="en-GB" sz="1200" dirty="0" smtClean="0"/>
-              <a:t>2</a:t>
+              <a:t>9</a:t>
             </a:r>
             <a:endParaRPr lang="en-GB" sz="1200" dirty="0"/>
           </a:p>
@@ -3379,13 +3909,13 @@
       </p:sp>
       <p:sp>
         <p:nvSpPr>
-          <p:cNvPr id="5" name="4 Elipse"/>
+          <p:cNvPr id="10" name="9 Elipse"/>
           <p:cNvSpPr/>
           <p:nvPr/>
         </p:nvSpPr>
         <p:spPr>
           <a:xfrm>
-            <a:off x="8236399" y="4645603"/>
+            <a:off x="8820472" y="3645024"/>
             <a:ext cx="237681" cy="223557"/>
           </a:xfrm>
           <a:prstGeom prst="ellipse">
@@ -3419,30 +3949,65 @@
           <a:lstStyle/>
           <a:p>
             <a:pPr algn="ctr"/>
-            <a:r>
-              <a:rPr lang="en-GB" sz="1200" dirty="0" smtClean="0"/>
-              <a:t>3</a:t>
-            </a:r>
             <a:endParaRPr lang="en-GB" sz="1200" dirty="0"/>
           </a:p>
         </p:txBody>
       </p:sp>
       <p:sp>
         <p:nvSpPr>
-          <p:cNvPr id="7" name="6 Elipse"/>
+          <p:cNvPr id="16" name="15 CuadroTexto"/>
+          <p:cNvSpPr txBox="1"/>
+          <p:nvPr/>
+        </p:nvSpPr>
+        <p:spPr>
+          <a:xfrm>
+            <a:off x="8770210" y="3629258"/>
+            <a:ext cx="328936" cy="261610"/>
+          </a:xfrm>
+          <a:prstGeom prst="rect">
+            <a:avLst/>
+          </a:prstGeom>
+          <a:noFill/>
+        </p:spPr>
+        <p:txBody>
+          <a:bodyPr wrap="none" rtlCol="0">
+            <a:spAutoFit/>
+          </a:bodyPr>
+          <a:lstStyle/>
+          <a:p>
+            <a:pPr algn="ctr"/>
+            <a:r>
+              <a:rPr lang="en-GB" sz="1100" dirty="0" smtClean="0">
+                <a:solidFill>
+                  <a:schemeClr val="bg1"/>
+                </a:solidFill>
+              </a:rPr>
+              <a:t>10</a:t>
+            </a:r>
+            <a:endParaRPr lang="en-GB" sz="1100" dirty="0">
+              <a:solidFill>
+                <a:schemeClr val="bg1"/>
+              </a:solidFill>
+            </a:endParaRPr>
+          </a:p>
+        </p:txBody>
+      </p:sp>
+      <p:sp>
+        <p:nvSpPr>
+          <p:cNvPr id="11" name="10 Rectángulo"/>
           <p:cNvSpPr/>
           <p:nvPr/>
         </p:nvSpPr>
         <p:spPr>
           <a:xfrm>
-            <a:off x="2929464" y="7447800"/>
-            <a:ext cx="237681" cy="223557"/>
-          </a:xfrm>
-          <a:prstGeom prst="ellipse">
+            <a:off x="647943" y="1772816"/>
+            <a:ext cx="1224136" cy="416282"/>
+          </a:xfrm>
+          <a:prstGeom prst="rect">
             <a:avLst/>
           </a:prstGeom>
           <a:solidFill>
-            <a:srgbClr val="0070C0"/>
+            <a:schemeClr val="bg1"/>
           </a:solidFill>
           <a:ln>
             <a:noFill/>
@@ -3469,118 +4034,14 @@
           <a:lstStyle/>
           <a:p>
             <a:pPr algn="ctr"/>
-            <a:r>
-              <a:rPr lang="en-GB" sz="1200" dirty="0" smtClean="0"/>
-              <a:t>1</a:t>
-            </a:r>
-            <a:endParaRPr lang="en-GB" sz="1200" dirty="0"/>
-          </a:p>
-        </p:txBody>
-      </p:sp>
-      <p:sp>
-        <p:nvSpPr>
-          <p:cNvPr id="8" name="7 Elipse"/>
-          <p:cNvSpPr/>
-          <p:nvPr/>
-        </p:nvSpPr>
-        <p:spPr>
-          <a:xfrm>
-            <a:off x="5673777" y="7403088"/>
-            <a:ext cx="237681" cy="223557"/>
-          </a:xfrm>
-          <a:prstGeom prst="ellipse">
-            <a:avLst/>
-          </a:prstGeom>
-          <a:solidFill>
-            <a:srgbClr val="0070C0"/>
-          </a:solidFill>
-          <a:ln>
-            <a:noFill/>
-          </a:ln>
-        </p:spPr>
-        <p:style>
-          <a:lnRef idx="2">
-            <a:schemeClr val="accent1">
-              <a:shade val="50000"/>
-            </a:schemeClr>
-          </a:lnRef>
-          <a:fillRef idx="1">
-            <a:schemeClr val="accent1"/>
-          </a:fillRef>
-          <a:effectRef idx="0">
-            <a:schemeClr val="accent1"/>
-          </a:effectRef>
-          <a:fontRef idx="minor">
-            <a:schemeClr val="lt1"/>
-          </a:fontRef>
-        </p:style>
-        <p:txBody>
-          <a:bodyPr rtlCol="0" anchor="ctr"/>
-          <a:lstStyle/>
-          <a:p>
-            <a:pPr algn="ctr"/>
-            <a:r>
-              <a:rPr lang="en-GB" sz="1200" dirty="0" smtClean="0"/>
-              <a:t>2</a:t>
-            </a:r>
-            <a:endParaRPr lang="en-GB" sz="1200" dirty="0"/>
-          </a:p>
-        </p:txBody>
-      </p:sp>
-      <p:sp>
-        <p:nvSpPr>
-          <p:cNvPr id="9" name="8 Elipse"/>
-          <p:cNvSpPr/>
-          <p:nvPr/>
-        </p:nvSpPr>
-        <p:spPr>
-          <a:xfrm>
-            <a:off x="8343712" y="8664403"/>
-            <a:ext cx="237681" cy="223557"/>
-          </a:xfrm>
-          <a:prstGeom prst="ellipse">
-            <a:avLst/>
-          </a:prstGeom>
-          <a:solidFill>
-            <a:srgbClr val="0070C0"/>
-          </a:solidFill>
-          <a:ln>
-            <a:noFill/>
-          </a:ln>
-        </p:spPr>
-        <p:style>
-          <a:lnRef idx="2">
-            <a:schemeClr val="accent1">
-              <a:shade val="50000"/>
-            </a:schemeClr>
-          </a:lnRef>
-          <a:fillRef idx="1">
-            <a:schemeClr val="accent1"/>
-          </a:fillRef>
-          <a:effectRef idx="0">
-            <a:schemeClr val="accent1"/>
-          </a:effectRef>
-          <a:fontRef idx="minor">
-            <a:schemeClr val="lt1"/>
-          </a:fontRef>
-        </p:style>
-        <p:txBody>
-          <a:bodyPr rtlCol="0" anchor="ctr"/>
-          <a:lstStyle/>
-          <a:p>
-            <a:pPr algn="ctr"/>
-            <a:r>
-              <a:rPr lang="en-GB" sz="1200" dirty="0" smtClean="0"/>
-              <a:t>3</a:t>
-            </a:r>
-            <a:endParaRPr lang="en-GB" sz="1200" dirty="0"/>
+            <a:endParaRPr lang="en-GB"/>
           </a:p>
         </p:txBody>
       </p:sp>
     </p:spTree>
     <p:extLst>
       <p:ext uri="{BB962C8B-B14F-4D97-AF65-F5344CB8AC3E}">
-        <p14:creationId xmlns:p14="http://schemas.microsoft.com/office/powerpoint/2010/main" val="3114209087"/>
+        <p14:creationId xmlns:p14="http://schemas.microsoft.com/office/powerpoint/2010/main" val="3249331159"/>
       </p:ext>
     </p:extLst>
   </p:cSld>
@@ -3609,7 +4070,7 @@
       </p:grpSpPr>
       <p:pic>
         <p:nvPicPr>
-          <p:cNvPr id="1026" name="Picture 2" descr="C:\ESPD-EDM-02.00.00-asciidoc\espd-data-model\docs\src\main\asciidoc\images\PaymentOfTaxes_EO_mock-up.png"/>
+          <p:cNvPr id="4" name="Picture 2" descr="C:\ESPD-EDM-02.00.00-asciidoc\espd-data-model\docs\src\main\asciidoc\images\PaymentOfTaxes_CA_mock-up.png"/>
           <p:cNvPicPr>
             <a:picLocks noChangeAspect="1" noChangeArrowheads="1"/>
           </p:cNvPicPr>
@@ -3630,8 +4091,8 @@
         </p:blipFill>
         <p:spPr bwMode="auto">
           <a:xfrm>
-            <a:off x="-251467" y="116632"/>
-            <a:ext cx="9572625" cy="6029325"/>
+            <a:off x="-1836712" y="610922"/>
+            <a:ext cx="11687175" cy="6238875"/>
           </a:xfrm>
           <a:prstGeom prst="rect">
             <a:avLst/>
@@ -3648,6 +4109,1163 @@
           </a:extLst>
         </p:spPr>
       </p:pic>
+      <p:sp>
+        <p:nvSpPr>
+          <p:cNvPr id="5" name="4 Rectángulo redondeado"/>
+          <p:cNvSpPr/>
+          <p:nvPr/>
+        </p:nvSpPr>
+        <p:spPr>
+          <a:xfrm>
+            <a:off x="-1791274" y="1804944"/>
+            <a:ext cx="11600604" cy="496742"/>
+          </a:xfrm>
+          <a:prstGeom prst="roundRect">
+            <a:avLst/>
+          </a:prstGeom>
+          <a:noFill/>
+          <a:ln>
+            <a:solidFill>
+              <a:srgbClr val="92D050"/>
+            </a:solidFill>
+            <a:prstDash val="sysDash"/>
+          </a:ln>
+        </p:spPr>
+        <p:style>
+          <a:lnRef idx="2">
+            <a:schemeClr val="accent1">
+              <a:shade val="50000"/>
+            </a:schemeClr>
+          </a:lnRef>
+          <a:fillRef idx="1">
+            <a:schemeClr val="accent1"/>
+          </a:fillRef>
+          <a:effectRef idx="0">
+            <a:schemeClr val="accent1"/>
+          </a:effectRef>
+          <a:fontRef idx="minor">
+            <a:schemeClr val="lt1"/>
+          </a:fontRef>
+        </p:style>
+        <p:txBody>
+          <a:bodyPr rtlCol="0" anchor="ctr"/>
+          <a:lstStyle/>
+          <a:p>
+            <a:pPr algn="ctr"/>
+            <a:endParaRPr lang="en-GB"/>
+          </a:p>
+        </p:txBody>
+      </p:sp>
+      <p:sp>
+        <p:nvSpPr>
+          <p:cNvPr id="6" name="5 CuadroTexto"/>
+          <p:cNvSpPr txBox="1"/>
+          <p:nvPr/>
+        </p:nvSpPr>
+        <p:spPr>
+          <a:xfrm>
+            <a:off x="9900592" y="1844824"/>
+            <a:ext cx="1747466" cy="369332"/>
+          </a:xfrm>
+          <a:prstGeom prst="rect">
+            <a:avLst/>
+          </a:prstGeom>
+          <a:noFill/>
+        </p:spPr>
+        <p:txBody>
+          <a:bodyPr wrap="none" rtlCol="0">
+            <a:spAutoFit/>
+          </a:bodyPr>
+          <a:lstStyle/>
+          <a:p>
+            <a:r>
+              <a:rPr lang="en-GB" b="1" dirty="0" smtClean="0">
+                <a:solidFill>
+                  <a:srgbClr val="00B050"/>
+                </a:solidFill>
+              </a:rPr>
+              <a:t>EU </a:t>
+            </a:r>
+            <a:r>
+              <a:rPr lang="en-GB" b="1" dirty="0" err="1" smtClean="0">
+                <a:solidFill>
+                  <a:srgbClr val="00B050"/>
+                </a:solidFill>
+              </a:rPr>
+              <a:t>PoT</a:t>
+            </a:r>
+            <a:r>
+              <a:rPr lang="en-GB" b="1" dirty="0" smtClean="0">
+                <a:solidFill>
+                  <a:srgbClr val="00B050"/>
+                </a:solidFill>
+              </a:rPr>
+              <a:t> Criterion</a:t>
+            </a:r>
+            <a:endParaRPr lang="en-GB" b="1" dirty="0">
+              <a:solidFill>
+                <a:srgbClr val="00B050"/>
+              </a:solidFill>
+            </a:endParaRPr>
+          </a:p>
+        </p:txBody>
+      </p:sp>
+      <p:sp>
+        <p:nvSpPr>
+          <p:cNvPr id="7" name="6 Rectángulo redondeado"/>
+          <p:cNvSpPr/>
+          <p:nvPr/>
+        </p:nvSpPr>
+        <p:spPr>
+          <a:xfrm>
+            <a:off x="-1750752" y="2492896"/>
+            <a:ext cx="11600604" cy="864096"/>
+          </a:xfrm>
+          <a:prstGeom prst="roundRect">
+            <a:avLst/>
+          </a:prstGeom>
+          <a:noFill/>
+          <a:ln>
+            <a:solidFill>
+              <a:srgbClr val="92D050"/>
+            </a:solidFill>
+            <a:prstDash val="sysDash"/>
+          </a:ln>
+        </p:spPr>
+        <p:style>
+          <a:lnRef idx="2">
+            <a:schemeClr val="accent1">
+              <a:shade val="50000"/>
+            </a:schemeClr>
+          </a:lnRef>
+          <a:fillRef idx="1">
+            <a:schemeClr val="accent1"/>
+          </a:fillRef>
+          <a:effectRef idx="0">
+            <a:schemeClr val="accent1"/>
+          </a:effectRef>
+          <a:fontRef idx="minor">
+            <a:schemeClr val="lt1"/>
+          </a:fontRef>
+        </p:style>
+        <p:txBody>
+          <a:bodyPr rtlCol="0" anchor="ctr"/>
+          <a:lstStyle/>
+          <a:p>
+            <a:pPr algn="ctr"/>
+            <a:endParaRPr lang="en-GB"/>
+          </a:p>
+        </p:txBody>
+      </p:sp>
+      <p:sp>
+        <p:nvSpPr>
+          <p:cNvPr id="8" name="7 CuadroTexto"/>
+          <p:cNvSpPr txBox="1"/>
+          <p:nvPr/>
+        </p:nvSpPr>
+        <p:spPr>
+          <a:xfrm>
+            <a:off x="9864907" y="2728656"/>
+            <a:ext cx="1765099" cy="369332"/>
+          </a:xfrm>
+          <a:prstGeom prst="rect">
+            <a:avLst/>
+          </a:prstGeom>
+          <a:noFill/>
+        </p:spPr>
+        <p:txBody>
+          <a:bodyPr wrap="none" rtlCol="0">
+            <a:spAutoFit/>
+          </a:bodyPr>
+          <a:lstStyle/>
+          <a:p>
+            <a:r>
+              <a:rPr lang="en-GB" b="1" dirty="0" smtClean="0">
+                <a:solidFill>
+                  <a:srgbClr val="00B050"/>
+                </a:solidFill>
+              </a:rPr>
+              <a:t>FI </a:t>
+            </a:r>
+            <a:r>
+              <a:rPr lang="en-GB" b="1" dirty="0" err="1" smtClean="0">
+                <a:solidFill>
+                  <a:srgbClr val="00B050"/>
+                </a:solidFill>
+              </a:rPr>
+              <a:t>PoT</a:t>
+            </a:r>
+            <a:r>
+              <a:rPr lang="en-GB" b="1" dirty="0" smtClean="0">
+                <a:solidFill>
+                  <a:srgbClr val="00B050"/>
+                </a:solidFill>
+              </a:rPr>
+              <a:t> Criterion I</a:t>
+            </a:r>
+            <a:endParaRPr lang="en-GB" b="1" dirty="0">
+              <a:solidFill>
+                <a:srgbClr val="00B050"/>
+              </a:solidFill>
+            </a:endParaRPr>
+          </a:p>
+        </p:txBody>
+      </p:sp>
+      <p:sp>
+        <p:nvSpPr>
+          <p:cNvPr id="9" name="8 Rectángulo redondeado"/>
+          <p:cNvSpPr/>
+          <p:nvPr/>
+        </p:nvSpPr>
+        <p:spPr>
+          <a:xfrm>
+            <a:off x="-1764704" y="3356992"/>
+            <a:ext cx="11600604" cy="1152128"/>
+          </a:xfrm>
+          <a:prstGeom prst="roundRect">
+            <a:avLst/>
+          </a:prstGeom>
+          <a:noFill/>
+          <a:ln>
+            <a:solidFill>
+              <a:srgbClr val="92D050"/>
+            </a:solidFill>
+            <a:prstDash val="sysDash"/>
+          </a:ln>
+        </p:spPr>
+        <p:style>
+          <a:lnRef idx="2">
+            <a:schemeClr val="accent1">
+              <a:shade val="50000"/>
+            </a:schemeClr>
+          </a:lnRef>
+          <a:fillRef idx="1">
+            <a:schemeClr val="accent1"/>
+          </a:fillRef>
+          <a:effectRef idx="0">
+            <a:schemeClr val="accent1"/>
+          </a:effectRef>
+          <a:fontRef idx="minor">
+            <a:schemeClr val="lt1"/>
+          </a:fontRef>
+        </p:style>
+        <p:txBody>
+          <a:bodyPr rtlCol="0" anchor="ctr"/>
+          <a:lstStyle/>
+          <a:p>
+            <a:pPr algn="ctr"/>
+            <a:endParaRPr lang="en-GB"/>
+          </a:p>
+        </p:txBody>
+      </p:sp>
+      <p:sp>
+        <p:nvSpPr>
+          <p:cNvPr id="10" name="9 CuadroTexto"/>
+          <p:cNvSpPr txBox="1"/>
+          <p:nvPr/>
+        </p:nvSpPr>
+        <p:spPr>
+          <a:xfrm>
+            <a:off x="9850955" y="3707740"/>
+            <a:ext cx="1826013" cy="369332"/>
+          </a:xfrm>
+          <a:prstGeom prst="rect">
+            <a:avLst/>
+          </a:prstGeom>
+          <a:noFill/>
+        </p:spPr>
+        <p:txBody>
+          <a:bodyPr wrap="none" rtlCol="0">
+            <a:spAutoFit/>
+          </a:bodyPr>
+          <a:lstStyle/>
+          <a:p>
+            <a:r>
+              <a:rPr lang="en-GB" b="1" dirty="0" smtClean="0">
+                <a:solidFill>
+                  <a:srgbClr val="00B050"/>
+                </a:solidFill>
+              </a:rPr>
+              <a:t>FI </a:t>
+            </a:r>
+            <a:r>
+              <a:rPr lang="en-GB" b="1" dirty="0" err="1" smtClean="0">
+                <a:solidFill>
+                  <a:srgbClr val="00B050"/>
+                </a:solidFill>
+              </a:rPr>
+              <a:t>PoT</a:t>
+            </a:r>
+            <a:r>
+              <a:rPr lang="en-GB" b="1" dirty="0" smtClean="0">
+                <a:solidFill>
+                  <a:srgbClr val="00B050"/>
+                </a:solidFill>
+              </a:rPr>
+              <a:t> Criterion II</a:t>
+            </a:r>
+            <a:endParaRPr lang="en-GB" b="1" dirty="0">
+              <a:solidFill>
+                <a:srgbClr val="00B050"/>
+              </a:solidFill>
+            </a:endParaRPr>
+          </a:p>
+        </p:txBody>
+      </p:sp>
+      <p:sp>
+        <p:nvSpPr>
+          <p:cNvPr id="11" name="10 Rectángulo redondeado"/>
+          <p:cNvSpPr/>
+          <p:nvPr/>
+        </p:nvSpPr>
+        <p:spPr>
+          <a:xfrm>
+            <a:off x="-1764704" y="4509120"/>
+            <a:ext cx="11600604" cy="936104"/>
+          </a:xfrm>
+          <a:prstGeom prst="roundRect">
+            <a:avLst/>
+          </a:prstGeom>
+          <a:noFill/>
+          <a:ln>
+            <a:solidFill>
+              <a:srgbClr val="92D050"/>
+            </a:solidFill>
+            <a:prstDash val="sysDash"/>
+          </a:ln>
+        </p:spPr>
+        <p:style>
+          <a:lnRef idx="2">
+            <a:schemeClr val="accent1">
+              <a:shade val="50000"/>
+            </a:schemeClr>
+          </a:lnRef>
+          <a:fillRef idx="1">
+            <a:schemeClr val="accent1"/>
+          </a:fillRef>
+          <a:effectRef idx="0">
+            <a:schemeClr val="accent1"/>
+          </a:effectRef>
+          <a:fontRef idx="minor">
+            <a:schemeClr val="lt1"/>
+          </a:fontRef>
+        </p:style>
+        <p:txBody>
+          <a:bodyPr rtlCol="0" anchor="ctr"/>
+          <a:lstStyle/>
+          <a:p>
+            <a:pPr algn="ctr"/>
+            <a:endParaRPr lang="en-GB"/>
+          </a:p>
+        </p:txBody>
+      </p:sp>
+      <p:sp>
+        <p:nvSpPr>
+          <p:cNvPr id="12" name="11 CuadroTexto"/>
+          <p:cNvSpPr txBox="1"/>
+          <p:nvPr/>
+        </p:nvSpPr>
+        <p:spPr>
+          <a:xfrm>
+            <a:off x="9850955" y="4753610"/>
+            <a:ext cx="1886927" cy="369332"/>
+          </a:xfrm>
+          <a:prstGeom prst="rect">
+            <a:avLst/>
+          </a:prstGeom>
+          <a:noFill/>
+        </p:spPr>
+        <p:txBody>
+          <a:bodyPr wrap="none" rtlCol="0">
+            <a:spAutoFit/>
+          </a:bodyPr>
+          <a:lstStyle/>
+          <a:p>
+            <a:r>
+              <a:rPr lang="en-GB" b="1" dirty="0" smtClean="0">
+                <a:solidFill>
+                  <a:srgbClr val="00B050"/>
+                </a:solidFill>
+              </a:rPr>
+              <a:t>FI </a:t>
+            </a:r>
+            <a:r>
+              <a:rPr lang="en-GB" b="1" dirty="0" err="1" smtClean="0">
+                <a:solidFill>
+                  <a:srgbClr val="00B050"/>
+                </a:solidFill>
+              </a:rPr>
+              <a:t>PoT</a:t>
+            </a:r>
+            <a:r>
+              <a:rPr lang="en-GB" b="1" dirty="0" smtClean="0">
+                <a:solidFill>
+                  <a:srgbClr val="00B050"/>
+                </a:solidFill>
+              </a:rPr>
+              <a:t> Criterion III</a:t>
+            </a:r>
+            <a:endParaRPr lang="en-GB" b="1" dirty="0">
+              <a:solidFill>
+                <a:srgbClr val="00B050"/>
+              </a:solidFill>
+            </a:endParaRPr>
+          </a:p>
+        </p:txBody>
+      </p:sp>
+      <p:sp>
+        <p:nvSpPr>
+          <p:cNvPr id="13" name="12 Rectángulo redondeado"/>
+          <p:cNvSpPr/>
+          <p:nvPr/>
+        </p:nvSpPr>
+        <p:spPr>
+          <a:xfrm>
+            <a:off x="-1764704" y="5445224"/>
+            <a:ext cx="11600604" cy="1080120"/>
+          </a:xfrm>
+          <a:prstGeom prst="roundRect">
+            <a:avLst/>
+          </a:prstGeom>
+          <a:noFill/>
+          <a:ln>
+            <a:solidFill>
+              <a:srgbClr val="92D050"/>
+            </a:solidFill>
+            <a:prstDash val="sysDash"/>
+          </a:ln>
+        </p:spPr>
+        <p:style>
+          <a:lnRef idx="2">
+            <a:schemeClr val="accent1">
+              <a:shade val="50000"/>
+            </a:schemeClr>
+          </a:lnRef>
+          <a:fillRef idx="1">
+            <a:schemeClr val="accent1"/>
+          </a:fillRef>
+          <a:effectRef idx="0">
+            <a:schemeClr val="accent1"/>
+          </a:effectRef>
+          <a:fontRef idx="minor">
+            <a:schemeClr val="lt1"/>
+          </a:fontRef>
+        </p:style>
+        <p:txBody>
+          <a:bodyPr rtlCol="0" anchor="ctr"/>
+          <a:lstStyle/>
+          <a:p>
+            <a:pPr algn="ctr"/>
+            <a:endParaRPr lang="en-GB"/>
+          </a:p>
+        </p:txBody>
+      </p:sp>
+      <p:sp>
+        <p:nvSpPr>
+          <p:cNvPr id="14" name="13 CuadroTexto"/>
+          <p:cNvSpPr txBox="1"/>
+          <p:nvPr/>
+        </p:nvSpPr>
+        <p:spPr>
+          <a:xfrm>
+            <a:off x="9850955" y="5795972"/>
+            <a:ext cx="1901354" cy="369332"/>
+          </a:xfrm>
+          <a:prstGeom prst="rect">
+            <a:avLst/>
+          </a:prstGeom>
+          <a:noFill/>
+        </p:spPr>
+        <p:txBody>
+          <a:bodyPr wrap="none" rtlCol="0">
+            <a:spAutoFit/>
+          </a:bodyPr>
+          <a:lstStyle/>
+          <a:p>
+            <a:r>
+              <a:rPr lang="en-GB" b="1" dirty="0" smtClean="0">
+                <a:solidFill>
+                  <a:srgbClr val="00B050"/>
+                </a:solidFill>
+              </a:rPr>
+              <a:t>FI </a:t>
+            </a:r>
+            <a:r>
+              <a:rPr lang="en-GB" b="1" dirty="0" err="1" smtClean="0">
+                <a:solidFill>
+                  <a:srgbClr val="00B050"/>
+                </a:solidFill>
+              </a:rPr>
+              <a:t>PoT</a:t>
+            </a:r>
+            <a:r>
+              <a:rPr lang="en-GB" b="1" dirty="0" smtClean="0">
+                <a:solidFill>
+                  <a:srgbClr val="00B050"/>
+                </a:solidFill>
+              </a:rPr>
+              <a:t> Criterion IV</a:t>
+            </a:r>
+            <a:endParaRPr lang="en-GB" b="1" dirty="0">
+              <a:solidFill>
+                <a:srgbClr val="00B050"/>
+              </a:solidFill>
+            </a:endParaRPr>
+          </a:p>
+        </p:txBody>
+      </p:sp>
+      <p:sp>
+        <p:nvSpPr>
+          <p:cNvPr id="15" name="14 Elipse"/>
+          <p:cNvSpPr/>
+          <p:nvPr/>
+        </p:nvSpPr>
+        <p:spPr>
+          <a:xfrm>
+            <a:off x="9662911" y="2125323"/>
+            <a:ext cx="237681" cy="223557"/>
+          </a:xfrm>
+          <a:prstGeom prst="ellipse">
+            <a:avLst/>
+          </a:prstGeom>
+          <a:solidFill>
+            <a:srgbClr val="0070C0"/>
+          </a:solidFill>
+          <a:ln>
+            <a:noFill/>
+          </a:ln>
+        </p:spPr>
+        <p:style>
+          <a:lnRef idx="2">
+            <a:schemeClr val="accent1">
+              <a:shade val="50000"/>
+            </a:schemeClr>
+          </a:lnRef>
+          <a:fillRef idx="1">
+            <a:schemeClr val="accent1"/>
+          </a:fillRef>
+          <a:effectRef idx="0">
+            <a:schemeClr val="accent1"/>
+          </a:effectRef>
+          <a:fontRef idx="minor">
+            <a:schemeClr val="lt1"/>
+          </a:fontRef>
+        </p:style>
+        <p:txBody>
+          <a:bodyPr rtlCol="0" anchor="ctr"/>
+          <a:lstStyle/>
+          <a:p>
+            <a:pPr algn="ctr"/>
+            <a:r>
+              <a:rPr lang="en-GB" sz="1200" dirty="0" smtClean="0"/>
+              <a:t>1</a:t>
+            </a:r>
+            <a:endParaRPr lang="en-GB" sz="1200" dirty="0"/>
+          </a:p>
+        </p:txBody>
+      </p:sp>
+      <p:sp>
+        <p:nvSpPr>
+          <p:cNvPr id="16" name="15 Elipse"/>
+          <p:cNvSpPr/>
+          <p:nvPr/>
+        </p:nvSpPr>
+        <p:spPr>
+          <a:xfrm>
+            <a:off x="9684568" y="3068960"/>
+            <a:ext cx="237681" cy="223557"/>
+          </a:xfrm>
+          <a:prstGeom prst="ellipse">
+            <a:avLst/>
+          </a:prstGeom>
+          <a:solidFill>
+            <a:srgbClr val="0070C0"/>
+          </a:solidFill>
+          <a:ln>
+            <a:noFill/>
+          </a:ln>
+        </p:spPr>
+        <p:style>
+          <a:lnRef idx="2">
+            <a:schemeClr val="accent1">
+              <a:shade val="50000"/>
+            </a:schemeClr>
+          </a:lnRef>
+          <a:fillRef idx="1">
+            <a:schemeClr val="accent1"/>
+          </a:fillRef>
+          <a:effectRef idx="0">
+            <a:schemeClr val="accent1"/>
+          </a:effectRef>
+          <a:fontRef idx="minor">
+            <a:schemeClr val="lt1"/>
+          </a:fontRef>
+        </p:style>
+        <p:txBody>
+          <a:bodyPr rtlCol="0" anchor="ctr"/>
+          <a:lstStyle/>
+          <a:p>
+            <a:pPr algn="ctr"/>
+            <a:r>
+              <a:rPr lang="en-GB" sz="1200" dirty="0"/>
+              <a:t>2</a:t>
+            </a:r>
+          </a:p>
+        </p:txBody>
+      </p:sp>
+      <p:sp>
+        <p:nvSpPr>
+          <p:cNvPr id="19" name="18 Elipse"/>
+          <p:cNvSpPr/>
+          <p:nvPr/>
+        </p:nvSpPr>
+        <p:spPr>
+          <a:xfrm>
+            <a:off x="9684568" y="4149080"/>
+            <a:ext cx="237681" cy="223557"/>
+          </a:xfrm>
+          <a:prstGeom prst="ellipse">
+            <a:avLst/>
+          </a:prstGeom>
+          <a:solidFill>
+            <a:srgbClr val="0070C0"/>
+          </a:solidFill>
+          <a:ln>
+            <a:noFill/>
+          </a:ln>
+        </p:spPr>
+        <p:style>
+          <a:lnRef idx="2">
+            <a:schemeClr val="accent1">
+              <a:shade val="50000"/>
+            </a:schemeClr>
+          </a:lnRef>
+          <a:fillRef idx="1">
+            <a:schemeClr val="accent1"/>
+          </a:fillRef>
+          <a:effectRef idx="0">
+            <a:schemeClr val="accent1"/>
+          </a:effectRef>
+          <a:fontRef idx="minor">
+            <a:schemeClr val="lt1"/>
+          </a:fontRef>
+        </p:style>
+        <p:txBody>
+          <a:bodyPr rtlCol="0" anchor="ctr"/>
+          <a:lstStyle/>
+          <a:p>
+            <a:pPr algn="ctr"/>
+            <a:r>
+              <a:rPr lang="en-GB" sz="1200" dirty="0"/>
+              <a:t>3</a:t>
+            </a:r>
+          </a:p>
+        </p:txBody>
+      </p:sp>
+      <p:sp>
+        <p:nvSpPr>
+          <p:cNvPr id="20" name="19 Elipse"/>
+          <p:cNvSpPr/>
+          <p:nvPr/>
+        </p:nvSpPr>
+        <p:spPr>
+          <a:xfrm>
+            <a:off x="9684568" y="5149659"/>
+            <a:ext cx="237681" cy="223557"/>
+          </a:xfrm>
+          <a:prstGeom prst="ellipse">
+            <a:avLst/>
+          </a:prstGeom>
+          <a:solidFill>
+            <a:srgbClr val="0070C0"/>
+          </a:solidFill>
+          <a:ln>
+            <a:noFill/>
+          </a:ln>
+        </p:spPr>
+        <p:style>
+          <a:lnRef idx="2">
+            <a:schemeClr val="accent1">
+              <a:shade val="50000"/>
+            </a:schemeClr>
+          </a:lnRef>
+          <a:fillRef idx="1">
+            <a:schemeClr val="accent1"/>
+          </a:fillRef>
+          <a:effectRef idx="0">
+            <a:schemeClr val="accent1"/>
+          </a:effectRef>
+          <a:fontRef idx="minor">
+            <a:schemeClr val="lt1"/>
+          </a:fontRef>
+        </p:style>
+        <p:txBody>
+          <a:bodyPr rtlCol="0" anchor="ctr"/>
+          <a:lstStyle/>
+          <a:p>
+            <a:pPr algn="ctr"/>
+            <a:r>
+              <a:rPr lang="en-GB" sz="1200" dirty="0"/>
+              <a:t>4</a:t>
+            </a:r>
+          </a:p>
+        </p:txBody>
+      </p:sp>
+      <p:sp>
+        <p:nvSpPr>
+          <p:cNvPr id="21" name="20 Elipse"/>
+          <p:cNvSpPr/>
+          <p:nvPr/>
+        </p:nvSpPr>
+        <p:spPr>
+          <a:xfrm>
+            <a:off x="9684568" y="6237312"/>
+            <a:ext cx="237681" cy="223557"/>
+          </a:xfrm>
+          <a:prstGeom prst="ellipse">
+            <a:avLst/>
+          </a:prstGeom>
+          <a:solidFill>
+            <a:srgbClr val="0070C0"/>
+          </a:solidFill>
+          <a:ln>
+            <a:noFill/>
+          </a:ln>
+        </p:spPr>
+        <p:style>
+          <a:lnRef idx="2">
+            <a:schemeClr val="accent1">
+              <a:shade val="50000"/>
+            </a:schemeClr>
+          </a:lnRef>
+          <a:fillRef idx="1">
+            <a:schemeClr val="accent1"/>
+          </a:fillRef>
+          <a:effectRef idx="0">
+            <a:schemeClr val="accent1"/>
+          </a:effectRef>
+          <a:fontRef idx="minor">
+            <a:schemeClr val="lt1"/>
+          </a:fontRef>
+        </p:style>
+        <p:txBody>
+          <a:bodyPr rtlCol="0" anchor="ctr"/>
+          <a:lstStyle/>
+          <a:p>
+            <a:pPr algn="ctr"/>
+            <a:r>
+              <a:rPr lang="en-GB" sz="1200" dirty="0"/>
+              <a:t>5</a:t>
+            </a:r>
+          </a:p>
+        </p:txBody>
+      </p:sp>
+    </p:spTree>
+    <p:extLst>
+      <p:ext uri="{BB962C8B-B14F-4D97-AF65-F5344CB8AC3E}">
+        <p14:creationId xmlns:p14="http://schemas.microsoft.com/office/powerpoint/2010/main" val="1792153492"/>
+      </p:ext>
+    </p:extLst>
+  </p:cSld>
+  <p:clrMapOvr>
+    <a:masterClrMapping/>
+  </p:clrMapOvr>
+</p:sld>
+</file>
+
+<file path=ppt/slides/slide12.xml><?xml version="1.0" encoding="utf-8"?>
+<p:sld xmlns:a="http://schemas.openxmlformats.org/drawingml/2006/main" xmlns:r="http://schemas.openxmlformats.org/officeDocument/2006/relationships" xmlns:p="http://schemas.openxmlformats.org/presentationml/2006/main">
+  <p:cSld>
+    <p:spTree>
+      <p:nvGrpSpPr>
+        <p:cNvPr id="1" name=""/>
+        <p:cNvGrpSpPr/>
+        <p:nvPr/>
+      </p:nvGrpSpPr>
+      <p:grpSpPr>
+        <a:xfrm>
+          <a:off x="0" y="0"/>
+          <a:ext cx="0" cy="0"/>
+          <a:chOff x="0" y="0"/>
+          <a:chExt cx="0" cy="0"/>
+        </a:xfrm>
+      </p:grpSpPr>
+      <p:pic>
+        <p:nvPicPr>
+          <p:cNvPr id="1028" name="Picture 4"/>
+          <p:cNvPicPr>
+            <a:picLocks noChangeAspect="1" noChangeArrowheads="1"/>
+          </p:cNvPicPr>
+          <p:nvPr/>
+        </p:nvPicPr>
+        <p:blipFill>
+          <a:blip r:embed="rId2">
+            <a:extLst>
+              <a:ext uri="{28A0092B-C50C-407E-A947-70E740481C1C}">
+                <a14:useLocalDpi xmlns:a14="http://schemas.microsoft.com/office/drawing/2010/main" val="0"/>
+              </a:ext>
+            </a:extLst>
+          </a:blip>
+          <a:srcRect/>
+          <a:stretch>
+            <a:fillRect/>
+          </a:stretch>
+        </p:blipFill>
+        <p:spPr bwMode="auto">
+          <a:xfrm>
+            <a:off x="20006" y="5752"/>
+            <a:ext cx="9839325" cy="9963150"/>
+          </a:xfrm>
+          <a:prstGeom prst="rect">
+            <a:avLst/>
+          </a:prstGeom>
+          <a:noFill/>
+          <a:ln>
+            <a:noFill/>
+          </a:ln>
+          <a:extLst>
+            <a:ext uri="{909E8E84-426E-40DD-AFC4-6F175D3DCCD1}">
+              <a14:hiddenFill xmlns:a14="http://schemas.microsoft.com/office/drawing/2010/main">
+                <a:solidFill>
+                  <a:schemeClr val="accent1"/>
+                </a:solidFill>
+              </a14:hiddenFill>
+            </a:ext>
+            <a:ext uri="{91240B29-F687-4F45-9708-019B960494DF}">
+              <a14:hiddenLine xmlns:a14="http://schemas.microsoft.com/office/drawing/2010/main" w="9525">
+                <a:solidFill>
+                  <a:schemeClr val="tx1"/>
+                </a:solidFill>
+                <a:miter lim="800000"/>
+                <a:headEnd/>
+                <a:tailEnd/>
+              </a14:hiddenLine>
+            </a:ext>
+          </a:extLst>
+        </p:spPr>
+      </p:pic>
+      <p:sp>
+        <p:nvSpPr>
+          <p:cNvPr id="3" name="2 Elipse"/>
+          <p:cNvSpPr/>
+          <p:nvPr/>
+        </p:nvSpPr>
+        <p:spPr>
+          <a:xfrm>
+            <a:off x="2822151" y="3429000"/>
+            <a:ext cx="237681" cy="223557"/>
+          </a:xfrm>
+          <a:prstGeom prst="ellipse">
+            <a:avLst/>
+          </a:prstGeom>
+          <a:solidFill>
+            <a:srgbClr val="0070C0"/>
+          </a:solidFill>
+          <a:ln>
+            <a:noFill/>
+          </a:ln>
+        </p:spPr>
+        <p:style>
+          <a:lnRef idx="2">
+            <a:schemeClr val="accent1">
+              <a:shade val="50000"/>
+            </a:schemeClr>
+          </a:lnRef>
+          <a:fillRef idx="1">
+            <a:schemeClr val="accent1"/>
+          </a:fillRef>
+          <a:effectRef idx="0">
+            <a:schemeClr val="accent1"/>
+          </a:effectRef>
+          <a:fontRef idx="minor">
+            <a:schemeClr val="lt1"/>
+          </a:fontRef>
+        </p:style>
+        <p:txBody>
+          <a:bodyPr rtlCol="0" anchor="ctr"/>
+          <a:lstStyle/>
+          <a:p>
+            <a:pPr algn="ctr"/>
+            <a:r>
+              <a:rPr lang="en-GB" sz="1200" dirty="0" smtClean="0"/>
+              <a:t>6</a:t>
+            </a:r>
+            <a:endParaRPr lang="en-GB" sz="1200" dirty="0"/>
+          </a:p>
+        </p:txBody>
+      </p:sp>
+      <p:sp>
+        <p:nvSpPr>
+          <p:cNvPr id="4" name="3 Elipse"/>
+          <p:cNvSpPr/>
+          <p:nvPr/>
+        </p:nvSpPr>
+        <p:spPr>
+          <a:xfrm>
+            <a:off x="5580112" y="3442648"/>
+            <a:ext cx="237681" cy="223557"/>
+          </a:xfrm>
+          <a:prstGeom prst="ellipse">
+            <a:avLst/>
+          </a:prstGeom>
+          <a:solidFill>
+            <a:srgbClr val="0070C0"/>
+          </a:solidFill>
+          <a:ln>
+            <a:noFill/>
+          </a:ln>
+        </p:spPr>
+        <p:style>
+          <a:lnRef idx="2">
+            <a:schemeClr val="accent1">
+              <a:shade val="50000"/>
+            </a:schemeClr>
+          </a:lnRef>
+          <a:fillRef idx="1">
+            <a:schemeClr val="accent1"/>
+          </a:fillRef>
+          <a:effectRef idx="0">
+            <a:schemeClr val="accent1"/>
+          </a:effectRef>
+          <a:fontRef idx="minor">
+            <a:schemeClr val="lt1"/>
+          </a:fontRef>
+        </p:style>
+        <p:txBody>
+          <a:bodyPr rtlCol="0" anchor="ctr"/>
+          <a:lstStyle/>
+          <a:p>
+            <a:pPr algn="ctr"/>
+            <a:r>
+              <a:rPr lang="en-GB" sz="1200" dirty="0" smtClean="0"/>
+              <a:t>7</a:t>
+            </a:r>
+            <a:endParaRPr lang="en-GB" sz="1200" dirty="0"/>
+          </a:p>
+        </p:txBody>
+      </p:sp>
+      <p:sp>
+        <p:nvSpPr>
+          <p:cNvPr id="5" name="4 Elipse"/>
+          <p:cNvSpPr/>
+          <p:nvPr/>
+        </p:nvSpPr>
+        <p:spPr>
+          <a:xfrm>
+            <a:off x="8236399" y="4645603"/>
+            <a:ext cx="237681" cy="223557"/>
+          </a:xfrm>
+          <a:prstGeom prst="ellipse">
+            <a:avLst/>
+          </a:prstGeom>
+          <a:solidFill>
+            <a:srgbClr val="0070C0"/>
+          </a:solidFill>
+          <a:ln>
+            <a:noFill/>
+          </a:ln>
+        </p:spPr>
+        <p:style>
+          <a:lnRef idx="2">
+            <a:schemeClr val="accent1">
+              <a:shade val="50000"/>
+            </a:schemeClr>
+          </a:lnRef>
+          <a:fillRef idx="1">
+            <a:schemeClr val="accent1"/>
+          </a:fillRef>
+          <a:effectRef idx="0">
+            <a:schemeClr val="accent1"/>
+          </a:effectRef>
+          <a:fontRef idx="minor">
+            <a:schemeClr val="lt1"/>
+          </a:fontRef>
+        </p:style>
+        <p:txBody>
+          <a:bodyPr rtlCol="0" anchor="ctr"/>
+          <a:lstStyle/>
+          <a:p>
+            <a:pPr algn="ctr"/>
+            <a:r>
+              <a:rPr lang="en-GB" sz="1200" smtClean="0"/>
+              <a:t>8</a:t>
+            </a:r>
+            <a:endParaRPr lang="en-GB" sz="1200" dirty="0"/>
+          </a:p>
+        </p:txBody>
+      </p:sp>
+      <p:pic>
+        <p:nvPicPr>
+          <p:cNvPr id="1026" name="Picture 2"/>
+          <p:cNvPicPr>
+            <a:picLocks noChangeAspect="1" noChangeArrowheads="1"/>
+          </p:cNvPicPr>
+          <p:nvPr/>
+        </p:nvPicPr>
+        <p:blipFill>
+          <a:blip r:embed="rId3">
+            <a:extLst>
+              <a:ext uri="{28A0092B-C50C-407E-A947-70E740481C1C}">
+                <a14:useLocalDpi xmlns:a14="http://schemas.microsoft.com/office/drawing/2010/main" val="0"/>
+              </a:ext>
+            </a:extLst>
+          </a:blip>
+          <a:srcRect/>
+          <a:stretch>
+            <a:fillRect/>
+          </a:stretch>
+        </p:blipFill>
+        <p:spPr bwMode="auto">
+          <a:xfrm>
+            <a:off x="287145" y="2324372"/>
+            <a:ext cx="228600" cy="247650"/>
+          </a:xfrm>
+          <a:prstGeom prst="rect">
+            <a:avLst/>
+          </a:prstGeom>
+          <a:noFill/>
+          <a:ln>
+            <a:noFill/>
+          </a:ln>
+          <a:extLst>
+            <a:ext uri="{909E8E84-426E-40DD-AFC4-6F175D3DCCD1}">
+              <a14:hiddenFill xmlns:a14="http://schemas.microsoft.com/office/drawing/2010/main">
+                <a:solidFill>
+                  <a:schemeClr val="accent1"/>
+                </a:solidFill>
+              </a14:hiddenFill>
+            </a:ext>
+            <a:ext uri="{91240B29-F687-4F45-9708-019B960494DF}">
+              <a14:hiddenLine xmlns:a14="http://schemas.microsoft.com/office/drawing/2010/main" w="9525">
+                <a:solidFill>
+                  <a:schemeClr val="tx1"/>
+                </a:solidFill>
+                <a:miter lim="800000"/>
+                <a:headEnd/>
+                <a:tailEnd/>
+              </a14:hiddenLine>
+            </a:ext>
+          </a:extLst>
+        </p:spPr>
+      </p:pic>
+    </p:spTree>
+    <p:extLst>
+      <p:ext uri="{BB962C8B-B14F-4D97-AF65-F5344CB8AC3E}">
+        <p14:creationId xmlns:p14="http://schemas.microsoft.com/office/powerpoint/2010/main" val="3114209087"/>
+      </p:ext>
+    </p:extLst>
+  </p:cSld>
+  <p:clrMapOvr>
+    <a:masterClrMapping/>
+  </p:clrMapOvr>
+</p:sld>
+</file>
+
+<file path=ppt/slides/slide13.xml><?xml version="1.0" encoding="utf-8"?>
+<p:sld xmlns:a="http://schemas.openxmlformats.org/drawingml/2006/main" xmlns:r="http://schemas.openxmlformats.org/officeDocument/2006/relationships" xmlns:p="http://schemas.openxmlformats.org/presentationml/2006/main">
+  <p:cSld>
+    <p:spTree>
+      <p:nvGrpSpPr>
+        <p:cNvPr id="1" name=""/>
+        <p:cNvGrpSpPr/>
+        <p:nvPr/>
+      </p:nvGrpSpPr>
+      <p:grpSpPr>
+        <a:xfrm>
+          <a:off x="0" y="0"/>
+          <a:ext cx="0" cy="0"/>
+          <a:chOff x="0" y="0"/>
+          <a:chExt cx="0" cy="0"/>
+        </a:xfrm>
+      </p:grpSpPr>
+      <p:pic>
+        <p:nvPicPr>
+          <p:cNvPr id="1026" name="Picture 2" descr="C:\ESPD-EDM-02.00.00-asciidoc\espd-data-model\docs\src\main\asciidoc\images\PaymentOfTaxes_EO_mock-up.png"/>
+          <p:cNvPicPr>
+            <a:picLocks noChangeAspect="1" noChangeArrowheads="1"/>
+          </p:cNvPicPr>
+          <p:nvPr/>
+        </p:nvPicPr>
+        <p:blipFill>
+          <a:blip r:embed="rId2">
+            <a:extLst>
+              <a:ext uri="{28A0092B-C50C-407E-A947-70E740481C1C}">
+                <a14:useLocalDpi xmlns:a14="http://schemas.microsoft.com/office/drawing/2010/main" val="0"/>
+              </a:ext>
+            </a:extLst>
+          </a:blip>
+          <a:srcRect/>
+          <a:stretch>
+            <a:fillRect/>
+          </a:stretch>
+        </p:blipFill>
+        <p:spPr bwMode="auto">
+          <a:xfrm>
+            <a:off x="-251467" y="116632"/>
+            <a:ext cx="9572625" cy="6029325"/>
+          </a:xfrm>
+          <a:prstGeom prst="rect">
+            <a:avLst/>
+          </a:prstGeom>
+          <a:noFill/>
+          <a:extLst>
+            <a:ext uri="{909E8E84-426E-40DD-AFC4-6F175D3DCCD1}">
+              <a14:hiddenFill xmlns:a14="http://schemas.microsoft.com/office/drawing/2010/main">
+                <a:solidFill>
+                  <a:srgbClr val="FFFFFF"/>
+                </a:solidFill>
+              </a14:hiddenFill>
+            </a:ext>
+          </a:extLst>
+        </p:spPr>
+      </p:pic>
+      <p:sp>
+        <p:nvSpPr>
+          <p:cNvPr id="23" name="22 Rectángulo redondeado"/>
+          <p:cNvSpPr/>
+          <p:nvPr/>
+        </p:nvSpPr>
+        <p:spPr>
+          <a:xfrm>
+            <a:off x="-671568" y="2002488"/>
+            <a:ext cx="3587384" cy="994464"/>
+          </a:xfrm>
+          <a:prstGeom prst="roundRect">
+            <a:avLst/>
+          </a:prstGeom>
+          <a:noFill/>
+          <a:ln>
+            <a:solidFill>
+              <a:srgbClr val="92D050"/>
+            </a:solidFill>
+            <a:prstDash val="sysDash"/>
+          </a:ln>
+        </p:spPr>
+        <p:style>
+          <a:lnRef idx="2">
+            <a:schemeClr val="accent1">
+              <a:shade val="50000"/>
+            </a:schemeClr>
+          </a:lnRef>
+          <a:fillRef idx="1">
+            <a:schemeClr val="accent1"/>
+          </a:fillRef>
+          <a:effectRef idx="0">
+            <a:schemeClr val="accent1"/>
+          </a:effectRef>
+          <a:fontRef idx="minor">
+            <a:schemeClr val="lt1"/>
+          </a:fontRef>
+        </p:style>
+        <p:txBody>
+          <a:bodyPr rtlCol="0" anchor="ctr"/>
+          <a:lstStyle/>
+          <a:p>
+            <a:pPr algn="ctr"/>
+            <a:endParaRPr lang="en-GB"/>
+          </a:p>
+        </p:txBody>
+      </p:sp>
       <p:sp>
         <p:nvSpPr>
           <p:cNvPr id="2" name="1 CuadroTexto"/>
@@ -3714,13 +5332,13 @@
       </p:sp>
       <p:sp>
         <p:nvSpPr>
-          <p:cNvPr id="8" name="7 Elipse"/>
+          <p:cNvPr id="12" name="11 Elipse"/>
           <p:cNvSpPr/>
           <p:nvPr/>
         </p:nvSpPr>
         <p:spPr>
           <a:xfrm>
-            <a:off x="-346865" y="2132856"/>
+            <a:off x="-612576" y="2133524"/>
             <a:ext cx="237681" cy="223557"/>
           </a:xfrm>
           <a:prstGeom prst="ellipse">
@@ -3756,7 +5374,7 @@
             <a:pPr algn="ctr"/>
             <a:r>
               <a:rPr lang="en-GB" sz="1200" dirty="0" smtClean="0"/>
-              <a:t>1</a:t>
+              <a:t>6</a:t>
             </a:r>
             <a:endParaRPr lang="en-GB" sz="1200" dirty="0"/>
           </a:p>
@@ -3764,13 +5382,13 @@
       </p:sp>
       <p:sp>
         <p:nvSpPr>
-          <p:cNvPr id="10" name="9 Elipse"/>
+          <p:cNvPr id="13" name="12 Elipse"/>
           <p:cNvSpPr/>
           <p:nvPr/>
         </p:nvSpPr>
         <p:spPr>
           <a:xfrm>
-            <a:off x="-338192" y="2485363"/>
+            <a:off x="-342695" y="2136927"/>
             <a:ext cx="237681" cy="223557"/>
           </a:xfrm>
           <a:prstGeom prst="ellipse">
@@ -3806,7 +5424,7 @@
             <a:pPr algn="ctr"/>
             <a:r>
               <a:rPr lang="en-GB" sz="1200" dirty="0" smtClean="0"/>
-              <a:t>2</a:t>
+              <a:t>7</a:t>
             </a:r>
             <a:endParaRPr lang="en-GB" sz="1200" dirty="0"/>
           </a:p>
@@ -3814,24 +5432,23 @@
       </p:sp>
       <p:sp>
         <p:nvSpPr>
-          <p:cNvPr id="23" name="22 Rectángulo redondeado"/>
+          <p:cNvPr id="14" name="13 Elipse"/>
           <p:cNvSpPr/>
           <p:nvPr/>
         </p:nvSpPr>
         <p:spPr>
           <a:xfrm>
-            <a:off x="-526920" y="2002488"/>
-            <a:ext cx="4284774" cy="994464"/>
-          </a:xfrm>
-          <a:prstGeom prst="roundRect">
-            <a:avLst/>
-          </a:prstGeom>
-          <a:noFill/>
+            <a:off x="-353163" y="2499720"/>
+            <a:ext cx="237681" cy="223557"/>
+          </a:xfrm>
+          <a:prstGeom prst="ellipse">
+            <a:avLst/>
+          </a:prstGeom>
+          <a:solidFill>
+            <a:srgbClr val="0070C0"/>
+          </a:solidFill>
           <a:ln>
-            <a:solidFill>
-              <a:srgbClr val="92D050"/>
-            </a:solidFill>
-            <a:prstDash val="sysDash"/>
+            <a:noFill/>
           </a:ln>
         </p:spPr>
         <p:style>
@@ -3855,7 +5472,11 @@
           <a:lstStyle/>
           <a:p>
             <a:pPr algn="ctr"/>
-            <a:endParaRPr lang="en-GB"/>
+            <a:r>
+              <a:rPr lang="en-GB" sz="1200" dirty="0" smtClean="0"/>
+              <a:t>8</a:t>
+            </a:r>
+            <a:endParaRPr lang="en-GB" sz="1200" dirty="0"/>
           </a:p>
         </p:txBody>
       </p:sp>
@@ -3863,6 +5484,830 @@
     <p:extLst>
       <p:ext uri="{BB962C8B-B14F-4D97-AF65-F5344CB8AC3E}">
         <p14:creationId xmlns:p14="http://schemas.microsoft.com/office/powerpoint/2010/main" val="2515096317"/>
+      </p:ext>
+    </p:extLst>
+  </p:cSld>
+  <p:clrMapOvr>
+    <a:masterClrMapping/>
+  </p:clrMapOvr>
+</p:sld>
+</file>
+
+<file path=ppt/slides/slide14.xml><?xml version="1.0" encoding="utf-8"?>
+<p:sld xmlns:a="http://schemas.openxmlformats.org/drawingml/2006/main" xmlns:r="http://schemas.openxmlformats.org/officeDocument/2006/relationships" xmlns:p="http://schemas.openxmlformats.org/presentationml/2006/main">
+  <p:cSld>
+    <p:spTree>
+      <p:nvGrpSpPr>
+        <p:cNvPr id="1" name=""/>
+        <p:cNvGrpSpPr/>
+        <p:nvPr/>
+      </p:nvGrpSpPr>
+      <p:grpSpPr>
+        <a:xfrm>
+          <a:off x="0" y="0"/>
+          <a:ext cx="0" cy="0"/>
+          <a:chOff x="0" y="0"/>
+          <a:chExt cx="0" cy="0"/>
+        </a:xfrm>
+      </p:grpSpPr>
+      <p:pic>
+        <p:nvPicPr>
+          <p:cNvPr id="1026" name="Picture 2"/>
+          <p:cNvPicPr>
+            <a:picLocks noChangeAspect="1" noChangeArrowheads="1"/>
+          </p:cNvPicPr>
+          <p:nvPr/>
+        </p:nvPicPr>
+        <p:blipFill>
+          <a:blip r:embed="rId3">
+            <a:extLst>
+              <a:ext uri="{28A0092B-C50C-407E-A947-70E740481C1C}">
+                <a14:useLocalDpi xmlns:a14="http://schemas.microsoft.com/office/drawing/2010/main" val="0"/>
+              </a:ext>
+            </a:extLst>
+          </a:blip>
+          <a:srcRect/>
+          <a:stretch>
+            <a:fillRect/>
+          </a:stretch>
+        </p:blipFill>
+        <p:spPr bwMode="auto">
+          <a:xfrm>
+            <a:off x="5923" y="1017627"/>
+            <a:ext cx="9054455" cy="5075669"/>
+          </a:xfrm>
+          <a:prstGeom prst="rect">
+            <a:avLst/>
+          </a:prstGeom>
+          <a:noFill/>
+          <a:ln>
+            <a:noFill/>
+          </a:ln>
+          <a:effectLst/>
+          <a:extLst>
+            <a:ext uri="{909E8E84-426E-40DD-AFC4-6F175D3DCCD1}">
+              <a14:hiddenFill xmlns:a14="http://schemas.microsoft.com/office/drawing/2010/main">
+                <a:solidFill>
+                  <a:schemeClr val="accent1"/>
+                </a:solidFill>
+              </a14:hiddenFill>
+            </a:ext>
+            <a:ext uri="{91240B29-F687-4F45-9708-019B960494DF}">
+              <a14:hiddenLine xmlns:a14="http://schemas.microsoft.com/office/drawing/2010/main" w="9525">
+                <a:solidFill>
+                  <a:schemeClr val="tx1"/>
+                </a:solidFill>
+                <a:miter lim="800000"/>
+                <a:headEnd/>
+                <a:tailEnd/>
+              </a14:hiddenLine>
+            </a:ext>
+            <a:ext uri="{AF507438-7753-43E0-B8FC-AC1667EBCBE1}">
+              <a14:hiddenEffects xmlns:a14="http://schemas.microsoft.com/office/drawing/2010/main">
+                <a:effectLst>
+                  <a:outerShdw dist="35921" dir="2700000" algn="ctr" rotWithShape="0">
+                    <a:schemeClr val="bg2"/>
+                  </a:outerShdw>
+                </a:effectLst>
+              </a14:hiddenEffects>
+            </a:ext>
+          </a:extLst>
+        </p:spPr>
+      </p:pic>
+      <p:sp>
+        <p:nvSpPr>
+          <p:cNvPr id="10" name="9 Elipse"/>
+          <p:cNvSpPr/>
+          <p:nvPr/>
+        </p:nvSpPr>
+        <p:spPr>
+          <a:xfrm>
+            <a:off x="2771800" y="1510666"/>
+            <a:ext cx="237681" cy="223557"/>
+          </a:xfrm>
+          <a:prstGeom prst="ellipse">
+            <a:avLst/>
+          </a:prstGeom>
+          <a:solidFill>
+            <a:srgbClr val="0070C0"/>
+          </a:solidFill>
+          <a:ln>
+            <a:noFill/>
+          </a:ln>
+        </p:spPr>
+        <p:style>
+          <a:lnRef idx="2">
+            <a:schemeClr val="accent1">
+              <a:shade val="50000"/>
+            </a:schemeClr>
+          </a:lnRef>
+          <a:fillRef idx="1">
+            <a:schemeClr val="accent1"/>
+          </a:fillRef>
+          <a:effectRef idx="0">
+            <a:schemeClr val="accent1"/>
+          </a:effectRef>
+          <a:fontRef idx="minor">
+            <a:schemeClr val="lt1"/>
+          </a:fontRef>
+        </p:style>
+        <p:txBody>
+          <a:bodyPr rtlCol="0" anchor="ctr"/>
+          <a:lstStyle/>
+          <a:p>
+            <a:pPr algn="ctr"/>
+            <a:r>
+              <a:rPr lang="en-GB" sz="1200" dirty="0"/>
+              <a:t>2</a:t>
+            </a:r>
+          </a:p>
+        </p:txBody>
+      </p:sp>
+      <p:sp>
+        <p:nvSpPr>
+          <p:cNvPr id="11" name="10 Elipse"/>
+          <p:cNvSpPr/>
+          <p:nvPr/>
+        </p:nvSpPr>
+        <p:spPr>
+          <a:xfrm>
+            <a:off x="3051643" y="1510666"/>
+            <a:ext cx="237681" cy="223557"/>
+          </a:xfrm>
+          <a:prstGeom prst="ellipse">
+            <a:avLst/>
+          </a:prstGeom>
+          <a:solidFill>
+            <a:srgbClr val="0070C0"/>
+          </a:solidFill>
+          <a:ln>
+            <a:noFill/>
+          </a:ln>
+        </p:spPr>
+        <p:style>
+          <a:lnRef idx="2">
+            <a:schemeClr val="accent1">
+              <a:shade val="50000"/>
+            </a:schemeClr>
+          </a:lnRef>
+          <a:fillRef idx="1">
+            <a:schemeClr val="accent1"/>
+          </a:fillRef>
+          <a:effectRef idx="0">
+            <a:schemeClr val="accent1"/>
+          </a:effectRef>
+          <a:fontRef idx="minor">
+            <a:schemeClr val="lt1"/>
+          </a:fontRef>
+        </p:style>
+        <p:txBody>
+          <a:bodyPr rtlCol="0" anchor="ctr"/>
+          <a:lstStyle/>
+          <a:p>
+            <a:pPr algn="ctr"/>
+            <a:r>
+              <a:rPr lang="en-GB" sz="1200" dirty="0"/>
+              <a:t>3</a:t>
+            </a:r>
+          </a:p>
+        </p:txBody>
+      </p:sp>
+      <p:sp>
+        <p:nvSpPr>
+          <p:cNvPr id="12" name="11 Elipse"/>
+          <p:cNvSpPr/>
+          <p:nvPr/>
+        </p:nvSpPr>
+        <p:spPr>
+          <a:xfrm>
+            <a:off x="3356053" y="1510666"/>
+            <a:ext cx="237681" cy="223557"/>
+          </a:xfrm>
+          <a:prstGeom prst="ellipse">
+            <a:avLst/>
+          </a:prstGeom>
+          <a:solidFill>
+            <a:srgbClr val="0070C0"/>
+          </a:solidFill>
+          <a:ln>
+            <a:noFill/>
+          </a:ln>
+        </p:spPr>
+        <p:style>
+          <a:lnRef idx="2">
+            <a:schemeClr val="accent1">
+              <a:shade val="50000"/>
+            </a:schemeClr>
+          </a:lnRef>
+          <a:fillRef idx="1">
+            <a:schemeClr val="accent1"/>
+          </a:fillRef>
+          <a:effectRef idx="0">
+            <a:schemeClr val="accent1"/>
+          </a:effectRef>
+          <a:fontRef idx="minor">
+            <a:schemeClr val="lt1"/>
+          </a:fontRef>
+        </p:style>
+        <p:txBody>
+          <a:bodyPr rtlCol="0" anchor="ctr"/>
+          <a:lstStyle/>
+          <a:p>
+            <a:pPr algn="ctr"/>
+            <a:r>
+              <a:rPr lang="en-GB" sz="1200" dirty="0"/>
+              <a:t>4</a:t>
+            </a:r>
+          </a:p>
+        </p:txBody>
+      </p:sp>
+      <p:sp>
+        <p:nvSpPr>
+          <p:cNvPr id="13" name="12 Elipse"/>
+          <p:cNvSpPr/>
+          <p:nvPr/>
+        </p:nvSpPr>
+        <p:spPr>
+          <a:xfrm>
+            <a:off x="3635896" y="1510666"/>
+            <a:ext cx="237681" cy="223557"/>
+          </a:xfrm>
+          <a:prstGeom prst="ellipse">
+            <a:avLst/>
+          </a:prstGeom>
+          <a:solidFill>
+            <a:srgbClr val="0070C0"/>
+          </a:solidFill>
+          <a:ln>
+            <a:noFill/>
+          </a:ln>
+        </p:spPr>
+        <p:style>
+          <a:lnRef idx="2">
+            <a:schemeClr val="accent1">
+              <a:shade val="50000"/>
+            </a:schemeClr>
+          </a:lnRef>
+          <a:fillRef idx="1">
+            <a:schemeClr val="accent1"/>
+          </a:fillRef>
+          <a:effectRef idx="0">
+            <a:schemeClr val="accent1"/>
+          </a:effectRef>
+          <a:fontRef idx="minor">
+            <a:schemeClr val="lt1"/>
+          </a:fontRef>
+        </p:style>
+        <p:txBody>
+          <a:bodyPr rtlCol="0" anchor="ctr"/>
+          <a:lstStyle/>
+          <a:p>
+            <a:pPr algn="ctr"/>
+            <a:r>
+              <a:rPr lang="en-GB" sz="1200" dirty="0"/>
+              <a:t>5</a:t>
+            </a:r>
+          </a:p>
+        </p:txBody>
+      </p:sp>
+    </p:spTree>
+    <p:extLst>
+      <p:ext uri="{BB962C8B-B14F-4D97-AF65-F5344CB8AC3E}">
+        <p14:creationId xmlns:p14="http://schemas.microsoft.com/office/powerpoint/2010/main" val="3736281287"/>
+      </p:ext>
+    </p:extLst>
+  </p:cSld>
+  <p:clrMapOvr>
+    <a:masterClrMapping/>
+  </p:clrMapOvr>
+</p:sld>
+</file>
+
+<file path=ppt/slides/slide15.xml><?xml version="1.0" encoding="utf-8"?>
+<p:sld xmlns:a="http://schemas.openxmlformats.org/drawingml/2006/main" xmlns:r="http://schemas.openxmlformats.org/officeDocument/2006/relationships" xmlns:p="http://schemas.openxmlformats.org/presentationml/2006/main">
+  <p:cSld>
+    <p:spTree>
+      <p:nvGrpSpPr>
+        <p:cNvPr id="1" name=""/>
+        <p:cNvGrpSpPr/>
+        <p:nvPr/>
+      </p:nvGrpSpPr>
+      <p:grpSpPr>
+        <a:xfrm>
+          <a:off x="0" y="0"/>
+          <a:ext cx="0" cy="0"/>
+          <a:chOff x="0" y="0"/>
+          <a:chExt cx="0" cy="0"/>
+        </a:xfrm>
+      </p:grpSpPr>
+      <p:pic>
+        <p:nvPicPr>
+          <p:cNvPr id="4" name="Picture 2"/>
+          <p:cNvPicPr>
+            <a:picLocks noChangeAspect="1" noChangeArrowheads="1"/>
+          </p:cNvPicPr>
+          <p:nvPr/>
+        </p:nvPicPr>
+        <p:blipFill rotWithShape="1">
+          <a:blip r:embed="rId2">
+            <a:extLst>
+              <a:ext uri="{28A0092B-C50C-407E-A947-70E740481C1C}">
+                <a14:useLocalDpi xmlns:a14="http://schemas.microsoft.com/office/drawing/2010/main" val="0"/>
+              </a:ext>
+            </a:extLst>
+          </a:blip>
+          <a:srcRect l="8361" t="9052" r="9002" b="30819"/>
+          <a:stretch/>
+        </p:blipFill>
+        <p:spPr bwMode="auto">
+          <a:xfrm>
+            <a:off x="-1044624" y="1196752"/>
+            <a:ext cx="10752082" cy="4398579"/>
+          </a:xfrm>
+          <a:prstGeom prst="rect">
+            <a:avLst/>
+          </a:prstGeom>
+          <a:noFill/>
+          <a:ln>
+            <a:noFill/>
+          </a:ln>
+          <a:extLst>
+            <a:ext uri="{909E8E84-426E-40DD-AFC4-6F175D3DCCD1}">
+              <a14:hiddenFill xmlns:a14="http://schemas.microsoft.com/office/drawing/2010/main">
+                <a:solidFill>
+                  <a:schemeClr val="accent1"/>
+                </a:solidFill>
+              </a14:hiddenFill>
+            </a:ext>
+            <a:ext uri="{91240B29-F687-4F45-9708-019B960494DF}">
+              <a14:hiddenLine xmlns:a14="http://schemas.microsoft.com/office/drawing/2010/main" w="9525">
+                <a:solidFill>
+                  <a:schemeClr val="tx1"/>
+                </a:solidFill>
+                <a:miter lim="800000"/>
+                <a:headEnd/>
+                <a:tailEnd/>
+              </a14:hiddenLine>
+            </a:ext>
+          </a:extLst>
+        </p:spPr>
+      </p:pic>
+    </p:spTree>
+    <p:extLst>
+      <p:ext uri="{BB962C8B-B14F-4D97-AF65-F5344CB8AC3E}">
+        <p14:creationId xmlns:p14="http://schemas.microsoft.com/office/powerpoint/2010/main" val="996225304"/>
+      </p:ext>
+    </p:extLst>
+  </p:cSld>
+  <p:clrMapOvr>
+    <a:masterClrMapping/>
+  </p:clrMapOvr>
+</p:sld>
+</file>
+
+<file path=ppt/slides/slide16.xml><?xml version="1.0" encoding="utf-8"?>
+<p:sld xmlns:a="http://schemas.openxmlformats.org/drawingml/2006/main" xmlns:r="http://schemas.openxmlformats.org/officeDocument/2006/relationships" xmlns:p="http://schemas.openxmlformats.org/presentationml/2006/main">
+  <p:cSld>
+    <p:spTree>
+      <p:nvGrpSpPr>
+        <p:cNvPr id="1" name=""/>
+        <p:cNvGrpSpPr/>
+        <p:nvPr/>
+      </p:nvGrpSpPr>
+      <p:grpSpPr>
+        <a:xfrm>
+          <a:off x="0" y="0"/>
+          <a:ext cx="0" cy="0"/>
+          <a:chOff x="0" y="0"/>
+          <a:chExt cx="0" cy="0"/>
+        </a:xfrm>
+      </p:grpSpPr>
+      <p:pic>
+        <p:nvPicPr>
+          <p:cNvPr id="5" name="Picture 2"/>
+          <p:cNvPicPr>
+            <a:picLocks noChangeAspect="1" noChangeArrowheads="1"/>
+          </p:cNvPicPr>
+          <p:nvPr/>
+        </p:nvPicPr>
+        <p:blipFill rotWithShape="1">
+          <a:blip r:embed="rId2">
+            <a:extLst>
+              <a:ext uri="{28A0092B-C50C-407E-A947-70E740481C1C}">
+                <a14:useLocalDpi xmlns:a14="http://schemas.microsoft.com/office/drawing/2010/main" val="0"/>
+              </a:ext>
+            </a:extLst>
+          </a:blip>
+          <a:srcRect l="8275" t="9476" r="9092" b="15927"/>
+          <a:stretch/>
+        </p:blipFill>
+        <p:spPr bwMode="auto">
+          <a:xfrm>
+            <a:off x="44408" y="1113789"/>
+            <a:ext cx="9078384" cy="4607684"/>
+          </a:xfrm>
+          <a:prstGeom prst="rect">
+            <a:avLst/>
+          </a:prstGeom>
+          <a:noFill/>
+          <a:ln>
+            <a:noFill/>
+          </a:ln>
+          <a:extLst>
+            <a:ext uri="{909E8E84-426E-40DD-AFC4-6F175D3DCCD1}">
+              <a14:hiddenFill xmlns:a14="http://schemas.microsoft.com/office/drawing/2010/main">
+                <a:solidFill>
+                  <a:schemeClr val="accent1"/>
+                </a:solidFill>
+              </a14:hiddenFill>
+            </a:ext>
+            <a:ext uri="{91240B29-F687-4F45-9708-019B960494DF}">
+              <a14:hiddenLine xmlns:a14="http://schemas.microsoft.com/office/drawing/2010/main" w="9525">
+                <a:solidFill>
+                  <a:schemeClr val="tx1"/>
+                </a:solidFill>
+                <a:miter lim="800000"/>
+                <a:headEnd/>
+                <a:tailEnd/>
+              </a14:hiddenLine>
+            </a:ext>
+          </a:extLst>
+        </p:spPr>
+      </p:pic>
+      <p:sp>
+        <p:nvSpPr>
+          <p:cNvPr id="6" name="5 Elipse"/>
+          <p:cNvSpPr/>
+          <p:nvPr/>
+        </p:nvSpPr>
+        <p:spPr>
+          <a:xfrm>
+            <a:off x="8532440" y="2276872"/>
+            <a:ext cx="237681" cy="223557"/>
+          </a:xfrm>
+          <a:prstGeom prst="ellipse">
+            <a:avLst/>
+          </a:prstGeom>
+          <a:solidFill>
+            <a:srgbClr val="0070C0"/>
+          </a:solidFill>
+          <a:ln>
+            <a:noFill/>
+          </a:ln>
+        </p:spPr>
+        <p:style>
+          <a:lnRef idx="2">
+            <a:schemeClr val="accent1">
+              <a:shade val="50000"/>
+            </a:schemeClr>
+          </a:lnRef>
+          <a:fillRef idx="1">
+            <a:schemeClr val="accent1"/>
+          </a:fillRef>
+          <a:effectRef idx="0">
+            <a:schemeClr val="accent1"/>
+          </a:effectRef>
+          <a:fontRef idx="minor">
+            <a:schemeClr val="lt1"/>
+          </a:fontRef>
+        </p:style>
+        <p:txBody>
+          <a:bodyPr rtlCol="0" anchor="ctr"/>
+          <a:lstStyle/>
+          <a:p>
+            <a:pPr algn="ctr"/>
+            <a:r>
+              <a:rPr lang="en-GB" sz="1200" dirty="0" smtClean="0"/>
+              <a:t>1</a:t>
+            </a:r>
+            <a:endParaRPr lang="en-GB" sz="1200" dirty="0"/>
+          </a:p>
+        </p:txBody>
+      </p:sp>
+      <p:sp>
+        <p:nvSpPr>
+          <p:cNvPr id="7" name="6 Elipse"/>
+          <p:cNvSpPr/>
+          <p:nvPr/>
+        </p:nvSpPr>
+        <p:spPr>
+          <a:xfrm>
+            <a:off x="8532439" y="3068960"/>
+            <a:ext cx="237681" cy="223557"/>
+          </a:xfrm>
+          <a:prstGeom prst="ellipse">
+            <a:avLst/>
+          </a:prstGeom>
+          <a:solidFill>
+            <a:srgbClr val="0070C0"/>
+          </a:solidFill>
+          <a:ln>
+            <a:noFill/>
+          </a:ln>
+        </p:spPr>
+        <p:style>
+          <a:lnRef idx="2">
+            <a:schemeClr val="accent1">
+              <a:shade val="50000"/>
+            </a:schemeClr>
+          </a:lnRef>
+          <a:fillRef idx="1">
+            <a:schemeClr val="accent1"/>
+          </a:fillRef>
+          <a:effectRef idx="0">
+            <a:schemeClr val="accent1"/>
+          </a:effectRef>
+          <a:fontRef idx="minor">
+            <a:schemeClr val="lt1"/>
+          </a:fontRef>
+        </p:style>
+        <p:txBody>
+          <a:bodyPr rtlCol="0" anchor="ctr"/>
+          <a:lstStyle/>
+          <a:p>
+            <a:pPr algn="ctr"/>
+            <a:r>
+              <a:rPr lang="en-GB" sz="1200" dirty="0" smtClean="0"/>
+              <a:t>2</a:t>
+            </a:r>
+            <a:endParaRPr lang="en-GB" sz="1200" dirty="0"/>
+          </a:p>
+        </p:txBody>
+      </p:sp>
+    </p:spTree>
+    <p:extLst>
+      <p:ext uri="{BB962C8B-B14F-4D97-AF65-F5344CB8AC3E}">
+        <p14:creationId xmlns:p14="http://schemas.microsoft.com/office/powerpoint/2010/main" val="3783672564"/>
+      </p:ext>
+    </p:extLst>
+  </p:cSld>
+  <p:clrMapOvr>
+    <a:masterClrMapping/>
+  </p:clrMapOvr>
+</p:sld>
+</file>
+
+<file path=ppt/slides/slide17.xml><?xml version="1.0" encoding="utf-8"?>
+<p:sld xmlns:a="http://schemas.openxmlformats.org/drawingml/2006/main" xmlns:r="http://schemas.openxmlformats.org/officeDocument/2006/relationships" xmlns:p="http://schemas.openxmlformats.org/presentationml/2006/main">
+  <p:cSld>
+    <p:spTree>
+      <p:nvGrpSpPr>
+        <p:cNvPr id="1" name=""/>
+        <p:cNvGrpSpPr/>
+        <p:nvPr/>
+      </p:nvGrpSpPr>
+      <p:grpSpPr>
+        <a:xfrm>
+          <a:off x="0" y="0"/>
+          <a:ext cx="0" cy="0"/>
+          <a:chOff x="0" y="0"/>
+          <a:chExt cx="0" cy="0"/>
+        </a:xfrm>
+      </p:grpSpPr>
+      <p:pic>
+        <p:nvPicPr>
+          <p:cNvPr id="1025" name="Picture 1"/>
+          <p:cNvPicPr>
+            <a:picLocks noChangeAspect="1" noChangeArrowheads="1"/>
+          </p:cNvPicPr>
+          <p:nvPr/>
+        </p:nvPicPr>
+        <p:blipFill>
+          <a:blip r:embed="rId2">
+            <a:extLst>
+              <a:ext uri="{28A0092B-C50C-407E-A947-70E740481C1C}">
+                <a14:useLocalDpi xmlns:a14="http://schemas.microsoft.com/office/drawing/2010/main" val="0"/>
+              </a:ext>
+            </a:extLst>
+          </a:blip>
+          <a:srcRect/>
+          <a:stretch>
+            <a:fillRect/>
+          </a:stretch>
+        </p:blipFill>
+        <p:spPr bwMode="auto">
+          <a:xfrm>
+            <a:off x="-401831" y="2132856"/>
+            <a:ext cx="9896476" cy="3248025"/>
+          </a:xfrm>
+          <a:prstGeom prst="rect">
+            <a:avLst/>
+          </a:prstGeom>
+          <a:noFill/>
+          <a:ln>
+            <a:noFill/>
+          </a:ln>
+          <a:effectLst/>
+          <a:extLst>
+            <a:ext uri="{909E8E84-426E-40DD-AFC4-6F175D3DCCD1}">
+              <a14:hiddenFill xmlns:a14="http://schemas.microsoft.com/office/drawing/2010/main">
+                <a:solidFill>
+                  <a:schemeClr val="accent1"/>
+                </a:solidFill>
+              </a14:hiddenFill>
+            </a:ext>
+            <a:ext uri="{91240B29-F687-4F45-9708-019B960494DF}">
+              <a14:hiddenLine xmlns:a14="http://schemas.microsoft.com/office/drawing/2010/main" w="9525">
+                <a:solidFill>
+                  <a:schemeClr val="tx1"/>
+                </a:solidFill>
+                <a:miter lim="800000"/>
+                <a:headEnd/>
+                <a:tailEnd/>
+              </a14:hiddenLine>
+            </a:ext>
+            <a:ext uri="{AF507438-7753-43E0-B8FC-AC1667EBCBE1}">
+              <a14:hiddenEffects xmlns:a14="http://schemas.microsoft.com/office/drawing/2010/main">
+                <a:effectLst>
+                  <a:outerShdw dist="35921" dir="2700000" algn="ctr" rotWithShape="0">
+                    <a:schemeClr val="bg2"/>
+                  </a:outerShdw>
+                </a:effectLst>
+              </a14:hiddenEffects>
+            </a:ext>
+          </a:extLst>
+        </p:spPr>
+      </p:pic>
+    </p:spTree>
+    <p:extLst>
+      <p:ext uri="{BB962C8B-B14F-4D97-AF65-F5344CB8AC3E}">
+        <p14:creationId xmlns:p14="http://schemas.microsoft.com/office/powerpoint/2010/main" val="3919686828"/>
+      </p:ext>
+    </p:extLst>
+  </p:cSld>
+  <p:clrMapOvr>
+    <a:masterClrMapping/>
+  </p:clrMapOvr>
+</p:sld>
+</file>
+
+<file path=ppt/slides/slide18.xml><?xml version="1.0" encoding="utf-8"?>
+<p:sld xmlns:a="http://schemas.openxmlformats.org/drawingml/2006/main" xmlns:r="http://schemas.openxmlformats.org/officeDocument/2006/relationships" xmlns:p="http://schemas.openxmlformats.org/presentationml/2006/main">
+  <p:cSld>
+    <p:spTree>
+      <p:nvGrpSpPr>
+        <p:cNvPr id="1" name=""/>
+        <p:cNvGrpSpPr/>
+        <p:nvPr/>
+      </p:nvGrpSpPr>
+      <p:grpSpPr>
+        <a:xfrm>
+          <a:off x="0" y="0"/>
+          <a:ext cx="0" cy="0"/>
+          <a:chOff x="0" y="0"/>
+          <a:chExt cx="0" cy="0"/>
+        </a:xfrm>
+      </p:grpSpPr>
+      <p:pic>
+        <p:nvPicPr>
+          <p:cNvPr id="2050" name="Picture 2"/>
+          <p:cNvPicPr>
+            <a:picLocks noChangeAspect="1" noChangeArrowheads="1"/>
+          </p:cNvPicPr>
+          <p:nvPr/>
+        </p:nvPicPr>
+        <p:blipFill>
+          <a:blip r:embed="rId2">
+            <a:extLst>
+              <a:ext uri="{28A0092B-C50C-407E-A947-70E740481C1C}">
+                <a14:useLocalDpi xmlns:a14="http://schemas.microsoft.com/office/drawing/2010/main" val="0"/>
+              </a:ext>
+            </a:extLst>
+          </a:blip>
+          <a:srcRect/>
+          <a:stretch>
+            <a:fillRect/>
+          </a:stretch>
+        </p:blipFill>
+        <p:spPr bwMode="auto">
+          <a:xfrm>
+            <a:off x="-757238" y="1328738"/>
+            <a:ext cx="10658476" cy="4200525"/>
+          </a:xfrm>
+          <a:prstGeom prst="rect">
+            <a:avLst/>
+          </a:prstGeom>
+          <a:noFill/>
+          <a:ln>
+            <a:noFill/>
+          </a:ln>
+          <a:effectLst/>
+          <a:extLst>
+            <a:ext uri="{909E8E84-426E-40DD-AFC4-6F175D3DCCD1}">
+              <a14:hiddenFill xmlns:a14="http://schemas.microsoft.com/office/drawing/2010/main">
+                <a:solidFill>
+                  <a:schemeClr val="accent1"/>
+                </a:solidFill>
+              </a14:hiddenFill>
+            </a:ext>
+            <a:ext uri="{91240B29-F687-4F45-9708-019B960494DF}">
+              <a14:hiddenLine xmlns:a14="http://schemas.microsoft.com/office/drawing/2010/main" w="9525">
+                <a:solidFill>
+                  <a:schemeClr val="tx1"/>
+                </a:solidFill>
+                <a:miter lim="800000"/>
+                <a:headEnd/>
+                <a:tailEnd/>
+              </a14:hiddenLine>
+            </a:ext>
+            <a:ext uri="{AF507438-7753-43E0-B8FC-AC1667EBCBE1}">
+              <a14:hiddenEffects xmlns:a14="http://schemas.microsoft.com/office/drawing/2010/main">
+                <a:effectLst>
+                  <a:outerShdw dist="35921" dir="2700000" algn="ctr" rotWithShape="0">
+                    <a:schemeClr val="bg2"/>
+                  </a:outerShdw>
+                </a:effectLst>
+              </a14:hiddenEffects>
+            </a:ext>
+          </a:extLst>
+        </p:spPr>
+      </p:pic>
+    </p:spTree>
+    <p:extLst>
+      <p:ext uri="{BB962C8B-B14F-4D97-AF65-F5344CB8AC3E}">
+        <p14:creationId xmlns:p14="http://schemas.microsoft.com/office/powerpoint/2010/main" val="704962854"/>
+      </p:ext>
+    </p:extLst>
+  </p:cSld>
+  <p:clrMapOvr>
+    <a:masterClrMapping/>
+  </p:clrMapOvr>
+</p:sld>
+</file>
+
+<file path=ppt/slides/slide19.xml><?xml version="1.0" encoding="utf-8"?>
+<p:sld xmlns:a="http://schemas.openxmlformats.org/drawingml/2006/main" xmlns:r="http://schemas.openxmlformats.org/officeDocument/2006/relationships" xmlns:p="http://schemas.openxmlformats.org/presentationml/2006/main">
+  <p:cSld>
+    <p:spTree>
+      <p:nvGrpSpPr>
+        <p:cNvPr id="1" name=""/>
+        <p:cNvGrpSpPr/>
+        <p:nvPr/>
+      </p:nvGrpSpPr>
+      <p:grpSpPr>
+        <a:xfrm>
+          <a:off x="0" y="0"/>
+          <a:ext cx="0" cy="0"/>
+          <a:chOff x="0" y="0"/>
+          <a:chExt cx="0" cy="0"/>
+        </a:xfrm>
+      </p:grpSpPr>
+      <p:pic>
+        <p:nvPicPr>
+          <p:cNvPr id="6" name="Picture 3"/>
+          <p:cNvPicPr>
+            <a:picLocks noChangeAspect="1" noChangeArrowheads="1"/>
+          </p:cNvPicPr>
+          <p:nvPr/>
+        </p:nvPicPr>
+        <p:blipFill rotWithShape="1">
+          <a:blip r:embed="rId2">
+            <a:extLst>
+              <a:ext uri="{28A0092B-C50C-407E-A947-70E740481C1C}">
+                <a14:useLocalDpi xmlns:a14="http://schemas.microsoft.com/office/drawing/2010/main" val="0"/>
+              </a:ext>
+            </a:extLst>
+          </a:blip>
+          <a:srcRect l="9408" t="8729" r="10014" b="7220"/>
+          <a:stretch/>
+        </p:blipFill>
+        <p:spPr bwMode="auto">
+          <a:xfrm>
+            <a:off x="-709449" y="409902"/>
+            <a:ext cx="10484069" cy="6148553"/>
+          </a:xfrm>
+          <a:prstGeom prst="rect">
+            <a:avLst/>
+          </a:prstGeom>
+          <a:noFill/>
+          <a:ln>
+            <a:noFill/>
+          </a:ln>
+          <a:extLst>
+            <a:ext uri="{909E8E84-426E-40DD-AFC4-6F175D3DCCD1}">
+              <a14:hiddenFill xmlns:a14="http://schemas.microsoft.com/office/drawing/2010/main">
+                <a:solidFill>
+                  <a:schemeClr val="accent1"/>
+                </a:solidFill>
+              </a14:hiddenFill>
+            </a:ext>
+            <a:ext uri="{91240B29-F687-4F45-9708-019B960494DF}">
+              <a14:hiddenLine xmlns:a14="http://schemas.microsoft.com/office/drawing/2010/main" w="9525">
+                <a:solidFill>
+                  <a:schemeClr val="tx1"/>
+                </a:solidFill>
+                <a:miter lim="800000"/>
+                <a:headEnd/>
+                <a:tailEnd/>
+              </a14:hiddenLine>
+            </a:ext>
+          </a:extLst>
+        </p:spPr>
+      </p:pic>
+    </p:spTree>
+    <p:extLst>
+      <p:ext uri="{BB962C8B-B14F-4D97-AF65-F5344CB8AC3E}">
+        <p14:creationId xmlns:p14="http://schemas.microsoft.com/office/powerpoint/2010/main" val="3889885499"/>
       </p:ext>
     </p:extLst>
   </p:cSld>
@@ -3992,6 +6437,1336 @@
 </p:sld>
 </file>
 
+<file path=ppt/slides/slide20.xml><?xml version="1.0" encoding="utf-8"?>
+<p:sld xmlns:a="http://schemas.openxmlformats.org/drawingml/2006/main" xmlns:r="http://schemas.openxmlformats.org/officeDocument/2006/relationships" xmlns:p="http://schemas.openxmlformats.org/presentationml/2006/main">
+  <p:cSld>
+    <p:spTree>
+      <p:nvGrpSpPr>
+        <p:cNvPr id="1" name=""/>
+        <p:cNvGrpSpPr/>
+        <p:nvPr/>
+      </p:nvGrpSpPr>
+      <p:grpSpPr>
+        <a:xfrm>
+          <a:off x="0" y="0"/>
+          <a:ext cx="0" cy="0"/>
+          <a:chOff x="0" y="0"/>
+          <a:chExt cx="0" cy="0"/>
+        </a:xfrm>
+      </p:grpSpPr>
+      <p:pic>
+        <p:nvPicPr>
+          <p:cNvPr id="5" name="Picture 2"/>
+          <p:cNvPicPr>
+            <a:picLocks noChangeAspect="1" noChangeArrowheads="1"/>
+          </p:cNvPicPr>
+          <p:nvPr/>
+        </p:nvPicPr>
+        <p:blipFill rotWithShape="1">
+          <a:blip r:embed="rId2">
+            <a:extLst>
+              <a:ext uri="{28A0092B-C50C-407E-A947-70E740481C1C}">
+                <a14:useLocalDpi xmlns:a14="http://schemas.microsoft.com/office/drawing/2010/main" val="0"/>
+              </a:ext>
+            </a:extLst>
+          </a:blip>
+          <a:srcRect l="8955" t="9072" r="9999" b="11492"/>
+          <a:stretch/>
+        </p:blipFill>
+        <p:spPr bwMode="auto">
+          <a:xfrm>
+            <a:off x="-618902" y="476672"/>
+            <a:ext cx="10545097" cy="5810865"/>
+          </a:xfrm>
+          <a:prstGeom prst="rect">
+            <a:avLst/>
+          </a:prstGeom>
+          <a:noFill/>
+          <a:ln>
+            <a:noFill/>
+          </a:ln>
+          <a:extLst>
+            <a:ext uri="{909E8E84-426E-40DD-AFC4-6F175D3DCCD1}">
+              <a14:hiddenFill xmlns:a14="http://schemas.microsoft.com/office/drawing/2010/main">
+                <a:solidFill>
+                  <a:schemeClr val="accent1"/>
+                </a:solidFill>
+              </a14:hiddenFill>
+            </a:ext>
+            <a:ext uri="{91240B29-F687-4F45-9708-019B960494DF}">
+              <a14:hiddenLine xmlns:a14="http://schemas.microsoft.com/office/drawing/2010/main" w="9525">
+                <a:solidFill>
+                  <a:schemeClr val="tx1"/>
+                </a:solidFill>
+                <a:miter lim="800000"/>
+                <a:headEnd/>
+                <a:tailEnd/>
+              </a14:hiddenLine>
+            </a:ext>
+          </a:extLst>
+        </p:spPr>
+      </p:pic>
+      <p:sp>
+        <p:nvSpPr>
+          <p:cNvPr id="7" name="6 Elipse"/>
+          <p:cNvSpPr/>
+          <p:nvPr/>
+        </p:nvSpPr>
+        <p:spPr>
+          <a:xfrm>
+            <a:off x="9718789" y="1192425"/>
+            <a:ext cx="237681" cy="223557"/>
+          </a:xfrm>
+          <a:prstGeom prst="ellipse">
+            <a:avLst/>
+          </a:prstGeom>
+          <a:solidFill>
+            <a:srgbClr val="0070C0"/>
+          </a:solidFill>
+          <a:ln>
+            <a:noFill/>
+          </a:ln>
+        </p:spPr>
+        <p:style>
+          <a:lnRef idx="2">
+            <a:schemeClr val="accent1">
+              <a:shade val="50000"/>
+            </a:schemeClr>
+          </a:lnRef>
+          <a:fillRef idx="1">
+            <a:schemeClr val="accent1"/>
+          </a:fillRef>
+          <a:effectRef idx="0">
+            <a:schemeClr val="accent1"/>
+          </a:effectRef>
+          <a:fontRef idx="minor">
+            <a:schemeClr val="lt1"/>
+          </a:fontRef>
+        </p:style>
+        <p:txBody>
+          <a:bodyPr rtlCol="0" anchor="ctr"/>
+          <a:lstStyle/>
+          <a:p>
+            <a:pPr algn="ctr"/>
+            <a:r>
+              <a:rPr lang="en-GB" sz="1200" dirty="0" smtClean="0"/>
+              <a:t>1</a:t>
+            </a:r>
+            <a:endParaRPr lang="en-GB" sz="1200" dirty="0"/>
+          </a:p>
+        </p:txBody>
+      </p:sp>
+      <p:sp>
+        <p:nvSpPr>
+          <p:cNvPr id="8" name="7 Elipse"/>
+          <p:cNvSpPr/>
+          <p:nvPr/>
+        </p:nvSpPr>
+        <p:spPr>
+          <a:xfrm>
+            <a:off x="9718789" y="1758528"/>
+            <a:ext cx="237681" cy="223557"/>
+          </a:xfrm>
+          <a:prstGeom prst="ellipse">
+            <a:avLst/>
+          </a:prstGeom>
+          <a:solidFill>
+            <a:srgbClr val="0070C0"/>
+          </a:solidFill>
+          <a:ln>
+            <a:noFill/>
+          </a:ln>
+        </p:spPr>
+        <p:style>
+          <a:lnRef idx="2">
+            <a:schemeClr val="accent1">
+              <a:shade val="50000"/>
+            </a:schemeClr>
+          </a:lnRef>
+          <a:fillRef idx="1">
+            <a:schemeClr val="accent1"/>
+          </a:fillRef>
+          <a:effectRef idx="0">
+            <a:schemeClr val="accent1"/>
+          </a:effectRef>
+          <a:fontRef idx="minor">
+            <a:schemeClr val="lt1"/>
+          </a:fontRef>
+        </p:style>
+        <p:txBody>
+          <a:bodyPr rtlCol="0" anchor="ctr"/>
+          <a:lstStyle/>
+          <a:p>
+            <a:pPr algn="ctr"/>
+            <a:r>
+              <a:rPr lang="en-GB" sz="1200" dirty="0" smtClean="0"/>
+              <a:t>2</a:t>
+            </a:r>
+            <a:endParaRPr lang="en-GB" sz="1200" dirty="0"/>
+          </a:p>
+        </p:txBody>
+      </p:sp>
+      <p:sp>
+        <p:nvSpPr>
+          <p:cNvPr id="9" name="8 Elipse"/>
+          <p:cNvSpPr/>
+          <p:nvPr/>
+        </p:nvSpPr>
+        <p:spPr>
+          <a:xfrm>
+            <a:off x="9718789" y="2492896"/>
+            <a:ext cx="237681" cy="223557"/>
+          </a:xfrm>
+          <a:prstGeom prst="ellipse">
+            <a:avLst/>
+          </a:prstGeom>
+          <a:solidFill>
+            <a:srgbClr val="0070C0"/>
+          </a:solidFill>
+          <a:ln>
+            <a:noFill/>
+          </a:ln>
+        </p:spPr>
+        <p:style>
+          <a:lnRef idx="2">
+            <a:schemeClr val="accent1">
+              <a:shade val="50000"/>
+            </a:schemeClr>
+          </a:lnRef>
+          <a:fillRef idx="1">
+            <a:schemeClr val="accent1"/>
+          </a:fillRef>
+          <a:effectRef idx="0">
+            <a:schemeClr val="accent1"/>
+          </a:effectRef>
+          <a:fontRef idx="minor">
+            <a:schemeClr val="lt1"/>
+          </a:fontRef>
+        </p:style>
+        <p:txBody>
+          <a:bodyPr rtlCol="0" anchor="ctr"/>
+          <a:lstStyle/>
+          <a:p>
+            <a:pPr algn="ctr"/>
+            <a:r>
+              <a:rPr lang="en-GB" sz="1200" dirty="0" smtClean="0"/>
+              <a:t>3</a:t>
+            </a:r>
+            <a:endParaRPr lang="en-GB" sz="1200" dirty="0"/>
+          </a:p>
+        </p:txBody>
+      </p:sp>
+      <p:sp>
+        <p:nvSpPr>
+          <p:cNvPr id="10" name="9 Elipse"/>
+          <p:cNvSpPr/>
+          <p:nvPr/>
+        </p:nvSpPr>
+        <p:spPr>
+          <a:xfrm>
+            <a:off x="9718789" y="3047139"/>
+            <a:ext cx="237681" cy="223557"/>
+          </a:xfrm>
+          <a:prstGeom prst="ellipse">
+            <a:avLst/>
+          </a:prstGeom>
+          <a:solidFill>
+            <a:srgbClr val="0070C0"/>
+          </a:solidFill>
+          <a:ln>
+            <a:noFill/>
+          </a:ln>
+        </p:spPr>
+        <p:style>
+          <a:lnRef idx="2">
+            <a:schemeClr val="accent1">
+              <a:shade val="50000"/>
+            </a:schemeClr>
+          </a:lnRef>
+          <a:fillRef idx="1">
+            <a:schemeClr val="accent1"/>
+          </a:fillRef>
+          <a:effectRef idx="0">
+            <a:schemeClr val="accent1"/>
+          </a:effectRef>
+          <a:fontRef idx="minor">
+            <a:schemeClr val="lt1"/>
+          </a:fontRef>
+        </p:style>
+        <p:txBody>
+          <a:bodyPr rtlCol="0" anchor="ctr"/>
+          <a:lstStyle/>
+          <a:p>
+            <a:pPr algn="ctr"/>
+            <a:r>
+              <a:rPr lang="en-GB" sz="1200" dirty="0" smtClean="0"/>
+              <a:t>4</a:t>
+            </a:r>
+            <a:endParaRPr lang="en-GB" sz="1200" dirty="0"/>
+          </a:p>
+        </p:txBody>
+      </p:sp>
+      <p:sp>
+        <p:nvSpPr>
+          <p:cNvPr id="11" name="10 Elipse"/>
+          <p:cNvSpPr/>
+          <p:nvPr/>
+        </p:nvSpPr>
+        <p:spPr>
+          <a:xfrm>
+            <a:off x="9718789" y="3471864"/>
+            <a:ext cx="237681" cy="223557"/>
+          </a:xfrm>
+          <a:prstGeom prst="ellipse">
+            <a:avLst/>
+          </a:prstGeom>
+          <a:solidFill>
+            <a:srgbClr val="0070C0"/>
+          </a:solidFill>
+          <a:ln>
+            <a:noFill/>
+          </a:ln>
+        </p:spPr>
+        <p:style>
+          <a:lnRef idx="2">
+            <a:schemeClr val="accent1">
+              <a:shade val="50000"/>
+            </a:schemeClr>
+          </a:lnRef>
+          <a:fillRef idx="1">
+            <a:schemeClr val="accent1"/>
+          </a:fillRef>
+          <a:effectRef idx="0">
+            <a:schemeClr val="accent1"/>
+          </a:effectRef>
+          <a:fontRef idx="minor">
+            <a:schemeClr val="lt1"/>
+          </a:fontRef>
+        </p:style>
+        <p:txBody>
+          <a:bodyPr rtlCol="0" anchor="ctr"/>
+          <a:lstStyle/>
+          <a:p>
+            <a:pPr algn="ctr"/>
+            <a:r>
+              <a:rPr lang="en-GB" sz="1200" dirty="0" smtClean="0"/>
+              <a:t>5</a:t>
+            </a:r>
+            <a:endParaRPr lang="en-GB" sz="1200" dirty="0"/>
+          </a:p>
+        </p:txBody>
+      </p:sp>
+      <p:sp>
+        <p:nvSpPr>
+          <p:cNvPr id="12" name="11 Elipse"/>
+          <p:cNvSpPr/>
+          <p:nvPr/>
+        </p:nvSpPr>
+        <p:spPr>
+          <a:xfrm>
+            <a:off x="9718789" y="3896947"/>
+            <a:ext cx="237681" cy="223557"/>
+          </a:xfrm>
+          <a:prstGeom prst="ellipse">
+            <a:avLst/>
+          </a:prstGeom>
+          <a:solidFill>
+            <a:srgbClr val="0070C0"/>
+          </a:solidFill>
+          <a:ln>
+            <a:noFill/>
+          </a:ln>
+        </p:spPr>
+        <p:style>
+          <a:lnRef idx="2">
+            <a:schemeClr val="accent1">
+              <a:shade val="50000"/>
+            </a:schemeClr>
+          </a:lnRef>
+          <a:fillRef idx="1">
+            <a:schemeClr val="accent1"/>
+          </a:fillRef>
+          <a:effectRef idx="0">
+            <a:schemeClr val="accent1"/>
+          </a:effectRef>
+          <a:fontRef idx="minor">
+            <a:schemeClr val="lt1"/>
+          </a:fontRef>
+        </p:style>
+        <p:txBody>
+          <a:bodyPr rtlCol="0" anchor="ctr"/>
+          <a:lstStyle/>
+          <a:p>
+            <a:pPr algn="ctr"/>
+            <a:r>
+              <a:rPr lang="en-GB" sz="1200" dirty="0" smtClean="0"/>
+              <a:t>6</a:t>
+            </a:r>
+            <a:endParaRPr lang="en-GB" sz="1200" dirty="0"/>
+          </a:p>
+        </p:txBody>
+      </p:sp>
+    </p:spTree>
+    <p:extLst>
+      <p:ext uri="{BB962C8B-B14F-4D97-AF65-F5344CB8AC3E}">
+        <p14:creationId xmlns:p14="http://schemas.microsoft.com/office/powerpoint/2010/main" val="2645206533"/>
+      </p:ext>
+    </p:extLst>
+  </p:cSld>
+  <p:clrMapOvr>
+    <a:masterClrMapping/>
+  </p:clrMapOvr>
+</p:sld>
+</file>
+
+<file path=ppt/slides/slide21.xml><?xml version="1.0" encoding="utf-8"?>
+<p:sld xmlns:a="http://schemas.openxmlformats.org/drawingml/2006/main" xmlns:r="http://schemas.openxmlformats.org/officeDocument/2006/relationships" xmlns:p="http://schemas.openxmlformats.org/presentationml/2006/main">
+  <p:cSld>
+    <p:spTree>
+      <p:nvGrpSpPr>
+        <p:cNvPr id="1" name=""/>
+        <p:cNvGrpSpPr/>
+        <p:nvPr/>
+      </p:nvGrpSpPr>
+      <p:grpSpPr>
+        <a:xfrm>
+          <a:off x="0" y="0"/>
+          <a:ext cx="0" cy="0"/>
+          <a:chOff x="0" y="0"/>
+          <a:chExt cx="0" cy="0"/>
+        </a:xfrm>
+      </p:grpSpPr>
+      <p:pic>
+        <p:nvPicPr>
+          <p:cNvPr id="2050" name="Picture 2"/>
+          <p:cNvPicPr>
+            <a:picLocks noChangeAspect="1" noChangeArrowheads="1"/>
+          </p:cNvPicPr>
+          <p:nvPr/>
+        </p:nvPicPr>
+        <p:blipFill>
+          <a:blip r:embed="rId2">
+            <a:extLst>
+              <a:ext uri="{28A0092B-C50C-407E-A947-70E740481C1C}">
+                <a14:useLocalDpi xmlns:a14="http://schemas.microsoft.com/office/drawing/2010/main" val="0"/>
+              </a:ext>
+            </a:extLst>
+          </a:blip>
+          <a:srcRect/>
+          <a:stretch>
+            <a:fillRect/>
+          </a:stretch>
+        </p:blipFill>
+        <p:spPr bwMode="auto">
+          <a:xfrm>
+            <a:off x="-585788" y="1519238"/>
+            <a:ext cx="10315576" cy="3819525"/>
+          </a:xfrm>
+          <a:prstGeom prst="rect">
+            <a:avLst/>
+          </a:prstGeom>
+          <a:noFill/>
+          <a:ln>
+            <a:noFill/>
+          </a:ln>
+          <a:effectLst/>
+          <a:extLst>
+            <a:ext uri="{909E8E84-426E-40DD-AFC4-6F175D3DCCD1}">
+              <a14:hiddenFill xmlns:a14="http://schemas.microsoft.com/office/drawing/2010/main">
+                <a:solidFill>
+                  <a:schemeClr val="accent1"/>
+                </a:solidFill>
+              </a14:hiddenFill>
+            </a:ext>
+            <a:ext uri="{91240B29-F687-4F45-9708-019B960494DF}">
+              <a14:hiddenLine xmlns:a14="http://schemas.microsoft.com/office/drawing/2010/main" w="9525">
+                <a:solidFill>
+                  <a:schemeClr val="tx1"/>
+                </a:solidFill>
+                <a:miter lim="800000"/>
+                <a:headEnd/>
+                <a:tailEnd/>
+              </a14:hiddenLine>
+            </a:ext>
+            <a:ext uri="{AF507438-7753-43E0-B8FC-AC1667EBCBE1}">
+              <a14:hiddenEffects xmlns:a14="http://schemas.microsoft.com/office/drawing/2010/main">
+                <a:effectLst>
+                  <a:outerShdw dist="35921" dir="2700000" algn="ctr" rotWithShape="0">
+                    <a:schemeClr val="bg2"/>
+                  </a:outerShdw>
+                </a:effectLst>
+              </a14:hiddenEffects>
+            </a:ext>
+          </a:extLst>
+        </p:spPr>
+      </p:pic>
+    </p:spTree>
+    <p:extLst>
+      <p:ext uri="{BB962C8B-B14F-4D97-AF65-F5344CB8AC3E}">
+        <p14:creationId xmlns:p14="http://schemas.microsoft.com/office/powerpoint/2010/main" val="1802717265"/>
+      </p:ext>
+    </p:extLst>
+  </p:cSld>
+  <p:clrMapOvr>
+    <a:masterClrMapping/>
+  </p:clrMapOvr>
+</p:sld>
+</file>
+
+<file path=ppt/slides/slide22.xml><?xml version="1.0" encoding="utf-8"?>
+<p:sld xmlns:a="http://schemas.openxmlformats.org/drawingml/2006/main" xmlns:r="http://schemas.openxmlformats.org/officeDocument/2006/relationships" xmlns:p="http://schemas.openxmlformats.org/presentationml/2006/main">
+  <p:cSld>
+    <p:spTree>
+      <p:nvGrpSpPr>
+        <p:cNvPr id="1" name=""/>
+        <p:cNvGrpSpPr/>
+        <p:nvPr/>
+      </p:nvGrpSpPr>
+      <p:grpSpPr>
+        <a:xfrm>
+          <a:off x="0" y="0"/>
+          <a:ext cx="0" cy="0"/>
+          <a:chOff x="0" y="0"/>
+          <a:chExt cx="0" cy="0"/>
+        </a:xfrm>
+      </p:grpSpPr>
+      <p:pic>
+        <p:nvPicPr>
+          <p:cNvPr id="3074" name="Picture 2"/>
+          <p:cNvPicPr>
+            <a:picLocks noChangeAspect="1" noChangeArrowheads="1"/>
+          </p:cNvPicPr>
+          <p:nvPr/>
+        </p:nvPicPr>
+        <p:blipFill>
+          <a:blip r:embed="rId2">
+            <a:extLst>
+              <a:ext uri="{28A0092B-C50C-407E-A947-70E740481C1C}">
+                <a14:useLocalDpi xmlns:a14="http://schemas.microsoft.com/office/drawing/2010/main" val="0"/>
+              </a:ext>
+            </a:extLst>
+          </a:blip>
+          <a:srcRect/>
+          <a:stretch>
+            <a:fillRect/>
+          </a:stretch>
+        </p:blipFill>
+        <p:spPr bwMode="auto">
+          <a:xfrm>
+            <a:off x="-966788" y="947738"/>
+            <a:ext cx="11077576" cy="4962525"/>
+          </a:xfrm>
+          <a:prstGeom prst="rect">
+            <a:avLst/>
+          </a:prstGeom>
+          <a:noFill/>
+          <a:ln>
+            <a:noFill/>
+          </a:ln>
+          <a:effectLst/>
+          <a:extLst>
+            <a:ext uri="{909E8E84-426E-40DD-AFC4-6F175D3DCCD1}">
+              <a14:hiddenFill xmlns:a14="http://schemas.microsoft.com/office/drawing/2010/main">
+                <a:solidFill>
+                  <a:schemeClr val="accent1"/>
+                </a:solidFill>
+              </a14:hiddenFill>
+            </a:ext>
+            <a:ext uri="{91240B29-F687-4F45-9708-019B960494DF}">
+              <a14:hiddenLine xmlns:a14="http://schemas.microsoft.com/office/drawing/2010/main" w="9525">
+                <a:solidFill>
+                  <a:schemeClr val="tx1"/>
+                </a:solidFill>
+                <a:miter lim="800000"/>
+                <a:headEnd/>
+                <a:tailEnd/>
+              </a14:hiddenLine>
+            </a:ext>
+            <a:ext uri="{AF507438-7753-43E0-B8FC-AC1667EBCBE1}">
+              <a14:hiddenEffects xmlns:a14="http://schemas.microsoft.com/office/drawing/2010/main">
+                <a:effectLst>
+                  <a:outerShdw dist="35921" dir="2700000" algn="ctr" rotWithShape="0">
+                    <a:schemeClr val="bg2"/>
+                  </a:outerShdw>
+                </a:effectLst>
+              </a14:hiddenEffects>
+            </a:ext>
+          </a:extLst>
+        </p:spPr>
+      </p:pic>
+    </p:spTree>
+    <p:extLst>
+      <p:ext uri="{BB962C8B-B14F-4D97-AF65-F5344CB8AC3E}">
+        <p14:creationId xmlns:p14="http://schemas.microsoft.com/office/powerpoint/2010/main" val="3253886161"/>
+      </p:ext>
+    </p:extLst>
+  </p:cSld>
+  <p:clrMapOvr>
+    <a:masterClrMapping/>
+  </p:clrMapOvr>
+</p:sld>
+</file>
+
+<file path=ppt/slides/slide23.xml><?xml version="1.0" encoding="utf-8"?>
+<p:sld xmlns:a="http://schemas.openxmlformats.org/drawingml/2006/main" xmlns:r="http://schemas.openxmlformats.org/officeDocument/2006/relationships" xmlns:p="http://schemas.openxmlformats.org/presentationml/2006/main">
+  <p:cSld>
+    <p:spTree>
+      <p:nvGrpSpPr>
+        <p:cNvPr id="1" name=""/>
+        <p:cNvGrpSpPr/>
+        <p:nvPr/>
+      </p:nvGrpSpPr>
+      <p:grpSpPr>
+        <a:xfrm>
+          <a:off x="0" y="0"/>
+          <a:ext cx="0" cy="0"/>
+          <a:chOff x="0" y="0"/>
+          <a:chExt cx="0" cy="0"/>
+        </a:xfrm>
+      </p:grpSpPr>
+      <p:pic>
+        <p:nvPicPr>
+          <p:cNvPr id="12" name="Picture 2"/>
+          <p:cNvPicPr>
+            <a:picLocks noChangeAspect="1" noChangeArrowheads="1"/>
+          </p:cNvPicPr>
+          <p:nvPr/>
+        </p:nvPicPr>
+        <p:blipFill rotWithShape="1">
+          <a:blip r:embed="rId2">
+            <a:extLst>
+              <a:ext uri="{28A0092B-C50C-407E-A947-70E740481C1C}">
+                <a14:useLocalDpi xmlns:a14="http://schemas.microsoft.com/office/drawing/2010/main" val="0"/>
+              </a:ext>
+            </a:extLst>
+          </a:blip>
+          <a:srcRect l="8724" t="15948" r="10093" b="59052"/>
+          <a:stretch/>
+        </p:blipFill>
+        <p:spPr bwMode="auto">
+          <a:xfrm>
+            <a:off x="-396552" y="1628800"/>
+            <a:ext cx="10562897" cy="1828800"/>
+          </a:xfrm>
+          <a:prstGeom prst="rect">
+            <a:avLst/>
+          </a:prstGeom>
+          <a:noFill/>
+          <a:ln>
+            <a:noFill/>
+          </a:ln>
+          <a:extLst>
+            <a:ext uri="{909E8E84-426E-40DD-AFC4-6F175D3DCCD1}">
+              <a14:hiddenFill xmlns:a14="http://schemas.microsoft.com/office/drawing/2010/main">
+                <a:solidFill>
+                  <a:schemeClr val="accent1"/>
+                </a:solidFill>
+              </a14:hiddenFill>
+            </a:ext>
+            <a:ext uri="{91240B29-F687-4F45-9708-019B960494DF}">
+              <a14:hiddenLine xmlns:a14="http://schemas.microsoft.com/office/drawing/2010/main" w="9525">
+                <a:solidFill>
+                  <a:schemeClr val="tx1"/>
+                </a:solidFill>
+                <a:miter lim="800000"/>
+                <a:headEnd/>
+                <a:tailEnd/>
+              </a14:hiddenLine>
+            </a:ext>
+          </a:extLst>
+        </p:spPr>
+      </p:pic>
+    </p:spTree>
+    <p:extLst>
+      <p:ext uri="{BB962C8B-B14F-4D97-AF65-F5344CB8AC3E}">
+        <p14:creationId xmlns:p14="http://schemas.microsoft.com/office/powerpoint/2010/main" val="2435810611"/>
+      </p:ext>
+    </p:extLst>
+  </p:cSld>
+  <p:clrMapOvr>
+    <a:masterClrMapping/>
+  </p:clrMapOvr>
+</p:sld>
+</file>
+
+<file path=ppt/slides/slide24.xml><?xml version="1.0" encoding="utf-8"?>
+<p:sld xmlns:a="http://schemas.openxmlformats.org/drawingml/2006/main" xmlns:r="http://schemas.openxmlformats.org/officeDocument/2006/relationships" xmlns:p="http://schemas.openxmlformats.org/presentationml/2006/main">
+  <p:cSld>
+    <p:spTree>
+      <p:nvGrpSpPr>
+        <p:cNvPr id="1" name=""/>
+        <p:cNvGrpSpPr/>
+        <p:nvPr/>
+      </p:nvGrpSpPr>
+      <p:grpSpPr>
+        <a:xfrm>
+          <a:off x="0" y="0"/>
+          <a:ext cx="0" cy="0"/>
+          <a:chOff x="0" y="0"/>
+          <a:chExt cx="0" cy="0"/>
+        </a:xfrm>
+      </p:grpSpPr>
+      <p:pic>
+        <p:nvPicPr>
+          <p:cNvPr id="12" name="Picture 2"/>
+          <p:cNvPicPr>
+            <a:picLocks noChangeAspect="1" noChangeArrowheads="1"/>
+          </p:cNvPicPr>
+          <p:nvPr/>
+        </p:nvPicPr>
+        <p:blipFill rotWithShape="1">
+          <a:blip r:embed="rId2">
+            <a:extLst>
+              <a:ext uri="{28A0092B-C50C-407E-A947-70E740481C1C}">
+                <a14:useLocalDpi xmlns:a14="http://schemas.microsoft.com/office/drawing/2010/main" val="0"/>
+              </a:ext>
+            </a:extLst>
+          </a:blip>
+          <a:srcRect l="9451" t="32112" r="10456" b="38793"/>
+          <a:stretch/>
+        </p:blipFill>
+        <p:spPr bwMode="auto">
+          <a:xfrm>
+            <a:off x="-324544" y="2067813"/>
+            <a:ext cx="10421007" cy="2128345"/>
+          </a:xfrm>
+          <a:prstGeom prst="rect">
+            <a:avLst/>
+          </a:prstGeom>
+          <a:noFill/>
+          <a:ln>
+            <a:noFill/>
+          </a:ln>
+          <a:extLst>
+            <a:ext uri="{909E8E84-426E-40DD-AFC4-6F175D3DCCD1}">
+              <a14:hiddenFill xmlns:a14="http://schemas.microsoft.com/office/drawing/2010/main">
+                <a:solidFill>
+                  <a:schemeClr val="accent1"/>
+                </a:solidFill>
+              </a14:hiddenFill>
+            </a:ext>
+            <a:ext uri="{91240B29-F687-4F45-9708-019B960494DF}">
+              <a14:hiddenLine xmlns:a14="http://schemas.microsoft.com/office/drawing/2010/main" w="9525">
+                <a:solidFill>
+                  <a:schemeClr val="tx1"/>
+                </a:solidFill>
+                <a:miter lim="800000"/>
+                <a:headEnd/>
+                <a:tailEnd/>
+              </a14:hiddenLine>
+            </a:ext>
+          </a:extLst>
+        </p:spPr>
+      </p:pic>
+      <p:sp>
+        <p:nvSpPr>
+          <p:cNvPr id="6" name="5 Elipse"/>
+          <p:cNvSpPr/>
+          <p:nvPr/>
+        </p:nvSpPr>
+        <p:spPr>
+          <a:xfrm>
+            <a:off x="9606780" y="2708920"/>
+            <a:ext cx="237681" cy="223557"/>
+          </a:xfrm>
+          <a:prstGeom prst="ellipse">
+            <a:avLst/>
+          </a:prstGeom>
+          <a:solidFill>
+            <a:srgbClr val="0070C0"/>
+          </a:solidFill>
+          <a:ln>
+            <a:noFill/>
+          </a:ln>
+        </p:spPr>
+        <p:style>
+          <a:lnRef idx="2">
+            <a:schemeClr val="accent1">
+              <a:shade val="50000"/>
+            </a:schemeClr>
+          </a:lnRef>
+          <a:fillRef idx="1">
+            <a:schemeClr val="accent1"/>
+          </a:fillRef>
+          <a:effectRef idx="0">
+            <a:schemeClr val="accent1"/>
+          </a:effectRef>
+          <a:fontRef idx="minor">
+            <a:schemeClr val="lt1"/>
+          </a:fontRef>
+        </p:style>
+        <p:txBody>
+          <a:bodyPr rtlCol="0" anchor="ctr"/>
+          <a:lstStyle/>
+          <a:p>
+            <a:pPr algn="ctr"/>
+            <a:r>
+              <a:rPr lang="en-GB" sz="1200" dirty="0" smtClean="0"/>
+              <a:t>1</a:t>
+            </a:r>
+            <a:endParaRPr lang="en-GB" sz="1200" dirty="0"/>
+          </a:p>
+        </p:txBody>
+      </p:sp>
+      <p:sp>
+        <p:nvSpPr>
+          <p:cNvPr id="7" name="6 Elipse"/>
+          <p:cNvSpPr/>
+          <p:nvPr/>
+        </p:nvSpPr>
+        <p:spPr>
+          <a:xfrm>
+            <a:off x="9606779" y="3676556"/>
+            <a:ext cx="237681" cy="223557"/>
+          </a:xfrm>
+          <a:prstGeom prst="ellipse">
+            <a:avLst/>
+          </a:prstGeom>
+          <a:solidFill>
+            <a:srgbClr val="0070C0"/>
+          </a:solidFill>
+          <a:ln>
+            <a:noFill/>
+          </a:ln>
+        </p:spPr>
+        <p:style>
+          <a:lnRef idx="2">
+            <a:schemeClr val="accent1">
+              <a:shade val="50000"/>
+            </a:schemeClr>
+          </a:lnRef>
+          <a:fillRef idx="1">
+            <a:schemeClr val="accent1"/>
+          </a:fillRef>
+          <a:effectRef idx="0">
+            <a:schemeClr val="accent1"/>
+          </a:effectRef>
+          <a:fontRef idx="minor">
+            <a:schemeClr val="lt1"/>
+          </a:fontRef>
+        </p:style>
+        <p:txBody>
+          <a:bodyPr rtlCol="0" anchor="ctr"/>
+          <a:lstStyle/>
+          <a:p>
+            <a:pPr algn="ctr"/>
+            <a:r>
+              <a:rPr lang="en-GB" sz="1200" dirty="0" smtClean="0"/>
+              <a:t>2</a:t>
+            </a:r>
+            <a:endParaRPr lang="en-GB" sz="1200" dirty="0"/>
+          </a:p>
+        </p:txBody>
+      </p:sp>
+    </p:spTree>
+    <p:extLst>
+      <p:ext uri="{BB962C8B-B14F-4D97-AF65-F5344CB8AC3E}">
+        <p14:creationId xmlns:p14="http://schemas.microsoft.com/office/powerpoint/2010/main" val="2607000116"/>
+      </p:ext>
+    </p:extLst>
+  </p:cSld>
+  <p:clrMapOvr>
+    <a:masterClrMapping/>
+  </p:clrMapOvr>
+</p:sld>
+</file>
+
+<file path=ppt/slides/slide25.xml><?xml version="1.0" encoding="utf-8"?>
+<p:sld xmlns:a="http://schemas.openxmlformats.org/drawingml/2006/main" xmlns:r="http://schemas.openxmlformats.org/officeDocument/2006/relationships" xmlns:p="http://schemas.openxmlformats.org/presentationml/2006/main">
+  <p:cSld>
+    <p:spTree>
+      <p:nvGrpSpPr>
+        <p:cNvPr id="1" name=""/>
+        <p:cNvGrpSpPr/>
+        <p:nvPr/>
+      </p:nvGrpSpPr>
+      <p:grpSpPr>
+        <a:xfrm>
+          <a:off x="0" y="0"/>
+          <a:ext cx="0" cy="0"/>
+          <a:chOff x="0" y="0"/>
+          <a:chExt cx="0" cy="0"/>
+        </a:xfrm>
+      </p:grpSpPr>
+      <p:pic>
+        <p:nvPicPr>
+          <p:cNvPr id="2050" name="Picture 2"/>
+          <p:cNvPicPr>
+            <a:picLocks noChangeAspect="1" noChangeArrowheads="1"/>
+          </p:cNvPicPr>
+          <p:nvPr/>
+        </p:nvPicPr>
+        <p:blipFill>
+          <a:blip r:embed="rId2">
+            <a:extLst>
+              <a:ext uri="{28A0092B-C50C-407E-A947-70E740481C1C}">
+                <a14:useLocalDpi xmlns:a14="http://schemas.microsoft.com/office/drawing/2010/main" val="0"/>
+              </a:ext>
+            </a:extLst>
+          </a:blip>
+          <a:srcRect/>
+          <a:stretch>
+            <a:fillRect/>
+          </a:stretch>
+        </p:blipFill>
+        <p:spPr bwMode="auto">
+          <a:xfrm>
+            <a:off x="-361950" y="1804988"/>
+            <a:ext cx="9867900" cy="3248025"/>
+          </a:xfrm>
+          <a:prstGeom prst="rect">
+            <a:avLst/>
+          </a:prstGeom>
+          <a:noFill/>
+          <a:ln>
+            <a:noFill/>
+          </a:ln>
+          <a:effectLst/>
+          <a:extLst>
+            <a:ext uri="{909E8E84-426E-40DD-AFC4-6F175D3DCCD1}">
+              <a14:hiddenFill xmlns:a14="http://schemas.microsoft.com/office/drawing/2010/main">
+                <a:solidFill>
+                  <a:schemeClr val="accent1"/>
+                </a:solidFill>
+              </a14:hiddenFill>
+            </a:ext>
+            <a:ext uri="{91240B29-F687-4F45-9708-019B960494DF}">
+              <a14:hiddenLine xmlns:a14="http://schemas.microsoft.com/office/drawing/2010/main" w="9525">
+                <a:solidFill>
+                  <a:schemeClr val="tx1"/>
+                </a:solidFill>
+                <a:miter lim="800000"/>
+                <a:headEnd/>
+                <a:tailEnd/>
+              </a14:hiddenLine>
+            </a:ext>
+            <a:ext uri="{AF507438-7753-43E0-B8FC-AC1667EBCBE1}">
+              <a14:hiddenEffects xmlns:a14="http://schemas.microsoft.com/office/drawing/2010/main">
+                <a:effectLst>
+                  <a:outerShdw dist="35921" dir="2700000" algn="ctr" rotWithShape="0">
+                    <a:schemeClr val="bg2"/>
+                  </a:outerShdw>
+                </a:effectLst>
+              </a14:hiddenEffects>
+            </a:ext>
+          </a:extLst>
+        </p:spPr>
+      </p:pic>
+    </p:spTree>
+    <p:extLst>
+      <p:ext uri="{BB962C8B-B14F-4D97-AF65-F5344CB8AC3E}">
+        <p14:creationId xmlns:p14="http://schemas.microsoft.com/office/powerpoint/2010/main" val="4108413311"/>
+      </p:ext>
+    </p:extLst>
+  </p:cSld>
+  <p:clrMapOvr>
+    <a:masterClrMapping/>
+  </p:clrMapOvr>
+</p:sld>
+</file>
+
+<file path=ppt/slides/slide26.xml><?xml version="1.0" encoding="utf-8"?>
+<p:sld xmlns:a="http://schemas.openxmlformats.org/drawingml/2006/main" xmlns:r="http://schemas.openxmlformats.org/officeDocument/2006/relationships" xmlns:p="http://schemas.openxmlformats.org/presentationml/2006/main">
+  <p:cSld>
+    <p:spTree>
+      <p:nvGrpSpPr>
+        <p:cNvPr id="1" name=""/>
+        <p:cNvGrpSpPr/>
+        <p:nvPr/>
+      </p:nvGrpSpPr>
+      <p:grpSpPr>
+        <a:xfrm>
+          <a:off x="0" y="0"/>
+          <a:ext cx="0" cy="0"/>
+          <a:chOff x="0" y="0"/>
+          <a:chExt cx="0" cy="0"/>
+        </a:xfrm>
+      </p:grpSpPr>
+      <p:pic>
+        <p:nvPicPr>
+          <p:cNvPr id="1027" name="Picture 3"/>
+          <p:cNvPicPr>
+            <a:picLocks noChangeAspect="1" noChangeArrowheads="1"/>
+          </p:cNvPicPr>
+          <p:nvPr/>
+        </p:nvPicPr>
+        <p:blipFill>
+          <a:blip r:embed="rId2">
+            <a:extLst>
+              <a:ext uri="{28A0092B-C50C-407E-A947-70E740481C1C}">
+                <a14:useLocalDpi xmlns:a14="http://schemas.microsoft.com/office/drawing/2010/main" val="0"/>
+              </a:ext>
+            </a:extLst>
+          </a:blip>
+          <a:srcRect/>
+          <a:stretch>
+            <a:fillRect/>
+          </a:stretch>
+        </p:blipFill>
+        <p:spPr bwMode="auto">
+          <a:xfrm>
+            <a:off x="-647700" y="1233488"/>
+            <a:ext cx="10439400" cy="4391025"/>
+          </a:xfrm>
+          <a:prstGeom prst="rect">
+            <a:avLst/>
+          </a:prstGeom>
+          <a:noFill/>
+          <a:ln>
+            <a:noFill/>
+          </a:ln>
+          <a:effectLst/>
+          <a:extLst>
+            <a:ext uri="{909E8E84-426E-40DD-AFC4-6F175D3DCCD1}">
+              <a14:hiddenFill xmlns:a14="http://schemas.microsoft.com/office/drawing/2010/main">
+                <a:solidFill>
+                  <a:schemeClr val="accent1"/>
+                </a:solidFill>
+              </a14:hiddenFill>
+            </a:ext>
+            <a:ext uri="{91240B29-F687-4F45-9708-019B960494DF}">
+              <a14:hiddenLine xmlns:a14="http://schemas.microsoft.com/office/drawing/2010/main" w="9525">
+                <a:solidFill>
+                  <a:schemeClr val="tx1"/>
+                </a:solidFill>
+                <a:miter lim="800000"/>
+                <a:headEnd/>
+                <a:tailEnd/>
+              </a14:hiddenLine>
+            </a:ext>
+            <a:ext uri="{AF507438-7753-43E0-B8FC-AC1667EBCBE1}">
+              <a14:hiddenEffects xmlns:a14="http://schemas.microsoft.com/office/drawing/2010/main">
+                <a:effectLst>
+                  <a:outerShdw dist="35921" dir="2700000" algn="ctr" rotWithShape="0">
+                    <a:schemeClr val="bg2"/>
+                  </a:outerShdw>
+                </a:effectLst>
+              </a14:hiddenEffects>
+            </a:ext>
+          </a:extLst>
+        </p:spPr>
+      </p:pic>
+    </p:spTree>
+    <p:extLst>
+      <p:ext uri="{BB962C8B-B14F-4D97-AF65-F5344CB8AC3E}">
+        <p14:creationId xmlns:p14="http://schemas.microsoft.com/office/powerpoint/2010/main" val="869324480"/>
+      </p:ext>
+    </p:extLst>
+  </p:cSld>
+  <p:clrMapOvr>
+    <a:masterClrMapping/>
+  </p:clrMapOvr>
+</p:sld>
+</file>
+
+<file path=ppt/slides/slide27.xml><?xml version="1.0" encoding="utf-8"?>
+<p:sld xmlns:a="http://schemas.openxmlformats.org/drawingml/2006/main" xmlns:r="http://schemas.openxmlformats.org/officeDocument/2006/relationships" xmlns:p="http://schemas.openxmlformats.org/presentationml/2006/main">
+  <p:cSld>
+    <p:spTree>
+      <p:nvGrpSpPr>
+        <p:cNvPr id="1" name=""/>
+        <p:cNvGrpSpPr/>
+        <p:nvPr/>
+      </p:nvGrpSpPr>
+      <p:grpSpPr>
+        <a:xfrm>
+          <a:off x="0" y="0"/>
+          <a:ext cx="0" cy="0"/>
+          <a:chOff x="0" y="0"/>
+          <a:chExt cx="0" cy="0"/>
+        </a:xfrm>
+      </p:grpSpPr>
+      <p:pic>
+        <p:nvPicPr>
+          <p:cNvPr id="4" name="Picture 2"/>
+          <p:cNvPicPr>
+            <a:picLocks noChangeAspect="1" noChangeArrowheads="1"/>
+          </p:cNvPicPr>
+          <p:nvPr/>
+        </p:nvPicPr>
+        <p:blipFill rotWithShape="1">
+          <a:blip r:embed="rId2">
+            <a:extLst>
+              <a:ext uri="{28A0092B-C50C-407E-A947-70E740481C1C}">
+                <a14:useLocalDpi xmlns:a14="http://schemas.microsoft.com/office/drawing/2010/main" val="0"/>
+              </a:ext>
+            </a:extLst>
+          </a:blip>
+          <a:srcRect l="9209" t="34698" r="9850" b="14009"/>
+          <a:stretch/>
+        </p:blipFill>
+        <p:spPr bwMode="auto">
+          <a:xfrm>
+            <a:off x="-756592" y="1412776"/>
+            <a:ext cx="10531366" cy="3752193"/>
+          </a:xfrm>
+          <a:prstGeom prst="rect">
+            <a:avLst/>
+          </a:prstGeom>
+          <a:noFill/>
+          <a:ln>
+            <a:noFill/>
+          </a:ln>
+          <a:extLst>
+            <a:ext uri="{909E8E84-426E-40DD-AFC4-6F175D3DCCD1}">
+              <a14:hiddenFill xmlns:a14="http://schemas.microsoft.com/office/drawing/2010/main">
+                <a:solidFill>
+                  <a:schemeClr val="accent1"/>
+                </a:solidFill>
+              </a14:hiddenFill>
+            </a:ext>
+            <a:ext uri="{91240B29-F687-4F45-9708-019B960494DF}">
+              <a14:hiddenLine xmlns:a14="http://schemas.microsoft.com/office/drawing/2010/main" w="9525">
+                <a:solidFill>
+                  <a:schemeClr val="tx1"/>
+                </a:solidFill>
+                <a:miter lim="800000"/>
+                <a:headEnd/>
+                <a:tailEnd/>
+              </a14:hiddenLine>
+            </a:ext>
+          </a:extLst>
+        </p:spPr>
+      </p:pic>
+    </p:spTree>
+    <p:extLst>
+      <p:ext uri="{BB962C8B-B14F-4D97-AF65-F5344CB8AC3E}">
+        <p14:creationId xmlns:p14="http://schemas.microsoft.com/office/powerpoint/2010/main" val="1614227065"/>
+      </p:ext>
+    </p:extLst>
+  </p:cSld>
+  <p:clrMapOvr>
+    <a:masterClrMapping/>
+  </p:clrMapOvr>
+</p:sld>
+</file>
+
+<file path=ppt/slides/slide28.xml><?xml version="1.0" encoding="utf-8"?>
+<p:sld xmlns:a="http://schemas.openxmlformats.org/drawingml/2006/main" xmlns:r="http://schemas.openxmlformats.org/officeDocument/2006/relationships" xmlns:p="http://schemas.openxmlformats.org/presentationml/2006/main">
+  <p:cSld>
+    <p:spTree>
+      <p:nvGrpSpPr>
+        <p:cNvPr id="1" name=""/>
+        <p:cNvGrpSpPr/>
+        <p:nvPr/>
+      </p:nvGrpSpPr>
+      <p:grpSpPr>
+        <a:xfrm>
+          <a:off x="0" y="0"/>
+          <a:ext cx="0" cy="0"/>
+          <a:chOff x="0" y="0"/>
+          <a:chExt cx="0" cy="0"/>
+        </a:xfrm>
+      </p:grpSpPr>
+      <p:pic>
+        <p:nvPicPr>
+          <p:cNvPr id="3" name="Picture 2"/>
+          <p:cNvPicPr>
+            <a:picLocks noChangeAspect="1" noChangeArrowheads="1"/>
+          </p:cNvPicPr>
+          <p:nvPr/>
+        </p:nvPicPr>
+        <p:blipFill rotWithShape="1">
+          <a:blip r:embed="rId2">
+            <a:extLst>
+              <a:ext uri="{28A0092B-C50C-407E-A947-70E740481C1C}">
+                <a14:useLocalDpi xmlns:a14="http://schemas.microsoft.com/office/drawing/2010/main" val="0"/>
+              </a:ext>
+            </a:extLst>
+          </a:blip>
+          <a:srcRect l="9068" t="21774" r="10225" b="42339"/>
+          <a:stretch/>
+        </p:blipFill>
+        <p:spPr bwMode="auto">
+          <a:xfrm>
+            <a:off x="-756592" y="1772816"/>
+            <a:ext cx="10500853" cy="2625213"/>
+          </a:xfrm>
+          <a:prstGeom prst="rect">
+            <a:avLst/>
+          </a:prstGeom>
+          <a:noFill/>
+          <a:ln>
+            <a:noFill/>
+          </a:ln>
+          <a:extLst>
+            <a:ext uri="{909E8E84-426E-40DD-AFC4-6F175D3DCCD1}">
+              <a14:hiddenFill xmlns:a14="http://schemas.microsoft.com/office/drawing/2010/main">
+                <a:solidFill>
+                  <a:schemeClr val="accent1"/>
+                </a:solidFill>
+              </a14:hiddenFill>
+            </a:ext>
+            <a:ext uri="{91240B29-F687-4F45-9708-019B960494DF}">
+              <a14:hiddenLine xmlns:a14="http://schemas.microsoft.com/office/drawing/2010/main" w="9525">
+                <a:solidFill>
+                  <a:schemeClr val="tx1"/>
+                </a:solidFill>
+                <a:miter lim="800000"/>
+                <a:headEnd/>
+                <a:tailEnd/>
+              </a14:hiddenLine>
+            </a:ext>
+          </a:extLst>
+        </p:spPr>
+      </p:pic>
+      <p:sp>
+        <p:nvSpPr>
+          <p:cNvPr id="4" name="3 Elipse"/>
+          <p:cNvSpPr/>
+          <p:nvPr/>
+        </p:nvSpPr>
+        <p:spPr>
+          <a:xfrm>
+            <a:off x="9238232" y="2481036"/>
+            <a:ext cx="237681" cy="223557"/>
+          </a:xfrm>
+          <a:prstGeom prst="ellipse">
+            <a:avLst/>
+          </a:prstGeom>
+          <a:solidFill>
+            <a:srgbClr val="0070C0"/>
+          </a:solidFill>
+          <a:ln>
+            <a:noFill/>
+          </a:ln>
+        </p:spPr>
+        <p:style>
+          <a:lnRef idx="2">
+            <a:schemeClr val="accent1">
+              <a:shade val="50000"/>
+            </a:schemeClr>
+          </a:lnRef>
+          <a:fillRef idx="1">
+            <a:schemeClr val="accent1"/>
+          </a:fillRef>
+          <a:effectRef idx="0">
+            <a:schemeClr val="accent1"/>
+          </a:effectRef>
+          <a:fontRef idx="minor">
+            <a:schemeClr val="lt1"/>
+          </a:fontRef>
+        </p:style>
+        <p:txBody>
+          <a:bodyPr rtlCol="0" anchor="ctr"/>
+          <a:lstStyle/>
+          <a:p>
+            <a:pPr algn="ctr"/>
+            <a:r>
+              <a:rPr lang="en-GB" sz="1200" dirty="0" smtClean="0"/>
+              <a:t>1</a:t>
+            </a:r>
+            <a:endParaRPr lang="en-GB" sz="1200" dirty="0"/>
+          </a:p>
+        </p:txBody>
+      </p:sp>
+    </p:spTree>
+    <p:extLst>
+      <p:ext uri="{BB962C8B-B14F-4D97-AF65-F5344CB8AC3E}">
+        <p14:creationId xmlns:p14="http://schemas.microsoft.com/office/powerpoint/2010/main" val="4151334242"/>
+      </p:ext>
+    </p:extLst>
+  </p:cSld>
+  <p:clrMapOvr>
+    <a:masterClrMapping/>
+  </p:clrMapOvr>
+</p:sld>
+</file>
+
+<file path=ppt/slides/slide29.xml><?xml version="1.0" encoding="utf-8"?>
+<p:sld xmlns:a="http://schemas.openxmlformats.org/drawingml/2006/main" xmlns:r="http://schemas.openxmlformats.org/officeDocument/2006/relationships" xmlns:p="http://schemas.openxmlformats.org/presentationml/2006/main">
+  <p:cSld>
+    <p:spTree>
+      <p:nvGrpSpPr>
+        <p:cNvPr id="1" name=""/>
+        <p:cNvGrpSpPr/>
+        <p:nvPr/>
+      </p:nvGrpSpPr>
+      <p:grpSpPr>
+        <a:xfrm>
+          <a:off x="0" y="0"/>
+          <a:ext cx="0" cy="0"/>
+          <a:chOff x="0" y="0"/>
+          <a:chExt cx="0" cy="0"/>
+        </a:xfrm>
+      </p:grpSpPr>
+      <p:pic>
+        <p:nvPicPr>
+          <p:cNvPr id="3074" name="Picture 2"/>
+          <p:cNvPicPr>
+            <a:picLocks noChangeAspect="1" noChangeArrowheads="1"/>
+          </p:cNvPicPr>
+          <p:nvPr/>
+        </p:nvPicPr>
+        <p:blipFill>
+          <a:blip r:embed="rId2">
+            <a:extLst>
+              <a:ext uri="{28A0092B-C50C-407E-A947-70E740481C1C}">
+                <a14:useLocalDpi xmlns:a14="http://schemas.microsoft.com/office/drawing/2010/main" val="0"/>
+              </a:ext>
+            </a:extLst>
+          </a:blip>
+          <a:srcRect/>
+          <a:stretch>
+            <a:fillRect/>
+          </a:stretch>
+        </p:blipFill>
+        <p:spPr bwMode="auto">
+          <a:xfrm>
+            <a:off x="-471488" y="2376488"/>
+            <a:ext cx="10086976" cy="2105025"/>
+          </a:xfrm>
+          <a:prstGeom prst="rect">
+            <a:avLst/>
+          </a:prstGeom>
+          <a:noFill/>
+          <a:ln>
+            <a:noFill/>
+          </a:ln>
+          <a:effectLst/>
+          <a:extLst>
+            <a:ext uri="{909E8E84-426E-40DD-AFC4-6F175D3DCCD1}">
+              <a14:hiddenFill xmlns:a14="http://schemas.microsoft.com/office/drawing/2010/main">
+                <a:solidFill>
+                  <a:schemeClr val="accent1"/>
+                </a:solidFill>
+              </a14:hiddenFill>
+            </a:ext>
+            <a:ext uri="{91240B29-F687-4F45-9708-019B960494DF}">
+              <a14:hiddenLine xmlns:a14="http://schemas.microsoft.com/office/drawing/2010/main" w="9525">
+                <a:solidFill>
+                  <a:schemeClr val="tx1"/>
+                </a:solidFill>
+                <a:miter lim="800000"/>
+                <a:headEnd/>
+                <a:tailEnd/>
+              </a14:hiddenLine>
+            </a:ext>
+            <a:ext uri="{AF507438-7753-43E0-B8FC-AC1667EBCBE1}">
+              <a14:hiddenEffects xmlns:a14="http://schemas.microsoft.com/office/drawing/2010/main">
+                <a:effectLst>
+                  <a:outerShdw dist="35921" dir="2700000" algn="ctr" rotWithShape="0">
+                    <a:schemeClr val="bg2"/>
+                  </a:outerShdw>
+                </a:effectLst>
+              </a14:hiddenEffects>
+            </a:ext>
+          </a:extLst>
+        </p:spPr>
+      </p:pic>
+    </p:spTree>
+    <p:extLst>
+      <p:ext uri="{BB962C8B-B14F-4D97-AF65-F5344CB8AC3E}">
+        <p14:creationId xmlns:p14="http://schemas.microsoft.com/office/powerpoint/2010/main" val="4151334242"/>
+      </p:ext>
+    </p:extLst>
+  </p:cSld>
+  <p:clrMapOvr>
+    <a:masterClrMapping/>
+  </p:clrMapOvr>
+</p:sld>
+</file>
+
 <file path=ppt/slides/slide3.xml><?xml version="1.0" encoding="utf-8"?>
 <p:sld xmlns:a="http://schemas.openxmlformats.org/drawingml/2006/main" xmlns:r="http://schemas.openxmlformats.org/officeDocument/2006/relationships" xmlns:p="http://schemas.openxmlformats.org/presentationml/2006/main">
   <p:cSld>
@@ -4067,6 +7842,1036 @@
     <p:extLst>
       <p:ext uri="{BB962C8B-B14F-4D97-AF65-F5344CB8AC3E}">
         <p14:creationId xmlns:p14="http://schemas.microsoft.com/office/powerpoint/2010/main" val="1687902336"/>
+      </p:ext>
+    </p:extLst>
+  </p:cSld>
+  <p:clrMapOvr>
+    <a:masterClrMapping/>
+  </p:clrMapOvr>
+</p:sld>
+</file>
+
+<file path=ppt/slides/slide30.xml><?xml version="1.0" encoding="utf-8"?>
+<p:sld xmlns:a="http://schemas.openxmlformats.org/drawingml/2006/main" xmlns:r="http://schemas.openxmlformats.org/officeDocument/2006/relationships" xmlns:p="http://schemas.openxmlformats.org/presentationml/2006/main">
+  <p:cSld>
+    <p:spTree>
+      <p:nvGrpSpPr>
+        <p:cNvPr id="1" name=""/>
+        <p:cNvGrpSpPr/>
+        <p:nvPr/>
+      </p:nvGrpSpPr>
+      <p:grpSpPr>
+        <a:xfrm>
+          <a:off x="0" y="0"/>
+          <a:ext cx="0" cy="0"/>
+          <a:chOff x="0" y="0"/>
+          <a:chExt cx="0" cy="0"/>
+        </a:xfrm>
+      </p:grpSpPr>
+      <p:pic>
+        <p:nvPicPr>
+          <p:cNvPr id="4098" name="Picture 2"/>
+          <p:cNvPicPr>
+            <a:picLocks noChangeAspect="1" noChangeArrowheads="1"/>
+          </p:cNvPicPr>
+          <p:nvPr/>
+        </p:nvPicPr>
+        <p:blipFill>
+          <a:blip r:embed="rId2">
+            <a:extLst>
+              <a:ext uri="{28A0092B-C50C-407E-A947-70E740481C1C}">
+                <a14:useLocalDpi xmlns:a14="http://schemas.microsoft.com/office/drawing/2010/main" val="0"/>
+              </a:ext>
+            </a:extLst>
+          </a:blip>
+          <a:srcRect/>
+          <a:stretch>
+            <a:fillRect/>
+          </a:stretch>
+        </p:blipFill>
+        <p:spPr bwMode="auto">
+          <a:xfrm>
+            <a:off x="-476250" y="1804988"/>
+            <a:ext cx="10096500" cy="3248025"/>
+          </a:xfrm>
+          <a:prstGeom prst="rect">
+            <a:avLst/>
+          </a:prstGeom>
+          <a:noFill/>
+          <a:ln>
+            <a:noFill/>
+          </a:ln>
+          <a:effectLst/>
+          <a:extLst>
+            <a:ext uri="{909E8E84-426E-40DD-AFC4-6F175D3DCCD1}">
+              <a14:hiddenFill xmlns:a14="http://schemas.microsoft.com/office/drawing/2010/main">
+                <a:solidFill>
+                  <a:schemeClr val="accent1"/>
+                </a:solidFill>
+              </a14:hiddenFill>
+            </a:ext>
+            <a:ext uri="{91240B29-F687-4F45-9708-019B960494DF}">
+              <a14:hiddenLine xmlns:a14="http://schemas.microsoft.com/office/drawing/2010/main" w="9525">
+                <a:solidFill>
+                  <a:schemeClr val="tx1"/>
+                </a:solidFill>
+                <a:miter lim="800000"/>
+                <a:headEnd/>
+                <a:tailEnd/>
+              </a14:hiddenLine>
+            </a:ext>
+            <a:ext uri="{AF507438-7753-43E0-B8FC-AC1667EBCBE1}">
+              <a14:hiddenEffects xmlns:a14="http://schemas.microsoft.com/office/drawing/2010/main">
+                <a:effectLst>
+                  <a:outerShdw dist="35921" dir="2700000" algn="ctr" rotWithShape="0">
+                    <a:schemeClr val="bg2"/>
+                  </a:outerShdw>
+                </a:effectLst>
+              </a14:hiddenEffects>
+            </a:ext>
+          </a:extLst>
+        </p:spPr>
+      </p:pic>
+    </p:spTree>
+    <p:extLst>
+      <p:ext uri="{BB962C8B-B14F-4D97-AF65-F5344CB8AC3E}">
+        <p14:creationId xmlns:p14="http://schemas.microsoft.com/office/powerpoint/2010/main" val="4151334242"/>
+      </p:ext>
+    </p:extLst>
+  </p:cSld>
+  <p:clrMapOvr>
+    <a:masterClrMapping/>
+  </p:clrMapOvr>
+</p:sld>
+</file>
+
+<file path=ppt/slides/slide31.xml><?xml version="1.0" encoding="utf-8"?>
+<p:sld xmlns:a="http://schemas.openxmlformats.org/drawingml/2006/main" xmlns:r="http://schemas.openxmlformats.org/officeDocument/2006/relationships" xmlns:p="http://schemas.openxmlformats.org/presentationml/2006/main">
+  <p:cSld>
+    <p:spTree>
+      <p:nvGrpSpPr>
+        <p:cNvPr id="1" name=""/>
+        <p:cNvGrpSpPr/>
+        <p:nvPr/>
+      </p:nvGrpSpPr>
+      <p:grpSpPr>
+        <a:xfrm>
+          <a:off x="0" y="0"/>
+          <a:ext cx="0" cy="0"/>
+          <a:chOff x="0" y="0"/>
+          <a:chExt cx="0" cy="0"/>
+        </a:xfrm>
+      </p:grpSpPr>
+      <p:pic>
+        <p:nvPicPr>
+          <p:cNvPr id="5" name="Picture 2"/>
+          <p:cNvPicPr>
+            <a:picLocks noChangeAspect="1" noChangeArrowheads="1"/>
+          </p:cNvPicPr>
+          <p:nvPr/>
+        </p:nvPicPr>
+        <p:blipFill rotWithShape="1">
+          <a:blip r:embed="rId2">
+            <a:extLst>
+              <a:ext uri="{28A0092B-C50C-407E-A947-70E740481C1C}">
+                <a14:useLocalDpi xmlns:a14="http://schemas.microsoft.com/office/drawing/2010/main" val="0"/>
+              </a:ext>
+            </a:extLst>
+          </a:blip>
+          <a:srcRect l="9451" t="26940" r="9850" b="43965"/>
+          <a:stretch/>
+        </p:blipFill>
+        <p:spPr bwMode="auto">
+          <a:xfrm>
+            <a:off x="-540568" y="2132856"/>
+            <a:ext cx="10499835" cy="2128344"/>
+          </a:xfrm>
+          <a:prstGeom prst="rect">
+            <a:avLst/>
+          </a:prstGeom>
+          <a:noFill/>
+          <a:ln>
+            <a:noFill/>
+          </a:ln>
+          <a:extLst>
+            <a:ext uri="{909E8E84-426E-40DD-AFC4-6F175D3DCCD1}">
+              <a14:hiddenFill xmlns:a14="http://schemas.microsoft.com/office/drawing/2010/main">
+                <a:solidFill>
+                  <a:schemeClr val="accent1"/>
+                </a:solidFill>
+              </a14:hiddenFill>
+            </a:ext>
+            <a:ext uri="{91240B29-F687-4F45-9708-019B960494DF}">
+              <a14:hiddenLine xmlns:a14="http://schemas.microsoft.com/office/drawing/2010/main" w="9525">
+                <a:solidFill>
+                  <a:schemeClr val="tx1"/>
+                </a:solidFill>
+                <a:miter lim="800000"/>
+                <a:headEnd/>
+                <a:tailEnd/>
+              </a14:hiddenLine>
+            </a:ext>
+          </a:extLst>
+        </p:spPr>
+      </p:pic>
+    </p:spTree>
+    <p:extLst>
+      <p:ext uri="{BB962C8B-B14F-4D97-AF65-F5344CB8AC3E}">
+        <p14:creationId xmlns:p14="http://schemas.microsoft.com/office/powerpoint/2010/main" val="1229678981"/>
+      </p:ext>
+    </p:extLst>
+  </p:cSld>
+  <p:clrMapOvr>
+    <a:masterClrMapping/>
+  </p:clrMapOvr>
+</p:sld>
+</file>
+
+<file path=ppt/slides/slide32.xml><?xml version="1.0" encoding="utf-8"?>
+<p:sld xmlns:a="http://schemas.openxmlformats.org/drawingml/2006/main" xmlns:r="http://schemas.openxmlformats.org/officeDocument/2006/relationships" xmlns:p="http://schemas.openxmlformats.org/presentationml/2006/main">
+  <p:cSld>
+    <p:spTree>
+      <p:nvGrpSpPr>
+        <p:cNvPr id="1" name=""/>
+        <p:cNvGrpSpPr/>
+        <p:nvPr/>
+      </p:nvGrpSpPr>
+      <p:grpSpPr>
+        <a:xfrm>
+          <a:off x="0" y="0"/>
+          <a:ext cx="0" cy="0"/>
+          <a:chOff x="0" y="0"/>
+          <a:chExt cx="0" cy="0"/>
+        </a:xfrm>
+      </p:grpSpPr>
+      <p:pic>
+        <p:nvPicPr>
+          <p:cNvPr id="10" name="Picture 5"/>
+          <p:cNvPicPr>
+            <a:picLocks noChangeAspect="1" noChangeArrowheads="1"/>
+          </p:cNvPicPr>
+          <p:nvPr/>
+        </p:nvPicPr>
+        <p:blipFill rotWithShape="1">
+          <a:blip r:embed="rId2">
+            <a:extLst>
+              <a:ext uri="{28A0092B-C50C-407E-A947-70E740481C1C}">
+                <a14:useLocalDpi xmlns:a14="http://schemas.microsoft.com/office/drawing/2010/main" val="0"/>
+              </a:ext>
+            </a:extLst>
+          </a:blip>
+          <a:srcRect l="9103" t="21210" r="9956" b="48186"/>
+          <a:stretch/>
+        </p:blipFill>
+        <p:spPr bwMode="auto">
+          <a:xfrm>
+            <a:off x="-495321" y="1700808"/>
+            <a:ext cx="10531366" cy="2238704"/>
+          </a:xfrm>
+          <a:prstGeom prst="rect">
+            <a:avLst/>
+          </a:prstGeom>
+          <a:noFill/>
+          <a:ln>
+            <a:noFill/>
+          </a:ln>
+          <a:extLst>
+            <a:ext uri="{909E8E84-426E-40DD-AFC4-6F175D3DCCD1}">
+              <a14:hiddenFill xmlns:a14="http://schemas.microsoft.com/office/drawing/2010/main">
+                <a:solidFill>
+                  <a:schemeClr val="accent1"/>
+                </a:solidFill>
+              </a14:hiddenFill>
+            </a:ext>
+            <a:ext uri="{91240B29-F687-4F45-9708-019B960494DF}">
+              <a14:hiddenLine xmlns:a14="http://schemas.microsoft.com/office/drawing/2010/main" w="9525">
+                <a:solidFill>
+                  <a:schemeClr val="tx1"/>
+                </a:solidFill>
+                <a:miter lim="800000"/>
+                <a:headEnd/>
+                <a:tailEnd/>
+              </a14:hiddenLine>
+            </a:ext>
+          </a:extLst>
+        </p:spPr>
+      </p:pic>
+      <p:sp>
+        <p:nvSpPr>
+          <p:cNvPr id="3" name="2 Elipse"/>
+          <p:cNvSpPr/>
+          <p:nvPr/>
+        </p:nvSpPr>
+        <p:spPr>
+          <a:xfrm>
+            <a:off x="9478419" y="2433738"/>
+            <a:ext cx="237681" cy="223557"/>
+          </a:xfrm>
+          <a:prstGeom prst="ellipse">
+            <a:avLst/>
+          </a:prstGeom>
+          <a:solidFill>
+            <a:srgbClr val="0070C0"/>
+          </a:solidFill>
+          <a:ln>
+            <a:noFill/>
+          </a:ln>
+        </p:spPr>
+        <p:style>
+          <a:lnRef idx="2">
+            <a:schemeClr val="accent1">
+              <a:shade val="50000"/>
+            </a:schemeClr>
+          </a:lnRef>
+          <a:fillRef idx="1">
+            <a:schemeClr val="accent1"/>
+          </a:fillRef>
+          <a:effectRef idx="0">
+            <a:schemeClr val="accent1"/>
+          </a:effectRef>
+          <a:fontRef idx="minor">
+            <a:schemeClr val="lt1"/>
+          </a:fontRef>
+        </p:style>
+        <p:txBody>
+          <a:bodyPr rtlCol="0" anchor="ctr"/>
+          <a:lstStyle/>
+          <a:p>
+            <a:pPr algn="ctr"/>
+            <a:r>
+              <a:rPr lang="en-GB" sz="1200" dirty="0" smtClean="0"/>
+              <a:t>1</a:t>
+            </a:r>
+            <a:endParaRPr lang="en-GB" sz="1200" dirty="0"/>
+          </a:p>
+        </p:txBody>
+      </p:sp>
+      <p:sp>
+        <p:nvSpPr>
+          <p:cNvPr id="4" name="3 Elipse"/>
+          <p:cNvSpPr/>
+          <p:nvPr/>
+        </p:nvSpPr>
+        <p:spPr>
+          <a:xfrm>
+            <a:off x="9468544" y="3349459"/>
+            <a:ext cx="237681" cy="223557"/>
+          </a:xfrm>
+          <a:prstGeom prst="ellipse">
+            <a:avLst/>
+          </a:prstGeom>
+          <a:solidFill>
+            <a:srgbClr val="0070C0"/>
+          </a:solidFill>
+          <a:ln>
+            <a:noFill/>
+          </a:ln>
+        </p:spPr>
+        <p:style>
+          <a:lnRef idx="2">
+            <a:schemeClr val="accent1">
+              <a:shade val="50000"/>
+            </a:schemeClr>
+          </a:lnRef>
+          <a:fillRef idx="1">
+            <a:schemeClr val="accent1"/>
+          </a:fillRef>
+          <a:effectRef idx="0">
+            <a:schemeClr val="accent1"/>
+          </a:effectRef>
+          <a:fontRef idx="minor">
+            <a:schemeClr val="lt1"/>
+          </a:fontRef>
+        </p:style>
+        <p:txBody>
+          <a:bodyPr rtlCol="0" anchor="ctr"/>
+          <a:lstStyle/>
+          <a:p>
+            <a:pPr algn="ctr"/>
+            <a:r>
+              <a:rPr lang="en-GB" sz="1200" dirty="0" smtClean="0"/>
+              <a:t>2</a:t>
+            </a:r>
+            <a:endParaRPr lang="en-GB" sz="1200" dirty="0"/>
+          </a:p>
+        </p:txBody>
+      </p:sp>
+    </p:spTree>
+    <p:extLst>
+      <p:ext uri="{BB962C8B-B14F-4D97-AF65-F5344CB8AC3E}">
+        <p14:creationId xmlns:p14="http://schemas.microsoft.com/office/powerpoint/2010/main" val="2164536350"/>
+      </p:ext>
+    </p:extLst>
+  </p:cSld>
+  <p:clrMapOvr>
+    <a:masterClrMapping/>
+  </p:clrMapOvr>
+</p:sld>
+</file>
+
+<file path=ppt/slides/slide33.xml><?xml version="1.0" encoding="utf-8"?>
+<p:sld xmlns:a="http://schemas.openxmlformats.org/drawingml/2006/main" xmlns:r="http://schemas.openxmlformats.org/officeDocument/2006/relationships" xmlns:p="http://schemas.openxmlformats.org/presentationml/2006/main">
+  <p:cSld>
+    <p:spTree>
+      <p:nvGrpSpPr>
+        <p:cNvPr id="1" name=""/>
+        <p:cNvGrpSpPr/>
+        <p:nvPr/>
+      </p:nvGrpSpPr>
+      <p:grpSpPr>
+        <a:xfrm>
+          <a:off x="0" y="0"/>
+          <a:ext cx="0" cy="0"/>
+          <a:chOff x="0" y="0"/>
+          <a:chExt cx="0" cy="0"/>
+        </a:xfrm>
+      </p:grpSpPr>
+      <p:pic>
+        <p:nvPicPr>
+          <p:cNvPr id="1026" name="Picture 2"/>
+          <p:cNvPicPr>
+            <a:picLocks noChangeAspect="1" noChangeArrowheads="1"/>
+          </p:cNvPicPr>
+          <p:nvPr/>
+        </p:nvPicPr>
+        <p:blipFill>
+          <a:blip r:embed="rId2">
+            <a:extLst>
+              <a:ext uri="{28A0092B-C50C-407E-A947-70E740481C1C}">
+                <a14:useLocalDpi xmlns:a14="http://schemas.microsoft.com/office/drawing/2010/main" val="0"/>
+              </a:ext>
+            </a:extLst>
+          </a:blip>
+          <a:srcRect/>
+          <a:stretch>
+            <a:fillRect/>
+          </a:stretch>
+        </p:blipFill>
+        <p:spPr bwMode="auto">
+          <a:xfrm>
+            <a:off x="-1311275" y="1803400"/>
+            <a:ext cx="11766550" cy="3249613"/>
+          </a:xfrm>
+          <a:prstGeom prst="rect">
+            <a:avLst/>
+          </a:prstGeom>
+          <a:noFill/>
+          <a:ln>
+            <a:noFill/>
+          </a:ln>
+          <a:effectLst/>
+          <a:extLst>
+            <a:ext uri="{909E8E84-426E-40DD-AFC4-6F175D3DCCD1}">
+              <a14:hiddenFill xmlns:a14="http://schemas.microsoft.com/office/drawing/2010/main">
+                <a:solidFill>
+                  <a:schemeClr val="accent1"/>
+                </a:solidFill>
+              </a14:hiddenFill>
+            </a:ext>
+            <a:ext uri="{91240B29-F687-4F45-9708-019B960494DF}">
+              <a14:hiddenLine xmlns:a14="http://schemas.microsoft.com/office/drawing/2010/main" w="9525">
+                <a:solidFill>
+                  <a:schemeClr val="tx1"/>
+                </a:solidFill>
+                <a:miter lim="800000"/>
+                <a:headEnd/>
+                <a:tailEnd/>
+              </a14:hiddenLine>
+            </a:ext>
+            <a:ext uri="{AF507438-7753-43E0-B8FC-AC1667EBCBE1}">
+              <a14:hiddenEffects xmlns:a14="http://schemas.microsoft.com/office/drawing/2010/main">
+                <a:effectLst>
+                  <a:outerShdw dist="35921" dir="2700000" algn="ctr" rotWithShape="0">
+                    <a:schemeClr val="bg2"/>
+                  </a:outerShdw>
+                </a:effectLst>
+              </a14:hiddenEffects>
+            </a:ext>
+          </a:extLst>
+        </p:spPr>
+      </p:pic>
+    </p:spTree>
+    <p:extLst>
+      <p:ext uri="{BB962C8B-B14F-4D97-AF65-F5344CB8AC3E}">
+        <p14:creationId xmlns:p14="http://schemas.microsoft.com/office/powerpoint/2010/main" val="2164536350"/>
+      </p:ext>
+    </p:extLst>
+  </p:cSld>
+  <p:clrMapOvr>
+    <a:masterClrMapping/>
+  </p:clrMapOvr>
+</p:sld>
+</file>
+
+<file path=ppt/slides/slide34.xml><?xml version="1.0" encoding="utf-8"?>
+<p:sld xmlns:a="http://schemas.openxmlformats.org/drawingml/2006/main" xmlns:r="http://schemas.openxmlformats.org/officeDocument/2006/relationships" xmlns:p="http://schemas.openxmlformats.org/presentationml/2006/main">
+  <p:cSld>
+    <p:spTree>
+      <p:nvGrpSpPr>
+        <p:cNvPr id="1" name=""/>
+        <p:cNvGrpSpPr/>
+        <p:nvPr/>
+      </p:nvGrpSpPr>
+      <p:grpSpPr>
+        <a:xfrm>
+          <a:off x="0" y="0"/>
+          <a:ext cx="0" cy="0"/>
+          <a:chOff x="0" y="0"/>
+          <a:chExt cx="0" cy="0"/>
+        </a:xfrm>
+      </p:grpSpPr>
+      <p:pic>
+        <p:nvPicPr>
+          <p:cNvPr id="4099" name="Picture 3"/>
+          <p:cNvPicPr>
+            <a:picLocks noChangeAspect="1" noChangeArrowheads="1"/>
+          </p:cNvPicPr>
+          <p:nvPr/>
+        </p:nvPicPr>
+        <p:blipFill>
+          <a:blip r:embed="rId2">
+            <a:extLst>
+              <a:ext uri="{28A0092B-C50C-407E-A947-70E740481C1C}">
+                <a14:useLocalDpi xmlns:a14="http://schemas.microsoft.com/office/drawing/2010/main" val="0"/>
+              </a:ext>
+            </a:extLst>
+          </a:blip>
+          <a:srcRect/>
+          <a:stretch>
+            <a:fillRect/>
+          </a:stretch>
+        </p:blipFill>
+        <p:spPr bwMode="auto">
+          <a:xfrm>
+            <a:off x="-928688" y="1233488"/>
+            <a:ext cx="11001376" cy="4391025"/>
+          </a:xfrm>
+          <a:prstGeom prst="rect">
+            <a:avLst/>
+          </a:prstGeom>
+          <a:noFill/>
+          <a:ln>
+            <a:noFill/>
+          </a:ln>
+          <a:effectLst/>
+          <a:extLst>
+            <a:ext uri="{909E8E84-426E-40DD-AFC4-6F175D3DCCD1}">
+              <a14:hiddenFill xmlns:a14="http://schemas.microsoft.com/office/drawing/2010/main">
+                <a:solidFill>
+                  <a:schemeClr val="accent1"/>
+                </a:solidFill>
+              </a14:hiddenFill>
+            </a:ext>
+            <a:ext uri="{91240B29-F687-4F45-9708-019B960494DF}">
+              <a14:hiddenLine xmlns:a14="http://schemas.microsoft.com/office/drawing/2010/main" w="9525">
+                <a:solidFill>
+                  <a:schemeClr val="tx1"/>
+                </a:solidFill>
+                <a:miter lim="800000"/>
+                <a:headEnd/>
+                <a:tailEnd/>
+              </a14:hiddenLine>
+            </a:ext>
+            <a:ext uri="{AF507438-7753-43E0-B8FC-AC1667EBCBE1}">
+              <a14:hiddenEffects xmlns:a14="http://schemas.microsoft.com/office/drawing/2010/main">
+                <a:effectLst>
+                  <a:outerShdw dist="35921" dir="2700000" algn="ctr" rotWithShape="0">
+                    <a:schemeClr val="bg2"/>
+                  </a:outerShdw>
+                </a:effectLst>
+              </a14:hiddenEffects>
+            </a:ext>
+          </a:extLst>
+        </p:spPr>
+      </p:pic>
+    </p:spTree>
+    <p:extLst>
+      <p:ext uri="{BB962C8B-B14F-4D97-AF65-F5344CB8AC3E}">
+        <p14:creationId xmlns:p14="http://schemas.microsoft.com/office/powerpoint/2010/main" val="2164536350"/>
+      </p:ext>
+    </p:extLst>
+  </p:cSld>
+  <p:clrMapOvr>
+    <a:masterClrMapping/>
+  </p:clrMapOvr>
+</p:sld>
+</file>
+
+<file path=ppt/slides/slide35.xml><?xml version="1.0" encoding="utf-8"?>
+<p:sld xmlns:a="http://schemas.openxmlformats.org/drawingml/2006/main" xmlns:r="http://schemas.openxmlformats.org/officeDocument/2006/relationships" xmlns:p="http://schemas.openxmlformats.org/presentationml/2006/main">
+  <p:cSld>
+    <p:spTree>
+      <p:nvGrpSpPr>
+        <p:cNvPr id="1" name=""/>
+        <p:cNvGrpSpPr/>
+        <p:nvPr/>
+      </p:nvGrpSpPr>
+      <p:grpSpPr>
+        <a:xfrm>
+          <a:off x="0" y="0"/>
+          <a:ext cx="0" cy="0"/>
+          <a:chOff x="0" y="0"/>
+          <a:chExt cx="0" cy="0"/>
+        </a:xfrm>
+      </p:grpSpPr>
+      <p:pic>
+        <p:nvPicPr>
+          <p:cNvPr id="4" name="Picture 2"/>
+          <p:cNvPicPr>
+            <a:picLocks noChangeAspect="1" noChangeArrowheads="1"/>
+          </p:cNvPicPr>
+          <p:nvPr/>
+        </p:nvPicPr>
+        <p:blipFill rotWithShape="1">
+          <a:blip r:embed="rId2">
+            <a:extLst>
+              <a:ext uri="{28A0092B-C50C-407E-A947-70E740481C1C}">
+                <a14:useLocalDpi xmlns:a14="http://schemas.microsoft.com/office/drawing/2010/main" val="0"/>
+              </a:ext>
+            </a:extLst>
+          </a:blip>
+          <a:srcRect l="8724" t="15949" r="10093" b="26077"/>
+          <a:stretch/>
+        </p:blipFill>
+        <p:spPr bwMode="auto">
+          <a:xfrm>
+            <a:off x="-900608" y="1340768"/>
+            <a:ext cx="10562898" cy="4240924"/>
+          </a:xfrm>
+          <a:prstGeom prst="rect">
+            <a:avLst/>
+          </a:prstGeom>
+          <a:noFill/>
+          <a:ln>
+            <a:noFill/>
+          </a:ln>
+          <a:extLst>
+            <a:ext uri="{909E8E84-426E-40DD-AFC4-6F175D3DCCD1}">
+              <a14:hiddenFill xmlns:a14="http://schemas.microsoft.com/office/drawing/2010/main">
+                <a:solidFill>
+                  <a:schemeClr val="accent1"/>
+                </a:solidFill>
+              </a14:hiddenFill>
+            </a:ext>
+            <a:ext uri="{91240B29-F687-4F45-9708-019B960494DF}">
+              <a14:hiddenLine xmlns:a14="http://schemas.microsoft.com/office/drawing/2010/main" w="9525">
+                <a:solidFill>
+                  <a:schemeClr val="tx1"/>
+                </a:solidFill>
+                <a:miter lim="800000"/>
+                <a:headEnd/>
+                <a:tailEnd/>
+              </a14:hiddenLine>
+            </a:ext>
+          </a:extLst>
+        </p:spPr>
+      </p:pic>
+    </p:spTree>
+    <p:extLst>
+      <p:ext uri="{BB962C8B-B14F-4D97-AF65-F5344CB8AC3E}">
+        <p14:creationId xmlns:p14="http://schemas.microsoft.com/office/powerpoint/2010/main" val="2667750215"/>
+      </p:ext>
+    </p:extLst>
+  </p:cSld>
+  <p:clrMapOvr>
+    <a:masterClrMapping/>
+  </p:clrMapOvr>
+</p:sld>
+</file>
+
+<file path=ppt/slides/slide36.xml><?xml version="1.0" encoding="utf-8"?>
+<p:sld xmlns:a="http://schemas.openxmlformats.org/drawingml/2006/main" xmlns:r="http://schemas.openxmlformats.org/officeDocument/2006/relationships" xmlns:p="http://schemas.openxmlformats.org/presentationml/2006/main">
+  <p:cSld>
+    <p:spTree>
+      <p:nvGrpSpPr>
+        <p:cNvPr id="1" name=""/>
+        <p:cNvGrpSpPr/>
+        <p:nvPr/>
+      </p:nvGrpSpPr>
+      <p:grpSpPr>
+        <a:xfrm>
+          <a:off x="0" y="0"/>
+          <a:ext cx="0" cy="0"/>
+          <a:chOff x="0" y="0"/>
+          <a:chExt cx="0" cy="0"/>
+        </a:xfrm>
+      </p:grpSpPr>
+      <p:pic>
+        <p:nvPicPr>
+          <p:cNvPr id="3" name="Picture 2"/>
+          <p:cNvPicPr>
+            <a:picLocks noChangeAspect="1" noChangeArrowheads="1"/>
+          </p:cNvPicPr>
+          <p:nvPr/>
+        </p:nvPicPr>
+        <p:blipFill rotWithShape="1">
+          <a:blip r:embed="rId2">
+            <a:extLst>
+              <a:ext uri="{28A0092B-C50C-407E-A947-70E740481C1C}">
+                <a14:useLocalDpi xmlns:a14="http://schemas.microsoft.com/office/drawing/2010/main" val="0"/>
+              </a:ext>
+            </a:extLst>
+          </a:blip>
+          <a:srcRect l="9451" t="38578" r="10456" b="21121"/>
+          <a:stretch/>
+        </p:blipFill>
+        <p:spPr bwMode="auto">
+          <a:xfrm>
+            <a:off x="-828600" y="1625610"/>
+            <a:ext cx="10421007" cy="2948151"/>
+          </a:xfrm>
+          <a:prstGeom prst="rect">
+            <a:avLst/>
+          </a:prstGeom>
+          <a:noFill/>
+          <a:ln>
+            <a:noFill/>
+          </a:ln>
+          <a:extLst>
+            <a:ext uri="{909E8E84-426E-40DD-AFC4-6F175D3DCCD1}">
+              <a14:hiddenFill xmlns:a14="http://schemas.microsoft.com/office/drawing/2010/main">
+                <a:solidFill>
+                  <a:schemeClr val="accent1"/>
+                </a:solidFill>
+              </a14:hiddenFill>
+            </a:ext>
+            <a:ext uri="{91240B29-F687-4F45-9708-019B960494DF}">
+              <a14:hiddenLine xmlns:a14="http://schemas.microsoft.com/office/drawing/2010/main" w="9525">
+                <a:solidFill>
+                  <a:schemeClr val="tx1"/>
+                </a:solidFill>
+                <a:miter lim="800000"/>
+                <a:headEnd/>
+                <a:tailEnd/>
+              </a14:hiddenLine>
+            </a:ext>
+          </a:extLst>
+        </p:spPr>
+      </p:pic>
+      <p:sp>
+        <p:nvSpPr>
+          <p:cNvPr id="4" name="3 Elipse"/>
+          <p:cNvSpPr/>
+          <p:nvPr/>
+        </p:nvSpPr>
+        <p:spPr>
+          <a:xfrm>
+            <a:off x="6012160" y="1916832"/>
+            <a:ext cx="237681" cy="223557"/>
+          </a:xfrm>
+          <a:prstGeom prst="ellipse">
+            <a:avLst/>
+          </a:prstGeom>
+          <a:solidFill>
+            <a:srgbClr val="0070C0"/>
+          </a:solidFill>
+          <a:ln>
+            <a:noFill/>
+          </a:ln>
+        </p:spPr>
+        <p:style>
+          <a:lnRef idx="2">
+            <a:schemeClr val="accent1">
+              <a:shade val="50000"/>
+            </a:schemeClr>
+          </a:lnRef>
+          <a:fillRef idx="1">
+            <a:schemeClr val="accent1"/>
+          </a:fillRef>
+          <a:effectRef idx="0">
+            <a:schemeClr val="accent1"/>
+          </a:effectRef>
+          <a:fontRef idx="minor">
+            <a:schemeClr val="lt1"/>
+          </a:fontRef>
+        </p:style>
+        <p:txBody>
+          <a:bodyPr rtlCol="0" anchor="ctr"/>
+          <a:lstStyle/>
+          <a:p>
+            <a:pPr algn="ctr"/>
+            <a:r>
+              <a:rPr lang="en-GB" sz="1200" dirty="0" smtClean="0"/>
+              <a:t>1</a:t>
+            </a:r>
+            <a:endParaRPr lang="en-GB" sz="1200" dirty="0"/>
+          </a:p>
+        </p:txBody>
+      </p:sp>
+    </p:spTree>
+    <p:extLst>
+      <p:ext uri="{BB962C8B-B14F-4D97-AF65-F5344CB8AC3E}">
+        <p14:creationId xmlns:p14="http://schemas.microsoft.com/office/powerpoint/2010/main" val="4287886277"/>
+      </p:ext>
+    </p:extLst>
+  </p:cSld>
+  <p:clrMapOvr>
+    <a:masterClrMapping/>
+  </p:clrMapOvr>
+</p:sld>
+</file>
+
+<file path=ppt/slides/slide37.xml><?xml version="1.0" encoding="utf-8"?>
+<p:sld xmlns:a="http://schemas.openxmlformats.org/drawingml/2006/main" xmlns:r="http://schemas.openxmlformats.org/officeDocument/2006/relationships" xmlns:p="http://schemas.openxmlformats.org/presentationml/2006/main">
+  <p:cSld>
+    <p:spTree>
+      <p:nvGrpSpPr>
+        <p:cNvPr id="1" name=""/>
+        <p:cNvGrpSpPr/>
+        <p:nvPr/>
+      </p:nvGrpSpPr>
+      <p:grpSpPr>
+        <a:xfrm>
+          <a:off x="0" y="0"/>
+          <a:ext cx="0" cy="0"/>
+          <a:chOff x="0" y="0"/>
+          <a:chExt cx="0" cy="0"/>
+        </a:xfrm>
+      </p:grpSpPr>
+      <p:pic>
+        <p:nvPicPr>
+          <p:cNvPr id="5122" name="Picture 2"/>
+          <p:cNvPicPr>
+            <a:picLocks noChangeAspect="1" noChangeArrowheads="1"/>
+          </p:cNvPicPr>
+          <p:nvPr/>
+        </p:nvPicPr>
+        <p:blipFill>
+          <a:blip r:embed="rId2">
+            <a:extLst>
+              <a:ext uri="{28A0092B-C50C-407E-A947-70E740481C1C}">
+                <a14:useLocalDpi xmlns:a14="http://schemas.microsoft.com/office/drawing/2010/main" val="0"/>
+              </a:ext>
+            </a:extLst>
+          </a:blip>
+          <a:srcRect/>
+          <a:stretch>
+            <a:fillRect/>
+          </a:stretch>
+        </p:blipFill>
+        <p:spPr bwMode="auto">
+          <a:xfrm>
+            <a:off x="-962025" y="2376488"/>
+            <a:ext cx="11068050" cy="2105025"/>
+          </a:xfrm>
+          <a:prstGeom prst="rect">
+            <a:avLst/>
+          </a:prstGeom>
+          <a:noFill/>
+          <a:ln>
+            <a:noFill/>
+          </a:ln>
+          <a:effectLst/>
+          <a:extLst>
+            <a:ext uri="{909E8E84-426E-40DD-AFC4-6F175D3DCCD1}">
+              <a14:hiddenFill xmlns:a14="http://schemas.microsoft.com/office/drawing/2010/main">
+                <a:solidFill>
+                  <a:schemeClr val="accent1"/>
+                </a:solidFill>
+              </a14:hiddenFill>
+            </a:ext>
+            <a:ext uri="{91240B29-F687-4F45-9708-019B960494DF}">
+              <a14:hiddenLine xmlns:a14="http://schemas.microsoft.com/office/drawing/2010/main" w="9525">
+                <a:solidFill>
+                  <a:schemeClr val="tx1"/>
+                </a:solidFill>
+                <a:miter lim="800000"/>
+                <a:headEnd/>
+                <a:tailEnd/>
+              </a14:hiddenLine>
+            </a:ext>
+            <a:ext uri="{AF507438-7753-43E0-B8FC-AC1667EBCBE1}">
+              <a14:hiddenEffects xmlns:a14="http://schemas.microsoft.com/office/drawing/2010/main">
+                <a:effectLst>
+                  <a:outerShdw dist="35921" dir="2700000" algn="ctr" rotWithShape="0">
+                    <a:schemeClr val="bg2"/>
+                  </a:outerShdw>
+                </a:effectLst>
+              </a14:hiddenEffects>
+            </a:ext>
+          </a:extLst>
+        </p:spPr>
+      </p:pic>
+    </p:spTree>
+    <p:extLst>
+      <p:ext uri="{BB962C8B-B14F-4D97-AF65-F5344CB8AC3E}">
+        <p14:creationId xmlns:p14="http://schemas.microsoft.com/office/powerpoint/2010/main" val="4287886277"/>
+      </p:ext>
+    </p:extLst>
+  </p:cSld>
+  <p:clrMapOvr>
+    <a:masterClrMapping/>
+  </p:clrMapOvr>
+</p:sld>
+</file>
+
+<file path=ppt/slides/slide38.xml><?xml version="1.0" encoding="utf-8"?>
+<p:sld xmlns:a="http://schemas.openxmlformats.org/drawingml/2006/main" xmlns:r="http://schemas.openxmlformats.org/officeDocument/2006/relationships" xmlns:p="http://schemas.openxmlformats.org/presentationml/2006/main">
+  <p:cSld>
+    <p:spTree>
+      <p:nvGrpSpPr>
+        <p:cNvPr id="1" name=""/>
+        <p:cNvGrpSpPr/>
+        <p:nvPr/>
+      </p:nvGrpSpPr>
+      <p:grpSpPr>
+        <a:xfrm>
+          <a:off x="0" y="0"/>
+          <a:ext cx="0" cy="0"/>
+          <a:chOff x="0" y="0"/>
+          <a:chExt cx="0" cy="0"/>
+        </a:xfrm>
+      </p:grpSpPr>
+      <p:pic>
+        <p:nvPicPr>
+          <p:cNvPr id="3075" name="Picture 3"/>
+          <p:cNvPicPr>
+            <a:picLocks noChangeAspect="1" noChangeArrowheads="1"/>
+          </p:cNvPicPr>
+          <p:nvPr/>
+        </p:nvPicPr>
+        <p:blipFill>
+          <a:blip r:embed="rId2">
+            <a:extLst>
+              <a:ext uri="{28A0092B-C50C-407E-A947-70E740481C1C}">
+                <a14:useLocalDpi xmlns:a14="http://schemas.microsoft.com/office/drawing/2010/main" val="0"/>
+              </a:ext>
+            </a:extLst>
+          </a:blip>
+          <a:srcRect/>
+          <a:stretch>
+            <a:fillRect/>
+          </a:stretch>
+        </p:blipFill>
+        <p:spPr bwMode="auto">
+          <a:xfrm>
+            <a:off x="-962025" y="1804988"/>
+            <a:ext cx="11068050" cy="3248025"/>
+          </a:xfrm>
+          <a:prstGeom prst="rect">
+            <a:avLst/>
+          </a:prstGeom>
+          <a:noFill/>
+          <a:ln>
+            <a:noFill/>
+          </a:ln>
+          <a:effectLst/>
+          <a:extLst>
+            <a:ext uri="{909E8E84-426E-40DD-AFC4-6F175D3DCCD1}">
+              <a14:hiddenFill xmlns:a14="http://schemas.microsoft.com/office/drawing/2010/main">
+                <a:solidFill>
+                  <a:schemeClr val="accent1"/>
+                </a:solidFill>
+              </a14:hiddenFill>
+            </a:ext>
+            <a:ext uri="{91240B29-F687-4F45-9708-019B960494DF}">
+              <a14:hiddenLine xmlns:a14="http://schemas.microsoft.com/office/drawing/2010/main" w="9525">
+                <a:solidFill>
+                  <a:schemeClr val="tx1"/>
+                </a:solidFill>
+                <a:miter lim="800000"/>
+                <a:headEnd/>
+                <a:tailEnd/>
+              </a14:hiddenLine>
+            </a:ext>
+            <a:ext uri="{AF507438-7753-43E0-B8FC-AC1667EBCBE1}">
+              <a14:hiddenEffects xmlns:a14="http://schemas.microsoft.com/office/drawing/2010/main">
+                <a:effectLst>
+                  <a:outerShdw dist="35921" dir="2700000" algn="ctr" rotWithShape="0">
+                    <a:schemeClr val="bg2"/>
+                  </a:outerShdw>
+                </a:effectLst>
+              </a14:hiddenEffects>
+            </a:ext>
+          </a:extLst>
+        </p:spPr>
+      </p:pic>
+    </p:spTree>
+    <p:extLst>
+      <p:ext uri="{BB962C8B-B14F-4D97-AF65-F5344CB8AC3E}">
+        <p14:creationId xmlns:p14="http://schemas.microsoft.com/office/powerpoint/2010/main" val="4287886277"/>
+      </p:ext>
+    </p:extLst>
+  </p:cSld>
+  <p:clrMapOvr>
+    <a:masterClrMapping/>
+  </p:clrMapOvr>
+</p:sld>
+</file>
+
+<file path=ppt/slides/slide39.xml><?xml version="1.0" encoding="utf-8"?>
+<p:sld xmlns:a="http://schemas.openxmlformats.org/drawingml/2006/main" xmlns:r="http://schemas.openxmlformats.org/officeDocument/2006/relationships" xmlns:p="http://schemas.openxmlformats.org/presentationml/2006/main">
+  <p:cSld>
+    <p:spTree>
+      <p:nvGrpSpPr>
+        <p:cNvPr id="1" name=""/>
+        <p:cNvGrpSpPr/>
+        <p:nvPr/>
+      </p:nvGrpSpPr>
+      <p:grpSpPr>
+        <a:xfrm>
+          <a:off x="0" y="0"/>
+          <a:ext cx="0" cy="0"/>
+          <a:chOff x="0" y="0"/>
+          <a:chExt cx="0" cy="0"/>
+        </a:xfrm>
+      </p:grpSpPr>
+      <p:pic>
+        <p:nvPicPr>
+          <p:cNvPr id="5" name="Picture 2"/>
+          <p:cNvPicPr>
+            <a:picLocks noChangeAspect="1" noChangeArrowheads="1"/>
+          </p:cNvPicPr>
+          <p:nvPr/>
+        </p:nvPicPr>
+        <p:blipFill rotWithShape="1">
+          <a:blip r:embed="rId2">
+            <a:extLst>
+              <a:ext uri="{28A0092B-C50C-407E-A947-70E740481C1C}">
+                <a14:useLocalDpi xmlns:a14="http://schemas.microsoft.com/office/drawing/2010/main" val="0"/>
+              </a:ext>
+            </a:extLst>
+          </a:blip>
+          <a:srcRect l="7755" t="18104" r="9123" b="8189"/>
+          <a:stretch/>
+        </p:blipFill>
+        <p:spPr bwMode="auto">
+          <a:xfrm>
+            <a:off x="-540568" y="692696"/>
+            <a:ext cx="10815145" cy="5391808"/>
+          </a:xfrm>
+          <a:prstGeom prst="rect">
+            <a:avLst/>
+          </a:prstGeom>
+          <a:noFill/>
+          <a:ln>
+            <a:noFill/>
+          </a:ln>
+          <a:extLst>
+            <a:ext uri="{909E8E84-426E-40DD-AFC4-6F175D3DCCD1}">
+              <a14:hiddenFill xmlns:a14="http://schemas.microsoft.com/office/drawing/2010/main">
+                <a:solidFill>
+                  <a:schemeClr val="accent1"/>
+                </a:solidFill>
+              </a14:hiddenFill>
+            </a:ext>
+            <a:ext uri="{91240B29-F687-4F45-9708-019B960494DF}">
+              <a14:hiddenLine xmlns:a14="http://schemas.microsoft.com/office/drawing/2010/main" w="9525">
+                <a:solidFill>
+                  <a:schemeClr val="tx1"/>
+                </a:solidFill>
+                <a:miter lim="800000"/>
+                <a:headEnd/>
+                <a:tailEnd/>
+              </a14:hiddenLine>
+            </a:ext>
+          </a:extLst>
+        </p:spPr>
+      </p:pic>
+    </p:spTree>
+    <p:extLst>
+      <p:ext uri="{BB962C8B-B14F-4D97-AF65-F5344CB8AC3E}">
+        <p14:creationId xmlns:p14="http://schemas.microsoft.com/office/powerpoint/2010/main" val="756173555"/>
       </p:ext>
     </p:extLst>
   </p:cSld>
@@ -4207,6 +9012,742 @@
 </p:sld>
 </file>
 
+<file path=ppt/slides/slide40.xml><?xml version="1.0" encoding="utf-8"?>
+<p:sld xmlns:a="http://schemas.openxmlformats.org/drawingml/2006/main" xmlns:r="http://schemas.openxmlformats.org/officeDocument/2006/relationships" xmlns:p="http://schemas.openxmlformats.org/presentationml/2006/main">
+  <p:cSld>
+    <p:spTree>
+      <p:nvGrpSpPr>
+        <p:cNvPr id="1" name=""/>
+        <p:cNvGrpSpPr/>
+        <p:nvPr/>
+      </p:nvGrpSpPr>
+      <p:grpSpPr>
+        <a:xfrm>
+          <a:off x="0" y="0"/>
+          <a:ext cx="0" cy="0"/>
+          <a:chOff x="0" y="0"/>
+          <a:chExt cx="0" cy="0"/>
+        </a:xfrm>
+      </p:grpSpPr>
+      <p:pic>
+        <p:nvPicPr>
+          <p:cNvPr id="8" name="Picture 3"/>
+          <p:cNvPicPr>
+            <a:picLocks noChangeAspect="1" noChangeArrowheads="1"/>
+          </p:cNvPicPr>
+          <p:nvPr/>
+        </p:nvPicPr>
+        <p:blipFill rotWithShape="1">
+          <a:blip r:embed="rId2">
+            <a:extLst>
+              <a:ext uri="{28A0092B-C50C-407E-A947-70E740481C1C}">
+                <a14:useLocalDpi xmlns:a14="http://schemas.microsoft.com/office/drawing/2010/main" val="0"/>
+              </a:ext>
+            </a:extLst>
+          </a:blip>
+          <a:srcRect l="9330" t="8190" r="9972" b="14440"/>
+          <a:stretch/>
+        </p:blipFill>
+        <p:spPr bwMode="auto">
+          <a:xfrm>
+            <a:off x="-324544" y="565175"/>
+            <a:ext cx="10499834" cy="5659820"/>
+          </a:xfrm>
+          <a:prstGeom prst="rect">
+            <a:avLst/>
+          </a:prstGeom>
+          <a:noFill/>
+          <a:ln>
+            <a:noFill/>
+          </a:ln>
+          <a:extLst>
+            <a:ext uri="{909E8E84-426E-40DD-AFC4-6F175D3DCCD1}">
+              <a14:hiddenFill xmlns:a14="http://schemas.microsoft.com/office/drawing/2010/main">
+                <a:solidFill>
+                  <a:schemeClr val="accent1"/>
+                </a:solidFill>
+              </a14:hiddenFill>
+            </a:ext>
+            <a:ext uri="{91240B29-F687-4F45-9708-019B960494DF}">
+              <a14:hiddenLine xmlns:a14="http://schemas.microsoft.com/office/drawing/2010/main" w="9525">
+                <a:solidFill>
+                  <a:schemeClr val="tx1"/>
+                </a:solidFill>
+                <a:miter lim="800000"/>
+                <a:headEnd/>
+                <a:tailEnd/>
+              </a14:hiddenLine>
+            </a:ext>
+          </a:extLst>
+        </p:spPr>
+      </p:pic>
+      <p:sp>
+        <p:nvSpPr>
+          <p:cNvPr id="9" name="8 Elipse"/>
+          <p:cNvSpPr/>
+          <p:nvPr/>
+        </p:nvSpPr>
+        <p:spPr>
+          <a:xfrm>
+            <a:off x="9966709" y="1869073"/>
+            <a:ext cx="237681" cy="223557"/>
+          </a:xfrm>
+          <a:prstGeom prst="ellipse">
+            <a:avLst/>
+          </a:prstGeom>
+          <a:solidFill>
+            <a:srgbClr val="0070C0"/>
+          </a:solidFill>
+          <a:ln>
+            <a:noFill/>
+          </a:ln>
+        </p:spPr>
+        <p:style>
+          <a:lnRef idx="2">
+            <a:schemeClr val="accent1">
+              <a:shade val="50000"/>
+            </a:schemeClr>
+          </a:lnRef>
+          <a:fillRef idx="1">
+            <a:schemeClr val="accent1"/>
+          </a:fillRef>
+          <a:effectRef idx="0">
+            <a:schemeClr val="accent1"/>
+          </a:effectRef>
+          <a:fontRef idx="minor">
+            <a:schemeClr val="lt1"/>
+          </a:fontRef>
+        </p:style>
+        <p:txBody>
+          <a:bodyPr rtlCol="0" anchor="ctr"/>
+          <a:lstStyle/>
+          <a:p>
+            <a:pPr algn="ctr"/>
+            <a:r>
+              <a:rPr lang="en-GB" sz="1200" dirty="0" smtClean="0"/>
+              <a:t>1</a:t>
+            </a:r>
+            <a:endParaRPr lang="en-GB" sz="1200" dirty="0"/>
+          </a:p>
+        </p:txBody>
+      </p:sp>
+      <p:sp>
+        <p:nvSpPr>
+          <p:cNvPr id="10" name="9 Elipse"/>
+          <p:cNvSpPr/>
+          <p:nvPr/>
+        </p:nvSpPr>
+        <p:spPr>
+          <a:xfrm>
+            <a:off x="9966709" y="2795216"/>
+            <a:ext cx="237681" cy="223557"/>
+          </a:xfrm>
+          <a:prstGeom prst="ellipse">
+            <a:avLst/>
+          </a:prstGeom>
+          <a:solidFill>
+            <a:srgbClr val="0070C0"/>
+          </a:solidFill>
+          <a:ln>
+            <a:noFill/>
+          </a:ln>
+        </p:spPr>
+        <p:style>
+          <a:lnRef idx="2">
+            <a:schemeClr val="accent1">
+              <a:shade val="50000"/>
+            </a:schemeClr>
+          </a:lnRef>
+          <a:fillRef idx="1">
+            <a:schemeClr val="accent1"/>
+          </a:fillRef>
+          <a:effectRef idx="0">
+            <a:schemeClr val="accent1"/>
+          </a:effectRef>
+          <a:fontRef idx="minor">
+            <a:schemeClr val="lt1"/>
+          </a:fontRef>
+        </p:style>
+        <p:txBody>
+          <a:bodyPr rtlCol="0" anchor="ctr"/>
+          <a:lstStyle/>
+          <a:p>
+            <a:pPr algn="ctr"/>
+            <a:r>
+              <a:rPr lang="en-GB" sz="1200" dirty="0" smtClean="0"/>
+              <a:t>2</a:t>
+            </a:r>
+            <a:endParaRPr lang="en-GB" sz="1200" dirty="0"/>
+          </a:p>
+        </p:txBody>
+      </p:sp>
+      <p:sp>
+        <p:nvSpPr>
+          <p:cNvPr id="11" name="10 Elipse"/>
+          <p:cNvSpPr/>
+          <p:nvPr/>
+        </p:nvSpPr>
+        <p:spPr>
+          <a:xfrm>
+            <a:off x="9966709" y="3284984"/>
+            <a:ext cx="237681" cy="223557"/>
+          </a:xfrm>
+          <a:prstGeom prst="ellipse">
+            <a:avLst/>
+          </a:prstGeom>
+          <a:solidFill>
+            <a:srgbClr val="0070C0"/>
+          </a:solidFill>
+          <a:ln>
+            <a:noFill/>
+          </a:ln>
+        </p:spPr>
+        <p:style>
+          <a:lnRef idx="2">
+            <a:schemeClr val="accent1">
+              <a:shade val="50000"/>
+            </a:schemeClr>
+          </a:lnRef>
+          <a:fillRef idx="1">
+            <a:schemeClr val="accent1"/>
+          </a:fillRef>
+          <a:effectRef idx="0">
+            <a:schemeClr val="accent1"/>
+          </a:effectRef>
+          <a:fontRef idx="minor">
+            <a:schemeClr val="lt1"/>
+          </a:fontRef>
+        </p:style>
+        <p:txBody>
+          <a:bodyPr rtlCol="0" anchor="ctr"/>
+          <a:lstStyle/>
+          <a:p>
+            <a:pPr algn="ctr"/>
+            <a:r>
+              <a:rPr lang="en-GB" sz="1200" dirty="0" smtClean="0"/>
+              <a:t>3</a:t>
+            </a:r>
+            <a:endParaRPr lang="en-GB" sz="1200" dirty="0"/>
+          </a:p>
+        </p:txBody>
+      </p:sp>
+      <p:sp>
+        <p:nvSpPr>
+          <p:cNvPr id="12" name="11 Elipse"/>
+          <p:cNvSpPr/>
+          <p:nvPr/>
+        </p:nvSpPr>
+        <p:spPr>
+          <a:xfrm>
+            <a:off x="9966709" y="3839227"/>
+            <a:ext cx="237681" cy="223557"/>
+          </a:xfrm>
+          <a:prstGeom prst="ellipse">
+            <a:avLst/>
+          </a:prstGeom>
+          <a:solidFill>
+            <a:srgbClr val="0070C0"/>
+          </a:solidFill>
+          <a:ln>
+            <a:noFill/>
+          </a:ln>
+        </p:spPr>
+        <p:style>
+          <a:lnRef idx="2">
+            <a:schemeClr val="accent1">
+              <a:shade val="50000"/>
+            </a:schemeClr>
+          </a:lnRef>
+          <a:fillRef idx="1">
+            <a:schemeClr val="accent1"/>
+          </a:fillRef>
+          <a:effectRef idx="0">
+            <a:schemeClr val="accent1"/>
+          </a:effectRef>
+          <a:fontRef idx="minor">
+            <a:schemeClr val="lt1"/>
+          </a:fontRef>
+        </p:style>
+        <p:txBody>
+          <a:bodyPr rtlCol="0" anchor="ctr"/>
+          <a:lstStyle/>
+          <a:p>
+            <a:pPr algn="ctr"/>
+            <a:r>
+              <a:rPr lang="en-GB" sz="1200" dirty="0" smtClean="0"/>
+              <a:t>4</a:t>
+            </a:r>
+            <a:endParaRPr lang="en-GB" sz="1200" dirty="0"/>
+          </a:p>
+        </p:txBody>
+      </p:sp>
+      <p:sp>
+        <p:nvSpPr>
+          <p:cNvPr id="13" name="12 Elipse"/>
+          <p:cNvSpPr/>
+          <p:nvPr/>
+        </p:nvSpPr>
+        <p:spPr>
+          <a:xfrm>
+            <a:off x="9966709" y="4263952"/>
+            <a:ext cx="237681" cy="223557"/>
+          </a:xfrm>
+          <a:prstGeom prst="ellipse">
+            <a:avLst/>
+          </a:prstGeom>
+          <a:solidFill>
+            <a:srgbClr val="0070C0"/>
+          </a:solidFill>
+          <a:ln>
+            <a:noFill/>
+          </a:ln>
+        </p:spPr>
+        <p:style>
+          <a:lnRef idx="2">
+            <a:schemeClr val="accent1">
+              <a:shade val="50000"/>
+            </a:schemeClr>
+          </a:lnRef>
+          <a:fillRef idx="1">
+            <a:schemeClr val="accent1"/>
+          </a:fillRef>
+          <a:effectRef idx="0">
+            <a:schemeClr val="accent1"/>
+          </a:effectRef>
+          <a:fontRef idx="minor">
+            <a:schemeClr val="lt1"/>
+          </a:fontRef>
+        </p:style>
+        <p:txBody>
+          <a:bodyPr rtlCol="0" anchor="ctr"/>
+          <a:lstStyle/>
+          <a:p>
+            <a:pPr algn="ctr"/>
+            <a:r>
+              <a:rPr lang="en-GB" sz="1200" dirty="0" smtClean="0"/>
+              <a:t>5</a:t>
+            </a:r>
+            <a:endParaRPr lang="en-GB" sz="1200" dirty="0"/>
+          </a:p>
+        </p:txBody>
+      </p:sp>
+      <p:sp>
+        <p:nvSpPr>
+          <p:cNvPr id="14" name="13 Elipse"/>
+          <p:cNvSpPr/>
+          <p:nvPr/>
+        </p:nvSpPr>
+        <p:spPr>
+          <a:xfrm>
+            <a:off x="9966709" y="4689035"/>
+            <a:ext cx="237681" cy="223557"/>
+          </a:xfrm>
+          <a:prstGeom prst="ellipse">
+            <a:avLst/>
+          </a:prstGeom>
+          <a:solidFill>
+            <a:srgbClr val="0070C0"/>
+          </a:solidFill>
+          <a:ln>
+            <a:noFill/>
+          </a:ln>
+        </p:spPr>
+        <p:style>
+          <a:lnRef idx="2">
+            <a:schemeClr val="accent1">
+              <a:shade val="50000"/>
+            </a:schemeClr>
+          </a:lnRef>
+          <a:fillRef idx="1">
+            <a:schemeClr val="accent1"/>
+          </a:fillRef>
+          <a:effectRef idx="0">
+            <a:schemeClr val="accent1"/>
+          </a:effectRef>
+          <a:fontRef idx="minor">
+            <a:schemeClr val="lt1"/>
+          </a:fontRef>
+        </p:style>
+        <p:txBody>
+          <a:bodyPr rtlCol="0" anchor="ctr"/>
+          <a:lstStyle/>
+          <a:p>
+            <a:pPr algn="ctr"/>
+            <a:r>
+              <a:rPr lang="en-GB" sz="1200" dirty="0" smtClean="0"/>
+              <a:t>6</a:t>
+            </a:r>
+            <a:endParaRPr lang="en-GB" sz="1200" dirty="0"/>
+          </a:p>
+        </p:txBody>
+      </p:sp>
+    </p:spTree>
+    <p:extLst>
+      <p:ext uri="{BB962C8B-B14F-4D97-AF65-F5344CB8AC3E}">
+        <p14:creationId xmlns:p14="http://schemas.microsoft.com/office/powerpoint/2010/main" val="3537179983"/>
+      </p:ext>
+    </p:extLst>
+  </p:cSld>
+  <p:clrMapOvr>
+    <a:masterClrMapping/>
+  </p:clrMapOvr>
+</p:sld>
+</file>
+
+<file path=ppt/slides/slide41.xml><?xml version="1.0" encoding="utf-8"?>
+<p:sld xmlns:a="http://schemas.openxmlformats.org/drawingml/2006/main" xmlns:r="http://schemas.openxmlformats.org/officeDocument/2006/relationships" xmlns:p="http://schemas.openxmlformats.org/presentationml/2006/main">
+  <p:cSld>
+    <p:spTree>
+      <p:nvGrpSpPr>
+        <p:cNvPr id="1" name=""/>
+        <p:cNvGrpSpPr/>
+        <p:nvPr/>
+      </p:nvGrpSpPr>
+      <p:grpSpPr>
+        <a:xfrm>
+          <a:off x="0" y="0"/>
+          <a:ext cx="0" cy="0"/>
+          <a:chOff x="0" y="0"/>
+          <a:chExt cx="0" cy="0"/>
+        </a:xfrm>
+      </p:grpSpPr>
+      <p:pic>
+        <p:nvPicPr>
+          <p:cNvPr id="4" name="3 Imagen" descr="image"/>
+          <p:cNvPicPr/>
+          <p:nvPr/>
+        </p:nvPicPr>
+        <p:blipFill rotWithShape="1">
+          <a:blip r:embed="rId2">
+            <a:extLst>
+              <a:ext uri="{28A0092B-C50C-407E-A947-70E740481C1C}">
+                <a14:useLocalDpi xmlns:a14="http://schemas.microsoft.com/office/drawing/2010/main" val="0"/>
+              </a:ext>
+            </a:extLst>
+          </a:blip>
+          <a:srcRect b="59785"/>
+          <a:stretch/>
+        </p:blipFill>
+        <p:spPr bwMode="auto">
+          <a:xfrm>
+            <a:off x="683568" y="620688"/>
+            <a:ext cx="7594977" cy="5340667"/>
+          </a:xfrm>
+          <a:prstGeom prst="rect">
+            <a:avLst/>
+          </a:prstGeom>
+          <a:noFill/>
+          <a:ln>
+            <a:noFill/>
+          </a:ln>
+          <a:extLst>
+            <a:ext uri="{53640926-AAD7-44D8-BBD7-CCE9431645EC}">
+              <a14:shadowObscured xmlns:a14="http://schemas.microsoft.com/office/drawing/2010/main"/>
+            </a:ext>
+          </a:extLst>
+        </p:spPr>
+      </p:pic>
+      <p:sp>
+        <p:nvSpPr>
+          <p:cNvPr id="3" name="2 Elipse"/>
+          <p:cNvSpPr/>
+          <p:nvPr/>
+        </p:nvSpPr>
+        <p:spPr>
+          <a:xfrm>
+            <a:off x="7884368" y="3179242"/>
+            <a:ext cx="237681" cy="223557"/>
+          </a:xfrm>
+          <a:prstGeom prst="ellipse">
+            <a:avLst/>
+          </a:prstGeom>
+          <a:solidFill>
+            <a:srgbClr val="0070C0"/>
+          </a:solidFill>
+          <a:ln>
+            <a:noFill/>
+          </a:ln>
+        </p:spPr>
+        <p:style>
+          <a:lnRef idx="2">
+            <a:schemeClr val="accent1">
+              <a:shade val="50000"/>
+            </a:schemeClr>
+          </a:lnRef>
+          <a:fillRef idx="1">
+            <a:schemeClr val="accent1"/>
+          </a:fillRef>
+          <a:effectRef idx="0">
+            <a:schemeClr val="accent1"/>
+          </a:effectRef>
+          <a:fontRef idx="minor">
+            <a:schemeClr val="lt1"/>
+          </a:fontRef>
+        </p:style>
+        <p:txBody>
+          <a:bodyPr rtlCol="0" anchor="ctr"/>
+          <a:lstStyle/>
+          <a:p>
+            <a:pPr algn="ctr"/>
+            <a:r>
+              <a:rPr lang="en-GB" sz="1200" dirty="0" smtClean="0"/>
+              <a:t>1</a:t>
+            </a:r>
+            <a:endParaRPr lang="en-GB" sz="1200" dirty="0"/>
+          </a:p>
+        </p:txBody>
+      </p:sp>
+      <p:sp>
+        <p:nvSpPr>
+          <p:cNvPr id="5" name="4 Elipse"/>
+          <p:cNvSpPr/>
+          <p:nvPr/>
+        </p:nvSpPr>
+        <p:spPr>
+          <a:xfrm>
+            <a:off x="7884368" y="3493475"/>
+            <a:ext cx="237681" cy="223557"/>
+          </a:xfrm>
+          <a:prstGeom prst="ellipse">
+            <a:avLst/>
+          </a:prstGeom>
+          <a:solidFill>
+            <a:srgbClr val="0070C0"/>
+          </a:solidFill>
+          <a:ln>
+            <a:noFill/>
+          </a:ln>
+        </p:spPr>
+        <p:style>
+          <a:lnRef idx="2">
+            <a:schemeClr val="accent1">
+              <a:shade val="50000"/>
+            </a:schemeClr>
+          </a:lnRef>
+          <a:fillRef idx="1">
+            <a:schemeClr val="accent1"/>
+          </a:fillRef>
+          <a:effectRef idx="0">
+            <a:schemeClr val="accent1"/>
+          </a:effectRef>
+          <a:fontRef idx="minor">
+            <a:schemeClr val="lt1"/>
+          </a:fontRef>
+        </p:style>
+        <p:txBody>
+          <a:bodyPr rtlCol="0" anchor="ctr"/>
+          <a:lstStyle/>
+          <a:p>
+            <a:pPr algn="ctr"/>
+            <a:r>
+              <a:rPr lang="en-GB" sz="1200" dirty="0" smtClean="0"/>
+              <a:t>2</a:t>
+            </a:r>
+            <a:endParaRPr lang="en-GB" sz="1200" dirty="0"/>
+          </a:p>
+        </p:txBody>
+      </p:sp>
+    </p:spTree>
+    <p:extLst>
+      <p:ext uri="{BB962C8B-B14F-4D97-AF65-F5344CB8AC3E}">
+        <p14:creationId xmlns:p14="http://schemas.microsoft.com/office/powerpoint/2010/main" val="308376445"/>
+      </p:ext>
+    </p:extLst>
+  </p:cSld>
+  <p:clrMapOvr>
+    <a:masterClrMapping/>
+  </p:clrMapOvr>
+</p:sld>
+</file>
+
+<file path=ppt/slides/slide42.xml><?xml version="1.0" encoding="utf-8"?>
+<p:sld xmlns:a="http://schemas.openxmlformats.org/drawingml/2006/main" xmlns:r="http://schemas.openxmlformats.org/officeDocument/2006/relationships" xmlns:p="http://schemas.openxmlformats.org/presentationml/2006/main">
+  <p:cSld>
+    <p:spTree>
+      <p:nvGrpSpPr>
+        <p:cNvPr id="1" name=""/>
+        <p:cNvGrpSpPr/>
+        <p:nvPr/>
+      </p:nvGrpSpPr>
+      <p:grpSpPr>
+        <a:xfrm>
+          <a:off x="0" y="0"/>
+          <a:ext cx="0" cy="0"/>
+          <a:chOff x="0" y="0"/>
+          <a:chExt cx="0" cy="0"/>
+        </a:xfrm>
+      </p:grpSpPr>
+      <p:pic>
+        <p:nvPicPr>
+          <p:cNvPr id="2051" name="Picture 3"/>
+          <p:cNvPicPr>
+            <a:picLocks noChangeAspect="1" noChangeArrowheads="1"/>
+          </p:cNvPicPr>
+          <p:nvPr/>
+        </p:nvPicPr>
+        <p:blipFill>
+          <a:blip r:embed="rId2">
+            <a:extLst>
+              <a:ext uri="{28A0092B-C50C-407E-A947-70E740481C1C}">
+                <a14:useLocalDpi xmlns:a14="http://schemas.microsoft.com/office/drawing/2010/main" val="0"/>
+              </a:ext>
+            </a:extLst>
+          </a:blip>
+          <a:srcRect/>
+          <a:stretch>
+            <a:fillRect/>
+          </a:stretch>
+        </p:blipFill>
+        <p:spPr bwMode="auto">
+          <a:xfrm>
+            <a:off x="-614363" y="1423988"/>
+            <a:ext cx="10372726" cy="4010025"/>
+          </a:xfrm>
+          <a:prstGeom prst="rect">
+            <a:avLst/>
+          </a:prstGeom>
+          <a:noFill/>
+          <a:ln>
+            <a:noFill/>
+          </a:ln>
+          <a:effectLst/>
+          <a:extLst>
+            <a:ext uri="{909E8E84-426E-40DD-AFC4-6F175D3DCCD1}">
+              <a14:hiddenFill xmlns:a14="http://schemas.microsoft.com/office/drawing/2010/main">
+                <a:solidFill>
+                  <a:schemeClr val="accent1"/>
+                </a:solidFill>
+              </a14:hiddenFill>
+            </a:ext>
+            <a:ext uri="{91240B29-F687-4F45-9708-019B960494DF}">
+              <a14:hiddenLine xmlns:a14="http://schemas.microsoft.com/office/drawing/2010/main" w="9525">
+                <a:solidFill>
+                  <a:schemeClr val="tx1"/>
+                </a:solidFill>
+                <a:miter lim="800000"/>
+                <a:headEnd/>
+                <a:tailEnd/>
+              </a14:hiddenLine>
+            </a:ext>
+            <a:ext uri="{AF507438-7753-43E0-B8FC-AC1667EBCBE1}">
+              <a14:hiddenEffects xmlns:a14="http://schemas.microsoft.com/office/drawing/2010/main">
+                <a:effectLst>
+                  <a:outerShdw dist="35921" dir="2700000" algn="ctr" rotWithShape="0">
+                    <a:schemeClr val="bg2"/>
+                  </a:outerShdw>
+                </a:effectLst>
+              </a14:hiddenEffects>
+            </a:ext>
+          </a:extLst>
+        </p:spPr>
+      </p:pic>
+    </p:spTree>
+    <p:extLst>
+      <p:ext uri="{BB962C8B-B14F-4D97-AF65-F5344CB8AC3E}">
+        <p14:creationId xmlns:p14="http://schemas.microsoft.com/office/powerpoint/2010/main" val="3380126627"/>
+      </p:ext>
+    </p:extLst>
+  </p:cSld>
+  <p:clrMapOvr>
+    <a:masterClrMapping/>
+  </p:clrMapOvr>
+</p:sld>
+</file>
+
+<file path=ppt/slides/slide43.xml><?xml version="1.0" encoding="utf-8"?>
+<p:sld xmlns:a="http://schemas.openxmlformats.org/drawingml/2006/main" xmlns:r="http://schemas.openxmlformats.org/officeDocument/2006/relationships" xmlns:p="http://schemas.openxmlformats.org/presentationml/2006/main">
+  <p:cSld>
+    <p:spTree>
+      <p:nvGrpSpPr>
+        <p:cNvPr id="1" name=""/>
+        <p:cNvGrpSpPr/>
+        <p:nvPr/>
+      </p:nvGrpSpPr>
+      <p:grpSpPr>
+        <a:xfrm>
+          <a:off x="0" y="0"/>
+          <a:ext cx="0" cy="0"/>
+          <a:chOff x="0" y="0"/>
+          <a:chExt cx="0" cy="0"/>
+        </a:xfrm>
+      </p:grpSpPr>
+      <p:pic>
+        <p:nvPicPr>
+          <p:cNvPr id="1028" name="Picture 4"/>
+          <p:cNvPicPr>
+            <a:picLocks noChangeAspect="1" noChangeArrowheads="1"/>
+          </p:cNvPicPr>
+          <p:nvPr/>
+        </p:nvPicPr>
+        <p:blipFill>
+          <a:blip r:embed="rId2">
+            <a:extLst>
+              <a:ext uri="{28A0092B-C50C-407E-A947-70E740481C1C}">
+                <a14:useLocalDpi xmlns:a14="http://schemas.microsoft.com/office/drawing/2010/main" val="0"/>
+              </a:ext>
+            </a:extLst>
+          </a:blip>
+          <a:srcRect/>
+          <a:stretch>
+            <a:fillRect/>
+          </a:stretch>
+        </p:blipFill>
+        <p:spPr bwMode="auto">
+          <a:xfrm>
+            <a:off x="-1657350" y="1423988"/>
+            <a:ext cx="12458700" cy="4010025"/>
+          </a:xfrm>
+          <a:prstGeom prst="rect">
+            <a:avLst/>
+          </a:prstGeom>
+          <a:noFill/>
+          <a:ln>
+            <a:noFill/>
+          </a:ln>
+          <a:effectLst/>
+          <a:extLst>
+            <a:ext uri="{909E8E84-426E-40DD-AFC4-6F175D3DCCD1}">
+              <a14:hiddenFill xmlns:a14="http://schemas.microsoft.com/office/drawing/2010/main">
+                <a:solidFill>
+                  <a:schemeClr val="accent1"/>
+                </a:solidFill>
+              </a14:hiddenFill>
+            </a:ext>
+            <a:ext uri="{91240B29-F687-4F45-9708-019B960494DF}">
+              <a14:hiddenLine xmlns:a14="http://schemas.microsoft.com/office/drawing/2010/main" w="9525">
+                <a:solidFill>
+                  <a:schemeClr val="tx1"/>
+                </a:solidFill>
+                <a:miter lim="800000"/>
+                <a:headEnd/>
+                <a:tailEnd/>
+              </a14:hiddenLine>
+            </a:ext>
+            <a:ext uri="{AF507438-7753-43E0-B8FC-AC1667EBCBE1}">
+              <a14:hiddenEffects xmlns:a14="http://schemas.microsoft.com/office/drawing/2010/main">
+                <a:effectLst>
+                  <a:outerShdw dist="35921" dir="2700000" algn="ctr" rotWithShape="0">
+                    <a:schemeClr val="bg2"/>
+                  </a:outerShdw>
+                </a:effectLst>
+              </a14:hiddenEffects>
+            </a:ext>
+          </a:extLst>
+        </p:spPr>
+      </p:pic>
+    </p:spTree>
+    <p:extLst>
+      <p:ext uri="{BB962C8B-B14F-4D97-AF65-F5344CB8AC3E}">
+        <p14:creationId xmlns:p14="http://schemas.microsoft.com/office/powerpoint/2010/main" val="1778764342"/>
+      </p:ext>
+    </p:extLst>
+  </p:cSld>
+  <p:clrMapOvr>
+    <a:masterClrMapping/>
+  </p:clrMapOvr>
+</p:sld>
+</file>
+
 <file path=ppt/slides/slide5.xml><?xml version="1.0" encoding="utf-8"?>
 <p:sld xmlns:a="http://schemas.openxmlformats.org/drawingml/2006/main" xmlns:r="http://schemas.openxmlformats.org/officeDocument/2006/relationships" xmlns:p="http://schemas.openxmlformats.org/presentationml/2006/main">
   <p:cSld>
@@ -5269,13 +10810,13 @@
       </p:grpSpPr>
       <p:pic>
         <p:nvPicPr>
-          <p:cNvPr id="1026" name="Picture 2" descr="C:\ESPD-EDM-02.00.00-asciidoc\espd-data-model\docs\src\main\asciidoc\images\Convictions__EO_mock-up.png"/>
+          <p:cNvPr id="16" name="Picture 2"/>
           <p:cNvPicPr>
             <a:picLocks noChangeAspect="1" noChangeArrowheads="1"/>
           </p:cNvPicPr>
           <p:nvPr/>
         </p:nvPicPr>
-        <p:blipFill>
+        <p:blipFill rotWithShape="1">
           <a:blip r:embed="rId2">
             <a:extLst>
               <a:ext uri="{28A0092B-C50C-407E-A947-70E740481C1C}">
@@ -5283,28 +10824,39 @@
               </a:ext>
             </a:extLst>
           </a:blip>
-          <a:srcRect/>
-          <a:stretch>
-            <a:fillRect/>
-          </a:stretch>
+          <a:srcRect l="22174" t="16380" r="22694" b="6250"/>
+          <a:stretch/>
         </p:blipFill>
         <p:spPr bwMode="auto">
           <a:xfrm>
-            <a:off x="971600" y="464021"/>
-            <a:ext cx="7192963" cy="5629275"/>
+            <a:off x="284783" y="12290"/>
+            <a:ext cx="8679705" cy="6848384"/>
           </a:xfrm>
           <a:prstGeom prst="rect">
             <a:avLst/>
           </a:prstGeom>
           <a:noFill/>
+          <a:ln>
+            <a:noFill/>
+          </a:ln>
           <a:extLst>
             <a:ext uri="{909E8E84-426E-40DD-AFC4-6F175D3DCCD1}">
               <a14:hiddenFill xmlns:a14="http://schemas.microsoft.com/office/drawing/2010/main">
                 <a:solidFill>
-                  <a:srgbClr val="FFFFFF"/>
+                  <a:schemeClr val="accent1"/>
                 </a:solidFill>
               </a14:hiddenFill>
             </a:ext>
+            <a:ext uri="{91240B29-F687-4F45-9708-019B960494DF}">
+              <a14:hiddenLine xmlns:a14="http://schemas.microsoft.com/office/drawing/2010/main" w="9525">
+                <a:solidFill>
+                  <a:schemeClr val="tx1"/>
+                </a:solidFill>
+                <a:miter lim="800000"/>
+                <a:headEnd/>
+                <a:tailEnd/>
+              </a14:hiddenLine>
+            </a:ext>
           </a:extLst>
         </p:spPr>
       </p:pic>
@@ -5316,7 +10868,7 @@
         </p:nvSpPr>
         <p:spPr>
           <a:xfrm>
-            <a:off x="8014112" y="2263581"/>
+            <a:off x="8752760" y="2263581"/>
             <a:ext cx="237681" cy="223557"/>
           </a:xfrm>
           <a:prstGeom prst="ellipse">
@@ -5366,7 +10918,7 @@
         </p:nvSpPr>
         <p:spPr>
           <a:xfrm>
-            <a:off x="8014112" y="2617862"/>
+            <a:off x="8752760" y="2723114"/>
             <a:ext cx="237681" cy="223557"/>
           </a:xfrm>
           <a:prstGeom prst="ellipse">
@@ -5416,7 +10968,7 @@
         </p:nvSpPr>
         <p:spPr>
           <a:xfrm>
-            <a:off x="8014112" y="2996952"/>
+            <a:off x="8752760" y="3181444"/>
             <a:ext cx="237681" cy="223557"/>
           </a:xfrm>
           <a:prstGeom prst="ellipse">
@@ -5466,7 +11018,7 @@
         </p:nvSpPr>
         <p:spPr>
           <a:xfrm>
-            <a:off x="8014112" y="3356992"/>
+            <a:off x="8752760" y="3590494"/>
             <a:ext cx="237681" cy="223557"/>
           </a:xfrm>
           <a:prstGeom prst="ellipse">
@@ -5516,7 +11068,7 @@
         </p:nvSpPr>
         <p:spPr>
           <a:xfrm>
-            <a:off x="8014112" y="3697982"/>
+            <a:off x="8752760" y="4052362"/>
             <a:ext cx="237681" cy="223557"/>
           </a:xfrm>
           <a:prstGeom prst="ellipse">
@@ -5566,7 +11118,7 @@
         </p:nvSpPr>
         <p:spPr>
           <a:xfrm>
-            <a:off x="8014112" y="4005064"/>
+            <a:off x="8752760" y="4389814"/>
             <a:ext cx="237681" cy="223557"/>
           </a:xfrm>
           <a:prstGeom prst="ellipse">
@@ -5616,7 +11168,7 @@
         </p:nvSpPr>
         <p:spPr>
           <a:xfrm>
-            <a:off x="8014112" y="4357571"/>
+            <a:off x="8752760" y="4789619"/>
             <a:ext cx="237681" cy="223557"/>
           </a:xfrm>
           <a:prstGeom prst="ellipse">
@@ -5665,7 +11217,7 @@
         </p:nvSpPr>
         <p:spPr>
           <a:xfrm>
-            <a:off x="8014112" y="5149659"/>
+            <a:off x="8752760" y="5757966"/>
             <a:ext cx="237681" cy="223557"/>
           </a:xfrm>
           <a:prstGeom prst="ellipse">
@@ -5715,7 +11267,7 @@
         </p:nvSpPr>
         <p:spPr>
           <a:xfrm>
-            <a:off x="8014112" y="5462282"/>
+            <a:off x="120744" y="3476179"/>
             <a:ext cx="237681" cy="223557"/>
           </a:xfrm>
           <a:prstGeom prst="ellipse">
@@ -5761,7 +11313,7 @@
         </p:nvSpPr>
         <p:spPr>
           <a:xfrm>
-            <a:off x="8014112" y="5714253"/>
+            <a:off x="120744" y="3803281"/>
             <a:ext cx="237681" cy="223557"/>
           </a:xfrm>
           <a:prstGeom prst="ellipse">
@@ -5807,7 +11359,7 @@
         </p:nvSpPr>
         <p:spPr>
           <a:xfrm>
-            <a:off x="8006727" y="4789619"/>
+            <a:off x="8745375" y="5300497"/>
             <a:ext cx="237681" cy="223557"/>
           </a:xfrm>
           <a:prstGeom prst="ellipse">
@@ -5857,7 +11409,7 @@
         </p:nvSpPr>
         <p:spPr>
           <a:xfrm>
-            <a:off x="7968484" y="5435699"/>
+            <a:off x="84916" y="3449596"/>
             <a:ext cx="328936" cy="261610"/>
           </a:xfrm>
           <a:prstGeom prst="rect">
@@ -5871,13 +11423,221 @@
           </a:bodyPr>
           <a:lstStyle/>
           <a:p>
+            <a:pPr algn="ctr"/>
             <a:r>
               <a:rPr lang="en-GB" sz="1100" dirty="0" smtClean="0">
                 <a:solidFill>
                   <a:schemeClr val="bg1"/>
                 </a:solidFill>
               </a:rPr>
-              <a:t>10</a:t>
+              <a:t>12</a:t>
+            </a:r>
+            <a:endParaRPr lang="en-GB" sz="1100" dirty="0">
+              <a:solidFill>
+                <a:schemeClr val="bg1"/>
+              </a:solidFill>
+            </a:endParaRPr>
+          </a:p>
+        </p:txBody>
+      </p:sp>
+      <p:sp>
+        <p:nvSpPr>
+          <p:cNvPr id="19" name="18 CuadroTexto"/>
+          <p:cNvSpPr txBox="1"/>
+          <p:nvPr/>
+        </p:nvSpPr>
+        <p:spPr>
+          <a:xfrm>
+            <a:off x="75544" y="3790752"/>
+            <a:ext cx="328936" cy="261610"/>
+          </a:xfrm>
+          <a:prstGeom prst="rect">
+            <a:avLst/>
+          </a:prstGeom>
+          <a:noFill/>
+        </p:spPr>
+        <p:txBody>
+          <a:bodyPr wrap="none" rtlCol="0">
+            <a:spAutoFit/>
+          </a:bodyPr>
+          <a:lstStyle/>
+          <a:p>
+            <a:r>
+              <a:rPr lang="en-GB" sz="1100" dirty="0" smtClean="0">
+                <a:solidFill>
+                  <a:schemeClr val="bg1"/>
+                </a:solidFill>
+              </a:rPr>
+              <a:t>13</a:t>
+            </a:r>
+            <a:endParaRPr lang="en-GB" sz="1100" dirty="0">
+              <a:solidFill>
+                <a:schemeClr val="bg1"/>
+              </a:solidFill>
+            </a:endParaRPr>
+          </a:p>
+        </p:txBody>
+      </p:sp>
+      <p:sp>
+        <p:nvSpPr>
+          <p:cNvPr id="20" name="19 Elipse"/>
+          <p:cNvSpPr/>
+          <p:nvPr/>
+        </p:nvSpPr>
+        <p:spPr>
+          <a:xfrm>
+            <a:off x="8752760" y="6056815"/>
+            <a:ext cx="237681" cy="223557"/>
+          </a:xfrm>
+          <a:prstGeom prst="ellipse">
+            <a:avLst/>
+          </a:prstGeom>
+          <a:solidFill>
+            <a:srgbClr val="0070C0"/>
+          </a:solidFill>
+          <a:ln>
+            <a:noFill/>
+          </a:ln>
+        </p:spPr>
+        <p:style>
+          <a:lnRef idx="2">
+            <a:schemeClr val="accent1">
+              <a:shade val="50000"/>
+            </a:schemeClr>
+          </a:lnRef>
+          <a:fillRef idx="1">
+            <a:schemeClr val="accent1"/>
+          </a:fillRef>
+          <a:effectRef idx="0">
+            <a:schemeClr val="accent1"/>
+          </a:effectRef>
+          <a:fontRef idx="minor">
+            <a:schemeClr val="lt1"/>
+          </a:fontRef>
+        </p:style>
+        <p:txBody>
+          <a:bodyPr rtlCol="0" anchor="ctr"/>
+          <a:lstStyle/>
+          <a:p>
+            <a:pPr algn="ctr"/>
+            <a:endParaRPr lang="en-GB" sz="300" dirty="0"/>
+          </a:p>
+        </p:txBody>
+      </p:sp>
+      <p:sp>
+        <p:nvSpPr>
+          <p:cNvPr id="21" name="20 Elipse"/>
+          <p:cNvSpPr/>
+          <p:nvPr/>
+        </p:nvSpPr>
+        <p:spPr>
+          <a:xfrm>
+            <a:off x="8752760" y="6383917"/>
+            <a:ext cx="237681" cy="223557"/>
+          </a:xfrm>
+          <a:prstGeom prst="ellipse">
+            <a:avLst/>
+          </a:prstGeom>
+          <a:solidFill>
+            <a:srgbClr val="0070C0"/>
+          </a:solidFill>
+          <a:ln>
+            <a:noFill/>
+          </a:ln>
+        </p:spPr>
+        <p:style>
+          <a:lnRef idx="2">
+            <a:schemeClr val="accent1">
+              <a:shade val="50000"/>
+            </a:schemeClr>
+          </a:lnRef>
+          <a:fillRef idx="1">
+            <a:schemeClr val="accent1"/>
+          </a:fillRef>
+          <a:effectRef idx="0">
+            <a:schemeClr val="accent1"/>
+          </a:effectRef>
+          <a:fontRef idx="minor">
+            <a:schemeClr val="lt1"/>
+          </a:fontRef>
+        </p:style>
+        <p:txBody>
+          <a:bodyPr rtlCol="0" anchor="ctr"/>
+          <a:lstStyle/>
+          <a:p>
+            <a:pPr algn="ctr"/>
+            <a:endParaRPr lang="en-GB" sz="300" dirty="0"/>
+          </a:p>
+        </p:txBody>
+      </p:sp>
+      <p:sp>
+        <p:nvSpPr>
+          <p:cNvPr id="22" name="21 CuadroTexto"/>
+          <p:cNvSpPr txBox="1"/>
+          <p:nvPr/>
+        </p:nvSpPr>
+        <p:spPr>
+          <a:xfrm>
+            <a:off x="8701166" y="6045998"/>
+            <a:ext cx="328936" cy="261610"/>
+          </a:xfrm>
+          <a:prstGeom prst="rect">
+            <a:avLst/>
+          </a:prstGeom>
+          <a:noFill/>
+        </p:spPr>
+        <p:txBody>
+          <a:bodyPr wrap="none" rtlCol="0">
+            <a:spAutoFit/>
+          </a:bodyPr>
+          <a:lstStyle/>
+          <a:p>
+            <a:pPr algn="ctr"/>
+            <a:r>
+              <a:rPr lang="en-GB" sz="1100" dirty="0" smtClean="0">
+                <a:solidFill>
+                  <a:schemeClr val="bg1"/>
+                </a:solidFill>
+              </a:rPr>
+              <a:t>11</a:t>
+            </a:r>
+            <a:endParaRPr lang="en-GB" sz="1100" dirty="0">
+              <a:solidFill>
+                <a:schemeClr val="bg1"/>
+              </a:solidFill>
+            </a:endParaRPr>
+          </a:p>
+        </p:txBody>
+      </p:sp>
+      <p:sp>
+        <p:nvSpPr>
+          <p:cNvPr id="23" name="22 CuadroTexto"/>
+          <p:cNvSpPr txBox="1"/>
+          <p:nvPr/>
+        </p:nvSpPr>
+        <p:spPr>
+          <a:xfrm>
+            <a:off x="8707560" y="6371388"/>
+            <a:ext cx="328936" cy="261610"/>
+          </a:xfrm>
+          <a:prstGeom prst="rect">
+            <a:avLst/>
+          </a:prstGeom>
+          <a:noFill/>
+        </p:spPr>
+        <p:txBody>
+          <a:bodyPr wrap="none" rtlCol="0">
+            <a:spAutoFit/>
+          </a:bodyPr>
+          <a:lstStyle/>
+          <a:p>
+            <a:r>
+              <a:rPr lang="en-GB" sz="1100" dirty="0" smtClean="0">
+                <a:solidFill>
+                  <a:schemeClr val="bg1"/>
+                </a:solidFill>
+              </a:rPr>
+              <a:t>12</a:t>
             </a:r>
             <a:endParaRPr lang="en-GB" sz="1100" dirty="0">
               <a:solidFill>
@@ -5919,7 +11679,7 @@
       </p:grpSpPr>
       <p:pic>
         <p:nvPicPr>
-          <p:cNvPr id="4" name="Picture 2" descr="C:\ESPD-EDM-02.00.00-asciidoc\espd-data-model\docs\src\main\asciidoc\images\PaymentOfTaxes_CA_mock-up.png"/>
+          <p:cNvPr id="2050" name="Picture 2"/>
           <p:cNvPicPr>
             <a:picLocks noChangeAspect="1" noChangeArrowheads="1"/>
           </p:cNvPicPr>
@@ -5940,44 +11700,66 @@
         </p:blipFill>
         <p:spPr bwMode="auto">
           <a:xfrm>
-            <a:off x="-1836712" y="610922"/>
-            <a:ext cx="11687175" cy="6238875"/>
+            <a:off x="65235" y="1316056"/>
+            <a:ext cx="9013530" cy="4108578"/>
           </a:xfrm>
           <a:prstGeom prst="rect">
             <a:avLst/>
           </a:prstGeom>
           <a:noFill/>
+          <a:ln>
+            <a:noFill/>
+          </a:ln>
+          <a:effectLst/>
           <a:extLst>
             <a:ext uri="{909E8E84-426E-40DD-AFC4-6F175D3DCCD1}">
               <a14:hiddenFill xmlns:a14="http://schemas.microsoft.com/office/drawing/2010/main">
                 <a:solidFill>
-                  <a:srgbClr val="FFFFFF"/>
+                  <a:schemeClr val="accent1"/>
                 </a:solidFill>
               </a14:hiddenFill>
             </a:ext>
+            <a:ext uri="{91240B29-F687-4F45-9708-019B960494DF}">
+              <a14:hiddenLine xmlns:a14="http://schemas.microsoft.com/office/drawing/2010/main" w="9525">
+                <a:solidFill>
+                  <a:schemeClr val="tx1"/>
+                </a:solidFill>
+                <a:miter lim="800000"/>
+                <a:headEnd/>
+                <a:tailEnd/>
+              </a14:hiddenLine>
+            </a:ext>
+            <a:ext uri="{AF507438-7753-43E0-B8FC-AC1667EBCBE1}">
+              <a14:hiddenEffects xmlns:a14="http://schemas.microsoft.com/office/drawing/2010/main">
+                <a:effectLst>
+                  <a:outerShdw dist="35921" dir="2700000" algn="ctr" rotWithShape="0">
+                    <a:schemeClr val="bg2"/>
+                  </a:outerShdw>
+                </a:effectLst>
+              </a14:hiddenEffects>
+            </a:ext>
           </a:extLst>
         </p:spPr>
       </p:pic>
       <p:sp>
         <p:nvSpPr>
-          <p:cNvPr id="5" name="4 Rectángulo redondeado"/>
+          <p:cNvPr id="5" name="4 Elipse"/>
           <p:cNvSpPr/>
           <p:nvPr/>
         </p:nvSpPr>
         <p:spPr>
           <a:xfrm>
-            <a:off x="-1791274" y="1804944"/>
-            <a:ext cx="11600604" cy="496742"/>
-          </a:xfrm>
-          <a:prstGeom prst="roundRect">
-            <a:avLst/>
-          </a:prstGeom>
-          <a:noFill/>
+            <a:off x="4000232" y="1711625"/>
+            <a:ext cx="237681" cy="223557"/>
+          </a:xfrm>
+          <a:prstGeom prst="ellipse">
+            <a:avLst/>
+          </a:prstGeom>
+          <a:solidFill>
+            <a:srgbClr val="0070C0"/>
+          </a:solidFill>
           <a:ln>
-            <a:solidFill>
-              <a:srgbClr val="92D050"/>
-            </a:solidFill>
-            <a:prstDash val="sysDash"/>
+            <a:noFill/>
           </a:ln>
         </p:spPr>
         <p:style>
@@ -6001,84 +11783,29 @@
           <a:lstStyle/>
           <a:p>
             <a:pPr algn="ctr"/>
-            <a:endParaRPr lang="en-GB"/>
-          </a:p>
-        </p:txBody>
-      </p:sp>
-      <p:sp>
-        <p:nvSpPr>
-          <p:cNvPr id="6" name="5 CuadroTexto"/>
-          <p:cNvSpPr txBox="1"/>
-          <p:nvPr/>
-        </p:nvSpPr>
-        <p:spPr>
-          <a:xfrm>
-            <a:off x="9900592" y="1844824"/>
-            <a:ext cx="1747466" cy="369332"/>
-          </a:xfrm>
-          <a:prstGeom prst="rect">
-            <a:avLst/>
-          </a:prstGeom>
-          <a:noFill/>
-        </p:spPr>
-        <p:txBody>
-          <a:bodyPr wrap="none" rtlCol="0">
-            <a:spAutoFit/>
-          </a:bodyPr>
-          <a:lstStyle/>
-          <a:p>
-            <a:r>
-              <a:rPr lang="en-GB" b="1" dirty="0" smtClean="0">
-                <a:solidFill>
-                  <a:srgbClr val="00B050"/>
-                </a:solidFill>
-              </a:rPr>
-              <a:t>EU </a:t>
-            </a:r>
-            <a:r>
-              <a:rPr lang="en-GB" b="1" dirty="0" err="1" smtClean="0">
-                <a:solidFill>
-                  <a:srgbClr val="00B050"/>
-                </a:solidFill>
-              </a:rPr>
-              <a:t>PoT</a:t>
-            </a:r>
-            <a:r>
-              <a:rPr lang="en-GB" b="1" dirty="0" smtClean="0">
-                <a:solidFill>
-                  <a:srgbClr val="00B050"/>
-                </a:solidFill>
-              </a:rPr>
-              <a:t> Criterion</a:t>
-            </a:r>
-            <a:endParaRPr lang="en-GB" b="1" dirty="0">
-              <a:solidFill>
-                <a:srgbClr val="00B050"/>
-              </a:solidFill>
-            </a:endParaRPr>
-          </a:p>
-        </p:txBody>
-      </p:sp>
-      <p:sp>
-        <p:nvSpPr>
-          <p:cNvPr id="7" name="6 Rectángulo redondeado"/>
+            <a:endParaRPr lang="en-GB" sz="300" dirty="0"/>
+          </a:p>
+        </p:txBody>
+      </p:sp>
+      <p:sp>
+        <p:nvSpPr>
+          <p:cNvPr id="6" name="5 Elipse"/>
           <p:cNvSpPr/>
           <p:nvPr/>
         </p:nvSpPr>
         <p:spPr>
           <a:xfrm>
-            <a:off x="-1750752" y="2492896"/>
-            <a:ext cx="11600604" cy="864096"/>
-          </a:xfrm>
-          <a:prstGeom prst="roundRect">
-            <a:avLst/>
-          </a:prstGeom>
-          <a:noFill/>
+            <a:off x="4000232" y="1959897"/>
+            <a:ext cx="237681" cy="223557"/>
+          </a:xfrm>
+          <a:prstGeom prst="ellipse">
+            <a:avLst/>
+          </a:prstGeom>
+          <a:solidFill>
+            <a:srgbClr val="0070C0"/>
+          </a:solidFill>
           <a:ln>
-            <a:solidFill>
-              <a:srgbClr val="92D050"/>
-            </a:solidFill>
-            <a:prstDash val="sysDash"/>
+            <a:noFill/>
           </a:ln>
         </p:spPr>
         <p:style>
@@ -6102,20 +11829,20 @@
           <a:lstStyle/>
           <a:p>
             <a:pPr algn="ctr"/>
-            <a:endParaRPr lang="en-GB"/>
-          </a:p>
-        </p:txBody>
-      </p:sp>
-      <p:sp>
-        <p:nvSpPr>
-          <p:cNvPr id="8" name="7 CuadroTexto"/>
+            <a:endParaRPr lang="en-GB" sz="300" dirty="0"/>
+          </a:p>
+        </p:txBody>
+      </p:sp>
+      <p:sp>
+        <p:nvSpPr>
+          <p:cNvPr id="7" name="6 CuadroTexto"/>
           <p:cNvSpPr txBox="1"/>
           <p:nvPr/>
         </p:nvSpPr>
         <p:spPr>
           <a:xfrm>
-            <a:off x="9864907" y="2728656"/>
-            <a:ext cx="1765099" cy="369332"/>
+            <a:off x="3948638" y="1700808"/>
+            <a:ext cx="328936" cy="261610"/>
           </a:xfrm>
           <a:prstGeom prst="rect">
             <a:avLst/>
@@ -6128,33 +11855,18 @@
           </a:bodyPr>
           <a:lstStyle/>
           <a:p>
-            <a:r>
-              <a:rPr lang="en-GB" b="1" dirty="0" smtClean="0">
-                <a:solidFill>
-                  <a:srgbClr val="00B050"/>
+            <a:pPr algn="ctr"/>
+            <a:r>
+              <a:rPr lang="en-GB" sz="1100" dirty="0" smtClean="0">
+                <a:solidFill>
+                  <a:schemeClr val="bg1"/>
                 </a:solidFill>
               </a:rPr>
-              <a:t>FI </a:t>
-            </a:r>
-            <a:r>
-              <a:rPr lang="en-GB" b="1" dirty="0" err="1" smtClean="0">
-                <a:solidFill>
-                  <a:srgbClr val="00B050"/>
-                </a:solidFill>
-              </a:rPr>
-              <a:t>PoT</a:t>
-            </a:r>
-            <a:r>
-              <a:rPr lang="en-GB" b="1" dirty="0" smtClean="0">
-                <a:solidFill>
-                  <a:srgbClr val="00B050"/>
-                </a:solidFill>
-              </a:rPr>
-              <a:t> Criterion I</a:t>
-            </a:r>
-            <a:endParaRPr lang="en-GB" b="1" dirty="0">
+              <a:t>12</a:t>
+            </a:r>
+            <a:endParaRPr lang="en-GB" sz="1100" dirty="0">
               <a:solidFill>
-                <a:srgbClr val="00B050"/>
+                <a:schemeClr val="bg1"/>
               </a:solidFill>
             </a:endParaRPr>
           </a:p>
@@ -6162,61 +11874,14 @@
       </p:sp>
       <p:sp>
         <p:nvSpPr>
-          <p:cNvPr id="9" name="8 Rectángulo redondeado"/>
-          <p:cNvSpPr/>
-          <p:nvPr/>
-        </p:nvSpPr>
-        <p:spPr>
-          <a:xfrm>
-            <a:off x="-1764704" y="3356992"/>
-            <a:ext cx="11600604" cy="1152128"/>
-          </a:xfrm>
-          <a:prstGeom prst="roundRect">
-            <a:avLst/>
-          </a:prstGeom>
-          <a:noFill/>
-          <a:ln>
-            <a:solidFill>
-              <a:srgbClr val="92D050"/>
-            </a:solidFill>
-            <a:prstDash val="sysDash"/>
-          </a:ln>
-        </p:spPr>
-        <p:style>
-          <a:lnRef idx="2">
-            <a:schemeClr val="accent1">
-              <a:shade val="50000"/>
-            </a:schemeClr>
-          </a:lnRef>
-          <a:fillRef idx="1">
-            <a:schemeClr val="accent1"/>
-          </a:fillRef>
-          <a:effectRef idx="0">
-            <a:schemeClr val="accent1"/>
-          </a:effectRef>
-          <a:fontRef idx="minor">
-            <a:schemeClr val="lt1"/>
-          </a:fontRef>
-        </p:style>
-        <p:txBody>
-          <a:bodyPr rtlCol="0" anchor="ctr"/>
-          <a:lstStyle/>
-          <a:p>
-            <a:pPr algn="ctr"/>
-            <a:endParaRPr lang="en-GB"/>
-          </a:p>
-        </p:txBody>
-      </p:sp>
-      <p:sp>
-        <p:nvSpPr>
-          <p:cNvPr id="10" name="9 CuadroTexto"/>
+          <p:cNvPr id="8" name="7 CuadroTexto"/>
           <p:cNvSpPr txBox="1"/>
           <p:nvPr/>
         </p:nvSpPr>
         <p:spPr>
           <a:xfrm>
-            <a:off x="9850955" y="3707740"/>
-            <a:ext cx="1826013" cy="369332"/>
+            <a:off x="3955032" y="1947368"/>
+            <a:ext cx="328936" cy="261610"/>
           </a:xfrm>
           <a:prstGeom prst="rect">
             <a:avLst/>
@@ -6230,489 +11895,25 @@
           <a:lstStyle/>
           <a:p>
             <a:r>
-              <a:rPr lang="en-GB" b="1" dirty="0" smtClean="0">
-                <a:solidFill>
-                  <a:srgbClr val="00B050"/>
+              <a:rPr lang="en-GB" sz="1100" dirty="0" smtClean="0">
+                <a:solidFill>
+                  <a:schemeClr val="bg1"/>
                 </a:solidFill>
               </a:rPr>
-              <a:t>FI </a:t>
-            </a:r>
-            <a:r>
-              <a:rPr lang="en-GB" b="1" dirty="0" err="1" smtClean="0">
-                <a:solidFill>
-                  <a:srgbClr val="00B050"/>
-                </a:solidFill>
-              </a:rPr>
-              <a:t>PoT</a:t>
-            </a:r>
-            <a:r>
-              <a:rPr lang="en-GB" b="1" dirty="0" smtClean="0">
-                <a:solidFill>
-                  <a:srgbClr val="00B050"/>
-                </a:solidFill>
-              </a:rPr>
-              <a:t> Criterion II</a:t>
-            </a:r>
-            <a:endParaRPr lang="en-GB" b="1" dirty="0">
+              <a:t>13</a:t>
+            </a:r>
+            <a:endParaRPr lang="en-GB" sz="1100" dirty="0">
               <a:solidFill>
-                <a:srgbClr val="00B050"/>
+                <a:schemeClr val="bg1"/>
               </a:solidFill>
             </a:endParaRPr>
-          </a:p>
-        </p:txBody>
-      </p:sp>
-      <p:sp>
-        <p:nvSpPr>
-          <p:cNvPr id="11" name="10 Rectángulo redondeado"/>
-          <p:cNvSpPr/>
-          <p:nvPr/>
-        </p:nvSpPr>
-        <p:spPr>
-          <a:xfrm>
-            <a:off x="-1764704" y="4509120"/>
-            <a:ext cx="11600604" cy="936104"/>
-          </a:xfrm>
-          <a:prstGeom prst="roundRect">
-            <a:avLst/>
-          </a:prstGeom>
-          <a:noFill/>
-          <a:ln>
-            <a:solidFill>
-              <a:srgbClr val="92D050"/>
-            </a:solidFill>
-            <a:prstDash val="sysDash"/>
-          </a:ln>
-        </p:spPr>
-        <p:style>
-          <a:lnRef idx="2">
-            <a:schemeClr val="accent1">
-              <a:shade val="50000"/>
-            </a:schemeClr>
-          </a:lnRef>
-          <a:fillRef idx="1">
-            <a:schemeClr val="accent1"/>
-          </a:fillRef>
-          <a:effectRef idx="0">
-            <a:schemeClr val="accent1"/>
-          </a:effectRef>
-          <a:fontRef idx="minor">
-            <a:schemeClr val="lt1"/>
-          </a:fontRef>
-        </p:style>
-        <p:txBody>
-          <a:bodyPr rtlCol="0" anchor="ctr"/>
-          <a:lstStyle/>
-          <a:p>
-            <a:pPr algn="ctr"/>
-            <a:endParaRPr lang="en-GB"/>
-          </a:p>
-        </p:txBody>
-      </p:sp>
-      <p:sp>
-        <p:nvSpPr>
-          <p:cNvPr id="12" name="11 CuadroTexto"/>
-          <p:cNvSpPr txBox="1"/>
-          <p:nvPr/>
-        </p:nvSpPr>
-        <p:spPr>
-          <a:xfrm>
-            <a:off x="9850955" y="4753610"/>
-            <a:ext cx="1886927" cy="369332"/>
-          </a:xfrm>
-          <a:prstGeom prst="rect">
-            <a:avLst/>
-          </a:prstGeom>
-          <a:noFill/>
-        </p:spPr>
-        <p:txBody>
-          <a:bodyPr wrap="none" rtlCol="0">
-            <a:spAutoFit/>
-          </a:bodyPr>
-          <a:lstStyle/>
-          <a:p>
-            <a:r>
-              <a:rPr lang="en-GB" b="1" dirty="0" smtClean="0">
-                <a:solidFill>
-                  <a:srgbClr val="00B050"/>
-                </a:solidFill>
-              </a:rPr>
-              <a:t>FI </a:t>
-            </a:r>
-            <a:r>
-              <a:rPr lang="en-GB" b="1" dirty="0" err="1" smtClean="0">
-                <a:solidFill>
-                  <a:srgbClr val="00B050"/>
-                </a:solidFill>
-              </a:rPr>
-              <a:t>PoT</a:t>
-            </a:r>
-            <a:r>
-              <a:rPr lang="en-GB" b="1" dirty="0" smtClean="0">
-                <a:solidFill>
-                  <a:srgbClr val="00B050"/>
-                </a:solidFill>
-              </a:rPr>
-              <a:t> Criterion III</a:t>
-            </a:r>
-            <a:endParaRPr lang="en-GB" b="1" dirty="0">
-              <a:solidFill>
-                <a:srgbClr val="00B050"/>
-              </a:solidFill>
-            </a:endParaRPr>
-          </a:p>
-        </p:txBody>
-      </p:sp>
-      <p:sp>
-        <p:nvSpPr>
-          <p:cNvPr id="13" name="12 Rectángulo redondeado"/>
-          <p:cNvSpPr/>
-          <p:nvPr/>
-        </p:nvSpPr>
-        <p:spPr>
-          <a:xfrm>
-            <a:off x="-1764704" y="5445224"/>
-            <a:ext cx="11600604" cy="1080120"/>
-          </a:xfrm>
-          <a:prstGeom prst="roundRect">
-            <a:avLst/>
-          </a:prstGeom>
-          <a:noFill/>
-          <a:ln>
-            <a:solidFill>
-              <a:srgbClr val="92D050"/>
-            </a:solidFill>
-            <a:prstDash val="sysDash"/>
-          </a:ln>
-        </p:spPr>
-        <p:style>
-          <a:lnRef idx="2">
-            <a:schemeClr val="accent1">
-              <a:shade val="50000"/>
-            </a:schemeClr>
-          </a:lnRef>
-          <a:fillRef idx="1">
-            <a:schemeClr val="accent1"/>
-          </a:fillRef>
-          <a:effectRef idx="0">
-            <a:schemeClr val="accent1"/>
-          </a:effectRef>
-          <a:fontRef idx="minor">
-            <a:schemeClr val="lt1"/>
-          </a:fontRef>
-        </p:style>
-        <p:txBody>
-          <a:bodyPr rtlCol="0" anchor="ctr"/>
-          <a:lstStyle/>
-          <a:p>
-            <a:pPr algn="ctr"/>
-            <a:endParaRPr lang="en-GB"/>
-          </a:p>
-        </p:txBody>
-      </p:sp>
-      <p:sp>
-        <p:nvSpPr>
-          <p:cNvPr id="14" name="13 CuadroTexto"/>
-          <p:cNvSpPr txBox="1"/>
-          <p:nvPr/>
-        </p:nvSpPr>
-        <p:spPr>
-          <a:xfrm>
-            <a:off x="9850955" y="5795972"/>
-            <a:ext cx="1901354" cy="369332"/>
-          </a:xfrm>
-          <a:prstGeom prst="rect">
-            <a:avLst/>
-          </a:prstGeom>
-          <a:noFill/>
-        </p:spPr>
-        <p:txBody>
-          <a:bodyPr wrap="none" rtlCol="0">
-            <a:spAutoFit/>
-          </a:bodyPr>
-          <a:lstStyle/>
-          <a:p>
-            <a:r>
-              <a:rPr lang="en-GB" b="1" dirty="0" smtClean="0">
-                <a:solidFill>
-                  <a:srgbClr val="00B050"/>
-                </a:solidFill>
-              </a:rPr>
-              <a:t>FI </a:t>
-            </a:r>
-            <a:r>
-              <a:rPr lang="en-GB" b="1" dirty="0" err="1" smtClean="0">
-                <a:solidFill>
-                  <a:srgbClr val="00B050"/>
-                </a:solidFill>
-              </a:rPr>
-              <a:t>PoT</a:t>
-            </a:r>
-            <a:r>
-              <a:rPr lang="en-GB" b="1" dirty="0" smtClean="0">
-                <a:solidFill>
-                  <a:srgbClr val="00B050"/>
-                </a:solidFill>
-              </a:rPr>
-              <a:t> Criterion IV</a:t>
-            </a:r>
-            <a:endParaRPr lang="en-GB" b="1" dirty="0">
-              <a:solidFill>
-                <a:srgbClr val="00B050"/>
-              </a:solidFill>
-            </a:endParaRPr>
-          </a:p>
-        </p:txBody>
-      </p:sp>
-      <p:sp>
-        <p:nvSpPr>
-          <p:cNvPr id="15" name="14 Elipse"/>
-          <p:cNvSpPr/>
-          <p:nvPr/>
-        </p:nvSpPr>
-        <p:spPr>
-          <a:xfrm>
-            <a:off x="9662911" y="2125323"/>
-            <a:ext cx="237681" cy="223557"/>
-          </a:xfrm>
-          <a:prstGeom prst="ellipse">
-            <a:avLst/>
-          </a:prstGeom>
-          <a:solidFill>
-            <a:srgbClr val="0070C0"/>
-          </a:solidFill>
-          <a:ln>
-            <a:noFill/>
-          </a:ln>
-        </p:spPr>
-        <p:style>
-          <a:lnRef idx="2">
-            <a:schemeClr val="accent1">
-              <a:shade val="50000"/>
-            </a:schemeClr>
-          </a:lnRef>
-          <a:fillRef idx="1">
-            <a:schemeClr val="accent1"/>
-          </a:fillRef>
-          <a:effectRef idx="0">
-            <a:schemeClr val="accent1"/>
-          </a:effectRef>
-          <a:fontRef idx="minor">
-            <a:schemeClr val="lt1"/>
-          </a:fontRef>
-        </p:style>
-        <p:txBody>
-          <a:bodyPr rtlCol="0" anchor="ctr"/>
-          <a:lstStyle/>
-          <a:p>
-            <a:pPr algn="ctr"/>
-            <a:r>
-              <a:rPr lang="en-GB" sz="1200" dirty="0" smtClean="0"/>
-              <a:t>1</a:t>
-            </a:r>
-            <a:endParaRPr lang="en-GB" sz="1200" dirty="0"/>
-          </a:p>
-        </p:txBody>
-      </p:sp>
-      <p:sp>
-        <p:nvSpPr>
-          <p:cNvPr id="16" name="15 Elipse"/>
-          <p:cNvSpPr/>
-          <p:nvPr/>
-        </p:nvSpPr>
-        <p:spPr>
-          <a:xfrm>
-            <a:off x="9684568" y="3068960"/>
-            <a:ext cx="237681" cy="223557"/>
-          </a:xfrm>
-          <a:prstGeom prst="ellipse">
-            <a:avLst/>
-          </a:prstGeom>
-          <a:solidFill>
-            <a:srgbClr val="0070C0"/>
-          </a:solidFill>
-          <a:ln>
-            <a:noFill/>
-          </a:ln>
-        </p:spPr>
-        <p:style>
-          <a:lnRef idx="2">
-            <a:schemeClr val="accent1">
-              <a:shade val="50000"/>
-            </a:schemeClr>
-          </a:lnRef>
-          <a:fillRef idx="1">
-            <a:schemeClr val="accent1"/>
-          </a:fillRef>
-          <a:effectRef idx="0">
-            <a:schemeClr val="accent1"/>
-          </a:effectRef>
-          <a:fontRef idx="minor">
-            <a:schemeClr val="lt1"/>
-          </a:fontRef>
-        </p:style>
-        <p:txBody>
-          <a:bodyPr rtlCol="0" anchor="ctr"/>
-          <a:lstStyle/>
-          <a:p>
-            <a:pPr algn="ctr"/>
-            <a:r>
-              <a:rPr lang="en-GB" sz="1200" dirty="0"/>
-              <a:t>2</a:t>
-            </a:r>
-          </a:p>
-        </p:txBody>
-      </p:sp>
-      <p:sp>
-        <p:nvSpPr>
-          <p:cNvPr id="19" name="18 Elipse"/>
-          <p:cNvSpPr/>
-          <p:nvPr/>
-        </p:nvSpPr>
-        <p:spPr>
-          <a:xfrm>
-            <a:off x="9684568" y="4149080"/>
-            <a:ext cx="237681" cy="223557"/>
-          </a:xfrm>
-          <a:prstGeom prst="ellipse">
-            <a:avLst/>
-          </a:prstGeom>
-          <a:solidFill>
-            <a:srgbClr val="0070C0"/>
-          </a:solidFill>
-          <a:ln>
-            <a:noFill/>
-          </a:ln>
-        </p:spPr>
-        <p:style>
-          <a:lnRef idx="2">
-            <a:schemeClr val="accent1">
-              <a:shade val="50000"/>
-            </a:schemeClr>
-          </a:lnRef>
-          <a:fillRef idx="1">
-            <a:schemeClr val="accent1"/>
-          </a:fillRef>
-          <a:effectRef idx="0">
-            <a:schemeClr val="accent1"/>
-          </a:effectRef>
-          <a:fontRef idx="minor">
-            <a:schemeClr val="lt1"/>
-          </a:fontRef>
-        </p:style>
-        <p:txBody>
-          <a:bodyPr rtlCol="0" anchor="ctr"/>
-          <a:lstStyle/>
-          <a:p>
-            <a:pPr algn="ctr"/>
-            <a:r>
-              <a:rPr lang="en-GB" sz="1200" dirty="0"/>
-              <a:t>3</a:t>
-            </a:r>
-          </a:p>
-        </p:txBody>
-      </p:sp>
-      <p:sp>
-        <p:nvSpPr>
-          <p:cNvPr id="20" name="19 Elipse"/>
-          <p:cNvSpPr/>
-          <p:nvPr/>
-        </p:nvSpPr>
-        <p:spPr>
-          <a:xfrm>
-            <a:off x="9684568" y="5149659"/>
-            <a:ext cx="237681" cy="223557"/>
-          </a:xfrm>
-          <a:prstGeom prst="ellipse">
-            <a:avLst/>
-          </a:prstGeom>
-          <a:solidFill>
-            <a:srgbClr val="0070C0"/>
-          </a:solidFill>
-          <a:ln>
-            <a:noFill/>
-          </a:ln>
-        </p:spPr>
-        <p:style>
-          <a:lnRef idx="2">
-            <a:schemeClr val="accent1">
-              <a:shade val="50000"/>
-            </a:schemeClr>
-          </a:lnRef>
-          <a:fillRef idx="1">
-            <a:schemeClr val="accent1"/>
-          </a:fillRef>
-          <a:effectRef idx="0">
-            <a:schemeClr val="accent1"/>
-          </a:effectRef>
-          <a:fontRef idx="minor">
-            <a:schemeClr val="lt1"/>
-          </a:fontRef>
-        </p:style>
-        <p:txBody>
-          <a:bodyPr rtlCol="0" anchor="ctr"/>
-          <a:lstStyle/>
-          <a:p>
-            <a:pPr algn="ctr"/>
-            <a:r>
-              <a:rPr lang="en-GB" sz="1200" dirty="0"/>
-              <a:t>4</a:t>
-            </a:r>
-          </a:p>
-        </p:txBody>
-      </p:sp>
-      <p:sp>
-        <p:nvSpPr>
-          <p:cNvPr id="21" name="20 Elipse"/>
-          <p:cNvSpPr/>
-          <p:nvPr/>
-        </p:nvSpPr>
-        <p:spPr>
-          <a:xfrm>
-            <a:off x="9684568" y="6237312"/>
-            <a:ext cx="237681" cy="223557"/>
-          </a:xfrm>
-          <a:prstGeom prst="ellipse">
-            <a:avLst/>
-          </a:prstGeom>
-          <a:solidFill>
-            <a:srgbClr val="0070C0"/>
-          </a:solidFill>
-          <a:ln>
-            <a:noFill/>
-          </a:ln>
-        </p:spPr>
-        <p:style>
-          <a:lnRef idx="2">
-            <a:schemeClr val="accent1">
-              <a:shade val="50000"/>
-            </a:schemeClr>
-          </a:lnRef>
-          <a:fillRef idx="1">
-            <a:schemeClr val="accent1"/>
-          </a:fillRef>
-          <a:effectRef idx="0">
-            <a:schemeClr val="accent1"/>
-          </a:effectRef>
-          <a:fontRef idx="minor">
-            <a:schemeClr val="lt1"/>
-          </a:fontRef>
-        </p:style>
-        <p:txBody>
-          <a:bodyPr rtlCol="0" anchor="ctr"/>
-          <a:lstStyle/>
-          <a:p>
-            <a:pPr algn="ctr"/>
-            <a:r>
-              <a:rPr lang="en-GB" sz="1200" dirty="0"/>
-              <a:t>5</a:t>
-            </a:r>
           </a:p>
         </p:txBody>
       </p:sp>
     </p:spTree>
     <p:extLst>
       <p:ext uri="{BB962C8B-B14F-4D97-AF65-F5344CB8AC3E}">
-        <p14:creationId xmlns:p14="http://schemas.microsoft.com/office/powerpoint/2010/main" val="1792153492"/>
+        <p14:creationId xmlns:p14="http://schemas.microsoft.com/office/powerpoint/2010/main" val="772689678"/>
       </p:ext>
     </p:extLst>
   </p:cSld>
@@ -6741,13 +11942,13 @@
       </p:grpSpPr>
       <p:pic>
         <p:nvPicPr>
-          <p:cNvPr id="1026" name="Picture 2" descr="C:\ESPD-EDM-02.00.00-asciidoc\espd-data-model\docs\src\main\asciidoc\images\PaymentOfTaxes_EO_mock-up.png"/>
+          <p:cNvPr id="18" name="Picture 2" descr="C:\ESPD-EDM-02.00.00-asciidoc\espd-data-model\docs\src\main\asciidoc\images\PaymentOfTaxes_CA_mock-up.png"/>
           <p:cNvPicPr>
             <a:picLocks noChangeAspect="1" noChangeArrowheads="1"/>
           </p:cNvPicPr>
           <p:nvPr/>
         </p:nvPicPr>
-        <p:blipFill>
+        <p:blipFill rotWithShape="1">
           <a:blip r:embed="rId2">
             <a:extLst>
               <a:ext uri="{28A0092B-C50C-407E-A947-70E740481C1C}">
@@ -6755,15 +11956,13 @@
               </a:ext>
             </a:extLst>
           </a:blip>
-          <a:srcRect/>
-          <a:stretch>
-            <a:fillRect/>
-          </a:stretch>
+          <a:srcRect b="73910"/>
+          <a:stretch/>
         </p:blipFill>
         <p:spPr bwMode="auto">
           <a:xfrm>
-            <a:off x="-252536" y="116632"/>
-            <a:ext cx="9572625" cy="6029325"/>
+            <a:off x="-1836712" y="610923"/>
+            <a:ext cx="11687175" cy="1627780"/>
           </a:xfrm>
           <a:prstGeom prst="rect">
             <a:avLst/>
@@ -6780,529 +11979,10 @@
           </a:extLst>
         </p:spPr>
       </p:pic>
-      <p:sp>
-        <p:nvSpPr>
-          <p:cNvPr id="4" name="3 Rectángulo redondeado"/>
-          <p:cNvSpPr/>
-          <p:nvPr/>
-        </p:nvSpPr>
-        <p:spPr>
-          <a:xfrm>
-            <a:off x="3563888" y="2564904"/>
-            <a:ext cx="5580112" cy="1872208"/>
-          </a:xfrm>
-          <a:prstGeom prst="roundRect">
-            <a:avLst/>
-          </a:prstGeom>
-          <a:noFill/>
-          <a:ln>
-            <a:solidFill>
-              <a:srgbClr val="92D050"/>
-            </a:solidFill>
-            <a:prstDash val="sysDash"/>
-          </a:ln>
-        </p:spPr>
-        <p:style>
-          <a:lnRef idx="2">
-            <a:schemeClr val="accent1">
-              <a:shade val="50000"/>
-            </a:schemeClr>
-          </a:lnRef>
-          <a:fillRef idx="1">
-            <a:schemeClr val="accent1"/>
-          </a:fillRef>
-          <a:effectRef idx="0">
-            <a:schemeClr val="accent1"/>
-          </a:effectRef>
-          <a:fontRef idx="minor">
-            <a:schemeClr val="lt1"/>
-          </a:fontRef>
-        </p:style>
-        <p:txBody>
-          <a:bodyPr rtlCol="0" anchor="ctr"/>
-          <a:lstStyle/>
-          <a:p>
-            <a:pPr algn="ctr"/>
-            <a:endParaRPr lang="en-GB"/>
-          </a:p>
-        </p:txBody>
-      </p:sp>
-      <p:sp>
-        <p:nvSpPr>
-          <p:cNvPr id="5" name="4 CuadroTexto"/>
-          <p:cNvSpPr txBox="1"/>
-          <p:nvPr/>
-        </p:nvSpPr>
-        <p:spPr>
-          <a:xfrm>
-            <a:off x="899592" y="2767073"/>
-            <a:ext cx="2088232" cy="1477328"/>
-          </a:xfrm>
-          <a:prstGeom prst="rect">
-            <a:avLst/>
-          </a:prstGeom>
-          <a:noFill/>
-        </p:spPr>
-        <p:txBody>
-          <a:bodyPr wrap="square" rtlCol="0">
-            <a:spAutoFit/>
-          </a:bodyPr>
-          <a:lstStyle/>
-          <a:p>
-            <a:r>
-              <a:rPr lang="en-GB" dirty="0" smtClean="0">
-                <a:solidFill>
-                  <a:srgbClr val="00B050"/>
-                </a:solidFill>
-              </a:rPr>
-              <a:t>This property is shown only if the answer to the previous QUESTION is ‘Yes’</a:t>
-            </a:r>
-            <a:endParaRPr lang="en-GB" dirty="0">
-              <a:solidFill>
-                <a:srgbClr val="00B050"/>
-              </a:solidFill>
-            </a:endParaRPr>
-          </a:p>
-        </p:txBody>
-      </p:sp>
-      <p:cxnSp>
-        <p:nvCxnSpPr>
-          <p:cNvPr id="7" name="6 Conector recto de flecha"/>
-          <p:cNvCxnSpPr>
-            <a:stCxn id="5" idx="3"/>
-            <a:endCxn id="4" idx="1"/>
-          </p:cNvCxnSpPr>
-          <p:nvPr/>
-        </p:nvCxnSpPr>
-        <p:spPr>
-          <a:xfrm flipV="1">
-            <a:off x="2987824" y="3501008"/>
-            <a:ext cx="576064" cy="4729"/>
-          </a:xfrm>
-          <a:prstGeom prst="straightConnector1">
-            <a:avLst/>
-          </a:prstGeom>
-          <a:ln w="19050">
-            <a:solidFill>
-              <a:srgbClr val="92D050"/>
-            </a:solidFill>
-            <a:tailEnd type="arrow"/>
-          </a:ln>
-        </p:spPr>
-        <p:style>
-          <a:lnRef idx="1">
-            <a:schemeClr val="accent1"/>
-          </a:lnRef>
-          <a:fillRef idx="0">
-            <a:schemeClr val="accent1"/>
-          </a:fillRef>
-          <a:effectRef idx="0">
-            <a:schemeClr val="accent1"/>
-          </a:effectRef>
-          <a:fontRef idx="minor">
-            <a:schemeClr val="tx1"/>
-          </a:fontRef>
-        </p:style>
-      </p:cxnSp>
-      <p:sp>
-        <p:nvSpPr>
-          <p:cNvPr id="6" name="5 Elipse"/>
-          <p:cNvSpPr/>
-          <p:nvPr/>
-        </p:nvSpPr>
-        <p:spPr>
-          <a:xfrm>
-            <a:off x="8973686" y="1333235"/>
-            <a:ext cx="237681" cy="223557"/>
-          </a:xfrm>
-          <a:prstGeom prst="ellipse">
-            <a:avLst/>
-          </a:prstGeom>
-          <a:solidFill>
-            <a:srgbClr val="0070C0"/>
-          </a:solidFill>
-          <a:ln>
-            <a:noFill/>
-          </a:ln>
-        </p:spPr>
-        <p:style>
-          <a:lnRef idx="2">
-            <a:schemeClr val="accent1">
-              <a:shade val="50000"/>
-            </a:schemeClr>
-          </a:lnRef>
-          <a:fillRef idx="1">
-            <a:schemeClr val="accent1"/>
-          </a:fillRef>
-          <a:effectRef idx="0">
-            <a:schemeClr val="accent1"/>
-          </a:effectRef>
-          <a:fontRef idx="minor">
-            <a:schemeClr val="lt1"/>
-          </a:fontRef>
-        </p:style>
-        <p:txBody>
-          <a:bodyPr rtlCol="0" anchor="ctr"/>
-          <a:lstStyle/>
-          <a:p>
-            <a:pPr algn="ctr"/>
-            <a:r>
-              <a:rPr lang="en-GB" sz="1200" dirty="0" smtClean="0"/>
-              <a:t>1</a:t>
-            </a:r>
-            <a:endParaRPr lang="en-GB" sz="1200" dirty="0"/>
-          </a:p>
-        </p:txBody>
-      </p:sp>
-      <p:sp>
-        <p:nvSpPr>
-          <p:cNvPr id="8" name="7 Elipse"/>
-          <p:cNvSpPr/>
-          <p:nvPr/>
-        </p:nvSpPr>
-        <p:spPr>
-          <a:xfrm>
-            <a:off x="7543615" y="1813760"/>
-            <a:ext cx="237681" cy="223557"/>
-          </a:xfrm>
-          <a:prstGeom prst="ellipse">
-            <a:avLst/>
-          </a:prstGeom>
-          <a:solidFill>
-            <a:srgbClr val="0070C0"/>
-          </a:solidFill>
-          <a:ln>
-            <a:noFill/>
-          </a:ln>
-        </p:spPr>
-        <p:style>
-          <a:lnRef idx="2">
-            <a:schemeClr val="accent1">
-              <a:shade val="50000"/>
-            </a:schemeClr>
-          </a:lnRef>
-          <a:fillRef idx="1">
-            <a:schemeClr val="accent1"/>
-          </a:fillRef>
-          <a:effectRef idx="0">
-            <a:schemeClr val="accent1"/>
-          </a:effectRef>
-          <a:fontRef idx="minor">
-            <a:schemeClr val="lt1"/>
-          </a:fontRef>
-        </p:style>
-        <p:txBody>
-          <a:bodyPr rtlCol="0" anchor="ctr"/>
-          <a:lstStyle/>
-          <a:p>
-            <a:pPr algn="ctr"/>
-            <a:r>
-              <a:rPr lang="en-GB" sz="1200" dirty="0"/>
-              <a:t>2</a:t>
-            </a:r>
-          </a:p>
-        </p:txBody>
-      </p:sp>
-      <p:sp>
-        <p:nvSpPr>
-          <p:cNvPr id="9" name="8 Elipse"/>
-          <p:cNvSpPr/>
-          <p:nvPr/>
-        </p:nvSpPr>
-        <p:spPr>
-          <a:xfrm>
-            <a:off x="8973686" y="1811056"/>
-            <a:ext cx="237681" cy="223557"/>
-          </a:xfrm>
-          <a:prstGeom prst="ellipse">
-            <a:avLst/>
-          </a:prstGeom>
-          <a:solidFill>
-            <a:srgbClr val="0070C0"/>
-          </a:solidFill>
-          <a:ln>
-            <a:noFill/>
-          </a:ln>
-        </p:spPr>
-        <p:style>
-          <a:lnRef idx="2">
-            <a:schemeClr val="accent1">
-              <a:shade val="50000"/>
-            </a:schemeClr>
-          </a:lnRef>
-          <a:fillRef idx="1">
-            <a:schemeClr val="accent1"/>
-          </a:fillRef>
-          <a:effectRef idx="0">
-            <a:schemeClr val="accent1"/>
-          </a:effectRef>
-          <a:fontRef idx="minor">
-            <a:schemeClr val="lt1"/>
-          </a:fontRef>
-        </p:style>
-        <p:txBody>
-          <a:bodyPr rtlCol="0" anchor="ctr"/>
-          <a:lstStyle/>
-          <a:p>
-            <a:pPr algn="ctr"/>
-            <a:r>
-              <a:rPr lang="en-GB" sz="1200" dirty="0"/>
-              <a:t>3</a:t>
-            </a:r>
-          </a:p>
-        </p:txBody>
-      </p:sp>
-      <p:sp>
-        <p:nvSpPr>
-          <p:cNvPr id="10" name="9 Elipse"/>
-          <p:cNvSpPr/>
-          <p:nvPr/>
-        </p:nvSpPr>
-        <p:spPr>
-          <a:xfrm>
-            <a:off x="8973686" y="2755015"/>
-            <a:ext cx="237681" cy="223557"/>
-          </a:xfrm>
-          <a:prstGeom prst="ellipse">
-            <a:avLst/>
-          </a:prstGeom>
-          <a:solidFill>
-            <a:srgbClr val="0070C0"/>
-          </a:solidFill>
-          <a:ln>
-            <a:noFill/>
-          </a:ln>
-        </p:spPr>
-        <p:style>
-          <a:lnRef idx="2">
-            <a:schemeClr val="accent1">
-              <a:shade val="50000"/>
-            </a:schemeClr>
-          </a:lnRef>
-          <a:fillRef idx="1">
-            <a:schemeClr val="accent1"/>
-          </a:fillRef>
-          <a:effectRef idx="0">
-            <a:schemeClr val="accent1"/>
-          </a:effectRef>
-          <a:fontRef idx="minor">
-            <a:schemeClr val="lt1"/>
-          </a:fontRef>
-        </p:style>
-        <p:txBody>
-          <a:bodyPr rtlCol="0" anchor="ctr"/>
-          <a:lstStyle/>
-          <a:p>
-            <a:pPr algn="ctr"/>
-            <a:r>
-              <a:rPr lang="en-GB" sz="1200" dirty="0"/>
-              <a:t>4</a:t>
-            </a:r>
-          </a:p>
-        </p:txBody>
-      </p:sp>
-      <p:sp>
-        <p:nvSpPr>
-          <p:cNvPr id="11" name="10 Elipse"/>
-          <p:cNvSpPr/>
-          <p:nvPr/>
-        </p:nvSpPr>
-        <p:spPr>
-          <a:xfrm>
-            <a:off x="8973686" y="4020844"/>
-            <a:ext cx="237681" cy="223557"/>
-          </a:xfrm>
-          <a:prstGeom prst="ellipse">
-            <a:avLst/>
-          </a:prstGeom>
-          <a:solidFill>
-            <a:srgbClr val="0070C0"/>
-          </a:solidFill>
-          <a:ln>
-            <a:noFill/>
-          </a:ln>
-        </p:spPr>
-        <p:style>
-          <a:lnRef idx="2">
-            <a:schemeClr val="accent1">
-              <a:shade val="50000"/>
-            </a:schemeClr>
-          </a:lnRef>
-          <a:fillRef idx="1">
-            <a:schemeClr val="accent1"/>
-          </a:fillRef>
-          <a:effectRef idx="0">
-            <a:schemeClr val="accent1"/>
-          </a:effectRef>
-          <a:fontRef idx="minor">
-            <a:schemeClr val="lt1"/>
-          </a:fontRef>
-        </p:style>
-        <p:txBody>
-          <a:bodyPr rtlCol="0" anchor="ctr"/>
-          <a:lstStyle/>
-          <a:p>
-            <a:pPr algn="ctr"/>
-            <a:r>
-              <a:rPr lang="en-GB" sz="1200" dirty="0"/>
-              <a:t>5</a:t>
-            </a:r>
-          </a:p>
-        </p:txBody>
-      </p:sp>
-      <p:sp>
-        <p:nvSpPr>
-          <p:cNvPr id="12" name="11 Elipse"/>
-          <p:cNvSpPr/>
-          <p:nvPr/>
-        </p:nvSpPr>
-        <p:spPr>
-          <a:xfrm>
-            <a:off x="8973686" y="4951051"/>
-            <a:ext cx="237681" cy="223557"/>
-          </a:xfrm>
-          <a:prstGeom prst="ellipse">
-            <a:avLst/>
-          </a:prstGeom>
-          <a:solidFill>
-            <a:srgbClr val="0070C0"/>
-          </a:solidFill>
-          <a:ln>
-            <a:noFill/>
-          </a:ln>
-        </p:spPr>
-        <p:style>
-          <a:lnRef idx="2">
-            <a:schemeClr val="accent1">
-              <a:shade val="50000"/>
-            </a:schemeClr>
-          </a:lnRef>
-          <a:fillRef idx="1">
-            <a:schemeClr val="accent1"/>
-          </a:fillRef>
-          <a:effectRef idx="0">
-            <a:schemeClr val="accent1"/>
-          </a:effectRef>
-          <a:fontRef idx="minor">
-            <a:schemeClr val="lt1"/>
-          </a:fontRef>
-        </p:style>
-        <p:txBody>
-          <a:bodyPr rtlCol="0" anchor="ctr"/>
-          <a:lstStyle/>
-          <a:p>
-            <a:pPr algn="ctr"/>
-            <a:r>
-              <a:rPr lang="en-GB" sz="1200" dirty="0"/>
-              <a:t>6</a:t>
-            </a:r>
-          </a:p>
-        </p:txBody>
-      </p:sp>
-      <p:sp>
-        <p:nvSpPr>
-          <p:cNvPr id="13" name="12 Elipse"/>
-          <p:cNvSpPr/>
-          <p:nvPr/>
-        </p:nvSpPr>
-        <p:spPr>
-          <a:xfrm>
-            <a:off x="8973686" y="5328504"/>
-            <a:ext cx="237681" cy="223557"/>
-          </a:xfrm>
-          <a:prstGeom prst="ellipse">
-            <a:avLst/>
-          </a:prstGeom>
-          <a:solidFill>
-            <a:srgbClr val="0070C0"/>
-          </a:solidFill>
-          <a:ln>
-            <a:noFill/>
-          </a:ln>
-        </p:spPr>
-        <p:style>
-          <a:lnRef idx="2">
-            <a:schemeClr val="accent1">
-              <a:shade val="50000"/>
-            </a:schemeClr>
-          </a:lnRef>
-          <a:fillRef idx="1">
-            <a:schemeClr val="accent1"/>
-          </a:fillRef>
-          <a:effectRef idx="0">
-            <a:schemeClr val="accent1"/>
-          </a:effectRef>
-          <a:fontRef idx="minor">
-            <a:schemeClr val="lt1"/>
-          </a:fontRef>
-        </p:style>
-        <p:txBody>
-          <a:bodyPr rtlCol="0" anchor="ctr"/>
-          <a:lstStyle/>
-          <a:p>
-            <a:pPr algn="ctr"/>
-            <a:r>
-              <a:rPr lang="en-GB" sz="1200" dirty="0" smtClean="0"/>
-              <a:t>7</a:t>
-            </a:r>
-            <a:endParaRPr lang="en-GB" sz="1200" dirty="0"/>
-          </a:p>
-        </p:txBody>
-      </p:sp>
-      <p:sp>
-        <p:nvSpPr>
-          <p:cNvPr id="14" name="13 Elipse"/>
-          <p:cNvSpPr/>
-          <p:nvPr/>
-        </p:nvSpPr>
-        <p:spPr>
-          <a:xfrm>
-            <a:off x="8973686" y="5702192"/>
-            <a:ext cx="237681" cy="223557"/>
-          </a:xfrm>
-          <a:prstGeom prst="ellipse">
-            <a:avLst/>
-          </a:prstGeom>
-          <a:solidFill>
-            <a:srgbClr val="0070C0"/>
-          </a:solidFill>
-          <a:ln>
-            <a:noFill/>
-          </a:ln>
-        </p:spPr>
-        <p:style>
-          <a:lnRef idx="2">
-            <a:schemeClr val="accent1">
-              <a:shade val="50000"/>
-            </a:schemeClr>
-          </a:lnRef>
-          <a:fillRef idx="1">
-            <a:schemeClr val="accent1"/>
-          </a:fillRef>
-          <a:effectRef idx="0">
-            <a:schemeClr val="accent1"/>
-          </a:effectRef>
-          <a:fontRef idx="minor">
-            <a:schemeClr val="lt1"/>
-          </a:fontRef>
-        </p:style>
-        <p:txBody>
-          <a:bodyPr rtlCol="0" anchor="ctr"/>
-          <a:lstStyle/>
-          <a:p>
-            <a:pPr algn="ctr"/>
-            <a:r>
-              <a:rPr lang="en-GB" sz="1200" dirty="0" smtClean="0"/>
-              <a:t>8</a:t>
-            </a:r>
-            <a:endParaRPr lang="en-GB" sz="1200" dirty="0"/>
-          </a:p>
-        </p:txBody>
-      </p:sp>
     </p:spTree>
     <p:extLst>
       <p:ext uri="{BB962C8B-B14F-4D97-AF65-F5344CB8AC3E}">
-        <p14:creationId xmlns:p14="http://schemas.microsoft.com/office/powerpoint/2010/main" val="2606548167"/>
+        <p14:creationId xmlns:p14="http://schemas.microsoft.com/office/powerpoint/2010/main" val="2858786359"/>
       </p:ext>
     </p:extLst>
   </p:cSld>
@@ -7331,7 +12011,7 @@
       </p:grpSpPr>
       <p:pic>
         <p:nvPicPr>
-          <p:cNvPr id="2050" name="Picture 2" descr="C:\ESPD-EDM-02.00.00-asciidoc\espd-data-model\docs\src\main\asciidoc\images\PaymentOfTaxes_EO_mock-up-2.png"/>
+          <p:cNvPr id="1026" name="Picture 2" descr="C:\ESPD-EDM-02.00.00-asciidoc\espd-data-model\docs\src\main\asciidoc\images\PaymentOfTaxes_EO_mock-up.png"/>
           <p:cNvPicPr>
             <a:picLocks noChangeAspect="1" noChangeArrowheads="1"/>
           </p:cNvPicPr>
@@ -7352,8 +12032,8 @@
         </p:blipFill>
         <p:spPr bwMode="auto">
           <a:xfrm>
-            <a:off x="438025" y="404664"/>
-            <a:ext cx="8526463" cy="5610225"/>
+            <a:off x="-252536" y="116632"/>
+            <a:ext cx="9572625" cy="6029325"/>
           </a:xfrm>
           <a:prstGeom prst="rect">
             <a:avLst/>
@@ -7378,8 +12058,8 @@
         </p:nvSpPr>
         <p:spPr>
           <a:xfrm>
-            <a:off x="3779912" y="2564904"/>
-            <a:ext cx="5184576" cy="1872208"/>
+            <a:off x="3563888" y="2564904"/>
+            <a:ext cx="5580112" cy="1872208"/>
           </a:xfrm>
           <a:prstGeom prst="roundRect">
             <a:avLst/>
@@ -7425,7 +12105,7 @@
         </p:nvSpPr>
         <p:spPr>
           <a:xfrm>
-            <a:off x="1301387" y="2764340"/>
+            <a:off x="899592" y="2767073"/>
             <a:ext cx="2088232" cy="1477328"/>
           </a:xfrm>
           <a:prstGeom prst="rect">
@@ -7445,7 +12125,7 @@
                   <a:srgbClr val="00B050"/>
                 </a:solidFill>
               </a:rPr>
-              <a:t>This group of property is shown only if the answer to the previous QUESTION is ‘No’</a:t>
+              <a:t>This property is shown only if the answer to the previous QUESTION is ‘Yes’</a:t>
             </a:r>
             <a:endParaRPr lang="en-GB" dirty="0">
               <a:solidFill>
@@ -7466,8 +12146,8 @@
         </p:nvCxnSpPr>
         <p:spPr>
           <a:xfrm flipV="1">
-            <a:off x="3389619" y="3501008"/>
-            <a:ext cx="390293" cy="1996"/>
+            <a:off x="2987824" y="3501008"/>
+            <a:ext cx="576064" cy="4729"/>
           </a:xfrm>
           <a:prstGeom prst="straightConnector1">
             <a:avLst/>
@@ -7496,13 +12176,13 @@
       </p:cxnSp>
       <p:sp>
         <p:nvSpPr>
-          <p:cNvPr id="6" name="5 Elipse"/>
+          <p:cNvPr id="10" name="9 Elipse"/>
           <p:cNvSpPr/>
           <p:nvPr/>
         </p:nvSpPr>
         <p:spPr>
           <a:xfrm>
-            <a:off x="8820472" y="1374179"/>
+            <a:off x="8980381" y="2755015"/>
             <a:ext cx="237681" cy="223557"/>
           </a:xfrm>
           <a:prstGeom prst="ellipse">
@@ -7538,7 +12218,7 @@
             <a:pPr algn="ctr"/>
             <a:r>
               <a:rPr lang="en-GB" sz="1200" dirty="0" smtClean="0"/>
-              <a:t>1</a:t>
+              <a:t>4</a:t>
             </a:r>
             <a:endParaRPr lang="en-GB" sz="1200" dirty="0"/>
           </a:p>
@@ -7546,13 +12226,13 @@
       </p:sp>
       <p:sp>
         <p:nvSpPr>
-          <p:cNvPr id="8" name="7 Elipse"/>
+          <p:cNvPr id="11" name="10 Elipse"/>
           <p:cNvSpPr/>
           <p:nvPr/>
         </p:nvSpPr>
         <p:spPr>
           <a:xfrm>
-            <a:off x="8820472" y="1852000"/>
+            <a:off x="8980381" y="4020844"/>
             <a:ext cx="237681" cy="223557"/>
           </a:xfrm>
           <a:prstGeom prst="ellipse">
@@ -7586,22 +12266,19 @@
           <a:lstStyle/>
           <a:p>
             <a:pPr algn="ctr"/>
-            <a:r>
-              <a:rPr lang="en-GB" sz="1200" dirty="0"/>
-              <a:t>3</a:t>
-            </a:r>
-          </a:p>
-        </p:txBody>
-      </p:sp>
-      <p:sp>
-        <p:nvSpPr>
-          <p:cNvPr id="9" name="8 Elipse"/>
+            <a:endParaRPr lang="en-GB" sz="1200" dirty="0"/>
+          </a:p>
+        </p:txBody>
+      </p:sp>
+      <p:sp>
+        <p:nvSpPr>
+          <p:cNvPr id="12" name="11 Elipse"/>
           <p:cNvSpPr/>
           <p:nvPr/>
         </p:nvSpPr>
         <p:spPr>
           <a:xfrm>
-            <a:off x="8820472" y="3205443"/>
+            <a:off x="8980381" y="4951051"/>
             <a:ext cx="237681" cy="223557"/>
           </a:xfrm>
           <a:prstGeom prst="ellipse">
@@ -7636,21 +12313,22 @@
           <a:p>
             <a:pPr algn="ctr"/>
             <a:r>
-              <a:rPr lang="en-GB" sz="1200" dirty="0"/>
-              <a:t>4</a:t>
-            </a:r>
-          </a:p>
-        </p:txBody>
-      </p:sp>
-      <p:sp>
-        <p:nvSpPr>
-          <p:cNvPr id="10" name="9 Elipse"/>
+              <a:rPr lang="en-GB" sz="1200" dirty="0" smtClean="0"/>
+              <a:t>6</a:t>
+            </a:r>
+            <a:endParaRPr lang="en-GB" sz="1200" dirty="0"/>
+          </a:p>
+        </p:txBody>
+      </p:sp>
+      <p:sp>
+        <p:nvSpPr>
+          <p:cNvPr id="13" name="12 Elipse"/>
           <p:cNvSpPr/>
           <p:nvPr/>
         </p:nvSpPr>
         <p:spPr>
           <a:xfrm>
-            <a:off x="8820472" y="3645024"/>
+            <a:off x="8980381" y="5328504"/>
             <a:ext cx="237681" cy="223557"/>
           </a:xfrm>
           <a:prstGeom prst="ellipse">
@@ -7685,21 +12363,22 @@
           <a:p>
             <a:pPr algn="ctr"/>
             <a:r>
-              <a:rPr lang="en-GB" sz="1200" dirty="0"/>
-              <a:t>5</a:t>
-            </a:r>
-          </a:p>
-        </p:txBody>
-      </p:sp>
-      <p:sp>
-        <p:nvSpPr>
-          <p:cNvPr id="11" name="10 Elipse"/>
+              <a:rPr lang="en-GB" sz="1200" smtClean="0"/>
+              <a:t>7</a:t>
+            </a:r>
+            <a:endParaRPr lang="en-GB" sz="1200" dirty="0"/>
+          </a:p>
+        </p:txBody>
+      </p:sp>
+      <p:sp>
+        <p:nvSpPr>
+          <p:cNvPr id="14" name="13 Elipse"/>
           <p:cNvSpPr/>
           <p:nvPr/>
         </p:nvSpPr>
         <p:spPr>
           <a:xfrm>
-            <a:off x="8820472" y="4896456"/>
+            <a:off x="8980381" y="5702192"/>
             <a:ext cx="237681" cy="223557"/>
           </a:xfrm>
           <a:prstGeom prst="ellipse">
@@ -7734,21 +12413,61 @@
           <a:p>
             <a:pPr algn="ctr"/>
             <a:r>
-              <a:rPr lang="en-GB" sz="1200" dirty="0"/>
-              <a:t>6</a:t>
-            </a:r>
-          </a:p>
-        </p:txBody>
-      </p:sp>
-      <p:sp>
-        <p:nvSpPr>
-          <p:cNvPr id="12" name="11 Elipse"/>
+              <a:rPr lang="en-GB" sz="1200" smtClean="0"/>
+              <a:t>8</a:t>
+            </a:r>
+            <a:endParaRPr lang="en-GB" sz="1200" dirty="0"/>
+          </a:p>
+        </p:txBody>
+      </p:sp>
+      <p:sp>
+        <p:nvSpPr>
+          <p:cNvPr id="15" name="14 CuadroTexto"/>
+          <p:cNvSpPr txBox="1"/>
+          <p:nvPr/>
+        </p:nvSpPr>
+        <p:spPr>
+          <a:xfrm>
+            <a:off x="8970820" y="3998557"/>
+            <a:ext cx="256802" cy="261610"/>
+          </a:xfrm>
+          <a:prstGeom prst="rect">
+            <a:avLst/>
+          </a:prstGeom>
+          <a:noFill/>
+        </p:spPr>
+        <p:txBody>
+          <a:bodyPr wrap="none" rtlCol="0">
+            <a:spAutoFit/>
+          </a:bodyPr>
+          <a:lstStyle/>
+          <a:p>
+            <a:pPr algn="ctr"/>
+            <a:r>
+              <a:rPr lang="en-GB" sz="1100" dirty="0" smtClean="0">
+                <a:solidFill>
+                  <a:schemeClr val="bg1"/>
+                </a:solidFill>
+              </a:rPr>
+              <a:t>5</a:t>
+            </a:r>
+            <a:endParaRPr lang="en-GB" sz="1100" dirty="0">
+              <a:solidFill>
+                <a:schemeClr val="bg1"/>
+              </a:solidFill>
+            </a:endParaRPr>
+          </a:p>
+        </p:txBody>
+      </p:sp>
+      <p:sp>
+        <p:nvSpPr>
+          <p:cNvPr id="20" name="19 Elipse"/>
           <p:cNvSpPr/>
           <p:nvPr/>
         </p:nvSpPr>
         <p:spPr>
           <a:xfrm>
-            <a:off x="8820472" y="5273909"/>
+            <a:off x="8980381" y="1342853"/>
             <a:ext cx="237681" cy="223557"/>
           </a:xfrm>
           <a:prstGeom prst="ellipse">
@@ -7783,22 +12502,21 @@
           <a:p>
             <a:pPr algn="ctr"/>
             <a:r>
-              <a:rPr lang="en-GB" sz="1200" dirty="0" smtClean="0"/>
-              <a:t>7</a:t>
-            </a:r>
-            <a:endParaRPr lang="en-GB" sz="1200" dirty="0"/>
-          </a:p>
-        </p:txBody>
-      </p:sp>
-      <p:sp>
-        <p:nvSpPr>
-          <p:cNvPr id="13" name="12 Elipse"/>
+              <a:rPr lang="en-GB" sz="1200" dirty="0"/>
+              <a:t>2</a:t>
+            </a:r>
+          </a:p>
+        </p:txBody>
+      </p:sp>
+      <p:sp>
+        <p:nvSpPr>
+          <p:cNvPr id="24" name="23 Elipse"/>
           <p:cNvSpPr/>
           <p:nvPr/>
         </p:nvSpPr>
         <p:spPr>
           <a:xfrm>
-            <a:off x="8820472" y="5647597"/>
+            <a:off x="8980381" y="1804348"/>
             <a:ext cx="237681" cy="223557"/>
           </a:xfrm>
           <a:prstGeom prst="ellipse">
@@ -7834,7 +12552,7 @@
             <a:pPr algn="ctr"/>
             <a:r>
               <a:rPr lang="en-GB" sz="1200" dirty="0" smtClean="0"/>
-              <a:t>8</a:t>
+              <a:t>3</a:t>
             </a:r>
             <a:endParaRPr lang="en-GB" sz="1200" dirty="0"/>
           </a:p>
@@ -7842,20 +12560,20 @@
       </p:sp>
       <p:sp>
         <p:nvSpPr>
-          <p:cNvPr id="14" name="13 Elipse"/>
+          <p:cNvPr id="2" name="1 Rectángulo"/>
           <p:cNvSpPr/>
           <p:nvPr/>
         </p:nvSpPr>
         <p:spPr>
           <a:xfrm>
-            <a:off x="7411376" y="1837291"/>
-            <a:ext cx="237681" cy="223557"/>
-          </a:xfrm>
-          <a:prstGeom prst="ellipse">
+            <a:off x="-12004" y="1680949"/>
+            <a:ext cx="1224136" cy="416282"/>
+          </a:xfrm>
+          <a:prstGeom prst="rect">
             <a:avLst/>
           </a:prstGeom>
           <a:solidFill>
-            <a:srgbClr val="0070C0"/>
+            <a:schemeClr val="bg1"/>
           </a:solidFill>
           <a:ln>
             <a:noFill/>
@@ -7882,9 +12600,55 @@
           <a:lstStyle/>
           <a:p>
             <a:pPr algn="ctr"/>
+            <a:endParaRPr lang="en-GB"/>
+          </a:p>
+        </p:txBody>
+      </p:sp>
+      <p:sp>
+        <p:nvSpPr>
+          <p:cNvPr id="16" name="15 Elipse"/>
+          <p:cNvSpPr/>
+          <p:nvPr/>
+        </p:nvSpPr>
+        <p:spPr>
+          <a:xfrm>
+            <a:off x="-371377" y="1118988"/>
+            <a:ext cx="237681" cy="223557"/>
+          </a:xfrm>
+          <a:prstGeom prst="ellipse">
+            <a:avLst/>
+          </a:prstGeom>
+          <a:solidFill>
+            <a:srgbClr val="0070C0"/>
+          </a:solidFill>
+          <a:ln>
+            <a:noFill/>
+          </a:ln>
+        </p:spPr>
+        <p:style>
+          <a:lnRef idx="2">
+            <a:schemeClr val="accent1">
+              <a:shade val="50000"/>
+            </a:schemeClr>
+          </a:lnRef>
+          <a:fillRef idx="1">
+            <a:schemeClr val="accent1"/>
+          </a:fillRef>
+          <a:effectRef idx="0">
+            <a:schemeClr val="accent1"/>
+          </a:effectRef>
+          <a:fontRef idx="minor">
+            <a:schemeClr val="lt1"/>
+          </a:fontRef>
+        </p:style>
+        <p:txBody>
+          <a:bodyPr rtlCol="0" anchor="ctr"/>
+          <a:lstStyle/>
+          <a:p>
+            <a:pPr algn="ctr"/>
             <a:r>
               <a:rPr lang="en-GB" sz="1200" dirty="0" smtClean="0"/>
-              <a:t>2</a:t>
+              <a:t>1</a:t>
             </a:r>
             <a:endParaRPr lang="en-GB" sz="1200" dirty="0"/>
           </a:p>
@@ -7893,7 +12657,7 @@
     </p:spTree>
     <p:extLst>
       <p:ext uri="{BB962C8B-B14F-4D97-AF65-F5344CB8AC3E}">
-        <p14:creationId xmlns:p14="http://schemas.microsoft.com/office/powerpoint/2010/main" val="3249331159"/>
+        <p14:creationId xmlns:p14="http://schemas.microsoft.com/office/powerpoint/2010/main" val="2606548167"/>
       </p:ext>
     </p:extLst>
   </p:cSld>
@@ -8186,4 +12950,289 @@
   <a:objectDefaults/>
   <a:extraClrSchemeLst/>
 </a:theme>
+</file>
+
+<file path=ppt/theme/theme2.xml><?xml version="1.0" encoding="utf-8"?>
+<a:theme xmlns:a="http://schemas.openxmlformats.org/drawingml/2006/main" name="Tema de Office">
+  <a:themeElements>
+    <a:clrScheme name="Office">
+      <a:dk1>
+        <a:sysClr val="windowText" lastClr="000000"/>
+      </a:dk1>
+      <a:lt1>
+        <a:sysClr val="window" lastClr="FFFFFF"/>
+      </a:lt1>
+      <a:dk2>
+        <a:srgbClr val="1F497D"/>
+      </a:dk2>
+      <a:lt2>
+        <a:srgbClr val="EEECE1"/>
+      </a:lt2>
+      <a:accent1>
+        <a:srgbClr val="4F81BD"/>
+      </a:accent1>
+      <a:accent2>
+        <a:srgbClr val="C0504D"/>
+      </a:accent2>
+      <a:accent3>
+        <a:srgbClr val="9BBB59"/>
+      </a:accent3>
+      <a:accent4>
+        <a:srgbClr val="8064A2"/>
+      </a:accent4>
+      <a:accent5>
+        <a:srgbClr val="4BACC6"/>
+      </a:accent5>
+      <a:accent6>
+        <a:srgbClr val="F79646"/>
+      </a:accent6>
+      <a:hlink>
+        <a:srgbClr val="0000FF"/>
+      </a:hlink>
+      <a:folHlink>
+        <a:srgbClr val="800080"/>
+      </a:folHlink>
+    </a:clrScheme>
+    <a:fontScheme name="Office">
+      <a:majorFont>
+        <a:latin typeface="Calibri"/>
+        <a:ea typeface=""/>
+        <a:cs typeface=""/>
+        <a:font script="Jpan" typeface="ＭＳ Ｐゴシック"/>
+        <a:font script="Hang" typeface="맑은 고딕"/>
+        <a:font script="Hans" typeface="宋体"/>
+        <a:font script="Hant" typeface="新細明體"/>
+        <a:font script="Arab" typeface="Times New Roman"/>
+        <a:font script="Hebr" typeface="Times New Roman"/>
+        <a:font script="Thai" typeface="Angsana New"/>
+        <a:font script="Ethi" typeface="Nyala"/>
+        <a:font script="Beng" typeface="Vrinda"/>
+        <a:font script="Gujr" typeface="Shruti"/>
+        <a:font script="Khmr" typeface="MoolBoran"/>
+        <a:font script="Knda" typeface="Tunga"/>
+        <a:font script="Guru" typeface="Raavi"/>
+        <a:font script="Cans" typeface="Euphemia"/>
+        <a:font script="Cher" typeface="Plantagenet Cherokee"/>
+        <a:font script="Yiii" typeface="Microsoft Yi Baiti"/>
+        <a:font script="Tibt" typeface="Microsoft Himalaya"/>
+        <a:font script="Thaa" typeface="MV Boli"/>
+        <a:font script="Deva" typeface="Mangal"/>
+        <a:font script="Telu" typeface="Gautami"/>
+        <a:font script="Taml" typeface="Latha"/>
+        <a:font script="Syrc" typeface="Estrangelo Edessa"/>
+        <a:font script="Orya" typeface="Kalinga"/>
+        <a:font script="Mlym" typeface="Kartika"/>
+        <a:font script="Laoo" typeface="DokChampa"/>
+        <a:font script="Sinh" typeface="Iskoola Pota"/>
+        <a:font script="Mong" typeface="Mongolian Baiti"/>
+        <a:font script="Viet" typeface="Times New Roman"/>
+        <a:font script="Uigh" typeface="Microsoft Uighur"/>
+        <a:font script="Geor" typeface="Sylfaen"/>
+      </a:majorFont>
+      <a:minorFont>
+        <a:latin typeface="Calibri"/>
+        <a:ea typeface=""/>
+        <a:cs typeface=""/>
+        <a:font script="Jpan" typeface="ＭＳ Ｐゴシック"/>
+        <a:font script="Hang" typeface="맑은 고딕"/>
+        <a:font script="Hans" typeface="宋体"/>
+        <a:font script="Hant" typeface="新細明體"/>
+        <a:font script="Arab" typeface="Arial"/>
+        <a:font script="Hebr" typeface="Arial"/>
+        <a:font script="Thai" typeface="Cordia New"/>
+        <a:font script="Ethi" typeface="Nyala"/>
+        <a:font script="Beng" typeface="Vrinda"/>
+        <a:font script="Gujr" typeface="Shruti"/>
+        <a:font script="Khmr" typeface="DaunPenh"/>
+        <a:font script="Knda" typeface="Tunga"/>
+        <a:font script="Guru" typeface="Raavi"/>
+        <a:font script="Cans" typeface="Euphemia"/>
+        <a:font script="Cher" typeface="Plantagenet Cherokee"/>
+        <a:font script="Yiii" typeface="Microsoft Yi Baiti"/>
+        <a:font script="Tibt" typeface="Microsoft Himalaya"/>
+        <a:font script="Thaa" typeface="MV Boli"/>
+        <a:font script="Deva" typeface="Mangal"/>
+        <a:font script="Telu" typeface="Gautami"/>
+        <a:font script="Taml" typeface="Latha"/>
+        <a:font script="Syrc" typeface="Estrangelo Edessa"/>
+        <a:font script="Orya" typeface="Kalinga"/>
+        <a:font script="Mlym" typeface="Kartika"/>
+        <a:font script="Laoo" typeface="DokChampa"/>
+        <a:font script="Sinh" typeface="Iskoola Pota"/>
+        <a:font script="Mong" typeface="Mongolian Baiti"/>
+        <a:font script="Viet" typeface="Arial"/>
+        <a:font script="Uigh" typeface="Microsoft Uighur"/>
+        <a:font script="Geor" typeface="Sylfaen"/>
+      </a:minorFont>
+    </a:fontScheme>
+    <a:fmtScheme name="Office">
+      <a:fillStyleLst>
+        <a:solidFill>
+          <a:schemeClr val="phClr"/>
+        </a:solidFill>
+        <a:gradFill rotWithShape="1">
+          <a:gsLst>
+            <a:gs pos="0">
+              <a:schemeClr val="phClr">
+                <a:tint val="50000"/>
+                <a:satMod val="300000"/>
+              </a:schemeClr>
+            </a:gs>
+            <a:gs pos="35000">
+              <a:schemeClr val="phClr">
+                <a:tint val="37000"/>
+                <a:satMod val="300000"/>
+              </a:schemeClr>
+            </a:gs>
+            <a:gs pos="100000">
+              <a:schemeClr val="phClr">
+                <a:tint val="15000"/>
+                <a:satMod val="350000"/>
+              </a:schemeClr>
+            </a:gs>
+          </a:gsLst>
+          <a:lin ang="16200000" scaled="1"/>
+        </a:gradFill>
+        <a:gradFill rotWithShape="1">
+          <a:gsLst>
+            <a:gs pos="0">
+              <a:schemeClr val="phClr">
+                <a:shade val="51000"/>
+                <a:satMod val="130000"/>
+              </a:schemeClr>
+            </a:gs>
+            <a:gs pos="80000">
+              <a:schemeClr val="phClr">
+                <a:shade val="93000"/>
+                <a:satMod val="130000"/>
+              </a:schemeClr>
+            </a:gs>
+            <a:gs pos="100000">
+              <a:schemeClr val="phClr">
+                <a:shade val="94000"/>
+                <a:satMod val="135000"/>
+              </a:schemeClr>
+            </a:gs>
+          </a:gsLst>
+          <a:lin ang="16200000" scaled="0"/>
+        </a:gradFill>
+      </a:fillStyleLst>
+      <a:lnStyleLst>
+        <a:ln w="9525" cap="flat" cmpd="sng" algn="ctr">
+          <a:solidFill>
+            <a:schemeClr val="phClr">
+              <a:shade val="95000"/>
+              <a:satMod val="105000"/>
+            </a:schemeClr>
+          </a:solidFill>
+          <a:prstDash val="solid"/>
+        </a:ln>
+        <a:ln w="25400" cap="flat" cmpd="sng" algn="ctr">
+          <a:solidFill>
+            <a:schemeClr val="phClr"/>
+          </a:solidFill>
+          <a:prstDash val="solid"/>
+        </a:ln>
+        <a:ln w="38100" cap="flat" cmpd="sng" algn="ctr">
+          <a:solidFill>
+            <a:schemeClr val="phClr"/>
+          </a:solidFill>
+          <a:prstDash val="solid"/>
+        </a:ln>
+      </a:lnStyleLst>
+      <a:effectStyleLst>
+        <a:effectStyle>
+          <a:effectLst>
+            <a:outerShdw blurRad="40000" dist="20000" dir="5400000" rotWithShape="0">
+              <a:srgbClr val="000000">
+                <a:alpha val="38000"/>
+              </a:srgbClr>
+            </a:outerShdw>
+          </a:effectLst>
+        </a:effectStyle>
+        <a:effectStyle>
+          <a:effectLst>
+            <a:outerShdw blurRad="40000" dist="23000" dir="5400000" rotWithShape="0">
+              <a:srgbClr val="000000">
+                <a:alpha val="35000"/>
+              </a:srgbClr>
+            </a:outerShdw>
+          </a:effectLst>
+        </a:effectStyle>
+        <a:effectStyle>
+          <a:effectLst>
+            <a:outerShdw blurRad="40000" dist="23000" dir="5400000" rotWithShape="0">
+              <a:srgbClr val="000000">
+                <a:alpha val="35000"/>
+              </a:srgbClr>
+            </a:outerShdw>
+          </a:effectLst>
+          <a:scene3d>
+            <a:camera prst="orthographicFront">
+              <a:rot lat="0" lon="0" rev="0"/>
+            </a:camera>
+            <a:lightRig rig="threePt" dir="t">
+              <a:rot lat="0" lon="0" rev="1200000"/>
+            </a:lightRig>
+          </a:scene3d>
+          <a:sp3d>
+            <a:bevelT w="63500" h="25400"/>
+          </a:sp3d>
+        </a:effectStyle>
+      </a:effectStyleLst>
+      <a:bgFillStyleLst>
+        <a:solidFill>
+          <a:schemeClr val="phClr"/>
+        </a:solidFill>
+        <a:gradFill rotWithShape="1">
+          <a:gsLst>
+            <a:gs pos="0">
+              <a:schemeClr val="phClr">
+                <a:tint val="40000"/>
+                <a:satMod val="350000"/>
+              </a:schemeClr>
+            </a:gs>
+            <a:gs pos="40000">
+              <a:schemeClr val="phClr">
+                <a:tint val="45000"/>
+                <a:shade val="99000"/>
+                <a:satMod val="350000"/>
+              </a:schemeClr>
+            </a:gs>
+            <a:gs pos="100000">
+              <a:schemeClr val="phClr">
+                <a:shade val="20000"/>
+                <a:satMod val="255000"/>
+              </a:schemeClr>
+            </a:gs>
+          </a:gsLst>
+          <a:path path="circle">
+            <a:fillToRect l="50000" t="-80000" r="50000" b="180000"/>
+          </a:path>
+        </a:gradFill>
+        <a:gradFill rotWithShape="1">
+          <a:gsLst>
+            <a:gs pos="0">
+              <a:schemeClr val="phClr">
+                <a:tint val="80000"/>
+                <a:satMod val="300000"/>
+              </a:schemeClr>
+            </a:gs>
+            <a:gs pos="100000">
+              <a:schemeClr val="phClr">
+                <a:shade val="30000"/>
+                <a:satMod val="200000"/>
+              </a:schemeClr>
+            </a:gs>
+          </a:gsLst>
+          <a:path path="circle">
+            <a:fillToRect l="50000" t="50000" r="50000" b="50000"/>
+          </a:path>
+        </a:gradFill>
+      </a:bgFillStyleLst>
+    </a:fmtScheme>
+  </a:themeElements>
+  <a:objectDefaults/>
+  <a:extraClrSchemeLst/>
+</a:theme>
 </file>
--- a/docs/src/main/asciidoc/dist/art/rsrcs.pptx
+++ b/docs/src/main/asciidoc/dist/art/rsrcs.pptx
@@ -5,7 +5,7 @@
     <p:sldMasterId id="2147483648" r:id="rId1"/>
   </p:sldMasterIdLst>
   <p:notesMasterIdLst>
-    <p:notesMasterId r:id="rId45"/>
+    <p:notesMasterId r:id="rId46"/>
   </p:notesMasterIdLst>
   <p:sldIdLst>
     <p:sldId id="256" r:id="rId2"/>
@@ -13,44 +13,45 @@
     <p:sldId id="259" r:id="rId4"/>
     <p:sldId id="258" r:id="rId5"/>
     <p:sldId id="260" r:id="rId6"/>
-    <p:sldId id="265" r:id="rId7"/>
-    <p:sldId id="267" r:id="rId8"/>
-    <p:sldId id="269" r:id="rId9"/>
-    <p:sldId id="262" r:id="rId10"/>
-    <p:sldId id="263" r:id="rId11"/>
-    <p:sldId id="261" r:id="rId12"/>
-    <p:sldId id="266" r:id="rId13"/>
-    <p:sldId id="264" r:id="rId14"/>
-    <p:sldId id="268" r:id="rId15"/>
-    <p:sldId id="270" r:id="rId16"/>
-    <p:sldId id="271" r:id="rId17"/>
-    <p:sldId id="272" r:id="rId18"/>
-    <p:sldId id="273" r:id="rId19"/>
-    <p:sldId id="274" r:id="rId20"/>
-    <p:sldId id="277" r:id="rId21"/>
-    <p:sldId id="275" r:id="rId22"/>
-    <p:sldId id="276" r:id="rId23"/>
-    <p:sldId id="279" r:id="rId24"/>
-    <p:sldId id="294" r:id="rId25"/>
-    <p:sldId id="280" r:id="rId26"/>
-    <p:sldId id="281" r:id="rId27"/>
-    <p:sldId id="282" r:id="rId28"/>
-    <p:sldId id="283" r:id="rId29"/>
-    <p:sldId id="284" r:id="rId30"/>
-    <p:sldId id="285" r:id="rId31"/>
-    <p:sldId id="286" r:id="rId32"/>
-    <p:sldId id="287" r:id="rId33"/>
-    <p:sldId id="288" r:id="rId34"/>
-    <p:sldId id="289" r:id="rId35"/>
-    <p:sldId id="290" r:id="rId36"/>
-    <p:sldId id="291" r:id="rId37"/>
-    <p:sldId id="292" r:id="rId38"/>
-    <p:sldId id="293" r:id="rId39"/>
-    <p:sldId id="295" r:id="rId40"/>
-    <p:sldId id="296" r:id="rId41"/>
-    <p:sldId id="297" r:id="rId42"/>
-    <p:sldId id="299" r:id="rId43"/>
-    <p:sldId id="298" r:id="rId44"/>
+    <p:sldId id="300" r:id="rId7"/>
+    <p:sldId id="265" r:id="rId8"/>
+    <p:sldId id="267" r:id="rId9"/>
+    <p:sldId id="269" r:id="rId10"/>
+    <p:sldId id="262" r:id="rId11"/>
+    <p:sldId id="263" r:id="rId12"/>
+    <p:sldId id="261" r:id="rId13"/>
+    <p:sldId id="266" r:id="rId14"/>
+    <p:sldId id="264" r:id="rId15"/>
+    <p:sldId id="268" r:id="rId16"/>
+    <p:sldId id="270" r:id="rId17"/>
+    <p:sldId id="271" r:id="rId18"/>
+    <p:sldId id="272" r:id="rId19"/>
+    <p:sldId id="273" r:id="rId20"/>
+    <p:sldId id="274" r:id="rId21"/>
+    <p:sldId id="277" r:id="rId22"/>
+    <p:sldId id="275" r:id="rId23"/>
+    <p:sldId id="276" r:id="rId24"/>
+    <p:sldId id="279" r:id="rId25"/>
+    <p:sldId id="294" r:id="rId26"/>
+    <p:sldId id="280" r:id="rId27"/>
+    <p:sldId id="281" r:id="rId28"/>
+    <p:sldId id="282" r:id="rId29"/>
+    <p:sldId id="283" r:id="rId30"/>
+    <p:sldId id="284" r:id="rId31"/>
+    <p:sldId id="285" r:id="rId32"/>
+    <p:sldId id="286" r:id="rId33"/>
+    <p:sldId id="287" r:id="rId34"/>
+    <p:sldId id="288" r:id="rId35"/>
+    <p:sldId id="289" r:id="rId36"/>
+    <p:sldId id="290" r:id="rId37"/>
+    <p:sldId id="291" r:id="rId38"/>
+    <p:sldId id="292" r:id="rId39"/>
+    <p:sldId id="293" r:id="rId40"/>
+    <p:sldId id="295" r:id="rId41"/>
+    <p:sldId id="296" r:id="rId42"/>
+    <p:sldId id="297" r:id="rId43"/>
+    <p:sldId id="299" r:id="rId44"/>
+    <p:sldId id="298" r:id="rId45"/>
   </p:sldIdLst>
   <p:sldSz cx="9144000" cy="6858000" type="screen4x3"/>
   <p:notesSz cx="6858000" cy="9144000"/>
@@ -234,7 +235,7 @@
           <a:p>
             <a:fld id="{482DA550-E0B8-46A4-A6D8-069E9B612C3C}" type="datetimeFigureOut">
               <a:rPr lang="en-GB" smtClean="0"/>
-              <a:t>05/08/2017</a:t>
+              <a:t>06/08/2017</a:t>
             </a:fld>
             <a:endParaRPr lang="en-GB"/>
           </a:p>
@@ -567,7 +568,91 @@
           <a:p>
             <a:fld id="{2347FDAB-344D-4CF9-8AAF-04D57C93A691}" type="slidenum">
               <a:rPr lang="en-GB" smtClean="0"/>
-              <a:t>14</a:t>
+              <a:t>6</a:t>
+            </a:fld>
+            <a:endParaRPr lang="en-GB"/>
+          </a:p>
+        </p:txBody>
+      </p:sp>
+    </p:spTree>
+    <p:extLst>
+      <p:ext uri="{BB962C8B-B14F-4D97-AF65-F5344CB8AC3E}">
+        <p14:creationId xmlns:p14="http://schemas.microsoft.com/office/powerpoint/2010/main" val="3577339662"/>
+      </p:ext>
+    </p:extLst>
+  </p:cSld>
+  <p:clrMapOvr>
+    <a:masterClrMapping/>
+  </p:clrMapOvr>
+</p:notes>
+</file>
+
+<file path=ppt/notesSlides/notesSlide2.xml><?xml version="1.0" encoding="utf-8"?>
+<p:notes xmlns:a="http://schemas.openxmlformats.org/drawingml/2006/main" xmlns:r="http://schemas.openxmlformats.org/officeDocument/2006/relationships" xmlns:p="http://schemas.openxmlformats.org/presentationml/2006/main">
+  <p:cSld>
+    <p:spTree>
+      <p:nvGrpSpPr>
+        <p:cNvPr id="1" name=""/>
+        <p:cNvGrpSpPr/>
+        <p:nvPr/>
+      </p:nvGrpSpPr>
+      <p:grpSpPr>
+        <a:xfrm>
+          <a:off x="0" y="0"/>
+          <a:ext cx="0" cy="0"/>
+          <a:chOff x="0" y="0"/>
+          <a:chExt cx="0" cy="0"/>
+        </a:xfrm>
+      </p:grpSpPr>
+      <p:sp>
+        <p:nvSpPr>
+          <p:cNvPr id="2" name="1 Marcador de imagen de diapositiva"/>
+          <p:cNvSpPr>
+            <a:spLocks noGrp="1" noRot="1" noChangeAspect="1"/>
+          </p:cNvSpPr>
+          <p:nvPr>
+            <p:ph type="sldImg"/>
+          </p:nvPr>
+        </p:nvSpPr>
+        <p:spPr/>
+      </p:sp>
+      <p:sp>
+        <p:nvSpPr>
+          <p:cNvPr id="3" name="2 Marcador de notas"/>
+          <p:cNvSpPr>
+            <a:spLocks noGrp="1"/>
+          </p:cNvSpPr>
+          <p:nvPr>
+            <p:ph type="body" idx="1"/>
+          </p:nvPr>
+        </p:nvSpPr>
+        <p:spPr/>
+        <p:txBody>
+          <a:bodyPr/>
+          <a:lstStyle/>
+          <a:p>
+            <a:endParaRPr lang="en-GB" dirty="0"/>
+          </a:p>
+        </p:txBody>
+      </p:sp>
+      <p:sp>
+        <p:nvSpPr>
+          <p:cNvPr id="4" name="3 Marcador de número de diapositiva"/>
+          <p:cNvSpPr>
+            <a:spLocks noGrp="1"/>
+          </p:cNvSpPr>
+          <p:nvPr>
+            <p:ph type="sldNum" sz="quarter" idx="10"/>
+          </p:nvPr>
+        </p:nvSpPr>
+        <p:spPr/>
+        <p:txBody>
+          <a:bodyPr/>
+          <a:lstStyle/>
+          <a:p>
+            <a:fld id="{2347FDAB-344D-4CF9-8AAF-04D57C93A691}" type="slidenum">
+              <a:rPr lang="en-GB" smtClean="0"/>
+              <a:t>15</a:t>
             </a:fld>
             <a:endParaRPr lang="en-GB"/>
           </a:p>
@@ -767,7 +852,7 @@
           <a:p>
             <a:fld id="{DEB85D80-9F65-433D-8644-C8D18C3CFA99}" type="datetimeFigureOut">
               <a:rPr lang="en-GB" smtClean="0"/>
-              <a:t>05/08/2017</a:t>
+              <a:t>06/08/2017</a:t>
             </a:fld>
             <a:endParaRPr lang="en-GB"/>
           </a:p>
@@ -937,7 +1022,7 @@
           <a:p>
             <a:fld id="{DEB85D80-9F65-433D-8644-C8D18C3CFA99}" type="datetimeFigureOut">
               <a:rPr lang="en-GB" smtClean="0"/>
-              <a:t>05/08/2017</a:t>
+              <a:t>06/08/2017</a:t>
             </a:fld>
             <a:endParaRPr lang="en-GB"/>
           </a:p>
@@ -1117,7 +1202,7 @@
           <a:p>
             <a:fld id="{DEB85D80-9F65-433D-8644-C8D18C3CFA99}" type="datetimeFigureOut">
               <a:rPr lang="en-GB" smtClean="0"/>
-              <a:t>05/08/2017</a:t>
+              <a:t>06/08/2017</a:t>
             </a:fld>
             <a:endParaRPr lang="en-GB"/>
           </a:p>
@@ -1287,7 +1372,7 @@
           <a:p>
             <a:fld id="{DEB85D80-9F65-433D-8644-C8D18C3CFA99}" type="datetimeFigureOut">
               <a:rPr lang="en-GB" smtClean="0"/>
-              <a:t>05/08/2017</a:t>
+              <a:t>06/08/2017</a:t>
             </a:fld>
             <a:endParaRPr lang="en-GB"/>
           </a:p>
@@ -1533,7 +1618,7 @@
           <a:p>
             <a:fld id="{DEB85D80-9F65-433D-8644-C8D18C3CFA99}" type="datetimeFigureOut">
               <a:rPr lang="en-GB" smtClean="0"/>
-              <a:t>05/08/2017</a:t>
+              <a:t>06/08/2017</a:t>
             </a:fld>
             <a:endParaRPr lang="en-GB"/>
           </a:p>
@@ -1821,7 +1906,7 @@
           <a:p>
             <a:fld id="{DEB85D80-9F65-433D-8644-C8D18C3CFA99}" type="datetimeFigureOut">
               <a:rPr lang="en-GB" smtClean="0"/>
-              <a:t>05/08/2017</a:t>
+              <a:t>06/08/2017</a:t>
             </a:fld>
             <a:endParaRPr lang="en-GB"/>
           </a:p>
@@ -2243,7 +2328,7 @@
           <a:p>
             <a:fld id="{DEB85D80-9F65-433D-8644-C8D18C3CFA99}" type="datetimeFigureOut">
               <a:rPr lang="en-GB" smtClean="0"/>
-              <a:t>05/08/2017</a:t>
+              <a:t>06/08/2017</a:t>
             </a:fld>
             <a:endParaRPr lang="en-GB"/>
           </a:p>
@@ -2361,7 +2446,7 @@
           <a:p>
             <a:fld id="{DEB85D80-9F65-433D-8644-C8D18C3CFA99}" type="datetimeFigureOut">
               <a:rPr lang="en-GB" smtClean="0"/>
-              <a:t>05/08/2017</a:t>
+              <a:t>06/08/2017</a:t>
             </a:fld>
             <a:endParaRPr lang="en-GB"/>
           </a:p>
@@ -2456,7 +2541,7 @@
           <a:p>
             <a:fld id="{DEB85D80-9F65-433D-8644-C8D18C3CFA99}" type="datetimeFigureOut">
               <a:rPr lang="en-GB" smtClean="0"/>
-              <a:t>05/08/2017</a:t>
+              <a:t>06/08/2017</a:t>
             </a:fld>
             <a:endParaRPr lang="en-GB"/>
           </a:p>
@@ -2733,7 +2818,7 @@
           <a:p>
             <a:fld id="{DEB85D80-9F65-433D-8644-C8D18C3CFA99}" type="datetimeFigureOut">
               <a:rPr lang="en-GB" smtClean="0"/>
-              <a:t>05/08/2017</a:t>
+              <a:t>06/08/2017</a:t>
             </a:fld>
             <a:endParaRPr lang="en-GB"/>
           </a:p>
@@ -2986,7 +3071,7 @@
           <a:p>
             <a:fld id="{DEB85D80-9F65-433D-8644-C8D18C3CFA99}" type="datetimeFigureOut">
               <a:rPr lang="en-GB" smtClean="0"/>
-              <a:t>05/08/2017</a:t>
+              <a:t>06/08/2017</a:t>
             </a:fld>
             <a:endParaRPr lang="en-GB"/>
           </a:p>
@@ -3199,7 +3284,7 @@
           <a:p>
             <a:fld id="{DEB85D80-9F65-433D-8644-C8D18C3CFA99}" type="datetimeFigureOut">
               <a:rPr lang="en-GB" smtClean="0"/>
-              <a:t>05/08/2017</a:t>
+              <a:t>06/08/2017</a:t>
             </a:fld>
             <a:endParaRPr lang="en-GB"/>
           </a:p>
@@ -3694,7 +3779,7 @@
       </p:grpSpPr>
       <p:pic>
         <p:nvPicPr>
-          <p:cNvPr id="2050" name="Picture 2" descr="C:\ESPD-EDM-02.00.00-asciidoc\espd-data-model\docs\src\main\asciidoc\images\PaymentOfTaxes_EO_mock-up-2.png"/>
+          <p:cNvPr id="1026" name="Picture 2" descr="C:\ESPD-EDM-02.00.00-asciidoc\espd-data-model\docs\src\main\asciidoc\images\PaymentOfTaxes_EO_mock-up.png"/>
           <p:cNvPicPr>
             <a:picLocks noChangeAspect="1" noChangeArrowheads="1"/>
           </p:cNvPicPr>
@@ -3715,8 +3800,8 @@
         </p:blipFill>
         <p:spPr bwMode="auto">
           <a:xfrm>
-            <a:off x="438025" y="404664"/>
-            <a:ext cx="8526463" cy="5610225"/>
+            <a:off x="-252536" y="116632"/>
+            <a:ext cx="9572625" cy="6029325"/>
           </a:xfrm>
           <a:prstGeom prst="rect">
             <a:avLst/>
@@ -3741,8 +3826,8 @@
         </p:nvSpPr>
         <p:spPr>
           <a:xfrm>
-            <a:off x="3779912" y="2564904"/>
-            <a:ext cx="5184576" cy="1872208"/>
+            <a:off x="3563888" y="2564904"/>
+            <a:ext cx="5580112" cy="1872208"/>
           </a:xfrm>
           <a:prstGeom prst="roundRect">
             <a:avLst/>
@@ -3788,7 +3873,7 @@
         </p:nvSpPr>
         <p:spPr>
           <a:xfrm>
-            <a:off x="1301387" y="2764340"/>
+            <a:off x="899592" y="2767073"/>
             <a:ext cx="2088232" cy="1477328"/>
           </a:xfrm>
           <a:prstGeom prst="rect">
@@ -3808,7 +3893,7 @@
                   <a:srgbClr val="00B050"/>
                 </a:solidFill>
               </a:rPr>
-              <a:t>This group of property is shown only if the answer to the previous QUESTION is ‘No’</a:t>
+              <a:t>This property is shown only if the answer to the previous QUESTION is ‘Yes’</a:t>
             </a:r>
             <a:endParaRPr lang="en-GB" dirty="0">
               <a:solidFill>
@@ -3829,8 +3914,8 @@
         </p:nvCxnSpPr>
         <p:spPr>
           <a:xfrm flipV="1">
-            <a:off x="3389619" y="3501008"/>
-            <a:ext cx="390293" cy="1996"/>
+            <a:off x="2987824" y="3501008"/>
+            <a:ext cx="576064" cy="4729"/>
           </a:xfrm>
           <a:prstGeom prst="straightConnector1">
             <a:avLst/>
@@ -3859,13 +3944,13 @@
       </p:cxnSp>
       <p:sp>
         <p:nvSpPr>
-          <p:cNvPr id="9" name="8 Elipse"/>
+          <p:cNvPr id="10" name="9 Elipse"/>
           <p:cNvSpPr/>
           <p:nvPr/>
         </p:nvSpPr>
         <p:spPr>
           <a:xfrm>
-            <a:off x="8820472" y="3205443"/>
+            <a:off x="8980381" y="2755015"/>
             <a:ext cx="237681" cy="223557"/>
           </a:xfrm>
           <a:prstGeom prst="ellipse">
@@ -3901,7 +3986,7 @@
             <a:pPr algn="ctr"/>
             <a:r>
               <a:rPr lang="en-GB" sz="1200" dirty="0" smtClean="0"/>
-              <a:t>9</a:t>
+              <a:t>4</a:t>
             </a:r>
             <a:endParaRPr lang="en-GB" sz="1200" dirty="0"/>
           </a:p>
@@ -3909,13 +3994,13 @@
       </p:sp>
       <p:sp>
         <p:nvSpPr>
-          <p:cNvPr id="10" name="9 Elipse"/>
+          <p:cNvPr id="11" name="10 Elipse"/>
           <p:cNvSpPr/>
           <p:nvPr/>
         </p:nvSpPr>
         <p:spPr>
           <a:xfrm>
-            <a:off x="8820472" y="3645024"/>
+            <a:off x="8980381" y="4020844"/>
             <a:ext cx="237681" cy="223557"/>
           </a:xfrm>
           <a:prstGeom prst="ellipse">
@@ -3955,59 +4040,20 @@
       </p:sp>
       <p:sp>
         <p:nvSpPr>
-          <p:cNvPr id="16" name="15 CuadroTexto"/>
-          <p:cNvSpPr txBox="1"/>
-          <p:nvPr/>
-        </p:nvSpPr>
-        <p:spPr>
-          <a:xfrm>
-            <a:off x="8770210" y="3629258"/>
-            <a:ext cx="328936" cy="261610"/>
-          </a:xfrm>
-          <a:prstGeom prst="rect">
-            <a:avLst/>
-          </a:prstGeom>
-          <a:noFill/>
-        </p:spPr>
-        <p:txBody>
-          <a:bodyPr wrap="none" rtlCol="0">
-            <a:spAutoFit/>
-          </a:bodyPr>
-          <a:lstStyle/>
-          <a:p>
-            <a:pPr algn="ctr"/>
-            <a:r>
-              <a:rPr lang="en-GB" sz="1100" dirty="0" smtClean="0">
-                <a:solidFill>
-                  <a:schemeClr val="bg1"/>
-                </a:solidFill>
-              </a:rPr>
-              <a:t>10</a:t>
-            </a:r>
-            <a:endParaRPr lang="en-GB" sz="1100" dirty="0">
-              <a:solidFill>
-                <a:schemeClr val="bg1"/>
-              </a:solidFill>
-            </a:endParaRPr>
-          </a:p>
-        </p:txBody>
-      </p:sp>
-      <p:sp>
-        <p:nvSpPr>
-          <p:cNvPr id="11" name="10 Rectángulo"/>
+          <p:cNvPr id="12" name="11 Elipse"/>
           <p:cNvSpPr/>
           <p:nvPr/>
         </p:nvSpPr>
         <p:spPr>
           <a:xfrm>
-            <a:off x="647943" y="1772816"/>
-            <a:ext cx="1224136" cy="416282"/>
-          </a:xfrm>
-          <a:prstGeom prst="rect">
+            <a:off x="8980381" y="4951051"/>
+            <a:ext cx="237681" cy="223557"/>
+          </a:xfrm>
+          <a:prstGeom prst="ellipse">
             <a:avLst/>
           </a:prstGeom>
           <a:solidFill>
-            <a:schemeClr val="bg1"/>
+            <a:srgbClr val="0070C0"/>
           </a:solidFill>
           <a:ln>
             <a:noFill/>
@@ -4034,14 +4080,352 @@
           <a:lstStyle/>
           <a:p>
             <a:pPr algn="ctr"/>
+            <a:r>
+              <a:rPr lang="en-GB" sz="1200" dirty="0" smtClean="0"/>
+              <a:t>6</a:t>
+            </a:r>
+            <a:endParaRPr lang="en-GB" sz="1200" dirty="0"/>
+          </a:p>
+        </p:txBody>
+      </p:sp>
+      <p:sp>
+        <p:nvSpPr>
+          <p:cNvPr id="13" name="12 Elipse"/>
+          <p:cNvSpPr/>
+          <p:nvPr/>
+        </p:nvSpPr>
+        <p:spPr>
+          <a:xfrm>
+            <a:off x="8980381" y="5328504"/>
+            <a:ext cx="237681" cy="223557"/>
+          </a:xfrm>
+          <a:prstGeom prst="ellipse">
+            <a:avLst/>
+          </a:prstGeom>
+          <a:solidFill>
+            <a:srgbClr val="0070C0"/>
+          </a:solidFill>
+          <a:ln>
+            <a:noFill/>
+          </a:ln>
+        </p:spPr>
+        <p:style>
+          <a:lnRef idx="2">
+            <a:schemeClr val="accent1">
+              <a:shade val="50000"/>
+            </a:schemeClr>
+          </a:lnRef>
+          <a:fillRef idx="1">
+            <a:schemeClr val="accent1"/>
+          </a:fillRef>
+          <a:effectRef idx="0">
+            <a:schemeClr val="accent1"/>
+          </a:effectRef>
+          <a:fontRef idx="minor">
+            <a:schemeClr val="lt1"/>
+          </a:fontRef>
+        </p:style>
+        <p:txBody>
+          <a:bodyPr rtlCol="0" anchor="ctr"/>
+          <a:lstStyle/>
+          <a:p>
+            <a:pPr algn="ctr"/>
+            <a:r>
+              <a:rPr lang="en-GB" sz="1200" smtClean="0"/>
+              <a:t>7</a:t>
+            </a:r>
+            <a:endParaRPr lang="en-GB" sz="1200" dirty="0"/>
+          </a:p>
+        </p:txBody>
+      </p:sp>
+      <p:sp>
+        <p:nvSpPr>
+          <p:cNvPr id="14" name="13 Elipse"/>
+          <p:cNvSpPr/>
+          <p:nvPr/>
+        </p:nvSpPr>
+        <p:spPr>
+          <a:xfrm>
+            <a:off x="8980381" y="5702192"/>
+            <a:ext cx="237681" cy="223557"/>
+          </a:xfrm>
+          <a:prstGeom prst="ellipse">
+            <a:avLst/>
+          </a:prstGeom>
+          <a:solidFill>
+            <a:srgbClr val="0070C0"/>
+          </a:solidFill>
+          <a:ln>
+            <a:noFill/>
+          </a:ln>
+        </p:spPr>
+        <p:style>
+          <a:lnRef idx="2">
+            <a:schemeClr val="accent1">
+              <a:shade val="50000"/>
+            </a:schemeClr>
+          </a:lnRef>
+          <a:fillRef idx="1">
+            <a:schemeClr val="accent1"/>
+          </a:fillRef>
+          <a:effectRef idx="0">
+            <a:schemeClr val="accent1"/>
+          </a:effectRef>
+          <a:fontRef idx="minor">
+            <a:schemeClr val="lt1"/>
+          </a:fontRef>
+        </p:style>
+        <p:txBody>
+          <a:bodyPr rtlCol="0" anchor="ctr"/>
+          <a:lstStyle/>
+          <a:p>
+            <a:pPr algn="ctr"/>
+            <a:r>
+              <a:rPr lang="en-GB" sz="1200" smtClean="0"/>
+              <a:t>8</a:t>
+            </a:r>
+            <a:endParaRPr lang="en-GB" sz="1200" dirty="0"/>
+          </a:p>
+        </p:txBody>
+      </p:sp>
+      <p:sp>
+        <p:nvSpPr>
+          <p:cNvPr id="15" name="14 CuadroTexto"/>
+          <p:cNvSpPr txBox="1"/>
+          <p:nvPr/>
+        </p:nvSpPr>
+        <p:spPr>
+          <a:xfrm>
+            <a:off x="8970820" y="3998557"/>
+            <a:ext cx="256802" cy="261610"/>
+          </a:xfrm>
+          <a:prstGeom prst="rect">
+            <a:avLst/>
+          </a:prstGeom>
+          <a:noFill/>
+        </p:spPr>
+        <p:txBody>
+          <a:bodyPr wrap="none" rtlCol="0">
+            <a:spAutoFit/>
+          </a:bodyPr>
+          <a:lstStyle/>
+          <a:p>
+            <a:pPr algn="ctr"/>
+            <a:r>
+              <a:rPr lang="en-GB" sz="1100" dirty="0" smtClean="0">
+                <a:solidFill>
+                  <a:schemeClr val="bg1"/>
+                </a:solidFill>
+              </a:rPr>
+              <a:t>5</a:t>
+            </a:r>
+            <a:endParaRPr lang="en-GB" sz="1100" dirty="0">
+              <a:solidFill>
+                <a:schemeClr val="bg1"/>
+              </a:solidFill>
+            </a:endParaRPr>
+          </a:p>
+        </p:txBody>
+      </p:sp>
+      <p:sp>
+        <p:nvSpPr>
+          <p:cNvPr id="20" name="19 Elipse"/>
+          <p:cNvSpPr/>
+          <p:nvPr/>
+        </p:nvSpPr>
+        <p:spPr>
+          <a:xfrm>
+            <a:off x="8980381" y="1342853"/>
+            <a:ext cx="237681" cy="223557"/>
+          </a:xfrm>
+          <a:prstGeom prst="ellipse">
+            <a:avLst/>
+          </a:prstGeom>
+          <a:solidFill>
+            <a:srgbClr val="0070C0"/>
+          </a:solidFill>
+          <a:ln>
+            <a:noFill/>
+          </a:ln>
+        </p:spPr>
+        <p:style>
+          <a:lnRef idx="2">
+            <a:schemeClr val="accent1">
+              <a:shade val="50000"/>
+            </a:schemeClr>
+          </a:lnRef>
+          <a:fillRef idx="1">
+            <a:schemeClr val="accent1"/>
+          </a:fillRef>
+          <a:effectRef idx="0">
+            <a:schemeClr val="accent1"/>
+          </a:effectRef>
+          <a:fontRef idx="minor">
+            <a:schemeClr val="lt1"/>
+          </a:fontRef>
+        </p:style>
+        <p:txBody>
+          <a:bodyPr rtlCol="0" anchor="ctr"/>
+          <a:lstStyle/>
+          <a:p>
+            <a:pPr algn="ctr"/>
+            <a:r>
+              <a:rPr lang="en-GB" sz="1200" dirty="0"/>
+              <a:t>2</a:t>
+            </a:r>
+          </a:p>
+        </p:txBody>
+      </p:sp>
+      <p:sp>
+        <p:nvSpPr>
+          <p:cNvPr id="24" name="23 Elipse"/>
+          <p:cNvSpPr/>
+          <p:nvPr/>
+        </p:nvSpPr>
+        <p:spPr>
+          <a:xfrm>
+            <a:off x="8980381" y="1804348"/>
+            <a:ext cx="237681" cy="223557"/>
+          </a:xfrm>
+          <a:prstGeom prst="ellipse">
+            <a:avLst/>
+          </a:prstGeom>
+          <a:solidFill>
+            <a:srgbClr val="0070C0"/>
+          </a:solidFill>
+          <a:ln>
+            <a:noFill/>
+          </a:ln>
+        </p:spPr>
+        <p:style>
+          <a:lnRef idx="2">
+            <a:schemeClr val="accent1">
+              <a:shade val="50000"/>
+            </a:schemeClr>
+          </a:lnRef>
+          <a:fillRef idx="1">
+            <a:schemeClr val="accent1"/>
+          </a:fillRef>
+          <a:effectRef idx="0">
+            <a:schemeClr val="accent1"/>
+          </a:effectRef>
+          <a:fontRef idx="minor">
+            <a:schemeClr val="lt1"/>
+          </a:fontRef>
+        </p:style>
+        <p:txBody>
+          <a:bodyPr rtlCol="0" anchor="ctr"/>
+          <a:lstStyle/>
+          <a:p>
+            <a:pPr algn="ctr"/>
+            <a:r>
+              <a:rPr lang="en-GB" sz="1200" dirty="0" smtClean="0"/>
+              <a:t>3</a:t>
+            </a:r>
+            <a:endParaRPr lang="en-GB" sz="1200" dirty="0"/>
+          </a:p>
+        </p:txBody>
+      </p:sp>
+      <p:sp>
+        <p:nvSpPr>
+          <p:cNvPr id="2" name="1 Rectángulo"/>
+          <p:cNvSpPr/>
+          <p:nvPr/>
+        </p:nvSpPr>
+        <p:spPr>
+          <a:xfrm>
+            <a:off x="-12004" y="1680949"/>
+            <a:ext cx="1224136" cy="416282"/>
+          </a:xfrm>
+          <a:prstGeom prst="rect">
+            <a:avLst/>
+          </a:prstGeom>
+          <a:solidFill>
+            <a:schemeClr val="bg1"/>
+          </a:solidFill>
+          <a:ln>
+            <a:noFill/>
+          </a:ln>
+        </p:spPr>
+        <p:style>
+          <a:lnRef idx="2">
+            <a:schemeClr val="accent1">
+              <a:shade val="50000"/>
+            </a:schemeClr>
+          </a:lnRef>
+          <a:fillRef idx="1">
+            <a:schemeClr val="accent1"/>
+          </a:fillRef>
+          <a:effectRef idx="0">
+            <a:schemeClr val="accent1"/>
+          </a:effectRef>
+          <a:fontRef idx="minor">
+            <a:schemeClr val="lt1"/>
+          </a:fontRef>
+        </p:style>
+        <p:txBody>
+          <a:bodyPr rtlCol="0" anchor="ctr"/>
+          <a:lstStyle/>
+          <a:p>
+            <a:pPr algn="ctr"/>
             <a:endParaRPr lang="en-GB"/>
+          </a:p>
+        </p:txBody>
+      </p:sp>
+      <p:sp>
+        <p:nvSpPr>
+          <p:cNvPr id="16" name="15 Elipse"/>
+          <p:cNvSpPr/>
+          <p:nvPr/>
+        </p:nvSpPr>
+        <p:spPr>
+          <a:xfrm>
+            <a:off x="-371377" y="1118988"/>
+            <a:ext cx="237681" cy="223557"/>
+          </a:xfrm>
+          <a:prstGeom prst="ellipse">
+            <a:avLst/>
+          </a:prstGeom>
+          <a:solidFill>
+            <a:srgbClr val="0070C0"/>
+          </a:solidFill>
+          <a:ln>
+            <a:noFill/>
+          </a:ln>
+        </p:spPr>
+        <p:style>
+          <a:lnRef idx="2">
+            <a:schemeClr val="accent1">
+              <a:shade val="50000"/>
+            </a:schemeClr>
+          </a:lnRef>
+          <a:fillRef idx="1">
+            <a:schemeClr val="accent1"/>
+          </a:fillRef>
+          <a:effectRef idx="0">
+            <a:schemeClr val="accent1"/>
+          </a:effectRef>
+          <a:fontRef idx="minor">
+            <a:schemeClr val="lt1"/>
+          </a:fontRef>
+        </p:style>
+        <p:txBody>
+          <a:bodyPr rtlCol="0" anchor="ctr"/>
+          <a:lstStyle/>
+          <a:p>
+            <a:pPr algn="ctr"/>
+            <a:r>
+              <a:rPr lang="en-GB" sz="1200" dirty="0" smtClean="0"/>
+              <a:t>1</a:t>
+            </a:r>
+            <a:endParaRPr lang="en-GB" sz="1200" dirty="0"/>
           </a:p>
         </p:txBody>
       </p:sp>
     </p:spTree>
     <p:extLst>
       <p:ext uri="{BB962C8B-B14F-4D97-AF65-F5344CB8AC3E}">
-        <p14:creationId xmlns:p14="http://schemas.microsoft.com/office/powerpoint/2010/main" val="3249331159"/>
+        <p14:creationId xmlns:p14="http://schemas.microsoft.com/office/powerpoint/2010/main" val="2606548167"/>
       </p:ext>
     </p:extLst>
   </p:cSld>
@@ -4070,7 +4454,7 @@
       </p:grpSpPr>
       <p:pic>
         <p:nvPicPr>
-          <p:cNvPr id="4" name="Picture 2" descr="C:\ESPD-EDM-02.00.00-asciidoc\espd-data-model\docs\src\main\asciidoc\images\PaymentOfTaxes_CA_mock-up.png"/>
+          <p:cNvPr id="2050" name="Picture 2" descr="C:\ESPD-EDM-02.00.00-asciidoc\espd-data-model\docs\src\main\asciidoc\images\PaymentOfTaxes_EO_mock-up-2.png"/>
           <p:cNvPicPr>
             <a:picLocks noChangeAspect="1" noChangeArrowheads="1"/>
           </p:cNvPicPr>
@@ -4091,8 +4475,8 @@
         </p:blipFill>
         <p:spPr bwMode="auto">
           <a:xfrm>
-            <a:off x="-1836712" y="610922"/>
-            <a:ext cx="11687175" cy="6238875"/>
+            <a:off x="438025" y="404664"/>
+            <a:ext cx="8526463" cy="5610225"/>
           </a:xfrm>
           <a:prstGeom prst="rect">
             <a:avLst/>
@@ -4111,14 +4495,14 @@
       </p:pic>
       <p:sp>
         <p:nvSpPr>
-          <p:cNvPr id="5" name="4 Rectángulo redondeado"/>
+          <p:cNvPr id="4" name="3 Rectángulo redondeado"/>
           <p:cNvSpPr/>
           <p:nvPr/>
         </p:nvSpPr>
         <p:spPr>
           <a:xfrm>
-            <a:off x="-1791274" y="1804944"/>
-            <a:ext cx="11600604" cy="496742"/>
+            <a:off x="3779912" y="2564904"/>
+            <a:ext cx="5184576" cy="1872208"/>
           </a:xfrm>
           <a:prstGeom prst="roundRect">
             <a:avLst/>
@@ -4158,14 +4542,14 @@
       </p:sp>
       <p:sp>
         <p:nvSpPr>
-          <p:cNvPr id="6" name="5 CuadroTexto"/>
+          <p:cNvPr id="5" name="4 CuadroTexto"/>
           <p:cNvSpPr txBox="1"/>
           <p:nvPr/>
         </p:nvSpPr>
         <p:spPr>
           <a:xfrm>
-            <a:off x="9900592" y="1844824"/>
-            <a:ext cx="1747466" cy="369332"/>
+            <a:off x="1301387" y="2764340"/>
+            <a:ext cx="2088232" cy="1477328"/>
           </a:xfrm>
           <a:prstGeom prst="rect">
             <a:avLst/>
@@ -4173,36 +4557,20 @@
           <a:noFill/>
         </p:spPr>
         <p:txBody>
-          <a:bodyPr wrap="none" rtlCol="0">
+          <a:bodyPr wrap="square" rtlCol="0">
             <a:spAutoFit/>
           </a:bodyPr>
           <a:lstStyle/>
           <a:p>
             <a:r>
-              <a:rPr lang="en-GB" b="1" dirty="0" smtClean="0">
+              <a:rPr lang="en-GB" dirty="0" smtClean="0">
                 <a:solidFill>
                   <a:srgbClr val="00B050"/>
                 </a:solidFill>
               </a:rPr>
-              <a:t>EU </a:t>
-            </a:r>
-            <a:r>
-              <a:rPr lang="en-GB" b="1" dirty="0" err="1" smtClean="0">
-                <a:solidFill>
-                  <a:srgbClr val="00B050"/>
-                </a:solidFill>
-              </a:rPr>
-              <a:t>PoT</a:t>
-            </a:r>
-            <a:r>
-              <a:rPr lang="en-GB" b="1" dirty="0" smtClean="0">
-                <a:solidFill>
-                  <a:srgbClr val="00B050"/>
-                </a:solidFill>
-              </a:rPr>
-              <a:t> Criterion</a:t>
-            </a:r>
-            <a:endParaRPr lang="en-GB" b="1" dirty="0">
+              <a:t>This group of property is shown only if the answer to the previous QUESTION is ‘No’</a:t>
+            </a:r>
+            <a:endParaRPr lang="en-GB" dirty="0">
               <a:solidFill>
                 <a:srgbClr val="00B050"/>
               </a:solidFill>
@@ -4210,26 +4578,64 @@
           </a:p>
         </p:txBody>
       </p:sp>
-      <p:sp>
-        <p:nvSpPr>
-          <p:cNvPr id="7" name="6 Rectángulo redondeado"/>
-          <p:cNvSpPr/>
-          <p:nvPr/>
-        </p:nvSpPr>
-        <p:spPr>
-          <a:xfrm>
-            <a:off x="-1750752" y="2492896"/>
-            <a:ext cx="11600604" cy="864096"/>
-          </a:xfrm>
-          <a:prstGeom prst="roundRect">
-            <a:avLst/>
-          </a:prstGeom>
-          <a:noFill/>
-          <a:ln>
+      <p:cxnSp>
+        <p:nvCxnSpPr>
+          <p:cNvPr id="7" name="6 Conector recto de flecha"/>
+          <p:cNvCxnSpPr>
+            <a:stCxn id="5" idx="3"/>
+            <a:endCxn id="4" idx="1"/>
+          </p:cNvCxnSpPr>
+          <p:nvPr/>
+        </p:nvCxnSpPr>
+        <p:spPr>
+          <a:xfrm flipV="1">
+            <a:off x="3389619" y="3501008"/>
+            <a:ext cx="390293" cy="1996"/>
+          </a:xfrm>
+          <a:prstGeom prst="straightConnector1">
+            <a:avLst/>
+          </a:prstGeom>
+          <a:ln w="19050">
             <a:solidFill>
               <a:srgbClr val="92D050"/>
             </a:solidFill>
-            <a:prstDash val="sysDash"/>
+            <a:tailEnd type="arrow"/>
+          </a:ln>
+        </p:spPr>
+        <p:style>
+          <a:lnRef idx="1">
+            <a:schemeClr val="accent1"/>
+          </a:lnRef>
+          <a:fillRef idx="0">
+            <a:schemeClr val="accent1"/>
+          </a:fillRef>
+          <a:effectRef idx="0">
+            <a:schemeClr val="accent1"/>
+          </a:effectRef>
+          <a:fontRef idx="minor">
+            <a:schemeClr val="tx1"/>
+          </a:fontRef>
+        </p:style>
+      </p:cxnSp>
+      <p:sp>
+        <p:nvSpPr>
+          <p:cNvPr id="9" name="8 Elipse"/>
+          <p:cNvSpPr/>
+          <p:nvPr/>
+        </p:nvSpPr>
+        <p:spPr>
+          <a:xfrm>
+            <a:off x="8820472" y="3205443"/>
+            <a:ext cx="237681" cy="223557"/>
+          </a:xfrm>
+          <a:prstGeom prst="ellipse">
+            <a:avLst/>
+          </a:prstGeom>
+          <a:solidFill>
+            <a:srgbClr val="0070C0"/>
+          </a:solidFill>
+          <a:ln>
+            <a:noFill/>
           </a:ln>
         </p:spPr>
         <p:style>
@@ -4253,84 +4659,33 @@
           <a:lstStyle/>
           <a:p>
             <a:pPr algn="ctr"/>
-            <a:endParaRPr lang="en-GB"/>
-          </a:p>
-        </p:txBody>
-      </p:sp>
-      <p:sp>
-        <p:nvSpPr>
-          <p:cNvPr id="8" name="7 CuadroTexto"/>
-          <p:cNvSpPr txBox="1"/>
-          <p:nvPr/>
-        </p:nvSpPr>
-        <p:spPr>
-          <a:xfrm>
-            <a:off x="9864907" y="2728656"/>
-            <a:ext cx="1765099" cy="369332"/>
-          </a:xfrm>
-          <a:prstGeom prst="rect">
-            <a:avLst/>
-          </a:prstGeom>
-          <a:noFill/>
-        </p:spPr>
-        <p:txBody>
-          <a:bodyPr wrap="none" rtlCol="0">
-            <a:spAutoFit/>
-          </a:bodyPr>
-          <a:lstStyle/>
-          <a:p>
-            <a:r>
-              <a:rPr lang="en-GB" b="1" dirty="0" smtClean="0">
-                <a:solidFill>
-                  <a:srgbClr val="00B050"/>
-                </a:solidFill>
-              </a:rPr>
-              <a:t>FI </a:t>
-            </a:r>
-            <a:r>
-              <a:rPr lang="en-GB" b="1" dirty="0" err="1" smtClean="0">
-                <a:solidFill>
-                  <a:srgbClr val="00B050"/>
-                </a:solidFill>
-              </a:rPr>
-              <a:t>PoT</a:t>
-            </a:r>
-            <a:r>
-              <a:rPr lang="en-GB" b="1" dirty="0" smtClean="0">
-                <a:solidFill>
-                  <a:srgbClr val="00B050"/>
-                </a:solidFill>
-              </a:rPr>
-              <a:t> Criterion I</a:t>
-            </a:r>
-            <a:endParaRPr lang="en-GB" b="1" dirty="0">
-              <a:solidFill>
-                <a:srgbClr val="00B050"/>
-              </a:solidFill>
-            </a:endParaRPr>
-          </a:p>
-        </p:txBody>
-      </p:sp>
-      <p:sp>
-        <p:nvSpPr>
-          <p:cNvPr id="9" name="8 Rectángulo redondeado"/>
+            <a:r>
+              <a:rPr lang="en-GB" sz="1200" dirty="0" smtClean="0"/>
+              <a:t>9</a:t>
+            </a:r>
+            <a:endParaRPr lang="en-GB" sz="1200" dirty="0"/>
+          </a:p>
+        </p:txBody>
+      </p:sp>
+      <p:sp>
+        <p:nvSpPr>
+          <p:cNvPr id="10" name="9 Elipse"/>
           <p:cNvSpPr/>
           <p:nvPr/>
         </p:nvSpPr>
         <p:spPr>
           <a:xfrm>
-            <a:off x="-1764704" y="3356992"/>
-            <a:ext cx="11600604" cy="1152128"/>
-          </a:xfrm>
-          <a:prstGeom prst="roundRect">
-            <a:avLst/>
-          </a:prstGeom>
-          <a:noFill/>
+            <a:off x="8820472" y="3645024"/>
+            <a:ext cx="237681" cy="223557"/>
+          </a:xfrm>
+          <a:prstGeom prst="ellipse">
+            <a:avLst/>
+          </a:prstGeom>
+          <a:solidFill>
+            <a:srgbClr val="0070C0"/>
+          </a:solidFill>
           <a:ln>
-            <a:solidFill>
-              <a:srgbClr val="92D050"/>
-            </a:solidFill>
-            <a:prstDash val="sysDash"/>
+            <a:noFill/>
           </a:ln>
         </p:spPr>
         <p:style>
@@ -4354,20 +4709,20 @@
           <a:lstStyle/>
           <a:p>
             <a:pPr algn="ctr"/>
-            <a:endParaRPr lang="en-GB"/>
-          </a:p>
-        </p:txBody>
-      </p:sp>
-      <p:sp>
-        <p:nvSpPr>
-          <p:cNvPr id="10" name="9 CuadroTexto"/>
+            <a:endParaRPr lang="en-GB" sz="1200" dirty="0"/>
+          </a:p>
+        </p:txBody>
+      </p:sp>
+      <p:sp>
+        <p:nvSpPr>
+          <p:cNvPr id="16" name="15 CuadroTexto"/>
           <p:cNvSpPr txBox="1"/>
           <p:nvPr/>
         </p:nvSpPr>
         <p:spPr>
           <a:xfrm>
-            <a:off x="9850955" y="3707740"/>
-            <a:ext cx="1826013" cy="369332"/>
+            <a:off x="8770210" y="3629258"/>
+            <a:ext cx="328936" cy="261610"/>
           </a:xfrm>
           <a:prstGeom prst="rect">
             <a:avLst/>
@@ -4380,33 +4735,18 @@
           </a:bodyPr>
           <a:lstStyle/>
           <a:p>
-            <a:r>
-              <a:rPr lang="en-GB" b="1" dirty="0" smtClean="0">
+            <a:pPr algn="ctr"/>
+            <a:r>
+              <a:rPr lang="en-GB" sz="1100" dirty="0" smtClean="0">
                 <a:solidFill>
-                  <a:srgbClr val="00B050"/>
+                  <a:schemeClr val="bg1"/>
                 </a:solidFill>
               </a:rPr>
-              <a:t>FI </a:t>
-            </a:r>
-            <a:r>
-              <a:rPr lang="en-GB" b="1" dirty="0" err="1" smtClean="0">
-                <a:solidFill>
-                  <a:srgbClr val="00B050"/>
-                </a:solidFill>
-              </a:rPr>
-              <a:t>PoT</a:t>
-            </a:r>
-            <a:r>
-              <a:rPr lang="en-GB" b="1" dirty="0" smtClean="0">
-                <a:solidFill>
-                  <a:srgbClr val="00B050"/>
-                </a:solidFill>
-              </a:rPr>
-              <a:t> Criterion II</a:t>
-            </a:r>
-            <a:endParaRPr lang="en-GB" b="1" dirty="0">
+              <a:t>10</a:t>
+            </a:r>
+            <a:endParaRPr lang="en-GB" sz="1100" dirty="0">
               <a:solidFill>
-                <a:srgbClr val="00B050"/>
+                <a:schemeClr val="bg1"/>
               </a:solidFill>
             </a:endParaRPr>
           </a:p>
@@ -4414,24 +4754,23 @@
       </p:sp>
       <p:sp>
         <p:nvSpPr>
-          <p:cNvPr id="11" name="10 Rectángulo redondeado"/>
+          <p:cNvPr id="11" name="10 Rectángulo"/>
           <p:cNvSpPr/>
           <p:nvPr/>
         </p:nvSpPr>
         <p:spPr>
           <a:xfrm>
-            <a:off x="-1764704" y="4509120"/>
-            <a:ext cx="11600604" cy="936104"/>
-          </a:xfrm>
-          <a:prstGeom prst="roundRect">
-            <a:avLst/>
-          </a:prstGeom>
-          <a:noFill/>
+            <a:off x="647943" y="1772816"/>
+            <a:ext cx="1224136" cy="416282"/>
+          </a:xfrm>
+          <a:prstGeom prst="rect">
+            <a:avLst/>
+          </a:prstGeom>
+          <a:solidFill>
+            <a:schemeClr val="bg1"/>
+          </a:solidFill>
           <a:ln>
-            <a:solidFill>
-              <a:srgbClr val="92D050"/>
-            </a:solidFill>
-            <a:prstDash val="sysDash"/>
+            <a:noFill/>
           </a:ln>
         </p:spPr>
         <p:style>
@@ -4459,411 +4798,10 @@
           </a:p>
         </p:txBody>
       </p:sp>
-      <p:sp>
-        <p:nvSpPr>
-          <p:cNvPr id="12" name="11 CuadroTexto"/>
-          <p:cNvSpPr txBox="1"/>
-          <p:nvPr/>
-        </p:nvSpPr>
-        <p:spPr>
-          <a:xfrm>
-            <a:off x="9850955" y="4753610"/>
-            <a:ext cx="1886927" cy="369332"/>
-          </a:xfrm>
-          <a:prstGeom prst="rect">
-            <a:avLst/>
-          </a:prstGeom>
-          <a:noFill/>
-        </p:spPr>
-        <p:txBody>
-          <a:bodyPr wrap="none" rtlCol="0">
-            <a:spAutoFit/>
-          </a:bodyPr>
-          <a:lstStyle/>
-          <a:p>
-            <a:r>
-              <a:rPr lang="en-GB" b="1" dirty="0" smtClean="0">
-                <a:solidFill>
-                  <a:srgbClr val="00B050"/>
-                </a:solidFill>
-              </a:rPr>
-              <a:t>FI </a:t>
-            </a:r>
-            <a:r>
-              <a:rPr lang="en-GB" b="1" dirty="0" err="1" smtClean="0">
-                <a:solidFill>
-                  <a:srgbClr val="00B050"/>
-                </a:solidFill>
-              </a:rPr>
-              <a:t>PoT</a:t>
-            </a:r>
-            <a:r>
-              <a:rPr lang="en-GB" b="1" dirty="0" smtClean="0">
-                <a:solidFill>
-                  <a:srgbClr val="00B050"/>
-                </a:solidFill>
-              </a:rPr>
-              <a:t> Criterion III</a:t>
-            </a:r>
-            <a:endParaRPr lang="en-GB" b="1" dirty="0">
-              <a:solidFill>
-                <a:srgbClr val="00B050"/>
-              </a:solidFill>
-            </a:endParaRPr>
-          </a:p>
-        </p:txBody>
-      </p:sp>
-      <p:sp>
-        <p:nvSpPr>
-          <p:cNvPr id="13" name="12 Rectángulo redondeado"/>
-          <p:cNvSpPr/>
-          <p:nvPr/>
-        </p:nvSpPr>
-        <p:spPr>
-          <a:xfrm>
-            <a:off x="-1764704" y="5445224"/>
-            <a:ext cx="11600604" cy="1080120"/>
-          </a:xfrm>
-          <a:prstGeom prst="roundRect">
-            <a:avLst/>
-          </a:prstGeom>
-          <a:noFill/>
-          <a:ln>
-            <a:solidFill>
-              <a:srgbClr val="92D050"/>
-            </a:solidFill>
-            <a:prstDash val="sysDash"/>
-          </a:ln>
-        </p:spPr>
-        <p:style>
-          <a:lnRef idx="2">
-            <a:schemeClr val="accent1">
-              <a:shade val="50000"/>
-            </a:schemeClr>
-          </a:lnRef>
-          <a:fillRef idx="1">
-            <a:schemeClr val="accent1"/>
-          </a:fillRef>
-          <a:effectRef idx="0">
-            <a:schemeClr val="accent1"/>
-          </a:effectRef>
-          <a:fontRef idx="minor">
-            <a:schemeClr val="lt1"/>
-          </a:fontRef>
-        </p:style>
-        <p:txBody>
-          <a:bodyPr rtlCol="0" anchor="ctr"/>
-          <a:lstStyle/>
-          <a:p>
-            <a:pPr algn="ctr"/>
-            <a:endParaRPr lang="en-GB"/>
-          </a:p>
-        </p:txBody>
-      </p:sp>
-      <p:sp>
-        <p:nvSpPr>
-          <p:cNvPr id="14" name="13 CuadroTexto"/>
-          <p:cNvSpPr txBox="1"/>
-          <p:nvPr/>
-        </p:nvSpPr>
-        <p:spPr>
-          <a:xfrm>
-            <a:off x="9850955" y="5795972"/>
-            <a:ext cx="1901354" cy="369332"/>
-          </a:xfrm>
-          <a:prstGeom prst="rect">
-            <a:avLst/>
-          </a:prstGeom>
-          <a:noFill/>
-        </p:spPr>
-        <p:txBody>
-          <a:bodyPr wrap="none" rtlCol="0">
-            <a:spAutoFit/>
-          </a:bodyPr>
-          <a:lstStyle/>
-          <a:p>
-            <a:r>
-              <a:rPr lang="en-GB" b="1" dirty="0" smtClean="0">
-                <a:solidFill>
-                  <a:srgbClr val="00B050"/>
-                </a:solidFill>
-              </a:rPr>
-              <a:t>FI </a:t>
-            </a:r>
-            <a:r>
-              <a:rPr lang="en-GB" b="1" dirty="0" err="1" smtClean="0">
-                <a:solidFill>
-                  <a:srgbClr val="00B050"/>
-                </a:solidFill>
-              </a:rPr>
-              <a:t>PoT</a:t>
-            </a:r>
-            <a:r>
-              <a:rPr lang="en-GB" b="1" dirty="0" smtClean="0">
-                <a:solidFill>
-                  <a:srgbClr val="00B050"/>
-                </a:solidFill>
-              </a:rPr>
-              <a:t> Criterion IV</a:t>
-            </a:r>
-            <a:endParaRPr lang="en-GB" b="1" dirty="0">
-              <a:solidFill>
-                <a:srgbClr val="00B050"/>
-              </a:solidFill>
-            </a:endParaRPr>
-          </a:p>
-        </p:txBody>
-      </p:sp>
-      <p:sp>
-        <p:nvSpPr>
-          <p:cNvPr id="15" name="14 Elipse"/>
-          <p:cNvSpPr/>
-          <p:nvPr/>
-        </p:nvSpPr>
-        <p:spPr>
-          <a:xfrm>
-            <a:off x="9662911" y="2125323"/>
-            <a:ext cx="237681" cy="223557"/>
-          </a:xfrm>
-          <a:prstGeom prst="ellipse">
-            <a:avLst/>
-          </a:prstGeom>
-          <a:solidFill>
-            <a:srgbClr val="0070C0"/>
-          </a:solidFill>
-          <a:ln>
-            <a:noFill/>
-          </a:ln>
-        </p:spPr>
-        <p:style>
-          <a:lnRef idx="2">
-            <a:schemeClr val="accent1">
-              <a:shade val="50000"/>
-            </a:schemeClr>
-          </a:lnRef>
-          <a:fillRef idx="1">
-            <a:schemeClr val="accent1"/>
-          </a:fillRef>
-          <a:effectRef idx="0">
-            <a:schemeClr val="accent1"/>
-          </a:effectRef>
-          <a:fontRef idx="minor">
-            <a:schemeClr val="lt1"/>
-          </a:fontRef>
-        </p:style>
-        <p:txBody>
-          <a:bodyPr rtlCol="0" anchor="ctr"/>
-          <a:lstStyle/>
-          <a:p>
-            <a:pPr algn="ctr"/>
-            <a:r>
-              <a:rPr lang="en-GB" sz="1200" dirty="0" smtClean="0"/>
-              <a:t>1</a:t>
-            </a:r>
-            <a:endParaRPr lang="en-GB" sz="1200" dirty="0"/>
-          </a:p>
-        </p:txBody>
-      </p:sp>
-      <p:sp>
-        <p:nvSpPr>
-          <p:cNvPr id="16" name="15 Elipse"/>
-          <p:cNvSpPr/>
-          <p:nvPr/>
-        </p:nvSpPr>
-        <p:spPr>
-          <a:xfrm>
-            <a:off x="9684568" y="3068960"/>
-            <a:ext cx="237681" cy="223557"/>
-          </a:xfrm>
-          <a:prstGeom prst="ellipse">
-            <a:avLst/>
-          </a:prstGeom>
-          <a:solidFill>
-            <a:srgbClr val="0070C0"/>
-          </a:solidFill>
-          <a:ln>
-            <a:noFill/>
-          </a:ln>
-        </p:spPr>
-        <p:style>
-          <a:lnRef idx="2">
-            <a:schemeClr val="accent1">
-              <a:shade val="50000"/>
-            </a:schemeClr>
-          </a:lnRef>
-          <a:fillRef idx="1">
-            <a:schemeClr val="accent1"/>
-          </a:fillRef>
-          <a:effectRef idx="0">
-            <a:schemeClr val="accent1"/>
-          </a:effectRef>
-          <a:fontRef idx="minor">
-            <a:schemeClr val="lt1"/>
-          </a:fontRef>
-        </p:style>
-        <p:txBody>
-          <a:bodyPr rtlCol="0" anchor="ctr"/>
-          <a:lstStyle/>
-          <a:p>
-            <a:pPr algn="ctr"/>
-            <a:r>
-              <a:rPr lang="en-GB" sz="1200" dirty="0"/>
-              <a:t>2</a:t>
-            </a:r>
-          </a:p>
-        </p:txBody>
-      </p:sp>
-      <p:sp>
-        <p:nvSpPr>
-          <p:cNvPr id="19" name="18 Elipse"/>
-          <p:cNvSpPr/>
-          <p:nvPr/>
-        </p:nvSpPr>
-        <p:spPr>
-          <a:xfrm>
-            <a:off x="9684568" y="4149080"/>
-            <a:ext cx="237681" cy="223557"/>
-          </a:xfrm>
-          <a:prstGeom prst="ellipse">
-            <a:avLst/>
-          </a:prstGeom>
-          <a:solidFill>
-            <a:srgbClr val="0070C0"/>
-          </a:solidFill>
-          <a:ln>
-            <a:noFill/>
-          </a:ln>
-        </p:spPr>
-        <p:style>
-          <a:lnRef idx="2">
-            <a:schemeClr val="accent1">
-              <a:shade val="50000"/>
-            </a:schemeClr>
-          </a:lnRef>
-          <a:fillRef idx="1">
-            <a:schemeClr val="accent1"/>
-          </a:fillRef>
-          <a:effectRef idx="0">
-            <a:schemeClr val="accent1"/>
-          </a:effectRef>
-          <a:fontRef idx="minor">
-            <a:schemeClr val="lt1"/>
-          </a:fontRef>
-        </p:style>
-        <p:txBody>
-          <a:bodyPr rtlCol="0" anchor="ctr"/>
-          <a:lstStyle/>
-          <a:p>
-            <a:pPr algn="ctr"/>
-            <a:r>
-              <a:rPr lang="en-GB" sz="1200" dirty="0"/>
-              <a:t>3</a:t>
-            </a:r>
-          </a:p>
-        </p:txBody>
-      </p:sp>
-      <p:sp>
-        <p:nvSpPr>
-          <p:cNvPr id="20" name="19 Elipse"/>
-          <p:cNvSpPr/>
-          <p:nvPr/>
-        </p:nvSpPr>
-        <p:spPr>
-          <a:xfrm>
-            <a:off x="9684568" y="5149659"/>
-            <a:ext cx="237681" cy="223557"/>
-          </a:xfrm>
-          <a:prstGeom prst="ellipse">
-            <a:avLst/>
-          </a:prstGeom>
-          <a:solidFill>
-            <a:srgbClr val="0070C0"/>
-          </a:solidFill>
-          <a:ln>
-            <a:noFill/>
-          </a:ln>
-        </p:spPr>
-        <p:style>
-          <a:lnRef idx="2">
-            <a:schemeClr val="accent1">
-              <a:shade val="50000"/>
-            </a:schemeClr>
-          </a:lnRef>
-          <a:fillRef idx="1">
-            <a:schemeClr val="accent1"/>
-          </a:fillRef>
-          <a:effectRef idx="0">
-            <a:schemeClr val="accent1"/>
-          </a:effectRef>
-          <a:fontRef idx="minor">
-            <a:schemeClr val="lt1"/>
-          </a:fontRef>
-        </p:style>
-        <p:txBody>
-          <a:bodyPr rtlCol="0" anchor="ctr"/>
-          <a:lstStyle/>
-          <a:p>
-            <a:pPr algn="ctr"/>
-            <a:r>
-              <a:rPr lang="en-GB" sz="1200" dirty="0"/>
-              <a:t>4</a:t>
-            </a:r>
-          </a:p>
-        </p:txBody>
-      </p:sp>
-      <p:sp>
-        <p:nvSpPr>
-          <p:cNvPr id="21" name="20 Elipse"/>
-          <p:cNvSpPr/>
-          <p:nvPr/>
-        </p:nvSpPr>
-        <p:spPr>
-          <a:xfrm>
-            <a:off x="9684568" y="6237312"/>
-            <a:ext cx="237681" cy="223557"/>
-          </a:xfrm>
-          <a:prstGeom prst="ellipse">
-            <a:avLst/>
-          </a:prstGeom>
-          <a:solidFill>
-            <a:srgbClr val="0070C0"/>
-          </a:solidFill>
-          <a:ln>
-            <a:noFill/>
-          </a:ln>
-        </p:spPr>
-        <p:style>
-          <a:lnRef idx="2">
-            <a:schemeClr val="accent1">
-              <a:shade val="50000"/>
-            </a:schemeClr>
-          </a:lnRef>
-          <a:fillRef idx="1">
-            <a:schemeClr val="accent1"/>
-          </a:fillRef>
-          <a:effectRef idx="0">
-            <a:schemeClr val="accent1"/>
-          </a:effectRef>
-          <a:fontRef idx="minor">
-            <a:schemeClr val="lt1"/>
-          </a:fontRef>
-        </p:style>
-        <p:txBody>
-          <a:bodyPr rtlCol="0" anchor="ctr"/>
-          <a:lstStyle/>
-          <a:p>
-            <a:pPr algn="ctr"/>
-            <a:r>
-              <a:rPr lang="en-GB" sz="1200" dirty="0"/>
-              <a:t>5</a:t>
-            </a:r>
-          </a:p>
-        </p:txBody>
-      </p:sp>
     </p:spTree>
     <p:extLst>
       <p:ext uri="{BB962C8B-B14F-4D97-AF65-F5344CB8AC3E}">
-        <p14:creationId xmlns:p14="http://schemas.microsoft.com/office/powerpoint/2010/main" val="1792153492"/>
+        <p14:creationId xmlns:p14="http://schemas.microsoft.com/office/powerpoint/2010/main" val="3249331159"/>
       </p:ext>
     </p:extLst>
   </p:cSld>
@@ -4892,7 +4830,7 @@
       </p:grpSpPr>
       <p:pic>
         <p:nvPicPr>
-          <p:cNvPr id="1028" name="Picture 4"/>
+          <p:cNvPr id="4" name="Picture 2" descr="C:\ESPD-EDM-02.00.00-asciidoc\espd-data-model\docs\src\main\asciidoc\images\PaymentOfTaxes_CA_mock-up.png"/>
           <p:cNvPicPr>
             <a:picLocks noChangeAspect="1" noChangeArrowheads="1"/>
           </p:cNvPicPr>
@@ -4913,56 +4851,44 @@
         </p:blipFill>
         <p:spPr bwMode="auto">
           <a:xfrm>
-            <a:off x="20006" y="5752"/>
-            <a:ext cx="9839325" cy="9963150"/>
+            <a:off x="-1836712" y="610922"/>
+            <a:ext cx="11687175" cy="6238875"/>
           </a:xfrm>
           <a:prstGeom prst="rect">
             <a:avLst/>
           </a:prstGeom>
           <a:noFill/>
-          <a:ln>
-            <a:noFill/>
-          </a:ln>
           <a:extLst>
             <a:ext uri="{909E8E84-426E-40DD-AFC4-6F175D3DCCD1}">
               <a14:hiddenFill xmlns:a14="http://schemas.microsoft.com/office/drawing/2010/main">
                 <a:solidFill>
-                  <a:schemeClr val="accent1"/>
+                  <a:srgbClr val="FFFFFF"/>
                 </a:solidFill>
               </a14:hiddenFill>
             </a:ext>
-            <a:ext uri="{91240B29-F687-4F45-9708-019B960494DF}">
-              <a14:hiddenLine xmlns:a14="http://schemas.microsoft.com/office/drawing/2010/main" w="9525">
-                <a:solidFill>
-                  <a:schemeClr val="tx1"/>
-                </a:solidFill>
-                <a:miter lim="800000"/>
-                <a:headEnd/>
-                <a:tailEnd/>
-              </a14:hiddenLine>
-            </a:ext>
           </a:extLst>
         </p:spPr>
       </p:pic>
       <p:sp>
         <p:nvSpPr>
-          <p:cNvPr id="3" name="2 Elipse"/>
+          <p:cNvPr id="5" name="4 Rectángulo redondeado"/>
           <p:cNvSpPr/>
           <p:nvPr/>
         </p:nvSpPr>
         <p:spPr>
           <a:xfrm>
-            <a:off x="2822151" y="3429000"/>
-            <a:ext cx="237681" cy="223557"/>
-          </a:xfrm>
-          <a:prstGeom prst="ellipse">
-            <a:avLst/>
-          </a:prstGeom>
-          <a:solidFill>
-            <a:srgbClr val="0070C0"/>
-          </a:solidFill>
+            <a:off x="-1791274" y="1804944"/>
+            <a:ext cx="11600604" cy="496742"/>
+          </a:xfrm>
+          <a:prstGeom prst="roundRect">
+            <a:avLst/>
+          </a:prstGeom>
+          <a:noFill/>
           <a:ln>
-            <a:noFill/>
+            <a:solidFill>
+              <a:srgbClr val="92D050"/>
+            </a:solidFill>
+            <a:prstDash val="sysDash"/>
           </a:ln>
         </p:spPr>
         <p:style>
@@ -4986,33 +4912,84 @@
           <a:lstStyle/>
           <a:p>
             <a:pPr algn="ctr"/>
-            <a:r>
-              <a:rPr lang="en-GB" sz="1200" dirty="0" smtClean="0"/>
-              <a:t>6</a:t>
-            </a:r>
-            <a:endParaRPr lang="en-GB" sz="1200" dirty="0"/>
-          </a:p>
-        </p:txBody>
-      </p:sp>
-      <p:sp>
-        <p:nvSpPr>
-          <p:cNvPr id="4" name="3 Elipse"/>
+            <a:endParaRPr lang="en-GB"/>
+          </a:p>
+        </p:txBody>
+      </p:sp>
+      <p:sp>
+        <p:nvSpPr>
+          <p:cNvPr id="6" name="5 CuadroTexto"/>
+          <p:cNvSpPr txBox="1"/>
+          <p:nvPr/>
+        </p:nvSpPr>
+        <p:spPr>
+          <a:xfrm>
+            <a:off x="9900592" y="1844824"/>
+            <a:ext cx="1747466" cy="369332"/>
+          </a:xfrm>
+          <a:prstGeom prst="rect">
+            <a:avLst/>
+          </a:prstGeom>
+          <a:noFill/>
+        </p:spPr>
+        <p:txBody>
+          <a:bodyPr wrap="none" rtlCol="0">
+            <a:spAutoFit/>
+          </a:bodyPr>
+          <a:lstStyle/>
+          <a:p>
+            <a:r>
+              <a:rPr lang="en-GB" b="1" dirty="0" smtClean="0">
+                <a:solidFill>
+                  <a:srgbClr val="00B050"/>
+                </a:solidFill>
+              </a:rPr>
+              <a:t>EU </a:t>
+            </a:r>
+            <a:r>
+              <a:rPr lang="en-GB" b="1" dirty="0" err="1" smtClean="0">
+                <a:solidFill>
+                  <a:srgbClr val="00B050"/>
+                </a:solidFill>
+              </a:rPr>
+              <a:t>PoT</a:t>
+            </a:r>
+            <a:r>
+              <a:rPr lang="en-GB" b="1" dirty="0" smtClean="0">
+                <a:solidFill>
+                  <a:srgbClr val="00B050"/>
+                </a:solidFill>
+              </a:rPr>
+              <a:t> Criterion</a:t>
+            </a:r>
+            <a:endParaRPr lang="en-GB" b="1" dirty="0">
+              <a:solidFill>
+                <a:srgbClr val="00B050"/>
+              </a:solidFill>
+            </a:endParaRPr>
+          </a:p>
+        </p:txBody>
+      </p:sp>
+      <p:sp>
+        <p:nvSpPr>
+          <p:cNvPr id="7" name="6 Rectángulo redondeado"/>
           <p:cNvSpPr/>
           <p:nvPr/>
         </p:nvSpPr>
         <p:spPr>
           <a:xfrm>
-            <a:off x="5580112" y="3442648"/>
-            <a:ext cx="237681" cy="223557"/>
-          </a:xfrm>
-          <a:prstGeom prst="ellipse">
-            <a:avLst/>
-          </a:prstGeom>
-          <a:solidFill>
-            <a:srgbClr val="0070C0"/>
-          </a:solidFill>
+            <a:off x="-1750752" y="2492896"/>
+            <a:ext cx="11600604" cy="864096"/>
+          </a:xfrm>
+          <a:prstGeom prst="roundRect">
+            <a:avLst/>
+          </a:prstGeom>
+          <a:noFill/>
           <a:ln>
-            <a:noFill/>
+            <a:solidFill>
+              <a:srgbClr val="92D050"/>
+            </a:solidFill>
+            <a:prstDash val="sysDash"/>
           </a:ln>
         </p:spPr>
         <p:style>
@@ -5036,33 +5013,84 @@
           <a:lstStyle/>
           <a:p>
             <a:pPr algn="ctr"/>
-            <a:r>
-              <a:rPr lang="en-GB" sz="1200" dirty="0" smtClean="0"/>
-              <a:t>7</a:t>
-            </a:r>
-            <a:endParaRPr lang="en-GB" sz="1200" dirty="0"/>
-          </a:p>
-        </p:txBody>
-      </p:sp>
-      <p:sp>
-        <p:nvSpPr>
-          <p:cNvPr id="5" name="4 Elipse"/>
+            <a:endParaRPr lang="en-GB"/>
+          </a:p>
+        </p:txBody>
+      </p:sp>
+      <p:sp>
+        <p:nvSpPr>
+          <p:cNvPr id="8" name="7 CuadroTexto"/>
+          <p:cNvSpPr txBox="1"/>
+          <p:nvPr/>
+        </p:nvSpPr>
+        <p:spPr>
+          <a:xfrm>
+            <a:off x="9864907" y="2728656"/>
+            <a:ext cx="1765099" cy="369332"/>
+          </a:xfrm>
+          <a:prstGeom prst="rect">
+            <a:avLst/>
+          </a:prstGeom>
+          <a:noFill/>
+        </p:spPr>
+        <p:txBody>
+          <a:bodyPr wrap="none" rtlCol="0">
+            <a:spAutoFit/>
+          </a:bodyPr>
+          <a:lstStyle/>
+          <a:p>
+            <a:r>
+              <a:rPr lang="en-GB" b="1" dirty="0" smtClean="0">
+                <a:solidFill>
+                  <a:srgbClr val="00B050"/>
+                </a:solidFill>
+              </a:rPr>
+              <a:t>FI </a:t>
+            </a:r>
+            <a:r>
+              <a:rPr lang="en-GB" b="1" dirty="0" err="1" smtClean="0">
+                <a:solidFill>
+                  <a:srgbClr val="00B050"/>
+                </a:solidFill>
+              </a:rPr>
+              <a:t>PoT</a:t>
+            </a:r>
+            <a:r>
+              <a:rPr lang="en-GB" b="1" dirty="0" smtClean="0">
+                <a:solidFill>
+                  <a:srgbClr val="00B050"/>
+                </a:solidFill>
+              </a:rPr>
+              <a:t> Criterion I</a:t>
+            </a:r>
+            <a:endParaRPr lang="en-GB" b="1" dirty="0">
+              <a:solidFill>
+                <a:srgbClr val="00B050"/>
+              </a:solidFill>
+            </a:endParaRPr>
+          </a:p>
+        </p:txBody>
+      </p:sp>
+      <p:sp>
+        <p:nvSpPr>
+          <p:cNvPr id="9" name="8 Rectángulo redondeado"/>
           <p:cNvSpPr/>
           <p:nvPr/>
         </p:nvSpPr>
         <p:spPr>
           <a:xfrm>
-            <a:off x="8236399" y="4645603"/>
-            <a:ext cx="237681" cy="223557"/>
-          </a:xfrm>
-          <a:prstGeom prst="ellipse">
-            <a:avLst/>
-          </a:prstGeom>
-          <a:solidFill>
-            <a:srgbClr val="0070C0"/>
-          </a:solidFill>
+            <a:off x="-1764704" y="3356992"/>
+            <a:ext cx="11600604" cy="1152128"/>
+          </a:xfrm>
+          <a:prstGeom prst="roundRect">
+            <a:avLst/>
+          </a:prstGeom>
+          <a:noFill/>
           <a:ln>
-            <a:noFill/>
+            <a:solidFill>
+              <a:srgbClr val="92D050"/>
+            </a:solidFill>
+            <a:prstDash val="sysDash"/>
           </a:ln>
         </p:spPr>
         <p:style>
@@ -5086,72 +5114,516 @@
           <a:lstStyle/>
           <a:p>
             <a:pPr algn="ctr"/>
-            <a:r>
-              <a:rPr lang="en-GB" sz="1200" smtClean="0"/>
-              <a:t>8</a:t>
-            </a:r>
-            <a:endParaRPr lang="en-GB" sz="1200" dirty="0"/>
-          </a:p>
-        </p:txBody>
-      </p:sp>
-      <p:pic>
-        <p:nvPicPr>
-          <p:cNvPr id="1026" name="Picture 2"/>
-          <p:cNvPicPr>
-            <a:picLocks noChangeAspect="1" noChangeArrowheads="1"/>
-          </p:cNvPicPr>
-          <p:nvPr/>
-        </p:nvPicPr>
-        <p:blipFill>
-          <a:blip r:embed="rId3">
-            <a:extLst>
-              <a:ext uri="{28A0092B-C50C-407E-A947-70E740481C1C}">
-                <a14:useLocalDpi xmlns:a14="http://schemas.microsoft.com/office/drawing/2010/main" val="0"/>
-              </a:ext>
-            </a:extLst>
-          </a:blip>
-          <a:srcRect/>
-          <a:stretch>
-            <a:fillRect/>
-          </a:stretch>
-        </p:blipFill>
-        <p:spPr bwMode="auto">
-          <a:xfrm>
-            <a:off x="287145" y="2324372"/>
-            <a:ext cx="228600" cy="247650"/>
+            <a:endParaRPr lang="en-GB"/>
+          </a:p>
+        </p:txBody>
+      </p:sp>
+      <p:sp>
+        <p:nvSpPr>
+          <p:cNvPr id="10" name="9 CuadroTexto"/>
+          <p:cNvSpPr txBox="1"/>
+          <p:nvPr/>
+        </p:nvSpPr>
+        <p:spPr>
+          <a:xfrm>
+            <a:off x="9850955" y="3707740"/>
+            <a:ext cx="1826013" cy="369332"/>
           </a:xfrm>
           <a:prstGeom prst="rect">
+            <a:avLst/>
+          </a:prstGeom>
+          <a:noFill/>
+        </p:spPr>
+        <p:txBody>
+          <a:bodyPr wrap="none" rtlCol="0">
+            <a:spAutoFit/>
+          </a:bodyPr>
+          <a:lstStyle/>
+          <a:p>
+            <a:r>
+              <a:rPr lang="en-GB" b="1" dirty="0" smtClean="0">
+                <a:solidFill>
+                  <a:srgbClr val="00B050"/>
+                </a:solidFill>
+              </a:rPr>
+              <a:t>FI </a:t>
+            </a:r>
+            <a:r>
+              <a:rPr lang="en-GB" b="1" dirty="0" err="1" smtClean="0">
+                <a:solidFill>
+                  <a:srgbClr val="00B050"/>
+                </a:solidFill>
+              </a:rPr>
+              <a:t>PoT</a:t>
+            </a:r>
+            <a:r>
+              <a:rPr lang="en-GB" b="1" dirty="0" smtClean="0">
+                <a:solidFill>
+                  <a:srgbClr val="00B050"/>
+                </a:solidFill>
+              </a:rPr>
+              <a:t> Criterion II</a:t>
+            </a:r>
+            <a:endParaRPr lang="en-GB" b="1" dirty="0">
+              <a:solidFill>
+                <a:srgbClr val="00B050"/>
+              </a:solidFill>
+            </a:endParaRPr>
+          </a:p>
+        </p:txBody>
+      </p:sp>
+      <p:sp>
+        <p:nvSpPr>
+          <p:cNvPr id="11" name="10 Rectángulo redondeado"/>
+          <p:cNvSpPr/>
+          <p:nvPr/>
+        </p:nvSpPr>
+        <p:spPr>
+          <a:xfrm>
+            <a:off x="-1764704" y="4509120"/>
+            <a:ext cx="11600604" cy="936104"/>
+          </a:xfrm>
+          <a:prstGeom prst="roundRect">
             <a:avLst/>
           </a:prstGeom>
           <a:noFill/>
           <a:ln>
+            <a:solidFill>
+              <a:srgbClr val="92D050"/>
+            </a:solidFill>
+            <a:prstDash val="sysDash"/>
+          </a:ln>
+        </p:spPr>
+        <p:style>
+          <a:lnRef idx="2">
+            <a:schemeClr val="accent1">
+              <a:shade val="50000"/>
+            </a:schemeClr>
+          </a:lnRef>
+          <a:fillRef idx="1">
+            <a:schemeClr val="accent1"/>
+          </a:fillRef>
+          <a:effectRef idx="0">
+            <a:schemeClr val="accent1"/>
+          </a:effectRef>
+          <a:fontRef idx="minor">
+            <a:schemeClr val="lt1"/>
+          </a:fontRef>
+        </p:style>
+        <p:txBody>
+          <a:bodyPr rtlCol="0" anchor="ctr"/>
+          <a:lstStyle/>
+          <a:p>
+            <a:pPr algn="ctr"/>
+            <a:endParaRPr lang="en-GB"/>
+          </a:p>
+        </p:txBody>
+      </p:sp>
+      <p:sp>
+        <p:nvSpPr>
+          <p:cNvPr id="12" name="11 CuadroTexto"/>
+          <p:cNvSpPr txBox="1"/>
+          <p:nvPr/>
+        </p:nvSpPr>
+        <p:spPr>
+          <a:xfrm>
+            <a:off x="9850955" y="4753610"/>
+            <a:ext cx="1886927" cy="369332"/>
+          </a:xfrm>
+          <a:prstGeom prst="rect">
+            <a:avLst/>
+          </a:prstGeom>
+          <a:noFill/>
+        </p:spPr>
+        <p:txBody>
+          <a:bodyPr wrap="none" rtlCol="0">
+            <a:spAutoFit/>
+          </a:bodyPr>
+          <a:lstStyle/>
+          <a:p>
+            <a:r>
+              <a:rPr lang="en-GB" b="1" dirty="0" smtClean="0">
+                <a:solidFill>
+                  <a:srgbClr val="00B050"/>
+                </a:solidFill>
+              </a:rPr>
+              <a:t>FI </a:t>
+            </a:r>
+            <a:r>
+              <a:rPr lang="en-GB" b="1" dirty="0" err="1" smtClean="0">
+                <a:solidFill>
+                  <a:srgbClr val="00B050"/>
+                </a:solidFill>
+              </a:rPr>
+              <a:t>PoT</a:t>
+            </a:r>
+            <a:r>
+              <a:rPr lang="en-GB" b="1" dirty="0" smtClean="0">
+                <a:solidFill>
+                  <a:srgbClr val="00B050"/>
+                </a:solidFill>
+              </a:rPr>
+              <a:t> Criterion III</a:t>
+            </a:r>
+            <a:endParaRPr lang="en-GB" b="1" dirty="0">
+              <a:solidFill>
+                <a:srgbClr val="00B050"/>
+              </a:solidFill>
+            </a:endParaRPr>
+          </a:p>
+        </p:txBody>
+      </p:sp>
+      <p:sp>
+        <p:nvSpPr>
+          <p:cNvPr id="13" name="12 Rectángulo redondeado"/>
+          <p:cNvSpPr/>
+          <p:nvPr/>
+        </p:nvSpPr>
+        <p:spPr>
+          <a:xfrm>
+            <a:off x="-1764704" y="5445224"/>
+            <a:ext cx="11600604" cy="1080120"/>
+          </a:xfrm>
+          <a:prstGeom prst="roundRect">
+            <a:avLst/>
+          </a:prstGeom>
+          <a:noFill/>
+          <a:ln>
+            <a:solidFill>
+              <a:srgbClr val="92D050"/>
+            </a:solidFill>
+            <a:prstDash val="sysDash"/>
+          </a:ln>
+        </p:spPr>
+        <p:style>
+          <a:lnRef idx="2">
+            <a:schemeClr val="accent1">
+              <a:shade val="50000"/>
+            </a:schemeClr>
+          </a:lnRef>
+          <a:fillRef idx="1">
+            <a:schemeClr val="accent1"/>
+          </a:fillRef>
+          <a:effectRef idx="0">
+            <a:schemeClr val="accent1"/>
+          </a:effectRef>
+          <a:fontRef idx="minor">
+            <a:schemeClr val="lt1"/>
+          </a:fontRef>
+        </p:style>
+        <p:txBody>
+          <a:bodyPr rtlCol="0" anchor="ctr"/>
+          <a:lstStyle/>
+          <a:p>
+            <a:pPr algn="ctr"/>
+            <a:endParaRPr lang="en-GB"/>
+          </a:p>
+        </p:txBody>
+      </p:sp>
+      <p:sp>
+        <p:nvSpPr>
+          <p:cNvPr id="14" name="13 CuadroTexto"/>
+          <p:cNvSpPr txBox="1"/>
+          <p:nvPr/>
+        </p:nvSpPr>
+        <p:spPr>
+          <a:xfrm>
+            <a:off x="9850955" y="5795972"/>
+            <a:ext cx="1901354" cy="369332"/>
+          </a:xfrm>
+          <a:prstGeom prst="rect">
+            <a:avLst/>
+          </a:prstGeom>
+          <a:noFill/>
+        </p:spPr>
+        <p:txBody>
+          <a:bodyPr wrap="none" rtlCol="0">
+            <a:spAutoFit/>
+          </a:bodyPr>
+          <a:lstStyle/>
+          <a:p>
+            <a:r>
+              <a:rPr lang="en-GB" b="1" dirty="0" smtClean="0">
+                <a:solidFill>
+                  <a:srgbClr val="00B050"/>
+                </a:solidFill>
+              </a:rPr>
+              <a:t>FI </a:t>
+            </a:r>
+            <a:r>
+              <a:rPr lang="en-GB" b="1" dirty="0" err="1" smtClean="0">
+                <a:solidFill>
+                  <a:srgbClr val="00B050"/>
+                </a:solidFill>
+              </a:rPr>
+              <a:t>PoT</a:t>
+            </a:r>
+            <a:r>
+              <a:rPr lang="en-GB" b="1" dirty="0" smtClean="0">
+                <a:solidFill>
+                  <a:srgbClr val="00B050"/>
+                </a:solidFill>
+              </a:rPr>
+              <a:t> Criterion IV</a:t>
+            </a:r>
+            <a:endParaRPr lang="en-GB" b="1" dirty="0">
+              <a:solidFill>
+                <a:srgbClr val="00B050"/>
+              </a:solidFill>
+            </a:endParaRPr>
+          </a:p>
+        </p:txBody>
+      </p:sp>
+      <p:sp>
+        <p:nvSpPr>
+          <p:cNvPr id="15" name="14 Elipse"/>
+          <p:cNvSpPr/>
+          <p:nvPr/>
+        </p:nvSpPr>
+        <p:spPr>
+          <a:xfrm>
+            <a:off x="9662911" y="2125323"/>
+            <a:ext cx="237681" cy="223557"/>
+          </a:xfrm>
+          <a:prstGeom prst="ellipse">
+            <a:avLst/>
+          </a:prstGeom>
+          <a:solidFill>
+            <a:srgbClr val="0070C0"/>
+          </a:solidFill>
+          <a:ln>
             <a:noFill/>
           </a:ln>
-          <a:extLst>
-            <a:ext uri="{909E8E84-426E-40DD-AFC4-6F175D3DCCD1}">
-              <a14:hiddenFill xmlns:a14="http://schemas.microsoft.com/office/drawing/2010/main">
-                <a:solidFill>
-                  <a:schemeClr val="accent1"/>
-                </a:solidFill>
-              </a14:hiddenFill>
-            </a:ext>
-            <a:ext uri="{91240B29-F687-4F45-9708-019B960494DF}">
-              <a14:hiddenLine xmlns:a14="http://schemas.microsoft.com/office/drawing/2010/main" w="9525">
-                <a:solidFill>
-                  <a:schemeClr val="tx1"/>
-                </a:solidFill>
-                <a:miter lim="800000"/>
-                <a:headEnd/>
-                <a:tailEnd/>
-              </a14:hiddenLine>
-            </a:ext>
-          </a:extLst>
-        </p:spPr>
-      </p:pic>
+        </p:spPr>
+        <p:style>
+          <a:lnRef idx="2">
+            <a:schemeClr val="accent1">
+              <a:shade val="50000"/>
+            </a:schemeClr>
+          </a:lnRef>
+          <a:fillRef idx="1">
+            <a:schemeClr val="accent1"/>
+          </a:fillRef>
+          <a:effectRef idx="0">
+            <a:schemeClr val="accent1"/>
+          </a:effectRef>
+          <a:fontRef idx="minor">
+            <a:schemeClr val="lt1"/>
+          </a:fontRef>
+        </p:style>
+        <p:txBody>
+          <a:bodyPr rtlCol="0" anchor="ctr"/>
+          <a:lstStyle/>
+          <a:p>
+            <a:pPr algn="ctr"/>
+            <a:r>
+              <a:rPr lang="en-GB" sz="1200" dirty="0" smtClean="0"/>
+              <a:t>1</a:t>
+            </a:r>
+            <a:endParaRPr lang="en-GB" sz="1200" dirty="0"/>
+          </a:p>
+        </p:txBody>
+      </p:sp>
+      <p:sp>
+        <p:nvSpPr>
+          <p:cNvPr id="16" name="15 Elipse"/>
+          <p:cNvSpPr/>
+          <p:nvPr/>
+        </p:nvSpPr>
+        <p:spPr>
+          <a:xfrm>
+            <a:off x="9684568" y="3068960"/>
+            <a:ext cx="237681" cy="223557"/>
+          </a:xfrm>
+          <a:prstGeom prst="ellipse">
+            <a:avLst/>
+          </a:prstGeom>
+          <a:solidFill>
+            <a:srgbClr val="0070C0"/>
+          </a:solidFill>
+          <a:ln>
+            <a:noFill/>
+          </a:ln>
+        </p:spPr>
+        <p:style>
+          <a:lnRef idx="2">
+            <a:schemeClr val="accent1">
+              <a:shade val="50000"/>
+            </a:schemeClr>
+          </a:lnRef>
+          <a:fillRef idx="1">
+            <a:schemeClr val="accent1"/>
+          </a:fillRef>
+          <a:effectRef idx="0">
+            <a:schemeClr val="accent1"/>
+          </a:effectRef>
+          <a:fontRef idx="minor">
+            <a:schemeClr val="lt1"/>
+          </a:fontRef>
+        </p:style>
+        <p:txBody>
+          <a:bodyPr rtlCol="0" anchor="ctr"/>
+          <a:lstStyle/>
+          <a:p>
+            <a:pPr algn="ctr"/>
+            <a:r>
+              <a:rPr lang="en-GB" sz="1200" dirty="0"/>
+              <a:t>2</a:t>
+            </a:r>
+          </a:p>
+        </p:txBody>
+      </p:sp>
+      <p:sp>
+        <p:nvSpPr>
+          <p:cNvPr id="19" name="18 Elipse"/>
+          <p:cNvSpPr/>
+          <p:nvPr/>
+        </p:nvSpPr>
+        <p:spPr>
+          <a:xfrm>
+            <a:off x="9684568" y="4149080"/>
+            <a:ext cx="237681" cy="223557"/>
+          </a:xfrm>
+          <a:prstGeom prst="ellipse">
+            <a:avLst/>
+          </a:prstGeom>
+          <a:solidFill>
+            <a:srgbClr val="0070C0"/>
+          </a:solidFill>
+          <a:ln>
+            <a:noFill/>
+          </a:ln>
+        </p:spPr>
+        <p:style>
+          <a:lnRef idx="2">
+            <a:schemeClr val="accent1">
+              <a:shade val="50000"/>
+            </a:schemeClr>
+          </a:lnRef>
+          <a:fillRef idx="1">
+            <a:schemeClr val="accent1"/>
+          </a:fillRef>
+          <a:effectRef idx="0">
+            <a:schemeClr val="accent1"/>
+          </a:effectRef>
+          <a:fontRef idx="minor">
+            <a:schemeClr val="lt1"/>
+          </a:fontRef>
+        </p:style>
+        <p:txBody>
+          <a:bodyPr rtlCol="0" anchor="ctr"/>
+          <a:lstStyle/>
+          <a:p>
+            <a:pPr algn="ctr"/>
+            <a:r>
+              <a:rPr lang="en-GB" sz="1200" dirty="0"/>
+              <a:t>3</a:t>
+            </a:r>
+          </a:p>
+        </p:txBody>
+      </p:sp>
+      <p:sp>
+        <p:nvSpPr>
+          <p:cNvPr id="20" name="19 Elipse"/>
+          <p:cNvSpPr/>
+          <p:nvPr/>
+        </p:nvSpPr>
+        <p:spPr>
+          <a:xfrm>
+            <a:off x="9684568" y="5149659"/>
+            <a:ext cx="237681" cy="223557"/>
+          </a:xfrm>
+          <a:prstGeom prst="ellipse">
+            <a:avLst/>
+          </a:prstGeom>
+          <a:solidFill>
+            <a:srgbClr val="0070C0"/>
+          </a:solidFill>
+          <a:ln>
+            <a:noFill/>
+          </a:ln>
+        </p:spPr>
+        <p:style>
+          <a:lnRef idx="2">
+            <a:schemeClr val="accent1">
+              <a:shade val="50000"/>
+            </a:schemeClr>
+          </a:lnRef>
+          <a:fillRef idx="1">
+            <a:schemeClr val="accent1"/>
+          </a:fillRef>
+          <a:effectRef idx="0">
+            <a:schemeClr val="accent1"/>
+          </a:effectRef>
+          <a:fontRef idx="minor">
+            <a:schemeClr val="lt1"/>
+          </a:fontRef>
+        </p:style>
+        <p:txBody>
+          <a:bodyPr rtlCol="0" anchor="ctr"/>
+          <a:lstStyle/>
+          <a:p>
+            <a:pPr algn="ctr"/>
+            <a:r>
+              <a:rPr lang="en-GB" sz="1200" dirty="0"/>
+              <a:t>4</a:t>
+            </a:r>
+          </a:p>
+        </p:txBody>
+      </p:sp>
+      <p:sp>
+        <p:nvSpPr>
+          <p:cNvPr id="21" name="20 Elipse"/>
+          <p:cNvSpPr/>
+          <p:nvPr/>
+        </p:nvSpPr>
+        <p:spPr>
+          <a:xfrm>
+            <a:off x="9684568" y="6237312"/>
+            <a:ext cx="237681" cy="223557"/>
+          </a:xfrm>
+          <a:prstGeom prst="ellipse">
+            <a:avLst/>
+          </a:prstGeom>
+          <a:solidFill>
+            <a:srgbClr val="0070C0"/>
+          </a:solidFill>
+          <a:ln>
+            <a:noFill/>
+          </a:ln>
+        </p:spPr>
+        <p:style>
+          <a:lnRef idx="2">
+            <a:schemeClr val="accent1">
+              <a:shade val="50000"/>
+            </a:schemeClr>
+          </a:lnRef>
+          <a:fillRef idx="1">
+            <a:schemeClr val="accent1"/>
+          </a:fillRef>
+          <a:effectRef idx="0">
+            <a:schemeClr val="accent1"/>
+          </a:effectRef>
+          <a:fontRef idx="minor">
+            <a:schemeClr val="lt1"/>
+          </a:fontRef>
+        </p:style>
+        <p:txBody>
+          <a:bodyPr rtlCol="0" anchor="ctr"/>
+          <a:lstStyle/>
+          <a:p>
+            <a:pPr algn="ctr"/>
+            <a:r>
+              <a:rPr lang="en-GB" sz="1200" dirty="0"/>
+              <a:t>5</a:t>
+            </a:r>
+          </a:p>
+        </p:txBody>
+      </p:sp>
     </p:spTree>
     <p:extLst>
       <p:ext uri="{BB962C8B-B14F-4D97-AF65-F5344CB8AC3E}">
-        <p14:creationId xmlns:p14="http://schemas.microsoft.com/office/powerpoint/2010/main" val="3114209087"/>
+        <p14:creationId xmlns:p14="http://schemas.microsoft.com/office/powerpoint/2010/main" val="1792153492"/>
       </p:ext>
     </p:extLst>
   </p:cSld>
@@ -5180,7 +5652,7 @@
       </p:grpSpPr>
       <p:pic>
         <p:nvPicPr>
-          <p:cNvPr id="1026" name="Picture 2" descr="C:\ESPD-EDM-02.00.00-asciidoc\espd-data-model\docs\src\main\asciidoc\images\PaymentOfTaxes_EO_mock-up.png"/>
+          <p:cNvPr id="1028" name="Picture 4"/>
           <p:cNvPicPr>
             <a:picLocks noChangeAspect="1" noChangeArrowheads="1"/>
           </p:cNvPicPr>
@@ -5201,6 +5673,294 @@
         </p:blipFill>
         <p:spPr bwMode="auto">
           <a:xfrm>
+            <a:off x="20006" y="5752"/>
+            <a:ext cx="9839325" cy="9963150"/>
+          </a:xfrm>
+          <a:prstGeom prst="rect">
+            <a:avLst/>
+          </a:prstGeom>
+          <a:noFill/>
+          <a:ln>
+            <a:noFill/>
+          </a:ln>
+          <a:extLst>
+            <a:ext uri="{909E8E84-426E-40DD-AFC4-6F175D3DCCD1}">
+              <a14:hiddenFill xmlns:a14="http://schemas.microsoft.com/office/drawing/2010/main">
+                <a:solidFill>
+                  <a:schemeClr val="accent1"/>
+                </a:solidFill>
+              </a14:hiddenFill>
+            </a:ext>
+            <a:ext uri="{91240B29-F687-4F45-9708-019B960494DF}">
+              <a14:hiddenLine xmlns:a14="http://schemas.microsoft.com/office/drawing/2010/main" w="9525">
+                <a:solidFill>
+                  <a:schemeClr val="tx1"/>
+                </a:solidFill>
+                <a:miter lim="800000"/>
+                <a:headEnd/>
+                <a:tailEnd/>
+              </a14:hiddenLine>
+            </a:ext>
+          </a:extLst>
+        </p:spPr>
+      </p:pic>
+      <p:sp>
+        <p:nvSpPr>
+          <p:cNvPr id="3" name="2 Elipse"/>
+          <p:cNvSpPr/>
+          <p:nvPr/>
+        </p:nvSpPr>
+        <p:spPr>
+          <a:xfrm>
+            <a:off x="2822151" y="3429000"/>
+            <a:ext cx="237681" cy="223557"/>
+          </a:xfrm>
+          <a:prstGeom prst="ellipse">
+            <a:avLst/>
+          </a:prstGeom>
+          <a:solidFill>
+            <a:srgbClr val="0070C0"/>
+          </a:solidFill>
+          <a:ln>
+            <a:noFill/>
+          </a:ln>
+        </p:spPr>
+        <p:style>
+          <a:lnRef idx="2">
+            <a:schemeClr val="accent1">
+              <a:shade val="50000"/>
+            </a:schemeClr>
+          </a:lnRef>
+          <a:fillRef idx="1">
+            <a:schemeClr val="accent1"/>
+          </a:fillRef>
+          <a:effectRef idx="0">
+            <a:schemeClr val="accent1"/>
+          </a:effectRef>
+          <a:fontRef idx="minor">
+            <a:schemeClr val="lt1"/>
+          </a:fontRef>
+        </p:style>
+        <p:txBody>
+          <a:bodyPr rtlCol="0" anchor="ctr"/>
+          <a:lstStyle/>
+          <a:p>
+            <a:pPr algn="ctr"/>
+            <a:r>
+              <a:rPr lang="en-GB" sz="1200" dirty="0" smtClean="0"/>
+              <a:t>6</a:t>
+            </a:r>
+            <a:endParaRPr lang="en-GB" sz="1200" dirty="0"/>
+          </a:p>
+        </p:txBody>
+      </p:sp>
+      <p:sp>
+        <p:nvSpPr>
+          <p:cNvPr id="4" name="3 Elipse"/>
+          <p:cNvSpPr/>
+          <p:nvPr/>
+        </p:nvSpPr>
+        <p:spPr>
+          <a:xfrm>
+            <a:off x="5580112" y="3442648"/>
+            <a:ext cx="237681" cy="223557"/>
+          </a:xfrm>
+          <a:prstGeom prst="ellipse">
+            <a:avLst/>
+          </a:prstGeom>
+          <a:solidFill>
+            <a:srgbClr val="0070C0"/>
+          </a:solidFill>
+          <a:ln>
+            <a:noFill/>
+          </a:ln>
+        </p:spPr>
+        <p:style>
+          <a:lnRef idx="2">
+            <a:schemeClr val="accent1">
+              <a:shade val="50000"/>
+            </a:schemeClr>
+          </a:lnRef>
+          <a:fillRef idx="1">
+            <a:schemeClr val="accent1"/>
+          </a:fillRef>
+          <a:effectRef idx="0">
+            <a:schemeClr val="accent1"/>
+          </a:effectRef>
+          <a:fontRef idx="minor">
+            <a:schemeClr val="lt1"/>
+          </a:fontRef>
+        </p:style>
+        <p:txBody>
+          <a:bodyPr rtlCol="0" anchor="ctr"/>
+          <a:lstStyle/>
+          <a:p>
+            <a:pPr algn="ctr"/>
+            <a:r>
+              <a:rPr lang="en-GB" sz="1200" dirty="0" smtClean="0"/>
+              <a:t>7</a:t>
+            </a:r>
+            <a:endParaRPr lang="en-GB" sz="1200" dirty="0"/>
+          </a:p>
+        </p:txBody>
+      </p:sp>
+      <p:sp>
+        <p:nvSpPr>
+          <p:cNvPr id="5" name="4 Elipse"/>
+          <p:cNvSpPr/>
+          <p:nvPr/>
+        </p:nvSpPr>
+        <p:spPr>
+          <a:xfrm>
+            <a:off x="8236399" y="4645603"/>
+            <a:ext cx="237681" cy="223557"/>
+          </a:xfrm>
+          <a:prstGeom prst="ellipse">
+            <a:avLst/>
+          </a:prstGeom>
+          <a:solidFill>
+            <a:srgbClr val="0070C0"/>
+          </a:solidFill>
+          <a:ln>
+            <a:noFill/>
+          </a:ln>
+        </p:spPr>
+        <p:style>
+          <a:lnRef idx="2">
+            <a:schemeClr val="accent1">
+              <a:shade val="50000"/>
+            </a:schemeClr>
+          </a:lnRef>
+          <a:fillRef idx="1">
+            <a:schemeClr val="accent1"/>
+          </a:fillRef>
+          <a:effectRef idx="0">
+            <a:schemeClr val="accent1"/>
+          </a:effectRef>
+          <a:fontRef idx="minor">
+            <a:schemeClr val="lt1"/>
+          </a:fontRef>
+        </p:style>
+        <p:txBody>
+          <a:bodyPr rtlCol="0" anchor="ctr"/>
+          <a:lstStyle/>
+          <a:p>
+            <a:pPr algn="ctr"/>
+            <a:r>
+              <a:rPr lang="en-GB" sz="1200" smtClean="0"/>
+              <a:t>8</a:t>
+            </a:r>
+            <a:endParaRPr lang="en-GB" sz="1200" dirty="0"/>
+          </a:p>
+        </p:txBody>
+      </p:sp>
+      <p:pic>
+        <p:nvPicPr>
+          <p:cNvPr id="1026" name="Picture 2"/>
+          <p:cNvPicPr>
+            <a:picLocks noChangeAspect="1" noChangeArrowheads="1"/>
+          </p:cNvPicPr>
+          <p:nvPr/>
+        </p:nvPicPr>
+        <p:blipFill>
+          <a:blip r:embed="rId3">
+            <a:extLst>
+              <a:ext uri="{28A0092B-C50C-407E-A947-70E740481C1C}">
+                <a14:useLocalDpi xmlns:a14="http://schemas.microsoft.com/office/drawing/2010/main" val="0"/>
+              </a:ext>
+            </a:extLst>
+          </a:blip>
+          <a:srcRect/>
+          <a:stretch>
+            <a:fillRect/>
+          </a:stretch>
+        </p:blipFill>
+        <p:spPr bwMode="auto">
+          <a:xfrm>
+            <a:off x="287145" y="2324372"/>
+            <a:ext cx="228600" cy="247650"/>
+          </a:xfrm>
+          <a:prstGeom prst="rect">
+            <a:avLst/>
+          </a:prstGeom>
+          <a:noFill/>
+          <a:ln>
+            <a:noFill/>
+          </a:ln>
+          <a:extLst>
+            <a:ext uri="{909E8E84-426E-40DD-AFC4-6F175D3DCCD1}">
+              <a14:hiddenFill xmlns:a14="http://schemas.microsoft.com/office/drawing/2010/main">
+                <a:solidFill>
+                  <a:schemeClr val="accent1"/>
+                </a:solidFill>
+              </a14:hiddenFill>
+            </a:ext>
+            <a:ext uri="{91240B29-F687-4F45-9708-019B960494DF}">
+              <a14:hiddenLine xmlns:a14="http://schemas.microsoft.com/office/drawing/2010/main" w="9525">
+                <a:solidFill>
+                  <a:schemeClr val="tx1"/>
+                </a:solidFill>
+                <a:miter lim="800000"/>
+                <a:headEnd/>
+                <a:tailEnd/>
+              </a14:hiddenLine>
+            </a:ext>
+          </a:extLst>
+        </p:spPr>
+      </p:pic>
+    </p:spTree>
+    <p:extLst>
+      <p:ext uri="{BB962C8B-B14F-4D97-AF65-F5344CB8AC3E}">
+        <p14:creationId xmlns:p14="http://schemas.microsoft.com/office/powerpoint/2010/main" val="3114209087"/>
+      </p:ext>
+    </p:extLst>
+  </p:cSld>
+  <p:clrMapOvr>
+    <a:masterClrMapping/>
+  </p:clrMapOvr>
+</p:sld>
+</file>
+
+<file path=ppt/slides/slide14.xml><?xml version="1.0" encoding="utf-8"?>
+<p:sld xmlns:a="http://schemas.openxmlformats.org/drawingml/2006/main" xmlns:r="http://schemas.openxmlformats.org/officeDocument/2006/relationships" xmlns:p="http://schemas.openxmlformats.org/presentationml/2006/main">
+  <p:cSld>
+    <p:spTree>
+      <p:nvGrpSpPr>
+        <p:cNvPr id="1" name=""/>
+        <p:cNvGrpSpPr/>
+        <p:nvPr/>
+      </p:nvGrpSpPr>
+      <p:grpSpPr>
+        <a:xfrm>
+          <a:off x="0" y="0"/>
+          <a:ext cx="0" cy="0"/>
+          <a:chOff x="0" y="0"/>
+          <a:chExt cx="0" cy="0"/>
+        </a:xfrm>
+      </p:grpSpPr>
+      <p:pic>
+        <p:nvPicPr>
+          <p:cNvPr id="1026" name="Picture 2" descr="C:\ESPD-EDM-02.00.00-asciidoc\espd-data-model\docs\src\main\asciidoc\images\PaymentOfTaxes_EO_mock-up.png"/>
+          <p:cNvPicPr>
+            <a:picLocks noChangeAspect="1" noChangeArrowheads="1"/>
+          </p:cNvPicPr>
+          <p:nvPr/>
+        </p:nvPicPr>
+        <p:blipFill>
+          <a:blip r:embed="rId2">
+            <a:extLst>
+              <a:ext uri="{28A0092B-C50C-407E-A947-70E740481C1C}">
+                <a14:useLocalDpi xmlns:a14="http://schemas.microsoft.com/office/drawing/2010/main" val="0"/>
+              </a:ext>
+            </a:extLst>
+          </a:blip>
+          <a:srcRect/>
+          <a:stretch>
+            <a:fillRect/>
+          </a:stretch>
+        </p:blipFill>
+        <p:spPr bwMode="auto">
+          <a:xfrm>
             <a:off x="-251467" y="116632"/>
             <a:ext cx="9572625" cy="6029325"/>
           </a:xfrm>
@@ -5493,7 +6253,7 @@
 </p:sld>
 </file>
 
-<file path=ppt/slides/slide14.xml><?xml version="1.0" encoding="utf-8"?>
+<file path=ppt/slides/slide15.xml><?xml version="1.0" encoding="utf-8"?>
 <p:sld xmlns:a="http://schemas.openxmlformats.org/drawingml/2006/main" xmlns:r="http://schemas.openxmlformats.org/officeDocument/2006/relationships" xmlns:p="http://schemas.openxmlformats.org/presentationml/2006/main">
   <p:cSld>
     <p:spTree>
@@ -5783,7 +6543,7 @@
 </p:sld>
 </file>
 
-<file path=ppt/slides/slide15.xml><?xml version="1.0" encoding="utf-8"?>
+<file path=ppt/slides/slide16.xml><?xml version="1.0" encoding="utf-8"?>
 <p:sld xmlns:a="http://schemas.openxmlformats.org/drawingml/2006/main" xmlns:r="http://schemas.openxmlformats.org/officeDocument/2006/relationships" xmlns:p="http://schemas.openxmlformats.org/presentationml/2006/main">
   <p:cSld>
     <p:spTree>
@@ -5856,188 +6616,6 @@
     <p:extLst>
       <p:ext uri="{BB962C8B-B14F-4D97-AF65-F5344CB8AC3E}">
         <p14:creationId xmlns:p14="http://schemas.microsoft.com/office/powerpoint/2010/main" val="996225304"/>
-      </p:ext>
-    </p:extLst>
-  </p:cSld>
-  <p:clrMapOvr>
-    <a:masterClrMapping/>
-  </p:clrMapOvr>
-</p:sld>
-</file>
-
-<file path=ppt/slides/slide16.xml><?xml version="1.0" encoding="utf-8"?>
-<p:sld xmlns:a="http://schemas.openxmlformats.org/drawingml/2006/main" xmlns:r="http://schemas.openxmlformats.org/officeDocument/2006/relationships" xmlns:p="http://schemas.openxmlformats.org/presentationml/2006/main">
-  <p:cSld>
-    <p:spTree>
-      <p:nvGrpSpPr>
-        <p:cNvPr id="1" name=""/>
-        <p:cNvGrpSpPr/>
-        <p:nvPr/>
-      </p:nvGrpSpPr>
-      <p:grpSpPr>
-        <a:xfrm>
-          <a:off x="0" y="0"/>
-          <a:ext cx="0" cy="0"/>
-          <a:chOff x="0" y="0"/>
-          <a:chExt cx="0" cy="0"/>
-        </a:xfrm>
-      </p:grpSpPr>
-      <p:pic>
-        <p:nvPicPr>
-          <p:cNvPr id="5" name="Picture 2"/>
-          <p:cNvPicPr>
-            <a:picLocks noChangeAspect="1" noChangeArrowheads="1"/>
-          </p:cNvPicPr>
-          <p:nvPr/>
-        </p:nvPicPr>
-        <p:blipFill rotWithShape="1">
-          <a:blip r:embed="rId2">
-            <a:extLst>
-              <a:ext uri="{28A0092B-C50C-407E-A947-70E740481C1C}">
-                <a14:useLocalDpi xmlns:a14="http://schemas.microsoft.com/office/drawing/2010/main" val="0"/>
-              </a:ext>
-            </a:extLst>
-          </a:blip>
-          <a:srcRect l="8275" t="9476" r="9092" b="15927"/>
-          <a:stretch/>
-        </p:blipFill>
-        <p:spPr bwMode="auto">
-          <a:xfrm>
-            <a:off x="44408" y="1113789"/>
-            <a:ext cx="9078384" cy="4607684"/>
-          </a:xfrm>
-          <a:prstGeom prst="rect">
-            <a:avLst/>
-          </a:prstGeom>
-          <a:noFill/>
-          <a:ln>
-            <a:noFill/>
-          </a:ln>
-          <a:extLst>
-            <a:ext uri="{909E8E84-426E-40DD-AFC4-6F175D3DCCD1}">
-              <a14:hiddenFill xmlns:a14="http://schemas.microsoft.com/office/drawing/2010/main">
-                <a:solidFill>
-                  <a:schemeClr val="accent1"/>
-                </a:solidFill>
-              </a14:hiddenFill>
-            </a:ext>
-            <a:ext uri="{91240B29-F687-4F45-9708-019B960494DF}">
-              <a14:hiddenLine xmlns:a14="http://schemas.microsoft.com/office/drawing/2010/main" w="9525">
-                <a:solidFill>
-                  <a:schemeClr val="tx1"/>
-                </a:solidFill>
-                <a:miter lim="800000"/>
-                <a:headEnd/>
-                <a:tailEnd/>
-              </a14:hiddenLine>
-            </a:ext>
-          </a:extLst>
-        </p:spPr>
-      </p:pic>
-      <p:sp>
-        <p:nvSpPr>
-          <p:cNvPr id="6" name="5 Elipse"/>
-          <p:cNvSpPr/>
-          <p:nvPr/>
-        </p:nvSpPr>
-        <p:spPr>
-          <a:xfrm>
-            <a:off x="8532440" y="2276872"/>
-            <a:ext cx="237681" cy="223557"/>
-          </a:xfrm>
-          <a:prstGeom prst="ellipse">
-            <a:avLst/>
-          </a:prstGeom>
-          <a:solidFill>
-            <a:srgbClr val="0070C0"/>
-          </a:solidFill>
-          <a:ln>
-            <a:noFill/>
-          </a:ln>
-        </p:spPr>
-        <p:style>
-          <a:lnRef idx="2">
-            <a:schemeClr val="accent1">
-              <a:shade val="50000"/>
-            </a:schemeClr>
-          </a:lnRef>
-          <a:fillRef idx="1">
-            <a:schemeClr val="accent1"/>
-          </a:fillRef>
-          <a:effectRef idx="0">
-            <a:schemeClr val="accent1"/>
-          </a:effectRef>
-          <a:fontRef idx="minor">
-            <a:schemeClr val="lt1"/>
-          </a:fontRef>
-        </p:style>
-        <p:txBody>
-          <a:bodyPr rtlCol="0" anchor="ctr"/>
-          <a:lstStyle/>
-          <a:p>
-            <a:pPr algn="ctr"/>
-            <a:r>
-              <a:rPr lang="en-GB" sz="1200" dirty="0" smtClean="0"/>
-              <a:t>1</a:t>
-            </a:r>
-            <a:endParaRPr lang="en-GB" sz="1200" dirty="0"/>
-          </a:p>
-        </p:txBody>
-      </p:sp>
-      <p:sp>
-        <p:nvSpPr>
-          <p:cNvPr id="7" name="6 Elipse"/>
-          <p:cNvSpPr/>
-          <p:nvPr/>
-        </p:nvSpPr>
-        <p:spPr>
-          <a:xfrm>
-            <a:off x="8532439" y="3068960"/>
-            <a:ext cx="237681" cy="223557"/>
-          </a:xfrm>
-          <a:prstGeom prst="ellipse">
-            <a:avLst/>
-          </a:prstGeom>
-          <a:solidFill>
-            <a:srgbClr val="0070C0"/>
-          </a:solidFill>
-          <a:ln>
-            <a:noFill/>
-          </a:ln>
-        </p:spPr>
-        <p:style>
-          <a:lnRef idx="2">
-            <a:schemeClr val="accent1">
-              <a:shade val="50000"/>
-            </a:schemeClr>
-          </a:lnRef>
-          <a:fillRef idx="1">
-            <a:schemeClr val="accent1"/>
-          </a:fillRef>
-          <a:effectRef idx="0">
-            <a:schemeClr val="accent1"/>
-          </a:effectRef>
-          <a:fontRef idx="minor">
-            <a:schemeClr val="lt1"/>
-          </a:fontRef>
-        </p:style>
-        <p:txBody>
-          <a:bodyPr rtlCol="0" anchor="ctr"/>
-          <a:lstStyle/>
-          <a:p>
-            <a:pPr algn="ctr"/>
-            <a:r>
-              <a:rPr lang="en-GB" sz="1200" dirty="0" smtClean="0"/>
-              <a:t>2</a:t>
-            </a:r>
-            <a:endParaRPr lang="en-GB" sz="1200" dirty="0"/>
-          </a:p>
-        </p:txBody>
-      </p:sp>
-    </p:spTree>
-    <p:extLst>
-      <p:ext uri="{BB962C8B-B14F-4D97-AF65-F5344CB8AC3E}">
-        <p14:creationId xmlns:p14="http://schemas.microsoft.com/office/powerpoint/2010/main" val="3783672564"/>
       </p:ext>
     </p:extLst>
   </p:cSld>
@@ -6066,6 +6644,188 @@
       </p:grpSpPr>
       <p:pic>
         <p:nvPicPr>
+          <p:cNvPr id="5" name="Picture 2"/>
+          <p:cNvPicPr>
+            <a:picLocks noChangeAspect="1" noChangeArrowheads="1"/>
+          </p:cNvPicPr>
+          <p:nvPr/>
+        </p:nvPicPr>
+        <p:blipFill rotWithShape="1">
+          <a:blip r:embed="rId2">
+            <a:extLst>
+              <a:ext uri="{28A0092B-C50C-407E-A947-70E740481C1C}">
+                <a14:useLocalDpi xmlns:a14="http://schemas.microsoft.com/office/drawing/2010/main" val="0"/>
+              </a:ext>
+            </a:extLst>
+          </a:blip>
+          <a:srcRect l="8275" t="9476" r="9092" b="15927"/>
+          <a:stretch/>
+        </p:blipFill>
+        <p:spPr bwMode="auto">
+          <a:xfrm>
+            <a:off x="44408" y="1113789"/>
+            <a:ext cx="9078384" cy="4607684"/>
+          </a:xfrm>
+          <a:prstGeom prst="rect">
+            <a:avLst/>
+          </a:prstGeom>
+          <a:noFill/>
+          <a:ln>
+            <a:noFill/>
+          </a:ln>
+          <a:extLst>
+            <a:ext uri="{909E8E84-426E-40DD-AFC4-6F175D3DCCD1}">
+              <a14:hiddenFill xmlns:a14="http://schemas.microsoft.com/office/drawing/2010/main">
+                <a:solidFill>
+                  <a:schemeClr val="accent1"/>
+                </a:solidFill>
+              </a14:hiddenFill>
+            </a:ext>
+            <a:ext uri="{91240B29-F687-4F45-9708-019B960494DF}">
+              <a14:hiddenLine xmlns:a14="http://schemas.microsoft.com/office/drawing/2010/main" w="9525">
+                <a:solidFill>
+                  <a:schemeClr val="tx1"/>
+                </a:solidFill>
+                <a:miter lim="800000"/>
+                <a:headEnd/>
+                <a:tailEnd/>
+              </a14:hiddenLine>
+            </a:ext>
+          </a:extLst>
+        </p:spPr>
+      </p:pic>
+      <p:sp>
+        <p:nvSpPr>
+          <p:cNvPr id="6" name="5 Elipse"/>
+          <p:cNvSpPr/>
+          <p:nvPr/>
+        </p:nvSpPr>
+        <p:spPr>
+          <a:xfrm>
+            <a:off x="8532440" y="2276872"/>
+            <a:ext cx="237681" cy="223557"/>
+          </a:xfrm>
+          <a:prstGeom prst="ellipse">
+            <a:avLst/>
+          </a:prstGeom>
+          <a:solidFill>
+            <a:srgbClr val="0070C0"/>
+          </a:solidFill>
+          <a:ln>
+            <a:noFill/>
+          </a:ln>
+        </p:spPr>
+        <p:style>
+          <a:lnRef idx="2">
+            <a:schemeClr val="accent1">
+              <a:shade val="50000"/>
+            </a:schemeClr>
+          </a:lnRef>
+          <a:fillRef idx="1">
+            <a:schemeClr val="accent1"/>
+          </a:fillRef>
+          <a:effectRef idx="0">
+            <a:schemeClr val="accent1"/>
+          </a:effectRef>
+          <a:fontRef idx="minor">
+            <a:schemeClr val="lt1"/>
+          </a:fontRef>
+        </p:style>
+        <p:txBody>
+          <a:bodyPr rtlCol="0" anchor="ctr"/>
+          <a:lstStyle/>
+          <a:p>
+            <a:pPr algn="ctr"/>
+            <a:r>
+              <a:rPr lang="en-GB" sz="1200" dirty="0" smtClean="0"/>
+              <a:t>1</a:t>
+            </a:r>
+            <a:endParaRPr lang="en-GB" sz="1200" dirty="0"/>
+          </a:p>
+        </p:txBody>
+      </p:sp>
+      <p:sp>
+        <p:nvSpPr>
+          <p:cNvPr id="7" name="6 Elipse"/>
+          <p:cNvSpPr/>
+          <p:nvPr/>
+        </p:nvSpPr>
+        <p:spPr>
+          <a:xfrm>
+            <a:off x="8532439" y="3068960"/>
+            <a:ext cx="237681" cy="223557"/>
+          </a:xfrm>
+          <a:prstGeom prst="ellipse">
+            <a:avLst/>
+          </a:prstGeom>
+          <a:solidFill>
+            <a:srgbClr val="0070C0"/>
+          </a:solidFill>
+          <a:ln>
+            <a:noFill/>
+          </a:ln>
+        </p:spPr>
+        <p:style>
+          <a:lnRef idx="2">
+            <a:schemeClr val="accent1">
+              <a:shade val="50000"/>
+            </a:schemeClr>
+          </a:lnRef>
+          <a:fillRef idx="1">
+            <a:schemeClr val="accent1"/>
+          </a:fillRef>
+          <a:effectRef idx="0">
+            <a:schemeClr val="accent1"/>
+          </a:effectRef>
+          <a:fontRef idx="minor">
+            <a:schemeClr val="lt1"/>
+          </a:fontRef>
+        </p:style>
+        <p:txBody>
+          <a:bodyPr rtlCol="0" anchor="ctr"/>
+          <a:lstStyle/>
+          <a:p>
+            <a:pPr algn="ctr"/>
+            <a:r>
+              <a:rPr lang="en-GB" sz="1200" dirty="0" smtClean="0"/>
+              <a:t>2</a:t>
+            </a:r>
+            <a:endParaRPr lang="en-GB" sz="1200" dirty="0"/>
+          </a:p>
+        </p:txBody>
+      </p:sp>
+    </p:spTree>
+    <p:extLst>
+      <p:ext uri="{BB962C8B-B14F-4D97-AF65-F5344CB8AC3E}">
+        <p14:creationId xmlns:p14="http://schemas.microsoft.com/office/powerpoint/2010/main" val="3783672564"/>
+      </p:ext>
+    </p:extLst>
+  </p:cSld>
+  <p:clrMapOvr>
+    <a:masterClrMapping/>
+  </p:clrMapOvr>
+</p:sld>
+</file>
+
+<file path=ppt/slides/slide18.xml><?xml version="1.0" encoding="utf-8"?>
+<p:sld xmlns:a="http://schemas.openxmlformats.org/drawingml/2006/main" xmlns:r="http://schemas.openxmlformats.org/officeDocument/2006/relationships" xmlns:p="http://schemas.openxmlformats.org/presentationml/2006/main">
+  <p:cSld>
+    <p:spTree>
+      <p:nvGrpSpPr>
+        <p:cNvPr id="1" name=""/>
+        <p:cNvGrpSpPr/>
+        <p:nvPr/>
+      </p:nvGrpSpPr>
+      <p:grpSpPr>
+        <a:xfrm>
+          <a:off x="0" y="0"/>
+          <a:ext cx="0" cy="0"/>
+          <a:chOff x="0" y="0"/>
+          <a:chExt cx="0" cy="0"/>
+        </a:xfrm>
+      </p:grpSpPr>
+      <p:pic>
+        <p:nvPicPr>
           <p:cNvPr id="1025" name="Picture 1"/>
           <p:cNvPicPr>
             <a:picLocks noChangeAspect="1" noChangeArrowheads="1"/>
@@ -6073,7 +6833,7 @@
           <p:nvPr/>
         </p:nvPicPr>
         <p:blipFill>
-          <a:blip r:embed="rId2">
+          <a:blip>
             <a:extLst>
               <a:ext uri="{28A0092B-C50C-407E-A947-70E740481C1C}">
                 <a14:useLocalDpi xmlns:a14="http://schemas.microsoft.com/office/drawing/2010/main" val="0"/>
@@ -6141,7 +6901,7 @@
 </p:sld>
 </file>
 
-<file path=ppt/slides/slide18.xml><?xml version="1.0" encoding="utf-8"?>
+<file path=ppt/slides/slide19.xml><?xml version="1.0" encoding="utf-8"?>
 <p:sld xmlns:a="http://schemas.openxmlformats.org/drawingml/2006/main" xmlns:r="http://schemas.openxmlformats.org/officeDocument/2006/relationships" xmlns:p="http://schemas.openxmlformats.org/presentationml/2006/main">
   <p:cSld>
     <p:spTree>
@@ -6226,88 +6986,6 @@
     <p:extLst>
       <p:ext uri="{BB962C8B-B14F-4D97-AF65-F5344CB8AC3E}">
         <p14:creationId xmlns:p14="http://schemas.microsoft.com/office/powerpoint/2010/main" val="704962854"/>
-      </p:ext>
-    </p:extLst>
-  </p:cSld>
-  <p:clrMapOvr>
-    <a:masterClrMapping/>
-  </p:clrMapOvr>
-</p:sld>
-</file>
-
-<file path=ppt/slides/slide19.xml><?xml version="1.0" encoding="utf-8"?>
-<p:sld xmlns:a="http://schemas.openxmlformats.org/drawingml/2006/main" xmlns:r="http://schemas.openxmlformats.org/officeDocument/2006/relationships" xmlns:p="http://schemas.openxmlformats.org/presentationml/2006/main">
-  <p:cSld>
-    <p:spTree>
-      <p:nvGrpSpPr>
-        <p:cNvPr id="1" name=""/>
-        <p:cNvGrpSpPr/>
-        <p:nvPr/>
-      </p:nvGrpSpPr>
-      <p:grpSpPr>
-        <a:xfrm>
-          <a:off x="0" y="0"/>
-          <a:ext cx="0" cy="0"/>
-          <a:chOff x="0" y="0"/>
-          <a:chExt cx="0" cy="0"/>
-        </a:xfrm>
-      </p:grpSpPr>
-      <p:pic>
-        <p:nvPicPr>
-          <p:cNvPr id="6" name="Picture 3"/>
-          <p:cNvPicPr>
-            <a:picLocks noChangeAspect="1" noChangeArrowheads="1"/>
-          </p:cNvPicPr>
-          <p:nvPr/>
-        </p:nvPicPr>
-        <p:blipFill rotWithShape="1">
-          <a:blip r:embed="rId2">
-            <a:extLst>
-              <a:ext uri="{28A0092B-C50C-407E-A947-70E740481C1C}">
-                <a14:useLocalDpi xmlns:a14="http://schemas.microsoft.com/office/drawing/2010/main" val="0"/>
-              </a:ext>
-            </a:extLst>
-          </a:blip>
-          <a:srcRect l="9408" t="8729" r="10014" b="7220"/>
-          <a:stretch/>
-        </p:blipFill>
-        <p:spPr bwMode="auto">
-          <a:xfrm>
-            <a:off x="-709449" y="409902"/>
-            <a:ext cx="10484069" cy="6148553"/>
-          </a:xfrm>
-          <a:prstGeom prst="rect">
-            <a:avLst/>
-          </a:prstGeom>
-          <a:noFill/>
-          <a:ln>
-            <a:noFill/>
-          </a:ln>
-          <a:extLst>
-            <a:ext uri="{909E8E84-426E-40DD-AFC4-6F175D3DCCD1}">
-              <a14:hiddenFill xmlns:a14="http://schemas.microsoft.com/office/drawing/2010/main">
-                <a:solidFill>
-                  <a:schemeClr val="accent1"/>
-                </a:solidFill>
-              </a14:hiddenFill>
-            </a:ext>
-            <a:ext uri="{91240B29-F687-4F45-9708-019B960494DF}">
-              <a14:hiddenLine xmlns:a14="http://schemas.microsoft.com/office/drawing/2010/main" w="9525">
-                <a:solidFill>
-                  <a:schemeClr val="tx1"/>
-                </a:solidFill>
-                <a:miter lim="800000"/>
-                <a:headEnd/>
-                <a:tailEnd/>
-              </a14:hiddenLine>
-            </a:ext>
-          </a:extLst>
-        </p:spPr>
-      </p:pic>
-    </p:spTree>
-    <p:extLst>
-      <p:ext uri="{BB962C8B-B14F-4D97-AF65-F5344CB8AC3E}">
-        <p14:creationId xmlns:p14="http://schemas.microsoft.com/office/powerpoint/2010/main" val="3889885499"/>
       </p:ext>
     </p:extLst>
   </p:cSld>
@@ -6456,7 +7134,7 @@
       </p:grpSpPr>
       <p:pic>
         <p:nvPicPr>
-          <p:cNvPr id="5" name="Picture 2"/>
+          <p:cNvPr id="6" name="Picture 3"/>
           <p:cNvPicPr>
             <a:picLocks noChangeAspect="1" noChangeArrowheads="1"/>
           </p:cNvPicPr>
@@ -6470,13 +7148,13 @@
               </a:ext>
             </a:extLst>
           </a:blip>
-          <a:srcRect l="8955" t="9072" r="9999" b="11492"/>
+          <a:srcRect l="9408" t="8729" r="10014" b="7220"/>
           <a:stretch/>
         </p:blipFill>
         <p:spPr bwMode="auto">
           <a:xfrm>
-            <a:off x="-618902" y="476672"/>
-            <a:ext cx="10545097" cy="5810865"/>
+            <a:off x="-709449" y="409902"/>
+            <a:ext cx="10484069" cy="6148553"/>
           </a:xfrm>
           <a:prstGeom prst="rect">
             <a:avLst/>
@@ -6506,6 +7184,88 @@
           </a:extLst>
         </p:spPr>
       </p:pic>
+    </p:spTree>
+    <p:extLst>
+      <p:ext uri="{BB962C8B-B14F-4D97-AF65-F5344CB8AC3E}">
+        <p14:creationId xmlns:p14="http://schemas.microsoft.com/office/powerpoint/2010/main" val="3889885499"/>
+      </p:ext>
+    </p:extLst>
+  </p:cSld>
+  <p:clrMapOvr>
+    <a:masterClrMapping/>
+  </p:clrMapOvr>
+</p:sld>
+</file>
+
+<file path=ppt/slides/slide21.xml><?xml version="1.0" encoding="utf-8"?>
+<p:sld xmlns:a="http://schemas.openxmlformats.org/drawingml/2006/main" xmlns:r="http://schemas.openxmlformats.org/officeDocument/2006/relationships" xmlns:p="http://schemas.openxmlformats.org/presentationml/2006/main">
+  <p:cSld>
+    <p:spTree>
+      <p:nvGrpSpPr>
+        <p:cNvPr id="1" name=""/>
+        <p:cNvGrpSpPr/>
+        <p:nvPr/>
+      </p:nvGrpSpPr>
+      <p:grpSpPr>
+        <a:xfrm>
+          <a:off x="0" y="0"/>
+          <a:ext cx="0" cy="0"/>
+          <a:chOff x="0" y="0"/>
+          <a:chExt cx="0" cy="0"/>
+        </a:xfrm>
+      </p:grpSpPr>
+      <p:pic>
+        <p:nvPicPr>
+          <p:cNvPr id="5" name="Picture 2"/>
+          <p:cNvPicPr>
+            <a:picLocks noChangeAspect="1" noChangeArrowheads="1"/>
+          </p:cNvPicPr>
+          <p:nvPr/>
+        </p:nvPicPr>
+        <p:blipFill rotWithShape="1">
+          <a:blip r:embed="rId2">
+            <a:extLst>
+              <a:ext uri="{28A0092B-C50C-407E-A947-70E740481C1C}">
+                <a14:useLocalDpi xmlns:a14="http://schemas.microsoft.com/office/drawing/2010/main" val="0"/>
+              </a:ext>
+            </a:extLst>
+          </a:blip>
+          <a:srcRect l="8955" t="9072" r="9999" b="11492"/>
+          <a:stretch/>
+        </p:blipFill>
+        <p:spPr bwMode="auto">
+          <a:xfrm>
+            <a:off x="-618902" y="476672"/>
+            <a:ext cx="10545097" cy="5810865"/>
+          </a:xfrm>
+          <a:prstGeom prst="rect">
+            <a:avLst/>
+          </a:prstGeom>
+          <a:noFill/>
+          <a:ln>
+            <a:noFill/>
+          </a:ln>
+          <a:extLst>
+            <a:ext uri="{909E8E84-426E-40DD-AFC4-6F175D3DCCD1}">
+              <a14:hiddenFill xmlns:a14="http://schemas.microsoft.com/office/drawing/2010/main">
+                <a:solidFill>
+                  <a:schemeClr val="accent1"/>
+                </a:solidFill>
+              </a14:hiddenFill>
+            </a:ext>
+            <a:ext uri="{91240B29-F687-4F45-9708-019B960494DF}">
+              <a14:hiddenLine xmlns:a14="http://schemas.microsoft.com/office/drawing/2010/main" w="9525">
+                <a:solidFill>
+                  <a:schemeClr val="tx1"/>
+                </a:solidFill>
+                <a:miter lim="800000"/>
+                <a:headEnd/>
+                <a:tailEnd/>
+              </a14:hiddenLine>
+            </a:ext>
+          </a:extLst>
+        </p:spPr>
+      </p:pic>
       <p:sp>
         <p:nvSpPr>
           <p:cNvPr id="7" name="6 Elipse"/>
@@ -6819,7 +7579,7 @@
 </p:sld>
 </file>
 
-<file path=ppt/slides/slide21.xml><?xml version="1.0" encoding="utf-8"?>
+<file path=ppt/slides/slide22.xml><?xml version="1.0" encoding="utf-8"?>
 <p:sld xmlns:a="http://schemas.openxmlformats.org/drawingml/2006/main" xmlns:r="http://schemas.openxmlformats.org/officeDocument/2006/relationships" xmlns:p="http://schemas.openxmlformats.org/presentationml/2006/main">
   <p:cSld>
     <p:spTree>
@@ -6913,7 +7673,7 @@
 </p:sld>
 </file>
 
-<file path=ppt/slides/slide22.xml><?xml version="1.0" encoding="utf-8"?>
+<file path=ppt/slides/slide23.xml><?xml version="1.0" encoding="utf-8"?>
 <p:sld xmlns:a="http://schemas.openxmlformats.org/drawingml/2006/main" xmlns:r="http://schemas.openxmlformats.org/officeDocument/2006/relationships" xmlns:p="http://schemas.openxmlformats.org/presentationml/2006/main">
   <p:cSld>
     <p:spTree>
@@ -6998,88 +7758,6 @@
     <p:extLst>
       <p:ext uri="{BB962C8B-B14F-4D97-AF65-F5344CB8AC3E}">
         <p14:creationId xmlns:p14="http://schemas.microsoft.com/office/powerpoint/2010/main" val="3253886161"/>
-      </p:ext>
-    </p:extLst>
-  </p:cSld>
-  <p:clrMapOvr>
-    <a:masterClrMapping/>
-  </p:clrMapOvr>
-</p:sld>
-</file>
-
-<file path=ppt/slides/slide23.xml><?xml version="1.0" encoding="utf-8"?>
-<p:sld xmlns:a="http://schemas.openxmlformats.org/drawingml/2006/main" xmlns:r="http://schemas.openxmlformats.org/officeDocument/2006/relationships" xmlns:p="http://schemas.openxmlformats.org/presentationml/2006/main">
-  <p:cSld>
-    <p:spTree>
-      <p:nvGrpSpPr>
-        <p:cNvPr id="1" name=""/>
-        <p:cNvGrpSpPr/>
-        <p:nvPr/>
-      </p:nvGrpSpPr>
-      <p:grpSpPr>
-        <a:xfrm>
-          <a:off x="0" y="0"/>
-          <a:ext cx="0" cy="0"/>
-          <a:chOff x="0" y="0"/>
-          <a:chExt cx="0" cy="0"/>
-        </a:xfrm>
-      </p:grpSpPr>
-      <p:pic>
-        <p:nvPicPr>
-          <p:cNvPr id="12" name="Picture 2"/>
-          <p:cNvPicPr>
-            <a:picLocks noChangeAspect="1" noChangeArrowheads="1"/>
-          </p:cNvPicPr>
-          <p:nvPr/>
-        </p:nvPicPr>
-        <p:blipFill rotWithShape="1">
-          <a:blip r:embed="rId2">
-            <a:extLst>
-              <a:ext uri="{28A0092B-C50C-407E-A947-70E740481C1C}">
-                <a14:useLocalDpi xmlns:a14="http://schemas.microsoft.com/office/drawing/2010/main" val="0"/>
-              </a:ext>
-            </a:extLst>
-          </a:blip>
-          <a:srcRect l="8724" t="15948" r="10093" b="59052"/>
-          <a:stretch/>
-        </p:blipFill>
-        <p:spPr bwMode="auto">
-          <a:xfrm>
-            <a:off x="-396552" y="1628800"/>
-            <a:ext cx="10562897" cy="1828800"/>
-          </a:xfrm>
-          <a:prstGeom prst="rect">
-            <a:avLst/>
-          </a:prstGeom>
-          <a:noFill/>
-          <a:ln>
-            <a:noFill/>
-          </a:ln>
-          <a:extLst>
-            <a:ext uri="{909E8E84-426E-40DD-AFC4-6F175D3DCCD1}">
-              <a14:hiddenFill xmlns:a14="http://schemas.microsoft.com/office/drawing/2010/main">
-                <a:solidFill>
-                  <a:schemeClr val="accent1"/>
-                </a:solidFill>
-              </a14:hiddenFill>
-            </a:ext>
-            <a:ext uri="{91240B29-F687-4F45-9708-019B960494DF}">
-              <a14:hiddenLine xmlns:a14="http://schemas.microsoft.com/office/drawing/2010/main" w="9525">
-                <a:solidFill>
-                  <a:schemeClr val="tx1"/>
-                </a:solidFill>
-                <a:miter lim="800000"/>
-                <a:headEnd/>
-                <a:tailEnd/>
-              </a14:hiddenLine>
-            </a:ext>
-          </a:extLst>
-        </p:spPr>
-      </p:pic>
-    </p:spTree>
-    <p:extLst>
-      <p:ext uri="{BB962C8B-B14F-4D97-AF65-F5344CB8AC3E}">
-        <p14:creationId xmlns:p14="http://schemas.microsoft.com/office/powerpoint/2010/main" val="2435810611"/>
       </p:ext>
     </p:extLst>
   </p:cSld>
@@ -7122,13 +7800,13 @@
               </a:ext>
             </a:extLst>
           </a:blip>
-          <a:srcRect l="9451" t="32112" r="10456" b="38793"/>
+          <a:srcRect l="8724" t="15948" r="10093" b="59052"/>
           <a:stretch/>
         </p:blipFill>
         <p:spPr bwMode="auto">
           <a:xfrm>
-            <a:off x="-324544" y="2067813"/>
-            <a:ext cx="10421007" cy="2128345"/>
+            <a:off x="-396552" y="1628800"/>
+            <a:ext cx="10562897" cy="1828800"/>
           </a:xfrm>
           <a:prstGeom prst="rect">
             <a:avLst/>
@@ -7158,6 +7836,88 @@
           </a:extLst>
         </p:spPr>
       </p:pic>
+    </p:spTree>
+    <p:extLst>
+      <p:ext uri="{BB962C8B-B14F-4D97-AF65-F5344CB8AC3E}">
+        <p14:creationId xmlns:p14="http://schemas.microsoft.com/office/powerpoint/2010/main" val="2435810611"/>
+      </p:ext>
+    </p:extLst>
+  </p:cSld>
+  <p:clrMapOvr>
+    <a:masterClrMapping/>
+  </p:clrMapOvr>
+</p:sld>
+</file>
+
+<file path=ppt/slides/slide25.xml><?xml version="1.0" encoding="utf-8"?>
+<p:sld xmlns:a="http://schemas.openxmlformats.org/drawingml/2006/main" xmlns:r="http://schemas.openxmlformats.org/officeDocument/2006/relationships" xmlns:p="http://schemas.openxmlformats.org/presentationml/2006/main">
+  <p:cSld>
+    <p:spTree>
+      <p:nvGrpSpPr>
+        <p:cNvPr id="1" name=""/>
+        <p:cNvGrpSpPr/>
+        <p:nvPr/>
+      </p:nvGrpSpPr>
+      <p:grpSpPr>
+        <a:xfrm>
+          <a:off x="0" y="0"/>
+          <a:ext cx="0" cy="0"/>
+          <a:chOff x="0" y="0"/>
+          <a:chExt cx="0" cy="0"/>
+        </a:xfrm>
+      </p:grpSpPr>
+      <p:pic>
+        <p:nvPicPr>
+          <p:cNvPr id="12" name="Picture 2"/>
+          <p:cNvPicPr>
+            <a:picLocks noChangeAspect="1" noChangeArrowheads="1"/>
+          </p:cNvPicPr>
+          <p:nvPr/>
+        </p:nvPicPr>
+        <p:blipFill rotWithShape="1">
+          <a:blip r:embed="rId2">
+            <a:extLst>
+              <a:ext uri="{28A0092B-C50C-407E-A947-70E740481C1C}">
+                <a14:useLocalDpi xmlns:a14="http://schemas.microsoft.com/office/drawing/2010/main" val="0"/>
+              </a:ext>
+            </a:extLst>
+          </a:blip>
+          <a:srcRect l="9451" t="32112" r="10456" b="38793"/>
+          <a:stretch/>
+        </p:blipFill>
+        <p:spPr bwMode="auto">
+          <a:xfrm>
+            <a:off x="-324544" y="2067813"/>
+            <a:ext cx="10421007" cy="2128345"/>
+          </a:xfrm>
+          <a:prstGeom prst="rect">
+            <a:avLst/>
+          </a:prstGeom>
+          <a:noFill/>
+          <a:ln>
+            <a:noFill/>
+          </a:ln>
+          <a:extLst>
+            <a:ext uri="{909E8E84-426E-40DD-AFC4-6F175D3DCCD1}">
+              <a14:hiddenFill xmlns:a14="http://schemas.microsoft.com/office/drawing/2010/main">
+                <a:solidFill>
+                  <a:schemeClr val="accent1"/>
+                </a:solidFill>
+              </a14:hiddenFill>
+            </a:ext>
+            <a:ext uri="{91240B29-F687-4F45-9708-019B960494DF}">
+              <a14:hiddenLine xmlns:a14="http://schemas.microsoft.com/office/drawing/2010/main" w="9525">
+                <a:solidFill>
+                  <a:schemeClr val="tx1"/>
+                </a:solidFill>
+                <a:miter lim="800000"/>
+                <a:headEnd/>
+                <a:tailEnd/>
+              </a14:hiddenLine>
+            </a:ext>
+          </a:extLst>
+        </p:spPr>
+      </p:pic>
       <p:sp>
         <p:nvSpPr>
           <p:cNvPr id="6" name="5 Elipse"/>
@@ -7271,7 +8031,7 @@
 </p:sld>
 </file>
 
-<file path=ppt/slides/slide25.xml><?xml version="1.0" encoding="utf-8"?>
+<file path=ppt/slides/slide26.xml><?xml version="1.0" encoding="utf-8"?>
 <p:sld xmlns:a="http://schemas.openxmlformats.org/drawingml/2006/main" xmlns:r="http://schemas.openxmlformats.org/officeDocument/2006/relationships" xmlns:p="http://schemas.openxmlformats.org/presentationml/2006/main">
   <p:cSld>
     <p:spTree>
@@ -7365,7 +8125,7 @@
 </p:sld>
 </file>
 
-<file path=ppt/slides/slide26.xml><?xml version="1.0" encoding="utf-8"?>
+<file path=ppt/slides/slide27.xml><?xml version="1.0" encoding="utf-8"?>
 <p:sld xmlns:a="http://schemas.openxmlformats.org/drawingml/2006/main" xmlns:r="http://schemas.openxmlformats.org/officeDocument/2006/relationships" xmlns:p="http://schemas.openxmlformats.org/presentationml/2006/main">
   <p:cSld>
     <p:spTree>
@@ -7459,7 +8219,7 @@
 </p:sld>
 </file>
 
-<file path=ppt/slides/slide27.xml><?xml version="1.0" encoding="utf-8"?>
+<file path=ppt/slides/slide28.xml><?xml version="1.0" encoding="utf-8"?>
 <p:sld xmlns:a="http://schemas.openxmlformats.org/drawingml/2006/main" xmlns:r="http://schemas.openxmlformats.org/officeDocument/2006/relationships" xmlns:p="http://schemas.openxmlformats.org/presentationml/2006/main">
   <p:cSld>
     <p:spTree>
@@ -7532,138 +8292,6 @@
     <p:extLst>
       <p:ext uri="{BB962C8B-B14F-4D97-AF65-F5344CB8AC3E}">
         <p14:creationId xmlns:p14="http://schemas.microsoft.com/office/powerpoint/2010/main" val="1614227065"/>
-      </p:ext>
-    </p:extLst>
-  </p:cSld>
-  <p:clrMapOvr>
-    <a:masterClrMapping/>
-  </p:clrMapOvr>
-</p:sld>
-</file>
-
-<file path=ppt/slides/slide28.xml><?xml version="1.0" encoding="utf-8"?>
-<p:sld xmlns:a="http://schemas.openxmlformats.org/drawingml/2006/main" xmlns:r="http://schemas.openxmlformats.org/officeDocument/2006/relationships" xmlns:p="http://schemas.openxmlformats.org/presentationml/2006/main">
-  <p:cSld>
-    <p:spTree>
-      <p:nvGrpSpPr>
-        <p:cNvPr id="1" name=""/>
-        <p:cNvGrpSpPr/>
-        <p:nvPr/>
-      </p:nvGrpSpPr>
-      <p:grpSpPr>
-        <a:xfrm>
-          <a:off x="0" y="0"/>
-          <a:ext cx="0" cy="0"/>
-          <a:chOff x="0" y="0"/>
-          <a:chExt cx="0" cy="0"/>
-        </a:xfrm>
-      </p:grpSpPr>
-      <p:pic>
-        <p:nvPicPr>
-          <p:cNvPr id="3" name="Picture 2"/>
-          <p:cNvPicPr>
-            <a:picLocks noChangeAspect="1" noChangeArrowheads="1"/>
-          </p:cNvPicPr>
-          <p:nvPr/>
-        </p:nvPicPr>
-        <p:blipFill rotWithShape="1">
-          <a:blip r:embed="rId2">
-            <a:extLst>
-              <a:ext uri="{28A0092B-C50C-407E-A947-70E740481C1C}">
-                <a14:useLocalDpi xmlns:a14="http://schemas.microsoft.com/office/drawing/2010/main" val="0"/>
-              </a:ext>
-            </a:extLst>
-          </a:blip>
-          <a:srcRect l="9068" t="21774" r="10225" b="42339"/>
-          <a:stretch/>
-        </p:blipFill>
-        <p:spPr bwMode="auto">
-          <a:xfrm>
-            <a:off x="-756592" y="1772816"/>
-            <a:ext cx="10500853" cy="2625213"/>
-          </a:xfrm>
-          <a:prstGeom prst="rect">
-            <a:avLst/>
-          </a:prstGeom>
-          <a:noFill/>
-          <a:ln>
-            <a:noFill/>
-          </a:ln>
-          <a:extLst>
-            <a:ext uri="{909E8E84-426E-40DD-AFC4-6F175D3DCCD1}">
-              <a14:hiddenFill xmlns:a14="http://schemas.microsoft.com/office/drawing/2010/main">
-                <a:solidFill>
-                  <a:schemeClr val="accent1"/>
-                </a:solidFill>
-              </a14:hiddenFill>
-            </a:ext>
-            <a:ext uri="{91240B29-F687-4F45-9708-019B960494DF}">
-              <a14:hiddenLine xmlns:a14="http://schemas.microsoft.com/office/drawing/2010/main" w="9525">
-                <a:solidFill>
-                  <a:schemeClr val="tx1"/>
-                </a:solidFill>
-                <a:miter lim="800000"/>
-                <a:headEnd/>
-                <a:tailEnd/>
-              </a14:hiddenLine>
-            </a:ext>
-          </a:extLst>
-        </p:spPr>
-      </p:pic>
-      <p:sp>
-        <p:nvSpPr>
-          <p:cNvPr id="4" name="3 Elipse"/>
-          <p:cNvSpPr/>
-          <p:nvPr/>
-        </p:nvSpPr>
-        <p:spPr>
-          <a:xfrm>
-            <a:off x="9238232" y="2481036"/>
-            <a:ext cx="237681" cy="223557"/>
-          </a:xfrm>
-          <a:prstGeom prst="ellipse">
-            <a:avLst/>
-          </a:prstGeom>
-          <a:solidFill>
-            <a:srgbClr val="0070C0"/>
-          </a:solidFill>
-          <a:ln>
-            <a:noFill/>
-          </a:ln>
-        </p:spPr>
-        <p:style>
-          <a:lnRef idx="2">
-            <a:schemeClr val="accent1">
-              <a:shade val="50000"/>
-            </a:schemeClr>
-          </a:lnRef>
-          <a:fillRef idx="1">
-            <a:schemeClr val="accent1"/>
-          </a:fillRef>
-          <a:effectRef idx="0">
-            <a:schemeClr val="accent1"/>
-          </a:effectRef>
-          <a:fontRef idx="minor">
-            <a:schemeClr val="lt1"/>
-          </a:fontRef>
-        </p:style>
-        <p:txBody>
-          <a:bodyPr rtlCol="0" anchor="ctr"/>
-          <a:lstStyle/>
-          <a:p>
-            <a:pPr algn="ctr"/>
-            <a:r>
-              <a:rPr lang="en-GB" sz="1200" dirty="0" smtClean="0"/>
-              <a:t>1</a:t>
-            </a:r>
-            <a:endParaRPr lang="en-GB" sz="1200" dirty="0"/>
-          </a:p>
-        </p:txBody>
-      </p:sp>
-    </p:spTree>
-    <p:extLst>
-      <p:ext uri="{BB962C8B-B14F-4D97-AF65-F5344CB8AC3E}">
-        <p14:creationId xmlns:p14="http://schemas.microsoft.com/office/powerpoint/2010/main" val="4151334242"/>
       </p:ext>
     </p:extLst>
   </p:cSld>
@@ -7692,13 +8320,13 @@
       </p:grpSpPr>
       <p:pic>
         <p:nvPicPr>
-          <p:cNvPr id="3074" name="Picture 2"/>
+          <p:cNvPr id="3" name="Picture 2"/>
           <p:cNvPicPr>
             <a:picLocks noChangeAspect="1" noChangeArrowheads="1"/>
           </p:cNvPicPr>
           <p:nvPr/>
         </p:nvPicPr>
-        <p:blipFill>
+        <p:blipFill rotWithShape="1">
           <a:blip r:embed="rId2">
             <a:extLst>
               <a:ext uri="{28A0092B-C50C-407E-A947-70E740481C1C}">
@@ -7706,15 +8334,13 @@
               </a:ext>
             </a:extLst>
           </a:blip>
-          <a:srcRect/>
-          <a:stretch>
-            <a:fillRect/>
-          </a:stretch>
+          <a:srcRect l="9068" t="21774" r="10225" b="42339"/>
+          <a:stretch/>
         </p:blipFill>
         <p:spPr bwMode="auto">
           <a:xfrm>
-            <a:off x="-471488" y="2376488"/>
-            <a:ext cx="10086976" cy="2105025"/>
+            <a:off x="-756592" y="1772816"/>
+            <a:ext cx="10500853" cy="2625213"/>
           </a:xfrm>
           <a:prstGeom prst="rect">
             <a:avLst/>
@@ -7723,7 +8349,6 @@
           <a:ln>
             <a:noFill/>
           </a:ln>
-          <a:effectLst/>
           <a:extLst>
             <a:ext uri="{909E8E84-426E-40DD-AFC4-6F175D3DCCD1}">
               <a14:hiddenFill xmlns:a14="http://schemas.microsoft.com/office/drawing/2010/main">
@@ -7742,18 +8367,59 @@
                 <a:tailEnd/>
               </a14:hiddenLine>
             </a:ext>
-            <a:ext uri="{AF507438-7753-43E0-B8FC-AC1667EBCBE1}">
-              <a14:hiddenEffects xmlns:a14="http://schemas.microsoft.com/office/drawing/2010/main">
-                <a:effectLst>
-                  <a:outerShdw dist="35921" dir="2700000" algn="ctr" rotWithShape="0">
-                    <a:schemeClr val="bg2"/>
-                  </a:outerShdw>
-                </a:effectLst>
-              </a14:hiddenEffects>
-            </a:ext>
           </a:extLst>
         </p:spPr>
       </p:pic>
+      <p:sp>
+        <p:nvSpPr>
+          <p:cNvPr id="4" name="3 Elipse"/>
+          <p:cNvSpPr/>
+          <p:nvPr/>
+        </p:nvSpPr>
+        <p:spPr>
+          <a:xfrm>
+            <a:off x="9238232" y="2481036"/>
+            <a:ext cx="237681" cy="223557"/>
+          </a:xfrm>
+          <a:prstGeom prst="ellipse">
+            <a:avLst/>
+          </a:prstGeom>
+          <a:solidFill>
+            <a:srgbClr val="0070C0"/>
+          </a:solidFill>
+          <a:ln>
+            <a:noFill/>
+          </a:ln>
+        </p:spPr>
+        <p:style>
+          <a:lnRef idx="2">
+            <a:schemeClr val="accent1">
+              <a:shade val="50000"/>
+            </a:schemeClr>
+          </a:lnRef>
+          <a:fillRef idx="1">
+            <a:schemeClr val="accent1"/>
+          </a:fillRef>
+          <a:effectRef idx="0">
+            <a:schemeClr val="accent1"/>
+          </a:effectRef>
+          <a:fontRef idx="minor">
+            <a:schemeClr val="lt1"/>
+          </a:fontRef>
+        </p:style>
+        <p:txBody>
+          <a:bodyPr rtlCol="0" anchor="ctr"/>
+          <a:lstStyle/>
+          <a:p>
+            <a:pPr algn="ctr"/>
+            <a:r>
+              <a:rPr lang="en-GB" sz="1200" dirty="0" smtClean="0"/>
+              <a:t>1</a:t>
+            </a:r>
+            <a:endParaRPr lang="en-GB" sz="1200" dirty="0"/>
+          </a:p>
+        </p:txBody>
+      </p:sp>
     </p:spTree>
     <p:extLst>
       <p:ext uri="{BB962C8B-B14F-4D97-AF65-F5344CB8AC3E}">
@@ -7870,7 +8536,7 @@
       </p:grpSpPr>
       <p:pic>
         <p:nvPicPr>
-          <p:cNvPr id="4098" name="Picture 2"/>
+          <p:cNvPr id="3074" name="Picture 2"/>
           <p:cNvPicPr>
             <a:picLocks noChangeAspect="1" noChangeArrowheads="1"/>
           </p:cNvPicPr>
@@ -7891,8 +8557,8 @@
         </p:blipFill>
         <p:spPr bwMode="auto">
           <a:xfrm>
-            <a:off x="-476250" y="1804988"/>
-            <a:ext cx="10096500" cy="3248025"/>
+            <a:off x="-471488" y="2376488"/>
+            <a:ext cx="10086976" cy="2105025"/>
           </a:xfrm>
           <a:prstGeom prst="rect">
             <a:avLst/>
@@ -7964,271 +8630,7 @@
       </p:grpSpPr>
       <p:pic>
         <p:nvPicPr>
-          <p:cNvPr id="5" name="Picture 2"/>
-          <p:cNvPicPr>
-            <a:picLocks noChangeAspect="1" noChangeArrowheads="1"/>
-          </p:cNvPicPr>
-          <p:nvPr/>
-        </p:nvPicPr>
-        <p:blipFill rotWithShape="1">
-          <a:blip r:embed="rId2">
-            <a:extLst>
-              <a:ext uri="{28A0092B-C50C-407E-A947-70E740481C1C}">
-                <a14:useLocalDpi xmlns:a14="http://schemas.microsoft.com/office/drawing/2010/main" val="0"/>
-              </a:ext>
-            </a:extLst>
-          </a:blip>
-          <a:srcRect l="9451" t="26940" r="9850" b="43965"/>
-          <a:stretch/>
-        </p:blipFill>
-        <p:spPr bwMode="auto">
-          <a:xfrm>
-            <a:off x="-540568" y="2132856"/>
-            <a:ext cx="10499835" cy="2128344"/>
-          </a:xfrm>
-          <a:prstGeom prst="rect">
-            <a:avLst/>
-          </a:prstGeom>
-          <a:noFill/>
-          <a:ln>
-            <a:noFill/>
-          </a:ln>
-          <a:extLst>
-            <a:ext uri="{909E8E84-426E-40DD-AFC4-6F175D3DCCD1}">
-              <a14:hiddenFill xmlns:a14="http://schemas.microsoft.com/office/drawing/2010/main">
-                <a:solidFill>
-                  <a:schemeClr val="accent1"/>
-                </a:solidFill>
-              </a14:hiddenFill>
-            </a:ext>
-            <a:ext uri="{91240B29-F687-4F45-9708-019B960494DF}">
-              <a14:hiddenLine xmlns:a14="http://schemas.microsoft.com/office/drawing/2010/main" w="9525">
-                <a:solidFill>
-                  <a:schemeClr val="tx1"/>
-                </a:solidFill>
-                <a:miter lim="800000"/>
-                <a:headEnd/>
-                <a:tailEnd/>
-              </a14:hiddenLine>
-            </a:ext>
-          </a:extLst>
-        </p:spPr>
-      </p:pic>
-    </p:spTree>
-    <p:extLst>
-      <p:ext uri="{BB962C8B-B14F-4D97-AF65-F5344CB8AC3E}">
-        <p14:creationId xmlns:p14="http://schemas.microsoft.com/office/powerpoint/2010/main" val="1229678981"/>
-      </p:ext>
-    </p:extLst>
-  </p:cSld>
-  <p:clrMapOvr>
-    <a:masterClrMapping/>
-  </p:clrMapOvr>
-</p:sld>
-</file>
-
-<file path=ppt/slides/slide32.xml><?xml version="1.0" encoding="utf-8"?>
-<p:sld xmlns:a="http://schemas.openxmlformats.org/drawingml/2006/main" xmlns:r="http://schemas.openxmlformats.org/officeDocument/2006/relationships" xmlns:p="http://schemas.openxmlformats.org/presentationml/2006/main">
-  <p:cSld>
-    <p:spTree>
-      <p:nvGrpSpPr>
-        <p:cNvPr id="1" name=""/>
-        <p:cNvGrpSpPr/>
-        <p:nvPr/>
-      </p:nvGrpSpPr>
-      <p:grpSpPr>
-        <a:xfrm>
-          <a:off x="0" y="0"/>
-          <a:ext cx="0" cy="0"/>
-          <a:chOff x="0" y="0"/>
-          <a:chExt cx="0" cy="0"/>
-        </a:xfrm>
-      </p:grpSpPr>
-      <p:pic>
-        <p:nvPicPr>
-          <p:cNvPr id="10" name="Picture 5"/>
-          <p:cNvPicPr>
-            <a:picLocks noChangeAspect="1" noChangeArrowheads="1"/>
-          </p:cNvPicPr>
-          <p:nvPr/>
-        </p:nvPicPr>
-        <p:blipFill rotWithShape="1">
-          <a:blip r:embed="rId2">
-            <a:extLst>
-              <a:ext uri="{28A0092B-C50C-407E-A947-70E740481C1C}">
-                <a14:useLocalDpi xmlns:a14="http://schemas.microsoft.com/office/drawing/2010/main" val="0"/>
-              </a:ext>
-            </a:extLst>
-          </a:blip>
-          <a:srcRect l="9103" t="21210" r="9956" b="48186"/>
-          <a:stretch/>
-        </p:blipFill>
-        <p:spPr bwMode="auto">
-          <a:xfrm>
-            <a:off x="-495321" y="1700808"/>
-            <a:ext cx="10531366" cy="2238704"/>
-          </a:xfrm>
-          <a:prstGeom prst="rect">
-            <a:avLst/>
-          </a:prstGeom>
-          <a:noFill/>
-          <a:ln>
-            <a:noFill/>
-          </a:ln>
-          <a:extLst>
-            <a:ext uri="{909E8E84-426E-40DD-AFC4-6F175D3DCCD1}">
-              <a14:hiddenFill xmlns:a14="http://schemas.microsoft.com/office/drawing/2010/main">
-                <a:solidFill>
-                  <a:schemeClr val="accent1"/>
-                </a:solidFill>
-              </a14:hiddenFill>
-            </a:ext>
-            <a:ext uri="{91240B29-F687-4F45-9708-019B960494DF}">
-              <a14:hiddenLine xmlns:a14="http://schemas.microsoft.com/office/drawing/2010/main" w="9525">
-                <a:solidFill>
-                  <a:schemeClr val="tx1"/>
-                </a:solidFill>
-                <a:miter lim="800000"/>
-                <a:headEnd/>
-                <a:tailEnd/>
-              </a14:hiddenLine>
-            </a:ext>
-          </a:extLst>
-        </p:spPr>
-      </p:pic>
-      <p:sp>
-        <p:nvSpPr>
-          <p:cNvPr id="3" name="2 Elipse"/>
-          <p:cNvSpPr/>
-          <p:nvPr/>
-        </p:nvSpPr>
-        <p:spPr>
-          <a:xfrm>
-            <a:off x="9478419" y="2433738"/>
-            <a:ext cx="237681" cy="223557"/>
-          </a:xfrm>
-          <a:prstGeom prst="ellipse">
-            <a:avLst/>
-          </a:prstGeom>
-          <a:solidFill>
-            <a:srgbClr val="0070C0"/>
-          </a:solidFill>
-          <a:ln>
-            <a:noFill/>
-          </a:ln>
-        </p:spPr>
-        <p:style>
-          <a:lnRef idx="2">
-            <a:schemeClr val="accent1">
-              <a:shade val="50000"/>
-            </a:schemeClr>
-          </a:lnRef>
-          <a:fillRef idx="1">
-            <a:schemeClr val="accent1"/>
-          </a:fillRef>
-          <a:effectRef idx="0">
-            <a:schemeClr val="accent1"/>
-          </a:effectRef>
-          <a:fontRef idx="minor">
-            <a:schemeClr val="lt1"/>
-          </a:fontRef>
-        </p:style>
-        <p:txBody>
-          <a:bodyPr rtlCol="0" anchor="ctr"/>
-          <a:lstStyle/>
-          <a:p>
-            <a:pPr algn="ctr"/>
-            <a:r>
-              <a:rPr lang="en-GB" sz="1200" dirty="0" smtClean="0"/>
-              <a:t>1</a:t>
-            </a:r>
-            <a:endParaRPr lang="en-GB" sz="1200" dirty="0"/>
-          </a:p>
-        </p:txBody>
-      </p:sp>
-      <p:sp>
-        <p:nvSpPr>
-          <p:cNvPr id="4" name="3 Elipse"/>
-          <p:cNvSpPr/>
-          <p:nvPr/>
-        </p:nvSpPr>
-        <p:spPr>
-          <a:xfrm>
-            <a:off x="9468544" y="3349459"/>
-            <a:ext cx="237681" cy="223557"/>
-          </a:xfrm>
-          <a:prstGeom prst="ellipse">
-            <a:avLst/>
-          </a:prstGeom>
-          <a:solidFill>
-            <a:srgbClr val="0070C0"/>
-          </a:solidFill>
-          <a:ln>
-            <a:noFill/>
-          </a:ln>
-        </p:spPr>
-        <p:style>
-          <a:lnRef idx="2">
-            <a:schemeClr val="accent1">
-              <a:shade val="50000"/>
-            </a:schemeClr>
-          </a:lnRef>
-          <a:fillRef idx="1">
-            <a:schemeClr val="accent1"/>
-          </a:fillRef>
-          <a:effectRef idx="0">
-            <a:schemeClr val="accent1"/>
-          </a:effectRef>
-          <a:fontRef idx="minor">
-            <a:schemeClr val="lt1"/>
-          </a:fontRef>
-        </p:style>
-        <p:txBody>
-          <a:bodyPr rtlCol="0" anchor="ctr"/>
-          <a:lstStyle/>
-          <a:p>
-            <a:pPr algn="ctr"/>
-            <a:r>
-              <a:rPr lang="en-GB" sz="1200" dirty="0" smtClean="0"/>
-              <a:t>2</a:t>
-            </a:r>
-            <a:endParaRPr lang="en-GB" sz="1200" dirty="0"/>
-          </a:p>
-        </p:txBody>
-      </p:sp>
-    </p:spTree>
-    <p:extLst>
-      <p:ext uri="{BB962C8B-B14F-4D97-AF65-F5344CB8AC3E}">
-        <p14:creationId xmlns:p14="http://schemas.microsoft.com/office/powerpoint/2010/main" val="2164536350"/>
-      </p:ext>
-    </p:extLst>
-  </p:cSld>
-  <p:clrMapOvr>
-    <a:masterClrMapping/>
-  </p:clrMapOvr>
-</p:sld>
-</file>
-
-<file path=ppt/slides/slide33.xml><?xml version="1.0" encoding="utf-8"?>
-<p:sld xmlns:a="http://schemas.openxmlformats.org/drawingml/2006/main" xmlns:r="http://schemas.openxmlformats.org/officeDocument/2006/relationships" xmlns:p="http://schemas.openxmlformats.org/presentationml/2006/main">
-  <p:cSld>
-    <p:spTree>
-      <p:nvGrpSpPr>
-        <p:cNvPr id="1" name=""/>
-        <p:cNvGrpSpPr/>
-        <p:nvPr/>
-      </p:nvGrpSpPr>
-      <p:grpSpPr>
-        <a:xfrm>
-          <a:off x="0" y="0"/>
-          <a:ext cx="0" cy="0"/>
-          <a:chOff x="0" y="0"/>
-          <a:chExt cx="0" cy="0"/>
-        </a:xfrm>
-      </p:grpSpPr>
-      <p:pic>
-        <p:nvPicPr>
-          <p:cNvPr id="1026" name="Picture 2"/>
+          <p:cNvPr id="4098" name="Picture 2"/>
           <p:cNvPicPr>
             <a:picLocks noChangeAspect="1" noChangeArrowheads="1"/>
           </p:cNvPicPr>
@@ -8249,8 +8651,8 @@
         </p:blipFill>
         <p:spPr bwMode="auto">
           <a:xfrm>
-            <a:off x="-1311275" y="1803400"/>
-            <a:ext cx="11766550" cy="3249613"/>
+            <a:off x="-476250" y="1804988"/>
+            <a:ext cx="10096500" cy="3248025"/>
           </a:xfrm>
           <a:prstGeom prst="rect">
             <a:avLst/>
@@ -8290,6 +8692,270 @@
           </a:extLst>
         </p:spPr>
       </p:pic>
+    </p:spTree>
+    <p:extLst>
+      <p:ext uri="{BB962C8B-B14F-4D97-AF65-F5344CB8AC3E}">
+        <p14:creationId xmlns:p14="http://schemas.microsoft.com/office/powerpoint/2010/main" val="4151334242"/>
+      </p:ext>
+    </p:extLst>
+  </p:cSld>
+  <p:clrMapOvr>
+    <a:masterClrMapping/>
+  </p:clrMapOvr>
+</p:sld>
+</file>
+
+<file path=ppt/slides/slide32.xml><?xml version="1.0" encoding="utf-8"?>
+<p:sld xmlns:a="http://schemas.openxmlformats.org/drawingml/2006/main" xmlns:r="http://schemas.openxmlformats.org/officeDocument/2006/relationships" xmlns:p="http://schemas.openxmlformats.org/presentationml/2006/main">
+  <p:cSld>
+    <p:spTree>
+      <p:nvGrpSpPr>
+        <p:cNvPr id="1" name=""/>
+        <p:cNvGrpSpPr/>
+        <p:nvPr/>
+      </p:nvGrpSpPr>
+      <p:grpSpPr>
+        <a:xfrm>
+          <a:off x="0" y="0"/>
+          <a:ext cx="0" cy="0"/>
+          <a:chOff x="0" y="0"/>
+          <a:chExt cx="0" cy="0"/>
+        </a:xfrm>
+      </p:grpSpPr>
+      <p:pic>
+        <p:nvPicPr>
+          <p:cNvPr id="5" name="Picture 2"/>
+          <p:cNvPicPr>
+            <a:picLocks noChangeAspect="1" noChangeArrowheads="1"/>
+          </p:cNvPicPr>
+          <p:nvPr/>
+        </p:nvPicPr>
+        <p:blipFill rotWithShape="1">
+          <a:blip r:embed="rId2">
+            <a:extLst>
+              <a:ext uri="{28A0092B-C50C-407E-A947-70E740481C1C}">
+                <a14:useLocalDpi xmlns:a14="http://schemas.microsoft.com/office/drawing/2010/main" val="0"/>
+              </a:ext>
+            </a:extLst>
+          </a:blip>
+          <a:srcRect l="9451" t="26940" r="9850" b="43965"/>
+          <a:stretch/>
+        </p:blipFill>
+        <p:spPr bwMode="auto">
+          <a:xfrm>
+            <a:off x="-540568" y="2132856"/>
+            <a:ext cx="10499835" cy="2128344"/>
+          </a:xfrm>
+          <a:prstGeom prst="rect">
+            <a:avLst/>
+          </a:prstGeom>
+          <a:noFill/>
+          <a:ln>
+            <a:noFill/>
+          </a:ln>
+          <a:extLst>
+            <a:ext uri="{909E8E84-426E-40DD-AFC4-6F175D3DCCD1}">
+              <a14:hiddenFill xmlns:a14="http://schemas.microsoft.com/office/drawing/2010/main">
+                <a:solidFill>
+                  <a:schemeClr val="accent1"/>
+                </a:solidFill>
+              </a14:hiddenFill>
+            </a:ext>
+            <a:ext uri="{91240B29-F687-4F45-9708-019B960494DF}">
+              <a14:hiddenLine xmlns:a14="http://schemas.microsoft.com/office/drawing/2010/main" w="9525">
+                <a:solidFill>
+                  <a:schemeClr val="tx1"/>
+                </a:solidFill>
+                <a:miter lim="800000"/>
+                <a:headEnd/>
+                <a:tailEnd/>
+              </a14:hiddenLine>
+            </a:ext>
+          </a:extLst>
+        </p:spPr>
+      </p:pic>
+    </p:spTree>
+    <p:extLst>
+      <p:ext uri="{BB962C8B-B14F-4D97-AF65-F5344CB8AC3E}">
+        <p14:creationId xmlns:p14="http://schemas.microsoft.com/office/powerpoint/2010/main" val="1229678981"/>
+      </p:ext>
+    </p:extLst>
+  </p:cSld>
+  <p:clrMapOvr>
+    <a:masterClrMapping/>
+  </p:clrMapOvr>
+</p:sld>
+</file>
+
+<file path=ppt/slides/slide33.xml><?xml version="1.0" encoding="utf-8"?>
+<p:sld xmlns:a="http://schemas.openxmlformats.org/drawingml/2006/main" xmlns:r="http://schemas.openxmlformats.org/officeDocument/2006/relationships" xmlns:p="http://schemas.openxmlformats.org/presentationml/2006/main">
+  <p:cSld>
+    <p:spTree>
+      <p:nvGrpSpPr>
+        <p:cNvPr id="1" name=""/>
+        <p:cNvGrpSpPr/>
+        <p:nvPr/>
+      </p:nvGrpSpPr>
+      <p:grpSpPr>
+        <a:xfrm>
+          <a:off x="0" y="0"/>
+          <a:ext cx="0" cy="0"/>
+          <a:chOff x="0" y="0"/>
+          <a:chExt cx="0" cy="0"/>
+        </a:xfrm>
+      </p:grpSpPr>
+      <p:pic>
+        <p:nvPicPr>
+          <p:cNvPr id="10" name="Picture 5"/>
+          <p:cNvPicPr>
+            <a:picLocks noChangeAspect="1" noChangeArrowheads="1"/>
+          </p:cNvPicPr>
+          <p:nvPr/>
+        </p:nvPicPr>
+        <p:blipFill rotWithShape="1">
+          <a:blip r:embed="rId2">
+            <a:extLst>
+              <a:ext uri="{28A0092B-C50C-407E-A947-70E740481C1C}">
+                <a14:useLocalDpi xmlns:a14="http://schemas.microsoft.com/office/drawing/2010/main" val="0"/>
+              </a:ext>
+            </a:extLst>
+          </a:blip>
+          <a:srcRect l="9103" t="21210" r="9956" b="48186"/>
+          <a:stretch/>
+        </p:blipFill>
+        <p:spPr bwMode="auto">
+          <a:xfrm>
+            <a:off x="-495321" y="1700808"/>
+            <a:ext cx="10531366" cy="2238704"/>
+          </a:xfrm>
+          <a:prstGeom prst="rect">
+            <a:avLst/>
+          </a:prstGeom>
+          <a:noFill/>
+          <a:ln>
+            <a:noFill/>
+          </a:ln>
+          <a:extLst>
+            <a:ext uri="{909E8E84-426E-40DD-AFC4-6F175D3DCCD1}">
+              <a14:hiddenFill xmlns:a14="http://schemas.microsoft.com/office/drawing/2010/main">
+                <a:solidFill>
+                  <a:schemeClr val="accent1"/>
+                </a:solidFill>
+              </a14:hiddenFill>
+            </a:ext>
+            <a:ext uri="{91240B29-F687-4F45-9708-019B960494DF}">
+              <a14:hiddenLine xmlns:a14="http://schemas.microsoft.com/office/drawing/2010/main" w="9525">
+                <a:solidFill>
+                  <a:schemeClr val="tx1"/>
+                </a:solidFill>
+                <a:miter lim="800000"/>
+                <a:headEnd/>
+                <a:tailEnd/>
+              </a14:hiddenLine>
+            </a:ext>
+          </a:extLst>
+        </p:spPr>
+      </p:pic>
+      <p:sp>
+        <p:nvSpPr>
+          <p:cNvPr id="3" name="2 Elipse"/>
+          <p:cNvSpPr/>
+          <p:nvPr/>
+        </p:nvSpPr>
+        <p:spPr>
+          <a:xfrm>
+            <a:off x="9478419" y="2433738"/>
+            <a:ext cx="237681" cy="223557"/>
+          </a:xfrm>
+          <a:prstGeom prst="ellipse">
+            <a:avLst/>
+          </a:prstGeom>
+          <a:solidFill>
+            <a:srgbClr val="0070C0"/>
+          </a:solidFill>
+          <a:ln>
+            <a:noFill/>
+          </a:ln>
+        </p:spPr>
+        <p:style>
+          <a:lnRef idx="2">
+            <a:schemeClr val="accent1">
+              <a:shade val="50000"/>
+            </a:schemeClr>
+          </a:lnRef>
+          <a:fillRef idx="1">
+            <a:schemeClr val="accent1"/>
+          </a:fillRef>
+          <a:effectRef idx="0">
+            <a:schemeClr val="accent1"/>
+          </a:effectRef>
+          <a:fontRef idx="minor">
+            <a:schemeClr val="lt1"/>
+          </a:fontRef>
+        </p:style>
+        <p:txBody>
+          <a:bodyPr rtlCol="0" anchor="ctr"/>
+          <a:lstStyle/>
+          <a:p>
+            <a:pPr algn="ctr"/>
+            <a:r>
+              <a:rPr lang="en-GB" sz="1200" dirty="0" smtClean="0"/>
+              <a:t>1</a:t>
+            </a:r>
+            <a:endParaRPr lang="en-GB" sz="1200" dirty="0"/>
+          </a:p>
+        </p:txBody>
+      </p:sp>
+      <p:sp>
+        <p:nvSpPr>
+          <p:cNvPr id="4" name="3 Elipse"/>
+          <p:cNvSpPr/>
+          <p:nvPr/>
+        </p:nvSpPr>
+        <p:spPr>
+          <a:xfrm>
+            <a:off x="9468544" y="3349459"/>
+            <a:ext cx="237681" cy="223557"/>
+          </a:xfrm>
+          <a:prstGeom prst="ellipse">
+            <a:avLst/>
+          </a:prstGeom>
+          <a:solidFill>
+            <a:srgbClr val="0070C0"/>
+          </a:solidFill>
+          <a:ln>
+            <a:noFill/>
+          </a:ln>
+        </p:spPr>
+        <p:style>
+          <a:lnRef idx="2">
+            <a:schemeClr val="accent1">
+              <a:shade val="50000"/>
+            </a:schemeClr>
+          </a:lnRef>
+          <a:fillRef idx="1">
+            <a:schemeClr val="accent1"/>
+          </a:fillRef>
+          <a:effectRef idx="0">
+            <a:schemeClr val="accent1"/>
+          </a:effectRef>
+          <a:fontRef idx="minor">
+            <a:schemeClr val="lt1"/>
+          </a:fontRef>
+        </p:style>
+        <p:txBody>
+          <a:bodyPr rtlCol="0" anchor="ctr"/>
+          <a:lstStyle/>
+          <a:p>
+            <a:pPr algn="ctr"/>
+            <a:r>
+              <a:rPr lang="en-GB" sz="1200" dirty="0" smtClean="0"/>
+              <a:t>2</a:t>
+            </a:r>
+            <a:endParaRPr lang="en-GB" sz="1200" dirty="0"/>
+          </a:p>
+        </p:txBody>
+      </p:sp>
     </p:spTree>
     <p:extLst>
       <p:ext uri="{BB962C8B-B14F-4D97-AF65-F5344CB8AC3E}">
@@ -8322,7 +8988,7 @@
       </p:grpSpPr>
       <p:pic>
         <p:nvPicPr>
-          <p:cNvPr id="4099" name="Picture 3"/>
+          <p:cNvPr id="1026" name="Picture 2"/>
           <p:cNvPicPr>
             <a:picLocks noChangeAspect="1" noChangeArrowheads="1"/>
           </p:cNvPicPr>
@@ -8343,8 +9009,8 @@
         </p:blipFill>
         <p:spPr bwMode="auto">
           <a:xfrm>
-            <a:off x="-928688" y="1233488"/>
-            <a:ext cx="11001376" cy="4391025"/>
+            <a:off x="-1311275" y="1803400"/>
+            <a:ext cx="11766550" cy="3249613"/>
           </a:xfrm>
           <a:prstGeom prst="rect">
             <a:avLst/>
@@ -8416,221 +9082,7 @@
       </p:grpSpPr>
       <p:pic>
         <p:nvPicPr>
-          <p:cNvPr id="4" name="Picture 2"/>
-          <p:cNvPicPr>
-            <a:picLocks noChangeAspect="1" noChangeArrowheads="1"/>
-          </p:cNvPicPr>
-          <p:nvPr/>
-        </p:nvPicPr>
-        <p:blipFill rotWithShape="1">
-          <a:blip r:embed="rId2">
-            <a:extLst>
-              <a:ext uri="{28A0092B-C50C-407E-A947-70E740481C1C}">
-                <a14:useLocalDpi xmlns:a14="http://schemas.microsoft.com/office/drawing/2010/main" val="0"/>
-              </a:ext>
-            </a:extLst>
-          </a:blip>
-          <a:srcRect l="8724" t="15949" r="10093" b="26077"/>
-          <a:stretch/>
-        </p:blipFill>
-        <p:spPr bwMode="auto">
-          <a:xfrm>
-            <a:off x="-900608" y="1340768"/>
-            <a:ext cx="10562898" cy="4240924"/>
-          </a:xfrm>
-          <a:prstGeom prst="rect">
-            <a:avLst/>
-          </a:prstGeom>
-          <a:noFill/>
-          <a:ln>
-            <a:noFill/>
-          </a:ln>
-          <a:extLst>
-            <a:ext uri="{909E8E84-426E-40DD-AFC4-6F175D3DCCD1}">
-              <a14:hiddenFill xmlns:a14="http://schemas.microsoft.com/office/drawing/2010/main">
-                <a:solidFill>
-                  <a:schemeClr val="accent1"/>
-                </a:solidFill>
-              </a14:hiddenFill>
-            </a:ext>
-            <a:ext uri="{91240B29-F687-4F45-9708-019B960494DF}">
-              <a14:hiddenLine xmlns:a14="http://schemas.microsoft.com/office/drawing/2010/main" w="9525">
-                <a:solidFill>
-                  <a:schemeClr val="tx1"/>
-                </a:solidFill>
-                <a:miter lim="800000"/>
-                <a:headEnd/>
-                <a:tailEnd/>
-              </a14:hiddenLine>
-            </a:ext>
-          </a:extLst>
-        </p:spPr>
-      </p:pic>
-    </p:spTree>
-    <p:extLst>
-      <p:ext uri="{BB962C8B-B14F-4D97-AF65-F5344CB8AC3E}">
-        <p14:creationId xmlns:p14="http://schemas.microsoft.com/office/powerpoint/2010/main" val="2667750215"/>
-      </p:ext>
-    </p:extLst>
-  </p:cSld>
-  <p:clrMapOvr>
-    <a:masterClrMapping/>
-  </p:clrMapOvr>
-</p:sld>
-</file>
-
-<file path=ppt/slides/slide36.xml><?xml version="1.0" encoding="utf-8"?>
-<p:sld xmlns:a="http://schemas.openxmlformats.org/drawingml/2006/main" xmlns:r="http://schemas.openxmlformats.org/officeDocument/2006/relationships" xmlns:p="http://schemas.openxmlformats.org/presentationml/2006/main">
-  <p:cSld>
-    <p:spTree>
-      <p:nvGrpSpPr>
-        <p:cNvPr id="1" name=""/>
-        <p:cNvGrpSpPr/>
-        <p:nvPr/>
-      </p:nvGrpSpPr>
-      <p:grpSpPr>
-        <a:xfrm>
-          <a:off x="0" y="0"/>
-          <a:ext cx="0" cy="0"/>
-          <a:chOff x="0" y="0"/>
-          <a:chExt cx="0" cy="0"/>
-        </a:xfrm>
-      </p:grpSpPr>
-      <p:pic>
-        <p:nvPicPr>
-          <p:cNvPr id="3" name="Picture 2"/>
-          <p:cNvPicPr>
-            <a:picLocks noChangeAspect="1" noChangeArrowheads="1"/>
-          </p:cNvPicPr>
-          <p:nvPr/>
-        </p:nvPicPr>
-        <p:blipFill rotWithShape="1">
-          <a:blip r:embed="rId2">
-            <a:extLst>
-              <a:ext uri="{28A0092B-C50C-407E-A947-70E740481C1C}">
-                <a14:useLocalDpi xmlns:a14="http://schemas.microsoft.com/office/drawing/2010/main" val="0"/>
-              </a:ext>
-            </a:extLst>
-          </a:blip>
-          <a:srcRect l="9451" t="38578" r="10456" b="21121"/>
-          <a:stretch/>
-        </p:blipFill>
-        <p:spPr bwMode="auto">
-          <a:xfrm>
-            <a:off x="-828600" y="1625610"/>
-            <a:ext cx="10421007" cy="2948151"/>
-          </a:xfrm>
-          <a:prstGeom prst="rect">
-            <a:avLst/>
-          </a:prstGeom>
-          <a:noFill/>
-          <a:ln>
-            <a:noFill/>
-          </a:ln>
-          <a:extLst>
-            <a:ext uri="{909E8E84-426E-40DD-AFC4-6F175D3DCCD1}">
-              <a14:hiddenFill xmlns:a14="http://schemas.microsoft.com/office/drawing/2010/main">
-                <a:solidFill>
-                  <a:schemeClr val="accent1"/>
-                </a:solidFill>
-              </a14:hiddenFill>
-            </a:ext>
-            <a:ext uri="{91240B29-F687-4F45-9708-019B960494DF}">
-              <a14:hiddenLine xmlns:a14="http://schemas.microsoft.com/office/drawing/2010/main" w="9525">
-                <a:solidFill>
-                  <a:schemeClr val="tx1"/>
-                </a:solidFill>
-                <a:miter lim="800000"/>
-                <a:headEnd/>
-                <a:tailEnd/>
-              </a14:hiddenLine>
-            </a:ext>
-          </a:extLst>
-        </p:spPr>
-      </p:pic>
-      <p:sp>
-        <p:nvSpPr>
-          <p:cNvPr id="4" name="3 Elipse"/>
-          <p:cNvSpPr/>
-          <p:nvPr/>
-        </p:nvSpPr>
-        <p:spPr>
-          <a:xfrm>
-            <a:off x="6012160" y="1916832"/>
-            <a:ext cx="237681" cy="223557"/>
-          </a:xfrm>
-          <a:prstGeom prst="ellipse">
-            <a:avLst/>
-          </a:prstGeom>
-          <a:solidFill>
-            <a:srgbClr val="0070C0"/>
-          </a:solidFill>
-          <a:ln>
-            <a:noFill/>
-          </a:ln>
-        </p:spPr>
-        <p:style>
-          <a:lnRef idx="2">
-            <a:schemeClr val="accent1">
-              <a:shade val="50000"/>
-            </a:schemeClr>
-          </a:lnRef>
-          <a:fillRef idx="1">
-            <a:schemeClr val="accent1"/>
-          </a:fillRef>
-          <a:effectRef idx="0">
-            <a:schemeClr val="accent1"/>
-          </a:effectRef>
-          <a:fontRef idx="minor">
-            <a:schemeClr val="lt1"/>
-          </a:fontRef>
-        </p:style>
-        <p:txBody>
-          <a:bodyPr rtlCol="0" anchor="ctr"/>
-          <a:lstStyle/>
-          <a:p>
-            <a:pPr algn="ctr"/>
-            <a:r>
-              <a:rPr lang="en-GB" sz="1200" dirty="0" smtClean="0"/>
-              <a:t>1</a:t>
-            </a:r>
-            <a:endParaRPr lang="en-GB" sz="1200" dirty="0"/>
-          </a:p>
-        </p:txBody>
-      </p:sp>
-    </p:spTree>
-    <p:extLst>
-      <p:ext uri="{BB962C8B-B14F-4D97-AF65-F5344CB8AC3E}">
-        <p14:creationId xmlns:p14="http://schemas.microsoft.com/office/powerpoint/2010/main" val="4287886277"/>
-      </p:ext>
-    </p:extLst>
-  </p:cSld>
-  <p:clrMapOvr>
-    <a:masterClrMapping/>
-  </p:clrMapOvr>
-</p:sld>
-</file>
-
-<file path=ppt/slides/slide37.xml><?xml version="1.0" encoding="utf-8"?>
-<p:sld xmlns:a="http://schemas.openxmlformats.org/drawingml/2006/main" xmlns:r="http://schemas.openxmlformats.org/officeDocument/2006/relationships" xmlns:p="http://schemas.openxmlformats.org/presentationml/2006/main">
-  <p:cSld>
-    <p:spTree>
-      <p:nvGrpSpPr>
-        <p:cNvPr id="1" name=""/>
-        <p:cNvGrpSpPr/>
-        <p:nvPr/>
-      </p:nvGrpSpPr>
-      <p:grpSpPr>
-        <a:xfrm>
-          <a:off x="0" y="0"/>
-          <a:ext cx="0" cy="0"/>
-          <a:chOff x="0" y="0"/>
-          <a:chExt cx="0" cy="0"/>
-        </a:xfrm>
-      </p:grpSpPr>
-      <p:pic>
-        <p:nvPicPr>
-          <p:cNvPr id="5122" name="Picture 2"/>
+          <p:cNvPr id="4099" name="Picture 3"/>
           <p:cNvPicPr>
             <a:picLocks noChangeAspect="1" noChangeArrowheads="1"/>
           </p:cNvPicPr>
@@ -8651,8 +9103,8 @@
         </p:blipFill>
         <p:spPr bwMode="auto">
           <a:xfrm>
-            <a:off x="-962025" y="2376488"/>
-            <a:ext cx="11068050" cy="2105025"/>
+            <a:off x="-928688" y="1233488"/>
+            <a:ext cx="11001376" cy="4391025"/>
           </a:xfrm>
           <a:prstGeom prst="rect">
             <a:avLst/>
@@ -8692,6 +9144,220 @@
           </a:extLst>
         </p:spPr>
       </p:pic>
+    </p:spTree>
+    <p:extLst>
+      <p:ext uri="{BB962C8B-B14F-4D97-AF65-F5344CB8AC3E}">
+        <p14:creationId xmlns:p14="http://schemas.microsoft.com/office/powerpoint/2010/main" val="2164536350"/>
+      </p:ext>
+    </p:extLst>
+  </p:cSld>
+  <p:clrMapOvr>
+    <a:masterClrMapping/>
+  </p:clrMapOvr>
+</p:sld>
+</file>
+
+<file path=ppt/slides/slide36.xml><?xml version="1.0" encoding="utf-8"?>
+<p:sld xmlns:a="http://schemas.openxmlformats.org/drawingml/2006/main" xmlns:r="http://schemas.openxmlformats.org/officeDocument/2006/relationships" xmlns:p="http://schemas.openxmlformats.org/presentationml/2006/main">
+  <p:cSld>
+    <p:spTree>
+      <p:nvGrpSpPr>
+        <p:cNvPr id="1" name=""/>
+        <p:cNvGrpSpPr/>
+        <p:nvPr/>
+      </p:nvGrpSpPr>
+      <p:grpSpPr>
+        <a:xfrm>
+          <a:off x="0" y="0"/>
+          <a:ext cx="0" cy="0"/>
+          <a:chOff x="0" y="0"/>
+          <a:chExt cx="0" cy="0"/>
+        </a:xfrm>
+      </p:grpSpPr>
+      <p:pic>
+        <p:nvPicPr>
+          <p:cNvPr id="4" name="Picture 2"/>
+          <p:cNvPicPr>
+            <a:picLocks noChangeAspect="1" noChangeArrowheads="1"/>
+          </p:cNvPicPr>
+          <p:nvPr/>
+        </p:nvPicPr>
+        <p:blipFill rotWithShape="1">
+          <a:blip r:embed="rId2">
+            <a:extLst>
+              <a:ext uri="{28A0092B-C50C-407E-A947-70E740481C1C}">
+                <a14:useLocalDpi xmlns:a14="http://schemas.microsoft.com/office/drawing/2010/main" val="0"/>
+              </a:ext>
+            </a:extLst>
+          </a:blip>
+          <a:srcRect l="8724" t="15949" r="10093" b="26077"/>
+          <a:stretch/>
+        </p:blipFill>
+        <p:spPr bwMode="auto">
+          <a:xfrm>
+            <a:off x="-900608" y="1340768"/>
+            <a:ext cx="10562898" cy="4240924"/>
+          </a:xfrm>
+          <a:prstGeom prst="rect">
+            <a:avLst/>
+          </a:prstGeom>
+          <a:noFill/>
+          <a:ln>
+            <a:noFill/>
+          </a:ln>
+          <a:extLst>
+            <a:ext uri="{909E8E84-426E-40DD-AFC4-6F175D3DCCD1}">
+              <a14:hiddenFill xmlns:a14="http://schemas.microsoft.com/office/drawing/2010/main">
+                <a:solidFill>
+                  <a:schemeClr val="accent1"/>
+                </a:solidFill>
+              </a14:hiddenFill>
+            </a:ext>
+            <a:ext uri="{91240B29-F687-4F45-9708-019B960494DF}">
+              <a14:hiddenLine xmlns:a14="http://schemas.microsoft.com/office/drawing/2010/main" w="9525">
+                <a:solidFill>
+                  <a:schemeClr val="tx1"/>
+                </a:solidFill>
+                <a:miter lim="800000"/>
+                <a:headEnd/>
+                <a:tailEnd/>
+              </a14:hiddenLine>
+            </a:ext>
+          </a:extLst>
+        </p:spPr>
+      </p:pic>
+    </p:spTree>
+    <p:extLst>
+      <p:ext uri="{BB962C8B-B14F-4D97-AF65-F5344CB8AC3E}">
+        <p14:creationId xmlns:p14="http://schemas.microsoft.com/office/powerpoint/2010/main" val="2667750215"/>
+      </p:ext>
+    </p:extLst>
+  </p:cSld>
+  <p:clrMapOvr>
+    <a:masterClrMapping/>
+  </p:clrMapOvr>
+</p:sld>
+</file>
+
+<file path=ppt/slides/slide37.xml><?xml version="1.0" encoding="utf-8"?>
+<p:sld xmlns:a="http://schemas.openxmlformats.org/drawingml/2006/main" xmlns:r="http://schemas.openxmlformats.org/officeDocument/2006/relationships" xmlns:p="http://schemas.openxmlformats.org/presentationml/2006/main">
+  <p:cSld>
+    <p:spTree>
+      <p:nvGrpSpPr>
+        <p:cNvPr id="1" name=""/>
+        <p:cNvGrpSpPr/>
+        <p:nvPr/>
+      </p:nvGrpSpPr>
+      <p:grpSpPr>
+        <a:xfrm>
+          <a:off x="0" y="0"/>
+          <a:ext cx="0" cy="0"/>
+          <a:chOff x="0" y="0"/>
+          <a:chExt cx="0" cy="0"/>
+        </a:xfrm>
+      </p:grpSpPr>
+      <p:pic>
+        <p:nvPicPr>
+          <p:cNvPr id="3" name="Picture 2"/>
+          <p:cNvPicPr>
+            <a:picLocks noChangeAspect="1" noChangeArrowheads="1"/>
+          </p:cNvPicPr>
+          <p:nvPr/>
+        </p:nvPicPr>
+        <p:blipFill rotWithShape="1">
+          <a:blip r:embed="rId2">
+            <a:extLst>
+              <a:ext uri="{28A0092B-C50C-407E-A947-70E740481C1C}">
+                <a14:useLocalDpi xmlns:a14="http://schemas.microsoft.com/office/drawing/2010/main" val="0"/>
+              </a:ext>
+            </a:extLst>
+          </a:blip>
+          <a:srcRect l="9451" t="38578" r="10456" b="21121"/>
+          <a:stretch/>
+        </p:blipFill>
+        <p:spPr bwMode="auto">
+          <a:xfrm>
+            <a:off x="-828600" y="1625610"/>
+            <a:ext cx="10421007" cy="2948151"/>
+          </a:xfrm>
+          <a:prstGeom prst="rect">
+            <a:avLst/>
+          </a:prstGeom>
+          <a:noFill/>
+          <a:ln>
+            <a:noFill/>
+          </a:ln>
+          <a:extLst>
+            <a:ext uri="{909E8E84-426E-40DD-AFC4-6F175D3DCCD1}">
+              <a14:hiddenFill xmlns:a14="http://schemas.microsoft.com/office/drawing/2010/main">
+                <a:solidFill>
+                  <a:schemeClr val="accent1"/>
+                </a:solidFill>
+              </a14:hiddenFill>
+            </a:ext>
+            <a:ext uri="{91240B29-F687-4F45-9708-019B960494DF}">
+              <a14:hiddenLine xmlns:a14="http://schemas.microsoft.com/office/drawing/2010/main" w="9525">
+                <a:solidFill>
+                  <a:schemeClr val="tx1"/>
+                </a:solidFill>
+                <a:miter lim="800000"/>
+                <a:headEnd/>
+                <a:tailEnd/>
+              </a14:hiddenLine>
+            </a:ext>
+          </a:extLst>
+        </p:spPr>
+      </p:pic>
+      <p:sp>
+        <p:nvSpPr>
+          <p:cNvPr id="4" name="3 Elipse"/>
+          <p:cNvSpPr/>
+          <p:nvPr/>
+        </p:nvSpPr>
+        <p:spPr>
+          <a:xfrm>
+            <a:off x="6012160" y="1916832"/>
+            <a:ext cx="237681" cy="223557"/>
+          </a:xfrm>
+          <a:prstGeom prst="ellipse">
+            <a:avLst/>
+          </a:prstGeom>
+          <a:solidFill>
+            <a:srgbClr val="0070C0"/>
+          </a:solidFill>
+          <a:ln>
+            <a:noFill/>
+          </a:ln>
+        </p:spPr>
+        <p:style>
+          <a:lnRef idx="2">
+            <a:schemeClr val="accent1">
+              <a:shade val="50000"/>
+            </a:schemeClr>
+          </a:lnRef>
+          <a:fillRef idx="1">
+            <a:schemeClr val="accent1"/>
+          </a:fillRef>
+          <a:effectRef idx="0">
+            <a:schemeClr val="accent1"/>
+          </a:effectRef>
+          <a:fontRef idx="minor">
+            <a:schemeClr val="lt1"/>
+          </a:fontRef>
+        </p:style>
+        <p:txBody>
+          <a:bodyPr rtlCol="0" anchor="ctr"/>
+          <a:lstStyle/>
+          <a:p>
+            <a:pPr algn="ctr"/>
+            <a:r>
+              <a:rPr lang="en-GB" sz="1200" dirty="0" smtClean="0"/>
+              <a:t>1</a:t>
+            </a:r>
+            <a:endParaRPr lang="en-GB" sz="1200" dirty="0"/>
+          </a:p>
+        </p:txBody>
+      </p:sp>
     </p:spTree>
     <p:extLst>
       <p:ext uri="{BB962C8B-B14F-4D97-AF65-F5344CB8AC3E}">
@@ -8724,7 +9390,7 @@
       </p:grpSpPr>
       <p:pic>
         <p:nvPicPr>
-          <p:cNvPr id="3075" name="Picture 3"/>
+          <p:cNvPr id="5122" name="Picture 2"/>
           <p:cNvPicPr>
             <a:picLocks noChangeAspect="1" noChangeArrowheads="1"/>
           </p:cNvPicPr>
@@ -8745,8 +9411,8 @@
         </p:blipFill>
         <p:spPr bwMode="auto">
           <a:xfrm>
-            <a:off x="-962025" y="1804988"/>
-            <a:ext cx="11068050" cy="3248025"/>
+            <a:off x="-962025" y="2376488"/>
+            <a:ext cx="11068050" cy="2105025"/>
           </a:xfrm>
           <a:prstGeom prst="rect">
             <a:avLst/>
@@ -8818,27 +9484,29 @@
       </p:grpSpPr>
       <p:pic>
         <p:nvPicPr>
-          <p:cNvPr id="5" name="Picture 2"/>
+          <p:cNvPr id="3075" name="Picture 3"/>
           <p:cNvPicPr>
             <a:picLocks noChangeAspect="1" noChangeArrowheads="1"/>
           </p:cNvPicPr>
           <p:nvPr/>
         </p:nvPicPr>
-        <p:blipFill rotWithShape="1">
-          <a:blip r:embed="rId2">
+        <p:blipFill>
+          <a:blip>
             <a:extLst>
               <a:ext uri="{28A0092B-C50C-407E-A947-70E740481C1C}">
                 <a14:useLocalDpi xmlns:a14="http://schemas.microsoft.com/office/drawing/2010/main" val="0"/>
               </a:ext>
             </a:extLst>
           </a:blip>
-          <a:srcRect l="7755" t="18104" r="9123" b="8189"/>
-          <a:stretch/>
+          <a:srcRect/>
+          <a:stretch>
+            <a:fillRect/>
+          </a:stretch>
         </p:blipFill>
         <p:spPr bwMode="auto">
           <a:xfrm>
-            <a:off x="-540568" y="692696"/>
-            <a:ext cx="10815145" cy="5391808"/>
+            <a:off x="-962025" y="1804988"/>
+            <a:ext cx="11068050" cy="3248025"/>
           </a:xfrm>
           <a:prstGeom prst="rect">
             <a:avLst/>
@@ -8847,6 +9515,7 @@
           <a:ln>
             <a:noFill/>
           </a:ln>
+          <a:effectLst/>
           <a:extLst>
             <a:ext uri="{909E8E84-426E-40DD-AFC4-6F175D3DCCD1}">
               <a14:hiddenFill xmlns:a14="http://schemas.microsoft.com/office/drawing/2010/main">
@@ -8865,13 +9534,22 @@
                 <a:tailEnd/>
               </a14:hiddenLine>
             </a:ext>
+            <a:ext uri="{AF507438-7753-43E0-B8FC-AC1667EBCBE1}">
+              <a14:hiddenEffects xmlns:a14="http://schemas.microsoft.com/office/drawing/2010/main">
+                <a:effectLst>
+                  <a:outerShdw dist="35921" dir="2700000" algn="ctr" rotWithShape="0">
+                    <a:schemeClr val="bg2"/>
+                  </a:outerShdw>
+                </a:effectLst>
+              </a14:hiddenEffects>
+            </a:ext>
           </a:extLst>
         </p:spPr>
       </p:pic>
     </p:spTree>
     <p:extLst>
       <p:ext uri="{BB962C8B-B14F-4D97-AF65-F5344CB8AC3E}">
-        <p14:creationId xmlns:p14="http://schemas.microsoft.com/office/powerpoint/2010/main" val="756173555"/>
+        <p14:creationId xmlns:p14="http://schemas.microsoft.com/office/powerpoint/2010/main" val="4287886277"/>
       </p:ext>
     </p:extLst>
   </p:cSld>
@@ -9031,7 +9709,7 @@
       </p:grpSpPr>
       <p:pic>
         <p:nvPicPr>
-          <p:cNvPr id="8" name="Picture 3"/>
+          <p:cNvPr id="5" name="Picture 2"/>
           <p:cNvPicPr>
             <a:picLocks noChangeAspect="1" noChangeArrowheads="1"/>
           </p:cNvPicPr>
@@ -9045,13 +9723,13 @@
               </a:ext>
             </a:extLst>
           </a:blip>
-          <a:srcRect l="9330" t="8190" r="9972" b="14440"/>
+          <a:srcRect l="7755" t="18104" r="9123" b="8189"/>
           <a:stretch/>
         </p:blipFill>
         <p:spPr bwMode="auto">
           <a:xfrm>
-            <a:off x="-324544" y="565175"/>
-            <a:ext cx="10499834" cy="5659820"/>
+            <a:off x="-540568" y="692696"/>
+            <a:ext cx="10815145" cy="5391808"/>
           </a:xfrm>
           <a:prstGeom prst="rect">
             <a:avLst/>
@@ -9081,310 +9759,10 @@
           </a:extLst>
         </p:spPr>
       </p:pic>
-      <p:sp>
-        <p:nvSpPr>
-          <p:cNvPr id="9" name="8 Elipse"/>
-          <p:cNvSpPr/>
-          <p:nvPr/>
-        </p:nvSpPr>
-        <p:spPr>
-          <a:xfrm>
-            <a:off x="9966709" y="1869073"/>
-            <a:ext cx="237681" cy="223557"/>
-          </a:xfrm>
-          <a:prstGeom prst="ellipse">
-            <a:avLst/>
-          </a:prstGeom>
-          <a:solidFill>
-            <a:srgbClr val="0070C0"/>
-          </a:solidFill>
-          <a:ln>
-            <a:noFill/>
-          </a:ln>
-        </p:spPr>
-        <p:style>
-          <a:lnRef idx="2">
-            <a:schemeClr val="accent1">
-              <a:shade val="50000"/>
-            </a:schemeClr>
-          </a:lnRef>
-          <a:fillRef idx="1">
-            <a:schemeClr val="accent1"/>
-          </a:fillRef>
-          <a:effectRef idx="0">
-            <a:schemeClr val="accent1"/>
-          </a:effectRef>
-          <a:fontRef idx="minor">
-            <a:schemeClr val="lt1"/>
-          </a:fontRef>
-        </p:style>
-        <p:txBody>
-          <a:bodyPr rtlCol="0" anchor="ctr"/>
-          <a:lstStyle/>
-          <a:p>
-            <a:pPr algn="ctr"/>
-            <a:r>
-              <a:rPr lang="en-GB" sz="1200" dirty="0" smtClean="0"/>
-              <a:t>1</a:t>
-            </a:r>
-            <a:endParaRPr lang="en-GB" sz="1200" dirty="0"/>
-          </a:p>
-        </p:txBody>
-      </p:sp>
-      <p:sp>
-        <p:nvSpPr>
-          <p:cNvPr id="10" name="9 Elipse"/>
-          <p:cNvSpPr/>
-          <p:nvPr/>
-        </p:nvSpPr>
-        <p:spPr>
-          <a:xfrm>
-            <a:off x="9966709" y="2795216"/>
-            <a:ext cx="237681" cy="223557"/>
-          </a:xfrm>
-          <a:prstGeom prst="ellipse">
-            <a:avLst/>
-          </a:prstGeom>
-          <a:solidFill>
-            <a:srgbClr val="0070C0"/>
-          </a:solidFill>
-          <a:ln>
-            <a:noFill/>
-          </a:ln>
-        </p:spPr>
-        <p:style>
-          <a:lnRef idx="2">
-            <a:schemeClr val="accent1">
-              <a:shade val="50000"/>
-            </a:schemeClr>
-          </a:lnRef>
-          <a:fillRef idx="1">
-            <a:schemeClr val="accent1"/>
-          </a:fillRef>
-          <a:effectRef idx="0">
-            <a:schemeClr val="accent1"/>
-          </a:effectRef>
-          <a:fontRef idx="minor">
-            <a:schemeClr val="lt1"/>
-          </a:fontRef>
-        </p:style>
-        <p:txBody>
-          <a:bodyPr rtlCol="0" anchor="ctr"/>
-          <a:lstStyle/>
-          <a:p>
-            <a:pPr algn="ctr"/>
-            <a:r>
-              <a:rPr lang="en-GB" sz="1200" dirty="0" smtClean="0"/>
-              <a:t>2</a:t>
-            </a:r>
-            <a:endParaRPr lang="en-GB" sz="1200" dirty="0"/>
-          </a:p>
-        </p:txBody>
-      </p:sp>
-      <p:sp>
-        <p:nvSpPr>
-          <p:cNvPr id="11" name="10 Elipse"/>
-          <p:cNvSpPr/>
-          <p:nvPr/>
-        </p:nvSpPr>
-        <p:spPr>
-          <a:xfrm>
-            <a:off x="9966709" y="3284984"/>
-            <a:ext cx="237681" cy="223557"/>
-          </a:xfrm>
-          <a:prstGeom prst="ellipse">
-            <a:avLst/>
-          </a:prstGeom>
-          <a:solidFill>
-            <a:srgbClr val="0070C0"/>
-          </a:solidFill>
-          <a:ln>
-            <a:noFill/>
-          </a:ln>
-        </p:spPr>
-        <p:style>
-          <a:lnRef idx="2">
-            <a:schemeClr val="accent1">
-              <a:shade val="50000"/>
-            </a:schemeClr>
-          </a:lnRef>
-          <a:fillRef idx="1">
-            <a:schemeClr val="accent1"/>
-          </a:fillRef>
-          <a:effectRef idx="0">
-            <a:schemeClr val="accent1"/>
-          </a:effectRef>
-          <a:fontRef idx="minor">
-            <a:schemeClr val="lt1"/>
-          </a:fontRef>
-        </p:style>
-        <p:txBody>
-          <a:bodyPr rtlCol="0" anchor="ctr"/>
-          <a:lstStyle/>
-          <a:p>
-            <a:pPr algn="ctr"/>
-            <a:r>
-              <a:rPr lang="en-GB" sz="1200" dirty="0" smtClean="0"/>
-              <a:t>3</a:t>
-            </a:r>
-            <a:endParaRPr lang="en-GB" sz="1200" dirty="0"/>
-          </a:p>
-        </p:txBody>
-      </p:sp>
-      <p:sp>
-        <p:nvSpPr>
-          <p:cNvPr id="12" name="11 Elipse"/>
-          <p:cNvSpPr/>
-          <p:nvPr/>
-        </p:nvSpPr>
-        <p:spPr>
-          <a:xfrm>
-            <a:off x="9966709" y="3839227"/>
-            <a:ext cx="237681" cy="223557"/>
-          </a:xfrm>
-          <a:prstGeom prst="ellipse">
-            <a:avLst/>
-          </a:prstGeom>
-          <a:solidFill>
-            <a:srgbClr val="0070C0"/>
-          </a:solidFill>
-          <a:ln>
-            <a:noFill/>
-          </a:ln>
-        </p:spPr>
-        <p:style>
-          <a:lnRef idx="2">
-            <a:schemeClr val="accent1">
-              <a:shade val="50000"/>
-            </a:schemeClr>
-          </a:lnRef>
-          <a:fillRef idx="1">
-            <a:schemeClr val="accent1"/>
-          </a:fillRef>
-          <a:effectRef idx="0">
-            <a:schemeClr val="accent1"/>
-          </a:effectRef>
-          <a:fontRef idx="minor">
-            <a:schemeClr val="lt1"/>
-          </a:fontRef>
-        </p:style>
-        <p:txBody>
-          <a:bodyPr rtlCol="0" anchor="ctr"/>
-          <a:lstStyle/>
-          <a:p>
-            <a:pPr algn="ctr"/>
-            <a:r>
-              <a:rPr lang="en-GB" sz="1200" dirty="0" smtClean="0"/>
-              <a:t>4</a:t>
-            </a:r>
-            <a:endParaRPr lang="en-GB" sz="1200" dirty="0"/>
-          </a:p>
-        </p:txBody>
-      </p:sp>
-      <p:sp>
-        <p:nvSpPr>
-          <p:cNvPr id="13" name="12 Elipse"/>
-          <p:cNvSpPr/>
-          <p:nvPr/>
-        </p:nvSpPr>
-        <p:spPr>
-          <a:xfrm>
-            <a:off x="9966709" y="4263952"/>
-            <a:ext cx="237681" cy="223557"/>
-          </a:xfrm>
-          <a:prstGeom prst="ellipse">
-            <a:avLst/>
-          </a:prstGeom>
-          <a:solidFill>
-            <a:srgbClr val="0070C0"/>
-          </a:solidFill>
-          <a:ln>
-            <a:noFill/>
-          </a:ln>
-        </p:spPr>
-        <p:style>
-          <a:lnRef idx="2">
-            <a:schemeClr val="accent1">
-              <a:shade val="50000"/>
-            </a:schemeClr>
-          </a:lnRef>
-          <a:fillRef idx="1">
-            <a:schemeClr val="accent1"/>
-          </a:fillRef>
-          <a:effectRef idx="0">
-            <a:schemeClr val="accent1"/>
-          </a:effectRef>
-          <a:fontRef idx="minor">
-            <a:schemeClr val="lt1"/>
-          </a:fontRef>
-        </p:style>
-        <p:txBody>
-          <a:bodyPr rtlCol="0" anchor="ctr"/>
-          <a:lstStyle/>
-          <a:p>
-            <a:pPr algn="ctr"/>
-            <a:r>
-              <a:rPr lang="en-GB" sz="1200" dirty="0" smtClean="0"/>
-              <a:t>5</a:t>
-            </a:r>
-            <a:endParaRPr lang="en-GB" sz="1200" dirty="0"/>
-          </a:p>
-        </p:txBody>
-      </p:sp>
-      <p:sp>
-        <p:nvSpPr>
-          <p:cNvPr id="14" name="13 Elipse"/>
-          <p:cNvSpPr/>
-          <p:nvPr/>
-        </p:nvSpPr>
-        <p:spPr>
-          <a:xfrm>
-            <a:off x="9966709" y="4689035"/>
-            <a:ext cx="237681" cy="223557"/>
-          </a:xfrm>
-          <a:prstGeom prst="ellipse">
-            <a:avLst/>
-          </a:prstGeom>
-          <a:solidFill>
-            <a:srgbClr val="0070C0"/>
-          </a:solidFill>
-          <a:ln>
-            <a:noFill/>
-          </a:ln>
-        </p:spPr>
-        <p:style>
-          <a:lnRef idx="2">
-            <a:schemeClr val="accent1">
-              <a:shade val="50000"/>
-            </a:schemeClr>
-          </a:lnRef>
-          <a:fillRef idx="1">
-            <a:schemeClr val="accent1"/>
-          </a:fillRef>
-          <a:effectRef idx="0">
-            <a:schemeClr val="accent1"/>
-          </a:effectRef>
-          <a:fontRef idx="minor">
-            <a:schemeClr val="lt1"/>
-          </a:fontRef>
-        </p:style>
-        <p:txBody>
-          <a:bodyPr rtlCol="0" anchor="ctr"/>
-          <a:lstStyle/>
-          <a:p>
-            <a:pPr algn="ctr"/>
-            <a:r>
-              <a:rPr lang="en-GB" sz="1200" dirty="0" smtClean="0"/>
-              <a:t>6</a:t>
-            </a:r>
-            <a:endParaRPr lang="en-GB" sz="1200" dirty="0"/>
-          </a:p>
-        </p:txBody>
-      </p:sp>
     </p:spTree>
     <p:extLst>
       <p:ext uri="{BB962C8B-B14F-4D97-AF65-F5344CB8AC3E}">
-        <p14:creationId xmlns:p14="http://schemas.microsoft.com/office/powerpoint/2010/main" val="3537179983"/>
+        <p14:creationId xmlns:p14="http://schemas.microsoft.com/office/powerpoint/2010/main" val="756173555"/>
       </p:ext>
     </p:extLst>
   </p:cSld>
@@ -9413,6 +9791,388 @@
       </p:grpSpPr>
       <p:pic>
         <p:nvPicPr>
+          <p:cNvPr id="8" name="Picture 3"/>
+          <p:cNvPicPr>
+            <a:picLocks noChangeAspect="1" noChangeArrowheads="1"/>
+          </p:cNvPicPr>
+          <p:nvPr/>
+        </p:nvPicPr>
+        <p:blipFill rotWithShape="1">
+          <a:blip r:embed="rId2">
+            <a:extLst>
+              <a:ext uri="{28A0092B-C50C-407E-A947-70E740481C1C}">
+                <a14:useLocalDpi xmlns:a14="http://schemas.microsoft.com/office/drawing/2010/main" val="0"/>
+              </a:ext>
+            </a:extLst>
+          </a:blip>
+          <a:srcRect l="9330" t="8190" r="9972" b="14440"/>
+          <a:stretch/>
+        </p:blipFill>
+        <p:spPr bwMode="auto">
+          <a:xfrm>
+            <a:off x="-324544" y="565175"/>
+            <a:ext cx="10499834" cy="5659820"/>
+          </a:xfrm>
+          <a:prstGeom prst="rect">
+            <a:avLst/>
+          </a:prstGeom>
+          <a:noFill/>
+          <a:ln>
+            <a:noFill/>
+          </a:ln>
+          <a:extLst>
+            <a:ext uri="{909E8E84-426E-40DD-AFC4-6F175D3DCCD1}">
+              <a14:hiddenFill xmlns:a14="http://schemas.microsoft.com/office/drawing/2010/main">
+                <a:solidFill>
+                  <a:schemeClr val="accent1"/>
+                </a:solidFill>
+              </a14:hiddenFill>
+            </a:ext>
+            <a:ext uri="{91240B29-F687-4F45-9708-019B960494DF}">
+              <a14:hiddenLine xmlns:a14="http://schemas.microsoft.com/office/drawing/2010/main" w="9525">
+                <a:solidFill>
+                  <a:schemeClr val="tx1"/>
+                </a:solidFill>
+                <a:miter lim="800000"/>
+                <a:headEnd/>
+                <a:tailEnd/>
+              </a14:hiddenLine>
+            </a:ext>
+          </a:extLst>
+        </p:spPr>
+      </p:pic>
+      <p:sp>
+        <p:nvSpPr>
+          <p:cNvPr id="9" name="8 Elipse"/>
+          <p:cNvSpPr/>
+          <p:nvPr/>
+        </p:nvSpPr>
+        <p:spPr>
+          <a:xfrm>
+            <a:off x="9966709" y="1869073"/>
+            <a:ext cx="237681" cy="223557"/>
+          </a:xfrm>
+          <a:prstGeom prst="ellipse">
+            <a:avLst/>
+          </a:prstGeom>
+          <a:solidFill>
+            <a:srgbClr val="0070C0"/>
+          </a:solidFill>
+          <a:ln>
+            <a:noFill/>
+          </a:ln>
+        </p:spPr>
+        <p:style>
+          <a:lnRef idx="2">
+            <a:schemeClr val="accent1">
+              <a:shade val="50000"/>
+            </a:schemeClr>
+          </a:lnRef>
+          <a:fillRef idx="1">
+            <a:schemeClr val="accent1"/>
+          </a:fillRef>
+          <a:effectRef idx="0">
+            <a:schemeClr val="accent1"/>
+          </a:effectRef>
+          <a:fontRef idx="minor">
+            <a:schemeClr val="lt1"/>
+          </a:fontRef>
+        </p:style>
+        <p:txBody>
+          <a:bodyPr rtlCol="0" anchor="ctr"/>
+          <a:lstStyle/>
+          <a:p>
+            <a:pPr algn="ctr"/>
+            <a:r>
+              <a:rPr lang="en-GB" sz="1200" dirty="0" smtClean="0"/>
+              <a:t>1</a:t>
+            </a:r>
+            <a:endParaRPr lang="en-GB" sz="1200" dirty="0"/>
+          </a:p>
+        </p:txBody>
+      </p:sp>
+      <p:sp>
+        <p:nvSpPr>
+          <p:cNvPr id="10" name="9 Elipse"/>
+          <p:cNvSpPr/>
+          <p:nvPr/>
+        </p:nvSpPr>
+        <p:spPr>
+          <a:xfrm>
+            <a:off x="9966709" y="2795216"/>
+            <a:ext cx="237681" cy="223557"/>
+          </a:xfrm>
+          <a:prstGeom prst="ellipse">
+            <a:avLst/>
+          </a:prstGeom>
+          <a:solidFill>
+            <a:srgbClr val="0070C0"/>
+          </a:solidFill>
+          <a:ln>
+            <a:noFill/>
+          </a:ln>
+        </p:spPr>
+        <p:style>
+          <a:lnRef idx="2">
+            <a:schemeClr val="accent1">
+              <a:shade val="50000"/>
+            </a:schemeClr>
+          </a:lnRef>
+          <a:fillRef idx="1">
+            <a:schemeClr val="accent1"/>
+          </a:fillRef>
+          <a:effectRef idx="0">
+            <a:schemeClr val="accent1"/>
+          </a:effectRef>
+          <a:fontRef idx="minor">
+            <a:schemeClr val="lt1"/>
+          </a:fontRef>
+        </p:style>
+        <p:txBody>
+          <a:bodyPr rtlCol="0" anchor="ctr"/>
+          <a:lstStyle/>
+          <a:p>
+            <a:pPr algn="ctr"/>
+            <a:r>
+              <a:rPr lang="en-GB" sz="1200" dirty="0" smtClean="0"/>
+              <a:t>2</a:t>
+            </a:r>
+            <a:endParaRPr lang="en-GB" sz="1200" dirty="0"/>
+          </a:p>
+        </p:txBody>
+      </p:sp>
+      <p:sp>
+        <p:nvSpPr>
+          <p:cNvPr id="11" name="10 Elipse"/>
+          <p:cNvSpPr/>
+          <p:nvPr/>
+        </p:nvSpPr>
+        <p:spPr>
+          <a:xfrm>
+            <a:off x="9966709" y="3284984"/>
+            <a:ext cx="237681" cy="223557"/>
+          </a:xfrm>
+          <a:prstGeom prst="ellipse">
+            <a:avLst/>
+          </a:prstGeom>
+          <a:solidFill>
+            <a:srgbClr val="0070C0"/>
+          </a:solidFill>
+          <a:ln>
+            <a:noFill/>
+          </a:ln>
+        </p:spPr>
+        <p:style>
+          <a:lnRef idx="2">
+            <a:schemeClr val="accent1">
+              <a:shade val="50000"/>
+            </a:schemeClr>
+          </a:lnRef>
+          <a:fillRef idx="1">
+            <a:schemeClr val="accent1"/>
+          </a:fillRef>
+          <a:effectRef idx="0">
+            <a:schemeClr val="accent1"/>
+          </a:effectRef>
+          <a:fontRef idx="minor">
+            <a:schemeClr val="lt1"/>
+          </a:fontRef>
+        </p:style>
+        <p:txBody>
+          <a:bodyPr rtlCol="0" anchor="ctr"/>
+          <a:lstStyle/>
+          <a:p>
+            <a:pPr algn="ctr"/>
+            <a:r>
+              <a:rPr lang="en-GB" sz="1200" dirty="0" smtClean="0"/>
+              <a:t>3</a:t>
+            </a:r>
+            <a:endParaRPr lang="en-GB" sz="1200" dirty="0"/>
+          </a:p>
+        </p:txBody>
+      </p:sp>
+      <p:sp>
+        <p:nvSpPr>
+          <p:cNvPr id="12" name="11 Elipse"/>
+          <p:cNvSpPr/>
+          <p:nvPr/>
+        </p:nvSpPr>
+        <p:spPr>
+          <a:xfrm>
+            <a:off x="9966709" y="3839227"/>
+            <a:ext cx="237681" cy="223557"/>
+          </a:xfrm>
+          <a:prstGeom prst="ellipse">
+            <a:avLst/>
+          </a:prstGeom>
+          <a:solidFill>
+            <a:srgbClr val="0070C0"/>
+          </a:solidFill>
+          <a:ln>
+            <a:noFill/>
+          </a:ln>
+        </p:spPr>
+        <p:style>
+          <a:lnRef idx="2">
+            <a:schemeClr val="accent1">
+              <a:shade val="50000"/>
+            </a:schemeClr>
+          </a:lnRef>
+          <a:fillRef idx="1">
+            <a:schemeClr val="accent1"/>
+          </a:fillRef>
+          <a:effectRef idx="0">
+            <a:schemeClr val="accent1"/>
+          </a:effectRef>
+          <a:fontRef idx="minor">
+            <a:schemeClr val="lt1"/>
+          </a:fontRef>
+        </p:style>
+        <p:txBody>
+          <a:bodyPr rtlCol="0" anchor="ctr"/>
+          <a:lstStyle/>
+          <a:p>
+            <a:pPr algn="ctr"/>
+            <a:r>
+              <a:rPr lang="en-GB" sz="1200" dirty="0" smtClean="0"/>
+              <a:t>4</a:t>
+            </a:r>
+            <a:endParaRPr lang="en-GB" sz="1200" dirty="0"/>
+          </a:p>
+        </p:txBody>
+      </p:sp>
+      <p:sp>
+        <p:nvSpPr>
+          <p:cNvPr id="13" name="12 Elipse"/>
+          <p:cNvSpPr/>
+          <p:nvPr/>
+        </p:nvSpPr>
+        <p:spPr>
+          <a:xfrm>
+            <a:off x="9966709" y="4263952"/>
+            <a:ext cx="237681" cy="223557"/>
+          </a:xfrm>
+          <a:prstGeom prst="ellipse">
+            <a:avLst/>
+          </a:prstGeom>
+          <a:solidFill>
+            <a:srgbClr val="0070C0"/>
+          </a:solidFill>
+          <a:ln>
+            <a:noFill/>
+          </a:ln>
+        </p:spPr>
+        <p:style>
+          <a:lnRef idx="2">
+            <a:schemeClr val="accent1">
+              <a:shade val="50000"/>
+            </a:schemeClr>
+          </a:lnRef>
+          <a:fillRef idx="1">
+            <a:schemeClr val="accent1"/>
+          </a:fillRef>
+          <a:effectRef idx="0">
+            <a:schemeClr val="accent1"/>
+          </a:effectRef>
+          <a:fontRef idx="minor">
+            <a:schemeClr val="lt1"/>
+          </a:fontRef>
+        </p:style>
+        <p:txBody>
+          <a:bodyPr rtlCol="0" anchor="ctr"/>
+          <a:lstStyle/>
+          <a:p>
+            <a:pPr algn="ctr"/>
+            <a:r>
+              <a:rPr lang="en-GB" sz="1200" dirty="0" smtClean="0"/>
+              <a:t>5</a:t>
+            </a:r>
+            <a:endParaRPr lang="en-GB" sz="1200" dirty="0"/>
+          </a:p>
+        </p:txBody>
+      </p:sp>
+      <p:sp>
+        <p:nvSpPr>
+          <p:cNvPr id="14" name="13 Elipse"/>
+          <p:cNvSpPr/>
+          <p:nvPr/>
+        </p:nvSpPr>
+        <p:spPr>
+          <a:xfrm>
+            <a:off x="9966709" y="4689035"/>
+            <a:ext cx="237681" cy="223557"/>
+          </a:xfrm>
+          <a:prstGeom prst="ellipse">
+            <a:avLst/>
+          </a:prstGeom>
+          <a:solidFill>
+            <a:srgbClr val="0070C0"/>
+          </a:solidFill>
+          <a:ln>
+            <a:noFill/>
+          </a:ln>
+        </p:spPr>
+        <p:style>
+          <a:lnRef idx="2">
+            <a:schemeClr val="accent1">
+              <a:shade val="50000"/>
+            </a:schemeClr>
+          </a:lnRef>
+          <a:fillRef idx="1">
+            <a:schemeClr val="accent1"/>
+          </a:fillRef>
+          <a:effectRef idx="0">
+            <a:schemeClr val="accent1"/>
+          </a:effectRef>
+          <a:fontRef idx="minor">
+            <a:schemeClr val="lt1"/>
+          </a:fontRef>
+        </p:style>
+        <p:txBody>
+          <a:bodyPr rtlCol="0" anchor="ctr"/>
+          <a:lstStyle/>
+          <a:p>
+            <a:pPr algn="ctr"/>
+            <a:r>
+              <a:rPr lang="en-GB" sz="1200" dirty="0" smtClean="0"/>
+              <a:t>6</a:t>
+            </a:r>
+            <a:endParaRPr lang="en-GB" sz="1200" dirty="0"/>
+          </a:p>
+        </p:txBody>
+      </p:sp>
+    </p:spTree>
+    <p:extLst>
+      <p:ext uri="{BB962C8B-B14F-4D97-AF65-F5344CB8AC3E}">
+        <p14:creationId xmlns:p14="http://schemas.microsoft.com/office/powerpoint/2010/main" val="3537179983"/>
+      </p:ext>
+    </p:extLst>
+  </p:cSld>
+  <p:clrMapOvr>
+    <a:masterClrMapping/>
+  </p:clrMapOvr>
+</p:sld>
+</file>
+
+<file path=ppt/slides/slide42.xml><?xml version="1.0" encoding="utf-8"?>
+<p:sld xmlns:a="http://schemas.openxmlformats.org/drawingml/2006/main" xmlns:r="http://schemas.openxmlformats.org/officeDocument/2006/relationships" xmlns:p="http://schemas.openxmlformats.org/presentationml/2006/main">
+  <p:cSld>
+    <p:spTree>
+      <p:nvGrpSpPr>
+        <p:cNvPr id="1" name=""/>
+        <p:cNvGrpSpPr/>
+        <p:nvPr/>
+      </p:nvGrpSpPr>
+      <p:grpSpPr>
+        <a:xfrm>
+          <a:off x="0" y="0"/>
+          <a:ext cx="0" cy="0"/>
+          <a:chOff x="0" y="0"/>
+          <a:chExt cx="0" cy="0"/>
+        </a:xfrm>
+      </p:grpSpPr>
+      <p:pic>
+        <p:nvPicPr>
           <p:cNvPr id="4" name="3 Imagen" descr="image"/>
           <p:cNvPicPr/>
           <p:nvPr/>
@@ -9560,7 +10320,7 @@
 </p:sld>
 </file>
 
-<file path=ppt/slides/slide42.xml><?xml version="1.0" encoding="utf-8"?>
+<file path=ppt/slides/slide43.xml><?xml version="1.0" encoding="utf-8"?>
 <p:sld xmlns:a="http://schemas.openxmlformats.org/drawingml/2006/main" xmlns:r="http://schemas.openxmlformats.org/officeDocument/2006/relationships" xmlns:p="http://schemas.openxmlformats.org/presentationml/2006/main">
   <p:cSld>
     <p:spTree>
@@ -9654,7 +10414,7 @@
 </p:sld>
 </file>
 
-<file path=ppt/slides/slide43.xml><?xml version="1.0" encoding="utf-8"?>
+<file path=ppt/slides/slide44.xml><?xml version="1.0" encoding="utf-8"?>
 <p:sld xmlns:a="http://schemas.openxmlformats.org/drawingml/2006/main" xmlns:r="http://schemas.openxmlformats.org/officeDocument/2006/relationships" xmlns:p="http://schemas.openxmlformats.org/presentationml/2006/main">
   <p:cSld>
     <p:spTree>
@@ -9773,7 +10533,7 @@
         </p:nvSpPr>
         <p:spPr>
           <a:xfrm>
-            <a:off x="539552" y="1198320"/>
+            <a:off x="35496" y="46192"/>
             <a:ext cx="936104" cy="357690"/>
           </a:xfrm>
           <a:prstGeom prst="roundRect">
@@ -9826,7 +10586,7 @@
         </p:nvSpPr>
         <p:spPr>
           <a:xfrm>
-            <a:off x="1363688" y="1917735"/>
+            <a:off x="859632" y="765607"/>
             <a:ext cx="1132685" cy="357690"/>
           </a:xfrm>
           <a:prstGeom prst="roundRect">
@@ -9854,7 +10614,6 @@
           <a:bodyPr rtlCol="0" anchor="ctr"/>
           <a:lstStyle/>
           <a:p>
-            <a:pPr algn="ctr"/>
             <a:r>
               <a:rPr lang="ca-ES" sz="1200" dirty="0" smtClean="0">
                 <a:solidFill>
@@ -9879,7 +10638,7 @@
         </p:nvSpPr>
         <p:spPr>
           <a:xfrm>
-            <a:off x="1363688" y="2419442"/>
+            <a:off x="859632" y="1700808"/>
             <a:ext cx="1370549" cy="357690"/>
           </a:xfrm>
           <a:prstGeom prst="roundRect">
@@ -9907,7 +10666,6 @@
           <a:bodyPr rtlCol="0" anchor="ctr"/>
           <a:lstStyle/>
           <a:p>
-            <a:pPr algn="ctr"/>
             <a:r>
               <a:rPr lang="ca-ES" sz="1200" dirty="0" smtClean="0">
                 <a:solidFill>
@@ -9932,7 +10690,7 @@
         </p:nvSpPr>
         <p:spPr>
           <a:xfrm>
-            <a:off x="1363688" y="2927294"/>
+            <a:off x="859632" y="2564904"/>
             <a:ext cx="703309" cy="357690"/>
           </a:xfrm>
           <a:prstGeom prst="roundRect">
@@ -9960,7 +10718,6 @@
           <a:bodyPr rtlCol="0" anchor="ctr"/>
           <a:lstStyle/>
           <a:p>
-            <a:pPr algn="ctr"/>
             <a:r>
               <a:rPr lang="ca-ES" sz="1200" dirty="0" smtClean="0">
                 <a:solidFill>
@@ -9985,7 +10742,7 @@
         </p:nvSpPr>
         <p:spPr>
           <a:xfrm>
-            <a:off x="1370881" y="3431350"/>
+            <a:off x="866825" y="3501008"/>
             <a:ext cx="851004" cy="357690"/>
           </a:xfrm>
           <a:prstGeom prst="roundRect">
@@ -10013,7 +10770,6 @@
           <a:bodyPr rtlCol="0" anchor="ctr"/>
           <a:lstStyle/>
           <a:p>
-            <a:pPr algn="ctr"/>
             <a:r>
               <a:rPr lang="ca-ES" sz="1200" smtClean="0">
                 <a:solidFill>
@@ -10038,7 +10794,7 @@
         </p:nvSpPr>
         <p:spPr>
           <a:xfrm>
-            <a:off x="1363687" y="3935406"/>
+            <a:off x="859631" y="4446284"/>
             <a:ext cx="1132685" cy="357690"/>
           </a:xfrm>
           <a:prstGeom prst="roundRect">
@@ -10066,7 +10822,6 @@
           <a:bodyPr rtlCol="0" anchor="ctr"/>
           <a:lstStyle/>
           <a:p>
-            <a:pPr algn="ctr"/>
             <a:r>
               <a:rPr lang="ca-ES" sz="1200" dirty="0" smtClean="0">
                 <a:solidFill>
@@ -10091,7 +10846,7 @@
         </p:nvSpPr>
         <p:spPr>
           <a:xfrm>
-            <a:off x="1363687" y="4439462"/>
+            <a:off x="859631" y="5517232"/>
             <a:ext cx="1824200" cy="357690"/>
           </a:xfrm>
           <a:prstGeom prst="roundRect">
@@ -10119,7 +10874,6 @@
           <a:bodyPr rtlCol="0" anchor="ctr"/>
           <a:lstStyle/>
           <a:p>
-            <a:pPr algn="ctr"/>
             <a:r>
               <a:rPr lang="ca-ES" sz="1200" dirty="0" smtClean="0">
                 <a:solidFill>
@@ -10144,7 +10898,7 @@
         </p:nvSpPr>
         <p:spPr>
           <a:xfrm>
-            <a:off x="1363687" y="5447574"/>
+            <a:off x="859631" y="7247774"/>
             <a:ext cx="936104" cy="357690"/>
           </a:xfrm>
           <a:prstGeom prst="roundRect">
@@ -10172,7 +10926,6 @@
           <a:bodyPr rtlCol="0" anchor="ctr"/>
           <a:lstStyle/>
           <a:p>
-            <a:pPr algn="ctr"/>
             <a:r>
               <a:rPr lang="ca-ES" sz="1200" dirty="0" smtClean="0">
                 <a:solidFill>
@@ -10200,7 +10953,7 @@
         </p:nvCxnSpPr>
         <p:spPr>
           <a:xfrm rot="16200000" flipH="1">
-            <a:off x="915361" y="1648253"/>
+            <a:off x="411305" y="496125"/>
             <a:ext cx="540570" cy="356084"/>
           </a:xfrm>
           <a:prstGeom prst="bentConnector2">
@@ -10236,8 +10989,8 @@
         </p:nvCxnSpPr>
         <p:spPr>
           <a:xfrm rot="16200000" flipH="1">
-            <a:off x="664508" y="1899106"/>
-            <a:ext cx="1042277" cy="356084"/>
+            <a:off x="-56295" y="963725"/>
+            <a:ext cx="1475771" cy="356084"/>
           </a:xfrm>
           <a:prstGeom prst="bentConnector2">
             <a:avLst/>
@@ -10272,8 +11025,8 @@
         </p:nvCxnSpPr>
         <p:spPr>
           <a:xfrm rot="16200000" flipH="1">
-            <a:off x="410582" y="2153032"/>
-            <a:ext cx="1550129" cy="356084"/>
+            <a:off x="-488343" y="1395773"/>
+            <a:ext cx="2339867" cy="356084"/>
           </a:xfrm>
           <a:prstGeom prst="bentConnector2">
             <a:avLst/>
@@ -10308,8 +11061,8 @@
         </p:nvCxnSpPr>
         <p:spPr>
           <a:xfrm rot="16200000" flipH="1">
-            <a:off x="162150" y="2401463"/>
-            <a:ext cx="2054185" cy="363277"/>
+            <a:off x="-952799" y="1860228"/>
+            <a:ext cx="3275971" cy="363277"/>
           </a:xfrm>
           <a:prstGeom prst="bentConnector2">
             <a:avLst/>
@@ -10344,8 +11097,8 @@
         </p:nvCxnSpPr>
         <p:spPr>
           <a:xfrm rot="16200000" flipH="1">
-            <a:off x="-93475" y="2657088"/>
-            <a:ext cx="2558241" cy="356083"/>
+            <a:off x="-1429034" y="2336463"/>
+            <a:ext cx="4221247" cy="356083"/>
           </a:xfrm>
           <a:prstGeom prst="bentConnector2">
             <a:avLst/>
@@ -10380,8 +11133,8 @@
         </p:nvCxnSpPr>
         <p:spPr>
           <a:xfrm rot="16200000" flipH="1">
-            <a:off x="-345503" y="2909116"/>
-            <a:ext cx="3062297" cy="356083"/>
+            <a:off x="-1964508" y="2871937"/>
+            <a:ext cx="5292195" cy="356083"/>
           </a:xfrm>
           <a:prstGeom prst="bentConnector2">
             <a:avLst/>
@@ -10416,8 +11169,8 @@
         </p:nvCxnSpPr>
         <p:spPr>
           <a:xfrm rot="16200000" flipH="1">
-            <a:off x="-849559" y="3413172"/>
-            <a:ext cx="4070409" cy="356083"/>
+            <a:off x="-2829779" y="3737208"/>
+            <a:ext cx="7022737" cy="356083"/>
           </a:xfrm>
           <a:prstGeom prst="bentConnector2">
             <a:avLst/>
@@ -10449,33 +11202,48 @@
         </p:nvSpPr>
         <p:spPr>
           <a:xfrm>
-            <a:off x="2616834" y="1866890"/>
-            <a:ext cx="5123518" cy="553998"/>
+            <a:off x="2195736" y="1196752"/>
+            <a:ext cx="5123518" cy="400110"/>
           </a:xfrm>
           <a:prstGeom prst="rect">
             <a:avLst/>
           </a:prstGeom>
           <a:noFill/>
-        </p:spPr>
-        <p:txBody>
-          <a:bodyPr wrap="none" rtlCol="0">
+          <a:ln w="3175">
+            <a:solidFill>
+              <a:schemeClr val="tx1"/>
+            </a:solidFill>
+            <a:prstDash val="dash"/>
+          </a:ln>
+        </p:spPr>
+        <p:txBody>
+          <a:bodyPr wrap="square" rtlCol="0">
             <a:spAutoFit/>
           </a:bodyPr>
-          <a:lstStyle/>
-          <a:p>
-            <a:r>
-              <a:rPr lang="ca-ES" sz="1000" dirty="0" smtClean="0"/>
+          <a:lstStyle>
+            <a:defPPr>
+              <a:defRPr lang="ca-ES"/>
+            </a:defPPr>
+            <a:lvl1pPr>
+              <a:defRPr sz="1000"/>
+            </a:lvl1pPr>
+          </a:lstStyle>
+          <a:p>
+            <a:r>
+              <a:rPr lang="ca-ES" dirty="0"/>
               <a:t>PARTICIPATION_IN_CRIMINAL_ORGANISATION, CORRUPTION, FRAUD, TERRORIST_OFFENCES, </a:t>
             </a:r>
           </a:p>
           <a:p>
             <a:r>
-              <a:rPr lang="ca-ES" sz="1000" dirty="0" smtClean="0"/>
-              <a:t>MONEY_LAUNDERING, CHILD_LABOUR-HUMAN_TRAFFICKING</a:t>
-            </a:r>
-          </a:p>
-          <a:p>
-            <a:endParaRPr lang="ca-ES" sz="1000" dirty="0" smtClean="0"/>
+              <a:rPr lang="ca-ES" dirty="0"/>
+              <a:t>MONEY_LAUNDERING, </a:t>
+            </a:r>
+            <a:r>
+              <a:rPr lang="ca-ES" dirty="0" smtClean="0"/>
+              <a:t>CHILD_LABOUR-HUMAN_TRAFFICKING</a:t>
+            </a:r>
+            <a:endParaRPr lang="ca-ES" dirty="0"/>
           </a:p>
         </p:txBody>
       </p:sp>
@@ -10487,22 +11255,35 @@
         </p:nvSpPr>
         <p:spPr>
           <a:xfrm>
-            <a:off x="2754335" y="2456910"/>
+            <a:off x="2195736" y="2190027"/>
             <a:ext cx="3090911" cy="246221"/>
           </a:xfrm>
           <a:prstGeom prst="rect">
             <a:avLst/>
           </a:prstGeom>
           <a:noFill/>
-        </p:spPr>
-        <p:txBody>
-          <a:bodyPr wrap="none" rtlCol="0">
+          <a:ln w="3175">
+            <a:solidFill>
+              <a:schemeClr val="tx1"/>
+            </a:solidFill>
+            <a:prstDash val="dash"/>
+          </a:ln>
+        </p:spPr>
+        <p:txBody>
+          <a:bodyPr wrap="square" rtlCol="0">
             <a:spAutoFit/>
           </a:bodyPr>
-          <a:lstStyle/>
-          <a:p>
-            <a:r>
-              <a:rPr lang="ca-ES" sz="1000" dirty="0" smtClean="0"/>
+          <a:lstStyle>
+            <a:defPPr>
+              <a:defRPr lang="ca-ES"/>
+            </a:defPPr>
+            <a:lvl1pPr>
+              <a:defRPr sz="1000"/>
+            </a:lvl1pPr>
+          </a:lstStyle>
+          <a:p>
+            <a:r>
+              <a:rPr lang="ca-ES" dirty="0"/>
               <a:t>PAYMENT_OF_TAXES, PAYMENT_OF_SOCIAL_SECURITY</a:t>
             </a:r>
           </a:p>
@@ -10516,22 +11297,35 @@
         </p:nvSpPr>
         <p:spPr>
           <a:xfrm>
-            <a:off x="2754335" y="2999302"/>
+            <a:off x="2195736" y="3006825"/>
             <a:ext cx="2965877" cy="246221"/>
           </a:xfrm>
           <a:prstGeom prst="rect">
             <a:avLst/>
           </a:prstGeom>
           <a:noFill/>
-        </p:spPr>
-        <p:txBody>
-          <a:bodyPr wrap="none" rtlCol="0">
+          <a:ln w="3175">
+            <a:solidFill>
+              <a:schemeClr val="tx1"/>
+            </a:solidFill>
+            <a:prstDash val="dash"/>
+          </a:ln>
+        </p:spPr>
+        <p:txBody>
+          <a:bodyPr wrap="square" rtlCol="0">
             <a:spAutoFit/>
           </a:bodyPr>
-          <a:lstStyle/>
-          <a:p>
-            <a:r>
-              <a:rPr lang="ca-ES" sz="1000" dirty="0" smtClean="0"/>
+          <a:lstStyle>
+            <a:defPPr>
+              <a:defRPr lang="ca-ES"/>
+            </a:defPPr>
+            <a:lvl1pPr>
+              <a:defRPr sz="1000"/>
+            </a:lvl1pPr>
+          </a:lstStyle>
+          <a:p>
+            <a:r>
+              <a:rPr lang="ca-ES" dirty="0"/>
               <a:t>ENVIRONMENTAL_LAW, SOCIAL_LAW, LABOUR_LAW</a:t>
             </a:r>
           </a:p>
@@ -10545,28 +11339,41 @@
         </p:nvSpPr>
         <p:spPr>
           <a:xfrm>
-            <a:off x="2754335" y="3388930"/>
+            <a:off x="2195736" y="3861048"/>
             <a:ext cx="4722768" cy="400110"/>
           </a:xfrm>
           <a:prstGeom prst="rect">
             <a:avLst/>
           </a:prstGeom>
           <a:noFill/>
-        </p:spPr>
-        <p:txBody>
-          <a:bodyPr wrap="none" rtlCol="0">
+          <a:ln w="3175">
+            <a:solidFill>
+              <a:schemeClr val="tx1"/>
+            </a:solidFill>
+            <a:prstDash val="dash"/>
+          </a:ln>
+        </p:spPr>
+        <p:txBody>
+          <a:bodyPr wrap="square" rtlCol="0">
             <a:spAutoFit/>
           </a:bodyPr>
-          <a:lstStyle/>
-          <a:p>
-            <a:r>
-              <a:rPr lang="ca-ES" sz="1000" dirty="0" smtClean="0"/>
+          <a:lstStyle>
+            <a:defPPr>
+              <a:defRPr lang="ca-ES"/>
+            </a:defPPr>
+            <a:lvl1pPr>
+              <a:defRPr sz="1000"/>
+            </a:lvl1pPr>
+          </a:lstStyle>
+          <a:p>
+            <a:r>
+              <a:rPr lang="ca-ES" dirty="0"/>
               <a:t>BANKRUPTCY, INSOLVENCY, CREDITORS_ARRANGEMENT, BANKRUPTCY_ANALOGOUS, </a:t>
             </a:r>
           </a:p>
           <a:p>
             <a:r>
-              <a:rPr lang="ca-ES" sz="1000" dirty="0" smtClean="0"/>
+              <a:rPr lang="ca-ES" dirty="0"/>
               <a:t>LIQUIDATOR_ADMINISTERED, ACTIVITIES_SUSPENDED</a:t>
             </a:r>
           </a:p>
@@ -10580,22 +11387,35 @@
         </p:nvSpPr>
         <p:spPr>
           <a:xfrm>
-            <a:off x="2754335" y="4007994"/>
+            <a:off x="2195736" y="5023049"/>
             <a:ext cx="2430474" cy="246221"/>
           </a:xfrm>
           <a:prstGeom prst="rect">
             <a:avLst/>
           </a:prstGeom>
           <a:noFill/>
-        </p:spPr>
-        <p:txBody>
-          <a:bodyPr wrap="none" rtlCol="0">
+          <a:ln w="3175">
+            <a:solidFill>
+              <a:schemeClr val="tx1"/>
+            </a:solidFill>
+            <a:prstDash val="dash"/>
+          </a:ln>
+        </p:spPr>
+        <p:txBody>
+          <a:bodyPr wrap="square" rtlCol="0">
             <a:spAutoFit/>
           </a:bodyPr>
-          <a:lstStyle/>
-          <a:p>
-            <a:r>
-              <a:rPr lang="ca-ES" sz="1000" dirty="0" smtClean="0"/>
+          <a:lstStyle>
+            <a:defPPr>
+              <a:defRPr lang="ca-ES"/>
+            </a:defPPr>
+            <a:lvl1pPr>
+              <a:defRPr sz="1000"/>
+            </a:lvl1pPr>
+          </a:lstStyle>
+          <a:p>
+            <a:r>
+              <a:rPr lang="ca-ES" dirty="0"/>
               <a:t>MC_PROFESSIONAL, MARKET_DISTORSION</a:t>
             </a:r>
           </a:p>
@@ -10609,22 +11429,35 @@
         </p:nvSpPr>
         <p:spPr>
           <a:xfrm>
-            <a:off x="3334189" y="4512050"/>
+            <a:off x="2195736" y="6031161"/>
             <a:ext cx="3268844" cy="246221"/>
           </a:xfrm>
           <a:prstGeom prst="rect">
             <a:avLst/>
           </a:prstGeom>
           <a:noFill/>
-        </p:spPr>
-        <p:txBody>
-          <a:bodyPr wrap="none" rtlCol="0">
+          <a:ln w="3175">
+            <a:solidFill>
+              <a:schemeClr val="tx1"/>
+            </a:solidFill>
+            <a:prstDash val="dash"/>
+          </a:ln>
+        </p:spPr>
+        <p:txBody>
+          <a:bodyPr wrap="square" rtlCol="0">
             <a:spAutoFit/>
           </a:bodyPr>
-          <a:lstStyle/>
-          <a:p>
-            <a:r>
-              <a:rPr lang="ca-ES" sz="1000" dirty="0" smtClean="0"/>
+          <a:lstStyle>
+            <a:defPPr>
+              <a:defRPr lang="ca-ES"/>
+            </a:defPPr>
+            <a:lvl1pPr>
+              <a:defRPr sz="1000"/>
+            </a:lvl1pPr>
+          </a:lstStyle>
+          <a:p>
+            <a:r>
+              <a:rPr lang="ca-ES" dirty="0"/>
               <a:t>PROCEDURE_PARTICIPATION, PROCEDURE_PREPARATION</a:t>
             </a:r>
           </a:p>
@@ -10638,22 +11471,35 @@
         </p:nvSpPr>
         <p:spPr>
           <a:xfrm>
-            <a:off x="2536726" y="5517232"/>
+            <a:off x="2195736" y="7615337"/>
             <a:ext cx="543739" cy="246221"/>
           </a:xfrm>
           <a:prstGeom prst="rect">
             <a:avLst/>
           </a:prstGeom>
           <a:noFill/>
-        </p:spPr>
-        <p:txBody>
-          <a:bodyPr wrap="none" rtlCol="0">
+          <a:ln w="3175">
+            <a:solidFill>
+              <a:schemeClr val="tx1"/>
+            </a:solidFill>
+            <a:prstDash val="dash"/>
+          </a:ln>
+        </p:spPr>
+        <p:txBody>
+          <a:bodyPr wrap="square" rtlCol="0">
             <a:spAutoFit/>
           </a:bodyPr>
-          <a:lstStyle/>
-          <a:p>
-            <a:r>
-              <a:rPr lang="ca-ES" sz="1000" dirty="0" smtClean="0"/>
+          <a:lstStyle>
+            <a:defPPr>
+              <a:defRPr lang="ca-ES"/>
+            </a:defPPr>
+            <a:lvl1pPr>
+              <a:defRPr sz="1000"/>
+            </a:lvl1pPr>
+          </a:lstStyle>
+          <a:p>
+            <a:r>
+              <a:rPr lang="ca-ES" dirty="0"/>
               <a:t>OTHER</a:t>
             </a:r>
           </a:p>
@@ -10667,7 +11513,7 @@
         </p:nvSpPr>
         <p:spPr>
           <a:xfrm>
-            <a:off x="1331640" y="4943518"/>
+            <a:off x="827584" y="6455686"/>
             <a:ext cx="1824200" cy="357690"/>
           </a:xfrm>
           <a:prstGeom prst="roundRect">
@@ -10695,7 +11541,6 @@
           <a:bodyPr rtlCol="0" anchor="ctr"/>
           <a:lstStyle/>
           <a:p>
-            <a:pPr algn="ctr"/>
             <a:r>
               <a:rPr lang="ca-ES" sz="1200" dirty="0" smtClean="0">
                 <a:solidFill>
@@ -10723,8 +11568,8 @@
         </p:nvCxnSpPr>
         <p:spPr>
           <a:xfrm rot="16200000" flipH="1">
-            <a:off x="-613554" y="3177168"/>
-            <a:ext cx="3566353" cy="324036"/>
+            <a:off x="-2449758" y="3357188"/>
+            <a:ext cx="6230649" cy="324036"/>
           </a:xfrm>
           <a:prstGeom prst="bentConnector2">
             <a:avLst/>
@@ -10756,16 +11601,22 @@
         </p:nvSpPr>
         <p:spPr>
           <a:xfrm>
-            <a:off x="3362367" y="5002029"/>
+            <a:off x="2195736" y="6967265"/>
             <a:ext cx="2492990" cy="246221"/>
           </a:xfrm>
           <a:prstGeom prst="rect">
             <a:avLst/>
           </a:prstGeom>
           <a:noFill/>
-        </p:spPr>
-        <p:txBody>
-          <a:bodyPr wrap="none" rtlCol="0">
+          <a:ln w="3175">
+            <a:solidFill>
+              <a:schemeClr val="tx1"/>
+            </a:solidFill>
+            <a:prstDash val="dash"/>
+          </a:ln>
+        </p:spPr>
+        <p:txBody>
+          <a:bodyPr wrap="square" rtlCol="0">
             <a:spAutoFit/>
           </a:bodyPr>
           <a:lstStyle/>
@@ -10778,6 +11629,294 @@
           </a:p>
         </p:txBody>
       </p:sp>
+      <p:cxnSp>
+        <p:nvCxnSpPr>
+          <p:cNvPr id="27" name="26 Conector angular"/>
+          <p:cNvCxnSpPr>
+            <a:stCxn id="30" idx="2"/>
+            <a:endCxn id="44" idx="1"/>
+          </p:cNvCxnSpPr>
+          <p:nvPr/>
+        </p:nvCxnSpPr>
+        <p:spPr>
+          <a:xfrm rot="16200000" flipH="1">
+            <a:off x="1674100" y="875171"/>
+            <a:ext cx="273510" cy="769761"/>
+          </a:xfrm>
+          <a:prstGeom prst="bentConnector2">
+            <a:avLst/>
+          </a:prstGeom>
+          <a:ln>
+            <a:tailEnd type="arrow"/>
+          </a:ln>
+        </p:spPr>
+        <p:style>
+          <a:lnRef idx="1">
+            <a:schemeClr val="accent1"/>
+          </a:lnRef>
+          <a:fillRef idx="0">
+            <a:schemeClr val="accent1"/>
+          </a:fillRef>
+          <a:effectRef idx="0">
+            <a:schemeClr val="accent1"/>
+          </a:effectRef>
+          <a:fontRef idx="minor">
+            <a:schemeClr val="tx1"/>
+          </a:fontRef>
+        </p:style>
+      </p:cxnSp>
+      <p:cxnSp>
+        <p:nvCxnSpPr>
+          <p:cNvPr id="54" name="53 Conector angular"/>
+          <p:cNvCxnSpPr>
+            <a:stCxn id="31" idx="2"/>
+            <a:endCxn id="45" idx="1"/>
+          </p:cNvCxnSpPr>
+          <p:nvPr/>
+        </p:nvCxnSpPr>
+        <p:spPr>
+          <a:xfrm rot="16200000" flipH="1">
+            <a:off x="1743001" y="1860403"/>
+            <a:ext cx="254640" cy="650829"/>
+          </a:xfrm>
+          <a:prstGeom prst="bentConnector2">
+            <a:avLst/>
+          </a:prstGeom>
+          <a:ln>
+            <a:tailEnd type="arrow"/>
+          </a:ln>
+        </p:spPr>
+        <p:style>
+          <a:lnRef idx="1">
+            <a:schemeClr val="accent1"/>
+          </a:lnRef>
+          <a:fillRef idx="0">
+            <a:schemeClr val="accent1"/>
+          </a:fillRef>
+          <a:effectRef idx="0">
+            <a:schemeClr val="accent1"/>
+          </a:effectRef>
+          <a:fontRef idx="minor">
+            <a:schemeClr val="tx1"/>
+          </a:fontRef>
+        </p:style>
+      </p:cxnSp>
+      <p:cxnSp>
+        <p:nvCxnSpPr>
+          <p:cNvPr id="55" name="54 Conector angular"/>
+          <p:cNvCxnSpPr>
+            <a:stCxn id="32" idx="2"/>
+            <a:endCxn id="46" idx="1"/>
+          </p:cNvCxnSpPr>
+          <p:nvPr/>
+        </p:nvCxnSpPr>
+        <p:spPr>
+          <a:xfrm rot="16200000" flipH="1">
+            <a:off x="1599840" y="2534040"/>
+            <a:ext cx="207342" cy="984449"/>
+          </a:xfrm>
+          <a:prstGeom prst="bentConnector2">
+            <a:avLst/>
+          </a:prstGeom>
+          <a:ln>
+            <a:tailEnd type="arrow"/>
+          </a:ln>
+        </p:spPr>
+        <p:style>
+          <a:lnRef idx="1">
+            <a:schemeClr val="accent1"/>
+          </a:lnRef>
+          <a:fillRef idx="0">
+            <a:schemeClr val="accent1"/>
+          </a:fillRef>
+          <a:effectRef idx="0">
+            <a:schemeClr val="accent1"/>
+          </a:effectRef>
+          <a:fontRef idx="minor">
+            <a:schemeClr val="tx1"/>
+          </a:fontRef>
+        </p:style>
+      </p:cxnSp>
+      <p:cxnSp>
+        <p:nvCxnSpPr>
+          <p:cNvPr id="56" name="55 Conector angular"/>
+          <p:cNvCxnSpPr>
+            <a:stCxn id="33" idx="2"/>
+            <a:endCxn id="47" idx="1"/>
+          </p:cNvCxnSpPr>
+          <p:nvPr/>
+        </p:nvCxnSpPr>
+        <p:spPr>
+          <a:xfrm rot="16200000" flipH="1">
+            <a:off x="1642829" y="3508195"/>
+            <a:ext cx="202405" cy="903409"/>
+          </a:xfrm>
+          <a:prstGeom prst="bentConnector2">
+            <a:avLst/>
+          </a:prstGeom>
+          <a:ln>
+            <a:tailEnd type="arrow"/>
+          </a:ln>
+        </p:spPr>
+        <p:style>
+          <a:lnRef idx="1">
+            <a:schemeClr val="accent1"/>
+          </a:lnRef>
+          <a:fillRef idx="0">
+            <a:schemeClr val="accent1"/>
+          </a:fillRef>
+          <a:effectRef idx="0">
+            <a:schemeClr val="accent1"/>
+          </a:effectRef>
+          <a:fontRef idx="minor">
+            <a:schemeClr val="tx1"/>
+          </a:fontRef>
+        </p:style>
+      </p:cxnSp>
+      <p:cxnSp>
+        <p:nvCxnSpPr>
+          <p:cNvPr id="57" name="56 Conector angular"/>
+          <p:cNvCxnSpPr>
+            <a:stCxn id="34" idx="2"/>
+            <a:endCxn id="48" idx="1"/>
+          </p:cNvCxnSpPr>
+          <p:nvPr/>
+        </p:nvCxnSpPr>
+        <p:spPr>
+          <a:xfrm rot="16200000" flipH="1">
+            <a:off x="1639762" y="4590186"/>
+            <a:ext cx="342186" cy="769762"/>
+          </a:xfrm>
+          <a:prstGeom prst="bentConnector2">
+            <a:avLst/>
+          </a:prstGeom>
+          <a:ln>
+            <a:tailEnd type="arrow"/>
+          </a:ln>
+        </p:spPr>
+        <p:style>
+          <a:lnRef idx="1">
+            <a:schemeClr val="accent1"/>
+          </a:lnRef>
+          <a:fillRef idx="0">
+            <a:schemeClr val="accent1"/>
+          </a:fillRef>
+          <a:effectRef idx="0">
+            <a:schemeClr val="accent1"/>
+          </a:effectRef>
+          <a:fontRef idx="minor">
+            <a:schemeClr val="tx1"/>
+          </a:fontRef>
+        </p:style>
+      </p:cxnSp>
+      <p:cxnSp>
+        <p:nvCxnSpPr>
+          <p:cNvPr id="58" name="57 Conector angular"/>
+          <p:cNvCxnSpPr>
+            <a:stCxn id="35" idx="2"/>
+            <a:endCxn id="49" idx="1"/>
+          </p:cNvCxnSpPr>
+          <p:nvPr/>
+        </p:nvCxnSpPr>
+        <p:spPr>
+          <a:xfrm rot="16200000" flipH="1">
+            <a:off x="1844058" y="5802594"/>
+            <a:ext cx="279350" cy="424005"/>
+          </a:xfrm>
+          <a:prstGeom prst="bentConnector2">
+            <a:avLst/>
+          </a:prstGeom>
+          <a:ln>
+            <a:tailEnd type="arrow"/>
+          </a:ln>
+        </p:spPr>
+        <p:style>
+          <a:lnRef idx="1">
+            <a:schemeClr val="accent1"/>
+          </a:lnRef>
+          <a:fillRef idx="0">
+            <a:schemeClr val="accent1"/>
+          </a:fillRef>
+          <a:effectRef idx="0">
+            <a:schemeClr val="accent1"/>
+          </a:effectRef>
+          <a:fontRef idx="minor">
+            <a:schemeClr val="tx1"/>
+          </a:fontRef>
+        </p:style>
+      </p:cxnSp>
+      <p:cxnSp>
+        <p:nvCxnSpPr>
+          <p:cNvPr id="59" name="58 Conector angular"/>
+          <p:cNvCxnSpPr>
+            <a:stCxn id="51" idx="2"/>
+            <a:endCxn id="53" idx="1"/>
+          </p:cNvCxnSpPr>
+          <p:nvPr/>
+        </p:nvCxnSpPr>
+        <p:spPr>
+          <a:xfrm rot="16200000" flipH="1">
+            <a:off x="1829210" y="6723850"/>
+            <a:ext cx="277000" cy="456052"/>
+          </a:xfrm>
+          <a:prstGeom prst="bentConnector2">
+            <a:avLst/>
+          </a:prstGeom>
+          <a:ln>
+            <a:tailEnd type="arrow"/>
+          </a:ln>
+        </p:spPr>
+        <p:style>
+          <a:lnRef idx="1">
+            <a:schemeClr val="accent1"/>
+          </a:lnRef>
+          <a:fillRef idx="0">
+            <a:schemeClr val="accent1"/>
+          </a:fillRef>
+          <a:effectRef idx="0">
+            <a:schemeClr val="accent1"/>
+          </a:effectRef>
+          <a:fontRef idx="minor">
+            <a:schemeClr val="tx1"/>
+          </a:fontRef>
+        </p:style>
+      </p:cxnSp>
+      <p:cxnSp>
+        <p:nvCxnSpPr>
+          <p:cNvPr id="60" name="59 Conector angular"/>
+          <p:cNvCxnSpPr>
+            <a:stCxn id="36" idx="2"/>
+            <a:endCxn id="50" idx="1"/>
+          </p:cNvCxnSpPr>
+          <p:nvPr/>
+        </p:nvCxnSpPr>
+        <p:spPr>
+          <a:xfrm rot="16200000" flipH="1">
+            <a:off x="1695217" y="7237929"/>
+            <a:ext cx="132984" cy="868053"/>
+          </a:xfrm>
+          <a:prstGeom prst="bentConnector2">
+            <a:avLst/>
+          </a:prstGeom>
+          <a:ln>
+            <a:tailEnd type="arrow"/>
+          </a:ln>
+        </p:spPr>
+        <p:style>
+          <a:lnRef idx="1">
+            <a:schemeClr val="accent1"/>
+          </a:lnRef>
+          <a:fillRef idx="0">
+            <a:schemeClr val="accent1"/>
+          </a:fillRef>
+          <a:effectRef idx="0">
+            <a:schemeClr val="accent1"/>
+          </a:effectRef>
+          <a:fontRef idx="minor">
+            <a:schemeClr val="tx1"/>
+          </a:fontRef>
+        </p:style>
+      </p:cxnSp>
     </p:spTree>
     <p:extLst>
       <p:ext uri="{BB962C8B-B14F-4D97-AF65-F5344CB8AC3E}">
@@ -10808,6 +11947,1527 @@
           <a:chExt cx="0" cy="0"/>
         </a:xfrm>
       </p:grpSpPr>
+      <p:sp>
+        <p:nvSpPr>
+          <p:cNvPr id="4" name="3 Rectángulo redondeado"/>
+          <p:cNvSpPr/>
+          <p:nvPr/>
+        </p:nvSpPr>
+        <p:spPr>
+          <a:xfrm>
+            <a:off x="35496" y="-603448"/>
+            <a:ext cx="936104" cy="357690"/>
+          </a:xfrm>
+          <a:prstGeom prst="roundRect">
+            <a:avLst/>
+          </a:prstGeom>
+          <a:noFill/>
+        </p:spPr>
+        <p:style>
+          <a:lnRef idx="2">
+            <a:schemeClr val="accent1">
+              <a:shade val="50000"/>
+            </a:schemeClr>
+          </a:lnRef>
+          <a:fillRef idx="1">
+            <a:schemeClr val="accent1"/>
+          </a:fillRef>
+          <a:effectRef idx="0">
+            <a:schemeClr val="accent1"/>
+          </a:effectRef>
+          <a:fontRef idx="minor">
+            <a:schemeClr val="lt1"/>
+          </a:fontRef>
+        </p:style>
+        <p:txBody>
+          <a:bodyPr rtlCol="0" anchor="ctr"/>
+          <a:lstStyle/>
+          <a:p>
+            <a:pPr algn="ctr"/>
+            <a:r>
+              <a:rPr lang="ca-ES" sz="1200" smtClean="0">
+                <a:solidFill>
+                  <a:schemeClr val="accent1"/>
+                </a:solidFill>
+              </a:rPr>
+              <a:t>SELECTION</a:t>
+            </a:r>
+            <a:endParaRPr lang="ca-ES" sz="1200" dirty="0">
+              <a:solidFill>
+                <a:schemeClr val="accent1"/>
+              </a:solidFill>
+            </a:endParaRPr>
+          </a:p>
+        </p:txBody>
+      </p:sp>
+      <p:sp>
+        <p:nvSpPr>
+          <p:cNvPr id="6" name="5 Rectángulo redondeado"/>
+          <p:cNvSpPr/>
+          <p:nvPr/>
+        </p:nvSpPr>
+        <p:spPr>
+          <a:xfrm>
+            <a:off x="707227" y="-97419"/>
+            <a:ext cx="2593060" cy="244307"/>
+          </a:xfrm>
+          <a:prstGeom prst="roundRect">
+            <a:avLst/>
+          </a:prstGeom>
+          <a:noFill/>
+        </p:spPr>
+        <p:style>
+          <a:lnRef idx="2">
+            <a:schemeClr val="accent1">
+              <a:shade val="50000"/>
+            </a:schemeClr>
+          </a:lnRef>
+          <a:fillRef idx="1">
+            <a:schemeClr val="accent1"/>
+          </a:fillRef>
+          <a:effectRef idx="0">
+            <a:schemeClr val="accent1"/>
+          </a:effectRef>
+          <a:fontRef idx="minor">
+            <a:schemeClr val="lt1"/>
+          </a:fontRef>
+        </p:style>
+        <p:txBody>
+          <a:bodyPr rtlCol="0" anchor="ctr"/>
+          <a:lstStyle/>
+          <a:p>
+            <a:pPr algn="ctr"/>
+            <a:r>
+              <a:rPr lang="ca-ES" sz="1200" dirty="0">
+                <a:solidFill>
+                  <a:schemeClr val="accent1"/>
+                </a:solidFill>
+              </a:rPr>
+              <a:t>ECONOMIC_FINANCIAL_STANDING</a:t>
+            </a:r>
+          </a:p>
+        </p:txBody>
+      </p:sp>
+      <p:sp>
+        <p:nvSpPr>
+          <p:cNvPr id="7" name="6 Rectángulo redondeado"/>
+          <p:cNvSpPr/>
+          <p:nvPr/>
+        </p:nvSpPr>
+        <p:spPr>
+          <a:xfrm>
+            <a:off x="707227" y="2998925"/>
+            <a:ext cx="2593060" cy="244307"/>
+          </a:xfrm>
+          <a:prstGeom prst="roundRect">
+            <a:avLst/>
+          </a:prstGeom>
+          <a:noFill/>
+        </p:spPr>
+        <p:style>
+          <a:lnRef idx="2">
+            <a:schemeClr val="accent1">
+              <a:shade val="50000"/>
+            </a:schemeClr>
+          </a:lnRef>
+          <a:fillRef idx="1">
+            <a:schemeClr val="accent1"/>
+          </a:fillRef>
+          <a:effectRef idx="0">
+            <a:schemeClr val="accent1"/>
+          </a:effectRef>
+          <a:fontRef idx="minor">
+            <a:schemeClr val="lt1"/>
+          </a:fontRef>
+        </p:style>
+        <p:txBody>
+          <a:bodyPr rtlCol="0" anchor="ctr"/>
+          <a:lstStyle/>
+          <a:p>
+            <a:pPr algn="ctr"/>
+            <a:r>
+              <a:rPr lang="ca-ES" sz="1200" dirty="0">
+                <a:solidFill>
+                  <a:schemeClr val="accent1"/>
+                </a:solidFill>
+              </a:rPr>
+              <a:t>TECHNICAL_PROFESSIONAL_ABILITY</a:t>
+            </a:r>
+          </a:p>
+        </p:txBody>
+      </p:sp>
+      <p:cxnSp>
+        <p:nvCxnSpPr>
+          <p:cNvPr id="9" name="8 Conector angular"/>
+          <p:cNvCxnSpPr>
+            <a:stCxn id="4" idx="2"/>
+            <a:endCxn id="6" idx="1"/>
+          </p:cNvCxnSpPr>
+          <p:nvPr/>
+        </p:nvCxnSpPr>
+        <p:spPr>
+          <a:xfrm rot="16200000" flipH="1">
+            <a:off x="470141" y="-212352"/>
+            <a:ext cx="270493" cy="203679"/>
+          </a:xfrm>
+          <a:prstGeom prst="bentConnector2">
+            <a:avLst/>
+          </a:prstGeom>
+          <a:ln>
+            <a:tailEnd type="arrow"/>
+          </a:ln>
+        </p:spPr>
+        <p:style>
+          <a:lnRef idx="1">
+            <a:schemeClr val="accent1"/>
+          </a:lnRef>
+          <a:fillRef idx="0">
+            <a:schemeClr val="accent1"/>
+          </a:fillRef>
+          <a:effectRef idx="0">
+            <a:schemeClr val="accent1"/>
+          </a:effectRef>
+          <a:fontRef idx="minor">
+            <a:schemeClr val="tx1"/>
+          </a:fontRef>
+        </p:style>
+      </p:cxnSp>
+      <p:cxnSp>
+        <p:nvCxnSpPr>
+          <p:cNvPr id="10" name="9 Conector angular"/>
+          <p:cNvCxnSpPr>
+            <a:stCxn id="4" idx="2"/>
+            <a:endCxn id="7" idx="1"/>
+          </p:cNvCxnSpPr>
+          <p:nvPr/>
+        </p:nvCxnSpPr>
+        <p:spPr>
+          <a:xfrm rot="16200000" flipH="1">
+            <a:off x="-1078031" y="1335820"/>
+            <a:ext cx="3366837" cy="203679"/>
+          </a:xfrm>
+          <a:prstGeom prst="bentConnector2">
+            <a:avLst/>
+          </a:prstGeom>
+          <a:ln>
+            <a:tailEnd type="arrow"/>
+          </a:ln>
+        </p:spPr>
+        <p:style>
+          <a:lnRef idx="1">
+            <a:schemeClr val="accent1"/>
+          </a:lnRef>
+          <a:fillRef idx="0">
+            <a:schemeClr val="accent1"/>
+          </a:fillRef>
+          <a:effectRef idx="0">
+            <a:schemeClr val="accent1"/>
+          </a:effectRef>
+          <a:fontRef idx="minor">
+            <a:schemeClr val="tx1"/>
+          </a:fontRef>
+        </p:style>
+      </p:cxnSp>
+      <p:sp>
+        <p:nvSpPr>
+          <p:cNvPr id="12" name="11 CuadroTexto"/>
+          <p:cNvSpPr txBox="1"/>
+          <p:nvPr/>
+        </p:nvSpPr>
+        <p:spPr>
+          <a:xfrm>
+            <a:off x="4139952" y="752246"/>
+            <a:ext cx="2077813" cy="246221"/>
+          </a:xfrm>
+          <a:prstGeom prst="rect">
+            <a:avLst/>
+          </a:prstGeom>
+          <a:noFill/>
+          <a:ln w="3175">
+            <a:solidFill>
+              <a:schemeClr val="tx1"/>
+            </a:solidFill>
+            <a:prstDash val="dash"/>
+          </a:ln>
+        </p:spPr>
+        <p:txBody>
+          <a:bodyPr wrap="square" rtlCol="0">
+            <a:spAutoFit/>
+          </a:bodyPr>
+          <a:lstStyle>
+            <a:defPPr>
+              <a:defRPr lang="ca-ES"/>
+            </a:defPPr>
+            <a:lvl1pPr>
+              <a:defRPr sz="1000"/>
+            </a:lvl1pPr>
+          </a:lstStyle>
+          <a:p>
+            <a:r>
+              <a:rPr lang="ca-ES" dirty="0"/>
+              <a:t>GENERAL_YEARLY, SPECIFIC_YEARLY</a:t>
+            </a:r>
+          </a:p>
+        </p:txBody>
+      </p:sp>
+      <p:sp>
+        <p:nvSpPr>
+          <p:cNvPr id="13" name="12 CuadroTexto"/>
+          <p:cNvSpPr txBox="1"/>
+          <p:nvPr/>
+        </p:nvSpPr>
+        <p:spPr>
+          <a:xfrm>
+            <a:off x="3275856" y="3861048"/>
+            <a:ext cx="5399235" cy="246221"/>
+          </a:xfrm>
+          <a:prstGeom prst="rect">
+            <a:avLst/>
+          </a:prstGeom>
+          <a:noFill/>
+          <a:ln w="3175">
+            <a:solidFill>
+              <a:schemeClr val="tx1"/>
+            </a:solidFill>
+            <a:prstDash val="dash"/>
+          </a:ln>
+        </p:spPr>
+        <p:txBody>
+          <a:bodyPr wrap="square" rtlCol="0">
+            <a:spAutoFit/>
+          </a:bodyPr>
+          <a:lstStyle>
+            <a:defPPr>
+              <a:defRPr lang="ca-ES"/>
+            </a:defPPr>
+            <a:lvl1pPr>
+              <a:defRPr sz="1000"/>
+            </a:lvl1pPr>
+          </a:lstStyle>
+          <a:p>
+            <a:r>
+              <a:rPr lang="ca-ES" dirty="0"/>
+              <a:t>WORKS_PERFORMANCE, SUPPLIES_DELIVERY_PERFORMANCE, SERVICES_DELIVERY_PERFORMANCE</a:t>
+            </a:r>
+          </a:p>
+        </p:txBody>
+      </p:sp>
+      <p:sp>
+        <p:nvSpPr>
+          <p:cNvPr id="15" name="14 Rectángulo redondeado"/>
+          <p:cNvSpPr/>
+          <p:nvPr/>
+        </p:nvSpPr>
+        <p:spPr>
+          <a:xfrm>
+            <a:off x="2411760" y="306346"/>
+            <a:ext cx="2207282" cy="244307"/>
+          </a:xfrm>
+          <a:prstGeom prst="roundRect">
+            <a:avLst/>
+          </a:prstGeom>
+          <a:noFill/>
+        </p:spPr>
+        <p:style>
+          <a:lnRef idx="2">
+            <a:schemeClr val="accent1">
+              <a:shade val="50000"/>
+            </a:schemeClr>
+          </a:lnRef>
+          <a:fillRef idx="1">
+            <a:schemeClr val="accent1"/>
+          </a:fillRef>
+          <a:effectRef idx="0">
+            <a:schemeClr val="accent1"/>
+          </a:effectRef>
+          <a:fontRef idx="minor">
+            <a:schemeClr val="lt1"/>
+          </a:fontRef>
+        </p:style>
+        <p:txBody>
+          <a:bodyPr rtlCol="0" anchor="ctr"/>
+          <a:lstStyle/>
+          <a:p>
+            <a:pPr algn="ctr"/>
+            <a:r>
+              <a:rPr lang="ca-ES" sz="1200" dirty="0" smtClean="0">
+                <a:solidFill>
+                  <a:schemeClr val="accent1"/>
+                </a:solidFill>
+              </a:rPr>
+              <a:t>TURNOVER</a:t>
+            </a:r>
+            <a:endParaRPr lang="ca-ES" sz="1200" dirty="0">
+              <a:solidFill>
+                <a:schemeClr val="accent1"/>
+              </a:solidFill>
+            </a:endParaRPr>
+          </a:p>
+        </p:txBody>
+      </p:sp>
+      <p:cxnSp>
+        <p:nvCxnSpPr>
+          <p:cNvPr id="16" name="15 Conector angular"/>
+          <p:cNvCxnSpPr>
+            <a:stCxn id="6" idx="2"/>
+            <a:endCxn id="15" idx="1"/>
+          </p:cNvCxnSpPr>
+          <p:nvPr/>
+        </p:nvCxnSpPr>
+        <p:spPr>
+          <a:xfrm rot="16200000" flipH="1">
+            <a:off x="2066952" y="83692"/>
+            <a:ext cx="281612" cy="408003"/>
+          </a:xfrm>
+          <a:prstGeom prst="bentConnector2">
+            <a:avLst/>
+          </a:prstGeom>
+          <a:ln>
+            <a:tailEnd type="arrow"/>
+          </a:ln>
+        </p:spPr>
+        <p:style>
+          <a:lnRef idx="1">
+            <a:schemeClr val="accent1"/>
+          </a:lnRef>
+          <a:fillRef idx="0">
+            <a:schemeClr val="accent1"/>
+          </a:fillRef>
+          <a:effectRef idx="0">
+            <a:schemeClr val="accent1"/>
+          </a:effectRef>
+          <a:fontRef idx="minor">
+            <a:schemeClr val="tx1"/>
+          </a:fontRef>
+        </p:style>
+      </p:cxnSp>
+      <p:sp>
+        <p:nvSpPr>
+          <p:cNvPr id="21" name="20 Rectángulo redondeado"/>
+          <p:cNvSpPr/>
+          <p:nvPr/>
+        </p:nvSpPr>
+        <p:spPr>
+          <a:xfrm>
+            <a:off x="2273212" y="3502981"/>
+            <a:ext cx="1132685" cy="244307"/>
+          </a:xfrm>
+          <a:prstGeom prst="roundRect">
+            <a:avLst/>
+          </a:prstGeom>
+          <a:noFill/>
+        </p:spPr>
+        <p:style>
+          <a:lnRef idx="2">
+            <a:schemeClr val="accent1">
+              <a:shade val="50000"/>
+            </a:schemeClr>
+          </a:lnRef>
+          <a:fillRef idx="1">
+            <a:schemeClr val="accent1"/>
+          </a:fillRef>
+          <a:effectRef idx="0">
+            <a:schemeClr val="accent1"/>
+          </a:effectRef>
+          <a:fontRef idx="minor">
+            <a:schemeClr val="lt1"/>
+          </a:fontRef>
+        </p:style>
+        <p:txBody>
+          <a:bodyPr rtlCol="0" anchor="ctr"/>
+          <a:lstStyle/>
+          <a:p>
+            <a:pPr algn="ctr"/>
+            <a:r>
+              <a:rPr lang="ca-ES" sz="1200" dirty="0" smtClean="0">
+                <a:solidFill>
+                  <a:schemeClr val="accent1"/>
+                </a:solidFill>
+              </a:rPr>
+              <a:t>REFERENCES</a:t>
+            </a:r>
+            <a:endParaRPr lang="ca-ES" sz="1200" dirty="0">
+              <a:solidFill>
+                <a:schemeClr val="accent1"/>
+              </a:solidFill>
+            </a:endParaRPr>
+          </a:p>
+        </p:txBody>
+      </p:sp>
+      <p:cxnSp>
+        <p:nvCxnSpPr>
+          <p:cNvPr id="22" name="21 Conector angular"/>
+          <p:cNvCxnSpPr>
+            <a:stCxn id="7" idx="2"/>
+            <a:endCxn id="21" idx="1"/>
+          </p:cNvCxnSpPr>
+          <p:nvPr/>
+        </p:nvCxnSpPr>
+        <p:spPr>
+          <a:xfrm rot="16200000" flipH="1">
+            <a:off x="1947533" y="3299455"/>
+            <a:ext cx="381903" cy="269455"/>
+          </a:xfrm>
+          <a:prstGeom prst="bentConnector2">
+            <a:avLst/>
+          </a:prstGeom>
+          <a:ln>
+            <a:tailEnd type="arrow"/>
+          </a:ln>
+        </p:spPr>
+        <p:style>
+          <a:lnRef idx="1">
+            <a:schemeClr val="accent1"/>
+          </a:lnRef>
+          <a:fillRef idx="0">
+            <a:schemeClr val="accent1"/>
+          </a:fillRef>
+          <a:effectRef idx="0">
+            <a:schemeClr val="accent1"/>
+          </a:effectRef>
+          <a:fontRef idx="minor">
+            <a:schemeClr val="tx1"/>
+          </a:fontRef>
+        </p:style>
+      </p:cxnSp>
+      <p:cxnSp>
+        <p:nvCxnSpPr>
+          <p:cNvPr id="25" name="24 Conector angular"/>
+          <p:cNvCxnSpPr>
+            <a:stCxn id="7" idx="2"/>
+            <a:endCxn id="52" idx="1"/>
+          </p:cNvCxnSpPr>
+          <p:nvPr/>
+        </p:nvCxnSpPr>
+        <p:spPr>
+          <a:xfrm rot="16200000" flipH="1">
+            <a:off x="1356902" y="3890086"/>
+            <a:ext cx="1485688" cy="191979"/>
+          </a:xfrm>
+          <a:prstGeom prst="bentConnector2">
+            <a:avLst/>
+          </a:prstGeom>
+          <a:ln>
+            <a:tailEnd type="arrow"/>
+          </a:ln>
+        </p:spPr>
+        <p:style>
+          <a:lnRef idx="1">
+            <a:schemeClr val="accent1"/>
+          </a:lnRef>
+          <a:fillRef idx="0">
+            <a:schemeClr val="accent1"/>
+          </a:fillRef>
+          <a:effectRef idx="0">
+            <a:schemeClr val="accent1"/>
+          </a:effectRef>
+          <a:fontRef idx="minor">
+            <a:schemeClr val="tx1"/>
+          </a:fontRef>
+        </p:style>
+      </p:cxnSp>
+      <p:cxnSp>
+        <p:nvCxnSpPr>
+          <p:cNvPr id="29" name="28 Conector angular"/>
+          <p:cNvCxnSpPr>
+            <a:stCxn id="7" idx="2"/>
+            <a:endCxn id="54" idx="1"/>
+          </p:cNvCxnSpPr>
+          <p:nvPr/>
+        </p:nvCxnSpPr>
+        <p:spPr>
+          <a:xfrm rot="16200000" flipH="1">
+            <a:off x="822459" y="4424529"/>
+            <a:ext cx="2554574" cy="191979"/>
+          </a:xfrm>
+          <a:prstGeom prst="bentConnector2">
+            <a:avLst/>
+          </a:prstGeom>
+          <a:ln>
+            <a:tailEnd type="arrow"/>
+          </a:ln>
+        </p:spPr>
+        <p:style>
+          <a:lnRef idx="1">
+            <a:schemeClr val="accent1"/>
+          </a:lnRef>
+          <a:fillRef idx="0">
+            <a:schemeClr val="accent1"/>
+          </a:fillRef>
+          <a:effectRef idx="0">
+            <a:schemeClr val="accent1"/>
+          </a:effectRef>
+          <a:fontRef idx="minor">
+            <a:schemeClr val="tx1"/>
+          </a:fontRef>
+        </p:style>
+      </p:cxnSp>
+      <p:cxnSp>
+        <p:nvCxnSpPr>
+          <p:cNvPr id="32" name="31 Conector angular"/>
+          <p:cNvCxnSpPr>
+            <a:stCxn id="7" idx="2"/>
+            <a:endCxn id="56" idx="1"/>
+          </p:cNvCxnSpPr>
+          <p:nvPr/>
+        </p:nvCxnSpPr>
+        <p:spPr>
+          <a:xfrm rot="16200000" flipH="1">
+            <a:off x="1009203" y="4237785"/>
+            <a:ext cx="2181087" cy="191979"/>
+          </a:xfrm>
+          <a:prstGeom prst="bentConnector2">
+            <a:avLst/>
+          </a:prstGeom>
+          <a:ln>
+            <a:tailEnd type="arrow"/>
+          </a:ln>
+        </p:spPr>
+        <p:style>
+          <a:lnRef idx="1">
+            <a:schemeClr val="accent1"/>
+          </a:lnRef>
+          <a:fillRef idx="0">
+            <a:schemeClr val="accent1"/>
+          </a:fillRef>
+          <a:effectRef idx="0">
+            <a:schemeClr val="accent1"/>
+          </a:effectRef>
+          <a:fontRef idx="minor">
+            <a:schemeClr val="tx1"/>
+          </a:fontRef>
+        </p:style>
+      </p:cxnSp>
+      <p:sp>
+        <p:nvSpPr>
+          <p:cNvPr id="57" name="56 CuadroTexto"/>
+          <p:cNvSpPr txBox="1"/>
+          <p:nvPr/>
+        </p:nvSpPr>
+        <p:spPr>
+          <a:xfrm>
+            <a:off x="4180428" y="1096520"/>
+            <a:ext cx="2077813" cy="246221"/>
+          </a:xfrm>
+          <a:prstGeom prst="rect">
+            <a:avLst/>
+          </a:prstGeom>
+          <a:noFill/>
+          <a:ln w="3175">
+            <a:solidFill>
+              <a:schemeClr val="tx1"/>
+            </a:solidFill>
+            <a:prstDash val="dash"/>
+          </a:ln>
+        </p:spPr>
+        <p:txBody>
+          <a:bodyPr wrap="square" rtlCol="0">
+            <a:spAutoFit/>
+          </a:bodyPr>
+          <a:lstStyle>
+            <a:defPPr>
+              <a:defRPr lang="ca-ES"/>
+            </a:defPPr>
+            <a:lvl1pPr>
+              <a:defRPr sz="1000"/>
+            </a:lvl1pPr>
+          </a:lstStyle>
+          <a:p>
+            <a:r>
+              <a:rPr lang="ca-ES" dirty="0"/>
+              <a:t>GENERAL_YEARLY, SPECIFIC_YEARLY</a:t>
+            </a:r>
+          </a:p>
+        </p:txBody>
+      </p:sp>
+      <p:cxnSp>
+        <p:nvCxnSpPr>
+          <p:cNvPr id="62" name="61 Conector angular"/>
+          <p:cNvCxnSpPr>
+            <a:stCxn id="15" idx="2"/>
+            <a:endCxn id="12" idx="1"/>
+          </p:cNvCxnSpPr>
+          <p:nvPr/>
+        </p:nvCxnSpPr>
+        <p:spPr>
+          <a:xfrm rot="16200000" flipH="1">
+            <a:off x="3665324" y="400729"/>
+            <a:ext cx="324704" cy="624551"/>
+          </a:xfrm>
+          <a:prstGeom prst="bentConnector2">
+            <a:avLst/>
+          </a:prstGeom>
+          <a:ln>
+            <a:tailEnd type="arrow"/>
+          </a:ln>
+        </p:spPr>
+        <p:style>
+          <a:lnRef idx="1">
+            <a:schemeClr val="accent1"/>
+          </a:lnRef>
+          <a:fillRef idx="0">
+            <a:schemeClr val="accent1"/>
+          </a:fillRef>
+          <a:effectRef idx="0">
+            <a:schemeClr val="accent1"/>
+          </a:effectRef>
+          <a:fontRef idx="minor">
+            <a:schemeClr val="tx1"/>
+          </a:fontRef>
+        </p:style>
+      </p:cxnSp>
+      <p:cxnSp>
+        <p:nvCxnSpPr>
+          <p:cNvPr id="65" name="64 Conector angular"/>
+          <p:cNvCxnSpPr>
+            <a:stCxn id="15" idx="2"/>
+            <a:endCxn id="57" idx="1"/>
+          </p:cNvCxnSpPr>
+          <p:nvPr/>
+        </p:nvCxnSpPr>
+        <p:spPr>
+          <a:xfrm rot="16200000" flipH="1">
+            <a:off x="3513425" y="552628"/>
+            <a:ext cx="668978" cy="665027"/>
+          </a:xfrm>
+          <a:prstGeom prst="bentConnector2">
+            <a:avLst/>
+          </a:prstGeom>
+          <a:ln>
+            <a:tailEnd type="arrow"/>
+          </a:ln>
+        </p:spPr>
+        <p:style>
+          <a:lnRef idx="1">
+            <a:schemeClr val="accent1"/>
+          </a:lnRef>
+          <a:fillRef idx="0">
+            <a:schemeClr val="accent1"/>
+          </a:fillRef>
+          <a:effectRef idx="0">
+            <a:schemeClr val="accent1"/>
+          </a:effectRef>
+          <a:fontRef idx="minor">
+            <a:schemeClr val="tx1"/>
+          </a:fontRef>
+        </p:style>
+      </p:cxnSp>
+      <p:sp>
+        <p:nvSpPr>
+          <p:cNvPr id="68" name="67 CuadroTexto"/>
+          <p:cNvSpPr txBox="1"/>
+          <p:nvPr/>
+        </p:nvSpPr>
+        <p:spPr>
+          <a:xfrm>
+            <a:off x="4196194" y="1416084"/>
+            <a:ext cx="580608" cy="246221"/>
+          </a:xfrm>
+          <a:prstGeom prst="rect">
+            <a:avLst/>
+          </a:prstGeom>
+          <a:noFill/>
+          <a:ln w="3175">
+            <a:solidFill>
+              <a:schemeClr val="tx1"/>
+            </a:solidFill>
+            <a:prstDash val="dash"/>
+          </a:ln>
+        </p:spPr>
+        <p:txBody>
+          <a:bodyPr wrap="square" rtlCol="0">
+            <a:spAutoFit/>
+          </a:bodyPr>
+          <a:lstStyle>
+            <a:defPPr>
+              <a:defRPr lang="ca-ES"/>
+            </a:defPPr>
+            <a:lvl1pPr>
+              <a:defRPr sz="1000"/>
+            </a:lvl1pPr>
+          </a:lstStyle>
+          <a:p>
+            <a:r>
+              <a:rPr lang="ca-ES" dirty="0"/>
+              <a:t>SET_UP</a:t>
+            </a:r>
+          </a:p>
+        </p:txBody>
+      </p:sp>
+      <p:cxnSp>
+        <p:nvCxnSpPr>
+          <p:cNvPr id="69" name="68 Conector angular"/>
+          <p:cNvCxnSpPr>
+            <a:stCxn id="15" idx="2"/>
+            <a:endCxn id="68" idx="1"/>
+          </p:cNvCxnSpPr>
+          <p:nvPr/>
+        </p:nvCxnSpPr>
+        <p:spPr>
+          <a:xfrm rot="16200000" flipH="1">
+            <a:off x="3361526" y="704527"/>
+            <a:ext cx="988542" cy="680793"/>
+          </a:xfrm>
+          <a:prstGeom prst="bentConnector2">
+            <a:avLst/>
+          </a:prstGeom>
+          <a:ln>
+            <a:tailEnd type="arrow"/>
+          </a:ln>
+        </p:spPr>
+        <p:style>
+          <a:lnRef idx="1">
+            <a:schemeClr val="accent1"/>
+          </a:lnRef>
+          <a:fillRef idx="0">
+            <a:schemeClr val="accent1"/>
+          </a:fillRef>
+          <a:effectRef idx="0">
+            <a:schemeClr val="accent1"/>
+          </a:effectRef>
+          <a:fontRef idx="minor">
+            <a:schemeClr val="tx1"/>
+          </a:fontRef>
+        </p:style>
+      </p:cxnSp>
+      <p:cxnSp>
+        <p:nvCxnSpPr>
+          <p:cNvPr id="72" name="71 Conector angular"/>
+          <p:cNvCxnSpPr>
+            <a:stCxn id="6" idx="2"/>
+            <a:endCxn id="74" idx="1"/>
+          </p:cNvCxnSpPr>
+          <p:nvPr/>
+        </p:nvCxnSpPr>
+        <p:spPr>
+          <a:xfrm rot="16200000" flipH="1">
+            <a:off x="1367242" y="783402"/>
+            <a:ext cx="1720815" cy="447785"/>
+          </a:xfrm>
+          <a:prstGeom prst="bentConnector2">
+            <a:avLst/>
+          </a:prstGeom>
+          <a:ln>
+            <a:tailEnd type="arrow"/>
+          </a:ln>
+        </p:spPr>
+        <p:style>
+          <a:lnRef idx="1">
+            <a:schemeClr val="accent1"/>
+          </a:lnRef>
+          <a:fillRef idx="0">
+            <a:schemeClr val="accent1"/>
+          </a:fillRef>
+          <a:effectRef idx="0">
+            <a:schemeClr val="accent1"/>
+          </a:effectRef>
+          <a:fontRef idx="minor">
+            <a:schemeClr val="tx1"/>
+          </a:fontRef>
+        </p:style>
+      </p:cxnSp>
+      <p:sp>
+        <p:nvSpPr>
+          <p:cNvPr id="74" name="73 CuadroTexto"/>
+          <p:cNvSpPr txBox="1"/>
+          <p:nvPr/>
+        </p:nvSpPr>
+        <p:spPr>
+          <a:xfrm>
+            <a:off x="2451542" y="1744592"/>
+            <a:ext cx="1132041" cy="246221"/>
+          </a:xfrm>
+          <a:prstGeom prst="rect">
+            <a:avLst/>
+          </a:prstGeom>
+          <a:noFill/>
+          <a:ln w="3175">
+            <a:solidFill>
+              <a:schemeClr val="tx1"/>
+            </a:solidFill>
+            <a:prstDash val="dash"/>
+          </a:ln>
+        </p:spPr>
+        <p:txBody>
+          <a:bodyPr wrap="square" rtlCol="0">
+            <a:spAutoFit/>
+          </a:bodyPr>
+          <a:lstStyle>
+            <a:defPPr>
+              <a:defRPr lang="ca-ES"/>
+            </a:defPPr>
+            <a:lvl1pPr>
+              <a:defRPr sz="1000"/>
+            </a:lvl1pPr>
+          </a:lstStyle>
+          <a:p>
+            <a:r>
+              <a:rPr lang="ca-ES" dirty="0"/>
+              <a:t>FINANCIAL_RATIO</a:t>
+            </a:r>
+          </a:p>
+        </p:txBody>
+      </p:sp>
+      <p:sp>
+        <p:nvSpPr>
+          <p:cNvPr id="76" name="75 CuadroTexto"/>
+          <p:cNvSpPr txBox="1"/>
+          <p:nvPr/>
+        </p:nvSpPr>
+        <p:spPr>
+          <a:xfrm>
+            <a:off x="2451542" y="2104632"/>
+            <a:ext cx="1760418" cy="246221"/>
+          </a:xfrm>
+          <a:prstGeom prst="rect">
+            <a:avLst/>
+          </a:prstGeom>
+          <a:noFill/>
+          <a:ln w="3175">
+            <a:solidFill>
+              <a:schemeClr val="tx1"/>
+            </a:solidFill>
+            <a:prstDash val="dash"/>
+          </a:ln>
+        </p:spPr>
+        <p:txBody>
+          <a:bodyPr wrap="square" rtlCol="0">
+            <a:spAutoFit/>
+          </a:bodyPr>
+          <a:lstStyle>
+            <a:defPPr>
+              <a:defRPr lang="ca-ES"/>
+            </a:defPPr>
+            <a:lvl1pPr>
+              <a:defRPr sz="1000"/>
+            </a:lvl1pPr>
+          </a:lstStyle>
+          <a:p>
+            <a:r>
+              <a:rPr lang="ca-ES" dirty="0"/>
+              <a:t>RISK_INDEMNITY_INSURANCE</a:t>
+            </a:r>
+          </a:p>
+        </p:txBody>
+      </p:sp>
+      <p:cxnSp>
+        <p:nvCxnSpPr>
+          <p:cNvPr id="77" name="76 Conector angular"/>
+          <p:cNvCxnSpPr>
+            <a:stCxn id="6" idx="2"/>
+            <a:endCxn id="76" idx="1"/>
+          </p:cNvCxnSpPr>
+          <p:nvPr/>
+        </p:nvCxnSpPr>
+        <p:spPr>
+          <a:xfrm rot="16200000" flipH="1">
+            <a:off x="1187222" y="963422"/>
+            <a:ext cx="2080855" cy="447785"/>
+          </a:xfrm>
+          <a:prstGeom prst="bentConnector2">
+            <a:avLst/>
+          </a:prstGeom>
+          <a:ln>
+            <a:tailEnd type="arrow"/>
+          </a:ln>
+        </p:spPr>
+        <p:style>
+          <a:lnRef idx="1">
+            <a:schemeClr val="accent1"/>
+          </a:lnRef>
+          <a:fillRef idx="0">
+            <a:schemeClr val="accent1"/>
+          </a:fillRef>
+          <a:effectRef idx="0">
+            <a:schemeClr val="accent1"/>
+          </a:effectRef>
+          <a:fontRef idx="minor">
+            <a:schemeClr val="tx1"/>
+          </a:fontRef>
+        </p:style>
+      </p:cxnSp>
+      <p:sp>
+        <p:nvSpPr>
+          <p:cNvPr id="80" name="79 CuadroTexto"/>
+          <p:cNvSpPr txBox="1"/>
+          <p:nvPr/>
+        </p:nvSpPr>
+        <p:spPr>
+          <a:xfrm>
+            <a:off x="2451542" y="2464672"/>
+            <a:ext cx="1447832" cy="246221"/>
+          </a:xfrm>
+          <a:prstGeom prst="rect">
+            <a:avLst/>
+          </a:prstGeom>
+          <a:noFill/>
+          <a:ln w="3175">
+            <a:solidFill>
+              <a:schemeClr val="tx1"/>
+            </a:solidFill>
+            <a:prstDash val="dash"/>
+          </a:ln>
+        </p:spPr>
+        <p:txBody>
+          <a:bodyPr wrap="square" rtlCol="0">
+            <a:spAutoFit/>
+          </a:bodyPr>
+          <a:lstStyle>
+            <a:defPPr>
+              <a:defRPr lang="ca-ES"/>
+            </a:defPPr>
+            <a:lvl1pPr>
+              <a:defRPr sz="1000"/>
+            </a:lvl1pPr>
+          </a:lstStyle>
+          <a:p>
+            <a:r>
+              <a:rPr lang="ca-ES" dirty="0"/>
+              <a:t>OTHER_REQUIREMENTS</a:t>
+            </a:r>
+          </a:p>
+        </p:txBody>
+      </p:sp>
+      <p:cxnSp>
+        <p:nvCxnSpPr>
+          <p:cNvPr id="81" name="80 Conector angular"/>
+          <p:cNvCxnSpPr>
+            <a:stCxn id="6" idx="2"/>
+            <a:endCxn id="80" idx="1"/>
+          </p:cNvCxnSpPr>
+          <p:nvPr/>
+        </p:nvCxnSpPr>
+        <p:spPr>
+          <a:xfrm rot="16200000" flipH="1">
+            <a:off x="1007202" y="1143442"/>
+            <a:ext cx="2440895" cy="447785"/>
+          </a:xfrm>
+          <a:prstGeom prst="bentConnector2">
+            <a:avLst/>
+          </a:prstGeom>
+          <a:ln>
+            <a:tailEnd type="arrow"/>
+          </a:ln>
+        </p:spPr>
+        <p:style>
+          <a:lnRef idx="1">
+            <a:schemeClr val="accent1"/>
+          </a:lnRef>
+          <a:fillRef idx="0">
+            <a:schemeClr val="accent1"/>
+          </a:fillRef>
+          <a:effectRef idx="0">
+            <a:schemeClr val="accent1"/>
+          </a:effectRef>
+          <a:fontRef idx="minor">
+            <a:schemeClr val="tx1"/>
+          </a:fontRef>
+        </p:style>
+      </p:cxnSp>
+      <p:sp>
+        <p:nvSpPr>
+          <p:cNvPr id="52" name="51 CuadroTexto"/>
+          <p:cNvSpPr txBox="1"/>
+          <p:nvPr/>
+        </p:nvSpPr>
+        <p:spPr>
+          <a:xfrm>
+            <a:off x="2195736" y="4221088"/>
+            <a:ext cx="5168810" cy="1015663"/>
+          </a:xfrm>
+          <a:prstGeom prst="rect">
+            <a:avLst/>
+          </a:prstGeom>
+          <a:noFill/>
+          <a:ln w="3175">
+            <a:solidFill>
+              <a:schemeClr val="tx1"/>
+            </a:solidFill>
+            <a:prstDash val="dash"/>
+          </a:ln>
+        </p:spPr>
+        <p:txBody>
+          <a:bodyPr wrap="square" rtlCol="0">
+            <a:spAutoFit/>
+          </a:bodyPr>
+          <a:lstStyle/>
+          <a:p>
+            <a:r>
+              <a:rPr lang="ca-ES" sz="1000" dirty="0"/>
+              <a:t>TECHNICAL.TECHNICIANS_FOR_QUALITY_CONTROL, TECHNICAL.TECHNICIANS_FOR_CARRYING_WORKS, TECHNICAL.FACILITIES_FOR_QUALITY_ENSURING, TECHNICAL.FACILITIES_FOR_STUDY_RESEARCH, TECHNICAL.SUPPLY_CHAIN_MANAGEMENT, TECHNICAL.PROFESSIONAL_QUALIFICATIONS, TECHNICAL.ENVIRONMENTAL_MANAGEMENT_MEASURES, </a:t>
+            </a:r>
+            <a:r>
+              <a:rPr lang="ca-ES" sz="1000" dirty="0" smtClean="0"/>
+              <a:t>TECHNICAL.EQUIPMENT</a:t>
+            </a:r>
+          </a:p>
+        </p:txBody>
+      </p:sp>
+      <p:sp>
+        <p:nvSpPr>
+          <p:cNvPr id="54" name="53 CuadroTexto"/>
+          <p:cNvSpPr txBox="1"/>
+          <p:nvPr/>
+        </p:nvSpPr>
+        <p:spPr>
+          <a:xfrm>
+            <a:off x="2195736" y="5674695"/>
+            <a:ext cx="5168810" cy="246221"/>
+          </a:xfrm>
+          <a:prstGeom prst="rect">
+            <a:avLst/>
+          </a:prstGeom>
+          <a:noFill/>
+          <a:ln w="3175">
+            <a:solidFill>
+              <a:schemeClr val="tx1"/>
+            </a:solidFill>
+            <a:prstDash val="dash"/>
+          </a:ln>
+        </p:spPr>
+        <p:txBody>
+          <a:bodyPr wrap="square" rtlCol="0">
+            <a:spAutoFit/>
+          </a:bodyPr>
+          <a:lstStyle>
+            <a:defPPr>
+              <a:defRPr lang="ca-ES"/>
+            </a:defPPr>
+            <a:lvl1pPr>
+              <a:defRPr sz="1000"/>
+            </a:lvl1pPr>
+          </a:lstStyle>
+          <a:p>
+            <a:r>
+              <a:rPr lang="ca-ES" dirty="0"/>
+              <a:t>MANAGEMENT.MANAGERIAL_STAFF, MANAGEMENT.AVERAGE_ANNUAL_MANPOWER</a:t>
+            </a:r>
+          </a:p>
+        </p:txBody>
+      </p:sp>
+      <p:sp>
+        <p:nvSpPr>
+          <p:cNvPr id="56" name="55 CuadroTexto"/>
+          <p:cNvSpPr txBox="1"/>
+          <p:nvPr/>
+        </p:nvSpPr>
+        <p:spPr>
+          <a:xfrm>
+            <a:off x="2195736" y="5301208"/>
+            <a:ext cx="5168810" cy="246221"/>
+          </a:xfrm>
+          <a:prstGeom prst="rect">
+            <a:avLst/>
+          </a:prstGeom>
+          <a:noFill/>
+          <a:ln w="3175">
+            <a:solidFill>
+              <a:schemeClr val="tx1"/>
+            </a:solidFill>
+            <a:prstDash val="dash"/>
+          </a:ln>
+        </p:spPr>
+        <p:txBody>
+          <a:bodyPr wrap="square" rtlCol="0">
+            <a:spAutoFit/>
+          </a:bodyPr>
+          <a:lstStyle>
+            <a:defPPr>
+              <a:defRPr lang="ca-ES"/>
+            </a:defPPr>
+            <a:lvl1pPr>
+              <a:defRPr sz="1000"/>
+            </a:lvl1pPr>
+          </a:lstStyle>
+          <a:p>
+            <a:r>
+              <a:rPr lang="ca-ES" dirty="0"/>
+              <a:t>TECHNICAL.CHECKS.ALLOWANCE_OF_CHECKS</a:t>
+            </a:r>
+          </a:p>
+        </p:txBody>
+      </p:sp>
+      <p:sp>
+        <p:nvSpPr>
+          <p:cNvPr id="63" name="62 CuadroTexto"/>
+          <p:cNvSpPr txBox="1"/>
+          <p:nvPr/>
+        </p:nvSpPr>
+        <p:spPr>
+          <a:xfrm>
+            <a:off x="2195736" y="6008979"/>
+            <a:ext cx="5168810" cy="246221"/>
+          </a:xfrm>
+          <a:prstGeom prst="rect">
+            <a:avLst/>
+          </a:prstGeom>
+          <a:noFill/>
+          <a:ln w="3175">
+            <a:solidFill>
+              <a:schemeClr val="tx1"/>
+            </a:solidFill>
+            <a:prstDash val="dash"/>
+          </a:ln>
+        </p:spPr>
+        <p:txBody>
+          <a:bodyPr wrap="square" rtlCol="0">
+            <a:spAutoFit/>
+          </a:bodyPr>
+          <a:lstStyle>
+            <a:defPPr>
+              <a:defRPr lang="ca-ES"/>
+            </a:defPPr>
+            <a:lvl1pPr>
+              <a:defRPr sz="1000"/>
+            </a:lvl1pPr>
+          </a:lstStyle>
+          <a:p>
+            <a:r>
+              <a:rPr lang="ca-ES" dirty="0"/>
+              <a:t>MANAGEMENT.SUBCONTRACTING_PROPORTION</a:t>
+            </a:r>
+          </a:p>
+        </p:txBody>
+      </p:sp>
+      <p:cxnSp>
+        <p:nvCxnSpPr>
+          <p:cNvPr id="64" name="63 Conector angular"/>
+          <p:cNvCxnSpPr>
+            <a:stCxn id="7" idx="2"/>
+            <a:endCxn id="63" idx="1"/>
+          </p:cNvCxnSpPr>
+          <p:nvPr/>
+        </p:nvCxnSpPr>
+        <p:spPr>
+          <a:xfrm rot="16200000" flipH="1">
+            <a:off x="655317" y="4591671"/>
+            <a:ext cx="2888858" cy="191979"/>
+          </a:xfrm>
+          <a:prstGeom prst="bentConnector2">
+            <a:avLst/>
+          </a:prstGeom>
+          <a:ln>
+            <a:tailEnd type="arrow"/>
+          </a:ln>
+        </p:spPr>
+        <p:style>
+          <a:lnRef idx="1">
+            <a:schemeClr val="accent1"/>
+          </a:lnRef>
+          <a:fillRef idx="0">
+            <a:schemeClr val="accent1"/>
+          </a:fillRef>
+          <a:effectRef idx="0">
+            <a:schemeClr val="accent1"/>
+          </a:effectRef>
+          <a:fontRef idx="minor">
+            <a:schemeClr val="tx1"/>
+          </a:fontRef>
+        </p:style>
+      </p:cxnSp>
+      <p:sp>
+        <p:nvSpPr>
+          <p:cNvPr id="70" name="69 CuadroTexto"/>
+          <p:cNvSpPr txBox="1"/>
+          <p:nvPr/>
+        </p:nvSpPr>
+        <p:spPr>
+          <a:xfrm>
+            <a:off x="2195736" y="6358102"/>
+            <a:ext cx="5168810" cy="246221"/>
+          </a:xfrm>
+          <a:prstGeom prst="rect">
+            <a:avLst/>
+          </a:prstGeom>
+          <a:noFill/>
+          <a:ln w="3175">
+            <a:solidFill>
+              <a:schemeClr val="tx1"/>
+            </a:solidFill>
+            <a:prstDash val="dash"/>
+          </a:ln>
+        </p:spPr>
+        <p:txBody>
+          <a:bodyPr wrap="square" rtlCol="0">
+            <a:spAutoFit/>
+          </a:bodyPr>
+          <a:lstStyle>
+            <a:defPPr>
+              <a:defRPr lang="ca-ES"/>
+            </a:defPPr>
+            <a:lvl1pPr>
+              <a:defRPr sz="1000"/>
+            </a:lvl1pPr>
+          </a:lstStyle>
+          <a:p>
+            <a:r>
+              <a:rPr lang="en-GB" dirty="0"/>
+              <a:t>MANAGEMENT.ARTEFACTS.NO_AUTHENTICATED_ARTEFACTS</a:t>
+            </a:r>
+            <a:endParaRPr lang="ca-ES" dirty="0"/>
+          </a:p>
+        </p:txBody>
+      </p:sp>
+      <p:cxnSp>
+        <p:nvCxnSpPr>
+          <p:cNvPr id="71" name="70 Conector angular"/>
+          <p:cNvCxnSpPr>
+            <a:stCxn id="7" idx="2"/>
+            <a:endCxn id="70" idx="1"/>
+          </p:cNvCxnSpPr>
+          <p:nvPr/>
+        </p:nvCxnSpPr>
+        <p:spPr>
+          <a:xfrm rot="16200000" flipH="1">
+            <a:off x="480756" y="4766232"/>
+            <a:ext cx="3237981" cy="191979"/>
+          </a:xfrm>
+          <a:prstGeom prst="bentConnector2">
+            <a:avLst/>
+          </a:prstGeom>
+          <a:ln>
+            <a:tailEnd type="arrow"/>
+          </a:ln>
+        </p:spPr>
+        <p:style>
+          <a:lnRef idx="1">
+            <a:schemeClr val="accent1"/>
+          </a:lnRef>
+          <a:fillRef idx="0">
+            <a:schemeClr val="accent1"/>
+          </a:fillRef>
+          <a:effectRef idx="0">
+            <a:schemeClr val="accent1"/>
+          </a:effectRef>
+          <a:fontRef idx="minor">
+            <a:schemeClr val="tx1"/>
+          </a:fontRef>
+        </p:style>
+      </p:cxnSp>
+      <p:sp>
+        <p:nvSpPr>
+          <p:cNvPr id="73" name="72 CuadroTexto"/>
+          <p:cNvSpPr txBox="1"/>
+          <p:nvPr/>
+        </p:nvSpPr>
+        <p:spPr>
+          <a:xfrm>
+            <a:off x="2195736" y="6667387"/>
+            <a:ext cx="6524221" cy="248436"/>
+          </a:xfrm>
+          <a:prstGeom prst="rect">
+            <a:avLst/>
+          </a:prstGeom>
+          <a:noFill/>
+          <a:ln w="3175">
+            <a:solidFill>
+              <a:schemeClr val="tx1"/>
+            </a:solidFill>
+            <a:prstDash val="dash"/>
+          </a:ln>
+        </p:spPr>
+        <p:txBody>
+          <a:bodyPr wrap="square" rtlCol="0">
+            <a:spAutoFit/>
+          </a:bodyPr>
+          <a:lstStyle>
+            <a:defPPr>
+              <a:defRPr lang="ca-ES"/>
+            </a:defPPr>
+            <a:lvl1pPr>
+              <a:defRPr sz="1000"/>
+            </a:lvl1pPr>
+          </a:lstStyle>
+          <a:p>
+            <a:r>
+              <a:rPr lang="en-GB" dirty="0"/>
+              <a:t>MANAGEMENT.ARTEFACTS.NO_AUTHENTICATED_ARTEFACTS, MANAGEMENT.ARTEFACTS.AUTHENTICATED_ARTEFACTS</a:t>
+            </a:r>
+            <a:endParaRPr lang="ca-ES" dirty="0"/>
+          </a:p>
+        </p:txBody>
+      </p:sp>
+      <p:sp>
+        <p:nvSpPr>
+          <p:cNvPr id="75" name="74 CuadroTexto"/>
+          <p:cNvSpPr txBox="1"/>
+          <p:nvPr/>
+        </p:nvSpPr>
+        <p:spPr>
+          <a:xfrm>
+            <a:off x="2195736" y="7011661"/>
+            <a:ext cx="7344455" cy="248436"/>
+          </a:xfrm>
+          <a:prstGeom prst="rect">
+            <a:avLst/>
+          </a:prstGeom>
+          <a:noFill/>
+          <a:ln w="3175">
+            <a:solidFill>
+              <a:schemeClr val="tx1"/>
+            </a:solidFill>
+            <a:prstDash val="dash"/>
+          </a:ln>
+        </p:spPr>
+        <p:txBody>
+          <a:bodyPr wrap="square" rtlCol="0">
+            <a:spAutoFit/>
+          </a:bodyPr>
+          <a:lstStyle>
+            <a:defPPr>
+              <a:defRPr lang="ca-ES"/>
+            </a:defPPr>
+            <a:lvl1pPr>
+              <a:defRPr sz="1000"/>
+            </a:lvl1pPr>
+          </a:lstStyle>
+          <a:p>
+            <a:r>
+              <a:rPr lang="en-GB" dirty="0"/>
+              <a:t>CERTIFICATES.QUALITY_ASSURANCE.QA_INSTITUTES_CERTIFICATE, CERTIFICATES.QUALITY_ASSURANCE.QA_INDEPENDENT_CERTIFICATE</a:t>
+            </a:r>
+            <a:endParaRPr lang="ca-ES" dirty="0"/>
+          </a:p>
+        </p:txBody>
+      </p:sp>
+      <p:cxnSp>
+        <p:nvCxnSpPr>
+          <p:cNvPr id="78" name="77 Conector angular"/>
+          <p:cNvCxnSpPr>
+            <a:stCxn id="7" idx="2"/>
+            <a:endCxn id="73" idx="1"/>
+          </p:cNvCxnSpPr>
+          <p:nvPr/>
+        </p:nvCxnSpPr>
+        <p:spPr>
+          <a:xfrm rot="16200000" flipH="1">
+            <a:off x="325560" y="4921428"/>
+            <a:ext cx="3548373" cy="191979"/>
+          </a:xfrm>
+          <a:prstGeom prst="bentConnector2">
+            <a:avLst/>
+          </a:prstGeom>
+          <a:ln>
+            <a:tailEnd type="arrow"/>
+          </a:ln>
+        </p:spPr>
+        <p:style>
+          <a:lnRef idx="1">
+            <a:schemeClr val="accent1"/>
+          </a:lnRef>
+          <a:fillRef idx="0">
+            <a:schemeClr val="accent1"/>
+          </a:fillRef>
+          <a:effectRef idx="0">
+            <a:schemeClr val="accent1"/>
+          </a:effectRef>
+          <a:fontRef idx="minor">
+            <a:schemeClr val="tx1"/>
+          </a:fontRef>
+        </p:style>
+      </p:cxnSp>
+      <p:cxnSp>
+        <p:nvCxnSpPr>
+          <p:cNvPr id="79" name="78 Conector angular"/>
+          <p:cNvCxnSpPr>
+            <a:stCxn id="7" idx="2"/>
+            <a:endCxn id="75" idx="1"/>
+          </p:cNvCxnSpPr>
+          <p:nvPr/>
+        </p:nvCxnSpPr>
+        <p:spPr>
+          <a:xfrm rot="16200000" flipH="1">
+            <a:off x="153423" y="5093565"/>
+            <a:ext cx="3892647" cy="191979"/>
+          </a:xfrm>
+          <a:prstGeom prst="bentConnector2">
+            <a:avLst/>
+          </a:prstGeom>
+          <a:ln>
+            <a:tailEnd type="arrow"/>
+          </a:ln>
+        </p:spPr>
+        <p:style>
+          <a:lnRef idx="1">
+            <a:schemeClr val="accent1"/>
+          </a:lnRef>
+          <a:fillRef idx="0">
+            <a:schemeClr val="accent1"/>
+          </a:fillRef>
+          <a:effectRef idx="0">
+            <a:schemeClr val="accent1"/>
+          </a:effectRef>
+          <a:fontRef idx="minor">
+            <a:schemeClr val="tx1"/>
+          </a:fontRef>
+        </p:style>
+      </p:cxnSp>
+      <p:cxnSp>
+        <p:nvCxnSpPr>
+          <p:cNvPr id="82" name="81 Conector angular"/>
+          <p:cNvCxnSpPr>
+            <a:stCxn id="21" idx="2"/>
+            <a:endCxn id="13" idx="1"/>
+          </p:cNvCxnSpPr>
+          <p:nvPr/>
+        </p:nvCxnSpPr>
+        <p:spPr>
+          <a:xfrm rot="16200000" flipH="1">
+            <a:off x="2939270" y="3647572"/>
+            <a:ext cx="236871" cy="436301"/>
+          </a:xfrm>
+          <a:prstGeom prst="bentConnector2">
+            <a:avLst/>
+          </a:prstGeom>
+          <a:ln>
+            <a:tailEnd type="arrow"/>
+          </a:ln>
+        </p:spPr>
+        <p:style>
+          <a:lnRef idx="1">
+            <a:schemeClr val="accent1"/>
+          </a:lnRef>
+          <a:fillRef idx="0">
+            <a:schemeClr val="accent1"/>
+          </a:fillRef>
+          <a:effectRef idx="0">
+            <a:schemeClr val="accent1"/>
+          </a:effectRef>
+          <a:fontRef idx="minor">
+            <a:schemeClr val="tx1"/>
+          </a:fontRef>
+        </p:style>
+      </p:cxnSp>
+    </p:spTree>
+    <p:extLst>
+      <p:ext uri="{BB962C8B-B14F-4D97-AF65-F5344CB8AC3E}">
+        <p14:creationId xmlns:p14="http://schemas.microsoft.com/office/powerpoint/2010/main" val="280864731"/>
+      </p:ext>
+    </p:extLst>
+  </p:cSld>
+  <p:clrMapOvr>
+    <a:masterClrMapping/>
+  </p:clrMapOvr>
+</p:sld>
+</file>
+
+<file path=ppt/slides/slide7.xml><?xml version="1.0" encoding="utf-8"?>
+<p:sld xmlns:a="http://schemas.openxmlformats.org/drawingml/2006/main" xmlns:r="http://schemas.openxmlformats.org/officeDocument/2006/relationships" xmlns:p="http://schemas.openxmlformats.org/presentationml/2006/main">
+  <p:cSld>
+    <p:spTree>
+      <p:nvGrpSpPr>
+        <p:cNvPr id="1" name=""/>
+        <p:cNvGrpSpPr/>
+        <p:nvPr/>
+      </p:nvGrpSpPr>
+      <p:grpSpPr>
+        <a:xfrm>
+          <a:off x="0" y="0"/>
+          <a:ext cx="0" cy="0"/>
+          <a:chOff x="0" y="0"/>
+          <a:chExt cx="0" cy="0"/>
+        </a:xfrm>
+      </p:grpSpPr>
       <p:pic>
         <p:nvPicPr>
           <p:cNvPr id="16" name="Picture 2"/>
@@ -11660,7 +14320,7 @@
 </p:sld>
 </file>
 
-<file path=ppt/slides/slide7.xml><?xml version="1.0" encoding="utf-8"?>
+<file path=ppt/slides/slide8.xml><?xml version="1.0" encoding="utf-8"?>
 <p:sld xmlns:a="http://schemas.openxmlformats.org/drawingml/2006/main" xmlns:r="http://schemas.openxmlformats.org/officeDocument/2006/relationships" xmlns:p="http://schemas.openxmlformats.org/presentationml/2006/main">
   <p:cSld>
     <p:spTree>
@@ -11923,7 +14583,7 @@
 </p:sld>
 </file>
 
-<file path=ppt/slides/slide8.xml><?xml version="1.0" encoding="utf-8"?>
+<file path=ppt/slides/slide9.xml><?xml version="1.0" encoding="utf-8"?>
 <p:sld xmlns:a="http://schemas.openxmlformats.org/drawingml/2006/main" xmlns:r="http://schemas.openxmlformats.org/officeDocument/2006/relationships" xmlns:p="http://schemas.openxmlformats.org/presentationml/2006/main">
   <p:cSld>
     <p:spTree>
@@ -11983,681 +14643,6 @@
     <p:extLst>
       <p:ext uri="{BB962C8B-B14F-4D97-AF65-F5344CB8AC3E}">
         <p14:creationId xmlns:p14="http://schemas.microsoft.com/office/powerpoint/2010/main" val="2858786359"/>
-      </p:ext>
-    </p:extLst>
-  </p:cSld>
-  <p:clrMapOvr>
-    <a:masterClrMapping/>
-  </p:clrMapOvr>
-</p:sld>
-</file>
-
-<file path=ppt/slides/slide9.xml><?xml version="1.0" encoding="utf-8"?>
-<p:sld xmlns:a="http://schemas.openxmlformats.org/drawingml/2006/main" xmlns:r="http://schemas.openxmlformats.org/officeDocument/2006/relationships" xmlns:p="http://schemas.openxmlformats.org/presentationml/2006/main">
-  <p:cSld>
-    <p:spTree>
-      <p:nvGrpSpPr>
-        <p:cNvPr id="1" name=""/>
-        <p:cNvGrpSpPr/>
-        <p:nvPr/>
-      </p:nvGrpSpPr>
-      <p:grpSpPr>
-        <a:xfrm>
-          <a:off x="0" y="0"/>
-          <a:ext cx="0" cy="0"/>
-          <a:chOff x="0" y="0"/>
-          <a:chExt cx="0" cy="0"/>
-        </a:xfrm>
-      </p:grpSpPr>
-      <p:pic>
-        <p:nvPicPr>
-          <p:cNvPr id="1026" name="Picture 2" descr="C:\ESPD-EDM-02.00.00-asciidoc\espd-data-model\docs\src\main\asciidoc\images\PaymentOfTaxes_EO_mock-up.png"/>
-          <p:cNvPicPr>
-            <a:picLocks noChangeAspect="1" noChangeArrowheads="1"/>
-          </p:cNvPicPr>
-          <p:nvPr/>
-        </p:nvPicPr>
-        <p:blipFill>
-          <a:blip r:embed="rId2">
-            <a:extLst>
-              <a:ext uri="{28A0092B-C50C-407E-A947-70E740481C1C}">
-                <a14:useLocalDpi xmlns:a14="http://schemas.microsoft.com/office/drawing/2010/main" val="0"/>
-              </a:ext>
-            </a:extLst>
-          </a:blip>
-          <a:srcRect/>
-          <a:stretch>
-            <a:fillRect/>
-          </a:stretch>
-        </p:blipFill>
-        <p:spPr bwMode="auto">
-          <a:xfrm>
-            <a:off x="-252536" y="116632"/>
-            <a:ext cx="9572625" cy="6029325"/>
-          </a:xfrm>
-          <a:prstGeom prst="rect">
-            <a:avLst/>
-          </a:prstGeom>
-          <a:noFill/>
-          <a:extLst>
-            <a:ext uri="{909E8E84-426E-40DD-AFC4-6F175D3DCCD1}">
-              <a14:hiddenFill xmlns:a14="http://schemas.microsoft.com/office/drawing/2010/main">
-                <a:solidFill>
-                  <a:srgbClr val="FFFFFF"/>
-                </a:solidFill>
-              </a14:hiddenFill>
-            </a:ext>
-          </a:extLst>
-        </p:spPr>
-      </p:pic>
-      <p:sp>
-        <p:nvSpPr>
-          <p:cNvPr id="4" name="3 Rectángulo redondeado"/>
-          <p:cNvSpPr/>
-          <p:nvPr/>
-        </p:nvSpPr>
-        <p:spPr>
-          <a:xfrm>
-            <a:off x="3563888" y="2564904"/>
-            <a:ext cx="5580112" cy="1872208"/>
-          </a:xfrm>
-          <a:prstGeom prst="roundRect">
-            <a:avLst/>
-          </a:prstGeom>
-          <a:noFill/>
-          <a:ln>
-            <a:solidFill>
-              <a:srgbClr val="92D050"/>
-            </a:solidFill>
-            <a:prstDash val="sysDash"/>
-          </a:ln>
-        </p:spPr>
-        <p:style>
-          <a:lnRef idx="2">
-            <a:schemeClr val="accent1">
-              <a:shade val="50000"/>
-            </a:schemeClr>
-          </a:lnRef>
-          <a:fillRef idx="1">
-            <a:schemeClr val="accent1"/>
-          </a:fillRef>
-          <a:effectRef idx="0">
-            <a:schemeClr val="accent1"/>
-          </a:effectRef>
-          <a:fontRef idx="minor">
-            <a:schemeClr val="lt1"/>
-          </a:fontRef>
-        </p:style>
-        <p:txBody>
-          <a:bodyPr rtlCol="0" anchor="ctr"/>
-          <a:lstStyle/>
-          <a:p>
-            <a:pPr algn="ctr"/>
-            <a:endParaRPr lang="en-GB"/>
-          </a:p>
-        </p:txBody>
-      </p:sp>
-      <p:sp>
-        <p:nvSpPr>
-          <p:cNvPr id="5" name="4 CuadroTexto"/>
-          <p:cNvSpPr txBox="1"/>
-          <p:nvPr/>
-        </p:nvSpPr>
-        <p:spPr>
-          <a:xfrm>
-            <a:off x="899592" y="2767073"/>
-            <a:ext cx="2088232" cy="1477328"/>
-          </a:xfrm>
-          <a:prstGeom prst="rect">
-            <a:avLst/>
-          </a:prstGeom>
-          <a:noFill/>
-        </p:spPr>
-        <p:txBody>
-          <a:bodyPr wrap="square" rtlCol="0">
-            <a:spAutoFit/>
-          </a:bodyPr>
-          <a:lstStyle/>
-          <a:p>
-            <a:r>
-              <a:rPr lang="en-GB" dirty="0" smtClean="0">
-                <a:solidFill>
-                  <a:srgbClr val="00B050"/>
-                </a:solidFill>
-              </a:rPr>
-              <a:t>This property is shown only if the answer to the previous QUESTION is ‘Yes’</a:t>
-            </a:r>
-            <a:endParaRPr lang="en-GB" dirty="0">
-              <a:solidFill>
-                <a:srgbClr val="00B050"/>
-              </a:solidFill>
-            </a:endParaRPr>
-          </a:p>
-        </p:txBody>
-      </p:sp>
-      <p:cxnSp>
-        <p:nvCxnSpPr>
-          <p:cNvPr id="7" name="6 Conector recto de flecha"/>
-          <p:cNvCxnSpPr>
-            <a:stCxn id="5" idx="3"/>
-            <a:endCxn id="4" idx="1"/>
-          </p:cNvCxnSpPr>
-          <p:nvPr/>
-        </p:nvCxnSpPr>
-        <p:spPr>
-          <a:xfrm flipV="1">
-            <a:off x="2987824" y="3501008"/>
-            <a:ext cx="576064" cy="4729"/>
-          </a:xfrm>
-          <a:prstGeom prst="straightConnector1">
-            <a:avLst/>
-          </a:prstGeom>
-          <a:ln w="19050">
-            <a:solidFill>
-              <a:srgbClr val="92D050"/>
-            </a:solidFill>
-            <a:tailEnd type="arrow"/>
-          </a:ln>
-        </p:spPr>
-        <p:style>
-          <a:lnRef idx="1">
-            <a:schemeClr val="accent1"/>
-          </a:lnRef>
-          <a:fillRef idx="0">
-            <a:schemeClr val="accent1"/>
-          </a:fillRef>
-          <a:effectRef idx="0">
-            <a:schemeClr val="accent1"/>
-          </a:effectRef>
-          <a:fontRef idx="minor">
-            <a:schemeClr val="tx1"/>
-          </a:fontRef>
-        </p:style>
-      </p:cxnSp>
-      <p:sp>
-        <p:nvSpPr>
-          <p:cNvPr id="10" name="9 Elipse"/>
-          <p:cNvSpPr/>
-          <p:nvPr/>
-        </p:nvSpPr>
-        <p:spPr>
-          <a:xfrm>
-            <a:off x="8980381" y="2755015"/>
-            <a:ext cx="237681" cy="223557"/>
-          </a:xfrm>
-          <a:prstGeom prst="ellipse">
-            <a:avLst/>
-          </a:prstGeom>
-          <a:solidFill>
-            <a:srgbClr val="0070C0"/>
-          </a:solidFill>
-          <a:ln>
-            <a:noFill/>
-          </a:ln>
-        </p:spPr>
-        <p:style>
-          <a:lnRef idx="2">
-            <a:schemeClr val="accent1">
-              <a:shade val="50000"/>
-            </a:schemeClr>
-          </a:lnRef>
-          <a:fillRef idx="1">
-            <a:schemeClr val="accent1"/>
-          </a:fillRef>
-          <a:effectRef idx="0">
-            <a:schemeClr val="accent1"/>
-          </a:effectRef>
-          <a:fontRef idx="minor">
-            <a:schemeClr val="lt1"/>
-          </a:fontRef>
-        </p:style>
-        <p:txBody>
-          <a:bodyPr rtlCol="0" anchor="ctr"/>
-          <a:lstStyle/>
-          <a:p>
-            <a:pPr algn="ctr"/>
-            <a:r>
-              <a:rPr lang="en-GB" sz="1200" dirty="0" smtClean="0"/>
-              <a:t>4</a:t>
-            </a:r>
-            <a:endParaRPr lang="en-GB" sz="1200" dirty="0"/>
-          </a:p>
-        </p:txBody>
-      </p:sp>
-      <p:sp>
-        <p:nvSpPr>
-          <p:cNvPr id="11" name="10 Elipse"/>
-          <p:cNvSpPr/>
-          <p:nvPr/>
-        </p:nvSpPr>
-        <p:spPr>
-          <a:xfrm>
-            <a:off x="8980381" y="4020844"/>
-            <a:ext cx="237681" cy="223557"/>
-          </a:xfrm>
-          <a:prstGeom prst="ellipse">
-            <a:avLst/>
-          </a:prstGeom>
-          <a:solidFill>
-            <a:srgbClr val="0070C0"/>
-          </a:solidFill>
-          <a:ln>
-            <a:noFill/>
-          </a:ln>
-        </p:spPr>
-        <p:style>
-          <a:lnRef idx="2">
-            <a:schemeClr val="accent1">
-              <a:shade val="50000"/>
-            </a:schemeClr>
-          </a:lnRef>
-          <a:fillRef idx="1">
-            <a:schemeClr val="accent1"/>
-          </a:fillRef>
-          <a:effectRef idx="0">
-            <a:schemeClr val="accent1"/>
-          </a:effectRef>
-          <a:fontRef idx="minor">
-            <a:schemeClr val="lt1"/>
-          </a:fontRef>
-        </p:style>
-        <p:txBody>
-          <a:bodyPr rtlCol="0" anchor="ctr"/>
-          <a:lstStyle/>
-          <a:p>
-            <a:pPr algn="ctr"/>
-            <a:endParaRPr lang="en-GB" sz="1200" dirty="0"/>
-          </a:p>
-        </p:txBody>
-      </p:sp>
-      <p:sp>
-        <p:nvSpPr>
-          <p:cNvPr id="12" name="11 Elipse"/>
-          <p:cNvSpPr/>
-          <p:nvPr/>
-        </p:nvSpPr>
-        <p:spPr>
-          <a:xfrm>
-            <a:off x="8980381" y="4951051"/>
-            <a:ext cx="237681" cy="223557"/>
-          </a:xfrm>
-          <a:prstGeom prst="ellipse">
-            <a:avLst/>
-          </a:prstGeom>
-          <a:solidFill>
-            <a:srgbClr val="0070C0"/>
-          </a:solidFill>
-          <a:ln>
-            <a:noFill/>
-          </a:ln>
-        </p:spPr>
-        <p:style>
-          <a:lnRef idx="2">
-            <a:schemeClr val="accent1">
-              <a:shade val="50000"/>
-            </a:schemeClr>
-          </a:lnRef>
-          <a:fillRef idx="1">
-            <a:schemeClr val="accent1"/>
-          </a:fillRef>
-          <a:effectRef idx="0">
-            <a:schemeClr val="accent1"/>
-          </a:effectRef>
-          <a:fontRef idx="minor">
-            <a:schemeClr val="lt1"/>
-          </a:fontRef>
-        </p:style>
-        <p:txBody>
-          <a:bodyPr rtlCol="0" anchor="ctr"/>
-          <a:lstStyle/>
-          <a:p>
-            <a:pPr algn="ctr"/>
-            <a:r>
-              <a:rPr lang="en-GB" sz="1200" dirty="0" smtClean="0"/>
-              <a:t>6</a:t>
-            </a:r>
-            <a:endParaRPr lang="en-GB" sz="1200" dirty="0"/>
-          </a:p>
-        </p:txBody>
-      </p:sp>
-      <p:sp>
-        <p:nvSpPr>
-          <p:cNvPr id="13" name="12 Elipse"/>
-          <p:cNvSpPr/>
-          <p:nvPr/>
-        </p:nvSpPr>
-        <p:spPr>
-          <a:xfrm>
-            <a:off x="8980381" y="5328504"/>
-            <a:ext cx="237681" cy="223557"/>
-          </a:xfrm>
-          <a:prstGeom prst="ellipse">
-            <a:avLst/>
-          </a:prstGeom>
-          <a:solidFill>
-            <a:srgbClr val="0070C0"/>
-          </a:solidFill>
-          <a:ln>
-            <a:noFill/>
-          </a:ln>
-        </p:spPr>
-        <p:style>
-          <a:lnRef idx="2">
-            <a:schemeClr val="accent1">
-              <a:shade val="50000"/>
-            </a:schemeClr>
-          </a:lnRef>
-          <a:fillRef idx="1">
-            <a:schemeClr val="accent1"/>
-          </a:fillRef>
-          <a:effectRef idx="0">
-            <a:schemeClr val="accent1"/>
-          </a:effectRef>
-          <a:fontRef idx="minor">
-            <a:schemeClr val="lt1"/>
-          </a:fontRef>
-        </p:style>
-        <p:txBody>
-          <a:bodyPr rtlCol="0" anchor="ctr"/>
-          <a:lstStyle/>
-          <a:p>
-            <a:pPr algn="ctr"/>
-            <a:r>
-              <a:rPr lang="en-GB" sz="1200" smtClean="0"/>
-              <a:t>7</a:t>
-            </a:r>
-            <a:endParaRPr lang="en-GB" sz="1200" dirty="0"/>
-          </a:p>
-        </p:txBody>
-      </p:sp>
-      <p:sp>
-        <p:nvSpPr>
-          <p:cNvPr id="14" name="13 Elipse"/>
-          <p:cNvSpPr/>
-          <p:nvPr/>
-        </p:nvSpPr>
-        <p:spPr>
-          <a:xfrm>
-            <a:off x="8980381" y="5702192"/>
-            <a:ext cx="237681" cy="223557"/>
-          </a:xfrm>
-          <a:prstGeom prst="ellipse">
-            <a:avLst/>
-          </a:prstGeom>
-          <a:solidFill>
-            <a:srgbClr val="0070C0"/>
-          </a:solidFill>
-          <a:ln>
-            <a:noFill/>
-          </a:ln>
-        </p:spPr>
-        <p:style>
-          <a:lnRef idx="2">
-            <a:schemeClr val="accent1">
-              <a:shade val="50000"/>
-            </a:schemeClr>
-          </a:lnRef>
-          <a:fillRef idx="1">
-            <a:schemeClr val="accent1"/>
-          </a:fillRef>
-          <a:effectRef idx="0">
-            <a:schemeClr val="accent1"/>
-          </a:effectRef>
-          <a:fontRef idx="minor">
-            <a:schemeClr val="lt1"/>
-          </a:fontRef>
-        </p:style>
-        <p:txBody>
-          <a:bodyPr rtlCol="0" anchor="ctr"/>
-          <a:lstStyle/>
-          <a:p>
-            <a:pPr algn="ctr"/>
-            <a:r>
-              <a:rPr lang="en-GB" sz="1200" smtClean="0"/>
-              <a:t>8</a:t>
-            </a:r>
-            <a:endParaRPr lang="en-GB" sz="1200" dirty="0"/>
-          </a:p>
-        </p:txBody>
-      </p:sp>
-      <p:sp>
-        <p:nvSpPr>
-          <p:cNvPr id="15" name="14 CuadroTexto"/>
-          <p:cNvSpPr txBox="1"/>
-          <p:nvPr/>
-        </p:nvSpPr>
-        <p:spPr>
-          <a:xfrm>
-            <a:off x="8970820" y="3998557"/>
-            <a:ext cx="256802" cy="261610"/>
-          </a:xfrm>
-          <a:prstGeom prst="rect">
-            <a:avLst/>
-          </a:prstGeom>
-          <a:noFill/>
-        </p:spPr>
-        <p:txBody>
-          <a:bodyPr wrap="none" rtlCol="0">
-            <a:spAutoFit/>
-          </a:bodyPr>
-          <a:lstStyle/>
-          <a:p>
-            <a:pPr algn="ctr"/>
-            <a:r>
-              <a:rPr lang="en-GB" sz="1100" dirty="0" smtClean="0">
-                <a:solidFill>
-                  <a:schemeClr val="bg1"/>
-                </a:solidFill>
-              </a:rPr>
-              <a:t>5</a:t>
-            </a:r>
-            <a:endParaRPr lang="en-GB" sz="1100" dirty="0">
-              <a:solidFill>
-                <a:schemeClr val="bg1"/>
-              </a:solidFill>
-            </a:endParaRPr>
-          </a:p>
-        </p:txBody>
-      </p:sp>
-      <p:sp>
-        <p:nvSpPr>
-          <p:cNvPr id="20" name="19 Elipse"/>
-          <p:cNvSpPr/>
-          <p:nvPr/>
-        </p:nvSpPr>
-        <p:spPr>
-          <a:xfrm>
-            <a:off x="8980381" y="1342853"/>
-            <a:ext cx="237681" cy="223557"/>
-          </a:xfrm>
-          <a:prstGeom prst="ellipse">
-            <a:avLst/>
-          </a:prstGeom>
-          <a:solidFill>
-            <a:srgbClr val="0070C0"/>
-          </a:solidFill>
-          <a:ln>
-            <a:noFill/>
-          </a:ln>
-        </p:spPr>
-        <p:style>
-          <a:lnRef idx="2">
-            <a:schemeClr val="accent1">
-              <a:shade val="50000"/>
-            </a:schemeClr>
-          </a:lnRef>
-          <a:fillRef idx="1">
-            <a:schemeClr val="accent1"/>
-          </a:fillRef>
-          <a:effectRef idx="0">
-            <a:schemeClr val="accent1"/>
-          </a:effectRef>
-          <a:fontRef idx="minor">
-            <a:schemeClr val="lt1"/>
-          </a:fontRef>
-        </p:style>
-        <p:txBody>
-          <a:bodyPr rtlCol="0" anchor="ctr"/>
-          <a:lstStyle/>
-          <a:p>
-            <a:pPr algn="ctr"/>
-            <a:r>
-              <a:rPr lang="en-GB" sz="1200" dirty="0"/>
-              <a:t>2</a:t>
-            </a:r>
-          </a:p>
-        </p:txBody>
-      </p:sp>
-      <p:sp>
-        <p:nvSpPr>
-          <p:cNvPr id="24" name="23 Elipse"/>
-          <p:cNvSpPr/>
-          <p:nvPr/>
-        </p:nvSpPr>
-        <p:spPr>
-          <a:xfrm>
-            <a:off x="8980381" y="1804348"/>
-            <a:ext cx="237681" cy="223557"/>
-          </a:xfrm>
-          <a:prstGeom prst="ellipse">
-            <a:avLst/>
-          </a:prstGeom>
-          <a:solidFill>
-            <a:srgbClr val="0070C0"/>
-          </a:solidFill>
-          <a:ln>
-            <a:noFill/>
-          </a:ln>
-        </p:spPr>
-        <p:style>
-          <a:lnRef idx="2">
-            <a:schemeClr val="accent1">
-              <a:shade val="50000"/>
-            </a:schemeClr>
-          </a:lnRef>
-          <a:fillRef idx="1">
-            <a:schemeClr val="accent1"/>
-          </a:fillRef>
-          <a:effectRef idx="0">
-            <a:schemeClr val="accent1"/>
-          </a:effectRef>
-          <a:fontRef idx="minor">
-            <a:schemeClr val="lt1"/>
-          </a:fontRef>
-        </p:style>
-        <p:txBody>
-          <a:bodyPr rtlCol="0" anchor="ctr"/>
-          <a:lstStyle/>
-          <a:p>
-            <a:pPr algn="ctr"/>
-            <a:r>
-              <a:rPr lang="en-GB" sz="1200" dirty="0" smtClean="0"/>
-              <a:t>3</a:t>
-            </a:r>
-            <a:endParaRPr lang="en-GB" sz="1200" dirty="0"/>
-          </a:p>
-        </p:txBody>
-      </p:sp>
-      <p:sp>
-        <p:nvSpPr>
-          <p:cNvPr id="2" name="1 Rectángulo"/>
-          <p:cNvSpPr/>
-          <p:nvPr/>
-        </p:nvSpPr>
-        <p:spPr>
-          <a:xfrm>
-            <a:off x="-12004" y="1680949"/>
-            <a:ext cx="1224136" cy="416282"/>
-          </a:xfrm>
-          <a:prstGeom prst="rect">
-            <a:avLst/>
-          </a:prstGeom>
-          <a:solidFill>
-            <a:schemeClr val="bg1"/>
-          </a:solidFill>
-          <a:ln>
-            <a:noFill/>
-          </a:ln>
-        </p:spPr>
-        <p:style>
-          <a:lnRef idx="2">
-            <a:schemeClr val="accent1">
-              <a:shade val="50000"/>
-            </a:schemeClr>
-          </a:lnRef>
-          <a:fillRef idx="1">
-            <a:schemeClr val="accent1"/>
-          </a:fillRef>
-          <a:effectRef idx="0">
-            <a:schemeClr val="accent1"/>
-          </a:effectRef>
-          <a:fontRef idx="minor">
-            <a:schemeClr val="lt1"/>
-          </a:fontRef>
-        </p:style>
-        <p:txBody>
-          <a:bodyPr rtlCol="0" anchor="ctr"/>
-          <a:lstStyle/>
-          <a:p>
-            <a:pPr algn="ctr"/>
-            <a:endParaRPr lang="en-GB"/>
-          </a:p>
-        </p:txBody>
-      </p:sp>
-      <p:sp>
-        <p:nvSpPr>
-          <p:cNvPr id="16" name="15 Elipse"/>
-          <p:cNvSpPr/>
-          <p:nvPr/>
-        </p:nvSpPr>
-        <p:spPr>
-          <a:xfrm>
-            <a:off x="-371377" y="1118988"/>
-            <a:ext cx="237681" cy="223557"/>
-          </a:xfrm>
-          <a:prstGeom prst="ellipse">
-            <a:avLst/>
-          </a:prstGeom>
-          <a:solidFill>
-            <a:srgbClr val="0070C0"/>
-          </a:solidFill>
-          <a:ln>
-            <a:noFill/>
-          </a:ln>
-        </p:spPr>
-        <p:style>
-          <a:lnRef idx="2">
-            <a:schemeClr val="accent1">
-              <a:shade val="50000"/>
-            </a:schemeClr>
-          </a:lnRef>
-          <a:fillRef idx="1">
-            <a:schemeClr val="accent1"/>
-          </a:fillRef>
-          <a:effectRef idx="0">
-            <a:schemeClr val="accent1"/>
-          </a:effectRef>
-          <a:fontRef idx="minor">
-            <a:schemeClr val="lt1"/>
-          </a:fontRef>
-        </p:style>
-        <p:txBody>
-          <a:bodyPr rtlCol="0" anchor="ctr"/>
-          <a:lstStyle/>
-          <a:p>
-            <a:pPr algn="ctr"/>
-            <a:r>
-              <a:rPr lang="en-GB" sz="1200" dirty="0" smtClean="0"/>
-              <a:t>1</a:t>
-            </a:r>
-            <a:endParaRPr lang="en-GB" sz="1200" dirty="0"/>
-          </a:p>
-        </p:txBody>
-      </p:sp>
-    </p:spTree>
-    <p:extLst>
-      <p:ext uri="{BB962C8B-B14F-4D97-AF65-F5344CB8AC3E}">
-        <p14:creationId xmlns:p14="http://schemas.microsoft.com/office/powerpoint/2010/main" val="2606548167"/>
       </p:ext>
     </p:extLst>
   </p:cSld>
